--- a/01_docker/DockerConceptsAndVocabulary.pptx
+++ b/01_docker/DockerConceptsAndVocabulary.pptx
@@ -5,18 +5,20 @@
     <p:sldMasterId id="2147483648" r:id="rId4"/>
   </p:sldMasterIdLst>
   <p:notesMasterIdLst>
-    <p:notesMasterId r:id="rId14"/>
+    <p:notesMasterId r:id="rId16"/>
   </p:notesMasterIdLst>
   <p:sldIdLst>
     <p:sldId id="256" r:id="rId5"/>
     <p:sldId id="257" r:id="rId6"/>
-    <p:sldId id="267" r:id="rId7"/>
-    <p:sldId id="260" r:id="rId8"/>
-    <p:sldId id="259" r:id="rId9"/>
-    <p:sldId id="262" r:id="rId10"/>
-    <p:sldId id="263" r:id="rId11"/>
-    <p:sldId id="264" r:id="rId12"/>
-    <p:sldId id="266" r:id="rId13"/>
+    <p:sldId id="268" r:id="rId7"/>
+    <p:sldId id="269" r:id="rId8"/>
+    <p:sldId id="270" r:id="rId9"/>
+    <p:sldId id="272" r:id="rId10"/>
+    <p:sldId id="271" r:id="rId11"/>
+    <p:sldId id="274" r:id="rId12"/>
+    <p:sldId id="273" r:id="rId13"/>
+    <p:sldId id="276" r:id="rId14"/>
+    <p:sldId id="266" r:id="rId15"/>
   </p:sldIdLst>
   <p:sldSz cx="12192000" cy="6858000"/>
   <p:notesSz cx="6858000" cy="9144000"/>
@@ -1466,111 +1468,6 @@
 </p:notesMaster>
 </file>
 
-<file path=ppt/notesSlides/notesSlide1.xml><?xml version="1.0" encoding="utf-8"?>
-<p:notes xmlns:a="http://schemas.openxmlformats.org/drawingml/2006/main" xmlns:r="http://schemas.openxmlformats.org/officeDocument/2006/relationships" xmlns:p="http://schemas.openxmlformats.org/presentationml/2006/main">
-  <p:cSld>
-    <p:spTree>
-      <p:nvGrpSpPr>
-        <p:cNvPr id="1" name=""/>
-        <p:cNvGrpSpPr/>
-        <p:nvPr/>
-      </p:nvGrpSpPr>
-      <p:grpSpPr>
-        <a:xfrm>
-          <a:off x="0" y="0"/>
-          <a:ext cx="0" cy="0"/>
-          <a:chOff x="0" y="0"/>
-          <a:chExt cx="0" cy="0"/>
-        </a:xfrm>
-      </p:grpSpPr>
-      <p:sp>
-        <p:nvSpPr>
-          <p:cNvPr id="2" name="Slide Image Placeholder 1"/>
-          <p:cNvSpPr>
-            <a:spLocks noGrp="1" noRot="1" noChangeAspect="1"/>
-          </p:cNvSpPr>
-          <p:nvPr>
-            <p:ph type="sldImg"/>
-          </p:nvPr>
-        </p:nvSpPr>
-        <p:spPr/>
-      </p:sp>
-      <p:sp>
-        <p:nvSpPr>
-          <p:cNvPr id="3" name="Notes Placeholder 2"/>
-          <p:cNvSpPr>
-            <a:spLocks noGrp="1"/>
-          </p:cNvSpPr>
-          <p:nvPr>
-            <p:ph type="body" idx="1"/>
-          </p:nvPr>
-        </p:nvSpPr>
-        <p:spPr/>
-        <p:txBody>
-          <a:bodyPr/>
-          <a:lstStyle/>
-          <a:p>
-            <a:pPr marL="0" marR="0" lvl="0" indent="0" algn="l" defTabSz="914400" rtl="0" eaLnBrk="1" fontAlgn="auto" latinLnBrk="0" hangingPunct="1">
-              <a:lnSpc>
-                <a:spcPct val="100000"/>
-              </a:lnSpc>
-              <a:spcBef>
-                <a:spcPts val="0"/>
-              </a:spcBef>
-              <a:spcAft>
-                <a:spcPts val="0"/>
-              </a:spcAft>
-              <a:buClrTx/>
-              <a:buSzTx/>
-              <a:buFontTx/>
-              <a:buNone/>
-              <a:tabLst/>
-              <a:defRPr/>
-            </a:pPr>
-            <a:endParaRPr lang="en-GB" dirty="0">
-              <a:solidFill>
-                <a:schemeClr val="accent3"/>
-              </a:solidFill>
-            </a:endParaRPr>
-          </a:p>
-        </p:txBody>
-      </p:sp>
-      <p:sp>
-        <p:nvSpPr>
-          <p:cNvPr id="4" name="Slide Number Placeholder 3"/>
-          <p:cNvSpPr>
-            <a:spLocks noGrp="1"/>
-          </p:cNvSpPr>
-          <p:nvPr>
-            <p:ph type="sldNum" sz="quarter" idx="5"/>
-          </p:nvPr>
-        </p:nvSpPr>
-        <p:spPr/>
-        <p:txBody>
-          <a:bodyPr/>
-          <a:lstStyle/>
-          <a:p>
-            <a:fld id="{745FFFB7-F2A5-7347-AEB2-258A388E9376}" type="slidenum">
-              <a:rPr lang="en-GB" smtClean="0"/>
-              <a:t>6</a:t>
-            </a:fld>
-            <a:endParaRPr lang="en-GB"/>
-          </a:p>
-        </p:txBody>
-      </p:sp>
-    </p:spTree>
-    <p:extLst>
-      <p:ext uri="{BB962C8B-B14F-4D97-AF65-F5344CB8AC3E}">
-        <p14:creationId xmlns:p14="http://schemas.microsoft.com/office/powerpoint/2010/main" val="1871420806"/>
-      </p:ext>
-    </p:extLst>
-  </p:cSld>
-  <p:clrMapOvr>
-    <a:masterClrMapping/>
-  </p:clrMapOvr>
-</p:notes>
-</file>
-
 <file path=ppt/slideLayouts/slideLayout1.xml><?xml version="1.0" encoding="utf-8"?>
 <p:sldLayout xmlns:a="http://schemas.openxmlformats.org/drawingml/2006/main" xmlns:r="http://schemas.openxmlformats.org/officeDocument/2006/relationships" xmlns:p="http://schemas.openxmlformats.org/presentationml/2006/main" preserve="1" userDrawn="1">
   <p:cSld name="01_Title">
@@ -6844,7 +6741,7 @@
           <a:p>
             <a:r>
               <a:rPr lang="en-GB" dirty="0"/>
-              <a:t>Docker concepts and pictures</a:t>
+              <a:t>Docker concepts and Vocabulary</a:t>
             </a:r>
           </a:p>
         </p:txBody>
@@ -6935,6 +6832,494 @@
     <p:extLst>
       <p:ext uri="{BB962C8B-B14F-4D97-AF65-F5344CB8AC3E}">
         <p14:creationId xmlns:p14="http://schemas.microsoft.com/office/powerpoint/2010/main" val="3436236697"/>
+      </p:ext>
+    </p:extLst>
+  </p:cSld>
+  <p:clrMapOvr>
+    <a:masterClrMapping/>
+  </p:clrMapOvr>
+</p:sld>
+</file>
+
+<file path=ppt/slides/slide10.xml><?xml version="1.0" encoding="utf-8"?>
+<p:sld xmlns:a="http://schemas.openxmlformats.org/drawingml/2006/main" xmlns:r="http://schemas.openxmlformats.org/officeDocument/2006/relationships" xmlns:p="http://schemas.openxmlformats.org/presentationml/2006/main">
+  <p:cSld>
+    <p:spTree>
+      <p:nvGrpSpPr>
+        <p:cNvPr id="1" name=""/>
+        <p:cNvGrpSpPr/>
+        <p:nvPr/>
+      </p:nvGrpSpPr>
+      <p:grpSpPr>
+        <a:xfrm>
+          <a:off x="0" y="0"/>
+          <a:ext cx="0" cy="0"/>
+          <a:chOff x="0" y="0"/>
+          <a:chExt cx="0" cy="0"/>
+        </a:xfrm>
+      </p:grpSpPr>
+      <p:sp>
+        <p:nvSpPr>
+          <p:cNvPr id="8" name="Title 7">
+            <a:extLst>
+              <a:ext uri="{FF2B5EF4-FFF2-40B4-BE49-F238E27FC236}">
+                <a16:creationId xmlns:a16="http://schemas.microsoft.com/office/drawing/2014/main" id="{197044C3-CD23-D844-B780-26FABA91AD0F}"/>
+              </a:ext>
+            </a:extLst>
+          </p:cNvPr>
+          <p:cNvSpPr>
+            <a:spLocks noGrp="1"/>
+          </p:cNvSpPr>
+          <p:nvPr>
+            <p:ph type="title"/>
+          </p:nvPr>
+        </p:nvSpPr>
+        <p:spPr/>
+        <p:txBody>
+          <a:bodyPr/>
+          <a:lstStyle/>
+          <a:p>
+            <a:r>
+              <a:rPr lang="fi-FI" dirty="0" err="1"/>
+              <a:t>volume</a:t>
+            </a:r>
+            <a:endParaRPr lang="fi-FI" dirty="0"/>
+          </a:p>
+        </p:txBody>
+      </p:sp>
+      <p:sp>
+        <p:nvSpPr>
+          <p:cNvPr id="9" name="Content Placeholder 8">
+            <a:extLst>
+              <a:ext uri="{FF2B5EF4-FFF2-40B4-BE49-F238E27FC236}">
+                <a16:creationId xmlns:a16="http://schemas.microsoft.com/office/drawing/2014/main" id="{ACDE61D8-A75A-F94B-B57A-46F276C03311}"/>
+              </a:ext>
+            </a:extLst>
+          </p:cNvPr>
+          <p:cNvSpPr>
+            <a:spLocks noGrp="1"/>
+          </p:cNvSpPr>
+          <p:nvPr>
+            <p:ph sz="half" idx="2"/>
+          </p:nvPr>
+        </p:nvSpPr>
+        <p:spPr/>
+        <p:txBody>
+          <a:bodyPr>
+            <a:normAutofit/>
+          </a:bodyPr>
+          <a:lstStyle/>
+          <a:p>
+            <a:pPr>
+              <a:lnSpc>
+                <a:spcPct val="107000"/>
+              </a:lnSpc>
+              <a:spcAft>
+                <a:spcPts val="800"/>
+              </a:spcAft>
+            </a:pPr>
+            <a:r>
+              <a:rPr lang="en-US" sz="1800" dirty="0">
+                <a:effectLst/>
+                <a:latin typeface="Calibri" panose="020F0502020204030204" pitchFamily="34" charset="0"/>
+                <a:ea typeface="Calibri" panose="020F0502020204030204" pitchFamily="34" charset="0"/>
+                <a:cs typeface="Times New Roman" panose="02020603050405020304" pitchFamily="18" charset="0"/>
+              </a:rPr>
+              <a:t>Persisted folders and files on disk. </a:t>
+            </a:r>
+          </a:p>
+          <a:p>
+            <a:pPr>
+              <a:lnSpc>
+                <a:spcPct val="107000"/>
+              </a:lnSpc>
+              <a:spcAft>
+                <a:spcPts val="800"/>
+              </a:spcAft>
+            </a:pPr>
+            <a:r>
+              <a:rPr lang="en-US" sz="1800" dirty="0">
+                <a:effectLst/>
+                <a:latin typeface="Calibri" panose="020F0502020204030204" pitchFamily="34" charset="0"/>
+                <a:ea typeface="Calibri" panose="020F0502020204030204" pitchFamily="34" charset="0"/>
+                <a:cs typeface="Times New Roman" panose="02020603050405020304" pitchFamily="18" charset="0"/>
+              </a:rPr>
+              <a:t>Allows sharing between containers</a:t>
+            </a:r>
+          </a:p>
+          <a:p>
+            <a:pPr>
+              <a:lnSpc>
+                <a:spcPct val="107000"/>
+              </a:lnSpc>
+              <a:spcAft>
+                <a:spcPts val="800"/>
+              </a:spcAft>
+            </a:pPr>
+            <a:r>
+              <a:rPr lang="en-US" sz="1800" dirty="0">
+                <a:effectLst/>
+                <a:latin typeface="Calibri" panose="020F0502020204030204" pitchFamily="34" charset="0"/>
+                <a:ea typeface="Calibri" panose="020F0502020204030204" pitchFamily="34" charset="0"/>
+                <a:cs typeface="Times New Roman" panose="02020603050405020304" pitchFamily="18" charset="0"/>
+              </a:rPr>
+              <a:t>Also for keeping data between container deletion and re-creation!</a:t>
+            </a:r>
+            <a:endParaRPr lang="fi-FI" sz="1800" dirty="0">
+              <a:effectLst/>
+              <a:latin typeface="Calibri" panose="020F0502020204030204" pitchFamily="34" charset="0"/>
+              <a:ea typeface="Calibri" panose="020F0502020204030204" pitchFamily="34" charset="0"/>
+              <a:cs typeface="Times New Roman" panose="02020603050405020304" pitchFamily="18" charset="0"/>
+            </a:endParaRPr>
+          </a:p>
+          <a:p>
+            <a:endParaRPr lang="fi-FI" dirty="0"/>
+          </a:p>
+        </p:txBody>
+      </p:sp>
+      <p:sp>
+        <p:nvSpPr>
+          <p:cNvPr id="5" name="Date Placeholder 4">
+            <a:extLst>
+              <a:ext uri="{FF2B5EF4-FFF2-40B4-BE49-F238E27FC236}">
+                <a16:creationId xmlns:a16="http://schemas.microsoft.com/office/drawing/2014/main" id="{976244E2-AA76-2742-B2EC-FEC79276155C}"/>
+              </a:ext>
+            </a:extLst>
+          </p:cNvPr>
+          <p:cNvSpPr>
+            <a:spLocks noGrp="1"/>
+          </p:cNvSpPr>
+          <p:nvPr>
+            <p:ph type="dt" sz="half" idx="10"/>
+          </p:nvPr>
+        </p:nvSpPr>
+        <p:spPr/>
+        <p:txBody>
+          <a:bodyPr/>
+          <a:lstStyle/>
+          <a:p>
+            <a:fld id="{202E1EC2-47B8-044B-A09E-6A63B4D80C87}" type="datetime1">
+              <a:rPr lang="fi-FI" smtClean="0"/>
+              <a:t>24.1.2024</a:t>
+            </a:fld>
+            <a:endParaRPr lang="en-GB"/>
+          </a:p>
+        </p:txBody>
+      </p:sp>
+      <p:sp>
+        <p:nvSpPr>
+          <p:cNvPr id="6" name="Footer Placeholder 5">
+            <a:extLst>
+              <a:ext uri="{FF2B5EF4-FFF2-40B4-BE49-F238E27FC236}">
+                <a16:creationId xmlns:a16="http://schemas.microsoft.com/office/drawing/2014/main" id="{588CE607-4137-8840-8FEA-42EAC857E3A3}"/>
+              </a:ext>
+            </a:extLst>
+          </p:cNvPr>
+          <p:cNvSpPr>
+            <a:spLocks noGrp="1"/>
+          </p:cNvSpPr>
+          <p:nvPr>
+            <p:ph type="ftr" sz="quarter" idx="11"/>
+          </p:nvPr>
+        </p:nvSpPr>
+        <p:spPr/>
+        <p:txBody>
+          <a:bodyPr/>
+          <a:lstStyle/>
+          <a:p>
+            <a:endParaRPr lang="en-GB"/>
+          </a:p>
+        </p:txBody>
+      </p:sp>
+      <p:sp>
+        <p:nvSpPr>
+          <p:cNvPr id="7" name="Slide Number Placeholder 6">
+            <a:extLst>
+              <a:ext uri="{FF2B5EF4-FFF2-40B4-BE49-F238E27FC236}">
+                <a16:creationId xmlns:a16="http://schemas.microsoft.com/office/drawing/2014/main" id="{2E133A96-6C73-0844-B8CB-27C2B5F4CFB1}"/>
+              </a:ext>
+            </a:extLst>
+          </p:cNvPr>
+          <p:cNvSpPr>
+            <a:spLocks noGrp="1"/>
+          </p:cNvSpPr>
+          <p:nvPr>
+            <p:ph type="sldNum" sz="quarter" idx="12"/>
+          </p:nvPr>
+        </p:nvSpPr>
+        <p:spPr/>
+        <p:txBody>
+          <a:bodyPr/>
+          <a:lstStyle/>
+          <a:p>
+            <a:fld id="{76BAB7ED-EDE9-4D4B-9A2D-30E18C47C16E}" type="slidenum">
+              <a:rPr lang="en-GB" smtClean="0"/>
+              <a:t>10</a:t>
+            </a:fld>
+            <a:endParaRPr lang="en-GB"/>
+          </a:p>
+        </p:txBody>
+      </p:sp>
+    </p:spTree>
+    <p:extLst>
+      <p:ext uri="{BB962C8B-B14F-4D97-AF65-F5344CB8AC3E}">
+        <p14:creationId xmlns:p14="http://schemas.microsoft.com/office/powerpoint/2010/main" val="1194808136"/>
+      </p:ext>
+    </p:extLst>
+  </p:cSld>
+  <p:clrMapOvr>
+    <a:masterClrMapping/>
+  </p:clrMapOvr>
+</p:sld>
+</file>
+
+<file path=ppt/slides/slide11.xml><?xml version="1.0" encoding="utf-8"?>
+<p:sld xmlns:a="http://schemas.openxmlformats.org/drawingml/2006/main" xmlns:r="http://schemas.openxmlformats.org/officeDocument/2006/relationships" xmlns:p="http://schemas.openxmlformats.org/presentationml/2006/main">
+  <p:cSld>
+    <p:spTree>
+      <p:nvGrpSpPr>
+        <p:cNvPr id="1" name=""/>
+        <p:cNvGrpSpPr/>
+        <p:nvPr/>
+      </p:nvGrpSpPr>
+      <p:grpSpPr>
+        <a:xfrm>
+          <a:off x="0" y="0"/>
+          <a:ext cx="0" cy="0"/>
+          <a:chOff x="0" y="0"/>
+          <a:chExt cx="0" cy="0"/>
+        </a:xfrm>
+      </p:grpSpPr>
+      <p:sp>
+        <p:nvSpPr>
+          <p:cNvPr id="8" name="Title 7">
+            <a:extLst>
+              <a:ext uri="{FF2B5EF4-FFF2-40B4-BE49-F238E27FC236}">
+                <a16:creationId xmlns:a16="http://schemas.microsoft.com/office/drawing/2014/main" id="{49202545-D26B-485C-9E25-62859E92ED89}"/>
+              </a:ext>
+            </a:extLst>
+          </p:cNvPr>
+          <p:cNvSpPr>
+            <a:spLocks noGrp="1"/>
+          </p:cNvSpPr>
+          <p:nvPr>
+            <p:ph type="title"/>
+          </p:nvPr>
+        </p:nvSpPr>
+        <p:spPr/>
+        <p:txBody>
+          <a:bodyPr/>
+          <a:lstStyle/>
+          <a:p>
+            <a:r>
+              <a:rPr lang="fi-FI" dirty="0" err="1"/>
+              <a:t>Enjoy</a:t>
+            </a:r>
+            <a:r>
+              <a:rPr lang="fi-FI" dirty="0"/>
+              <a:t>!</a:t>
+            </a:r>
+            <a:endParaRPr lang="LID4096" dirty="0"/>
+          </a:p>
+        </p:txBody>
+      </p:sp>
+      <p:sp>
+        <p:nvSpPr>
+          <p:cNvPr id="9" name="Text Placeholder 8">
+            <a:extLst>
+              <a:ext uri="{FF2B5EF4-FFF2-40B4-BE49-F238E27FC236}">
+                <a16:creationId xmlns:a16="http://schemas.microsoft.com/office/drawing/2014/main" id="{B5958F18-B2CD-466B-9484-119914465620}"/>
+              </a:ext>
+            </a:extLst>
+          </p:cNvPr>
+          <p:cNvSpPr>
+            <a:spLocks noGrp="1"/>
+          </p:cNvSpPr>
+          <p:nvPr>
+            <p:ph type="body" idx="1"/>
+          </p:nvPr>
+        </p:nvSpPr>
+        <p:spPr>
+          <a:xfrm>
+            <a:off x="6096000" y="4061598"/>
+            <a:ext cx="5580062" cy="1672452"/>
+          </a:xfrm>
+        </p:spPr>
+        <p:txBody>
+          <a:bodyPr/>
+          <a:lstStyle/>
+          <a:p>
+            <a:r>
+              <a:rPr lang="fi-FI" dirty="0" err="1"/>
+              <a:t>Docker</a:t>
+            </a:r>
+            <a:r>
+              <a:rPr lang="fi-FI" dirty="0"/>
+              <a:t> </a:t>
+            </a:r>
+            <a:r>
+              <a:rPr lang="fi-FI" dirty="0" err="1"/>
+              <a:t>might</a:t>
+            </a:r>
+            <a:r>
+              <a:rPr lang="fi-FI" dirty="0"/>
+              <a:t> </a:t>
+            </a:r>
+            <a:r>
+              <a:rPr lang="fi-FI" dirty="0" err="1"/>
+              <a:t>make</a:t>
+            </a:r>
+            <a:r>
+              <a:rPr lang="fi-FI" dirty="0"/>
+              <a:t> </a:t>
+            </a:r>
+            <a:r>
+              <a:rPr lang="fi-FI" dirty="0" err="1"/>
+              <a:t>your</a:t>
+            </a:r>
+            <a:r>
+              <a:rPr lang="fi-FI" dirty="0"/>
+              <a:t> life a </a:t>
+            </a:r>
+            <a:r>
+              <a:rPr lang="fi-FI" dirty="0" err="1"/>
+              <a:t>lot</a:t>
+            </a:r>
+            <a:r>
+              <a:rPr lang="fi-FI" dirty="0"/>
+              <a:t> </a:t>
+            </a:r>
+            <a:r>
+              <a:rPr lang="fi-FI" dirty="0" err="1"/>
+              <a:t>easier</a:t>
+            </a:r>
+            <a:r>
+              <a:rPr lang="fi-FI" dirty="0"/>
+              <a:t>, </a:t>
+            </a:r>
+            <a:r>
+              <a:rPr lang="fi-FI" dirty="0" err="1"/>
+              <a:t>after</a:t>
+            </a:r>
+            <a:r>
+              <a:rPr lang="fi-FI" dirty="0"/>
+              <a:t> some </a:t>
+            </a:r>
+            <a:r>
+              <a:rPr lang="fi-FI" dirty="0" err="1"/>
+              <a:t>invested</a:t>
+            </a:r>
+            <a:r>
+              <a:rPr lang="fi-FI" dirty="0"/>
+              <a:t> </a:t>
+            </a:r>
+            <a:r>
+              <a:rPr lang="fi-FI" dirty="0" err="1"/>
+              <a:t>time</a:t>
+            </a:r>
+            <a:r>
+              <a:rPr lang="fi-FI" dirty="0"/>
+              <a:t> and </a:t>
+            </a:r>
+            <a:r>
+              <a:rPr lang="fi-FI" dirty="0" err="1"/>
+              <a:t>effort</a:t>
+            </a:r>
+            <a:r>
+              <a:rPr lang="fi-FI" dirty="0"/>
+              <a:t>.</a:t>
+            </a:r>
+            <a:endParaRPr lang="LID4096" dirty="0"/>
+          </a:p>
+        </p:txBody>
+      </p:sp>
+      <p:sp>
+        <p:nvSpPr>
+          <p:cNvPr id="3" name="Date Placeholder 2">
+            <a:extLst>
+              <a:ext uri="{FF2B5EF4-FFF2-40B4-BE49-F238E27FC236}">
+                <a16:creationId xmlns:a16="http://schemas.microsoft.com/office/drawing/2014/main" id="{1B360C12-A89E-4C4C-BD2F-3613A5008805}"/>
+              </a:ext>
+            </a:extLst>
+          </p:cNvPr>
+          <p:cNvSpPr>
+            <a:spLocks noGrp="1"/>
+          </p:cNvSpPr>
+          <p:nvPr>
+            <p:ph type="dt" sz="half" idx="10"/>
+          </p:nvPr>
+        </p:nvSpPr>
+        <p:spPr/>
+        <p:txBody>
+          <a:bodyPr/>
+          <a:lstStyle/>
+          <a:p>
+            <a:fld id="{7A2E22EC-FB8F-BE4C-8513-60D11DB7758C}" type="datetime1">
+              <a:rPr lang="fi-FI" smtClean="0"/>
+              <a:t>24.1.2024</a:t>
+            </a:fld>
+            <a:endParaRPr lang="en-GB"/>
+          </a:p>
+        </p:txBody>
+      </p:sp>
+      <p:sp>
+        <p:nvSpPr>
+          <p:cNvPr id="4" name="Footer Placeholder 3">
+            <a:extLst>
+              <a:ext uri="{FF2B5EF4-FFF2-40B4-BE49-F238E27FC236}">
+                <a16:creationId xmlns:a16="http://schemas.microsoft.com/office/drawing/2014/main" id="{C8DE976D-5A91-AB4D-B2D0-A126959D8CD3}"/>
+              </a:ext>
+            </a:extLst>
+          </p:cNvPr>
+          <p:cNvSpPr>
+            <a:spLocks noGrp="1"/>
+          </p:cNvSpPr>
+          <p:nvPr>
+            <p:ph type="ftr" sz="quarter" idx="11"/>
+          </p:nvPr>
+        </p:nvSpPr>
+        <p:spPr/>
+        <p:txBody>
+          <a:bodyPr/>
+          <a:lstStyle/>
+          <a:p>
+            <a:endParaRPr lang="en-GB"/>
+          </a:p>
+        </p:txBody>
+      </p:sp>
+      <p:sp>
+        <p:nvSpPr>
+          <p:cNvPr id="5" name="Slide Number Placeholder 4">
+            <a:extLst>
+              <a:ext uri="{FF2B5EF4-FFF2-40B4-BE49-F238E27FC236}">
+                <a16:creationId xmlns:a16="http://schemas.microsoft.com/office/drawing/2014/main" id="{F8A06A27-2D07-2E41-8780-1ACD4314987F}"/>
+              </a:ext>
+            </a:extLst>
+          </p:cNvPr>
+          <p:cNvSpPr>
+            <a:spLocks noGrp="1"/>
+          </p:cNvSpPr>
+          <p:nvPr>
+            <p:ph type="sldNum" sz="quarter" idx="12"/>
+          </p:nvPr>
+        </p:nvSpPr>
+        <p:spPr/>
+        <p:txBody>
+          <a:bodyPr/>
+          <a:lstStyle/>
+          <a:p>
+            <a:fld id="{76BAB7ED-EDE9-4D4B-9A2D-30E18C47C16E}" type="slidenum">
+              <a:rPr lang="en-GB" smtClean="0"/>
+              <a:t>11</a:t>
+            </a:fld>
+            <a:endParaRPr lang="en-GB"/>
+          </a:p>
+        </p:txBody>
+      </p:sp>
+    </p:spTree>
+    <p:extLst>
+      <p:ext uri="{BB962C8B-B14F-4D97-AF65-F5344CB8AC3E}">
+        <p14:creationId xmlns:p14="http://schemas.microsoft.com/office/powerpoint/2010/main" val="3239231242"/>
       </p:ext>
     </p:extLst>
   </p:cSld>
@@ -7023,13 +7408,22 @@
               <a:buNone/>
             </a:pPr>
             <a:r>
+              <a:rPr lang="en-US" sz="2800" b="1" dirty="0">
+                <a:effectLst/>
+                <a:latin typeface="Calibri" panose="020F0502020204030204" pitchFamily="34" charset="0"/>
+                <a:ea typeface="Calibri" panose="020F0502020204030204" pitchFamily="34" charset="0"/>
+                <a:cs typeface="Times New Roman" panose="02020603050405020304" pitchFamily="18" charset="0"/>
+              </a:rPr>
+              <a:t>PaaS environment </a:t>
+            </a:r>
+            <a:r>
               <a:rPr lang="en-US" sz="2800" dirty="0">
                 <a:effectLst/>
                 <a:latin typeface="Calibri" panose="020F0502020204030204" pitchFamily="34" charset="0"/>
                 <a:ea typeface="Calibri" panose="020F0502020204030204" pitchFamily="34" charset="0"/>
                 <a:cs typeface="Times New Roman" panose="02020603050405020304" pitchFamily="18" charset="0"/>
               </a:rPr>
-              <a:t>PaaS environment to build, deliver and run software as isolated and independent containers.</a:t>
+              <a:t>to build, deliver and run software as isolated and independent containers.</a:t>
             </a:r>
             <a:endParaRPr lang="fi-FI" sz="2800" dirty="0">
               <a:effectLst/>
@@ -7365,7 +7759,7 @@
               </a:spcAft>
             </a:pPr>
             <a:r>
-              <a:rPr lang="en-US" sz="3200" dirty="0">
+              <a:rPr lang="en-US" sz="2800" dirty="0">
                 <a:effectLst/>
                 <a:latin typeface="Calibri" panose="020F0502020204030204" pitchFamily="34" charset="0"/>
                 <a:ea typeface="Calibri" panose="020F0502020204030204" pitchFamily="34" charset="0"/>
@@ -7374,7 +7768,7 @@
               <a:t>The engine (</a:t>
             </a:r>
             <a:r>
-              <a:rPr lang="en-US" sz="3200" i="1" dirty="0" err="1">
+              <a:rPr lang="en-US" sz="2800" i="1" dirty="0" err="1">
                 <a:effectLst/>
                 <a:latin typeface="Calibri" panose="020F0502020204030204" pitchFamily="34" charset="0"/>
                 <a:ea typeface="Calibri" panose="020F0502020204030204" pitchFamily="34" charset="0"/>
@@ -7383,7 +7777,7 @@
               <a:t>dockerd</a:t>
             </a:r>
             <a:r>
-              <a:rPr lang="en-US" sz="3200" dirty="0">
+              <a:rPr lang="en-US" sz="2800" dirty="0">
                 <a:effectLst/>
                 <a:latin typeface="Calibri" panose="020F0502020204030204" pitchFamily="34" charset="0"/>
                 <a:ea typeface="Calibri" panose="020F0502020204030204" pitchFamily="34" charset="0"/>
@@ -7402,7 +7796,7 @@
               </a:spcAft>
             </a:pPr>
             <a:r>
-              <a:rPr lang="en-US" sz="3200" dirty="0">
+              <a:rPr lang="en-US" sz="2800" dirty="0">
                 <a:latin typeface="Calibri" panose="020F0502020204030204" pitchFamily="34" charset="0"/>
                 <a:ea typeface="Calibri" panose="020F0502020204030204" pitchFamily="34" charset="0"/>
                 <a:cs typeface="Times New Roman" panose="02020603050405020304" pitchFamily="18" charset="0"/>
@@ -7410,7 +7804,7 @@
               <a:t>T</a:t>
             </a:r>
             <a:r>
-              <a:rPr lang="en-US" sz="3200" dirty="0">
+              <a:rPr lang="en-US" sz="2800" dirty="0">
                 <a:effectLst/>
                 <a:latin typeface="Calibri" panose="020F0502020204030204" pitchFamily="34" charset="0"/>
                 <a:ea typeface="Calibri" panose="020F0502020204030204" pitchFamily="34" charset="0"/>
@@ -7429,7 +7823,7 @@
               </a:spcAft>
             </a:pPr>
             <a:r>
-              <a:rPr lang="en-US" sz="3200" dirty="0">
+              <a:rPr lang="en-US" sz="2800" dirty="0">
                 <a:latin typeface="Calibri" panose="020F0502020204030204" pitchFamily="34" charset="0"/>
                 <a:ea typeface="Calibri" panose="020F0502020204030204" pitchFamily="34" charset="0"/>
                 <a:cs typeface="Times New Roman" panose="02020603050405020304" pitchFamily="18" charset="0"/>
@@ -7437,25 +7831,6 @@
               <a:t>Isolate and connect them based on definitions</a:t>
             </a:r>
           </a:p>
-          <a:p>
-            <a:pPr>
-              <a:lnSpc>
-                <a:spcPct val="107000"/>
-              </a:lnSpc>
-              <a:spcAft>
-                <a:spcPts val="800"/>
-              </a:spcAft>
-            </a:pPr>
-            <a:endParaRPr lang="fi-FI" sz="1800" dirty="0">
-              <a:effectLst/>
-              <a:latin typeface="Calibri" panose="020F0502020204030204" pitchFamily="34" charset="0"/>
-              <a:ea typeface="Calibri" panose="020F0502020204030204" pitchFamily="34" charset="0"/>
-              <a:cs typeface="Times New Roman" panose="02020603050405020304" pitchFamily="18" charset="0"/>
-            </a:endParaRPr>
-          </a:p>
-          <a:p>
-            <a:endParaRPr lang="fi-FI" dirty="0"/>
-          </a:p>
         </p:txBody>
       </p:sp>
       <p:sp>
@@ -7544,7 +7919,7 @@
     </p:spTree>
     <p:extLst>
       <p:ext uri="{BB962C8B-B14F-4D97-AF65-F5344CB8AC3E}">
-        <p14:creationId xmlns:p14="http://schemas.microsoft.com/office/powerpoint/2010/main" val="3472530318"/>
+        <p14:creationId xmlns:p14="http://schemas.microsoft.com/office/powerpoint/2010/main" val="3626951746"/>
       </p:ext>
     </p:extLst>
   </p:cSld>
@@ -7573,10 +7948,10 @@
       </p:grpSpPr>
       <p:sp>
         <p:nvSpPr>
-          <p:cNvPr id="7" name="Title 6">
-            <a:extLst>
-              <a:ext uri="{FF2B5EF4-FFF2-40B4-BE49-F238E27FC236}">
-                <a16:creationId xmlns:a16="http://schemas.microsoft.com/office/drawing/2014/main" id="{B6B814BE-BBA5-AA4E-8B83-21CA9EE46166}"/>
+          <p:cNvPr id="8" name="Title 7">
+            <a:extLst>
+              <a:ext uri="{FF2B5EF4-FFF2-40B4-BE49-F238E27FC236}">
+                <a16:creationId xmlns:a16="http://schemas.microsoft.com/office/drawing/2014/main" id="{197044C3-CD23-D844-B780-26FABA91AD0F}"/>
               </a:ext>
             </a:extLst>
           </p:cNvPr>
@@ -7592,82 +7967,221 @@
           <a:bodyPr/>
           <a:lstStyle/>
           <a:p>
-            <a:endParaRPr lang="fi-FI"/>
-          </a:p>
-        </p:txBody>
-      </p:sp>
-      <p:sp>
-        <p:nvSpPr>
-          <p:cNvPr id="8" name="Text Placeholder 7">
-            <a:extLst>
-              <a:ext uri="{FF2B5EF4-FFF2-40B4-BE49-F238E27FC236}">
-                <a16:creationId xmlns:a16="http://schemas.microsoft.com/office/drawing/2014/main" id="{8C428B82-74F2-954A-9C51-0D893459B2D8}"/>
-              </a:ext>
-            </a:extLst>
-          </p:cNvPr>
-          <p:cNvSpPr>
-            <a:spLocks noGrp="1"/>
-          </p:cNvSpPr>
-          <p:nvPr>
-            <p:ph type="body" idx="1"/>
+            <a:r>
+              <a:rPr lang="fi-FI" dirty="0" err="1"/>
+              <a:t>Docker</a:t>
+            </a:r>
+            <a:r>
+              <a:rPr lang="fi-FI" dirty="0"/>
+              <a:t>  (CLI </a:t>
+            </a:r>
+            <a:r>
+              <a:rPr lang="fi-FI" dirty="0" err="1"/>
+              <a:t>command</a:t>
+            </a:r>
+            <a:r>
+              <a:rPr lang="fi-FI" dirty="0"/>
+              <a:t>)</a:t>
+            </a:r>
+          </a:p>
+        </p:txBody>
+      </p:sp>
+      <p:sp>
+        <p:nvSpPr>
+          <p:cNvPr id="9" name="Content Placeholder 8">
+            <a:extLst>
+              <a:ext uri="{FF2B5EF4-FFF2-40B4-BE49-F238E27FC236}">
+                <a16:creationId xmlns:a16="http://schemas.microsoft.com/office/drawing/2014/main" id="{ACDE61D8-A75A-F94B-B57A-46F276C03311}"/>
+              </a:ext>
+            </a:extLst>
+          </p:cNvPr>
+          <p:cNvSpPr>
+            <a:spLocks noGrp="1"/>
+          </p:cNvSpPr>
+          <p:nvPr>
+            <p:ph sz="half" idx="2"/>
           </p:nvPr>
         </p:nvSpPr>
         <p:spPr/>
         <p:txBody>
+          <a:bodyPr>
+            <a:normAutofit/>
+          </a:bodyPr>
+          <a:lstStyle/>
+          <a:p>
+            <a:pPr>
+              <a:lnSpc>
+                <a:spcPct val="107000"/>
+              </a:lnSpc>
+              <a:spcAft>
+                <a:spcPts val="800"/>
+              </a:spcAft>
+            </a:pPr>
+            <a:r>
+              <a:rPr lang="en-US" sz="1800" dirty="0">
+                <a:effectLst/>
+                <a:latin typeface="Calibri" panose="020F0502020204030204" pitchFamily="34" charset="0"/>
+                <a:ea typeface="Calibri" panose="020F0502020204030204" pitchFamily="34" charset="0"/>
+                <a:cs typeface="Times New Roman" panose="02020603050405020304" pitchFamily="18" charset="0"/>
+              </a:rPr>
+              <a:t>The </a:t>
+            </a:r>
+            <a:r>
+              <a:rPr lang="en-US" sz="1800" i="1" dirty="0">
+                <a:effectLst/>
+                <a:latin typeface="Calibri" panose="020F0502020204030204" pitchFamily="34" charset="0"/>
+                <a:ea typeface="Calibri" panose="020F0502020204030204" pitchFamily="34" charset="0"/>
+                <a:cs typeface="Times New Roman" panose="02020603050405020304" pitchFamily="18" charset="0"/>
+              </a:rPr>
+              <a:t>docker</a:t>
+            </a:r>
+            <a:r>
+              <a:rPr lang="en-US" sz="1800" dirty="0">
+                <a:effectLst/>
+                <a:latin typeface="Calibri" panose="020F0502020204030204" pitchFamily="34" charset="0"/>
+                <a:ea typeface="Calibri" panose="020F0502020204030204" pitchFamily="34" charset="0"/>
+                <a:cs typeface="Times New Roman" panose="02020603050405020304" pitchFamily="18" charset="0"/>
+              </a:rPr>
+              <a:t> command line command. </a:t>
+            </a:r>
+          </a:p>
+          <a:p>
+            <a:pPr>
+              <a:lnSpc>
+                <a:spcPct val="107000"/>
+              </a:lnSpc>
+              <a:spcAft>
+                <a:spcPts val="800"/>
+              </a:spcAft>
+            </a:pPr>
+            <a:r>
+              <a:rPr lang="en-US" sz="1800" dirty="0">
+                <a:effectLst/>
+                <a:latin typeface="Calibri" panose="020F0502020204030204" pitchFamily="34" charset="0"/>
+                <a:ea typeface="Calibri" panose="020F0502020204030204" pitchFamily="34" charset="0"/>
+                <a:cs typeface="Times New Roman" panose="02020603050405020304" pitchFamily="18" charset="0"/>
+              </a:rPr>
+              <a:t>Client for giving commands e.g. about </a:t>
+            </a:r>
+          </a:p>
+          <a:p>
+            <a:pPr lvl="1">
+              <a:lnSpc>
+                <a:spcPct val="107000"/>
+              </a:lnSpc>
+              <a:spcAft>
+                <a:spcPts val="800"/>
+              </a:spcAft>
+            </a:pPr>
+            <a:r>
+              <a:rPr lang="en-US" dirty="0">
+                <a:effectLst/>
+                <a:latin typeface="Calibri" panose="020F0502020204030204" pitchFamily="34" charset="0"/>
+                <a:ea typeface="Calibri" panose="020F0502020204030204" pitchFamily="34" charset="0"/>
+                <a:cs typeface="Times New Roman" panose="02020603050405020304" pitchFamily="18" charset="0"/>
+              </a:rPr>
+              <a:t>starting or stopping containers, removing containers </a:t>
+            </a:r>
+            <a:endParaRPr lang="en-US" dirty="0">
+              <a:latin typeface="Calibri" panose="020F0502020204030204" pitchFamily="34" charset="0"/>
+              <a:ea typeface="Calibri" panose="020F0502020204030204" pitchFamily="34" charset="0"/>
+              <a:cs typeface="Times New Roman" panose="02020603050405020304" pitchFamily="18" charset="0"/>
+            </a:endParaRPr>
+          </a:p>
+          <a:p>
+            <a:pPr lvl="1">
+              <a:lnSpc>
+                <a:spcPct val="107000"/>
+              </a:lnSpc>
+              <a:spcAft>
+                <a:spcPts val="800"/>
+              </a:spcAft>
+            </a:pPr>
+            <a:r>
+              <a:rPr lang="en-US" dirty="0">
+                <a:effectLst/>
+                <a:latin typeface="Calibri" panose="020F0502020204030204" pitchFamily="34" charset="0"/>
+                <a:ea typeface="Calibri" panose="020F0502020204030204" pitchFamily="34" charset="0"/>
+                <a:cs typeface="Times New Roman" panose="02020603050405020304" pitchFamily="18" charset="0"/>
+              </a:rPr>
+              <a:t>building, publishing images, removing images</a:t>
+            </a:r>
+          </a:p>
+          <a:p>
+            <a:pPr lvl="1">
+              <a:lnSpc>
+                <a:spcPct val="107000"/>
+              </a:lnSpc>
+              <a:spcAft>
+                <a:spcPts val="800"/>
+              </a:spcAft>
+            </a:pPr>
+            <a:r>
+              <a:rPr lang="en-US" dirty="0">
+                <a:latin typeface="Calibri" panose="020F0502020204030204" pitchFamily="34" charset="0"/>
+                <a:ea typeface="Calibri" panose="020F0502020204030204" pitchFamily="34" charset="0"/>
+                <a:cs typeface="Times New Roman" panose="02020603050405020304" pitchFamily="18" charset="0"/>
+              </a:rPr>
+              <a:t>f</a:t>
+            </a:r>
+            <a:r>
+              <a:rPr lang="en-US" dirty="0">
+                <a:effectLst/>
+                <a:latin typeface="Calibri" panose="020F0502020204030204" pitchFamily="34" charset="0"/>
+                <a:ea typeface="Calibri" panose="020F0502020204030204" pitchFamily="34" charset="0"/>
+                <a:cs typeface="Times New Roman" panose="02020603050405020304" pitchFamily="18" charset="0"/>
+              </a:rPr>
+              <a:t>inding status of containers and images</a:t>
+            </a:r>
+          </a:p>
+          <a:p>
+            <a:pPr>
+              <a:lnSpc>
+                <a:spcPct val="107000"/>
+              </a:lnSpc>
+              <a:spcAft>
+                <a:spcPts val="800"/>
+              </a:spcAft>
+            </a:pPr>
+            <a:r>
+              <a:rPr lang="en-US" dirty="0">
+                <a:latin typeface="Calibri" panose="020F0502020204030204" pitchFamily="34" charset="0"/>
+                <a:ea typeface="Calibri" panose="020F0502020204030204" pitchFamily="34" charset="0"/>
+                <a:cs typeface="Times New Roman" panose="02020603050405020304" pitchFamily="18" charset="0"/>
+              </a:rPr>
+              <a:t>Or executing commands inside the container from outside:         docker exec …</a:t>
+            </a:r>
+            <a:endParaRPr lang="fi-FI" sz="1800" dirty="0">
+              <a:effectLst/>
+              <a:latin typeface="Calibri" panose="020F0502020204030204" pitchFamily="34" charset="0"/>
+              <a:ea typeface="Calibri" panose="020F0502020204030204" pitchFamily="34" charset="0"/>
+              <a:cs typeface="Times New Roman" panose="02020603050405020304" pitchFamily="18" charset="0"/>
+            </a:endParaRPr>
+          </a:p>
+        </p:txBody>
+      </p:sp>
+      <p:sp>
+        <p:nvSpPr>
+          <p:cNvPr id="5" name="Date Placeholder 4">
+            <a:extLst>
+              <a:ext uri="{FF2B5EF4-FFF2-40B4-BE49-F238E27FC236}">
+                <a16:creationId xmlns:a16="http://schemas.microsoft.com/office/drawing/2014/main" id="{976244E2-AA76-2742-B2EC-FEC79276155C}"/>
+              </a:ext>
+            </a:extLst>
+          </p:cNvPr>
+          <p:cNvSpPr>
+            <a:spLocks noGrp="1"/>
+          </p:cNvSpPr>
+          <p:nvPr>
+            <p:ph type="dt" sz="half" idx="10"/>
+          </p:nvPr>
+        </p:nvSpPr>
+        <p:spPr/>
+        <p:txBody>
           <a:bodyPr/>
           <a:lstStyle/>
           <a:p>
-            <a:endParaRPr lang="fi-FI"/>
-          </a:p>
-        </p:txBody>
-      </p:sp>
-      <p:sp>
-        <p:nvSpPr>
-          <p:cNvPr id="9" name="Content Placeholder 8">
-            <a:extLst>
-              <a:ext uri="{FF2B5EF4-FFF2-40B4-BE49-F238E27FC236}">
-                <a16:creationId xmlns:a16="http://schemas.microsoft.com/office/drawing/2014/main" id="{F9EB1094-69AD-0142-BE49-014E0938852B}"/>
-              </a:ext>
-            </a:extLst>
-          </p:cNvPr>
-          <p:cNvSpPr>
-            <a:spLocks noGrp="1"/>
-          </p:cNvSpPr>
-          <p:nvPr>
-            <p:ph sz="half" idx="2"/>
-          </p:nvPr>
-        </p:nvSpPr>
-        <p:spPr/>
-        <p:txBody>
-          <a:bodyPr/>
-          <a:lstStyle/>
-          <a:p>
-            <a:endParaRPr lang="fi-FI"/>
-          </a:p>
-        </p:txBody>
-      </p:sp>
-      <p:sp>
-        <p:nvSpPr>
-          <p:cNvPr id="4" name="Date Placeholder 3">
-            <a:extLst>
-              <a:ext uri="{FF2B5EF4-FFF2-40B4-BE49-F238E27FC236}">
-                <a16:creationId xmlns:a16="http://schemas.microsoft.com/office/drawing/2014/main" id="{5CA3A428-D9B5-D545-ADFB-0570F6E13E64}"/>
-              </a:ext>
-            </a:extLst>
-          </p:cNvPr>
-          <p:cNvSpPr>
-            <a:spLocks noGrp="1"/>
-          </p:cNvSpPr>
-          <p:nvPr>
-            <p:ph type="dt" sz="half" idx="10"/>
-          </p:nvPr>
-        </p:nvSpPr>
-        <p:spPr/>
-        <p:txBody>
-          <a:bodyPr/>
-          <a:lstStyle/>
-          <a:p>
-            <a:fld id="{519362A8-ED29-5D4D-B21F-24B914567BA6}" type="datetime1">
+            <a:fld id="{202E1EC2-47B8-044B-A09E-6A63B4D80C87}" type="datetime1">
               <a:rPr lang="fi-FI" smtClean="0"/>
               <a:t>24.1.2024</a:t>
             </a:fld>
@@ -7677,10 +8191,10 @@
       </p:sp>
       <p:sp>
         <p:nvSpPr>
-          <p:cNvPr id="5" name="Footer Placeholder 4">
-            <a:extLst>
-              <a:ext uri="{FF2B5EF4-FFF2-40B4-BE49-F238E27FC236}">
-                <a16:creationId xmlns:a16="http://schemas.microsoft.com/office/drawing/2014/main" id="{30EEE6F2-72C9-B94E-8295-F3D68E548BEB}"/>
+          <p:cNvPr id="6" name="Footer Placeholder 5">
+            <a:extLst>
+              <a:ext uri="{FF2B5EF4-FFF2-40B4-BE49-F238E27FC236}">
+                <a16:creationId xmlns:a16="http://schemas.microsoft.com/office/drawing/2014/main" id="{588CE607-4137-8840-8FEA-42EAC857E3A3}"/>
               </a:ext>
             </a:extLst>
           </p:cNvPr>
@@ -7702,10 +8216,10 @@
       </p:sp>
       <p:sp>
         <p:nvSpPr>
-          <p:cNvPr id="6" name="Slide Number Placeholder 5">
-            <a:extLst>
-              <a:ext uri="{FF2B5EF4-FFF2-40B4-BE49-F238E27FC236}">
-                <a16:creationId xmlns:a16="http://schemas.microsoft.com/office/drawing/2014/main" id="{4600A2A7-0B6D-7E4D-B845-7B70057CE9C6}"/>
+          <p:cNvPr id="7" name="Slide Number Placeholder 6">
+            <a:extLst>
+              <a:ext uri="{FF2B5EF4-FFF2-40B4-BE49-F238E27FC236}">
+                <a16:creationId xmlns:a16="http://schemas.microsoft.com/office/drawing/2014/main" id="{2E133A96-6C73-0844-B8CB-27C2B5F4CFB1}"/>
               </a:ext>
             </a:extLst>
           </p:cNvPr>
@@ -7729,60 +8243,10 @@
           </a:p>
         </p:txBody>
       </p:sp>
-      <p:sp>
-        <p:nvSpPr>
-          <p:cNvPr id="10" name="Text Placeholder 9">
-            <a:extLst>
-              <a:ext uri="{FF2B5EF4-FFF2-40B4-BE49-F238E27FC236}">
-                <a16:creationId xmlns:a16="http://schemas.microsoft.com/office/drawing/2014/main" id="{F7D265B0-370B-6647-BBE1-AB8C1B276D80}"/>
-              </a:ext>
-            </a:extLst>
-          </p:cNvPr>
-          <p:cNvSpPr>
-            <a:spLocks noGrp="1"/>
-          </p:cNvSpPr>
-          <p:nvPr>
-            <p:ph type="body" idx="13"/>
-          </p:nvPr>
-        </p:nvSpPr>
-        <p:spPr/>
-        <p:txBody>
-          <a:bodyPr/>
-          <a:lstStyle/>
-          <a:p>
-            <a:endParaRPr lang="fi-FI"/>
-          </a:p>
-        </p:txBody>
-      </p:sp>
-      <p:sp>
-        <p:nvSpPr>
-          <p:cNvPr id="11" name="Content Placeholder 10">
-            <a:extLst>
-              <a:ext uri="{FF2B5EF4-FFF2-40B4-BE49-F238E27FC236}">
-                <a16:creationId xmlns:a16="http://schemas.microsoft.com/office/drawing/2014/main" id="{AC67174F-8041-8F4D-A459-3B81CC84D2A6}"/>
-              </a:ext>
-            </a:extLst>
-          </p:cNvPr>
-          <p:cNvSpPr>
-            <a:spLocks noGrp="1"/>
-          </p:cNvSpPr>
-          <p:nvPr>
-            <p:ph sz="half" idx="14"/>
-          </p:nvPr>
-        </p:nvSpPr>
-        <p:spPr/>
-        <p:txBody>
-          <a:bodyPr/>
-          <a:lstStyle/>
-          <a:p>
-            <a:endParaRPr lang="fi-FI"/>
-          </a:p>
-        </p:txBody>
-      </p:sp>
     </p:spTree>
     <p:extLst>
       <p:ext uri="{BB962C8B-B14F-4D97-AF65-F5344CB8AC3E}">
-        <p14:creationId xmlns:p14="http://schemas.microsoft.com/office/powerpoint/2010/main" val="2395670013"/>
+        <p14:creationId xmlns:p14="http://schemas.microsoft.com/office/powerpoint/2010/main" val="528999108"/>
       </p:ext>
     </p:extLst>
   </p:cSld>
@@ -7814,7 +8278,7 @@
           <p:cNvPr id="8" name="Title 7">
             <a:extLst>
               <a:ext uri="{FF2B5EF4-FFF2-40B4-BE49-F238E27FC236}">
-                <a16:creationId xmlns:a16="http://schemas.microsoft.com/office/drawing/2014/main" id="{03801FB7-8FBC-844F-8D63-9A597A066215}"/>
+                <a16:creationId xmlns:a16="http://schemas.microsoft.com/office/drawing/2014/main" id="{197044C3-CD23-D844-B780-26FABA91AD0F}"/>
               </a:ext>
             </a:extLst>
           </p:cNvPr>
@@ -7830,7 +8294,11 @@
           <a:bodyPr/>
           <a:lstStyle/>
           <a:p>
-            <a:endParaRPr lang="fi-FI"/>
+            <a:r>
+              <a:rPr lang="fi-FI" dirty="0" err="1"/>
+              <a:t>Dockerfile</a:t>
+            </a:r>
+            <a:endParaRPr lang="fi-FI" dirty="0"/>
           </a:p>
         </p:txBody>
       </p:sp>
@@ -7839,7 +8307,7 @@
           <p:cNvPr id="9" name="Content Placeholder 8">
             <a:extLst>
               <a:ext uri="{FF2B5EF4-FFF2-40B4-BE49-F238E27FC236}">
-                <a16:creationId xmlns:a16="http://schemas.microsoft.com/office/drawing/2014/main" id="{C711FFF1-5700-384F-B322-71416B4D664F}"/>
+                <a16:creationId xmlns:a16="http://schemas.microsoft.com/office/drawing/2014/main" id="{ACDE61D8-A75A-F94B-B57A-46F276C03311}"/>
               </a:ext>
             </a:extLst>
           </p:cNvPr>
@@ -7852,35 +8320,118 @@
         </p:nvSpPr>
         <p:spPr/>
         <p:txBody>
+          <a:bodyPr>
+            <a:normAutofit/>
+          </a:bodyPr>
+          <a:lstStyle/>
+          <a:p>
+            <a:pPr>
+              <a:lnSpc>
+                <a:spcPct val="107000"/>
+              </a:lnSpc>
+              <a:spcAft>
+                <a:spcPts val="800"/>
+              </a:spcAft>
+            </a:pPr>
+            <a:r>
+              <a:rPr lang="en-US" sz="1800" dirty="0">
+                <a:effectLst/>
+                <a:latin typeface="Calibri" panose="020F0502020204030204" pitchFamily="34" charset="0"/>
+                <a:ea typeface="Calibri" panose="020F0502020204030204" pitchFamily="34" charset="0"/>
+                <a:cs typeface="Times New Roman" panose="02020603050405020304" pitchFamily="18" charset="0"/>
+              </a:rPr>
+              <a:t>Your ‘script’ for making your own Docker images. </a:t>
+            </a:r>
+          </a:p>
+          <a:p>
+            <a:pPr>
+              <a:lnSpc>
+                <a:spcPct val="107000"/>
+              </a:lnSpc>
+              <a:spcAft>
+                <a:spcPts val="800"/>
+              </a:spcAft>
+            </a:pPr>
+            <a:r>
+              <a:rPr lang="en-US" sz="1800" dirty="0">
+                <a:effectLst/>
+                <a:latin typeface="Calibri" panose="020F0502020204030204" pitchFamily="34" charset="0"/>
+                <a:ea typeface="Calibri" panose="020F0502020204030204" pitchFamily="34" charset="0"/>
+                <a:cs typeface="Times New Roman" panose="02020603050405020304" pitchFamily="18" charset="0"/>
+              </a:rPr>
+              <a:t>Image could be built based on source code and other assets on your disk </a:t>
+            </a:r>
+          </a:p>
+          <a:p>
+            <a:pPr lvl="1">
+              <a:lnSpc>
+                <a:spcPct val="107000"/>
+              </a:lnSpc>
+              <a:spcAft>
+                <a:spcPts val="800"/>
+              </a:spcAft>
+            </a:pPr>
+            <a:r>
+              <a:rPr lang="en-US" dirty="0">
+                <a:effectLst/>
+                <a:latin typeface="Calibri" panose="020F0502020204030204" pitchFamily="34" charset="0"/>
+                <a:ea typeface="Calibri" panose="020F0502020204030204" pitchFamily="34" charset="0"/>
+                <a:cs typeface="Times New Roman" panose="02020603050405020304" pitchFamily="18" charset="0"/>
+              </a:rPr>
+              <a:t>and, if needed, based on / expanding on ready-made images from </a:t>
+            </a:r>
+            <a:r>
+              <a:rPr lang="en-US" i="1" dirty="0">
+                <a:effectLst/>
+                <a:latin typeface="Calibri" panose="020F0502020204030204" pitchFamily="34" charset="0"/>
+                <a:ea typeface="Calibri" panose="020F0502020204030204" pitchFamily="34" charset="0"/>
+                <a:cs typeface="Times New Roman" panose="02020603050405020304" pitchFamily="18" charset="0"/>
+              </a:rPr>
+              <a:t>Docker Hub</a:t>
+            </a:r>
+            <a:r>
+              <a:rPr lang="en-US" dirty="0">
+                <a:effectLst/>
+                <a:latin typeface="Calibri" panose="020F0502020204030204" pitchFamily="34" charset="0"/>
+                <a:ea typeface="Calibri" panose="020F0502020204030204" pitchFamily="34" charset="0"/>
+                <a:cs typeface="Times New Roman" panose="02020603050405020304" pitchFamily="18" charset="0"/>
+              </a:rPr>
+              <a:t> or other docker image registry.</a:t>
+            </a:r>
+            <a:endParaRPr lang="fi-FI" dirty="0">
+              <a:effectLst/>
+              <a:latin typeface="Calibri" panose="020F0502020204030204" pitchFamily="34" charset="0"/>
+              <a:ea typeface="Calibri" panose="020F0502020204030204" pitchFamily="34" charset="0"/>
+              <a:cs typeface="Times New Roman" panose="02020603050405020304" pitchFamily="18" charset="0"/>
+            </a:endParaRPr>
+          </a:p>
+          <a:p>
+            <a:endParaRPr lang="fi-FI" dirty="0"/>
+          </a:p>
+        </p:txBody>
+      </p:sp>
+      <p:sp>
+        <p:nvSpPr>
+          <p:cNvPr id="5" name="Date Placeholder 4">
+            <a:extLst>
+              <a:ext uri="{FF2B5EF4-FFF2-40B4-BE49-F238E27FC236}">
+                <a16:creationId xmlns:a16="http://schemas.microsoft.com/office/drawing/2014/main" id="{976244E2-AA76-2742-B2EC-FEC79276155C}"/>
+              </a:ext>
+            </a:extLst>
+          </p:cNvPr>
+          <p:cNvSpPr>
+            <a:spLocks noGrp="1"/>
+          </p:cNvSpPr>
+          <p:nvPr>
+            <p:ph type="dt" sz="half" idx="10"/>
+          </p:nvPr>
+        </p:nvSpPr>
+        <p:spPr/>
+        <p:txBody>
           <a:bodyPr/>
           <a:lstStyle/>
           <a:p>
-            <a:endParaRPr lang="fi-FI"/>
-          </a:p>
-        </p:txBody>
-      </p:sp>
-      <p:sp>
-        <p:nvSpPr>
-          <p:cNvPr id="5" name="Date Placeholder 4">
-            <a:extLst>
-              <a:ext uri="{FF2B5EF4-FFF2-40B4-BE49-F238E27FC236}">
-                <a16:creationId xmlns:a16="http://schemas.microsoft.com/office/drawing/2014/main" id="{CDF9BDDB-4154-894E-83EF-04FB624FF30E}"/>
-              </a:ext>
-            </a:extLst>
-          </p:cNvPr>
-          <p:cNvSpPr>
-            <a:spLocks noGrp="1"/>
-          </p:cNvSpPr>
-          <p:nvPr>
-            <p:ph type="dt" sz="half" idx="10"/>
-          </p:nvPr>
-        </p:nvSpPr>
-        <p:spPr/>
-        <p:txBody>
-          <a:bodyPr/>
-          <a:lstStyle/>
-          <a:p>
-            <a:fld id="{551D5D1D-8623-7244-B1BC-5984C123D6C5}" type="datetime1">
+            <a:fld id="{202E1EC2-47B8-044B-A09E-6A63B4D80C87}" type="datetime1">
               <a:rPr lang="fi-FI" smtClean="0"/>
               <a:t>24.1.2024</a:t>
             </a:fld>
@@ -7893,7 +8444,7 @@
           <p:cNvPr id="6" name="Footer Placeholder 5">
             <a:extLst>
               <a:ext uri="{FF2B5EF4-FFF2-40B4-BE49-F238E27FC236}">
-                <a16:creationId xmlns:a16="http://schemas.microsoft.com/office/drawing/2014/main" id="{DEED56F3-0862-1748-A7A9-EE5914100F54}"/>
+                <a16:creationId xmlns:a16="http://schemas.microsoft.com/office/drawing/2014/main" id="{588CE607-4137-8840-8FEA-42EAC857E3A3}"/>
               </a:ext>
             </a:extLst>
           </p:cNvPr>
@@ -7918,7 +8469,7 @@
           <p:cNvPr id="7" name="Slide Number Placeholder 6">
             <a:extLst>
               <a:ext uri="{FF2B5EF4-FFF2-40B4-BE49-F238E27FC236}">
-                <a16:creationId xmlns:a16="http://schemas.microsoft.com/office/drawing/2014/main" id="{6CBC8079-2140-8745-901A-8EB4BF8EAF2D}"/>
+                <a16:creationId xmlns:a16="http://schemas.microsoft.com/office/drawing/2014/main" id="{2E133A96-6C73-0844-B8CB-27C2B5F4CFB1}"/>
               </a:ext>
             </a:extLst>
           </p:cNvPr>
@@ -7945,7 +8496,7 @@
     </p:spTree>
     <p:extLst>
       <p:ext uri="{BB962C8B-B14F-4D97-AF65-F5344CB8AC3E}">
-        <p14:creationId xmlns:p14="http://schemas.microsoft.com/office/powerpoint/2010/main" val="2140971857"/>
+        <p14:creationId xmlns:p14="http://schemas.microsoft.com/office/powerpoint/2010/main" val="1689429107"/>
       </p:ext>
     </p:extLst>
   </p:cSld>
@@ -7974,18 +8525,18 @@
       </p:grpSpPr>
       <p:sp>
         <p:nvSpPr>
-          <p:cNvPr id="17" name="Picture Placeholder 16" title="Decorative">
-            <a:extLst>
-              <a:ext uri="{FF2B5EF4-FFF2-40B4-BE49-F238E27FC236}">
-                <a16:creationId xmlns:a16="http://schemas.microsoft.com/office/drawing/2014/main" id="{B9EA93DA-2E20-4825-A13B-672D5A344E5D}"/>
-              </a:ext>
-            </a:extLst>
-          </p:cNvPr>
-          <p:cNvSpPr>
-            <a:spLocks noGrp="1"/>
-          </p:cNvSpPr>
-          <p:nvPr>
-            <p:ph type="pic" idx="1"/>
+          <p:cNvPr id="8" name="Title 7">
+            <a:extLst>
+              <a:ext uri="{FF2B5EF4-FFF2-40B4-BE49-F238E27FC236}">
+                <a16:creationId xmlns:a16="http://schemas.microsoft.com/office/drawing/2014/main" id="{197044C3-CD23-D844-B780-26FABA91AD0F}"/>
+              </a:ext>
+            </a:extLst>
+          </p:cNvPr>
+          <p:cNvSpPr>
+            <a:spLocks noGrp="1"/>
+          </p:cNvSpPr>
+          <p:nvPr>
+            <p:ph type="title"/>
           </p:nvPr>
         </p:nvSpPr>
         <p:spPr/>
@@ -7993,107 +8544,92 @@
           <a:bodyPr/>
           <a:lstStyle/>
           <a:p>
-            <a:endParaRPr lang="fi-FI"/>
-          </a:p>
-        </p:txBody>
-      </p:sp>
-      <p:sp>
-        <p:nvSpPr>
-          <p:cNvPr id="16" name="Title 15">
-            <a:extLst>
-              <a:ext uri="{FF2B5EF4-FFF2-40B4-BE49-F238E27FC236}">
-                <a16:creationId xmlns:a16="http://schemas.microsoft.com/office/drawing/2014/main" id="{65178E4B-ADEB-4E54-AC33-80D3A17CD77B}"/>
-              </a:ext>
-            </a:extLst>
-          </p:cNvPr>
-          <p:cNvSpPr>
-            <a:spLocks noGrp="1"/>
-          </p:cNvSpPr>
-          <p:nvPr>
-            <p:ph type="title"/>
+            <a:r>
+              <a:rPr lang="fi-FI" dirty="0"/>
+              <a:t>.</a:t>
+            </a:r>
+            <a:r>
+              <a:rPr lang="fi-FI" dirty="0" err="1"/>
+              <a:t>dockerignore</a:t>
+            </a:r>
+            <a:endParaRPr lang="fi-FI" dirty="0"/>
+          </a:p>
+        </p:txBody>
+      </p:sp>
+      <p:sp>
+        <p:nvSpPr>
+          <p:cNvPr id="9" name="Content Placeholder 8">
+            <a:extLst>
+              <a:ext uri="{FF2B5EF4-FFF2-40B4-BE49-F238E27FC236}">
+                <a16:creationId xmlns:a16="http://schemas.microsoft.com/office/drawing/2014/main" id="{ACDE61D8-A75A-F94B-B57A-46F276C03311}"/>
+              </a:ext>
+            </a:extLst>
+          </p:cNvPr>
+          <p:cNvSpPr>
+            <a:spLocks noGrp="1"/>
+          </p:cNvSpPr>
+          <p:nvPr>
+            <p:ph sz="half" idx="2"/>
           </p:nvPr>
         </p:nvSpPr>
         <p:spPr/>
         <p:txBody>
+          <a:bodyPr>
+            <a:normAutofit/>
+          </a:bodyPr>
+          <a:lstStyle/>
+          <a:p>
+            <a:pPr>
+              <a:lnSpc>
+                <a:spcPct val="107000"/>
+              </a:lnSpc>
+              <a:spcAft>
+                <a:spcPts val="800"/>
+              </a:spcAft>
+            </a:pPr>
+            <a:r>
+              <a:rPr lang="en-US" sz="1800" dirty="0">
+                <a:effectLst/>
+                <a:latin typeface="Calibri" panose="020F0502020204030204" pitchFamily="34" charset="0"/>
+                <a:ea typeface="Calibri" panose="020F0502020204030204" pitchFamily="34" charset="0"/>
+                <a:cs typeface="Times New Roman" panose="02020603050405020304" pitchFamily="18" charset="0"/>
+              </a:rPr>
+              <a:t>Lists which files and folders won’t be packed into the Docker image.</a:t>
+            </a:r>
+            <a:endParaRPr lang="fi-FI" dirty="0">
+              <a:effectLst/>
+              <a:latin typeface="Calibri" panose="020F0502020204030204" pitchFamily="34" charset="0"/>
+              <a:ea typeface="Calibri" panose="020F0502020204030204" pitchFamily="34" charset="0"/>
+              <a:cs typeface="Times New Roman" panose="02020603050405020304" pitchFamily="18" charset="0"/>
+            </a:endParaRPr>
+          </a:p>
+          <a:p>
+            <a:endParaRPr lang="fi-FI" dirty="0"/>
+          </a:p>
+        </p:txBody>
+      </p:sp>
+      <p:sp>
+        <p:nvSpPr>
+          <p:cNvPr id="5" name="Date Placeholder 4">
+            <a:extLst>
+              <a:ext uri="{FF2B5EF4-FFF2-40B4-BE49-F238E27FC236}">
+                <a16:creationId xmlns:a16="http://schemas.microsoft.com/office/drawing/2014/main" id="{976244E2-AA76-2742-B2EC-FEC79276155C}"/>
+              </a:ext>
+            </a:extLst>
+          </p:cNvPr>
+          <p:cNvSpPr>
+            <a:spLocks noGrp="1"/>
+          </p:cNvSpPr>
+          <p:nvPr>
+            <p:ph type="dt" sz="half" idx="10"/>
+          </p:nvPr>
+        </p:nvSpPr>
+        <p:spPr/>
+        <p:txBody>
           <a:bodyPr/>
           <a:lstStyle/>
           <a:p>
-            <a:endParaRPr lang="LID4096"/>
-          </a:p>
-        </p:txBody>
-      </p:sp>
-      <p:sp>
-        <p:nvSpPr>
-          <p:cNvPr id="19" name="Text Placeholder 18">
-            <a:extLst>
-              <a:ext uri="{FF2B5EF4-FFF2-40B4-BE49-F238E27FC236}">
-                <a16:creationId xmlns:a16="http://schemas.microsoft.com/office/drawing/2014/main" id="{A84B4B78-B83E-4C07-87A2-9662B9F5F17B}"/>
-              </a:ext>
-            </a:extLst>
-          </p:cNvPr>
-          <p:cNvSpPr>
-            <a:spLocks noGrp="1"/>
-          </p:cNvSpPr>
-          <p:nvPr>
-            <p:ph type="body" idx="13"/>
-          </p:nvPr>
-        </p:nvSpPr>
-        <p:spPr/>
-        <p:txBody>
-          <a:bodyPr/>
-          <a:lstStyle/>
-          <a:p>
-            <a:endParaRPr lang="LID4096" dirty="0"/>
-          </a:p>
-        </p:txBody>
-      </p:sp>
-      <p:sp>
-        <p:nvSpPr>
-          <p:cNvPr id="18" name="Content Placeholder 17">
-            <a:extLst>
-              <a:ext uri="{FF2B5EF4-FFF2-40B4-BE49-F238E27FC236}">
-                <a16:creationId xmlns:a16="http://schemas.microsoft.com/office/drawing/2014/main" id="{20215CD2-037F-4223-8BB6-DBD672C85914}"/>
-              </a:ext>
-            </a:extLst>
-          </p:cNvPr>
-          <p:cNvSpPr>
-            <a:spLocks noGrp="1"/>
-          </p:cNvSpPr>
-          <p:nvPr>
-            <p:ph sz="half" idx="2"/>
-          </p:nvPr>
-        </p:nvSpPr>
-        <p:spPr/>
-        <p:txBody>
-          <a:bodyPr/>
-          <a:lstStyle/>
-          <a:p>
-            <a:endParaRPr lang="LID4096"/>
-          </a:p>
-        </p:txBody>
-      </p:sp>
-      <p:sp>
-        <p:nvSpPr>
-          <p:cNvPr id="4" name="Date Placeholder 3">
-            <a:extLst>
-              <a:ext uri="{FF2B5EF4-FFF2-40B4-BE49-F238E27FC236}">
-                <a16:creationId xmlns:a16="http://schemas.microsoft.com/office/drawing/2014/main" id="{6FB425B2-B382-9B40-A7F0-B16C54553D5E}"/>
-              </a:ext>
-            </a:extLst>
-          </p:cNvPr>
-          <p:cNvSpPr>
-            <a:spLocks noGrp="1"/>
-          </p:cNvSpPr>
-          <p:nvPr>
-            <p:ph type="dt" sz="half" idx="10"/>
-          </p:nvPr>
-        </p:nvSpPr>
-        <p:spPr/>
-        <p:txBody>
-          <a:bodyPr/>
-          <a:lstStyle/>
-          <a:p>
-            <a:fld id="{179635E2-4B7D-4541-A298-906137E13436}" type="datetime1">
+            <a:fld id="{202E1EC2-47B8-044B-A09E-6A63B4D80C87}" type="datetime1">
               <a:rPr lang="fi-FI" smtClean="0"/>
               <a:t>24.1.2024</a:t>
             </a:fld>
@@ -8103,10 +8639,10 @@
       </p:sp>
       <p:sp>
         <p:nvSpPr>
-          <p:cNvPr id="5" name="Footer Placeholder 4">
-            <a:extLst>
-              <a:ext uri="{FF2B5EF4-FFF2-40B4-BE49-F238E27FC236}">
-                <a16:creationId xmlns:a16="http://schemas.microsoft.com/office/drawing/2014/main" id="{68ED9B60-9BE0-D541-A7CF-C757CBD3B65A}"/>
+          <p:cNvPr id="6" name="Footer Placeholder 5">
+            <a:extLst>
+              <a:ext uri="{FF2B5EF4-FFF2-40B4-BE49-F238E27FC236}">
+                <a16:creationId xmlns:a16="http://schemas.microsoft.com/office/drawing/2014/main" id="{588CE607-4137-8840-8FEA-42EAC857E3A3}"/>
               </a:ext>
             </a:extLst>
           </p:cNvPr>
@@ -8128,10 +8664,10 @@
       </p:sp>
       <p:sp>
         <p:nvSpPr>
-          <p:cNvPr id="6" name="Slide Number Placeholder 5">
-            <a:extLst>
-              <a:ext uri="{FF2B5EF4-FFF2-40B4-BE49-F238E27FC236}">
-                <a16:creationId xmlns:a16="http://schemas.microsoft.com/office/drawing/2014/main" id="{66E1B6F8-A537-5F4C-B949-19CA125DEA38}"/>
+          <p:cNvPr id="7" name="Slide Number Placeholder 6">
+            <a:extLst>
+              <a:ext uri="{FF2B5EF4-FFF2-40B4-BE49-F238E27FC236}">
+                <a16:creationId xmlns:a16="http://schemas.microsoft.com/office/drawing/2014/main" id="{2E133A96-6C73-0844-B8CB-27C2B5F4CFB1}"/>
               </a:ext>
             </a:extLst>
           </p:cNvPr>
@@ -8158,7 +8694,7 @@
     </p:spTree>
     <p:extLst>
       <p:ext uri="{BB962C8B-B14F-4D97-AF65-F5344CB8AC3E}">
-        <p14:creationId xmlns:p14="http://schemas.microsoft.com/office/powerpoint/2010/main" val="3901403695"/>
+        <p14:creationId xmlns:p14="http://schemas.microsoft.com/office/powerpoint/2010/main" val="3023738396"/>
       </p:ext>
     </p:extLst>
   </p:cSld>
@@ -8187,10 +8723,10 @@
       </p:grpSpPr>
       <p:sp>
         <p:nvSpPr>
-          <p:cNvPr id="2" name="Title 1" title="Decorative">
-            <a:extLst>
-              <a:ext uri="{FF2B5EF4-FFF2-40B4-BE49-F238E27FC236}">
-                <a16:creationId xmlns:a16="http://schemas.microsoft.com/office/drawing/2014/main" id="{44120605-BD83-F546-87B0-948EBB098012}"/>
+          <p:cNvPr id="8" name="Title 7">
+            <a:extLst>
+              <a:ext uri="{FF2B5EF4-FFF2-40B4-BE49-F238E27FC236}">
+                <a16:creationId xmlns:a16="http://schemas.microsoft.com/office/drawing/2014/main" id="{197044C3-CD23-D844-B780-26FABA91AD0F}"/>
               </a:ext>
             </a:extLst>
           </p:cNvPr>
@@ -8206,16 +8742,19 @@
           <a:bodyPr/>
           <a:lstStyle/>
           <a:p>
-            <a:endParaRPr lang="en-GB"/>
-          </a:p>
-        </p:txBody>
-      </p:sp>
-      <p:sp>
-        <p:nvSpPr>
-          <p:cNvPr id="3" name="Content Placeholder 2">
-            <a:extLst>
-              <a:ext uri="{FF2B5EF4-FFF2-40B4-BE49-F238E27FC236}">
-                <a16:creationId xmlns:a16="http://schemas.microsoft.com/office/drawing/2014/main" id="{460C1649-3E3D-FD40-AF07-0230E8BB1B0F}"/>
+            <a:r>
+              <a:rPr lang="fi-FI" dirty="0"/>
+              <a:t>Image</a:t>
+            </a:r>
+          </a:p>
+        </p:txBody>
+      </p:sp>
+      <p:sp>
+        <p:nvSpPr>
+          <p:cNvPr id="9" name="Content Placeholder 8">
+            <a:extLst>
+              <a:ext uri="{FF2B5EF4-FFF2-40B4-BE49-F238E27FC236}">
+                <a16:creationId xmlns:a16="http://schemas.microsoft.com/office/drawing/2014/main" id="{ACDE61D8-A75A-F94B-B57A-46F276C03311}"/>
               </a:ext>
             </a:extLst>
           </p:cNvPr>
@@ -8228,35 +8767,201 @@
         </p:nvSpPr>
         <p:spPr/>
         <p:txBody>
+          <a:bodyPr>
+            <a:normAutofit/>
+          </a:bodyPr>
+          <a:lstStyle/>
+          <a:p>
+            <a:pPr>
+              <a:lnSpc>
+                <a:spcPct val="107000"/>
+              </a:lnSpc>
+              <a:spcAft>
+                <a:spcPts val="800"/>
+              </a:spcAft>
+            </a:pPr>
+            <a:r>
+              <a:rPr lang="en-US" sz="1800" dirty="0">
+                <a:effectLst/>
+                <a:latin typeface="Calibri" panose="020F0502020204030204" pitchFamily="34" charset="0"/>
+                <a:ea typeface="Calibri" panose="020F0502020204030204" pitchFamily="34" charset="0"/>
+                <a:cs typeface="Times New Roman" panose="02020603050405020304" pitchFamily="18" charset="0"/>
+              </a:rPr>
+              <a:t>Ready-made from Docker Hub, or one you have created. Template that can be used to create container.</a:t>
+            </a:r>
+            <a:endParaRPr lang="fi-FI" sz="1800" dirty="0">
+              <a:effectLst/>
+              <a:latin typeface="Calibri" panose="020F0502020204030204" pitchFamily="34" charset="0"/>
+              <a:ea typeface="Calibri" panose="020F0502020204030204" pitchFamily="34" charset="0"/>
+              <a:cs typeface="Times New Roman" panose="02020603050405020304" pitchFamily="18" charset="0"/>
+            </a:endParaRPr>
+          </a:p>
+          <a:p>
+            <a:pPr>
+              <a:lnSpc>
+                <a:spcPct val="107000"/>
+              </a:lnSpc>
+              <a:spcAft>
+                <a:spcPts val="800"/>
+              </a:spcAft>
+            </a:pPr>
+            <a:r>
+              <a:rPr lang="en-US" sz="1800" dirty="0">
+                <a:effectLst/>
+                <a:latin typeface="Calibri" panose="020F0502020204030204" pitchFamily="34" charset="0"/>
+                <a:ea typeface="Calibri" panose="020F0502020204030204" pitchFamily="34" charset="0"/>
+                <a:cs typeface="Times New Roman" panose="02020603050405020304" pitchFamily="18" charset="0"/>
+              </a:rPr>
+              <a:t>E.g. some MariaDB image you want to take into use. It’s a snapshot of a running/runnable MariaDB or other DB server that starts from a certain documented state. Typically there is a root user with known password (public information, everyone knows the password!), a certain database/schema created, like ‘test’. When taking that image into use, you must then immediately:</a:t>
+            </a:r>
+            <a:endParaRPr lang="fi-FI" sz="1800" dirty="0">
+              <a:effectLst/>
+              <a:latin typeface="Calibri" panose="020F0502020204030204" pitchFamily="34" charset="0"/>
+              <a:ea typeface="Calibri" panose="020F0502020204030204" pitchFamily="34" charset="0"/>
+              <a:cs typeface="Times New Roman" panose="02020603050405020304" pitchFamily="18" charset="0"/>
+            </a:endParaRPr>
+          </a:p>
+          <a:p>
+            <a:pPr marL="846900" lvl="1" indent="-342900">
+              <a:lnSpc>
+                <a:spcPct val="107000"/>
+              </a:lnSpc>
+              <a:buFont typeface="Calibri" panose="020F0502020204030204" pitchFamily="34" charset="0"/>
+              <a:buChar char="-"/>
+            </a:pPr>
+            <a:r>
+              <a:rPr lang="en-US" dirty="0">
+                <a:effectLst/>
+                <a:latin typeface="Calibri" panose="020F0502020204030204" pitchFamily="34" charset="0"/>
+                <a:ea typeface="Calibri" panose="020F0502020204030204" pitchFamily="34" charset="0"/>
+                <a:cs typeface="Times New Roman" panose="02020603050405020304" pitchFamily="18" charset="0"/>
+              </a:rPr>
+              <a:t>secure the root user by changing the password</a:t>
+            </a:r>
+            <a:endParaRPr lang="fi-FI" dirty="0">
+              <a:effectLst/>
+              <a:latin typeface="Calibri" panose="020F0502020204030204" pitchFamily="34" charset="0"/>
+              <a:ea typeface="Calibri" panose="020F0502020204030204" pitchFamily="34" charset="0"/>
+              <a:cs typeface="Times New Roman" panose="02020603050405020304" pitchFamily="18" charset="0"/>
+            </a:endParaRPr>
+          </a:p>
+          <a:p>
+            <a:pPr marL="846900" lvl="1" indent="-342900">
+              <a:lnSpc>
+                <a:spcPct val="107000"/>
+              </a:lnSpc>
+              <a:buFont typeface="Calibri" panose="020F0502020204030204" pitchFamily="34" charset="0"/>
+              <a:buChar char="-"/>
+            </a:pPr>
+            <a:r>
+              <a:rPr lang="en-US" dirty="0">
+                <a:effectLst/>
+                <a:latin typeface="Calibri" panose="020F0502020204030204" pitchFamily="34" charset="0"/>
+                <a:ea typeface="Calibri" panose="020F0502020204030204" pitchFamily="34" charset="0"/>
+                <a:cs typeface="Times New Roman" panose="02020603050405020304" pitchFamily="18" charset="0"/>
+              </a:rPr>
+              <a:t>create a user with less privileges with safe password or other safe access. </a:t>
+            </a:r>
+            <a:endParaRPr lang="fi-FI" dirty="0">
+              <a:effectLst/>
+              <a:latin typeface="Calibri" panose="020F0502020204030204" pitchFamily="34" charset="0"/>
+              <a:ea typeface="Calibri" panose="020F0502020204030204" pitchFamily="34" charset="0"/>
+              <a:cs typeface="Times New Roman" panose="02020603050405020304" pitchFamily="18" charset="0"/>
+            </a:endParaRPr>
+          </a:p>
+          <a:p>
+            <a:pPr marL="846900" lvl="1" indent="-342900">
+              <a:lnSpc>
+                <a:spcPct val="107000"/>
+              </a:lnSpc>
+              <a:buFont typeface="Calibri" panose="020F0502020204030204" pitchFamily="34" charset="0"/>
+              <a:buChar char="-"/>
+            </a:pPr>
+            <a:r>
+              <a:rPr lang="en-US" dirty="0">
+                <a:effectLst/>
+                <a:latin typeface="Calibri" panose="020F0502020204030204" pitchFamily="34" charset="0"/>
+                <a:ea typeface="Calibri" panose="020F0502020204030204" pitchFamily="34" charset="0"/>
+                <a:cs typeface="Times New Roman" panose="02020603050405020304" pitchFamily="18" charset="0"/>
+              </a:rPr>
+              <a:t>give that user access to wanted schema etc.</a:t>
+            </a:r>
+            <a:endParaRPr lang="fi-FI" dirty="0">
+              <a:effectLst/>
+              <a:latin typeface="Calibri" panose="020F0502020204030204" pitchFamily="34" charset="0"/>
+              <a:ea typeface="Calibri" panose="020F0502020204030204" pitchFamily="34" charset="0"/>
+              <a:cs typeface="Times New Roman" panose="02020603050405020304" pitchFamily="18" charset="0"/>
+            </a:endParaRPr>
+          </a:p>
+          <a:p>
+            <a:pPr marL="846900" lvl="1" indent="-342900">
+              <a:lnSpc>
+                <a:spcPct val="107000"/>
+              </a:lnSpc>
+              <a:spcAft>
+                <a:spcPts val="800"/>
+              </a:spcAft>
+              <a:buFont typeface="Calibri" panose="020F0502020204030204" pitchFamily="34" charset="0"/>
+              <a:buChar char="-"/>
+            </a:pPr>
+            <a:r>
+              <a:rPr lang="en-US" dirty="0">
+                <a:effectLst/>
+                <a:latin typeface="Calibri" panose="020F0502020204030204" pitchFamily="34" charset="0"/>
+                <a:ea typeface="Calibri" panose="020F0502020204030204" pitchFamily="34" charset="0"/>
+                <a:cs typeface="Times New Roman" panose="02020603050405020304" pitchFamily="18" charset="0"/>
+              </a:rPr>
+              <a:t>continue possibly with table creation, </a:t>
+            </a:r>
+            <a:r>
+              <a:rPr lang="en-US" dirty="0" err="1">
+                <a:effectLst/>
+                <a:latin typeface="Calibri" panose="020F0502020204030204" pitchFamily="34" charset="0"/>
+                <a:ea typeface="Calibri" panose="020F0502020204030204" pitchFamily="34" charset="0"/>
+                <a:cs typeface="Times New Roman" panose="02020603050405020304" pitchFamily="18" charset="0"/>
+              </a:rPr>
+              <a:t>etc</a:t>
+            </a:r>
+            <a:r>
+              <a:rPr lang="en-US" dirty="0">
+                <a:effectLst/>
+                <a:latin typeface="Calibri" panose="020F0502020204030204" pitchFamily="34" charset="0"/>
+                <a:ea typeface="Calibri" panose="020F0502020204030204" pitchFamily="34" charset="0"/>
+                <a:cs typeface="Times New Roman" panose="02020603050405020304" pitchFamily="18" charset="0"/>
+              </a:rPr>
+              <a:t>…</a:t>
+            </a:r>
+            <a:endParaRPr lang="fi-FI" dirty="0">
+              <a:effectLst/>
+              <a:latin typeface="Calibri" panose="020F0502020204030204" pitchFamily="34" charset="0"/>
+              <a:ea typeface="Calibri" panose="020F0502020204030204" pitchFamily="34" charset="0"/>
+              <a:cs typeface="Times New Roman" panose="02020603050405020304" pitchFamily="18" charset="0"/>
+            </a:endParaRPr>
+          </a:p>
+        </p:txBody>
+      </p:sp>
+      <p:sp>
+        <p:nvSpPr>
+          <p:cNvPr id="5" name="Date Placeholder 4">
+            <a:extLst>
+              <a:ext uri="{FF2B5EF4-FFF2-40B4-BE49-F238E27FC236}">
+                <a16:creationId xmlns:a16="http://schemas.microsoft.com/office/drawing/2014/main" id="{976244E2-AA76-2742-B2EC-FEC79276155C}"/>
+              </a:ext>
+            </a:extLst>
+          </p:cNvPr>
+          <p:cNvSpPr>
+            <a:spLocks noGrp="1"/>
+          </p:cNvSpPr>
+          <p:nvPr>
+            <p:ph type="dt" sz="half" idx="10"/>
+          </p:nvPr>
+        </p:nvSpPr>
+        <p:spPr/>
+        <p:txBody>
           <a:bodyPr/>
           <a:lstStyle/>
           <a:p>
-            <a:endParaRPr lang="en-GB" dirty="0"/>
-          </a:p>
-        </p:txBody>
-      </p:sp>
-      <p:sp>
-        <p:nvSpPr>
-          <p:cNvPr id="5" name="Date Placeholder 4">
-            <a:extLst>
-              <a:ext uri="{FF2B5EF4-FFF2-40B4-BE49-F238E27FC236}">
-                <a16:creationId xmlns:a16="http://schemas.microsoft.com/office/drawing/2014/main" id="{90D1273A-0310-FA49-89DE-7186E004724D}"/>
-              </a:ext>
-            </a:extLst>
-          </p:cNvPr>
-          <p:cNvSpPr>
-            <a:spLocks noGrp="1"/>
-          </p:cNvSpPr>
-          <p:nvPr>
-            <p:ph type="dt" sz="half" idx="10"/>
-          </p:nvPr>
-        </p:nvSpPr>
-        <p:spPr/>
-        <p:txBody>
-          <a:bodyPr/>
-          <a:lstStyle/>
-          <a:p>
-            <a:fld id="{FD33BC7E-6252-4F4A-9F6B-FB1375954E3D}" type="datetime1">
+            <a:fld id="{202E1EC2-47B8-044B-A09E-6A63B4D80C87}" type="datetime1">
               <a:rPr lang="fi-FI" smtClean="0"/>
               <a:t>24.1.2024</a:t>
             </a:fld>
@@ -8269,7 +8974,7 @@
           <p:cNvPr id="6" name="Footer Placeholder 5">
             <a:extLst>
               <a:ext uri="{FF2B5EF4-FFF2-40B4-BE49-F238E27FC236}">
-                <a16:creationId xmlns:a16="http://schemas.microsoft.com/office/drawing/2014/main" id="{BD6FF685-A9A1-6243-8711-80C3F607BE8A}"/>
+                <a16:creationId xmlns:a16="http://schemas.microsoft.com/office/drawing/2014/main" id="{588CE607-4137-8840-8FEA-42EAC857E3A3}"/>
               </a:ext>
             </a:extLst>
           </p:cNvPr>
@@ -8294,7 +8999,7 @@
           <p:cNvPr id="7" name="Slide Number Placeholder 6">
             <a:extLst>
               <a:ext uri="{FF2B5EF4-FFF2-40B4-BE49-F238E27FC236}">
-                <a16:creationId xmlns:a16="http://schemas.microsoft.com/office/drawing/2014/main" id="{2CFFA2F4-58BD-6841-A6A5-9F3F50A005CD}"/>
+                <a16:creationId xmlns:a16="http://schemas.microsoft.com/office/drawing/2014/main" id="{2E133A96-6C73-0844-B8CB-27C2B5F4CFB1}"/>
               </a:ext>
             </a:extLst>
           </p:cNvPr>
@@ -8318,35 +9023,10 @@
           </a:p>
         </p:txBody>
       </p:sp>
-      <p:sp>
-        <p:nvSpPr>
-          <p:cNvPr id="4" name="Chart Placeholder 3" title="Decorative">
-            <a:extLst>
-              <a:ext uri="{FF2B5EF4-FFF2-40B4-BE49-F238E27FC236}">
-                <a16:creationId xmlns:a16="http://schemas.microsoft.com/office/drawing/2014/main" id="{F997E577-1570-7443-9FB7-F5B0DA358D96}"/>
-              </a:ext>
-            </a:extLst>
-          </p:cNvPr>
-          <p:cNvSpPr>
-            <a:spLocks noGrp="1"/>
-          </p:cNvSpPr>
-          <p:nvPr>
-            <p:ph type="chart" sz="quarter" idx="13"/>
-          </p:nvPr>
-        </p:nvSpPr>
-        <p:spPr/>
-        <p:txBody>
-          <a:bodyPr/>
-          <a:lstStyle/>
-          <a:p>
-            <a:endParaRPr lang="fi-FI"/>
-          </a:p>
-        </p:txBody>
-      </p:sp>
     </p:spTree>
     <p:extLst>
       <p:ext uri="{BB962C8B-B14F-4D97-AF65-F5344CB8AC3E}">
-        <p14:creationId xmlns:p14="http://schemas.microsoft.com/office/powerpoint/2010/main" val="2801175487"/>
+        <p14:creationId xmlns:p14="http://schemas.microsoft.com/office/powerpoint/2010/main" val="1005799627"/>
       </p:ext>
     </p:extLst>
   </p:cSld>
@@ -8375,10 +9055,10 @@
       </p:grpSpPr>
       <p:sp>
         <p:nvSpPr>
-          <p:cNvPr id="15" name="Title 14">
-            <a:extLst>
-              <a:ext uri="{FF2B5EF4-FFF2-40B4-BE49-F238E27FC236}">
-                <a16:creationId xmlns:a16="http://schemas.microsoft.com/office/drawing/2014/main" id="{883C7D2C-6686-A84E-83A3-E9875980E319}"/>
+          <p:cNvPr id="8" name="Title 7">
+            <a:extLst>
+              <a:ext uri="{FF2B5EF4-FFF2-40B4-BE49-F238E27FC236}">
+                <a16:creationId xmlns:a16="http://schemas.microsoft.com/office/drawing/2014/main" id="{197044C3-CD23-D844-B780-26FABA91AD0F}"/>
               </a:ext>
             </a:extLst>
           </p:cNvPr>
@@ -8394,16 +9074,96 @@
           <a:bodyPr/>
           <a:lstStyle/>
           <a:p>
-            <a:endParaRPr lang="fi-FI"/>
-          </a:p>
-        </p:txBody>
-      </p:sp>
-      <p:sp>
-        <p:nvSpPr>
-          <p:cNvPr id="11" name="Date Placeholder 10">
-            <a:extLst>
-              <a:ext uri="{FF2B5EF4-FFF2-40B4-BE49-F238E27FC236}">
-                <a16:creationId xmlns:a16="http://schemas.microsoft.com/office/drawing/2014/main" id="{34387471-267B-A745-8592-0A6EECB77F59}"/>
+            <a:r>
+              <a:rPr lang="fi-FI" dirty="0" err="1"/>
+              <a:t>Docker</a:t>
+            </a:r>
+            <a:r>
+              <a:rPr lang="fi-FI" dirty="0"/>
+              <a:t> Image </a:t>
+            </a:r>
+            <a:r>
+              <a:rPr lang="fi-FI" dirty="0" err="1"/>
+              <a:t>registry</a:t>
+            </a:r>
+            <a:endParaRPr lang="fi-FI" dirty="0"/>
+          </a:p>
+        </p:txBody>
+      </p:sp>
+      <p:sp>
+        <p:nvSpPr>
+          <p:cNvPr id="9" name="Content Placeholder 8">
+            <a:extLst>
+              <a:ext uri="{FF2B5EF4-FFF2-40B4-BE49-F238E27FC236}">
+                <a16:creationId xmlns:a16="http://schemas.microsoft.com/office/drawing/2014/main" id="{ACDE61D8-A75A-F94B-B57A-46F276C03311}"/>
+              </a:ext>
+            </a:extLst>
+          </p:cNvPr>
+          <p:cNvSpPr>
+            <a:spLocks noGrp="1"/>
+          </p:cNvSpPr>
+          <p:nvPr>
+            <p:ph sz="half" idx="2"/>
+          </p:nvPr>
+        </p:nvSpPr>
+        <p:spPr/>
+        <p:txBody>
+          <a:bodyPr>
+            <a:normAutofit/>
+          </a:bodyPr>
+          <a:lstStyle/>
+          <a:p>
+            <a:pPr>
+              <a:lnSpc>
+                <a:spcPct val="107000"/>
+              </a:lnSpc>
+              <a:spcAft>
+                <a:spcPts val="800"/>
+              </a:spcAft>
+            </a:pPr>
+            <a:r>
+              <a:rPr lang="en-US" sz="1800" dirty="0">
+                <a:effectLst/>
+                <a:latin typeface="Calibri" panose="020F0502020204030204" pitchFamily="34" charset="0"/>
+                <a:ea typeface="Calibri" panose="020F0502020204030204" pitchFamily="34" charset="0"/>
+                <a:cs typeface="Times New Roman" panose="02020603050405020304" pitchFamily="18" charset="0"/>
+              </a:rPr>
+              <a:t>We can push = publish our images for others to use. </a:t>
+            </a:r>
+          </a:p>
+          <a:p>
+            <a:pPr>
+              <a:lnSpc>
+                <a:spcPct val="107000"/>
+              </a:lnSpc>
+              <a:spcAft>
+                <a:spcPts val="800"/>
+              </a:spcAft>
+            </a:pPr>
+            <a:r>
+              <a:rPr lang="en-US" sz="1800" dirty="0">
+                <a:effectLst/>
+                <a:latin typeface="Calibri" panose="020F0502020204030204" pitchFamily="34" charset="0"/>
+                <a:ea typeface="Calibri" panose="020F0502020204030204" pitchFamily="34" charset="0"/>
+                <a:cs typeface="Times New Roman" panose="02020603050405020304" pitchFamily="18" charset="0"/>
+              </a:rPr>
+              <a:t>Or pull = download images to use ourselves.</a:t>
+            </a:r>
+            <a:endParaRPr lang="fi-FI" sz="1800" dirty="0">
+              <a:effectLst/>
+              <a:latin typeface="Calibri" panose="020F0502020204030204" pitchFamily="34" charset="0"/>
+              <a:ea typeface="Calibri" panose="020F0502020204030204" pitchFamily="34" charset="0"/>
+              <a:cs typeface="Times New Roman" panose="02020603050405020304" pitchFamily="18" charset="0"/>
+            </a:endParaRPr>
+          </a:p>
+        </p:txBody>
+      </p:sp>
+      <p:sp>
+        <p:nvSpPr>
+          <p:cNvPr id="5" name="Date Placeholder 4">
+            <a:extLst>
+              <a:ext uri="{FF2B5EF4-FFF2-40B4-BE49-F238E27FC236}">
+                <a16:creationId xmlns:a16="http://schemas.microsoft.com/office/drawing/2014/main" id="{976244E2-AA76-2742-B2EC-FEC79276155C}"/>
               </a:ext>
             </a:extLst>
           </p:cNvPr>
@@ -8419,7 +9179,7 @@
           <a:bodyPr/>
           <a:lstStyle/>
           <a:p>
-            <a:fld id="{467AE696-BCAA-7341-A0DD-88C9C98B13C8}" type="datetime1">
+            <a:fld id="{202E1EC2-47B8-044B-A09E-6A63B4D80C87}" type="datetime1">
               <a:rPr lang="fi-FI" smtClean="0"/>
               <a:t>24.1.2024</a:t>
             </a:fld>
@@ -8429,10 +9189,10 @@
       </p:sp>
       <p:sp>
         <p:nvSpPr>
-          <p:cNvPr id="12" name="Footer Placeholder 11">
-            <a:extLst>
-              <a:ext uri="{FF2B5EF4-FFF2-40B4-BE49-F238E27FC236}">
-                <a16:creationId xmlns:a16="http://schemas.microsoft.com/office/drawing/2014/main" id="{0D3BBF60-80FC-9747-A9A9-067834B68966}"/>
+          <p:cNvPr id="6" name="Footer Placeholder 5">
+            <a:extLst>
+              <a:ext uri="{FF2B5EF4-FFF2-40B4-BE49-F238E27FC236}">
+                <a16:creationId xmlns:a16="http://schemas.microsoft.com/office/drawing/2014/main" id="{588CE607-4137-8840-8FEA-42EAC857E3A3}"/>
               </a:ext>
             </a:extLst>
           </p:cNvPr>
@@ -8454,10 +9214,10 @@
       </p:sp>
       <p:sp>
         <p:nvSpPr>
-          <p:cNvPr id="13" name="Slide Number Placeholder 12">
-            <a:extLst>
-              <a:ext uri="{FF2B5EF4-FFF2-40B4-BE49-F238E27FC236}">
-                <a16:creationId xmlns:a16="http://schemas.microsoft.com/office/drawing/2014/main" id="{CE148245-2D3A-5942-BE91-C688B0781FC3}"/>
+          <p:cNvPr id="7" name="Slide Number Placeholder 6">
+            <a:extLst>
+              <a:ext uri="{FF2B5EF4-FFF2-40B4-BE49-F238E27FC236}">
+                <a16:creationId xmlns:a16="http://schemas.microsoft.com/office/drawing/2014/main" id="{2E133A96-6C73-0844-B8CB-27C2B5F4CFB1}"/>
               </a:ext>
             </a:extLst>
           </p:cNvPr>
@@ -8481,210 +9241,10 @@
           </a:p>
         </p:txBody>
       </p:sp>
-      <p:sp>
-        <p:nvSpPr>
-          <p:cNvPr id="16" name="Text Placeholder 15">
-            <a:extLst>
-              <a:ext uri="{FF2B5EF4-FFF2-40B4-BE49-F238E27FC236}">
-                <a16:creationId xmlns:a16="http://schemas.microsoft.com/office/drawing/2014/main" id="{FF251D63-B3E6-C942-A753-4884A1C05748}"/>
-              </a:ext>
-            </a:extLst>
-          </p:cNvPr>
-          <p:cNvSpPr>
-            <a:spLocks noGrp="1"/>
-          </p:cNvSpPr>
-          <p:nvPr>
-            <p:ph type="body" idx="1"/>
-          </p:nvPr>
-        </p:nvSpPr>
-        <p:spPr/>
-        <p:txBody>
-          <a:bodyPr/>
-          <a:lstStyle/>
-          <a:p>
-            <a:endParaRPr lang="fi-FI"/>
-          </a:p>
-        </p:txBody>
-      </p:sp>
-      <p:sp>
-        <p:nvSpPr>
-          <p:cNvPr id="17" name="Content Placeholder 16">
-            <a:extLst>
-              <a:ext uri="{FF2B5EF4-FFF2-40B4-BE49-F238E27FC236}">
-                <a16:creationId xmlns:a16="http://schemas.microsoft.com/office/drawing/2014/main" id="{7477D64F-25B3-8B4C-9220-FC6CE7D66BEA}"/>
-              </a:ext>
-            </a:extLst>
-          </p:cNvPr>
-          <p:cNvSpPr>
-            <a:spLocks noGrp="1"/>
-          </p:cNvSpPr>
-          <p:nvPr>
-            <p:ph sz="half" idx="2"/>
-          </p:nvPr>
-        </p:nvSpPr>
-        <p:spPr/>
-        <p:txBody>
-          <a:bodyPr/>
-          <a:lstStyle/>
-          <a:p>
-            <a:endParaRPr lang="fi-FI"/>
-          </a:p>
-        </p:txBody>
-      </p:sp>
-      <p:sp>
-        <p:nvSpPr>
-          <p:cNvPr id="18" name="Text Placeholder 17">
-            <a:extLst>
-              <a:ext uri="{FF2B5EF4-FFF2-40B4-BE49-F238E27FC236}">
-                <a16:creationId xmlns:a16="http://schemas.microsoft.com/office/drawing/2014/main" id="{C499AC3F-4335-7F4E-A722-1F39C5A412A8}"/>
-              </a:ext>
-            </a:extLst>
-          </p:cNvPr>
-          <p:cNvSpPr>
-            <a:spLocks noGrp="1"/>
-          </p:cNvSpPr>
-          <p:nvPr>
-            <p:ph type="body" idx="16"/>
-          </p:nvPr>
-        </p:nvSpPr>
-        <p:spPr/>
-        <p:txBody>
-          <a:bodyPr/>
-          <a:lstStyle/>
-          <a:p>
-            <a:endParaRPr lang="fi-FI"/>
-          </a:p>
-        </p:txBody>
-      </p:sp>
-      <p:sp>
-        <p:nvSpPr>
-          <p:cNvPr id="19" name="Text Placeholder 18">
-            <a:extLst>
-              <a:ext uri="{FF2B5EF4-FFF2-40B4-BE49-F238E27FC236}">
-                <a16:creationId xmlns:a16="http://schemas.microsoft.com/office/drawing/2014/main" id="{AD6B0CAB-C95B-AF4E-B510-745F4686BF9B}"/>
-              </a:ext>
-            </a:extLst>
-          </p:cNvPr>
-          <p:cNvSpPr>
-            <a:spLocks noGrp="1"/>
-          </p:cNvSpPr>
-          <p:nvPr>
-            <p:ph type="body" idx="17"/>
-          </p:nvPr>
-        </p:nvSpPr>
-        <p:spPr/>
-        <p:txBody>
-          <a:bodyPr/>
-          <a:lstStyle/>
-          <a:p>
-            <a:endParaRPr lang="fi-FI"/>
-          </a:p>
-        </p:txBody>
-      </p:sp>
-      <p:sp>
-        <p:nvSpPr>
-          <p:cNvPr id="20" name="Text Placeholder 19">
-            <a:extLst>
-              <a:ext uri="{FF2B5EF4-FFF2-40B4-BE49-F238E27FC236}">
-                <a16:creationId xmlns:a16="http://schemas.microsoft.com/office/drawing/2014/main" id="{124245CA-94FC-1C44-AAF6-C044FE6D1A41}"/>
-              </a:ext>
-            </a:extLst>
-          </p:cNvPr>
-          <p:cNvSpPr>
-            <a:spLocks noGrp="1"/>
-          </p:cNvSpPr>
-          <p:nvPr>
-            <p:ph type="body" idx="18"/>
-          </p:nvPr>
-        </p:nvSpPr>
-        <p:spPr/>
-        <p:txBody>
-          <a:bodyPr/>
-          <a:lstStyle/>
-          <a:p>
-            <a:endParaRPr lang="fi-FI"/>
-          </a:p>
-        </p:txBody>
-      </p:sp>
-      <p:sp>
-        <p:nvSpPr>
-          <p:cNvPr id="21" name="Content Placeholder 20">
-            <a:extLst>
-              <a:ext uri="{FF2B5EF4-FFF2-40B4-BE49-F238E27FC236}">
-                <a16:creationId xmlns:a16="http://schemas.microsoft.com/office/drawing/2014/main" id="{087ABDAB-4277-FD4B-B35A-F32B11FACC27}"/>
-              </a:ext>
-            </a:extLst>
-          </p:cNvPr>
-          <p:cNvSpPr>
-            <a:spLocks noGrp="1"/>
-          </p:cNvSpPr>
-          <p:nvPr>
-            <p:ph sz="half" idx="19"/>
-          </p:nvPr>
-        </p:nvSpPr>
-        <p:spPr/>
-        <p:txBody>
-          <a:bodyPr/>
-          <a:lstStyle/>
-          <a:p>
-            <a:endParaRPr lang="fi-FI"/>
-          </a:p>
-        </p:txBody>
-      </p:sp>
-      <p:sp>
-        <p:nvSpPr>
-          <p:cNvPr id="22" name="Content Placeholder 21">
-            <a:extLst>
-              <a:ext uri="{FF2B5EF4-FFF2-40B4-BE49-F238E27FC236}">
-                <a16:creationId xmlns:a16="http://schemas.microsoft.com/office/drawing/2014/main" id="{78F7518E-E051-1A45-AF67-D0E411393630}"/>
-              </a:ext>
-            </a:extLst>
-          </p:cNvPr>
-          <p:cNvSpPr>
-            <a:spLocks noGrp="1"/>
-          </p:cNvSpPr>
-          <p:nvPr>
-            <p:ph sz="half" idx="20"/>
-          </p:nvPr>
-        </p:nvSpPr>
-        <p:spPr/>
-        <p:txBody>
-          <a:bodyPr/>
-          <a:lstStyle/>
-          <a:p>
-            <a:endParaRPr lang="fi-FI"/>
-          </a:p>
-        </p:txBody>
-      </p:sp>
-      <p:sp>
-        <p:nvSpPr>
-          <p:cNvPr id="23" name="Content Placeholder 22">
-            <a:extLst>
-              <a:ext uri="{FF2B5EF4-FFF2-40B4-BE49-F238E27FC236}">
-                <a16:creationId xmlns:a16="http://schemas.microsoft.com/office/drawing/2014/main" id="{EFAA540E-C89D-8B46-B6BC-A65843F5F154}"/>
-              </a:ext>
-            </a:extLst>
-          </p:cNvPr>
-          <p:cNvSpPr>
-            <a:spLocks noGrp="1"/>
-          </p:cNvSpPr>
-          <p:nvPr>
-            <p:ph sz="half" idx="21"/>
-          </p:nvPr>
-        </p:nvSpPr>
-        <p:spPr/>
-        <p:txBody>
-          <a:bodyPr/>
-          <a:lstStyle/>
-          <a:p>
-            <a:endParaRPr lang="fi-FI"/>
-          </a:p>
-        </p:txBody>
-      </p:sp>
     </p:spTree>
     <p:extLst>
       <p:ext uri="{BB962C8B-B14F-4D97-AF65-F5344CB8AC3E}">
-        <p14:creationId xmlns:p14="http://schemas.microsoft.com/office/powerpoint/2010/main" val="3857242612"/>
+        <p14:creationId xmlns:p14="http://schemas.microsoft.com/office/powerpoint/2010/main" val="1708176097"/>
       </p:ext>
     </p:extLst>
   </p:cSld>
@@ -8716,7 +9276,7 @@
           <p:cNvPr id="8" name="Title 7">
             <a:extLst>
               <a:ext uri="{FF2B5EF4-FFF2-40B4-BE49-F238E27FC236}">
-                <a16:creationId xmlns:a16="http://schemas.microsoft.com/office/drawing/2014/main" id="{49202545-D26B-485C-9E25-62859E92ED89}"/>
+                <a16:creationId xmlns:a16="http://schemas.microsoft.com/office/drawing/2014/main" id="{197044C3-CD23-D844-B780-26FABA91AD0F}"/>
               </a:ext>
             </a:extLst>
           </p:cNvPr>
@@ -8734,45 +9294,7 @@
           <a:p>
             <a:r>
               <a:rPr lang="fi-FI" dirty="0" err="1"/>
-              <a:t>Enjoy</a:t>
-            </a:r>
-            <a:r>
-              <a:rPr lang="fi-FI" dirty="0"/>
-              <a:t>!</a:t>
-            </a:r>
-            <a:endParaRPr lang="LID4096" dirty="0"/>
-          </a:p>
-        </p:txBody>
-      </p:sp>
-      <p:sp>
-        <p:nvSpPr>
-          <p:cNvPr id="9" name="Text Placeholder 8">
-            <a:extLst>
-              <a:ext uri="{FF2B5EF4-FFF2-40B4-BE49-F238E27FC236}">
-                <a16:creationId xmlns:a16="http://schemas.microsoft.com/office/drawing/2014/main" id="{B5958F18-B2CD-466B-9484-119914465620}"/>
-              </a:ext>
-            </a:extLst>
-          </p:cNvPr>
-          <p:cNvSpPr>
-            <a:spLocks noGrp="1"/>
-          </p:cNvSpPr>
-          <p:nvPr>
-            <p:ph type="body" idx="1"/>
-          </p:nvPr>
-        </p:nvSpPr>
-        <p:spPr>
-          <a:xfrm>
-            <a:off x="6096000" y="4061598"/>
-            <a:ext cx="5580062" cy="1672452"/>
-          </a:xfrm>
-        </p:spPr>
-        <p:txBody>
-          <a:bodyPr/>
-          <a:lstStyle/>
-          <a:p>
-            <a:r>
-              <a:rPr lang="fi-FI" dirty="0" err="1"/>
-              <a:t>Docker</a:t>
+              <a:t>docker</a:t>
             </a:r>
             <a:r>
               <a:rPr lang="fi-FI" dirty="0"/>
@@ -8780,86 +9302,188 @@
             </a:r>
             <a:r>
               <a:rPr lang="fi-FI" dirty="0" err="1"/>
-              <a:t>might</a:t>
-            </a:r>
-            <a:r>
-              <a:rPr lang="fi-FI" dirty="0"/>
-              <a:t> </a:t>
-            </a:r>
-            <a:r>
-              <a:rPr lang="fi-FI" dirty="0" err="1"/>
-              <a:t>make</a:t>
-            </a:r>
-            <a:r>
-              <a:rPr lang="fi-FI" dirty="0"/>
-              <a:t> </a:t>
-            </a:r>
-            <a:r>
-              <a:rPr lang="fi-FI" dirty="0" err="1"/>
-              <a:t>your</a:t>
-            </a:r>
-            <a:r>
-              <a:rPr lang="fi-FI" dirty="0"/>
-              <a:t> life a </a:t>
-            </a:r>
-            <a:r>
-              <a:rPr lang="fi-FI" dirty="0" err="1"/>
-              <a:t>lot</a:t>
-            </a:r>
-            <a:r>
-              <a:rPr lang="fi-FI" dirty="0"/>
-              <a:t> </a:t>
-            </a:r>
-            <a:r>
-              <a:rPr lang="fi-FI" dirty="0" err="1"/>
-              <a:t>easier</a:t>
-            </a:r>
-            <a:r>
-              <a:rPr lang="fi-FI" dirty="0"/>
-              <a:t>, </a:t>
-            </a:r>
-            <a:r>
-              <a:rPr lang="fi-FI" dirty="0" err="1"/>
-              <a:t>after</a:t>
-            </a:r>
-            <a:r>
-              <a:rPr lang="fi-FI" dirty="0"/>
-              <a:t> some </a:t>
-            </a:r>
-            <a:r>
-              <a:rPr lang="fi-FI" dirty="0" err="1"/>
-              <a:t>invested</a:t>
-            </a:r>
-            <a:r>
-              <a:rPr lang="fi-FI" dirty="0"/>
-              <a:t> </a:t>
-            </a:r>
-            <a:r>
-              <a:rPr lang="fi-FI" dirty="0" err="1"/>
-              <a:t>time</a:t>
-            </a:r>
-            <a:r>
-              <a:rPr lang="fi-FI" dirty="0"/>
-              <a:t> and </a:t>
-            </a:r>
-            <a:r>
-              <a:rPr lang="fi-FI" dirty="0" err="1"/>
-              <a:t>effort</a:t>
-            </a:r>
-            <a:r>
-              <a:rPr lang="fi-FI" dirty="0"/>
-              <a:t>.</a:t>
-            </a:r>
-            <a:endParaRPr lang="LID4096" dirty="0"/>
-          </a:p>
-        </p:txBody>
-      </p:sp>
-      <p:sp>
-        <p:nvSpPr>
-          <p:cNvPr id="3" name="Date Placeholder 2">
-            <a:extLst>
-              <a:ext uri="{FF2B5EF4-FFF2-40B4-BE49-F238E27FC236}">
-                <a16:creationId xmlns:a16="http://schemas.microsoft.com/office/drawing/2014/main" id="{1B360C12-A89E-4C4C-BD2F-3613A5008805}"/>
+              <a:t>compose</a:t>
+            </a:r>
+            <a:endParaRPr lang="fi-FI" dirty="0"/>
+          </a:p>
+        </p:txBody>
+      </p:sp>
+      <p:sp>
+        <p:nvSpPr>
+          <p:cNvPr id="9" name="Content Placeholder 8">
+            <a:extLst>
+              <a:ext uri="{FF2B5EF4-FFF2-40B4-BE49-F238E27FC236}">
+                <a16:creationId xmlns:a16="http://schemas.microsoft.com/office/drawing/2014/main" id="{ACDE61D8-A75A-F94B-B57A-46F276C03311}"/>
+              </a:ext>
+            </a:extLst>
+          </p:cNvPr>
+          <p:cNvSpPr>
+            <a:spLocks noGrp="1"/>
+          </p:cNvSpPr>
+          <p:nvPr>
+            <p:ph sz="half" idx="2"/>
+          </p:nvPr>
+        </p:nvSpPr>
+        <p:spPr/>
+        <p:txBody>
+          <a:bodyPr>
+            <a:normAutofit/>
+          </a:bodyPr>
+          <a:lstStyle/>
+          <a:p>
+            <a:pPr>
+              <a:lnSpc>
+                <a:spcPct val="107000"/>
+              </a:lnSpc>
+              <a:spcAft>
+                <a:spcPts val="800"/>
+              </a:spcAft>
+            </a:pPr>
+            <a:r>
+              <a:rPr lang="en-US" dirty="0">
+                <a:effectLst/>
+                <a:latin typeface="Calibri" panose="020F0502020204030204" pitchFamily="34" charset="0"/>
+                <a:ea typeface="Calibri" panose="020F0502020204030204" pitchFamily="34" charset="0"/>
+                <a:cs typeface="Times New Roman" panose="02020603050405020304" pitchFamily="18" charset="0"/>
+              </a:rPr>
+              <a:t>Tool for creating and starting multiple containers that talk to each other. </a:t>
+            </a:r>
+          </a:p>
+          <a:p>
+            <a:pPr>
+              <a:lnSpc>
+                <a:spcPct val="107000"/>
+              </a:lnSpc>
+              <a:spcAft>
+                <a:spcPts val="800"/>
+              </a:spcAft>
+            </a:pPr>
+            <a:r>
+              <a:rPr lang="en-US" dirty="0">
+                <a:effectLst/>
+                <a:latin typeface="Calibri" panose="020F0502020204030204" pitchFamily="34" charset="0"/>
+                <a:ea typeface="Calibri" panose="020F0502020204030204" pitchFamily="34" charset="0"/>
+                <a:cs typeface="Times New Roman" panose="02020603050405020304" pitchFamily="18" charset="0"/>
+              </a:rPr>
+              <a:t>Thus, you’ll have to:</a:t>
+            </a:r>
+          </a:p>
+          <a:p>
+            <a:pPr lvl="1">
+              <a:lnSpc>
+                <a:spcPct val="107000"/>
+              </a:lnSpc>
+              <a:spcAft>
+                <a:spcPts val="800"/>
+              </a:spcAft>
+            </a:pPr>
+            <a:r>
+              <a:rPr lang="en-US" sz="1800" dirty="0">
+                <a:effectLst/>
+                <a:latin typeface="Calibri" panose="020F0502020204030204" pitchFamily="34" charset="0"/>
+                <a:ea typeface="Calibri" panose="020F0502020204030204" pitchFamily="34" charset="0"/>
+                <a:cs typeface="Times New Roman" panose="02020603050405020304" pitchFamily="18" charset="0"/>
+              </a:rPr>
+              <a:t>make some ports exposed </a:t>
+            </a:r>
+          </a:p>
+          <a:p>
+            <a:pPr lvl="1">
+              <a:lnSpc>
+                <a:spcPct val="107000"/>
+              </a:lnSpc>
+              <a:spcAft>
+                <a:spcPts val="800"/>
+              </a:spcAft>
+            </a:pPr>
+            <a:r>
+              <a:rPr lang="en-US" sz="1800" dirty="0">
+                <a:effectLst/>
+                <a:latin typeface="Calibri" panose="020F0502020204030204" pitchFamily="34" charset="0"/>
+                <a:ea typeface="Calibri" panose="020F0502020204030204" pitchFamily="34" charset="0"/>
+                <a:cs typeface="Times New Roman" panose="02020603050405020304" pitchFamily="18" charset="0"/>
+              </a:rPr>
+              <a:t>or define (virtual) networks shared by multiple containers </a:t>
+            </a:r>
+          </a:p>
+          <a:p>
+            <a:pPr lvl="1">
+              <a:lnSpc>
+                <a:spcPct val="107000"/>
+              </a:lnSpc>
+              <a:spcAft>
+                <a:spcPts val="800"/>
+              </a:spcAft>
+            </a:pPr>
+            <a:r>
+              <a:rPr lang="en-US" sz="1800" dirty="0">
+                <a:effectLst/>
+                <a:latin typeface="Calibri" panose="020F0502020204030204" pitchFamily="34" charset="0"/>
+                <a:ea typeface="Calibri" panose="020F0502020204030204" pitchFamily="34" charset="0"/>
+                <a:cs typeface="Times New Roman" panose="02020603050405020304" pitchFamily="18" charset="0"/>
+              </a:rPr>
+              <a:t>or share volumes. </a:t>
+            </a:r>
+            <a:endParaRPr lang="en-US" sz="1800" dirty="0">
+              <a:latin typeface="Calibri" panose="020F0502020204030204" pitchFamily="34" charset="0"/>
+              <a:ea typeface="Calibri" panose="020F0502020204030204" pitchFamily="34" charset="0"/>
+              <a:cs typeface="Times New Roman" panose="02020603050405020304" pitchFamily="18" charset="0"/>
+            </a:endParaRPr>
+          </a:p>
+          <a:p>
+            <a:pPr>
+              <a:lnSpc>
+                <a:spcPct val="107000"/>
+              </a:lnSpc>
+              <a:spcAft>
+                <a:spcPts val="800"/>
+              </a:spcAft>
+            </a:pPr>
+            <a:r>
+              <a:rPr lang="en-US" dirty="0">
+                <a:effectLst/>
+                <a:latin typeface="Calibri" panose="020F0502020204030204" pitchFamily="34" charset="0"/>
+                <a:ea typeface="Calibri" panose="020F0502020204030204" pitchFamily="34" charset="0"/>
+                <a:cs typeface="Times New Roman" panose="02020603050405020304" pitchFamily="18" charset="0"/>
+              </a:rPr>
+              <a:t>You can define those in a docker-</a:t>
+            </a:r>
+            <a:r>
+              <a:rPr lang="en-US" dirty="0" err="1">
+                <a:effectLst/>
+                <a:latin typeface="Calibri" panose="020F0502020204030204" pitchFamily="34" charset="0"/>
+                <a:ea typeface="Calibri" panose="020F0502020204030204" pitchFamily="34" charset="0"/>
+                <a:cs typeface="Times New Roman" panose="02020603050405020304" pitchFamily="18" charset="0"/>
+              </a:rPr>
+              <a:t>compose.yml</a:t>
+            </a:r>
+            <a:r>
+              <a:rPr lang="en-US" dirty="0">
+                <a:effectLst/>
+                <a:latin typeface="Calibri" panose="020F0502020204030204" pitchFamily="34" charset="0"/>
+                <a:ea typeface="Calibri" panose="020F0502020204030204" pitchFamily="34" charset="0"/>
+                <a:cs typeface="Times New Roman" panose="02020603050405020304" pitchFamily="18" charset="0"/>
+              </a:rPr>
+              <a:t> file</a:t>
+            </a:r>
+            <a:endParaRPr lang="fi-FI" dirty="0">
+              <a:effectLst/>
+              <a:latin typeface="Calibri" panose="020F0502020204030204" pitchFamily="34" charset="0"/>
+              <a:ea typeface="Calibri" panose="020F0502020204030204" pitchFamily="34" charset="0"/>
+              <a:cs typeface="Times New Roman" panose="02020603050405020304" pitchFamily="18" charset="0"/>
+            </a:endParaRPr>
+          </a:p>
+          <a:p>
+            <a:endParaRPr lang="fi-FI" dirty="0"/>
+          </a:p>
+        </p:txBody>
+      </p:sp>
+      <p:sp>
+        <p:nvSpPr>
+          <p:cNvPr id="5" name="Date Placeholder 4">
+            <a:extLst>
+              <a:ext uri="{FF2B5EF4-FFF2-40B4-BE49-F238E27FC236}">
+                <a16:creationId xmlns:a16="http://schemas.microsoft.com/office/drawing/2014/main" id="{976244E2-AA76-2742-B2EC-FEC79276155C}"/>
               </a:ext>
             </a:extLst>
           </p:cNvPr>
@@ -8875,7 +9499,7 @@
           <a:bodyPr/>
           <a:lstStyle/>
           <a:p>
-            <a:fld id="{7A2E22EC-FB8F-BE4C-8513-60D11DB7758C}" type="datetime1">
+            <a:fld id="{202E1EC2-47B8-044B-A09E-6A63B4D80C87}" type="datetime1">
               <a:rPr lang="fi-FI" smtClean="0"/>
               <a:t>24.1.2024</a:t>
             </a:fld>
@@ -8885,10 +9509,10 @@
       </p:sp>
       <p:sp>
         <p:nvSpPr>
-          <p:cNvPr id="4" name="Footer Placeholder 3">
-            <a:extLst>
-              <a:ext uri="{FF2B5EF4-FFF2-40B4-BE49-F238E27FC236}">
-                <a16:creationId xmlns:a16="http://schemas.microsoft.com/office/drawing/2014/main" id="{C8DE976D-5A91-AB4D-B2D0-A126959D8CD3}"/>
+          <p:cNvPr id="6" name="Footer Placeholder 5">
+            <a:extLst>
+              <a:ext uri="{FF2B5EF4-FFF2-40B4-BE49-F238E27FC236}">
+                <a16:creationId xmlns:a16="http://schemas.microsoft.com/office/drawing/2014/main" id="{588CE607-4137-8840-8FEA-42EAC857E3A3}"/>
               </a:ext>
             </a:extLst>
           </p:cNvPr>
@@ -8910,10 +9534,10 @@
       </p:sp>
       <p:sp>
         <p:nvSpPr>
-          <p:cNvPr id="5" name="Slide Number Placeholder 4">
-            <a:extLst>
-              <a:ext uri="{FF2B5EF4-FFF2-40B4-BE49-F238E27FC236}">
-                <a16:creationId xmlns:a16="http://schemas.microsoft.com/office/drawing/2014/main" id="{F8A06A27-2D07-2E41-8780-1ACD4314987F}"/>
+          <p:cNvPr id="7" name="Slide Number Placeholder 6">
+            <a:extLst>
+              <a:ext uri="{FF2B5EF4-FFF2-40B4-BE49-F238E27FC236}">
+                <a16:creationId xmlns:a16="http://schemas.microsoft.com/office/drawing/2014/main" id="{2E133A96-6C73-0844-B8CB-27C2B5F4CFB1}"/>
               </a:ext>
             </a:extLst>
           </p:cNvPr>
@@ -8940,7 +9564,7 @@
     </p:spTree>
     <p:extLst>
       <p:ext uri="{BB962C8B-B14F-4D97-AF65-F5344CB8AC3E}">
-        <p14:creationId xmlns:p14="http://schemas.microsoft.com/office/powerpoint/2010/main" val="3239231242"/>
+        <p14:creationId xmlns:p14="http://schemas.microsoft.com/office/powerpoint/2010/main" val="516399923"/>
       </p:ext>
     </p:extLst>
   </p:cSld>
@@ -9507,15 +10131,6 @@
 </file>
 
 <file path=customXml/item1.xml><?xml version="1.0" encoding="utf-8"?>
-<?mso-contentType ?>
-<FormTemplates xmlns="http://schemas.microsoft.com/sharepoint/v3/contenttype/forms">
-  <Display>DocumentLibraryForm</Display>
-  <Edit>DocumentLibraryForm</Edit>
-  <New>DocumentLibraryForm</New>
-</FormTemplates>
-</file>
-
-<file path=customXml/item2.xml><?xml version="1.0" encoding="utf-8"?>
 <ct:contentTypeSchema xmlns:ct="http://schemas.microsoft.com/office/2006/metadata/contentType" xmlns:ma="http://schemas.microsoft.com/office/2006/metadata/properties/metaAttributes" ct:_="" ma:_="" ma:contentTypeName="Document" ma:contentTypeID="0x01010024C55B41993A414DABB8DD07ACBA0814" ma:contentTypeVersion="1" ma:contentTypeDescription="Create a new document." ma:contentTypeScope="" ma:versionID="3ea0c22b5866975a7b271665de4056c5">
   <xsd:schema xmlns:xsd="http://www.w3.org/2001/XMLSchema" xmlns:xs="http://www.w3.org/2001/XMLSchema" xmlns:p="http://schemas.microsoft.com/office/2006/metadata/properties" xmlns:ns1="http://schemas.microsoft.com/sharepoint/v3" targetNamespace="http://schemas.microsoft.com/office/2006/metadata/properties" ma:root="true" ma:fieldsID="ef2aa9ed40e72a78c3822fc753b43e87" ns1:_="">
     <xsd:import namespace="http://schemas.microsoft.com/sharepoint/v3"/>
@@ -9647,6 +10262,15 @@
 </ct:contentTypeSchema>
 </file>
 
+<file path=customXml/item2.xml><?xml version="1.0" encoding="utf-8"?>
+<?mso-contentType ?>
+<FormTemplates xmlns="http://schemas.microsoft.com/sharepoint/v3/contenttype/forms">
+  <Display>DocumentLibraryForm</Display>
+  <Edit>DocumentLibraryForm</Edit>
+  <New>DocumentLibraryForm</New>
+</FormTemplates>
+</file>
+
 <file path=customXml/item3.xml><?xml version="1.0" encoding="utf-8"?>
 <p:properties xmlns:p="http://schemas.microsoft.com/office/2006/metadata/properties" xmlns:xsi="http://www.w3.org/2001/XMLSchema-instance" xmlns:pc="http://schemas.microsoft.com/office/infopath/2007/PartnerControls">
   <documentManagement>
@@ -9657,14 +10281,6 @@
 </file>
 
 <file path=customXml/itemProps1.xml><?xml version="1.0" encoding="utf-8"?>
-<ds:datastoreItem xmlns:ds="http://schemas.openxmlformats.org/officeDocument/2006/customXml" ds:itemID="{D546C03B-CD3A-4EA0-AAA4-0E00E896454E}">
-  <ds:schemaRefs>
-    <ds:schemaRef ds:uri="http://schemas.microsoft.com/sharepoint/v3/contenttype/forms"/>
-  </ds:schemaRefs>
-</ds:datastoreItem>
-</file>
-
-<file path=customXml/itemProps2.xml><?xml version="1.0" encoding="utf-8"?>
 <ds:datastoreItem xmlns:ds="http://schemas.openxmlformats.org/officeDocument/2006/customXml" ds:itemID="{B9E4DC25-62AA-44A0-8D5C-DB44892588AF}">
   <ds:schemaRefs>
     <ds:schemaRef ds:uri="http://schemas.microsoft.com/office/2006/metadata/contentType"/>
@@ -9678,6 +10294,14 @@
     <ds:schemaRef ds:uri="http://purl.org/dc/elements/1.1/"/>
     <ds:schemaRef ds:uri="http://purl.org/dc/terms/"/>
     <ds:schemaRef ds:uri="http://schemas.microsoft.com/internal/obd"/>
+  </ds:schemaRefs>
+</ds:datastoreItem>
+</file>
+
+<file path=customXml/itemProps2.xml><?xml version="1.0" encoding="utf-8"?>
+<ds:datastoreItem xmlns:ds="http://schemas.openxmlformats.org/officeDocument/2006/customXml" ds:itemID="{D546C03B-CD3A-4EA0-AAA4-0E00E896454E}">
+  <ds:schemaRefs>
+    <ds:schemaRef ds:uri="http://schemas.microsoft.com/sharepoint/v3/contenttype/forms"/>
   </ds:schemaRefs>
 </ds:datastoreItem>
 </file>

--- a/01_docker/DockerConceptsAndVocabulary.pptx
+++ b/01_docker/DockerConceptsAndVocabulary.pptx
@@ -6769,7 +6769,7 @@
           <a:p>
             <a:r>
               <a:rPr lang="en-GB" dirty="0"/>
-              <a:t>For understand, motivation and discussion</a:t>
+              <a:t>For understanding, motivation and discussion</a:t>
             </a:r>
           </a:p>
         </p:txBody>
@@ -10131,6 +10131,15 @@
 </file>
 
 <file path=customXml/item1.xml><?xml version="1.0" encoding="utf-8"?>
+<?mso-contentType ?>
+<FormTemplates xmlns="http://schemas.microsoft.com/sharepoint/v3/contenttype/forms">
+  <Display>DocumentLibraryForm</Display>
+  <Edit>DocumentLibraryForm</Edit>
+  <New>DocumentLibraryForm</New>
+</FormTemplates>
+</file>
+
+<file path=customXml/item2.xml><?xml version="1.0" encoding="utf-8"?>
 <ct:contentTypeSchema xmlns:ct="http://schemas.microsoft.com/office/2006/metadata/contentType" xmlns:ma="http://schemas.microsoft.com/office/2006/metadata/properties/metaAttributes" ct:_="" ma:_="" ma:contentTypeName="Document" ma:contentTypeID="0x01010024C55B41993A414DABB8DD07ACBA0814" ma:contentTypeVersion="1" ma:contentTypeDescription="Create a new document." ma:contentTypeScope="" ma:versionID="3ea0c22b5866975a7b271665de4056c5">
   <xsd:schema xmlns:xsd="http://www.w3.org/2001/XMLSchema" xmlns:xs="http://www.w3.org/2001/XMLSchema" xmlns:p="http://schemas.microsoft.com/office/2006/metadata/properties" xmlns:ns1="http://schemas.microsoft.com/sharepoint/v3" targetNamespace="http://schemas.microsoft.com/office/2006/metadata/properties" ma:root="true" ma:fieldsID="ef2aa9ed40e72a78c3822fc753b43e87" ns1:_="">
     <xsd:import namespace="http://schemas.microsoft.com/sharepoint/v3"/>
@@ -10262,15 +10271,6 @@
 </ct:contentTypeSchema>
 </file>
 
-<file path=customXml/item2.xml><?xml version="1.0" encoding="utf-8"?>
-<?mso-contentType ?>
-<FormTemplates xmlns="http://schemas.microsoft.com/sharepoint/v3/contenttype/forms">
-  <Display>DocumentLibraryForm</Display>
-  <Edit>DocumentLibraryForm</Edit>
-  <New>DocumentLibraryForm</New>
-</FormTemplates>
-</file>
-
 <file path=customXml/item3.xml><?xml version="1.0" encoding="utf-8"?>
 <p:properties xmlns:p="http://schemas.microsoft.com/office/2006/metadata/properties" xmlns:xsi="http://www.w3.org/2001/XMLSchema-instance" xmlns:pc="http://schemas.microsoft.com/office/infopath/2007/PartnerControls">
   <documentManagement>
@@ -10281,6 +10281,14 @@
 </file>
 
 <file path=customXml/itemProps1.xml><?xml version="1.0" encoding="utf-8"?>
+<ds:datastoreItem xmlns:ds="http://schemas.openxmlformats.org/officeDocument/2006/customXml" ds:itemID="{D546C03B-CD3A-4EA0-AAA4-0E00E896454E}">
+  <ds:schemaRefs>
+    <ds:schemaRef ds:uri="http://schemas.microsoft.com/sharepoint/v3/contenttype/forms"/>
+  </ds:schemaRefs>
+</ds:datastoreItem>
+</file>
+
+<file path=customXml/itemProps2.xml><?xml version="1.0" encoding="utf-8"?>
 <ds:datastoreItem xmlns:ds="http://schemas.openxmlformats.org/officeDocument/2006/customXml" ds:itemID="{B9E4DC25-62AA-44A0-8D5C-DB44892588AF}">
   <ds:schemaRefs>
     <ds:schemaRef ds:uri="http://schemas.microsoft.com/office/2006/metadata/contentType"/>
@@ -10294,14 +10302,6 @@
     <ds:schemaRef ds:uri="http://purl.org/dc/elements/1.1/"/>
     <ds:schemaRef ds:uri="http://purl.org/dc/terms/"/>
     <ds:schemaRef ds:uri="http://schemas.microsoft.com/internal/obd"/>
-  </ds:schemaRefs>
-</ds:datastoreItem>
-</file>
-
-<file path=customXml/itemProps2.xml><?xml version="1.0" encoding="utf-8"?>
-<ds:datastoreItem xmlns:ds="http://schemas.openxmlformats.org/officeDocument/2006/customXml" ds:itemID="{D546C03B-CD3A-4EA0-AAA4-0E00E896454E}">
-  <ds:schemaRefs>
-    <ds:schemaRef ds:uri="http://schemas.microsoft.com/sharepoint/v3/contenttype/forms"/>
   </ds:schemaRefs>
 </ds:datastoreItem>
 </file>

--- a/01_docker/DockerConceptsAndVocabulary.pptx
+++ b/01_docker/DockerConceptsAndVocabulary.pptx
@@ -5,7 +5,7 @@
     <p:sldMasterId id="2147483648" r:id="rId4"/>
   </p:sldMasterIdLst>
   <p:notesMasterIdLst>
-    <p:notesMasterId r:id="rId16"/>
+    <p:notesMasterId r:id="rId17"/>
   </p:notesMasterIdLst>
   <p:sldIdLst>
     <p:sldId id="256" r:id="rId5"/>
@@ -18,7 +18,8 @@
     <p:sldId id="274" r:id="rId12"/>
     <p:sldId id="273" r:id="rId13"/>
     <p:sldId id="276" r:id="rId14"/>
-    <p:sldId id="266" r:id="rId15"/>
+    <p:sldId id="277" r:id="rId15"/>
+    <p:sldId id="266" r:id="rId16"/>
   </p:sldIdLst>
   <p:sldSz cx="12192000" cy="6858000"/>
   <p:notesSz cx="6858000" cy="9144000"/>
@@ -1201,7 +1202,7 @@
           <a:p>
             <a:fld id="{5645C365-1C26-6946-87AF-75D6A7DF4277}" type="datetimeFigureOut">
               <a:rPr lang="en-GB" smtClean="0"/>
-              <a:t>24/01/2024</a:t>
+              <a:t>25/01/2024</a:t>
             </a:fld>
             <a:endParaRPr lang="en-GB"/>
           </a:p>
@@ -1700,7 +1701,7 @@
           <a:p>
             <a:fld id="{35B864B8-8D08-7B43-B4FB-B2FB41A5D9E3}" type="datetime1">
               <a:rPr lang="fi-FI" smtClean="0"/>
-              <a:t>24.1.2024</a:t>
+              <a:t>25.1.2024</a:t>
             </a:fld>
             <a:endParaRPr lang="en-GB" dirty="0"/>
           </a:p>
@@ -2027,7 +2028,7 @@
           <a:p>
             <a:fld id="{D5AEA85A-FC56-D34C-9AA6-ECC3D2586F37}" type="datetime1">
               <a:rPr lang="fi-FI" smtClean="0"/>
-              <a:t>24.1.2024</a:t>
+              <a:t>25.1.2024</a:t>
             </a:fld>
             <a:endParaRPr lang="en-GB" dirty="0"/>
           </a:p>
@@ -2237,7 +2238,7 @@
           <a:p>
             <a:fld id="{E6BC6EEF-E660-7844-8930-418AFF95EA40}" type="datetime1">
               <a:rPr lang="fi-FI" smtClean="0"/>
-              <a:t>24.1.2024</a:t>
+              <a:t>25.1.2024</a:t>
             </a:fld>
             <a:endParaRPr lang="en-GB" dirty="0"/>
           </a:p>
@@ -2546,7 +2547,7 @@
           <a:p>
             <a:fld id="{4E10C7EC-C1C1-9849-A573-7692478FCD52}" type="datetime1">
               <a:rPr lang="fi-FI" smtClean="0"/>
-              <a:t>24.1.2024</a:t>
+              <a:t>25.1.2024</a:t>
             </a:fld>
             <a:endParaRPr lang="en-GB" dirty="0"/>
           </a:p>
@@ -2819,7 +2820,7 @@
           <a:p>
             <a:fld id="{844FF3FE-30BE-2040-9151-6FBC4992BF4F}" type="datetime1">
               <a:rPr lang="fi-FI" smtClean="0"/>
-              <a:t>24.1.2024</a:t>
+              <a:t>25.1.2024</a:t>
             </a:fld>
             <a:endParaRPr lang="en-GB" dirty="0"/>
           </a:p>
@@ -3059,7 +3060,7 @@
           <a:p>
             <a:fld id="{11EDCD7B-6966-E249-89F2-D46BDFBF56BE}" type="datetime1">
               <a:rPr lang="fi-FI" smtClean="0"/>
-              <a:t>24.1.2024</a:t>
+              <a:t>25.1.2024</a:t>
             </a:fld>
             <a:endParaRPr lang="en-GB" dirty="0"/>
           </a:p>
@@ -3352,7 +3353,7 @@
           <a:p>
             <a:fld id="{11EDCD7B-6966-E249-89F2-D46BDFBF56BE}" type="datetime1">
               <a:rPr lang="fi-FI" smtClean="0"/>
-              <a:t>24.1.2024</a:t>
+              <a:t>25.1.2024</a:t>
             </a:fld>
             <a:endParaRPr lang="en-GB" dirty="0"/>
           </a:p>
@@ -3791,7 +3792,7 @@
           <a:p>
             <a:fld id="{844FF3FE-30BE-2040-9151-6FBC4992BF4F}" type="datetime1">
               <a:rPr lang="fi-FI" smtClean="0"/>
-              <a:t>24.1.2024</a:t>
+              <a:t>25.1.2024</a:t>
             </a:fld>
             <a:endParaRPr lang="en-GB" dirty="0"/>
           </a:p>
@@ -4019,7 +4020,7 @@
           <a:p>
             <a:fld id="{11EDCD7B-6966-E249-89F2-D46BDFBF56BE}" type="datetime1">
               <a:rPr lang="fi-FI" smtClean="0"/>
-              <a:t>24.1.2024</a:t>
+              <a:t>25.1.2024</a:t>
             </a:fld>
             <a:endParaRPr lang="en-GB" dirty="0"/>
           </a:p>
@@ -4434,7 +4435,7 @@
           <a:p>
             <a:fld id="{B62E192A-D52B-F541-B2AA-4AEB9388F1F7}" type="datetime1">
               <a:rPr lang="fi-FI" smtClean="0"/>
-              <a:t>24.1.2024</a:t>
+              <a:t>25.1.2024</a:t>
             </a:fld>
             <a:endParaRPr lang="en-GB" dirty="0"/>
           </a:p>
@@ -4734,7 +4735,7 @@
           <a:p>
             <a:fld id="{EEA4FAA2-2B3E-264C-A42F-2D6D3EF33A3C}" type="datetime1">
               <a:rPr lang="fi-FI" smtClean="0"/>
-              <a:t>24.1.2024</a:t>
+              <a:t>25.1.2024</a:t>
             </a:fld>
             <a:endParaRPr lang="en-GB" dirty="0"/>
           </a:p>
@@ -5637,7 +5638,7 @@
           <a:p>
             <a:fld id="{B3114A65-8017-1743-A85A-B2A4BB835AE9}" type="datetime1">
               <a:rPr lang="fi-FI" smtClean="0"/>
-              <a:t>24.1.2024</a:t>
+              <a:t>25.1.2024</a:t>
             </a:fld>
             <a:endParaRPr lang="en-GB" dirty="0"/>
           </a:p>
@@ -5865,7 +5866,7 @@
           <a:p>
             <a:fld id="{11EDCD7B-6966-E249-89F2-D46BDFBF56BE}" type="datetime1">
               <a:rPr lang="fi-FI" smtClean="0"/>
-              <a:t>24.1.2024</a:t>
+              <a:t>25.1.2024</a:t>
             </a:fld>
             <a:endParaRPr lang="en-GB" dirty="0"/>
           </a:p>
@@ -6157,7 +6158,7 @@
           <a:p>
             <a:fld id="{45F98643-D206-614D-B596-3C8548138211}" type="datetime1">
               <a:rPr lang="fi-FI" smtClean="0"/>
-              <a:t>24.1.2024</a:t>
+              <a:t>25.1.2024</a:t>
             </a:fld>
             <a:endParaRPr lang="en-GB" dirty="0"/>
           </a:p>
@@ -6797,7 +6798,7 @@
           <a:p>
             <a:fld id="{30BF63A1-919F-FB49-ABA8-182126D24C50}" type="datetime1">
               <a:rPr lang="fi-FI" smtClean="0"/>
-              <a:t>24.1.2024</a:t>
+              <a:t>25.1.2024</a:t>
             </a:fld>
             <a:endParaRPr lang="en-GB" dirty="0"/>
           </a:p>
@@ -6963,7 +6964,7 @@
                 <a:ea typeface="Calibri" panose="020F0502020204030204" pitchFamily="34" charset="0"/>
                 <a:cs typeface="Times New Roman" panose="02020603050405020304" pitchFamily="18" charset="0"/>
               </a:rPr>
-              <a:t>Also for keeping data between container deletion and re-creation!</a:t>
+              <a:t>Also for keeping data between container deletion and re-creation! (Container is deleted totally, but volume resides by default in the host file system)</a:t>
             </a:r>
             <a:endParaRPr lang="fi-FI" sz="1800" dirty="0">
               <a:effectLst/>
@@ -7000,7 +7001,7 @@
           <a:p>
             <a:fld id="{202E1EC2-47B8-044B-A09E-6A63B4D80C87}" type="datetime1">
               <a:rPr lang="fi-FI" smtClean="0"/>
-              <a:t>24.1.2024</a:t>
+              <a:t>25.1.2024</a:t>
             </a:fld>
             <a:endParaRPr lang="en-GB"/>
           </a:p>
@@ -7095,6 +7096,348 @@
           <p:cNvPr id="8" name="Title 7">
             <a:extLst>
               <a:ext uri="{FF2B5EF4-FFF2-40B4-BE49-F238E27FC236}">
+                <a16:creationId xmlns:a16="http://schemas.microsoft.com/office/drawing/2014/main" id="{197044C3-CD23-D844-B780-26FABA91AD0F}"/>
+              </a:ext>
+            </a:extLst>
+          </p:cNvPr>
+          <p:cNvSpPr>
+            <a:spLocks noGrp="1"/>
+          </p:cNvSpPr>
+          <p:nvPr>
+            <p:ph type="title"/>
+          </p:nvPr>
+        </p:nvSpPr>
+        <p:spPr/>
+        <p:txBody>
+          <a:bodyPr/>
+          <a:lstStyle/>
+          <a:p>
+            <a:r>
+              <a:rPr lang="fi-FI" dirty="0" err="1"/>
+              <a:t>network</a:t>
+            </a:r>
+            <a:endParaRPr lang="fi-FI" dirty="0"/>
+          </a:p>
+        </p:txBody>
+      </p:sp>
+      <p:sp>
+        <p:nvSpPr>
+          <p:cNvPr id="9" name="Content Placeholder 8">
+            <a:extLst>
+              <a:ext uri="{FF2B5EF4-FFF2-40B4-BE49-F238E27FC236}">
+                <a16:creationId xmlns:a16="http://schemas.microsoft.com/office/drawing/2014/main" id="{ACDE61D8-A75A-F94B-B57A-46F276C03311}"/>
+              </a:ext>
+            </a:extLst>
+          </p:cNvPr>
+          <p:cNvSpPr>
+            <a:spLocks noGrp="1"/>
+          </p:cNvSpPr>
+          <p:nvPr>
+            <p:ph sz="half" idx="2"/>
+          </p:nvPr>
+        </p:nvSpPr>
+        <p:spPr/>
+        <p:txBody>
+          <a:bodyPr>
+            <a:normAutofit/>
+          </a:bodyPr>
+          <a:lstStyle/>
+          <a:p>
+            <a:pPr>
+              <a:lnSpc>
+                <a:spcPct val="107000"/>
+              </a:lnSpc>
+              <a:spcAft>
+                <a:spcPts val="800"/>
+              </a:spcAft>
+            </a:pPr>
+            <a:r>
+              <a:rPr lang="en-US" sz="1800" dirty="0">
+                <a:effectLst/>
+                <a:latin typeface="Calibri" panose="020F0502020204030204" pitchFamily="34" charset="0"/>
+                <a:ea typeface="Calibri" panose="020F0502020204030204" pitchFamily="34" charset="0"/>
+                <a:cs typeface="Times New Roman" panose="02020603050405020304" pitchFamily="18" charset="0"/>
+              </a:rPr>
+              <a:t>Allows (by default isolated) containers to communicate with each other, or the host computer</a:t>
+            </a:r>
+          </a:p>
+          <a:p>
+            <a:pPr>
+              <a:lnSpc>
+                <a:spcPct val="107000"/>
+              </a:lnSpc>
+              <a:spcAft>
+                <a:spcPts val="800"/>
+              </a:spcAft>
+            </a:pPr>
+            <a:r>
+              <a:rPr lang="en-US" dirty="0">
+                <a:latin typeface="Calibri" panose="020F0502020204030204" pitchFamily="34" charset="0"/>
+                <a:ea typeface="Calibri" panose="020F0502020204030204" pitchFamily="34" charset="0"/>
+                <a:cs typeface="Times New Roman" panose="02020603050405020304" pitchFamily="18" charset="0"/>
+              </a:rPr>
+              <a:t>There are multiple network configurations available, e.g. Bridge, Host, Overlay, none</a:t>
+            </a:r>
+            <a:endParaRPr lang="en-US" sz="1800" dirty="0">
+              <a:effectLst/>
+              <a:latin typeface="Calibri" panose="020F0502020204030204" pitchFamily="34" charset="0"/>
+              <a:ea typeface="Calibri" panose="020F0502020204030204" pitchFamily="34" charset="0"/>
+              <a:cs typeface="Times New Roman" panose="02020603050405020304" pitchFamily="18" charset="0"/>
+            </a:endParaRPr>
+          </a:p>
+          <a:p>
+            <a:pPr>
+              <a:lnSpc>
+                <a:spcPct val="107000"/>
+              </a:lnSpc>
+              <a:spcAft>
+                <a:spcPts val="800"/>
+              </a:spcAft>
+            </a:pPr>
+            <a:r>
+              <a:rPr lang="en-US" sz="1800" dirty="0">
+                <a:effectLst/>
+                <a:latin typeface="Calibri" panose="020F0502020204030204" pitchFamily="34" charset="0"/>
+                <a:ea typeface="Calibri" panose="020F0502020204030204" pitchFamily="34" charset="0"/>
+                <a:cs typeface="Times New Roman" panose="02020603050405020304" pitchFamily="18" charset="0"/>
+                <a:hlinkClick r:id="rId2"/>
+              </a:rPr>
+              <a:t>https://docs.docker.com/network/drivers/bridge/</a:t>
+            </a:r>
+            <a:r>
+              <a:rPr lang="en-US" dirty="0">
+                <a:latin typeface="Calibri" panose="020F0502020204030204" pitchFamily="34" charset="0"/>
+                <a:ea typeface="Calibri" panose="020F0502020204030204" pitchFamily="34" charset="0"/>
+                <a:cs typeface="Times New Roman" panose="02020603050405020304" pitchFamily="18" charset="0"/>
+              </a:rPr>
+              <a:t>   </a:t>
+            </a:r>
+            <a:r>
+              <a:rPr lang="en-US" b="1" dirty="0">
+                <a:latin typeface="Calibri" panose="020F0502020204030204" pitchFamily="34" charset="0"/>
+                <a:ea typeface="Calibri" panose="020F0502020204030204" pitchFamily="34" charset="0"/>
+                <a:cs typeface="Times New Roman" panose="02020603050405020304" pitchFamily="18" charset="0"/>
+              </a:rPr>
+              <a:t>Bridge</a:t>
+            </a:r>
+            <a:r>
+              <a:rPr lang="en-US" dirty="0">
+                <a:latin typeface="Calibri" panose="020F0502020204030204" pitchFamily="34" charset="0"/>
+                <a:ea typeface="Calibri" panose="020F0502020204030204" pitchFamily="34" charset="0"/>
+                <a:cs typeface="Times New Roman" panose="02020603050405020304" pitchFamily="18" charset="0"/>
+              </a:rPr>
+              <a:t> is the normal one, letting included containers communicate with each other.</a:t>
+            </a:r>
+          </a:p>
+          <a:p>
+            <a:pPr>
+              <a:lnSpc>
+                <a:spcPct val="107000"/>
+              </a:lnSpc>
+              <a:spcAft>
+                <a:spcPts val="800"/>
+              </a:spcAft>
+            </a:pPr>
+            <a:r>
+              <a:rPr lang="en-US" sz="1800" dirty="0">
+                <a:effectLst/>
+                <a:latin typeface="Calibri" panose="020F0502020204030204" pitchFamily="34" charset="0"/>
+                <a:ea typeface="Calibri" panose="020F0502020204030204" pitchFamily="34" charset="0"/>
+                <a:cs typeface="Times New Roman" panose="02020603050405020304" pitchFamily="18" charset="0"/>
+                <a:hlinkClick r:id="rId3"/>
+              </a:rPr>
+              <a:t>https://docs.docker.com/network/drivers/host/</a:t>
+            </a:r>
+            <a:r>
+              <a:rPr lang="en-US" sz="1800" dirty="0">
+                <a:effectLst/>
+                <a:latin typeface="Calibri" panose="020F0502020204030204" pitchFamily="34" charset="0"/>
+                <a:ea typeface="Calibri" panose="020F0502020204030204" pitchFamily="34" charset="0"/>
+                <a:cs typeface="Times New Roman" panose="02020603050405020304" pitchFamily="18" charset="0"/>
+              </a:rPr>
+              <a:t> </a:t>
+            </a:r>
+            <a:r>
+              <a:rPr lang="en-US" sz="1800" b="1" dirty="0">
+                <a:effectLst/>
+                <a:latin typeface="Calibri" panose="020F0502020204030204" pitchFamily="34" charset="0"/>
+                <a:ea typeface="Calibri" panose="020F0502020204030204" pitchFamily="34" charset="0"/>
+                <a:cs typeface="Times New Roman" panose="02020603050405020304" pitchFamily="18" charset="0"/>
+              </a:rPr>
+              <a:t>Host</a:t>
+            </a:r>
+            <a:r>
+              <a:rPr lang="en-US" sz="1800" dirty="0">
+                <a:effectLst/>
+                <a:latin typeface="Calibri" panose="020F0502020204030204" pitchFamily="34" charset="0"/>
+                <a:ea typeface="Calibri" panose="020F0502020204030204" pitchFamily="34" charset="0"/>
+                <a:cs typeface="Times New Roman" panose="02020603050405020304" pitchFamily="18" charset="0"/>
+              </a:rPr>
+              <a:t> refers to the host computer where Docker engine is run. Do you want to e.g. </a:t>
+            </a:r>
+            <a:r>
+              <a:rPr lang="en-US" dirty="0">
+                <a:latin typeface="Calibri" panose="020F0502020204030204" pitchFamily="34" charset="0"/>
+                <a:ea typeface="Calibri" panose="020F0502020204030204" pitchFamily="34" charset="0"/>
+                <a:cs typeface="Times New Roman" panose="02020603050405020304" pitchFamily="18" charset="0"/>
+              </a:rPr>
+              <a:t>let the containers interact with your host computer services? Sometimes absolutely not, some rare times yes.</a:t>
+            </a:r>
+            <a:endParaRPr lang="en-US" sz="1800" dirty="0">
+              <a:effectLst/>
+              <a:latin typeface="Calibri" panose="020F0502020204030204" pitchFamily="34" charset="0"/>
+              <a:ea typeface="Calibri" panose="020F0502020204030204" pitchFamily="34" charset="0"/>
+              <a:cs typeface="Times New Roman" panose="02020603050405020304" pitchFamily="18" charset="0"/>
+            </a:endParaRPr>
+          </a:p>
+          <a:p>
+            <a:pPr>
+              <a:lnSpc>
+                <a:spcPct val="107000"/>
+              </a:lnSpc>
+              <a:spcAft>
+                <a:spcPts val="800"/>
+              </a:spcAft>
+            </a:pPr>
+            <a:r>
+              <a:rPr lang="en-US" sz="1800" dirty="0">
+                <a:effectLst/>
+                <a:latin typeface="Calibri" panose="020F0502020204030204" pitchFamily="34" charset="0"/>
+                <a:ea typeface="Calibri" panose="020F0502020204030204" pitchFamily="34" charset="0"/>
+                <a:cs typeface="Times New Roman" panose="02020603050405020304" pitchFamily="18" charset="0"/>
+              </a:rPr>
+              <a:t>Also for keeping data between container deletion and re-creation!</a:t>
+            </a:r>
+            <a:endParaRPr lang="fi-FI" sz="1800" dirty="0">
+              <a:effectLst/>
+              <a:latin typeface="Calibri" panose="020F0502020204030204" pitchFamily="34" charset="0"/>
+              <a:ea typeface="Calibri" panose="020F0502020204030204" pitchFamily="34" charset="0"/>
+              <a:cs typeface="Times New Roman" panose="02020603050405020304" pitchFamily="18" charset="0"/>
+            </a:endParaRPr>
+          </a:p>
+          <a:p>
+            <a:endParaRPr lang="fi-FI" dirty="0"/>
+          </a:p>
+        </p:txBody>
+      </p:sp>
+      <p:sp>
+        <p:nvSpPr>
+          <p:cNvPr id="5" name="Date Placeholder 4">
+            <a:extLst>
+              <a:ext uri="{FF2B5EF4-FFF2-40B4-BE49-F238E27FC236}">
+                <a16:creationId xmlns:a16="http://schemas.microsoft.com/office/drawing/2014/main" id="{976244E2-AA76-2742-B2EC-FEC79276155C}"/>
+              </a:ext>
+            </a:extLst>
+          </p:cNvPr>
+          <p:cNvSpPr>
+            <a:spLocks noGrp="1"/>
+          </p:cNvSpPr>
+          <p:nvPr>
+            <p:ph type="dt" sz="half" idx="10"/>
+          </p:nvPr>
+        </p:nvSpPr>
+        <p:spPr/>
+        <p:txBody>
+          <a:bodyPr/>
+          <a:lstStyle/>
+          <a:p>
+            <a:fld id="{202E1EC2-47B8-044B-A09E-6A63B4D80C87}" type="datetime1">
+              <a:rPr lang="fi-FI" smtClean="0"/>
+              <a:t>25.1.2024</a:t>
+            </a:fld>
+            <a:endParaRPr lang="en-GB"/>
+          </a:p>
+        </p:txBody>
+      </p:sp>
+      <p:sp>
+        <p:nvSpPr>
+          <p:cNvPr id="6" name="Footer Placeholder 5">
+            <a:extLst>
+              <a:ext uri="{FF2B5EF4-FFF2-40B4-BE49-F238E27FC236}">
+                <a16:creationId xmlns:a16="http://schemas.microsoft.com/office/drawing/2014/main" id="{588CE607-4137-8840-8FEA-42EAC857E3A3}"/>
+              </a:ext>
+            </a:extLst>
+          </p:cNvPr>
+          <p:cNvSpPr>
+            <a:spLocks noGrp="1"/>
+          </p:cNvSpPr>
+          <p:nvPr>
+            <p:ph type="ftr" sz="quarter" idx="11"/>
+          </p:nvPr>
+        </p:nvSpPr>
+        <p:spPr/>
+        <p:txBody>
+          <a:bodyPr/>
+          <a:lstStyle/>
+          <a:p>
+            <a:endParaRPr lang="en-GB"/>
+          </a:p>
+        </p:txBody>
+      </p:sp>
+      <p:sp>
+        <p:nvSpPr>
+          <p:cNvPr id="7" name="Slide Number Placeholder 6">
+            <a:extLst>
+              <a:ext uri="{FF2B5EF4-FFF2-40B4-BE49-F238E27FC236}">
+                <a16:creationId xmlns:a16="http://schemas.microsoft.com/office/drawing/2014/main" id="{2E133A96-6C73-0844-B8CB-27C2B5F4CFB1}"/>
+              </a:ext>
+            </a:extLst>
+          </p:cNvPr>
+          <p:cNvSpPr>
+            <a:spLocks noGrp="1"/>
+          </p:cNvSpPr>
+          <p:nvPr>
+            <p:ph type="sldNum" sz="quarter" idx="12"/>
+          </p:nvPr>
+        </p:nvSpPr>
+        <p:spPr/>
+        <p:txBody>
+          <a:bodyPr/>
+          <a:lstStyle/>
+          <a:p>
+            <a:fld id="{76BAB7ED-EDE9-4D4B-9A2D-30E18C47C16E}" type="slidenum">
+              <a:rPr lang="en-GB" smtClean="0"/>
+              <a:t>11</a:t>
+            </a:fld>
+            <a:endParaRPr lang="en-GB"/>
+          </a:p>
+        </p:txBody>
+      </p:sp>
+    </p:spTree>
+    <p:extLst>
+      <p:ext uri="{BB962C8B-B14F-4D97-AF65-F5344CB8AC3E}">
+        <p14:creationId xmlns:p14="http://schemas.microsoft.com/office/powerpoint/2010/main" val="3362218849"/>
+      </p:ext>
+    </p:extLst>
+  </p:cSld>
+  <p:clrMapOvr>
+    <a:masterClrMapping/>
+  </p:clrMapOvr>
+</p:sld>
+</file>
+
+<file path=ppt/slides/slide12.xml><?xml version="1.0" encoding="utf-8"?>
+<p:sld xmlns:a="http://schemas.openxmlformats.org/drawingml/2006/main" xmlns:r="http://schemas.openxmlformats.org/officeDocument/2006/relationships" xmlns:p="http://schemas.openxmlformats.org/presentationml/2006/main">
+  <p:cSld>
+    <p:spTree>
+      <p:nvGrpSpPr>
+        <p:cNvPr id="1" name=""/>
+        <p:cNvGrpSpPr/>
+        <p:nvPr/>
+      </p:nvGrpSpPr>
+      <p:grpSpPr>
+        <a:xfrm>
+          <a:off x="0" y="0"/>
+          <a:ext cx="0" cy="0"/>
+          <a:chOff x="0" y="0"/>
+          <a:chExt cx="0" cy="0"/>
+        </a:xfrm>
+      </p:grpSpPr>
+      <p:sp>
+        <p:nvSpPr>
+          <p:cNvPr id="8" name="Title 7">
+            <a:extLst>
+              <a:ext uri="{FF2B5EF4-FFF2-40B4-BE49-F238E27FC236}">
                 <a16:creationId xmlns:a16="http://schemas.microsoft.com/office/drawing/2014/main" id="{49202545-D26B-485C-9E25-62859E92ED89}"/>
               </a:ext>
             </a:extLst>
@@ -7256,7 +7599,7 @@
           <a:p>
             <a:fld id="{7A2E22EC-FB8F-BE4C-8513-60D11DB7758C}" type="datetime1">
               <a:rPr lang="fi-FI" smtClean="0"/>
-              <a:t>24.1.2024</a:t>
+              <a:t>25.1.2024</a:t>
             </a:fld>
             <a:endParaRPr lang="en-GB"/>
           </a:p>
@@ -7310,7 +7653,7 @@
           <a:p>
             <a:fld id="{76BAB7ED-EDE9-4D4B-9A2D-30E18C47C16E}" type="slidenum">
               <a:rPr lang="en-GB" smtClean="0"/>
-              <a:t>11</a:t>
+              <a:t>12</a:t>
             </a:fld>
             <a:endParaRPr lang="en-GB"/>
           </a:p>
@@ -7605,7 +7948,7 @@
           <a:p>
             <a:fld id="{202E1EC2-47B8-044B-A09E-6A63B4D80C87}" type="datetime1">
               <a:rPr lang="fi-FI" smtClean="0"/>
-              <a:t>24.1.2024</a:t>
+              <a:t>25.1.2024</a:t>
             </a:fld>
             <a:endParaRPr lang="en-GB"/>
           </a:p>
@@ -7856,7 +8199,7 @@
           <a:p>
             <a:fld id="{202E1EC2-47B8-044B-A09E-6A63B4D80C87}" type="datetime1">
               <a:rPr lang="fi-FI" smtClean="0"/>
-              <a:t>24.1.2024</a:t>
+              <a:t>25.1.2024</a:t>
             </a:fld>
             <a:endParaRPr lang="en-GB"/>
           </a:p>
@@ -7969,7 +8312,7 @@
           <a:p>
             <a:r>
               <a:rPr lang="fi-FI" dirty="0" err="1"/>
-              <a:t>Docker</a:t>
+              <a:t>docker</a:t>
             </a:r>
             <a:r>
               <a:rPr lang="fi-FI" dirty="0"/>
@@ -8183,7 +8526,7 @@
           <a:p>
             <a:fld id="{202E1EC2-47B8-044B-A09E-6A63B4D80C87}" type="datetime1">
               <a:rPr lang="fi-FI" smtClean="0"/>
-              <a:t>24.1.2024</a:t>
+              <a:t>25.1.2024</a:t>
             </a:fld>
             <a:endParaRPr lang="en-GB"/>
           </a:p>
@@ -8433,7 +8776,7 @@
           <a:p>
             <a:fld id="{202E1EC2-47B8-044B-A09E-6A63B4D80C87}" type="datetime1">
               <a:rPr lang="fi-FI" smtClean="0"/>
-              <a:t>24.1.2024</a:t>
+              <a:t>25.1.2024</a:t>
             </a:fld>
             <a:endParaRPr lang="en-GB"/>
           </a:p>
@@ -8631,7 +8974,7 @@
           <a:p>
             <a:fld id="{202E1EC2-47B8-044B-A09E-6A63B4D80C87}" type="datetime1">
               <a:rPr lang="fi-FI" smtClean="0"/>
-              <a:t>24.1.2024</a:t>
+              <a:t>25.1.2024</a:t>
             </a:fld>
             <a:endParaRPr lang="en-GB"/>
           </a:p>
@@ -8744,7 +9087,7 @@
           <a:p>
             <a:r>
               <a:rPr lang="fi-FI" dirty="0"/>
-              <a:t>Image</a:t>
+              <a:t>image</a:t>
             </a:r>
           </a:p>
         </p:txBody>
@@ -8963,7 +9306,7 @@
           <a:p>
             <a:fld id="{202E1EC2-47B8-044B-A09E-6A63B4D80C87}" type="datetime1">
               <a:rPr lang="fi-FI" smtClean="0"/>
-              <a:t>24.1.2024</a:t>
+              <a:t>25.1.2024</a:t>
             </a:fld>
             <a:endParaRPr lang="en-GB"/>
           </a:p>
@@ -9086,6 +9429,22 @@
               <a:rPr lang="fi-FI" dirty="0" err="1"/>
               <a:t>registry</a:t>
             </a:r>
+            <a:r>
+              <a:rPr lang="fi-FI" dirty="0"/>
+              <a:t>, e.g. </a:t>
+            </a:r>
+            <a:r>
+              <a:rPr lang="fi-FI" dirty="0" err="1"/>
+              <a:t>Docker</a:t>
+            </a:r>
+            <a:r>
+              <a:rPr lang="fi-FI" dirty="0"/>
+              <a:t> </a:t>
+            </a:r>
+            <a:r>
+              <a:rPr lang="fi-FI" dirty="0" err="1"/>
+              <a:t>Hub</a:t>
+            </a:r>
             <a:endParaRPr lang="fi-FI" dirty="0"/>
           </a:p>
         </p:txBody>
@@ -9181,7 +9540,7 @@
           <a:p>
             <a:fld id="{202E1EC2-47B8-044B-A09E-6A63B4D80C87}" type="datetime1">
               <a:rPr lang="fi-FI" smtClean="0"/>
-              <a:t>24.1.2024</a:t>
+              <a:t>25.1.2024</a:t>
             </a:fld>
             <a:endParaRPr lang="en-GB"/>
           </a:p>
@@ -9346,7 +9705,7 @@
                 <a:ea typeface="Calibri" panose="020F0502020204030204" pitchFamily="34" charset="0"/>
                 <a:cs typeface="Times New Roman" panose="02020603050405020304" pitchFamily="18" charset="0"/>
               </a:rPr>
-              <a:t>Tool for creating and starting multiple containers that talk to each other. </a:t>
+              <a:t>Tool for creating and starting multiple containers that depend on / talk to each other. </a:t>
             </a:r>
           </a:p>
           <a:p>
@@ -9398,12 +9757,20 @@
             </a:pPr>
             <a:r>
               <a:rPr lang="en-US" sz="1800" dirty="0">
+                <a:latin typeface="Calibri" panose="020F0502020204030204" pitchFamily="34" charset="0"/>
+                <a:ea typeface="Calibri" panose="020F0502020204030204" pitchFamily="34" charset="0"/>
+                <a:cs typeface="Times New Roman" panose="02020603050405020304" pitchFamily="18" charset="0"/>
+              </a:rPr>
+              <a:t>a</a:t>
+            </a:r>
+            <a:r>
+              <a:rPr lang="en-US" sz="1800" dirty="0">
                 <a:effectLst/>
                 <a:latin typeface="Calibri" panose="020F0502020204030204" pitchFamily="34" charset="0"/>
                 <a:ea typeface="Calibri" panose="020F0502020204030204" pitchFamily="34" charset="0"/>
                 <a:cs typeface="Times New Roman" panose="02020603050405020304" pitchFamily="18" charset="0"/>
               </a:rPr>
-              <a:t>or define (virtual) networks shared by multiple containers </a:t>
+              <a:t>nd/or define (virtual) networks shared by multiple containers </a:t>
             </a:r>
           </a:p>
           <a:p>
@@ -9501,7 +9868,7 @@
           <a:p>
             <a:fld id="{202E1EC2-47B8-044B-A09E-6A63B4D80C87}" type="datetime1">
               <a:rPr lang="fi-FI" smtClean="0"/>
-              <a:t>24.1.2024</a:t>
+              <a:t>25.1.2024</a:t>
             </a:fld>
             <a:endParaRPr lang="en-GB"/>
           </a:p>
@@ -10131,6 +10498,15 @@
 </file>
 
 <file path=customXml/item1.xml><?xml version="1.0" encoding="utf-8"?>
+<p:properties xmlns:p="http://schemas.microsoft.com/office/2006/metadata/properties" xmlns:xsi="http://www.w3.org/2001/XMLSchema-instance" xmlns:pc="http://schemas.microsoft.com/office/infopath/2007/PartnerControls">
+  <documentManagement>
+    <PublishingExpirationDate xmlns="http://schemas.microsoft.com/sharepoint/v3" xsi:nil="true"/>
+    <PublishingStartDate xmlns="http://schemas.microsoft.com/sharepoint/v3" xsi:nil="true"/>
+  </documentManagement>
+</p:properties>
+</file>
+
+<file path=customXml/item2.xml><?xml version="1.0" encoding="utf-8"?>
 <?mso-contentType ?>
 <FormTemplates xmlns="http://schemas.microsoft.com/sharepoint/v3/contenttype/forms">
   <Display>DocumentLibraryForm</Display>
@@ -10139,7 +10515,7 @@
 </FormTemplates>
 </file>
 
-<file path=customXml/item2.xml><?xml version="1.0" encoding="utf-8"?>
+<file path=customXml/item3.xml><?xml version="1.0" encoding="utf-8"?>
 <ct:contentTypeSchema xmlns:ct="http://schemas.microsoft.com/office/2006/metadata/contentType" xmlns:ma="http://schemas.microsoft.com/office/2006/metadata/properties/metaAttributes" ct:_="" ma:_="" ma:contentTypeName="Document" ma:contentTypeID="0x01010024C55B41993A414DABB8DD07ACBA0814" ma:contentTypeVersion="1" ma:contentTypeDescription="Create a new document." ma:contentTypeScope="" ma:versionID="3ea0c22b5866975a7b271665de4056c5">
   <xsd:schema xmlns:xsd="http://www.w3.org/2001/XMLSchema" xmlns:xs="http://www.w3.org/2001/XMLSchema" xmlns:p="http://schemas.microsoft.com/office/2006/metadata/properties" xmlns:ns1="http://schemas.microsoft.com/sharepoint/v3" targetNamespace="http://schemas.microsoft.com/office/2006/metadata/properties" ma:root="true" ma:fieldsID="ef2aa9ed40e72a78c3822fc753b43e87" ns1:_="">
     <xsd:import namespace="http://schemas.microsoft.com/sharepoint/v3"/>
@@ -10271,16 +10647,23 @@
 </ct:contentTypeSchema>
 </file>
 
-<file path=customXml/item3.xml><?xml version="1.0" encoding="utf-8"?>
-<p:properties xmlns:p="http://schemas.microsoft.com/office/2006/metadata/properties" xmlns:xsi="http://www.w3.org/2001/XMLSchema-instance" xmlns:pc="http://schemas.microsoft.com/office/infopath/2007/PartnerControls">
-  <documentManagement>
-    <PublishingExpirationDate xmlns="http://schemas.microsoft.com/sharepoint/v3" xsi:nil="true"/>
-    <PublishingStartDate xmlns="http://schemas.microsoft.com/sharepoint/v3" xsi:nil="true"/>
-  </documentManagement>
-</p:properties>
+<file path=customXml/itemProps1.xml><?xml version="1.0" encoding="utf-8"?>
+<ds:datastoreItem xmlns:ds="http://schemas.openxmlformats.org/officeDocument/2006/customXml" ds:itemID="{DED4E12E-7268-4B03-A47B-0755D62B5E31}">
+  <ds:schemaRefs>
+    <ds:schemaRef ds:uri="http://schemas.microsoft.com/sharepoint/v3"/>
+    <ds:schemaRef ds:uri="http://schemas.microsoft.com/office/2006/documentManagement/types"/>
+    <ds:schemaRef ds:uri="http://purl.org/dc/dcmitype/"/>
+    <ds:schemaRef ds:uri="http://purl.org/dc/elements/1.1/"/>
+    <ds:schemaRef ds:uri="http://schemas.microsoft.com/office/infopath/2007/PartnerControls"/>
+    <ds:schemaRef ds:uri="http://purl.org/dc/terms/"/>
+    <ds:schemaRef ds:uri="http://schemas.openxmlformats.org/package/2006/metadata/core-properties"/>
+    <ds:schemaRef ds:uri="http://schemas.microsoft.com/office/2006/metadata/properties"/>
+    <ds:schemaRef ds:uri="http://www.w3.org/XML/1998/namespace"/>
+  </ds:schemaRefs>
+</ds:datastoreItem>
 </file>
 
-<file path=customXml/itemProps1.xml><?xml version="1.0" encoding="utf-8"?>
+<file path=customXml/itemProps2.xml><?xml version="1.0" encoding="utf-8"?>
 <ds:datastoreItem xmlns:ds="http://schemas.openxmlformats.org/officeDocument/2006/customXml" ds:itemID="{D546C03B-CD3A-4EA0-AAA4-0E00E896454E}">
   <ds:schemaRefs>
     <ds:schemaRef ds:uri="http://schemas.microsoft.com/sharepoint/v3/contenttype/forms"/>
@@ -10288,7 +10671,7 @@
 </ds:datastoreItem>
 </file>
 
-<file path=customXml/itemProps2.xml><?xml version="1.0" encoding="utf-8"?>
+<file path=customXml/itemProps3.xml><?xml version="1.0" encoding="utf-8"?>
 <ds:datastoreItem xmlns:ds="http://schemas.openxmlformats.org/officeDocument/2006/customXml" ds:itemID="{B9E4DC25-62AA-44A0-8D5C-DB44892588AF}">
   <ds:schemaRefs>
     <ds:schemaRef ds:uri="http://schemas.microsoft.com/office/2006/metadata/contentType"/>
@@ -10304,20 +10687,4 @@
     <ds:schemaRef ds:uri="http://schemas.microsoft.com/internal/obd"/>
   </ds:schemaRefs>
 </ds:datastoreItem>
-</file>
-
-<file path=customXml/itemProps3.xml><?xml version="1.0" encoding="utf-8"?>
-<ds:datastoreItem xmlns:ds="http://schemas.openxmlformats.org/officeDocument/2006/customXml" ds:itemID="{DED4E12E-7268-4B03-A47B-0755D62B5E31}">
-  <ds:schemaRefs>
-    <ds:schemaRef ds:uri="http://schemas.microsoft.com/sharepoint/v3"/>
-    <ds:schemaRef ds:uri="http://schemas.microsoft.com/office/2006/documentManagement/types"/>
-    <ds:schemaRef ds:uri="http://purl.org/dc/dcmitype/"/>
-    <ds:schemaRef ds:uri="http://purl.org/dc/elements/1.1/"/>
-    <ds:schemaRef ds:uri="http://schemas.microsoft.com/office/infopath/2007/PartnerControls"/>
-    <ds:schemaRef ds:uri="http://purl.org/dc/terms/"/>
-    <ds:schemaRef ds:uri="http://schemas.openxmlformats.org/package/2006/metadata/core-properties"/>
-    <ds:schemaRef ds:uri="http://schemas.microsoft.com/office/2006/metadata/properties"/>
-    <ds:schemaRef ds:uri="http://www.w3.org/XML/1998/namespace"/>
-  </ds:schemaRefs>
-</ds:datastoreItem>
 </file>
--- a/01_docker/DockerConceptsAndVocabulary.pptx
+++ b/01_docker/DockerConceptsAndVocabulary.pptx
@@ -5,21 +5,26 @@
     <p:sldMasterId id="2147483648" r:id="rId4"/>
   </p:sldMasterIdLst>
   <p:notesMasterIdLst>
-    <p:notesMasterId r:id="rId17"/>
+    <p:notesMasterId r:id="rId22"/>
   </p:notesMasterIdLst>
   <p:sldIdLst>
     <p:sldId id="256" r:id="rId5"/>
     <p:sldId id="257" r:id="rId6"/>
-    <p:sldId id="268" r:id="rId7"/>
-    <p:sldId id="269" r:id="rId8"/>
-    <p:sldId id="270" r:id="rId9"/>
-    <p:sldId id="272" r:id="rId10"/>
-    <p:sldId id="271" r:id="rId11"/>
-    <p:sldId id="274" r:id="rId12"/>
-    <p:sldId id="273" r:id="rId13"/>
-    <p:sldId id="276" r:id="rId14"/>
-    <p:sldId id="277" r:id="rId15"/>
-    <p:sldId id="266" r:id="rId16"/>
+    <p:sldId id="281" r:id="rId7"/>
+    <p:sldId id="282" r:id="rId8"/>
+    <p:sldId id="268" r:id="rId9"/>
+    <p:sldId id="269" r:id="rId10"/>
+    <p:sldId id="270" r:id="rId11"/>
+    <p:sldId id="280" r:id="rId12"/>
+    <p:sldId id="272" r:id="rId13"/>
+    <p:sldId id="271" r:id="rId14"/>
+    <p:sldId id="274" r:id="rId15"/>
+    <p:sldId id="273" r:id="rId16"/>
+    <p:sldId id="276" r:id="rId17"/>
+    <p:sldId id="278" r:id="rId18"/>
+    <p:sldId id="277" r:id="rId19"/>
+    <p:sldId id="279" r:id="rId20"/>
+    <p:sldId id="266" r:id="rId21"/>
   </p:sldIdLst>
   <p:sldSz cx="12192000" cy="6858000"/>
   <p:notesSz cx="6858000" cy="9144000"/>
@@ -6881,10 +6886,9 @@
           <a:lstStyle/>
           <a:p>
             <a:r>
-              <a:rPr lang="fi-FI" dirty="0" err="1"/>
-              <a:t>volume</a:t>
-            </a:r>
-            <a:endParaRPr lang="fi-FI" dirty="0"/>
+              <a:rPr lang="fi-FI" dirty="0"/>
+              <a:t>image</a:t>
+            </a:r>
           </a:p>
         </p:txBody>
       </p:sp>
@@ -6926,8 +6930,14 @@
                 <a:ea typeface="Calibri" panose="020F0502020204030204" pitchFamily="34" charset="0"/>
                 <a:cs typeface="Times New Roman" panose="02020603050405020304" pitchFamily="18" charset="0"/>
               </a:rPr>
-              <a:t>Persisted folders and files on disk. </a:t>
-            </a:r>
+              <a:t>Ready-made from Docker Hub, or one you have created. Template that can be used to create container.</a:t>
+            </a:r>
+            <a:endParaRPr lang="fi-FI" sz="1800" dirty="0">
+              <a:effectLst/>
+              <a:latin typeface="Calibri" panose="020F0502020204030204" pitchFamily="34" charset="0"/>
+              <a:ea typeface="Calibri" panose="020F0502020204030204" pitchFamily="34" charset="0"/>
+              <a:cs typeface="Times New Roman" panose="02020603050405020304" pitchFamily="18" charset="0"/>
+            </a:endParaRPr>
           </a:p>
           <a:p>
             <a:pPr>
@@ -6945,37 +6955,132 @@
                 <a:ea typeface="Calibri" panose="020F0502020204030204" pitchFamily="34" charset="0"/>
                 <a:cs typeface="Times New Roman" panose="02020603050405020304" pitchFamily="18" charset="0"/>
               </a:rPr>
-              <a:t>Allows sharing between containers</a:t>
-            </a:r>
-          </a:p>
-          <a:p>
-            <a:pPr>
+              <a:t>E.g. some MariaDB image you want to take into use. It’s a snapshot of a running/runnable MariaDB or other DB server that starts from a certain documented state. Typically there is a root user with known password (public information, everyone knows the password!), a certain database/schema created, like ‘test’. When taking that image into use, you must then immediately:</a:t>
+            </a:r>
+            <a:endParaRPr lang="fi-FI" sz="1800" dirty="0">
+              <a:effectLst/>
+              <a:latin typeface="Calibri" panose="020F0502020204030204" pitchFamily="34" charset="0"/>
+              <a:ea typeface="Calibri" panose="020F0502020204030204" pitchFamily="34" charset="0"/>
+              <a:cs typeface="Times New Roman" panose="02020603050405020304" pitchFamily="18" charset="0"/>
+            </a:endParaRPr>
+          </a:p>
+          <a:p>
+            <a:pPr marL="846900" lvl="1" indent="-342900">
+              <a:lnSpc>
+                <a:spcPct val="107000"/>
+              </a:lnSpc>
+              <a:buFont typeface="Calibri" panose="020F0502020204030204" pitchFamily="34" charset="0"/>
+              <a:buChar char="-"/>
+            </a:pPr>
+            <a:r>
+              <a:rPr lang="en-US" dirty="0">
+                <a:effectLst/>
+                <a:latin typeface="Calibri" panose="020F0502020204030204" pitchFamily="34" charset="0"/>
+                <a:ea typeface="Calibri" panose="020F0502020204030204" pitchFamily="34" charset="0"/>
+                <a:cs typeface="Times New Roman" panose="02020603050405020304" pitchFamily="18" charset="0"/>
+              </a:rPr>
+              <a:t>secure the root user by changing the password</a:t>
+            </a:r>
+            <a:endParaRPr lang="fi-FI" dirty="0">
+              <a:effectLst/>
+              <a:latin typeface="Calibri" panose="020F0502020204030204" pitchFamily="34" charset="0"/>
+              <a:ea typeface="Calibri" panose="020F0502020204030204" pitchFamily="34" charset="0"/>
+              <a:cs typeface="Times New Roman" panose="02020603050405020304" pitchFamily="18" charset="0"/>
+            </a:endParaRPr>
+          </a:p>
+          <a:p>
+            <a:pPr marL="846900" lvl="1" indent="-342900">
+              <a:lnSpc>
+                <a:spcPct val="107000"/>
+              </a:lnSpc>
+              <a:buFont typeface="Calibri" panose="020F0502020204030204" pitchFamily="34" charset="0"/>
+              <a:buChar char="-"/>
+            </a:pPr>
+            <a:r>
+              <a:rPr lang="en-US" dirty="0">
+                <a:effectLst/>
+                <a:latin typeface="Calibri" panose="020F0502020204030204" pitchFamily="34" charset="0"/>
+                <a:ea typeface="Calibri" panose="020F0502020204030204" pitchFamily="34" charset="0"/>
+                <a:cs typeface="Times New Roman" panose="02020603050405020304" pitchFamily="18" charset="0"/>
+              </a:rPr>
+              <a:t>create a user with less privileges with safe password or other safe access. </a:t>
+            </a:r>
+            <a:endParaRPr lang="fi-FI" dirty="0">
+              <a:effectLst/>
+              <a:latin typeface="Calibri" panose="020F0502020204030204" pitchFamily="34" charset="0"/>
+              <a:ea typeface="Calibri" panose="020F0502020204030204" pitchFamily="34" charset="0"/>
+              <a:cs typeface="Times New Roman" panose="02020603050405020304" pitchFamily="18" charset="0"/>
+            </a:endParaRPr>
+          </a:p>
+          <a:p>
+            <a:pPr marL="846900" lvl="1" indent="-342900">
+              <a:lnSpc>
+                <a:spcPct val="107000"/>
+              </a:lnSpc>
+              <a:buFont typeface="Calibri" panose="020F0502020204030204" pitchFamily="34" charset="0"/>
+              <a:buChar char="-"/>
+            </a:pPr>
+            <a:r>
+              <a:rPr lang="en-US" dirty="0">
+                <a:effectLst/>
+                <a:latin typeface="Calibri" panose="020F0502020204030204" pitchFamily="34" charset="0"/>
+                <a:ea typeface="Calibri" panose="020F0502020204030204" pitchFamily="34" charset="0"/>
+                <a:cs typeface="Times New Roman" panose="02020603050405020304" pitchFamily="18" charset="0"/>
+              </a:rPr>
+              <a:t>give that user access to wanted schema etc.</a:t>
+            </a:r>
+            <a:endParaRPr lang="fi-FI" dirty="0">
+              <a:effectLst/>
+              <a:latin typeface="Calibri" panose="020F0502020204030204" pitchFamily="34" charset="0"/>
+              <a:ea typeface="Calibri" panose="020F0502020204030204" pitchFamily="34" charset="0"/>
+              <a:cs typeface="Times New Roman" panose="02020603050405020304" pitchFamily="18" charset="0"/>
+            </a:endParaRPr>
+          </a:p>
+          <a:p>
+            <a:pPr marL="846900" lvl="1" indent="-342900">
               <a:lnSpc>
                 <a:spcPct val="107000"/>
               </a:lnSpc>
               <a:spcAft>
                 <a:spcPts val="800"/>
               </a:spcAft>
+              <a:buFont typeface="Calibri" panose="020F0502020204030204" pitchFamily="34" charset="0"/>
+              <a:buChar char="-"/>
             </a:pPr>
             <a:r>
-              <a:rPr lang="en-US" sz="1800" dirty="0">
+              <a:rPr lang="en-US" dirty="0">
                 <a:effectLst/>
                 <a:latin typeface="Calibri" panose="020F0502020204030204" pitchFamily="34" charset="0"/>
                 <a:ea typeface="Calibri" panose="020F0502020204030204" pitchFamily="34" charset="0"/>
                 <a:cs typeface="Times New Roman" panose="02020603050405020304" pitchFamily="18" charset="0"/>
               </a:rPr>
-              <a:t>Also for keeping data between container deletion and re-creation! (Container is deleted totally, but volume resides by default in the host file system)</a:t>
-            </a:r>
-            <a:endParaRPr lang="fi-FI" sz="1800" dirty="0">
+              <a:t>continue possibly with table creation, </a:t>
+            </a:r>
+            <a:r>
+              <a:rPr lang="en-US" dirty="0" err="1">
+                <a:effectLst/>
+                <a:latin typeface="Calibri" panose="020F0502020204030204" pitchFamily="34" charset="0"/>
+                <a:ea typeface="Calibri" panose="020F0502020204030204" pitchFamily="34" charset="0"/>
+                <a:cs typeface="Times New Roman" panose="02020603050405020304" pitchFamily="18" charset="0"/>
+              </a:rPr>
+              <a:t>etc</a:t>
+            </a:r>
+            <a:r>
+              <a:rPr lang="en-US" dirty="0">
+                <a:effectLst/>
+                <a:latin typeface="Calibri" panose="020F0502020204030204" pitchFamily="34" charset="0"/>
+                <a:ea typeface="Calibri" panose="020F0502020204030204" pitchFamily="34" charset="0"/>
+                <a:cs typeface="Times New Roman" panose="02020603050405020304" pitchFamily="18" charset="0"/>
+              </a:rPr>
+              <a:t>…</a:t>
+            </a:r>
+            <a:endParaRPr lang="fi-FI" dirty="0">
               <a:effectLst/>
               <a:latin typeface="Calibri" panose="020F0502020204030204" pitchFamily="34" charset="0"/>
               <a:ea typeface="Calibri" panose="020F0502020204030204" pitchFamily="34" charset="0"/>
               <a:cs typeface="Times New Roman" panose="02020603050405020304" pitchFamily="18" charset="0"/>
             </a:endParaRPr>
           </a:p>
-          <a:p>
-            <a:endParaRPr lang="fi-FI" dirty="0"/>
-          </a:p>
         </p:txBody>
       </p:sp>
       <p:sp>
@@ -7064,7 +7169,7 @@
     </p:spTree>
     <p:extLst>
       <p:ext uri="{BB962C8B-B14F-4D97-AF65-F5344CB8AC3E}">
-        <p14:creationId xmlns:p14="http://schemas.microsoft.com/office/powerpoint/2010/main" val="1194808136"/>
+        <p14:creationId xmlns:p14="http://schemas.microsoft.com/office/powerpoint/2010/main" val="1005799627"/>
       </p:ext>
     </p:extLst>
   </p:cSld>
@@ -7114,7 +7219,31 @@
           <a:p>
             <a:r>
               <a:rPr lang="fi-FI" dirty="0" err="1"/>
-              <a:t>network</a:t>
+              <a:t>Docker</a:t>
+            </a:r>
+            <a:r>
+              <a:rPr lang="fi-FI" dirty="0"/>
+              <a:t> Image </a:t>
+            </a:r>
+            <a:r>
+              <a:rPr lang="fi-FI" dirty="0" err="1"/>
+              <a:t>registry</a:t>
+            </a:r>
+            <a:r>
+              <a:rPr lang="fi-FI" dirty="0"/>
+              <a:t>, e.g. </a:t>
+            </a:r>
+            <a:r>
+              <a:rPr lang="fi-FI" dirty="0" err="1"/>
+              <a:t>Docker</a:t>
+            </a:r>
+            <a:r>
+              <a:rPr lang="fi-FI" dirty="0"/>
+              <a:t> </a:t>
+            </a:r>
+            <a:r>
+              <a:rPr lang="fi-FI" dirty="0" err="1"/>
+              <a:t>Hub</a:t>
             </a:r>
             <a:endParaRPr lang="fi-FI" dirty="0"/>
           </a:p>
@@ -7158,7 +7287,7 @@
                 <a:ea typeface="Calibri" panose="020F0502020204030204" pitchFamily="34" charset="0"/>
                 <a:cs typeface="Times New Roman" panose="02020603050405020304" pitchFamily="18" charset="0"/>
               </a:rPr>
-              <a:t>Allows (by default isolated) containers to communicate with each other, or the host computer</a:t>
+              <a:t>We can push = publish our images for others to use. </a:t>
             </a:r>
           </a:p>
           <a:p>
@@ -7171,142 +7300,13 @@
               </a:spcAft>
             </a:pPr>
             <a:r>
-              <a:rPr lang="en-US" dirty="0">
-                <a:latin typeface="Calibri" panose="020F0502020204030204" pitchFamily="34" charset="0"/>
-                <a:ea typeface="Calibri" panose="020F0502020204030204" pitchFamily="34" charset="0"/>
-                <a:cs typeface="Times New Roman" panose="02020603050405020304" pitchFamily="18" charset="0"/>
-              </a:rPr>
-              <a:t>There are multiple network configurations available, e.g. Bridge, Host, Overlay, none</a:t>
-            </a:r>
-            <a:endParaRPr lang="en-US" sz="1800" dirty="0">
-              <a:effectLst/>
-              <a:latin typeface="Calibri" panose="020F0502020204030204" pitchFamily="34" charset="0"/>
-              <a:ea typeface="Calibri" panose="020F0502020204030204" pitchFamily="34" charset="0"/>
-              <a:cs typeface="Times New Roman" panose="02020603050405020304" pitchFamily="18" charset="0"/>
-            </a:endParaRPr>
-          </a:p>
-          <a:p>
-            <a:pPr>
-              <a:lnSpc>
-                <a:spcPct val="107000"/>
-              </a:lnSpc>
-              <a:spcAft>
-                <a:spcPts val="800"/>
-              </a:spcAft>
-            </a:pPr>
-            <a:r>
-              <a:rPr lang="en-US" sz="1800" dirty="0">
-                <a:effectLst/>
-                <a:latin typeface="Calibri" panose="020F0502020204030204" pitchFamily="34" charset="0"/>
-                <a:ea typeface="Calibri" panose="020F0502020204030204" pitchFamily="34" charset="0"/>
-                <a:cs typeface="Times New Roman" panose="02020603050405020304" pitchFamily="18" charset="0"/>
-                <a:hlinkClick r:id="rId2"/>
-              </a:rPr>
-              <a:t>https://docs.docker.com/network/drivers/bridge/</a:t>
-            </a:r>
-            <a:r>
-              <a:rPr lang="en-US" dirty="0">
-                <a:latin typeface="Calibri" panose="020F0502020204030204" pitchFamily="34" charset="0"/>
-                <a:ea typeface="Calibri" panose="020F0502020204030204" pitchFamily="34" charset="0"/>
-                <a:cs typeface="Times New Roman" panose="02020603050405020304" pitchFamily="18" charset="0"/>
-              </a:rPr>
-              <a:t>   </a:t>
-            </a:r>
-            <a:r>
-              <a:rPr lang="en-US" b="1" dirty="0">
-                <a:latin typeface="Calibri" panose="020F0502020204030204" pitchFamily="34" charset="0"/>
-                <a:ea typeface="Calibri" panose="020F0502020204030204" pitchFamily="34" charset="0"/>
-                <a:cs typeface="Times New Roman" panose="02020603050405020304" pitchFamily="18" charset="0"/>
-              </a:rPr>
-              <a:t>Bridge</a:t>
-            </a:r>
-            <a:r>
-              <a:rPr lang="en-US" dirty="0">
-                <a:latin typeface="Calibri" panose="020F0502020204030204" pitchFamily="34" charset="0"/>
-                <a:ea typeface="Calibri" panose="020F0502020204030204" pitchFamily="34" charset="0"/>
-                <a:cs typeface="Times New Roman" panose="02020603050405020304" pitchFamily="18" charset="0"/>
-              </a:rPr>
-              <a:t> is the normal one, letting included containers communicate with each other.</a:t>
-            </a:r>
-          </a:p>
-          <a:p>
-            <a:pPr>
-              <a:lnSpc>
-                <a:spcPct val="107000"/>
-              </a:lnSpc>
-              <a:spcAft>
-                <a:spcPts val="800"/>
-              </a:spcAft>
-            </a:pPr>
-            <a:r>
-              <a:rPr lang="en-US" sz="1800" dirty="0">
-                <a:effectLst/>
-                <a:latin typeface="Calibri" panose="020F0502020204030204" pitchFamily="34" charset="0"/>
-                <a:ea typeface="Calibri" panose="020F0502020204030204" pitchFamily="34" charset="0"/>
-                <a:cs typeface="Times New Roman" panose="02020603050405020304" pitchFamily="18" charset="0"/>
-                <a:hlinkClick r:id="rId3"/>
-              </a:rPr>
-              <a:t>https://docs.docker.com/network/drivers/host/</a:t>
-            </a:r>
-            <a:r>
               <a:rPr lang="en-US" sz="1800" dirty="0">
                 <a:effectLst/>
                 <a:latin typeface="Calibri" panose="020F0502020204030204" pitchFamily="34" charset="0"/>
                 <a:ea typeface="Calibri" panose="020F0502020204030204" pitchFamily="34" charset="0"/>
                 <a:cs typeface="Times New Roman" panose="02020603050405020304" pitchFamily="18" charset="0"/>
               </a:rPr>
-              <a:t> </a:t>
-            </a:r>
-            <a:r>
-              <a:rPr lang="en-US" sz="1800" b="1" dirty="0">
-                <a:effectLst/>
-                <a:latin typeface="Calibri" panose="020F0502020204030204" pitchFamily="34" charset="0"/>
-                <a:ea typeface="Calibri" panose="020F0502020204030204" pitchFamily="34" charset="0"/>
-                <a:cs typeface="Times New Roman" panose="02020603050405020304" pitchFamily="18" charset="0"/>
-              </a:rPr>
-              <a:t>Host</a:t>
-            </a:r>
-            <a:r>
-              <a:rPr lang="en-US" sz="1800" dirty="0">
-                <a:effectLst/>
-                <a:latin typeface="Calibri" panose="020F0502020204030204" pitchFamily="34" charset="0"/>
-                <a:ea typeface="Calibri" panose="020F0502020204030204" pitchFamily="34" charset="0"/>
-                <a:cs typeface="Times New Roman" panose="02020603050405020304" pitchFamily="18" charset="0"/>
-              </a:rPr>
-              <a:t> refers to the host computer where Docker engine is run. Do you want to e.g. </a:t>
-            </a:r>
-            <a:r>
-              <a:rPr lang="en-US" dirty="0">
-                <a:latin typeface="Calibri" panose="020F0502020204030204" pitchFamily="34" charset="0"/>
-                <a:ea typeface="Calibri" panose="020F0502020204030204" pitchFamily="34" charset="0"/>
-                <a:cs typeface="Times New Roman" panose="02020603050405020304" pitchFamily="18" charset="0"/>
-              </a:rPr>
-              <a:t>let the containers interact with your host computer services? Sometimes absolutely not, some rare times yes.</a:t>
-            </a:r>
-            <a:endParaRPr lang="en-US" sz="1800" dirty="0">
-              <a:effectLst/>
-              <a:latin typeface="Calibri" panose="020F0502020204030204" pitchFamily="34" charset="0"/>
-              <a:ea typeface="Calibri" panose="020F0502020204030204" pitchFamily="34" charset="0"/>
-              <a:cs typeface="Times New Roman" panose="02020603050405020304" pitchFamily="18" charset="0"/>
-            </a:endParaRPr>
-          </a:p>
-          <a:p>
-            <a:pPr>
-              <a:lnSpc>
-                <a:spcPct val="107000"/>
-              </a:lnSpc>
-              <a:spcAft>
-                <a:spcPts val="800"/>
-              </a:spcAft>
-            </a:pPr>
-            <a:r>
-              <a:rPr lang="en-US" sz="1800" dirty="0">
-                <a:effectLst/>
-                <a:latin typeface="Calibri" panose="020F0502020204030204" pitchFamily="34" charset="0"/>
-                <a:ea typeface="Calibri" panose="020F0502020204030204" pitchFamily="34" charset="0"/>
-                <a:cs typeface="Times New Roman" panose="02020603050405020304" pitchFamily="18" charset="0"/>
-              </a:rPr>
-              <a:t>Also for keeping data between container deletion and re-creation!</a:t>
+              <a:t>Or pull = download images to use ourselves.</a:t>
             </a:r>
             <a:endParaRPr lang="fi-FI" sz="1800" dirty="0">
               <a:effectLst/>
@@ -7315,9 +7315,6 @@
               <a:cs typeface="Times New Roman" panose="02020603050405020304" pitchFamily="18" charset="0"/>
             </a:endParaRPr>
           </a:p>
-          <a:p>
-            <a:endParaRPr lang="fi-FI" dirty="0"/>
-          </a:p>
         </p:txBody>
       </p:sp>
       <p:sp>
@@ -7403,10 +7400,40 @@
           </a:p>
         </p:txBody>
       </p:sp>
+      <p:pic>
+        <p:nvPicPr>
+          <p:cNvPr id="3" name="Picture 2" descr="A blue background with white text&#10;&#10;Description automatically generated">
+            <a:extLst>
+              <a:ext uri="{FF2B5EF4-FFF2-40B4-BE49-F238E27FC236}">
+                <a16:creationId xmlns:a16="http://schemas.microsoft.com/office/drawing/2014/main" id="{2484449C-ACB1-5DFC-AE1A-1CC6A1D59C6B}"/>
+              </a:ext>
+            </a:extLst>
+          </p:cNvPr>
+          <p:cNvPicPr>
+            <a:picLocks noChangeAspect="1"/>
+          </p:cNvPicPr>
+          <p:nvPr/>
+        </p:nvPicPr>
+        <p:blipFill>
+          <a:blip r:embed="rId2"/>
+          <a:stretch>
+            <a:fillRect/>
+          </a:stretch>
+        </p:blipFill>
+        <p:spPr>
+          <a:xfrm>
+            <a:off x="7520684" y="1316322"/>
+            <a:ext cx="3965099" cy="1663829"/>
+          </a:xfrm>
+          <a:prstGeom prst="rect">
+            <a:avLst/>
+          </a:prstGeom>
+        </p:spPr>
+      </p:pic>
     </p:spTree>
     <p:extLst>
       <p:ext uri="{BB962C8B-B14F-4D97-AF65-F5344CB8AC3E}">
-        <p14:creationId xmlns:p14="http://schemas.microsoft.com/office/powerpoint/2010/main" val="3362218849"/>
+        <p14:creationId xmlns:p14="http://schemas.microsoft.com/office/powerpoint/2010/main" val="1708176097"/>
       </p:ext>
     </p:extLst>
   </p:cSld>
@@ -7438,6 +7465,1394 @@
           <p:cNvPr id="8" name="Title 7">
             <a:extLst>
               <a:ext uri="{FF2B5EF4-FFF2-40B4-BE49-F238E27FC236}">
+                <a16:creationId xmlns:a16="http://schemas.microsoft.com/office/drawing/2014/main" id="{197044C3-CD23-D844-B780-26FABA91AD0F}"/>
+              </a:ext>
+            </a:extLst>
+          </p:cNvPr>
+          <p:cNvSpPr>
+            <a:spLocks noGrp="1"/>
+          </p:cNvSpPr>
+          <p:nvPr>
+            <p:ph type="title"/>
+          </p:nvPr>
+        </p:nvSpPr>
+        <p:spPr/>
+        <p:txBody>
+          <a:bodyPr/>
+          <a:lstStyle/>
+          <a:p>
+            <a:r>
+              <a:rPr lang="fi-FI" dirty="0" err="1"/>
+              <a:t>docker</a:t>
+            </a:r>
+            <a:r>
+              <a:rPr lang="fi-FI" dirty="0"/>
+              <a:t> </a:t>
+            </a:r>
+            <a:r>
+              <a:rPr lang="fi-FI" dirty="0" err="1"/>
+              <a:t>compose</a:t>
+            </a:r>
+            <a:endParaRPr lang="fi-FI" dirty="0"/>
+          </a:p>
+        </p:txBody>
+      </p:sp>
+      <p:sp>
+        <p:nvSpPr>
+          <p:cNvPr id="9" name="Content Placeholder 8">
+            <a:extLst>
+              <a:ext uri="{FF2B5EF4-FFF2-40B4-BE49-F238E27FC236}">
+                <a16:creationId xmlns:a16="http://schemas.microsoft.com/office/drawing/2014/main" id="{ACDE61D8-A75A-F94B-B57A-46F276C03311}"/>
+              </a:ext>
+            </a:extLst>
+          </p:cNvPr>
+          <p:cNvSpPr>
+            <a:spLocks noGrp="1"/>
+          </p:cNvSpPr>
+          <p:nvPr>
+            <p:ph sz="half" idx="2"/>
+          </p:nvPr>
+        </p:nvSpPr>
+        <p:spPr/>
+        <p:txBody>
+          <a:bodyPr>
+            <a:normAutofit/>
+          </a:bodyPr>
+          <a:lstStyle/>
+          <a:p>
+            <a:pPr>
+              <a:lnSpc>
+                <a:spcPct val="107000"/>
+              </a:lnSpc>
+              <a:spcAft>
+                <a:spcPts val="800"/>
+              </a:spcAft>
+            </a:pPr>
+            <a:r>
+              <a:rPr lang="en-US" dirty="0">
+                <a:effectLst/>
+                <a:latin typeface="Calibri" panose="020F0502020204030204" pitchFamily="34" charset="0"/>
+                <a:ea typeface="Calibri" panose="020F0502020204030204" pitchFamily="34" charset="0"/>
+                <a:cs typeface="Times New Roman" panose="02020603050405020304" pitchFamily="18" charset="0"/>
+              </a:rPr>
+              <a:t>Tool for creating and starting multiple containers that depend on / talk to each other. </a:t>
+            </a:r>
+          </a:p>
+          <a:p>
+            <a:pPr>
+              <a:lnSpc>
+                <a:spcPct val="107000"/>
+              </a:lnSpc>
+              <a:spcAft>
+                <a:spcPts val="800"/>
+              </a:spcAft>
+            </a:pPr>
+            <a:r>
+              <a:rPr lang="en-US" dirty="0">
+                <a:effectLst/>
+                <a:latin typeface="Calibri" panose="020F0502020204030204" pitchFamily="34" charset="0"/>
+                <a:ea typeface="Calibri" panose="020F0502020204030204" pitchFamily="34" charset="0"/>
+                <a:cs typeface="Times New Roman" panose="02020603050405020304" pitchFamily="18" charset="0"/>
+              </a:rPr>
+              <a:t>Thus, you’ll have to:</a:t>
+            </a:r>
+          </a:p>
+          <a:p>
+            <a:pPr lvl="1">
+              <a:lnSpc>
+                <a:spcPct val="107000"/>
+              </a:lnSpc>
+              <a:spcAft>
+                <a:spcPts val="800"/>
+              </a:spcAft>
+            </a:pPr>
+            <a:r>
+              <a:rPr lang="en-US" sz="1800" dirty="0">
+                <a:effectLst/>
+                <a:latin typeface="Calibri" panose="020F0502020204030204" pitchFamily="34" charset="0"/>
+                <a:ea typeface="Calibri" panose="020F0502020204030204" pitchFamily="34" charset="0"/>
+                <a:cs typeface="Times New Roman" panose="02020603050405020304" pitchFamily="18" charset="0"/>
+              </a:rPr>
+              <a:t>make some ports exposed </a:t>
+            </a:r>
+          </a:p>
+          <a:p>
+            <a:pPr lvl="1">
+              <a:lnSpc>
+                <a:spcPct val="107000"/>
+              </a:lnSpc>
+              <a:spcAft>
+                <a:spcPts val="800"/>
+              </a:spcAft>
+            </a:pPr>
+            <a:r>
+              <a:rPr lang="en-US" sz="1800" dirty="0">
+                <a:latin typeface="Calibri" panose="020F0502020204030204" pitchFamily="34" charset="0"/>
+                <a:ea typeface="Calibri" panose="020F0502020204030204" pitchFamily="34" charset="0"/>
+                <a:cs typeface="Times New Roman" panose="02020603050405020304" pitchFamily="18" charset="0"/>
+              </a:rPr>
+              <a:t>a</a:t>
+            </a:r>
+            <a:r>
+              <a:rPr lang="en-US" sz="1800" dirty="0">
+                <a:effectLst/>
+                <a:latin typeface="Calibri" panose="020F0502020204030204" pitchFamily="34" charset="0"/>
+                <a:ea typeface="Calibri" panose="020F0502020204030204" pitchFamily="34" charset="0"/>
+                <a:cs typeface="Times New Roman" panose="02020603050405020304" pitchFamily="18" charset="0"/>
+              </a:rPr>
+              <a:t>nd/or define (virtual) networks shared by multiple containers </a:t>
+            </a:r>
+          </a:p>
+          <a:p>
+            <a:pPr lvl="1">
+              <a:lnSpc>
+                <a:spcPct val="107000"/>
+              </a:lnSpc>
+              <a:spcAft>
+                <a:spcPts val="800"/>
+              </a:spcAft>
+            </a:pPr>
+            <a:r>
+              <a:rPr lang="en-US" sz="1800" dirty="0">
+                <a:effectLst/>
+                <a:latin typeface="Calibri" panose="020F0502020204030204" pitchFamily="34" charset="0"/>
+                <a:ea typeface="Calibri" panose="020F0502020204030204" pitchFamily="34" charset="0"/>
+                <a:cs typeface="Times New Roman" panose="02020603050405020304" pitchFamily="18" charset="0"/>
+              </a:rPr>
+              <a:t>or share volumes. </a:t>
+            </a:r>
+            <a:endParaRPr lang="en-US" sz="1800" dirty="0">
+              <a:latin typeface="Calibri" panose="020F0502020204030204" pitchFamily="34" charset="0"/>
+              <a:ea typeface="Calibri" panose="020F0502020204030204" pitchFamily="34" charset="0"/>
+              <a:cs typeface="Times New Roman" panose="02020603050405020304" pitchFamily="18" charset="0"/>
+            </a:endParaRPr>
+          </a:p>
+          <a:p>
+            <a:pPr>
+              <a:lnSpc>
+                <a:spcPct val="107000"/>
+              </a:lnSpc>
+              <a:spcAft>
+                <a:spcPts val="800"/>
+              </a:spcAft>
+            </a:pPr>
+            <a:r>
+              <a:rPr lang="en-US" dirty="0">
+                <a:effectLst/>
+                <a:latin typeface="Calibri" panose="020F0502020204030204" pitchFamily="34" charset="0"/>
+                <a:ea typeface="Calibri" panose="020F0502020204030204" pitchFamily="34" charset="0"/>
+                <a:cs typeface="Times New Roman" panose="02020603050405020304" pitchFamily="18" charset="0"/>
+              </a:rPr>
+              <a:t>You can define those in a docker-</a:t>
+            </a:r>
+            <a:r>
+              <a:rPr lang="en-US" dirty="0" err="1">
+                <a:effectLst/>
+                <a:latin typeface="Calibri" panose="020F0502020204030204" pitchFamily="34" charset="0"/>
+                <a:ea typeface="Calibri" panose="020F0502020204030204" pitchFamily="34" charset="0"/>
+                <a:cs typeface="Times New Roman" panose="02020603050405020304" pitchFamily="18" charset="0"/>
+              </a:rPr>
+              <a:t>compose.yml</a:t>
+            </a:r>
+            <a:r>
+              <a:rPr lang="en-US" dirty="0">
+                <a:effectLst/>
+                <a:latin typeface="Calibri" panose="020F0502020204030204" pitchFamily="34" charset="0"/>
+                <a:ea typeface="Calibri" panose="020F0502020204030204" pitchFamily="34" charset="0"/>
+                <a:cs typeface="Times New Roman" panose="02020603050405020304" pitchFamily="18" charset="0"/>
+              </a:rPr>
+              <a:t> file</a:t>
+            </a:r>
+          </a:p>
+          <a:p>
+            <a:pPr>
+              <a:lnSpc>
+                <a:spcPct val="107000"/>
+              </a:lnSpc>
+              <a:spcAft>
+                <a:spcPts val="800"/>
+              </a:spcAft>
+            </a:pPr>
+            <a:r>
+              <a:rPr lang="fi-FI" dirty="0">
+                <a:effectLst/>
+                <a:latin typeface="Calibri" panose="020F0502020204030204" pitchFamily="34" charset="0"/>
+                <a:ea typeface="Calibri" panose="020F0502020204030204" pitchFamily="34" charset="0"/>
+                <a:cs typeface="Times New Roman" panose="02020603050405020304" pitchFamily="18" charset="0"/>
+                <a:hlinkClick r:id="rId2"/>
+              </a:rPr>
+              <a:t>https://docs.docker.com/compose/compose-application-model/</a:t>
+            </a:r>
+            <a:r>
+              <a:rPr lang="en-US" dirty="0">
+                <a:latin typeface="Calibri" panose="020F0502020204030204" pitchFamily="34" charset="0"/>
+                <a:ea typeface="Calibri" panose="020F0502020204030204" pitchFamily="34" charset="0"/>
+                <a:cs typeface="Times New Roman" panose="02020603050405020304" pitchFamily="18" charset="0"/>
+              </a:rPr>
+              <a:t> </a:t>
+            </a:r>
+            <a:endParaRPr lang="fi-FI" dirty="0">
+              <a:effectLst/>
+              <a:latin typeface="Calibri" panose="020F0502020204030204" pitchFamily="34" charset="0"/>
+              <a:ea typeface="Calibri" panose="020F0502020204030204" pitchFamily="34" charset="0"/>
+              <a:cs typeface="Times New Roman" panose="02020603050405020304" pitchFamily="18" charset="0"/>
+            </a:endParaRPr>
+          </a:p>
+          <a:p>
+            <a:endParaRPr lang="fi-FI" dirty="0"/>
+          </a:p>
+        </p:txBody>
+      </p:sp>
+      <p:sp>
+        <p:nvSpPr>
+          <p:cNvPr id="5" name="Date Placeholder 4">
+            <a:extLst>
+              <a:ext uri="{FF2B5EF4-FFF2-40B4-BE49-F238E27FC236}">
+                <a16:creationId xmlns:a16="http://schemas.microsoft.com/office/drawing/2014/main" id="{976244E2-AA76-2742-B2EC-FEC79276155C}"/>
+              </a:ext>
+            </a:extLst>
+          </p:cNvPr>
+          <p:cNvSpPr>
+            <a:spLocks noGrp="1"/>
+          </p:cNvSpPr>
+          <p:nvPr>
+            <p:ph type="dt" sz="half" idx="10"/>
+          </p:nvPr>
+        </p:nvSpPr>
+        <p:spPr/>
+        <p:txBody>
+          <a:bodyPr/>
+          <a:lstStyle/>
+          <a:p>
+            <a:fld id="{202E1EC2-47B8-044B-A09E-6A63B4D80C87}" type="datetime1">
+              <a:rPr lang="fi-FI" smtClean="0"/>
+              <a:t>25.1.2024</a:t>
+            </a:fld>
+            <a:endParaRPr lang="en-GB"/>
+          </a:p>
+        </p:txBody>
+      </p:sp>
+      <p:sp>
+        <p:nvSpPr>
+          <p:cNvPr id="6" name="Footer Placeholder 5">
+            <a:extLst>
+              <a:ext uri="{FF2B5EF4-FFF2-40B4-BE49-F238E27FC236}">
+                <a16:creationId xmlns:a16="http://schemas.microsoft.com/office/drawing/2014/main" id="{588CE607-4137-8840-8FEA-42EAC857E3A3}"/>
+              </a:ext>
+            </a:extLst>
+          </p:cNvPr>
+          <p:cNvSpPr>
+            <a:spLocks noGrp="1"/>
+          </p:cNvSpPr>
+          <p:nvPr>
+            <p:ph type="ftr" sz="quarter" idx="11"/>
+          </p:nvPr>
+        </p:nvSpPr>
+        <p:spPr/>
+        <p:txBody>
+          <a:bodyPr/>
+          <a:lstStyle/>
+          <a:p>
+            <a:endParaRPr lang="en-GB"/>
+          </a:p>
+        </p:txBody>
+      </p:sp>
+      <p:sp>
+        <p:nvSpPr>
+          <p:cNvPr id="7" name="Slide Number Placeholder 6">
+            <a:extLst>
+              <a:ext uri="{FF2B5EF4-FFF2-40B4-BE49-F238E27FC236}">
+                <a16:creationId xmlns:a16="http://schemas.microsoft.com/office/drawing/2014/main" id="{2E133A96-6C73-0844-B8CB-27C2B5F4CFB1}"/>
+              </a:ext>
+            </a:extLst>
+          </p:cNvPr>
+          <p:cNvSpPr>
+            <a:spLocks noGrp="1"/>
+          </p:cNvSpPr>
+          <p:nvPr>
+            <p:ph type="sldNum" sz="quarter" idx="12"/>
+          </p:nvPr>
+        </p:nvSpPr>
+        <p:spPr/>
+        <p:txBody>
+          <a:bodyPr/>
+          <a:lstStyle/>
+          <a:p>
+            <a:fld id="{76BAB7ED-EDE9-4D4B-9A2D-30E18C47C16E}" type="slidenum">
+              <a:rPr lang="en-GB" smtClean="0"/>
+              <a:t>12</a:t>
+            </a:fld>
+            <a:endParaRPr lang="en-GB"/>
+          </a:p>
+        </p:txBody>
+      </p:sp>
+    </p:spTree>
+    <p:extLst>
+      <p:ext uri="{BB962C8B-B14F-4D97-AF65-F5344CB8AC3E}">
+        <p14:creationId xmlns:p14="http://schemas.microsoft.com/office/powerpoint/2010/main" val="516399923"/>
+      </p:ext>
+    </p:extLst>
+  </p:cSld>
+  <p:clrMapOvr>
+    <a:masterClrMapping/>
+  </p:clrMapOvr>
+</p:sld>
+</file>
+
+<file path=ppt/slides/slide13.xml><?xml version="1.0" encoding="utf-8"?>
+<p:sld xmlns:a="http://schemas.openxmlformats.org/drawingml/2006/main" xmlns:r="http://schemas.openxmlformats.org/officeDocument/2006/relationships" xmlns:p="http://schemas.openxmlformats.org/presentationml/2006/main">
+  <p:cSld>
+    <p:spTree>
+      <p:nvGrpSpPr>
+        <p:cNvPr id="1" name=""/>
+        <p:cNvGrpSpPr/>
+        <p:nvPr/>
+      </p:nvGrpSpPr>
+      <p:grpSpPr>
+        <a:xfrm>
+          <a:off x="0" y="0"/>
+          <a:ext cx="0" cy="0"/>
+          <a:chOff x="0" y="0"/>
+          <a:chExt cx="0" cy="0"/>
+        </a:xfrm>
+      </p:grpSpPr>
+      <p:sp>
+        <p:nvSpPr>
+          <p:cNvPr id="8" name="Title 7">
+            <a:extLst>
+              <a:ext uri="{FF2B5EF4-FFF2-40B4-BE49-F238E27FC236}">
+                <a16:creationId xmlns:a16="http://schemas.microsoft.com/office/drawing/2014/main" id="{197044C3-CD23-D844-B780-26FABA91AD0F}"/>
+              </a:ext>
+            </a:extLst>
+          </p:cNvPr>
+          <p:cNvSpPr>
+            <a:spLocks noGrp="1"/>
+          </p:cNvSpPr>
+          <p:nvPr>
+            <p:ph type="title"/>
+          </p:nvPr>
+        </p:nvSpPr>
+        <p:spPr/>
+        <p:txBody>
+          <a:bodyPr/>
+          <a:lstStyle/>
+          <a:p>
+            <a:r>
+              <a:rPr lang="fi-FI" dirty="0" err="1"/>
+              <a:t>volume</a:t>
+            </a:r>
+            <a:endParaRPr lang="fi-FI" dirty="0"/>
+          </a:p>
+        </p:txBody>
+      </p:sp>
+      <p:sp>
+        <p:nvSpPr>
+          <p:cNvPr id="9" name="Content Placeholder 8">
+            <a:extLst>
+              <a:ext uri="{FF2B5EF4-FFF2-40B4-BE49-F238E27FC236}">
+                <a16:creationId xmlns:a16="http://schemas.microsoft.com/office/drawing/2014/main" id="{ACDE61D8-A75A-F94B-B57A-46F276C03311}"/>
+              </a:ext>
+            </a:extLst>
+          </p:cNvPr>
+          <p:cNvSpPr>
+            <a:spLocks noGrp="1"/>
+          </p:cNvSpPr>
+          <p:nvPr>
+            <p:ph sz="half" idx="2"/>
+          </p:nvPr>
+        </p:nvSpPr>
+        <p:spPr/>
+        <p:txBody>
+          <a:bodyPr>
+            <a:normAutofit/>
+          </a:bodyPr>
+          <a:lstStyle/>
+          <a:p>
+            <a:pPr>
+              <a:lnSpc>
+                <a:spcPct val="107000"/>
+              </a:lnSpc>
+              <a:spcAft>
+                <a:spcPts val="800"/>
+              </a:spcAft>
+            </a:pPr>
+            <a:r>
+              <a:rPr lang="en-US" sz="1800" dirty="0">
+                <a:effectLst/>
+                <a:latin typeface="Calibri" panose="020F0502020204030204" pitchFamily="34" charset="0"/>
+                <a:ea typeface="Calibri" panose="020F0502020204030204" pitchFamily="34" charset="0"/>
+                <a:cs typeface="Times New Roman" panose="02020603050405020304" pitchFamily="18" charset="0"/>
+              </a:rPr>
+              <a:t>Persisted folders and files on disk. </a:t>
+            </a:r>
+          </a:p>
+          <a:p>
+            <a:pPr>
+              <a:lnSpc>
+                <a:spcPct val="107000"/>
+              </a:lnSpc>
+              <a:spcAft>
+                <a:spcPts val="800"/>
+              </a:spcAft>
+            </a:pPr>
+            <a:r>
+              <a:rPr lang="en-US" sz="1800" dirty="0">
+                <a:effectLst/>
+                <a:latin typeface="Calibri" panose="020F0502020204030204" pitchFamily="34" charset="0"/>
+                <a:ea typeface="Calibri" panose="020F0502020204030204" pitchFamily="34" charset="0"/>
+                <a:cs typeface="Times New Roman" panose="02020603050405020304" pitchFamily="18" charset="0"/>
+              </a:rPr>
+              <a:t>Allows sharing between containers</a:t>
+            </a:r>
+          </a:p>
+          <a:p>
+            <a:pPr>
+              <a:lnSpc>
+                <a:spcPct val="107000"/>
+              </a:lnSpc>
+              <a:spcAft>
+                <a:spcPts val="800"/>
+              </a:spcAft>
+            </a:pPr>
+            <a:r>
+              <a:rPr lang="en-US" sz="1800" dirty="0">
+                <a:effectLst/>
+                <a:latin typeface="Calibri" panose="020F0502020204030204" pitchFamily="34" charset="0"/>
+                <a:ea typeface="Calibri" panose="020F0502020204030204" pitchFamily="34" charset="0"/>
+                <a:cs typeface="Times New Roman" panose="02020603050405020304" pitchFamily="18" charset="0"/>
+              </a:rPr>
+              <a:t>Also for keeping data between container deletion and re-creation! (Container is deleted totally, but volume resides by default in the host file system)</a:t>
+            </a:r>
+            <a:endParaRPr lang="fi-FI" sz="1800" dirty="0">
+              <a:effectLst/>
+              <a:latin typeface="Calibri" panose="020F0502020204030204" pitchFamily="34" charset="0"/>
+              <a:ea typeface="Calibri" panose="020F0502020204030204" pitchFamily="34" charset="0"/>
+              <a:cs typeface="Times New Roman" panose="02020603050405020304" pitchFamily="18" charset="0"/>
+            </a:endParaRPr>
+          </a:p>
+          <a:p>
+            <a:endParaRPr lang="fi-FI" dirty="0"/>
+          </a:p>
+        </p:txBody>
+      </p:sp>
+      <p:sp>
+        <p:nvSpPr>
+          <p:cNvPr id="5" name="Date Placeholder 4">
+            <a:extLst>
+              <a:ext uri="{FF2B5EF4-FFF2-40B4-BE49-F238E27FC236}">
+                <a16:creationId xmlns:a16="http://schemas.microsoft.com/office/drawing/2014/main" id="{976244E2-AA76-2742-B2EC-FEC79276155C}"/>
+              </a:ext>
+            </a:extLst>
+          </p:cNvPr>
+          <p:cNvSpPr>
+            <a:spLocks noGrp="1"/>
+          </p:cNvSpPr>
+          <p:nvPr>
+            <p:ph type="dt" sz="half" idx="10"/>
+          </p:nvPr>
+        </p:nvSpPr>
+        <p:spPr/>
+        <p:txBody>
+          <a:bodyPr/>
+          <a:lstStyle/>
+          <a:p>
+            <a:fld id="{202E1EC2-47B8-044B-A09E-6A63B4D80C87}" type="datetime1">
+              <a:rPr lang="fi-FI" smtClean="0"/>
+              <a:t>25.1.2024</a:t>
+            </a:fld>
+            <a:endParaRPr lang="en-GB"/>
+          </a:p>
+        </p:txBody>
+      </p:sp>
+      <p:sp>
+        <p:nvSpPr>
+          <p:cNvPr id="6" name="Footer Placeholder 5">
+            <a:extLst>
+              <a:ext uri="{FF2B5EF4-FFF2-40B4-BE49-F238E27FC236}">
+                <a16:creationId xmlns:a16="http://schemas.microsoft.com/office/drawing/2014/main" id="{588CE607-4137-8840-8FEA-42EAC857E3A3}"/>
+              </a:ext>
+            </a:extLst>
+          </p:cNvPr>
+          <p:cNvSpPr>
+            <a:spLocks noGrp="1"/>
+          </p:cNvSpPr>
+          <p:nvPr>
+            <p:ph type="ftr" sz="quarter" idx="11"/>
+          </p:nvPr>
+        </p:nvSpPr>
+        <p:spPr/>
+        <p:txBody>
+          <a:bodyPr/>
+          <a:lstStyle/>
+          <a:p>
+            <a:endParaRPr lang="en-GB"/>
+          </a:p>
+        </p:txBody>
+      </p:sp>
+      <p:sp>
+        <p:nvSpPr>
+          <p:cNvPr id="7" name="Slide Number Placeholder 6">
+            <a:extLst>
+              <a:ext uri="{FF2B5EF4-FFF2-40B4-BE49-F238E27FC236}">
+                <a16:creationId xmlns:a16="http://schemas.microsoft.com/office/drawing/2014/main" id="{2E133A96-6C73-0844-B8CB-27C2B5F4CFB1}"/>
+              </a:ext>
+            </a:extLst>
+          </p:cNvPr>
+          <p:cNvSpPr>
+            <a:spLocks noGrp="1"/>
+          </p:cNvSpPr>
+          <p:nvPr>
+            <p:ph type="sldNum" sz="quarter" idx="12"/>
+          </p:nvPr>
+        </p:nvSpPr>
+        <p:spPr/>
+        <p:txBody>
+          <a:bodyPr/>
+          <a:lstStyle/>
+          <a:p>
+            <a:fld id="{76BAB7ED-EDE9-4D4B-9A2D-30E18C47C16E}" type="slidenum">
+              <a:rPr lang="en-GB" smtClean="0"/>
+              <a:t>13</a:t>
+            </a:fld>
+            <a:endParaRPr lang="en-GB"/>
+          </a:p>
+        </p:txBody>
+      </p:sp>
+    </p:spTree>
+    <p:extLst>
+      <p:ext uri="{BB962C8B-B14F-4D97-AF65-F5344CB8AC3E}">
+        <p14:creationId xmlns:p14="http://schemas.microsoft.com/office/powerpoint/2010/main" val="1194808136"/>
+      </p:ext>
+    </p:extLst>
+  </p:cSld>
+  <p:clrMapOvr>
+    <a:masterClrMapping/>
+  </p:clrMapOvr>
+</p:sld>
+</file>
+
+<file path=ppt/slides/slide14.xml><?xml version="1.0" encoding="utf-8"?>
+<p:sld xmlns:a="http://schemas.openxmlformats.org/drawingml/2006/main" xmlns:r="http://schemas.openxmlformats.org/officeDocument/2006/relationships" xmlns:p="http://schemas.openxmlformats.org/presentationml/2006/main">
+  <p:cSld>
+    <p:spTree>
+      <p:nvGrpSpPr>
+        <p:cNvPr id="1" name=""/>
+        <p:cNvGrpSpPr/>
+        <p:nvPr/>
+      </p:nvGrpSpPr>
+      <p:grpSpPr>
+        <a:xfrm>
+          <a:off x="0" y="0"/>
+          <a:ext cx="0" cy="0"/>
+          <a:chOff x="0" y="0"/>
+          <a:chExt cx="0" cy="0"/>
+        </a:xfrm>
+      </p:grpSpPr>
+      <p:sp>
+        <p:nvSpPr>
+          <p:cNvPr id="8" name="Title 7">
+            <a:extLst>
+              <a:ext uri="{FF2B5EF4-FFF2-40B4-BE49-F238E27FC236}">
+                <a16:creationId xmlns:a16="http://schemas.microsoft.com/office/drawing/2014/main" id="{197044C3-CD23-D844-B780-26FABA91AD0F}"/>
+              </a:ext>
+            </a:extLst>
+          </p:cNvPr>
+          <p:cNvSpPr>
+            <a:spLocks noGrp="1"/>
+          </p:cNvSpPr>
+          <p:nvPr>
+            <p:ph type="title"/>
+          </p:nvPr>
+        </p:nvSpPr>
+        <p:spPr/>
+        <p:txBody>
+          <a:bodyPr/>
+          <a:lstStyle/>
+          <a:p>
+            <a:r>
+              <a:rPr lang="fi-FI" dirty="0" err="1"/>
+              <a:t>volume</a:t>
+            </a:r>
+            <a:endParaRPr lang="fi-FI" dirty="0"/>
+          </a:p>
+        </p:txBody>
+      </p:sp>
+      <p:sp>
+        <p:nvSpPr>
+          <p:cNvPr id="5" name="Date Placeholder 4">
+            <a:extLst>
+              <a:ext uri="{FF2B5EF4-FFF2-40B4-BE49-F238E27FC236}">
+                <a16:creationId xmlns:a16="http://schemas.microsoft.com/office/drawing/2014/main" id="{976244E2-AA76-2742-B2EC-FEC79276155C}"/>
+              </a:ext>
+            </a:extLst>
+          </p:cNvPr>
+          <p:cNvSpPr>
+            <a:spLocks noGrp="1"/>
+          </p:cNvSpPr>
+          <p:nvPr>
+            <p:ph type="dt" sz="half" idx="10"/>
+          </p:nvPr>
+        </p:nvSpPr>
+        <p:spPr/>
+        <p:txBody>
+          <a:bodyPr/>
+          <a:lstStyle/>
+          <a:p>
+            <a:fld id="{202E1EC2-47B8-044B-A09E-6A63B4D80C87}" type="datetime1">
+              <a:rPr lang="fi-FI" smtClean="0"/>
+              <a:t>25.1.2024</a:t>
+            </a:fld>
+            <a:endParaRPr lang="en-GB"/>
+          </a:p>
+        </p:txBody>
+      </p:sp>
+      <p:sp>
+        <p:nvSpPr>
+          <p:cNvPr id="6" name="Footer Placeholder 5">
+            <a:extLst>
+              <a:ext uri="{FF2B5EF4-FFF2-40B4-BE49-F238E27FC236}">
+                <a16:creationId xmlns:a16="http://schemas.microsoft.com/office/drawing/2014/main" id="{588CE607-4137-8840-8FEA-42EAC857E3A3}"/>
+              </a:ext>
+            </a:extLst>
+          </p:cNvPr>
+          <p:cNvSpPr>
+            <a:spLocks noGrp="1"/>
+          </p:cNvSpPr>
+          <p:nvPr>
+            <p:ph type="ftr" sz="quarter" idx="11"/>
+          </p:nvPr>
+        </p:nvSpPr>
+        <p:spPr/>
+        <p:txBody>
+          <a:bodyPr/>
+          <a:lstStyle/>
+          <a:p>
+            <a:endParaRPr lang="en-GB"/>
+          </a:p>
+        </p:txBody>
+      </p:sp>
+      <p:sp>
+        <p:nvSpPr>
+          <p:cNvPr id="7" name="Slide Number Placeholder 6">
+            <a:extLst>
+              <a:ext uri="{FF2B5EF4-FFF2-40B4-BE49-F238E27FC236}">
+                <a16:creationId xmlns:a16="http://schemas.microsoft.com/office/drawing/2014/main" id="{2E133A96-6C73-0844-B8CB-27C2B5F4CFB1}"/>
+              </a:ext>
+            </a:extLst>
+          </p:cNvPr>
+          <p:cNvSpPr>
+            <a:spLocks noGrp="1"/>
+          </p:cNvSpPr>
+          <p:nvPr>
+            <p:ph type="sldNum" sz="quarter" idx="12"/>
+          </p:nvPr>
+        </p:nvSpPr>
+        <p:spPr/>
+        <p:txBody>
+          <a:bodyPr/>
+          <a:lstStyle/>
+          <a:p>
+            <a:fld id="{76BAB7ED-EDE9-4D4B-9A2D-30E18C47C16E}" type="slidenum">
+              <a:rPr lang="en-GB" smtClean="0"/>
+              <a:t>14</a:t>
+            </a:fld>
+            <a:endParaRPr lang="en-GB"/>
+          </a:p>
+        </p:txBody>
+      </p:sp>
+      <p:pic>
+        <p:nvPicPr>
+          <p:cNvPr id="10" name="Content Placeholder 9" descr="A diagram of a computer system&#10;&#10;Description automatically generated">
+            <a:extLst>
+              <a:ext uri="{FF2B5EF4-FFF2-40B4-BE49-F238E27FC236}">
+                <a16:creationId xmlns:a16="http://schemas.microsoft.com/office/drawing/2014/main" id="{34879080-61FE-6B3A-DE61-5C8F6D2A0273}"/>
+              </a:ext>
+            </a:extLst>
+          </p:cNvPr>
+          <p:cNvPicPr>
+            <a:picLocks noGrp="1" noChangeAspect="1"/>
+          </p:cNvPicPr>
+          <p:nvPr>
+            <p:ph sz="half" idx="2"/>
+          </p:nvPr>
+        </p:nvPicPr>
+        <p:blipFill>
+          <a:blip r:embed="rId2"/>
+          <a:stretch>
+            <a:fillRect/>
+          </a:stretch>
+        </p:blipFill>
+        <p:spPr>
+          <a:xfrm>
+            <a:off x="2933407" y="197987"/>
+            <a:ext cx="8912696" cy="5574660"/>
+          </a:xfrm>
+        </p:spPr>
+      </p:pic>
+      <p:sp>
+        <p:nvSpPr>
+          <p:cNvPr id="12" name="TextBox 11">
+            <a:extLst>
+              <a:ext uri="{FF2B5EF4-FFF2-40B4-BE49-F238E27FC236}">
+                <a16:creationId xmlns:a16="http://schemas.microsoft.com/office/drawing/2014/main" id="{F9375A48-11BB-EBB6-6A50-95AB866A6567}"/>
+              </a:ext>
+            </a:extLst>
+          </p:cNvPr>
+          <p:cNvSpPr txBox="1"/>
+          <p:nvPr/>
+        </p:nvSpPr>
+        <p:spPr>
+          <a:xfrm>
+            <a:off x="423643" y="4837163"/>
+            <a:ext cx="2844344" cy="646331"/>
+          </a:xfrm>
+          <a:prstGeom prst="rect">
+            <a:avLst/>
+          </a:prstGeom>
+          <a:noFill/>
+        </p:spPr>
+        <p:txBody>
+          <a:bodyPr wrap="square">
+            <a:spAutoFit/>
+          </a:bodyPr>
+          <a:lstStyle/>
+          <a:p>
+            <a:r>
+              <a:rPr lang="en-US" sz="1800" dirty="0">
+                <a:effectLst/>
+                <a:latin typeface="Calibri" panose="020F0502020204030204" pitchFamily="34" charset="0"/>
+                <a:ea typeface="Calibri" panose="020F0502020204030204" pitchFamily="34" charset="0"/>
+                <a:cs typeface="Times New Roman" panose="02020603050405020304" pitchFamily="18" charset="0"/>
+              </a:rPr>
+              <a:t>Source: https://docs.docker.com</a:t>
+            </a:r>
+            <a:endParaRPr lang="fi-FI" dirty="0"/>
+          </a:p>
+        </p:txBody>
+      </p:sp>
+    </p:spTree>
+    <p:extLst>
+      <p:ext uri="{BB962C8B-B14F-4D97-AF65-F5344CB8AC3E}">
+        <p14:creationId xmlns:p14="http://schemas.microsoft.com/office/powerpoint/2010/main" val="836683022"/>
+      </p:ext>
+    </p:extLst>
+  </p:cSld>
+  <p:clrMapOvr>
+    <a:masterClrMapping/>
+  </p:clrMapOvr>
+</p:sld>
+</file>
+
+<file path=ppt/slides/slide15.xml><?xml version="1.0" encoding="utf-8"?>
+<p:sld xmlns:a="http://schemas.openxmlformats.org/drawingml/2006/main" xmlns:r="http://schemas.openxmlformats.org/officeDocument/2006/relationships" xmlns:p="http://schemas.openxmlformats.org/presentationml/2006/main">
+  <p:cSld>
+    <p:spTree>
+      <p:nvGrpSpPr>
+        <p:cNvPr id="1" name=""/>
+        <p:cNvGrpSpPr/>
+        <p:nvPr/>
+      </p:nvGrpSpPr>
+      <p:grpSpPr>
+        <a:xfrm>
+          <a:off x="0" y="0"/>
+          <a:ext cx="0" cy="0"/>
+          <a:chOff x="0" y="0"/>
+          <a:chExt cx="0" cy="0"/>
+        </a:xfrm>
+      </p:grpSpPr>
+      <p:sp>
+        <p:nvSpPr>
+          <p:cNvPr id="8" name="Title 7">
+            <a:extLst>
+              <a:ext uri="{FF2B5EF4-FFF2-40B4-BE49-F238E27FC236}">
+                <a16:creationId xmlns:a16="http://schemas.microsoft.com/office/drawing/2014/main" id="{197044C3-CD23-D844-B780-26FABA91AD0F}"/>
+              </a:ext>
+            </a:extLst>
+          </p:cNvPr>
+          <p:cNvSpPr>
+            <a:spLocks noGrp="1"/>
+          </p:cNvSpPr>
+          <p:nvPr>
+            <p:ph type="title"/>
+          </p:nvPr>
+        </p:nvSpPr>
+        <p:spPr/>
+        <p:txBody>
+          <a:bodyPr/>
+          <a:lstStyle/>
+          <a:p>
+            <a:r>
+              <a:rPr lang="fi-FI" dirty="0" err="1"/>
+              <a:t>network</a:t>
+            </a:r>
+            <a:endParaRPr lang="fi-FI" dirty="0"/>
+          </a:p>
+        </p:txBody>
+      </p:sp>
+      <p:sp>
+        <p:nvSpPr>
+          <p:cNvPr id="9" name="Content Placeholder 8">
+            <a:extLst>
+              <a:ext uri="{FF2B5EF4-FFF2-40B4-BE49-F238E27FC236}">
+                <a16:creationId xmlns:a16="http://schemas.microsoft.com/office/drawing/2014/main" id="{ACDE61D8-A75A-F94B-B57A-46F276C03311}"/>
+              </a:ext>
+            </a:extLst>
+          </p:cNvPr>
+          <p:cNvSpPr>
+            <a:spLocks noGrp="1"/>
+          </p:cNvSpPr>
+          <p:nvPr>
+            <p:ph sz="half" idx="2"/>
+          </p:nvPr>
+        </p:nvSpPr>
+        <p:spPr/>
+        <p:txBody>
+          <a:bodyPr>
+            <a:normAutofit/>
+          </a:bodyPr>
+          <a:lstStyle/>
+          <a:p>
+            <a:pPr>
+              <a:lnSpc>
+                <a:spcPct val="107000"/>
+              </a:lnSpc>
+              <a:spcAft>
+                <a:spcPts val="800"/>
+              </a:spcAft>
+            </a:pPr>
+            <a:r>
+              <a:rPr lang="en-US" sz="1800" dirty="0">
+                <a:effectLst/>
+                <a:latin typeface="Calibri" panose="020F0502020204030204" pitchFamily="34" charset="0"/>
+                <a:ea typeface="Calibri" panose="020F0502020204030204" pitchFamily="34" charset="0"/>
+                <a:cs typeface="Times New Roman" panose="02020603050405020304" pitchFamily="18" charset="0"/>
+              </a:rPr>
+              <a:t>Allows (by default isolated) containers to communicate with each other, or the host computer</a:t>
+            </a:r>
+          </a:p>
+          <a:p>
+            <a:pPr>
+              <a:lnSpc>
+                <a:spcPct val="107000"/>
+              </a:lnSpc>
+              <a:spcAft>
+                <a:spcPts val="800"/>
+              </a:spcAft>
+            </a:pPr>
+            <a:r>
+              <a:rPr lang="en-US" sz="1800" dirty="0">
+                <a:effectLst/>
+                <a:latin typeface="Calibri" panose="020F0502020204030204" pitchFamily="34" charset="0"/>
+                <a:ea typeface="Calibri" panose="020F0502020204030204" pitchFamily="34" charset="0"/>
+                <a:cs typeface="Times New Roman" panose="02020603050405020304" pitchFamily="18" charset="0"/>
+                <a:hlinkClick r:id="rId2"/>
+              </a:rPr>
+              <a:t>https://www.docker.com/blog/docker-compose-networking/</a:t>
+            </a:r>
+            <a:r>
+              <a:rPr lang="en-US" dirty="0">
+                <a:latin typeface="Calibri" panose="020F0502020204030204" pitchFamily="34" charset="0"/>
+                <a:ea typeface="Calibri" panose="020F0502020204030204" pitchFamily="34" charset="0"/>
+                <a:cs typeface="Times New Roman" panose="02020603050405020304" pitchFamily="18" charset="0"/>
+              </a:rPr>
+              <a:t> </a:t>
+            </a:r>
+            <a:endParaRPr lang="en-US" sz="1800" dirty="0">
+              <a:effectLst/>
+              <a:latin typeface="Calibri" panose="020F0502020204030204" pitchFamily="34" charset="0"/>
+              <a:ea typeface="Calibri" panose="020F0502020204030204" pitchFamily="34" charset="0"/>
+              <a:cs typeface="Times New Roman" panose="02020603050405020304" pitchFamily="18" charset="0"/>
+            </a:endParaRPr>
+          </a:p>
+          <a:p>
+            <a:pPr>
+              <a:lnSpc>
+                <a:spcPct val="107000"/>
+              </a:lnSpc>
+              <a:spcAft>
+                <a:spcPts val="800"/>
+              </a:spcAft>
+            </a:pPr>
+            <a:r>
+              <a:rPr lang="en-US" dirty="0">
+                <a:latin typeface="Calibri" panose="020F0502020204030204" pitchFamily="34" charset="0"/>
+                <a:ea typeface="Calibri" panose="020F0502020204030204" pitchFamily="34" charset="0"/>
+                <a:cs typeface="Times New Roman" panose="02020603050405020304" pitchFamily="18" charset="0"/>
+              </a:rPr>
+              <a:t>There are multiple network configurations available, e.g. Bridge, Host, Overlay, none</a:t>
+            </a:r>
+            <a:endParaRPr lang="en-US" sz="1800" dirty="0">
+              <a:effectLst/>
+              <a:latin typeface="Calibri" panose="020F0502020204030204" pitchFamily="34" charset="0"/>
+              <a:ea typeface="Calibri" panose="020F0502020204030204" pitchFamily="34" charset="0"/>
+              <a:cs typeface="Times New Roman" panose="02020603050405020304" pitchFamily="18" charset="0"/>
+            </a:endParaRPr>
+          </a:p>
+          <a:p>
+            <a:pPr>
+              <a:lnSpc>
+                <a:spcPct val="107000"/>
+              </a:lnSpc>
+              <a:spcAft>
+                <a:spcPts val="800"/>
+              </a:spcAft>
+            </a:pPr>
+            <a:r>
+              <a:rPr lang="en-US" sz="1800" dirty="0">
+                <a:effectLst/>
+                <a:latin typeface="Calibri" panose="020F0502020204030204" pitchFamily="34" charset="0"/>
+                <a:ea typeface="Calibri" panose="020F0502020204030204" pitchFamily="34" charset="0"/>
+                <a:cs typeface="Times New Roman" panose="02020603050405020304" pitchFamily="18" charset="0"/>
+                <a:hlinkClick r:id="rId3"/>
+              </a:rPr>
+              <a:t>https://docs.docker.com/network/drivers/bridge/</a:t>
+            </a:r>
+            <a:r>
+              <a:rPr lang="en-US" dirty="0">
+                <a:latin typeface="Calibri" panose="020F0502020204030204" pitchFamily="34" charset="0"/>
+                <a:ea typeface="Calibri" panose="020F0502020204030204" pitchFamily="34" charset="0"/>
+                <a:cs typeface="Times New Roman" panose="02020603050405020304" pitchFamily="18" charset="0"/>
+              </a:rPr>
+              <a:t>   </a:t>
+            </a:r>
+            <a:r>
+              <a:rPr lang="en-US" b="1" dirty="0">
+                <a:latin typeface="Calibri" panose="020F0502020204030204" pitchFamily="34" charset="0"/>
+                <a:ea typeface="Calibri" panose="020F0502020204030204" pitchFamily="34" charset="0"/>
+                <a:cs typeface="Times New Roman" panose="02020603050405020304" pitchFamily="18" charset="0"/>
+              </a:rPr>
+              <a:t>Bridge</a:t>
+            </a:r>
+            <a:r>
+              <a:rPr lang="en-US" dirty="0">
+                <a:latin typeface="Calibri" panose="020F0502020204030204" pitchFamily="34" charset="0"/>
+                <a:ea typeface="Calibri" panose="020F0502020204030204" pitchFamily="34" charset="0"/>
+                <a:cs typeface="Times New Roman" panose="02020603050405020304" pitchFamily="18" charset="0"/>
+              </a:rPr>
+              <a:t> is the normal one, letting included containers communicate with each other.</a:t>
+            </a:r>
+          </a:p>
+          <a:p>
+            <a:pPr>
+              <a:lnSpc>
+                <a:spcPct val="107000"/>
+              </a:lnSpc>
+              <a:spcAft>
+                <a:spcPts val="800"/>
+              </a:spcAft>
+            </a:pPr>
+            <a:r>
+              <a:rPr lang="en-US" sz="1800" dirty="0">
+                <a:effectLst/>
+                <a:latin typeface="Calibri" panose="020F0502020204030204" pitchFamily="34" charset="0"/>
+                <a:ea typeface="Calibri" panose="020F0502020204030204" pitchFamily="34" charset="0"/>
+                <a:cs typeface="Times New Roman" panose="02020603050405020304" pitchFamily="18" charset="0"/>
+                <a:hlinkClick r:id="rId4"/>
+              </a:rPr>
+              <a:t>https://docs.docker.com/network/drivers/host/</a:t>
+            </a:r>
+            <a:r>
+              <a:rPr lang="en-US" sz="1800" dirty="0">
+                <a:effectLst/>
+                <a:latin typeface="Calibri" panose="020F0502020204030204" pitchFamily="34" charset="0"/>
+                <a:ea typeface="Calibri" panose="020F0502020204030204" pitchFamily="34" charset="0"/>
+                <a:cs typeface="Times New Roman" panose="02020603050405020304" pitchFamily="18" charset="0"/>
+              </a:rPr>
+              <a:t> </a:t>
+            </a:r>
+            <a:r>
+              <a:rPr lang="en-US" sz="1800" b="1" dirty="0">
+                <a:effectLst/>
+                <a:latin typeface="Calibri" panose="020F0502020204030204" pitchFamily="34" charset="0"/>
+                <a:ea typeface="Calibri" panose="020F0502020204030204" pitchFamily="34" charset="0"/>
+                <a:cs typeface="Times New Roman" panose="02020603050405020304" pitchFamily="18" charset="0"/>
+              </a:rPr>
+              <a:t>Host</a:t>
+            </a:r>
+            <a:r>
+              <a:rPr lang="en-US" sz="1800" dirty="0">
+                <a:effectLst/>
+                <a:latin typeface="Calibri" panose="020F0502020204030204" pitchFamily="34" charset="0"/>
+                <a:ea typeface="Calibri" panose="020F0502020204030204" pitchFamily="34" charset="0"/>
+                <a:cs typeface="Times New Roman" panose="02020603050405020304" pitchFamily="18" charset="0"/>
+              </a:rPr>
+              <a:t> refers to the host computer where Docker engine is run. Do you want to e.g. </a:t>
+            </a:r>
+            <a:r>
+              <a:rPr lang="en-US" dirty="0">
+                <a:latin typeface="Calibri" panose="020F0502020204030204" pitchFamily="34" charset="0"/>
+                <a:ea typeface="Calibri" panose="020F0502020204030204" pitchFamily="34" charset="0"/>
+                <a:cs typeface="Times New Roman" panose="02020603050405020304" pitchFamily="18" charset="0"/>
+              </a:rPr>
+              <a:t>let the containers interact with your host computer services? Sometimes absolutely not, some rare times yes.</a:t>
+            </a:r>
+            <a:endParaRPr lang="en-US" sz="1800" dirty="0">
+              <a:effectLst/>
+              <a:latin typeface="Calibri" panose="020F0502020204030204" pitchFamily="34" charset="0"/>
+              <a:ea typeface="Calibri" panose="020F0502020204030204" pitchFamily="34" charset="0"/>
+              <a:cs typeface="Times New Roman" panose="02020603050405020304" pitchFamily="18" charset="0"/>
+            </a:endParaRPr>
+          </a:p>
+          <a:p>
+            <a:pPr>
+              <a:lnSpc>
+                <a:spcPct val="107000"/>
+              </a:lnSpc>
+              <a:spcAft>
+                <a:spcPts val="800"/>
+              </a:spcAft>
+            </a:pPr>
+            <a:r>
+              <a:rPr lang="en-US" sz="1800" dirty="0">
+                <a:effectLst/>
+                <a:latin typeface="Calibri" panose="020F0502020204030204" pitchFamily="34" charset="0"/>
+                <a:ea typeface="Calibri" panose="020F0502020204030204" pitchFamily="34" charset="0"/>
+                <a:cs typeface="Times New Roman" panose="02020603050405020304" pitchFamily="18" charset="0"/>
+              </a:rPr>
+              <a:t>Also for keeping data between container deletion and re-creation!</a:t>
+            </a:r>
+            <a:endParaRPr lang="fi-FI" sz="1800" dirty="0">
+              <a:effectLst/>
+              <a:latin typeface="Calibri" panose="020F0502020204030204" pitchFamily="34" charset="0"/>
+              <a:ea typeface="Calibri" panose="020F0502020204030204" pitchFamily="34" charset="0"/>
+              <a:cs typeface="Times New Roman" panose="02020603050405020304" pitchFamily="18" charset="0"/>
+            </a:endParaRPr>
+          </a:p>
+          <a:p>
+            <a:endParaRPr lang="fi-FI" dirty="0"/>
+          </a:p>
+        </p:txBody>
+      </p:sp>
+      <p:sp>
+        <p:nvSpPr>
+          <p:cNvPr id="5" name="Date Placeholder 4">
+            <a:extLst>
+              <a:ext uri="{FF2B5EF4-FFF2-40B4-BE49-F238E27FC236}">
+                <a16:creationId xmlns:a16="http://schemas.microsoft.com/office/drawing/2014/main" id="{976244E2-AA76-2742-B2EC-FEC79276155C}"/>
+              </a:ext>
+            </a:extLst>
+          </p:cNvPr>
+          <p:cNvSpPr>
+            <a:spLocks noGrp="1"/>
+          </p:cNvSpPr>
+          <p:nvPr>
+            <p:ph type="dt" sz="half" idx="10"/>
+          </p:nvPr>
+        </p:nvSpPr>
+        <p:spPr/>
+        <p:txBody>
+          <a:bodyPr/>
+          <a:lstStyle/>
+          <a:p>
+            <a:fld id="{202E1EC2-47B8-044B-A09E-6A63B4D80C87}" type="datetime1">
+              <a:rPr lang="fi-FI" smtClean="0"/>
+              <a:t>25.1.2024</a:t>
+            </a:fld>
+            <a:endParaRPr lang="en-GB"/>
+          </a:p>
+        </p:txBody>
+      </p:sp>
+      <p:sp>
+        <p:nvSpPr>
+          <p:cNvPr id="6" name="Footer Placeholder 5">
+            <a:extLst>
+              <a:ext uri="{FF2B5EF4-FFF2-40B4-BE49-F238E27FC236}">
+                <a16:creationId xmlns:a16="http://schemas.microsoft.com/office/drawing/2014/main" id="{588CE607-4137-8840-8FEA-42EAC857E3A3}"/>
+              </a:ext>
+            </a:extLst>
+          </p:cNvPr>
+          <p:cNvSpPr>
+            <a:spLocks noGrp="1"/>
+          </p:cNvSpPr>
+          <p:nvPr>
+            <p:ph type="ftr" sz="quarter" idx="11"/>
+          </p:nvPr>
+        </p:nvSpPr>
+        <p:spPr/>
+        <p:txBody>
+          <a:bodyPr/>
+          <a:lstStyle/>
+          <a:p>
+            <a:endParaRPr lang="en-GB"/>
+          </a:p>
+        </p:txBody>
+      </p:sp>
+      <p:sp>
+        <p:nvSpPr>
+          <p:cNvPr id="7" name="Slide Number Placeholder 6">
+            <a:extLst>
+              <a:ext uri="{FF2B5EF4-FFF2-40B4-BE49-F238E27FC236}">
+                <a16:creationId xmlns:a16="http://schemas.microsoft.com/office/drawing/2014/main" id="{2E133A96-6C73-0844-B8CB-27C2B5F4CFB1}"/>
+              </a:ext>
+            </a:extLst>
+          </p:cNvPr>
+          <p:cNvSpPr>
+            <a:spLocks noGrp="1"/>
+          </p:cNvSpPr>
+          <p:nvPr>
+            <p:ph type="sldNum" sz="quarter" idx="12"/>
+          </p:nvPr>
+        </p:nvSpPr>
+        <p:spPr/>
+        <p:txBody>
+          <a:bodyPr/>
+          <a:lstStyle/>
+          <a:p>
+            <a:fld id="{76BAB7ED-EDE9-4D4B-9A2D-30E18C47C16E}" type="slidenum">
+              <a:rPr lang="en-GB" smtClean="0"/>
+              <a:t>15</a:t>
+            </a:fld>
+            <a:endParaRPr lang="en-GB"/>
+          </a:p>
+        </p:txBody>
+      </p:sp>
+    </p:spTree>
+    <p:extLst>
+      <p:ext uri="{BB962C8B-B14F-4D97-AF65-F5344CB8AC3E}">
+        <p14:creationId xmlns:p14="http://schemas.microsoft.com/office/powerpoint/2010/main" val="3362218849"/>
+      </p:ext>
+    </p:extLst>
+  </p:cSld>
+  <p:clrMapOvr>
+    <a:masterClrMapping/>
+  </p:clrMapOvr>
+</p:sld>
+</file>
+
+<file path=ppt/slides/slide16.xml><?xml version="1.0" encoding="utf-8"?>
+<p:sld xmlns:a="http://schemas.openxmlformats.org/drawingml/2006/main" xmlns:r="http://schemas.openxmlformats.org/officeDocument/2006/relationships" xmlns:p="http://schemas.openxmlformats.org/presentationml/2006/main">
+  <p:cSld>
+    <p:spTree>
+      <p:nvGrpSpPr>
+        <p:cNvPr id="1" name=""/>
+        <p:cNvGrpSpPr/>
+        <p:nvPr/>
+      </p:nvGrpSpPr>
+      <p:grpSpPr>
+        <a:xfrm>
+          <a:off x="0" y="0"/>
+          <a:ext cx="0" cy="0"/>
+          <a:chOff x="0" y="0"/>
+          <a:chExt cx="0" cy="0"/>
+        </a:xfrm>
+      </p:grpSpPr>
+      <p:sp>
+        <p:nvSpPr>
+          <p:cNvPr id="8" name="Title 7">
+            <a:extLst>
+              <a:ext uri="{FF2B5EF4-FFF2-40B4-BE49-F238E27FC236}">
+                <a16:creationId xmlns:a16="http://schemas.microsoft.com/office/drawing/2014/main" id="{197044C3-CD23-D844-B780-26FABA91AD0F}"/>
+              </a:ext>
+            </a:extLst>
+          </p:cNvPr>
+          <p:cNvSpPr>
+            <a:spLocks noGrp="1"/>
+          </p:cNvSpPr>
+          <p:nvPr>
+            <p:ph type="title"/>
+          </p:nvPr>
+        </p:nvSpPr>
+        <p:spPr/>
+        <p:txBody>
+          <a:bodyPr/>
+          <a:lstStyle/>
+          <a:p>
+            <a:r>
+              <a:rPr lang="fi-FI" dirty="0" err="1"/>
+              <a:t>network</a:t>
+            </a:r>
+            <a:endParaRPr lang="fi-FI" dirty="0"/>
+          </a:p>
+        </p:txBody>
+      </p:sp>
+      <p:sp>
+        <p:nvSpPr>
+          <p:cNvPr id="5" name="Date Placeholder 4">
+            <a:extLst>
+              <a:ext uri="{FF2B5EF4-FFF2-40B4-BE49-F238E27FC236}">
+                <a16:creationId xmlns:a16="http://schemas.microsoft.com/office/drawing/2014/main" id="{976244E2-AA76-2742-B2EC-FEC79276155C}"/>
+              </a:ext>
+            </a:extLst>
+          </p:cNvPr>
+          <p:cNvSpPr>
+            <a:spLocks noGrp="1"/>
+          </p:cNvSpPr>
+          <p:nvPr>
+            <p:ph type="dt" sz="half" idx="10"/>
+          </p:nvPr>
+        </p:nvSpPr>
+        <p:spPr/>
+        <p:txBody>
+          <a:bodyPr/>
+          <a:lstStyle/>
+          <a:p>
+            <a:fld id="{202E1EC2-47B8-044B-A09E-6A63B4D80C87}" type="datetime1">
+              <a:rPr lang="fi-FI" smtClean="0"/>
+              <a:t>25.1.2024</a:t>
+            </a:fld>
+            <a:endParaRPr lang="en-GB"/>
+          </a:p>
+        </p:txBody>
+      </p:sp>
+      <p:sp>
+        <p:nvSpPr>
+          <p:cNvPr id="6" name="Footer Placeholder 5">
+            <a:extLst>
+              <a:ext uri="{FF2B5EF4-FFF2-40B4-BE49-F238E27FC236}">
+                <a16:creationId xmlns:a16="http://schemas.microsoft.com/office/drawing/2014/main" id="{588CE607-4137-8840-8FEA-42EAC857E3A3}"/>
+              </a:ext>
+            </a:extLst>
+          </p:cNvPr>
+          <p:cNvSpPr>
+            <a:spLocks noGrp="1"/>
+          </p:cNvSpPr>
+          <p:nvPr>
+            <p:ph type="ftr" sz="quarter" idx="11"/>
+          </p:nvPr>
+        </p:nvSpPr>
+        <p:spPr/>
+        <p:txBody>
+          <a:bodyPr/>
+          <a:lstStyle/>
+          <a:p>
+            <a:endParaRPr lang="en-GB"/>
+          </a:p>
+        </p:txBody>
+      </p:sp>
+      <p:sp>
+        <p:nvSpPr>
+          <p:cNvPr id="7" name="Slide Number Placeholder 6">
+            <a:extLst>
+              <a:ext uri="{FF2B5EF4-FFF2-40B4-BE49-F238E27FC236}">
+                <a16:creationId xmlns:a16="http://schemas.microsoft.com/office/drawing/2014/main" id="{2E133A96-6C73-0844-B8CB-27C2B5F4CFB1}"/>
+              </a:ext>
+            </a:extLst>
+          </p:cNvPr>
+          <p:cNvSpPr>
+            <a:spLocks noGrp="1"/>
+          </p:cNvSpPr>
+          <p:nvPr>
+            <p:ph type="sldNum" sz="quarter" idx="12"/>
+          </p:nvPr>
+        </p:nvSpPr>
+        <p:spPr/>
+        <p:txBody>
+          <a:bodyPr/>
+          <a:lstStyle/>
+          <a:p>
+            <a:fld id="{76BAB7ED-EDE9-4D4B-9A2D-30E18C47C16E}" type="slidenum">
+              <a:rPr lang="en-GB" smtClean="0"/>
+              <a:t>16</a:t>
+            </a:fld>
+            <a:endParaRPr lang="en-GB"/>
+          </a:p>
+        </p:txBody>
+      </p:sp>
+      <p:sp>
+        <p:nvSpPr>
+          <p:cNvPr id="12" name="TextBox 11">
+            <a:extLst>
+              <a:ext uri="{FF2B5EF4-FFF2-40B4-BE49-F238E27FC236}">
+                <a16:creationId xmlns:a16="http://schemas.microsoft.com/office/drawing/2014/main" id="{F9375A48-11BB-EBB6-6A50-95AB866A6567}"/>
+              </a:ext>
+            </a:extLst>
+          </p:cNvPr>
+          <p:cNvSpPr txBox="1"/>
+          <p:nvPr/>
+        </p:nvSpPr>
+        <p:spPr>
+          <a:xfrm>
+            <a:off x="423643" y="4837163"/>
+            <a:ext cx="2844344" cy="646331"/>
+          </a:xfrm>
+          <a:prstGeom prst="rect">
+            <a:avLst/>
+          </a:prstGeom>
+          <a:noFill/>
+        </p:spPr>
+        <p:txBody>
+          <a:bodyPr wrap="square">
+            <a:spAutoFit/>
+          </a:bodyPr>
+          <a:lstStyle/>
+          <a:p>
+            <a:r>
+              <a:rPr lang="en-US" sz="1800" dirty="0">
+                <a:effectLst/>
+                <a:latin typeface="Calibri" panose="020F0502020204030204" pitchFamily="34" charset="0"/>
+                <a:ea typeface="Calibri" panose="020F0502020204030204" pitchFamily="34" charset="0"/>
+                <a:cs typeface="Times New Roman" panose="02020603050405020304" pitchFamily="18" charset="0"/>
+              </a:rPr>
+              <a:t>Source: https://docs.docker.com</a:t>
+            </a:r>
+            <a:endParaRPr lang="fi-FI" dirty="0"/>
+          </a:p>
+        </p:txBody>
+      </p:sp>
+      <p:pic>
+        <p:nvPicPr>
+          <p:cNvPr id="9" name="Content Placeholder 8" descr="A diagram of a network&#10;&#10;Description automatically generated">
+            <a:extLst>
+              <a:ext uri="{FF2B5EF4-FFF2-40B4-BE49-F238E27FC236}">
+                <a16:creationId xmlns:a16="http://schemas.microsoft.com/office/drawing/2014/main" id="{4F3C2D7E-9E75-70A9-50A0-3967F4715B4D}"/>
+              </a:ext>
+            </a:extLst>
+          </p:cNvPr>
+          <p:cNvPicPr>
+            <a:picLocks noGrp="1" noChangeAspect="1"/>
+          </p:cNvPicPr>
+          <p:nvPr>
+            <p:ph sz="half" idx="2"/>
+          </p:nvPr>
+        </p:nvPicPr>
+        <p:blipFill>
+          <a:blip r:embed="rId2"/>
+          <a:stretch>
+            <a:fillRect/>
+          </a:stretch>
+        </p:blipFill>
+        <p:spPr>
+          <a:xfrm>
+            <a:off x="2764145" y="780836"/>
+            <a:ext cx="9347163" cy="4376791"/>
+          </a:xfrm>
+        </p:spPr>
+      </p:pic>
+    </p:spTree>
+    <p:extLst>
+      <p:ext uri="{BB962C8B-B14F-4D97-AF65-F5344CB8AC3E}">
+        <p14:creationId xmlns:p14="http://schemas.microsoft.com/office/powerpoint/2010/main" val="1042671776"/>
+      </p:ext>
+    </p:extLst>
+  </p:cSld>
+  <p:clrMapOvr>
+    <a:masterClrMapping/>
+  </p:clrMapOvr>
+</p:sld>
+</file>
+
+<file path=ppt/slides/slide17.xml><?xml version="1.0" encoding="utf-8"?>
+<p:sld xmlns:a="http://schemas.openxmlformats.org/drawingml/2006/main" xmlns:r="http://schemas.openxmlformats.org/officeDocument/2006/relationships" xmlns:p="http://schemas.openxmlformats.org/presentationml/2006/main">
+  <p:cSld>
+    <p:spTree>
+      <p:nvGrpSpPr>
+        <p:cNvPr id="1" name=""/>
+        <p:cNvGrpSpPr/>
+        <p:nvPr/>
+      </p:nvGrpSpPr>
+      <p:grpSpPr>
+        <a:xfrm>
+          <a:off x="0" y="0"/>
+          <a:ext cx="0" cy="0"/>
+          <a:chOff x="0" y="0"/>
+          <a:chExt cx="0" cy="0"/>
+        </a:xfrm>
+      </p:grpSpPr>
+      <p:sp>
+        <p:nvSpPr>
+          <p:cNvPr id="8" name="Title 7">
+            <a:extLst>
+              <a:ext uri="{FF2B5EF4-FFF2-40B4-BE49-F238E27FC236}">
                 <a16:creationId xmlns:a16="http://schemas.microsoft.com/office/drawing/2014/main" id="{49202545-D26B-485C-9E25-62859E92ED89}"/>
               </a:ext>
             </a:extLst>
@@ -7653,7 +9068,7 @@
           <a:p>
             <a:fld id="{76BAB7ED-EDE9-4D4B-9A2D-30E18C47C16E}" type="slidenum">
               <a:rPr lang="en-GB" smtClean="0"/>
-              <a:t>12</a:t>
+              <a:t>17</a:t>
             </a:fld>
             <a:endParaRPr lang="en-GB"/>
           </a:p>
@@ -8065,204 +9480,181 @@
             </a:r>
             <a:r>
               <a:rPr lang="fi-FI" dirty="0"/>
-              <a:t> Engine</a:t>
-            </a:r>
-          </a:p>
-        </p:txBody>
-      </p:sp>
-      <p:sp>
-        <p:nvSpPr>
-          <p:cNvPr id="9" name="Content Placeholder 8">
-            <a:extLst>
-              <a:ext uri="{FF2B5EF4-FFF2-40B4-BE49-F238E27FC236}">
-                <a16:creationId xmlns:a16="http://schemas.microsoft.com/office/drawing/2014/main" id="{ACDE61D8-A75A-F94B-B57A-46F276C03311}"/>
-              </a:ext>
-            </a:extLst>
-          </p:cNvPr>
-          <p:cNvSpPr>
-            <a:spLocks noGrp="1"/>
-          </p:cNvSpPr>
+              <a:t> - </a:t>
+            </a:r>
+            <a:r>
+              <a:rPr lang="fi-FI" dirty="0" err="1"/>
+              <a:t>basic</a:t>
+            </a:r>
+            <a:r>
+              <a:rPr lang="fi-FI" dirty="0"/>
+              <a:t> </a:t>
+            </a:r>
+            <a:r>
+              <a:rPr lang="fi-FI" dirty="0" err="1"/>
+              <a:t>concepts</a:t>
+            </a:r>
+            <a:endParaRPr lang="fi-FI" dirty="0"/>
+          </a:p>
+        </p:txBody>
+      </p:sp>
+      <p:sp>
+        <p:nvSpPr>
+          <p:cNvPr id="5" name="Date Placeholder 4">
+            <a:extLst>
+              <a:ext uri="{FF2B5EF4-FFF2-40B4-BE49-F238E27FC236}">
+                <a16:creationId xmlns:a16="http://schemas.microsoft.com/office/drawing/2014/main" id="{976244E2-AA76-2742-B2EC-FEC79276155C}"/>
+              </a:ext>
+            </a:extLst>
+          </p:cNvPr>
+          <p:cNvSpPr>
+            <a:spLocks noGrp="1"/>
+          </p:cNvSpPr>
+          <p:nvPr>
+            <p:ph type="dt" sz="half" idx="10"/>
+          </p:nvPr>
+        </p:nvSpPr>
+        <p:spPr/>
+        <p:txBody>
+          <a:bodyPr/>
+          <a:lstStyle/>
+          <a:p>
+            <a:fld id="{202E1EC2-47B8-044B-A09E-6A63B4D80C87}" type="datetime1">
+              <a:rPr lang="fi-FI" smtClean="0"/>
+              <a:t>25.1.2024</a:t>
+            </a:fld>
+            <a:endParaRPr lang="en-GB"/>
+          </a:p>
+        </p:txBody>
+      </p:sp>
+      <p:sp>
+        <p:nvSpPr>
+          <p:cNvPr id="6" name="Footer Placeholder 5">
+            <a:extLst>
+              <a:ext uri="{FF2B5EF4-FFF2-40B4-BE49-F238E27FC236}">
+                <a16:creationId xmlns:a16="http://schemas.microsoft.com/office/drawing/2014/main" id="{588CE607-4137-8840-8FEA-42EAC857E3A3}"/>
+              </a:ext>
+            </a:extLst>
+          </p:cNvPr>
+          <p:cNvSpPr>
+            <a:spLocks noGrp="1"/>
+          </p:cNvSpPr>
+          <p:nvPr>
+            <p:ph type="ftr" sz="quarter" idx="11"/>
+          </p:nvPr>
+        </p:nvSpPr>
+        <p:spPr/>
+        <p:txBody>
+          <a:bodyPr/>
+          <a:lstStyle/>
+          <a:p>
+            <a:endParaRPr lang="en-GB"/>
+          </a:p>
+        </p:txBody>
+      </p:sp>
+      <p:sp>
+        <p:nvSpPr>
+          <p:cNvPr id="7" name="Slide Number Placeholder 6">
+            <a:extLst>
+              <a:ext uri="{FF2B5EF4-FFF2-40B4-BE49-F238E27FC236}">
+                <a16:creationId xmlns:a16="http://schemas.microsoft.com/office/drawing/2014/main" id="{2E133A96-6C73-0844-B8CB-27C2B5F4CFB1}"/>
+              </a:ext>
+            </a:extLst>
+          </p:cNvPr>
+          <p:cNvSpPr>
+            <a:spLocks noGrp="1"/>
+          </p:cNvSpPr>
+          <p:nvPr>
+            <p:ph type="sldNum" sz="quarter" idx="12"/>
+          </p:nvPr>
+        </p:nvSpPr>
+        <p:spPr/>
+        <p:txBody>
+          <a:bodyPr/>
+          <a:lstStyle/>
+          <a:p>
+            <a:fld id="{76BAB7ED-EDE9-4D4B-9A2D-30E18C47C16E}" type="slidenum">
+              <a:rPr lang="en-GB" smtClean="0"/>
+              <a:t>3</a:t>
+            </a:fld>
+            <a:endParaRPr lang="en-GB"/>
+          </a:p>
+        </p:txBody>
+      </p:sp>
+      <p:pic>
+        <p:nvPicPr>
+          <p:cNvPr id="10" name="Content Placeholder 9" descr="A diagram of a software&#10;&#10;Description automatically generated with medium confidence">
+            <a:extLst>
+              <a:ext uri="{FF2B5EF4-FFF2-40B4-BE49-F238E27FC236}">
+                <a16:creationId xmlns:a16="http://schemas.microsoft.com/office/drawing/2014/main" id="{4F3B06C5-C150-8C8A-3F43-099D8211BFB3}"/>
+              </a:ext>
+            </a:extLst>
+          </p:cNvPr>
+          <p:cNvPicPr>
+            <a:picLocks noGrp="1" noChangeAspect="1"/>
+          </p:cNvPicPr>
           <p:nvPr>
             <p:ph sz="half" idx="2"/>
           </p:nvPr>
-        </p:nvSpPr>
-        <p:spPr/>
-        <p:txBody>
-          <a:bodyPr>
-            <a:normAutofit/>
+        </p:nvPicPr>
+        <p:blipFill>
+          <a:blip r:embed="rId2"/>
+          <a:stretch>
+            <a:fillRect/>
+          </a:stretch>
+        </p:blipFill>
+        <p:spPr>
+          <a:xfrm>
+            <a:off x="3096135" y="1331413"/>
+            <a:ext cx="6678649" cy="4582025"/>
+          </a:xfrm>
+        </p:spPr>
+      </p:pic>
+      <p:sp>
+        <p:nvSpPr>
+          <p:cNvPr id="11" name="TextBox 10">
+            <a:extLst>
+              <a:ext uri="{FF2B5EF4-FFF2-40B4-BE49-F238E27FC236}">
+                <a16:creationId xmlns:a16="http://schemas.microsoft.com/office/drawing/2014/main" id="{323030AA-CB9A-4738-83FE-7FB902D659CE}"/>
+              </a:ext>
+            </a:extLst>
+          </p:cNvPr>
+          <p:cNvSpPr txBox="1"/>
+          <p:nvPr/>
+        </p:nvSpPr>
+        <p:spPr>
+          <a:xfrm>
+            <a:off x="423643" y="4837163"/>
+            <a:ext cx="2844344" cy="646331"/>
+          </a:xfrm>
+          <a:prstGeom prst="rect">
+            <a:avLst/>
+          </a:prstGeom>
+          <a:noFill/>
+        </p:spPr>
+        <p:txBody>
+          <a:bodyPr wrap="square">
+            <a:spAutoFit/>
           </a:bodyPr>
           <a:lstStyle/>
           <a:p>
-            <a:pPr>
-              <a:lnSpc>
-                <a:spcPct val="107000"/>
-              </a:lnSpc>
-              <a:spcAft>
-                <a:spcPts val="800"/>
-              </a:spcAft>
-            </a:pPr>
-            <a:r>
-              <a:rPr lang="en-US" sz="2800" dirty="0">
+            <a:r>
+              <a:rPr lang="en-US" sz="1800" dirty="0">
                 <a:effectLst/>
                 <a:latin typeface="Calibri" panose="020F0502020204030204" pitchFamily="34" charset="0"/>
                 <a:ea typeface="Calibri" panose="020F0502020204030204" pitchFamily="34" charset="0"/>
                 <a:cs typeface="Times New Roman" panose="02020603050405020304" pitchFamily="18" charset="0"/>
               </a:rPr>
-              <a:t>The engine (</a:t>
-            </a:r>
-            <a:r>
-              <a:rPr lang="en-US" sz="2800" i="1" dirty="0" err="1">
-                <a:effectLst/>
-                <a:latin typeface="Calibri" panose="020F0502020204030204" pitchFamily="34" charset="0"/>
-                <a:ea typeface="Calibri" panose="020F0502020204030204" pitchFamily="34" charset="0"/>
-                <a:cs typeface="Times New Roman" panose="02020603050405020304" pitchFamily="18" charset="0"/>
-              </a:rPr>
-              <a:t>dockerd</a:t>
-            </a:r>
-            <a:r>
-              <a:rPr lang="en-US" sz="2800" dirty="0">
-                <a:effectLst/>
-                <a:latin typeface="Calibri" panose="020F0502020204030204" pitchFamily="34" charset="0"/>
-                <a:ea typeface="Calibri" panose="020F0502020204030204" pitchFamily="34" charset="0"/>
-                <a:cs typeface="Times New Roman" panose="02020603050405020304" pitchFamily="18" charset="0"/>
-              </a:rPr>
-              <a:t> daemon/process and Docker Engine API ) </a:t>
-            </a:r>
-          </a:p>
-          <a:p>
-            <a:pPr>
-              <a:lnSpc>
-                <a:spcPct val="107000"/>
-              </a:lnSpc>
-              <a:spcAft>
-                <a:spcPts val="800"/>
-              </a:spcAft>
-            </a:pPr>
-            <a:r>
-              <a:rPr lang="en-US" sz="2800" dirty="0">
-                <a:latin typeface="Calibri" panose="020F0502020204030204" pitchFamily="34" charset="0"/>
-                <a:ea typeface="Calibri" panose="020F0502020204030204" pitchFamily="34" charset="0"/>
-                <a:cs typeface="Times New Roman" panose="02020603050405020304" pitchFamily="18" charset="0"/>
-              </a:rPr>
-              <a:t>T</a:t>
-            </a:r>
-            <a:r>
-              <a:rPr lang="en-US" sz="2800" dirty="0">
-                <a:effectLst/>
-                <a:latin typeface="Calibri" panose="020F0502020204030204" pitchFamily="34" charset="0"/>
-                <a:ea typeface="Calibri" panose="020F0502020204030204" pitchFamily="34" charset="0"/>
-                <a:cs typeface="Times New Roman" panose="02020603050405020304" pitchFamily="18" charset="0"/>
-              </a:rPr>
-              <a:t>o manage and run the containers.</a:t>
-            </a:r>
-          </a:p>
-          <a:p>
-            <a:pPr>
-              <a:lnSpc>
-                <a:spcPct val="107000"/>
-              </a:lnSpc>
-              <a:spcAft>
-                <a:spcPts val="800"/>
-              </a:spcAft>
-            </a:pPr>
-            <a:r>
-              <a:rPr lang="en-US" sz="2800" dirty="0">
-                <a:latin typeface="Calibri" panose="020F0502020204030204" pitchFamily="34" charset="0"/>
-                <a:ea typeface="Calibri" panose="020F0502020204030204" pitchFamily="34" charset="0"/>
-                <a:cs typeface="Times New Roman" panose="02020603050405020304" pitchFamily="18" charset="0"/>
-              </a:rPr>
-              <a:t>Isolate and connect them based on definitions</a:t>
-            </a:r>
-          </a:p>
-        </p:txBody>
-      </p:sp>
-      <p:sp>
-        <p:nvSpPr>
-          <p:cNvPr id="5" name="Date Placeholder 4">
-            <a:extLst>
-              <a:ext uri="{FF2B5EF4-FFF2-40B4-BE49-F238E27FC236}">
-                <a16:creationId xmlns:a16="http://schemas.microsoft.com/office/drawing/2014/main" id="{976244E2-AA76-2742-B2EC-FEC79276155C}"/>
-              </a:ext>
-            </a:extLst>
-          </p:cNvPr>
-          <p:cNvSpPr>
-            <a:spLocks noGrp="1"/>
-          </p:cNvSpPr>
-          <p:nvPr>
-            <p:ph type="dt" sz="half" idx="10"/>
-          </p:nvPr>
-        </p:nvSpPr>
-        <p:spPr/>
-        <p:txBody>
-          <a:bodyPr/>
-          <a:lstStyle/>
-          <a:p>
-            <a:fld id="{202E1EC2-47B8-044B-A09E-6A63B4D80C87}" type="datetime1">
-              <a:rPr lang="fi-FI" smtClean="0"/>
-              <a:t>25.1.2024</a:t>
-            </a:fld>
-            <a:endParaRPr lang="en-GB"/>
-          </a:p>
-        </p:txBody>
-      </p:sp>
-      <p:sp>
-        <p:nvSpPr>
-          <p:cNvPr id="6" name="Footer Placeholder 5">
-            <a:extLst>
-              <a:ext uri="{FF2B5EF4-FFF2-40B4-BE49-F238E27FC236}">
-                <a16:creationId xmlns:a16="http://schemas.microsoft.com/office/drawing/2014/main" id="{588CE607-4137-8840-8FEA-42EAC857E3A3}"/>
-              </a:ext>
-            </a:extLst>
-          </p:cNvPr>
-          <p:cNvSpPr>
-            <a:spLocks noGrp="1"/>
-          </p:cNvSpPr>
-          <p:nvPr>
-            <p:ph type="ftr" sz="quarter" idx="11"/>
-          </p:nvPr>
-        </p:nvSpPr>
-        <p:spPr/>
-        <p:txBody>
-          <a:bodyPr/>
-          <a:lstStyle/>
-          <a:p>
-            <a:endParaRPr lang="en-GB"/>
-          </a:p>
-        </p:txBody>
-      </p:sp>
-      <p:sp>
-        <p:nvSpPr>
-          <p:cNvPr id="7" name="Slide Number Placeholder 6">
-            <a:extLst>
-              <a:ext uri="{FF2B5EF4-FFF2-40B4-BE49-F238E27FC236}">
-                <a16:creationId xmlns:a16="http://schemas.microsoft.com/office/drawing/2014/main" id="{2E133A96-6C73-0844-B8CB-27C2B5F4CFB1}"/>
-              </a:ext>
-            </a:extLst>
-          </p:cNvPr>
-          <p:cNvSpPr>
-            <a:spLocks noGrp="1"/>
-          </p:cNvSpPr>
-          <p:nvPr>
-            <p:ph type="sldNum" sz="quarter" idx="12"/>
-          </p:nvPr>
-        </p:nvSpPr>
-        <p:spPr/>
-        <p:txBody>
-          <a:bodyPr/>
-          <a:lstStyle/>
-          <a:p>
-            <a:fld id="{76BAB7ED-EDE9-4D4B-9A2D-30E18C47C16E}" type="slidenum">
-              <a:rPr lang="en-GB" smtClean="0"/>
-              <a:t>3</a:t>
-            </a:fld>
-            <a:endParaRPr lang="en-GB"/>
+              <a:t>Source: https://docs.docker.com</a:t>
+            </a:r>
+            <a:endParaRPr lang="fi-FI" dirty="0"/>
           </a:p>
         </p:txBody>
       </p:sp>
     </p:spTree>
     <p:extLst>
       <p:ext uri="{BB962C8B-B14F-4D97-AF65-F5344CB8AC3E}">
-        <p14:creationId xmlns:p14="http://schemas.microsoft.com/office/powerpoint/2010/main" val="3626951746"/>
+        <p14:creationId xmlns:p14="http://schemas.microsoft.com/office/powerpoint/2010/main" val="1449844156"/>
       </p:ext>
     </p:extLst>
   </p:cSld>
@@ -8312,54 +9704,139 @@
           <a:p>
             <a:r>
               <a:rPr lang="fi-FI" dirty="0" err="1"/>
-              <a:t>docker</a:t>
+              <a:t>Docker</a:t>
             </a:r>
             <a:r>
               <a:rPr lang="fi-FI" dirty="0"/>
-              <a:t>  (CLI </a:t>
+              <a:t> – </a:t>
             </a:r>
             <a:r>
               <a:rPr lang="fi-FI" dirty="0" err="1"/>
-              <a:t>command</a:t>
+              <a:t>bigger</a:t>
             </a:r>
             <a:r>
               <a:rPr lang="fi-FI" dirty="0"/>
-              <a:t>)</a:t>
-            </a:r>
-          </a:p>
-        </p:txBody>
-      </p:sp>
-      <p:sp>
-        <p:nvSpPr>
-          <p:cNvPr id="9" name="Content Placeholder 8">
-            <a:extLst>
-              <a:ext uri="{FF2B5EF4-FFF2-40B4-BE49-F238E27FC236}">
-                <a16:creationId xmlns:a16="http://schemas.microsoft.com/office/drawing/2014/main" id="{ACDE61D8-A75A-F94B-B57A-46F276C03311}"/>
-              </a:ext>
-            </a:extLst>
-          </p:cNvPr>
-          <p:cNvSpPr>
-            <a:spLocks noGrp="1"/>
-          </p:cNvSpPr>
-          <p:nvPr>
-            <p:ph sz="half" idx="2"/>
+              <a:t> </a:t>
+            </a:r>
+            <a:r>
+              <a:rPr lang="fi-FI" dirty="0" err="1"/>
+              <a:t>picture</a:t>
+            </a:r>
+            <a:endParaRPr lang="fi-FI" dirty="0"/>
+          </a:p>
+        </p:txBody>
+      </p:sp>
+      <p:sp>
+        <p:nvSpPr>
+          <p:cNvPr id="5" name="Date Placeholder 4">
+            <a:extLst>
+              <a:ext uri="{FF2B5EF4-FFF2-40B4-BE49-F238E27FC236}">
+                <a16:creationId xmlns:a16="http://schemas.microsoft.com/office/drawing/2014/main" id="{976244E2-AA76-2742-B2EC-FEC79276155C}"/>
+              </a:ext>
+            </a:extLst>
+          </p:cNvPr>
+          <p:cNvSpPr>
+            <a:spLocks noGrp="1"/>
+          </p:cNvSpPr>
+          <p:nvPr>
+            <p:ph type="dt" sz="half" idx="10"/>
           </p:nvPr>
         </p:nvSpPr>
         <p:spPr/>
         <p:txBody>
-          <a:bodyPr>
-            <a:normAutofit/>
+          <a:bodyPr/>
+          <a:lstStyle/>
+          <a:p>
+            <a:fld id="{202E1EC2-47B8-044B-A09E-6A63B4D80C87}" type="datetime1">
+              <a:rPr lang="fi-FI" smtClean="0"/>
+              <a:t>25.1.2024</a:t>
+            </a:fld>
+            <a:endParaRPr lang="en-GB"/>
+          </a:p>
+        </p:txBody>
+      </p:sp>
+      <p:sp>
+        <p:nvSpPr>
+          <p:cNvPr id="6" name="Footer Placeholder 5">
+            <a:extLst>
+              <a:ext uri="{FF2B5EF4-FFF2-40B4-BE49-F238E27FC236}">
+                <a16:creationId xmlns:a16="http://schemas.microsoft.com/office/drawing/2014/main" id="{588CE607-4137-8840-8FEA-42EAC857E3A3}"/>
+              </a:ext>
+            </a:extLst>
+          </p:cNvPr>
+          <p:cNvSpPr>
+            <a:spLocks noGrp="1"/>
+          </p:cNvSpPr>
+          <p:nvPr>
+            <p:ph type="ftr" sz="quarter" idx="11"/>
+          </p:nvPr>
+        </p:nvSpPr>
+        <p:spPr/>
+        <p:txBody>
+          <a:bodyPr/>
+          <a:lstStyle/>
+          <a:p>
+            <a:endParaRPr lang="en-GB"/>
+          </a:p>
+        </p:txBody>
+      </p:sp>
+      <p:sp>
+        <p:nvSpPr>
+          <p:cNvPr id="7" name="Slide Number Placeholder 6">
+            <a:extLst>
+              <a:ext uri="{FF2B5EF4-FFF2-40B4-BE49-F238E27FC236}">
+                <a16:creationId xmlns:a16="http://schemas.microsoft.com/office/drawing/2014/main" id="{2E133A96-6C73-0844-B8CB-27C2B5F4CFB1}"/>
+              </a:ext>
+            </a:extLst>
+          </p:cNvPr>
+          <p:cNvSpPr>
+            <a:spLocks noGrp="1"/>
+          </p:cNvSpPr>
+          <p:nvPr>
+            <p:ph type="sldNum" sz="quarter" idx="12"/>
+          </p:nvPr>
+        </p:nvSpPr>
+        <p:spPr/>
+        <p:txBody>
+          <a:bodyPr/>
+          <a:lstStyle/>
+          <a:p>
+            <a:fld id="{76BAB7ED-EDE9-4D4B-9A2D-30E18C47C16E}" type="slidenum">
+              <a:rPr lang="en-GB" smtClean="0"/>
+              <a:t>4</a:t>
+            </a:fld>
+            <a:endParaRPr lang="en-GB"/>
+          </a:p>
+        </p:txBody>
+      </p:sp>
+      <p:sp>
+        <p:nvSpPr>
+          <p:cNvPr id="11" name="TextBox 10">
+            <a:extLst>
+              <a:ext uri="{FF2B5EF4-FFF2-40B4-BE49-F238E27FC236}">
+                <a16:creationId xmlns:a16="http://schemas.microsoft.com/office/drawing/2014/main" id="{323030AA-CB9A-4738-83FE-7FB902D659CE}"/>
+              </a:ext>
+            </a:extLst>
+          </p:cNvPr>
+          <p:cNvSpPr txBox="1"/>
+          <p:nvPr/>
+        </p:nvSpPr>
+        <p:spPr>
+          <a:xfrm>
+            <a:off x="423643" y="4837163"/>
+            <a:ext cx="2844344" cy="646331"/>
+          </a:xfrm>
+          <a:prstGeom prst="rect">
+            <a:avLst/>
+          </a:prstGeom>
+          <a:noFill/>
+        </p:spPr>
+        <p:txBody>
+          <a:bodyPr wrap="square">
+            <a:spAutoFit/>
           </a:bodyPr>
           <a:lstStyle/>
           <a:p>
-            <a:pPr>
-              <a:lnSpc>
-                <a:spcPct val="107000"/>
-              </a:lnSpc>
-              <a:spcAft>
-                <a:spcPts val="800"/>
-              </a:spcAft>
-            </a:pPr>
             <a:r>
               <a:rPr lang="en-US" sz="1800" dirty="0">
                 <a:effectLst/>
@@ -8367,229 +9844,45 @@
                 <a:ea typeface="Calibri" panose="020F0502020204030204" pitchFamily="34" charset="0"/>
                 <a:cs typeface="Times New Roman" panose="02020603050405020304" pitchFamily="18" charset="0"/>
               </a:rPr>
-              <a:t>The </a:t>
-            </a:r>
-            <a:r>
-              <a:rPr lang="en-US" sz="1800" i="1" dirty="0">
-                <a:effectLst/>
-                <a:latin typeface="Calibri" panose="020F0502020204030204" pitchFamily="34" charset="0"/>
-                <a:ea typeface="Calibri" panose="020F0502020204030204" pitchFamily="34" charset="0"/>
-                <a:cs typeface="Times New Roman" panose="02020603050405020304" pitchFamily="18" charset="0"/>
-              </a:rPr>
-              <a:t>docker</a:t>
-            </a:r>
-            <a:r>
-              <a:rPr lang="en-US" sz="1800" dirty="0">
-                <a:effectLst/>
-                <a:latin typeface="Calibri" panose="020F0502020204030204" pitchFamily="34" charset="0"/>
-                <a:ea typeface="Calibri" panose="020F0502020204030204" pitchFamily="34" charset="0"/>
-                <a:cs typeface="Times New Roman" panose="02020603050405020304" pitchFamily="18" charset="0"/>
-              </a:rPr>
-              <a:t> command line command. </a:t>
-            </a:r>
-          </a:p>
-          <a:p>
-            <a:pPr>
-              <a:lnSpc>
-                <a:spcPct val="107000"/>
-              </a:lnSpc>
-              <a:spcAft>
-                <a:spcPts val="800"/>
-              </a:spcAft>
-            </a:pPr>
-            <a:r>
-              <a:rPr lang="en-US" sz="1800" dirty="0">
-                <a:effectLst/>
-                <a:latin typeface="Calibri" panose="020F0502020204030204" pitchFamily="34" charset="0"/>
-                <a:ea typeface="Calibri" panose="020F0502020204030204" pitchFamily="34" charset="0"/>
-                <a:cs typeface="Times New Roman" panose="02020603050405020304" pitchFamily="18" charset="0"/>
-              </a:rPr>
-              <a:t>Client for giving commands e.g. about </a:t>
-            </a:r>
-          </a:p>
-          <a:p>
-            <a:pPr lvl="1">
-              <a:lnSpc>
-                <a:spcPct val="107000"/>
-              </a:lnSpc>
-              <a:spcAft>
-                <a:spcPts val="800"/>
-              </a:spcAft>
-            </a:pPr>
-            <a:r>
-              <a:rPr lang="en-US" dirty="0">
-                <a:effectLst/>
-                <a:latin typeface="Calibri" panose="020F0502020204030204" pitchFamily="34" charset="0"/>
-                <a:ea typeface="Calibri" panose="020F0502020204030204" pitchFamily="34" charset="0"/>
-                <a:cs typeface="Times New Roman" panose="02020603050405020304" pitchFamily="18" charset="0"/>
-              </a:rPr>
-              <a:t>starting or stopping containers, removing containers </a:t>
-            </a:r>
-            <a:endParaRPr lang="en-US" dirty="0">
-              <a:latin typeface="Calibri" panose="020F0502020204030204" pitchFamily="34" charset="0"/>
-              <a:ea typeface="Calibri" panose="020F0502020204030204" pitchFamily="34" charset="0"/>
-              <a:cs typeface="Times New Roman" panose="02020603050405020304" pitchFamily="18" charset="0"/>
-            </a:endParaRPr>
-          </a:p>
-          <a:p>
-            <a:pPr lvl="1">
-              <a:lnSpc>
-                <a:spcPct val="107000"/>
-              </a:lnSpc>
-              <a:spcAft>
-                <a:spcPts val="800"/>
-              </a:spcAft>
-            </a:pPr>
-            <a:r>
-              <a:rPr lang="en-US" dirty="0">
-                <a:effectLst/>
-                <a:latin typeface="Calibri" panose="020F0502020204030204" pitchFamily="34" charset="0"/>
-                <a:ea typeface="Calibri" panose="020F0502020204030204" pitchFamily="34" charset="0"/>
-                <a:cs typeface="Times New Roman" panose="02020603050405020304" pitchFamily="18" charset="0"/>
-              </a:rPr>
-              <a:t>building, publishing images, removing images</a:t>
-            </a:r>
-          </a:p>
-          <a:p>
-            <a:pPr lvl="1">
-              <a:lnSpc>
-                <a:spcPct val="107000"/>
-              </a:lnSpc>
-              <a:spcAft>
-                <a:spcPts val="800"/>
-              </a:spcAft>
-            </a:pPr>
-            <a:r>
-              <a:rPr lang="en-US" dirty="0">
-                <a:latin typeface="Calibri" panose="020F0502020204030204" pitchFamily="34" charset="0"/>
-                <a:ea typeface="Calibri" panose="020F0502020204030204" pitchFamily="34" charset="0"/>
-                <a:cs typeface="Times New Roman" panose="02020603050405020304" pitchFamily="18" charset="0"/>
-              </a:rPr>
-              <a:t>f</a:t>
-            </a:r>
-            <a:r>
-              <a:rPr lang="en-US" dirty="0">
-                <a:effectLst/>
-                <a:latin typeface="Calibri" panose="020F0502020204030204" pitchFamily="34" charset="0"/>
-                <a:ea typeface="Calibri" panose="020F0502020204030204" pitchFamily="34" charset="0"/>
-                <a:cs typeface="Times New Roman" panose="02020603050405020304" pitchFamily="18" charset="0"/>
-              </a:rPr>
-              <a:t>inding status of containers and images</a:t>
-            </a:r>
-          </a:p>
-          <a:p>
-            <a:pPr>
-              <a:lnSpc>
-                <a:spcPct val="107000"/>
-              </a:lnSpc>
-              <a:spcAft>
-                <a:spcPts val="800"/>
-              </a:spcAft>
-            </a:pPr>
-            <a:r>
-              <a:rPr lang="en-US" dirty="0">
-                <a:latin typeface="Calibri" panose="020F0502020204030204" pitchFamily="34" charset="0"/>
-                <a:ea typeface="Calibri" panose="020F0502020204030204" pitchFamily="34" charset="0"/>
-                <a:cs typeface="Times New Roman" panose="02020603050405020304" pitchFamily="18" charset="0"/>
-              </a:rPr>
-              <a:t>Or executing commands inside the container from outside:         docker exec …</a:t>
-            </a:r>
-            <a:endParaRPr lang="fi-FI" sz="1800" dirty="0">
-              <a:effectLst/>
-              <a:latin typeface="Calibri" panose="020F0502020204030204" pitchFamily="34" charset="0"/>
-              <a:ea typeface="Calibri" panose="020F0502020204030204" pitchFamily="34" charset="0"/>
-              <a:cs typeface="Times New Roman" panose="02020603050405020304" pitchFamily="18" charset="0"/>
-            </a:endParaRPr>
-          </a:p>
-        </p:txBody>
-      </p:sp>
-      <p:sp>
-        <p:nvSpPr>
-          <p:cNvPr id="5" name="Date Placeholder 4">
-            <a:extLst>
-              <a:ext uri="{FF2B5EF4-FFF2-40B4-BE49-F238E27FC236}">
-                <a16:creationId xmlns:a16="http://schemas.microsoft.com/office/drawing/2014/main" id="{976244E2-AA76-2742-B2EC-FEC79276155C}"/>
-              </a:ext>
-            </a:extLst>
-          </p:cNvPr>
-          <p:cNvSpPr>
-            <a:spLocks noGrp="1"/>
-          </p:cNvSpPr>
-          <p:nvPr>
-            <p:ph type="dt" sz="half" idx="10"/>
-          </p:nvPr>
-        </p:nvSpPr>
-        <p:spPr/>
-        <p:txBody>
-          <a:bodyPr/>
-          <a:lstStyle/>
-          <a:p>
-            <a:fld id="{202E1EC2-47B8-044B-A09E-6A63B4D80C87}" type="datetime1">
-              <a:rPr lang="fi-FI" smtClean="0"/>
-              <a:t>25.1.2024</a:t>
-            </a:fld>
-            <a:endParaRPr lang="en-GB"/>
-          </a:p>
-        </p:txBody>
-      </p:sp>
-      <p:sp>
-        <p:nvSpPr>
-          <p:cNvPr id="6" name="Footer Placeholder 5">
-            <a:extLst>
-              <a:ext uri="{FF2B5EF4-FFF2-40B4-BE49-F238E27FC236}">
-                <a16:creationId xmlns:a16="http://schemas.microsoft.com/office/drawing/2014/main" id="{588CE607-4137-8840-8FEA-42EAC857E3A3}"/>
-              </a:ext>
-            </a:extLst>
-          </p:cNvPr>
-          <p:cNvSpPr>
-            <a:spLocks noGrp="1"/>
-          </p:cNvSpPr>
-          <p:nvPr>
-            <p:ph type="ftr" sz="quarter" idx="11"/>
-          </p:nvPr>
-        </p:nvSpPr>
-        <p:spPr/>
-        <p:txBody>
-          <a:bodyPr/>
-          <a:lstStyle/>
-          <a:p>
-            <a:endParaRPr lang="en-GB"/>
-          </a:p>
-        </p:txBody>
-      </p:sp>
-      <p:sp>
-        <p:nvSpPr>
-          <p:cNvPr id="7" name="Slide Number Placeholder 6">
-            <a:extLst>
-              <a:ext uri="{FF2B5EF4-FFF2-40B4-BE49-F238E27FC236}">
-                <a16:creationId xmlns:a16="http://schemas.microsoft.com/office/drawing/2014/main" id="{2E133A96-6C73-0844-B8CB-27C2B5F4CFB1}"/>
-              </a:ext>
-            </a:extLst>
-          </p:cNvPr>
-          <p:cNvSpPr>
-            <a:spLocks noGrp="1"/>
-          </p:cNvSpPr>
-          <p:nvPr>
-            <p:ph type="sldNum" sz="quarter" idx="12"/>
-          </p:nvPr>
-        </p:nvSpPr>
-        <p:spPr/>
-        <p:txBody>
-          <a:bodyPr/>
-          <a:lstStyle/>
-          <a:p>
-            <a:fld id="{76BAB7ED-EDE9-4D4B-9A2D-30E18C47C16E}" type="slidenum">
-              <a:rPr lang="en-GB" smtClean="0"/>
-              <a:t>4</a:t>
-            </a:fld>
-            <a:endParaRPr lang="en-GB"/>
-          </a:p>
-        </p:txBody>
-      </p:sp>
+              <a:t>Source: https://docs.docker.com</a:t>
+            </a:r>
+            <a:endParaRPr lang="fi-FI" dirty="0"/>
+          </a:p>
+        </p:txBody>
+      </p:sp>
+      <p:pic>
+        <p:nvPicPr>
+          <p:cNvPr id="9" name="Content Placeholder 8" descr="A diagram of a software application&#10;&#10;Description automatically generated with medium confidence">
+            <a:extLst>
+              <a:ext uri="{FF2B5EF4-FFF2-40B4-BE49-F238E27FC236}">
+                <a16:creationId xmlns:a16="http://schemas.microsoft.com/office/drawing/2014/main" id="{1CB85512-7B70-57EB-06E3-63DCF5FE5D74}"/>
+              </a:ext>
+            </a:extLst>
+          </p:cNvPr>
+          <p:cNvPicPr>
+            <a:picLocks noGrp="1" noChangeAspect="1"/>
+          </p:cNvPicPr>
+          <p:nvPr>
+            <p:ph sz="half" idx="2"/>
+          </p:nvPr>
+        </p:nvPicPr>
+        <p:blipFill>
+          <a:blip r:embed="rId2"/>
+          <a:stretch>
+            <a:fillRect/>
+          </a:stretch>
+        </p:blipFill>
+        <p:spPr>
+          <a:xfrm>
+            <a:off x="3219771" y="1109609"/>
+            <a:ext cx="8875756" cy="4896297"/>
+          </a:xfrm>
+        </p:spPr>
+      </p:pic>
     </p:spTree>
     <p:extLst>
       <p:ext uri="{BB962C8B-B14F-4D97-AF65-F5344CB8AC3E}">
-        <p14:creationId xmlns:p14="http://schemas.microsoft.com/office/powerpoint/2010/main" val="528999108"/>
+        <p14:creationId xmlns:p14="http://schemas.microsoft.com/office/powerpoint/2010/main" val="3803506034"/>
       </p:ext>
     </p:extLst>
   </p:cSld>
@@ -8639,9 +9932,12 @@
           <a:p>
             <a:r>
               <a:rPr lang="fi-FI" dirty="0" err="1"/>
-              <a:t>Dockerfile</a:t>
-            </a:r>
-            <a:endParaRPr lang="fi-FI" dirty="0"/>
+              <a:t>Docker</a:t>
+            </a:r>
+            <a:r>
+              <a:rPr lang="fi-FI" dirty="0"/>
+              <a:t> Engine</a:t>
+            </a:r>
           </a:p>
         </p:txBody>
       </p:sp>
@@ -8677,13 +9973,31 @@
               </a:spcAft>
             </a:pPr>
             <a:r>
-              <a:rPr lang="en-US" sz="1800" dirty="0">
+              <a:rPr lang="en-US" sz="2800" dirty="0">
                 <a:effectLst/>
                 <a:latin typeface="Calibri" panose="020F0502020204030204" pitchFamily="34" charset="0"/>
                 <a:ea typeface="Calibri" panose="020F0502020204030204" pitchFamily="34" charset="0"/>
                 <a:cs typeface="Times New Roman" panose="02020603050405020304" pitchFamily="18" charset="0"/>
               </a:rPr>
-              <a:t>Your ‘script’ for making your own Docker images. </a:t>
+              <a:t>The engine (</a:t>
+            </a:r>
+            <a:r>
+              <a:rPr lang="en-US" sz="2800" i="1" dirty="0" err="1">
+                <a:effectLst/>
+                <a:latin typeface="Calibri" panose="020F0502020204030204" pitchFamily="34" charset="0"/>
+                <a:ea typeface="Calibri" panose="020F0502020204030204" pitchFamily="34" charset="0"/>
+                <a:cs typeface="Times New Roman" panose="02020603050405020304" pitchFamily="18" charset="0"/>
+              </a:rPr>
+              <a:t>dockerd</a:t>
+            </a:r>
+            <a:r>
+              <a:rPr lang="en-US" sz="2800" dirty="0">
+                <a:effectLst/>
+                <a:latin typeface="Calibri" panose="020F0502020204030204" pitchFamily="34" charset="0"/>
+                <a:ea typeface="Calibri" panose="020F0502020204030204" pitchFamily="34" charset="0"/>
+                <a:cs typeface="Times New Roman" panose="02020603050405020304" pitchFamily="18" charset="0"/>
+              </a:rPr>
+              <a:t> daemon/process and Docker Engine API ) </a:t>
             </a:r>
           </a:p>
           <a:p>
@@ -8696,17 +10010,25 @@
               </a:spcAft>
             </a:pPr>
             <a:r>
-              <a:rPr lang="en-US" sz="1800" dirty="0">
+              <a:rPr lang="en-US" sz="2800" dirty="0">
+                <a:latin typeface="Calibri" panose="020F0502020204030204" pitchFamily="34" charset="0"/>
+                <a:ea typeface="Calibri" panose="020F0502020204030204" pitchFamily="34" charset="0"/>
+                <a:cs typeface="Times New Roman" panose="02020603050405020304" pitchFamily="18" charset="0"/>
+              </a:rPr>
+              <a:t>T</a:t>
+            </a:r>
+            <a:r>
+              <a:rPr lang="en-US" sz="2800" dirty="0">
                 <a:effectLst/>
                 <a:latin typeface="Calibri" panose="020F0502020204030204" pitchFamily="34" charset="0"/>
                 <a:ea typeface="Calibri" panose="020F0502020204030204" pitchFamily="34" charset="0"/>
                 <a:cs typeface="Times New Roman" panose="02020603050405020304" pitchFamily="18" charset="0"/>
               </a:rPr>
-              <a:t>Image could be built based on source code and other assets on your disk </a:t>
-            </a:r>
-          </a:p>
-          <a:p>
-            <a:pPr lvl="1">
+              <a:t>o manage and run the containers.</a:t>
+            </a:r>
+          </a:p>
+          <a:p>
+            <a:pPr>
               <a:lnSpc>
                 <a:spcPct val="107000"/>
               </a:lnSpc>
@@ -8715,41 +10037,13 @@
               </a:spcAft>
             </a:pPr>
             <a:r>
-              <a:rPr lang="en-US" dirty="0">
-                <a:effectLst/>
+              <a:rPr lang="en-US" sz="2800" dirty="0">
                 <a:latin typeface="Calibri" panose="020F0502020204030204" pitchFamily="34" charset="0"/>
                 <a:ea typeface="Calibri" panose="020F0502020204030204" pitchFamily="34" charset="0"/>
                 <a:cs typeface="Times New Roman" panose="02020603050405020304" pitchFamily="18" charset="0"/>
               </a:rPr>
-              <a:t>and, if needed, based on / expanding on ready-made images from </a:t>
-            </a:r>
-            <a:r>
-              <a:rPr lang="en-US" i="1" dirty="0">
-                <a:effectLst/>
-                <a:latin typeface="Calibri" panose="020F0502020204030204" pitchFamily="34" charset="0"/>
-                <a:ea typeface="Calibri" panose="020F0502020204030204" pitchFamily="34" charset="0"/>
-                <a:cs typeface="Times New Roman" panose="02020603050405020304" pitchFamily="18" charset="0"/>
-              </a:rPr>
-              <a:t>Docker Hub</a:t>
-            </a:r>
-            <a:r>
-              <a:rPr lang="en-US" dirty="0">
-                <a:effectLst/>
-                <a:latin typeface="Calibri" panose="020F0502020204030204" pitchFamily="34" charset="0"/>
-                <a:ea typeface="Calibri" panose="020F0502020204030204" pitchFamily="34" charset="0"/>
-                <a:cs typeface="Times New Roman" panose="02020603050405020304" pitchFamily="18" charset="0"/>
-              </a:rPr>
-              <a:t> or other docker image registry.</a:t>
-            </a:r>
-            <a:endParaRPr lang="fi-FI" dirty="0">
-              <a:effectLst/>
-              <a:latin typeface="Calibri" panose="020F0502020204030204" pitchFamily="34" charset="0"/>
-              <a:ea typeface="Calibri" panose="020F0502020204030204" pitchFamily="34" charset="0"/>
-              <a:cs typeface="Times New Roman" panose="02020603050405020304" pitchFamily="18" charset="0"/>
-            </a:endParaRPr>
-          </a:p>
-          <a:p>
-            <a:endParaRPr lang="fi-FI" dirty="0"/>
+              <a:t>Isolate and connect them based on definitions</a:t>
+            </a:r>
           </a:p>
         </p:txBody>
       </p:sp>
@@ -8839,7 +10133,7 @@
     </p:spTree>
     <p:extLst>
       <p:ext uri="{BB962C8B-B14F-4D97-AF65-F5344CB8AC3E}">
-        <p14:creationId xmlns:p14="http://schemas.microsoft.com/office/powerpoint/2010/main" val="1689429107"/>
+        <p14:creationId xmlns:p14="http://schemas.microsoft.com/office/powerpoint/2010/main" val="3626951746"/>
       </p:ext>
     </p:extLst>
   </p:cSld>
@@ -8888,14 +10182,21 @@
           <a:lstStyle/>
           <a:p>
             <a:r>
+              <a:rPr lang="fi-FI" dirty="0" err="1"/>
+              <a:t>docker</a:t>
+            </a:r>
+            <a:r>
               <a:rPr lang="fi-FI" dirty="0"/>
-              <a:t>.</a:t>
+              <a:t>  (CLI </a:t>
             </a:r>
             <a:r>
               <a:rPr lang="fi-FI" dirty="0" err="1"/>
-              <a:t>dockerignore</a:t>
-            </a:r>
-            <a:endParaRPr lang="fi-FI" dirty="0"/>
+              <a:t>command</a:t>
+            </a:r>
+            <a:r>
+              <a:rPr lang="fi-FI" dirty="0"/>
+              <a:t>)</a:t>
+            </a:r>
           </a:p>
         </p:txBody>
       </p:sp>
@@ -8937,18 +10238,140 @@
                 <a:ea typeface="Calibri" panose="020F0502020204030204" pitchFamily="34" charset="0"/>
                 <a:cs typeface="Times New Roman" panose="02020603050405020304" pitchFamily="18" charset="0"/>
               </a:rPr>
-              <a:t>Lists which files and folders won’t be packed into the Docker image.</a:t>
-            </a:r>
-            <a:endParaRPr lang="fi-FI" dirty="0">
+              <a:t>The </a:t>
+            </a:r>
+            <a:r>
+              <a:rPr lang="en-US" sz="1800" i="1" dirty="0">
+                <a:effectLst/>
+                <a:latin typeface="Calibri" panose="020F0502020204030204" pitchFamily="34" charset="0"/>
+                <a:ea typeface="Calibri" panose="020F0502020204030204" pitchFamily="34" charset="0"/>
+                <a:cs typeface="Times New Roman" panose="02020603050405020304" pitchFamily="18" charset="0"/>
+              </a:rPr>
+              <a:t>docker</a:t>
+            </a:r>
+            <a:r>
+              <a:rPr lang="en-US" sz="1800" dirty="0">
+                <a:effectLst/>
+                <a:latin typeface="Calibri" panose="020F0502020204030204" pitchFamily="34" charset="0"/>
+                <a:ea typeface="Calibri" panose="020F0502020204030204" pitchFamily="34" charset="0"/>
+                <a:cs typeface="Times New Roman" panose="02020603050405020304" pitchFamily="18" charset="0"/>
+              </a:rPr>
+              <a:t> command line command. </a:t>
+            </a:r>
+          </a:p>
+          <a:p>
+            <a:pPr>
+              <a:lnSpc>
+                <a:spcPct val="107000"/>
+              </a:lnSpc>
+              <a:spcAft>
+                <a:spcPts val="800"/>
+              </a:spcAft>
+            </a:pPr>
+            <a:r>
+              <a:rPr lang="en-US" sz="1800" dirty="0">
+                <a:effectLst/>
+                <a:latin typeface="Calibri" panose="020F0502020204030204" pitchFamily="34" charset="0"/>
+                <a:ea typeface="Calibri" panose="020F0502020204030204" pitchFamily="34" charset="0"/>
+                <a:cs typeface="Times New Roman" panose="02020603050405020304" pitchFamily="18" charset="0"/>
+              </a:rPr>
+              <a:t>Client for giving commands e.g. about </a:t>
+            </a:r>
+          </a:p>
+          <a:p>
+            <a:pPr lvl="1">
+              <a:lnSpc>
+                <a:spcPct val="107000"/>
+              </a:lnSpc>
+              <a:spcAft>
+                <a:spcPts val="800"/>
+              </a:spcAft>
+            </a:pPr>
+            <a:r>
+              <a:rPr lang="en-US" dirty="0">
+                <a:effectLst/>
+                <a:latin typeface="Calibri" panose="020F0502020204030204" pitchFamily="34" charset="0"/>
+                <a:ea typeface="Calibri" panose="020F0502020204030204" pitchFamily="34" charset="0"/>
+                <a:cs typeface="Times New Roman" panose="02020603050405020304" pitchFamily="18" charset="0"/>
+              </a:rPr>
+              <a:t>starting or stopping containers, removing containers </a:t>
+            </a:r>
+            <a:endParaRPr lang="en-US" dirty="0">
+              <a:latin typeface="Calibri" panose="020F0502020204030204" pitchFamily="34" charset="0"/>
+              <a:ea typeface="Calibri" panose="020F0502020204030204" pitchFamily="34" charset="0"/>
+              <a:cs typeface="Times New Roman" panose="02020603050405020304" pitchFamily="18" charset="0"/>
+            </a:endParaRPr>
+          </a:p>
+          <a:p>
+            <a:pPr lvl="1">
+              <a:lnSpc>
+                <a:spcPct val="107000"/>
+              </a:lnSpc>
+              <a:spcAft>
+                <a:spcPts val="800"/>
+              </a:spcAft>
+            </a:pPr>
+            <a:r>
+              <a:rPr lang="en-US" dirty="0">
+                <a:effectLst/>
+                <a:latin typeface="Calibri" panose="020F0502020204030204" pitchFamily="34" charset="0"/>
+                <a:ea typeface="Calibri" panose="020F0502020204030204" pitchFamily="34" charset="0"/>
+                <a:cs typeface="Times New Roman" panose="02020603050405020304" pitchFamily="18" charset="0"/>
+              </a:rPr>
+              <a:t>building, publishing images, removing images</a:t>
+            </a:r>
+          </a:p>
+          <a:p>
+            <a:pPr lvl="1">
+              <a:lnSpc>
+                <a:spcPct val="107000"/>
+              </a:lnSpc>
+              <a:spcAft>
+                <a:spcPts val="800"/>
+              </a:spcAft>
+            </a:pPr>
+            <a:r>
+              <a:rPr lang="en-US" dirty="0">
+                <a:latin typeface="Calibri" panose="020F0502020204030204" pitchFamily="34" charset="0"/>
+                <a:ea typeface="Calibri" panose="020F0502020204030204" pitchFamily="34" charset="0"/>
+                <a:cs typeface="Times New Roman" panose="02020603050405020304" pitchFamily="18" charset="0"/>
+              </a:rPr>
+              <a:t>f</a:t>
+            </a:r>
+            <a:r>
+              <a:rPr lang="en-US" dirty="0">
+                <a:effectLst/>
+                <a:latin typeface="Calibri" panose="020F0502020204030204" pitchFamily="34" charset="0"/>
+                <a:ea typeface="Calibri" panose="020F0502020204030204" pitchFamily="34" charset="0"/>
+                <a:cs typeface="Times New Roman" panose="02020603050405020304" pitchFamily="18" charset="0"/>
+              </a:rPr>
+              <a:t>inding status of containers and images</a:t>
+            </a:r>
+          </a:p>
+          <a:p>
+            <a:pPr>
+              <a:lnSpc>
+                <a:spcPct val="107000"/>
+              </a:lnSpc>
+              <a:spcAft>
+                <a:spcPts val="800"/>
+              </a:spcAft>
+            </a:pPr>
+            <a:r>
+              <a:rPr lang="en-US" dirty="0">
+                <a:latin typeface="Calibri" panose="020F0502020204030204" pitchFamily="34" charset="0"/>
+                <a:ea typeface="Calibri" panose="020F0502020204030204" pitchFamily="34" charset="0"/>
+                <a:cs typeface="Times New Roman" panose="02020603050405020304" pitchFamily="18" charset="0"/>
+              </a:rPr>
+              <a:t>Or executing commands inside the container from outside:         docker exec …</a:t>
+            </a:r>
+            <a:endParaRPr lang="fi-FI" sz="1800" dirty="0">
               <a:effectLst/>
               <a:latin typeface="Calibri" panose="020F0502020204030204" pitchFamily="34" charset="0"/>
               <a:ea typeface="Calibri" panose="020F0502020204030204" pitchFamily="34" charset="0"/>
               <a:cs typeface="Times New Roman" panose="02020603050405020304" pitchFamily="18" charset="0"/>
             </a:endParaRPr>
           </a:p>
-          <a:p>
-            <a:endParaRPr lang="fi-FI" dirty="0"/>
-          </a:p>
         </p:txBody>
       </p:sp>
       <p:sp>
@@ -9037,7 +10460,7 @@
     </p:spTree>
     <p:extLst>
       <p:ext uri="{BB962C8B-B14F-4D97-AF65-F5344CB8AC3E}">
-        <p14:creationId xmlns:p14="http://schemas.microsoft.com/office/powerpoint/2010/main" val="3023738396"/>
+        <p14:creationId xmlns:p14="http://schemas.microsoft.com/office/powerpoint/2010/main" val="528999108"/>
       </p:ext>
     </p:extLst>
   </p:cSld>
@@ -9086,9 +10509,10 @@
           <a:lstStyle/>
           <a:p>
             <a:r>
-              <a:rPr lang="fi-FI" dirty="0"/>
-              <a:t>image</a:t>
-            </a:r>
+              <a:rPr lang="fi-FI" dirty="0" err="1"/>
+              <a:t>Dockerfile</a:t>
+            </a:r>
+            <a:endParaRPr lang="fi-FI" dirty="0"/>
           </a:p>
         </p:txBody>
       </p:sp>
@@ -9130,14 +10554,8 @@
                 <a:ea typeface="Calibri" panose="020F0502020204030204" pitchFamily="34" charset="0"/>
                 <a:cs typeface="Times New Roman" panose="02020603050405020304" pitchFamily="18" charset="0"/>
               </a:rPr>
-              <a:t>Ready-made from Docker Hub, or one you have created. Template that can be used to create container.</a:t>
-            </a:r>
-            <a:endParaRPr lang="fi-FI" sz="1800" dirty="0">
-              <a:effectLst/>
-              <a:latin typeface="Calibri" panose="020F0502020204030204" pitchFamily="34" charset="0"/>
-              <a:ea typeface="Calibri" panose="020F0502020204030204" pitchFamily="34" charset="0"/>
-              <a:cs typeface="Times New Roman" panose="02020603050405020304" pitchFamily="18" charset="0"/>
-            </a:endParaRPr>
+              <a:t>Your ‘script’ for making your own Docker images. </a:t>
+            </a:r>
           </a:p>
           <a:p>
             <a:pPr>
@@ -9155,22 +10573,17 @@
                 <a:ea typeface="Calibri" panose="020F0502020204030204" pitchFamily="34" charset="0"/>
                 <a:cs typeface="Times New Roman" panose="02020603050405020304" pitchFamily="18" charset="0"/>
               </a:rPr>
-              <a:t>E.g. some MariaDB image you want to take into use. It’s a snapshot of a running/runnable MariaDB or other DB server that starts from a certain documented state. Typically there is a root user with known password (public information, everyone knows the password!), a certain database/schema created, like ‘test’. When taking that image into use, you must then immediately:</a:t>
-            </a:r>
-            <a:endParaRPr lang="fi-FI" sz="1800" dirty="0">
-              <a:effectLst/>
-              <a:latin typeface="Calibri" panose="020F0502020204030204" pitchFamily="34" charset="0"/>
-              <a:ea typeface="Calibri" panose="020F0502020204030204" pitchFamily="34" charset="0"/>
-              <a:cs typeface="Times New Roman" panose="02020603050405020304" pitchFamily="18" charset="0"/>
-            </a:endParaRPr>
-          </a:p>
-          <a:p>
-            <a:pPr marL="846900" lvl="1" indent="-342900">
+              <a:t>Image could be built based on source code and other assets on your disk </a:t>
+            </a:r>
+          </a:p>
+          <a:p>
+            <a:pPr lvl="1">
               <a:lnSpc>
                 <a:spcPct val="107000"/>
               </a:lnSpc>
-              <a:buFont typeface="Calibri" panose="020F0502020204030204" pitchFamily="34" charset="0"/>
-              <a:buChar char="-"/>
+              <a:spcAft>
+                <a:spcPts val="800"/>
+              </a:spcAft>
             </a:pPr>
             <a:r>
               <a:rPr lang="en-US" dirty="0">
@@ -9179,7 +10592,25 @@
                 <a:ea typeface="Calibri" panose="020F0502020204030204" pitchFamily="34" charset="0"/>
                 <a:cs typeface="Times New Roman" panose="02020603050405020304" pitchFamily="18" charset="0"/>
               </a:rPr>
-              <a:t>secure the root user by changing the password</a:t>
+              <a:t>and, if needed, based on / expanding on ready-made images from </a:t>
+            </a:r>
+            <a:r>
+              <a:rPr lang="en-US" i="1" dirty="0">
+                <a:effectLst/>
+                <a:latin typeface="Calibri" panose="020F0502020204030204" pitchFamily="34" charset="0"/>
+                <a:ea typeface="Calibri" panose="020F0502020204030204" pitchFamily="34" charset="0"/>
+                <a:cs typeface="Times New Roman" panose="02020603050405020304" pitchFamily="18" charset="0"/>
+              </a:rPr>
+              <a:t>Docker Hub</a:t>
+            </a:r>
+            <a:r>
+              <a:rPr lang="en-US" dirty="0">
+                <a:effectLst/>
+                <a:latin typeface="Calibri" panose="020F0502020204030204" pitchFamily="34" charset="0"/>
+                <a:ea typeface="Calibri" panose="020F0502020204030204" pitchFamily="34" charset="0"/>
+                <a:cs typeface="Times New Roman" panose="02020603050405020304" pitchFamily="18" charset="0"/>
+              </a:rPr>
+              <a:t> or other docker image registry.</a:t>
             </a:r>
             <a:endParaRPr lang="fi-FI" dirty="0">
               <a:effectLst/>
@@ -9189,97 +10620,7 @@
             </a:endParaRPr>
           </a:p>
           <a:p>
-            <a:pPr marL="846900" lvl="1" indent="-342900">
-              <a:lnSpc>
-                <a:spcPct val="107000"/>
-              </a:lnSpc>
-              <a:buFont typeface="Calibri" panose="020F0502020204030204" pitchFamily="34" charset="0"/>
-              <a:buChar char="-"/>
-            </a:pPr>
-            <a:r>
-              <a:rPr lang="en-US" dirty="0">
-                <a:effectLst/>
-                <a:latin typeface="Calibri" panose="020F0502020204030204" pitchFamily="34" charset="0"/>
-                <a:ea typeface="Calibri" panose="020F0502020204030204" pitchFamily="34" charset="0"/>
-                <a:cs typeface="Times New Roman" panose="02020603050405020304" pitchFamily="18" charset="0"/>
-              </a:rPr>
-              <a:t>create a user with less privileges with safe password or other safe access. </a:t>
-            </a:r>
-            <a:endParaRPr lang="fi-FI" dirty="0">
-              <a:effectLst/>
-              <a:latin typeface="Calibri" panose="020F0502020204030204" pitchFamily="34" charset="0"/>
-              <a:ea typeface="Calibri" panose="020F0502020204030204" pitchFamily="34" charset="0"/>
-              <a:cs typeface="Times New Roman" panose="02020603050405020304" pitchFamily="18" charset="0"/>
-            </a:endParaRPr>
-          </a:p>
-          <a:p>
-            <a:pPr marL="846900" lvl="1" indent="-342900">
-              <a:lnSpc>
-                <a:spcPct val="107000"/>
-              </a:lnSpc>
-              <a:buFont typeface="Calibri" panose="020F0502020204030204" pitchFamily="34" charset="0"/>
-              <a:buChar char="-"/>
-            </a:pPr>
-            <a:r>
-              <a:rPr lang="en-US" dirty="0">
-                <a:effectLst/>
-                <a:latin typeface="Calibri" panose="020F0502020204030204" pitchFamily="34" charset="0"/>
-                <a:ea typeface="Calibri" panose="020F0502020204030204" pitchFamily="34" charset="0"/>
-                <a:cs typeface="Times New Roman" panose="02020603050405020304" pitchFamily="18" charset="0"/>
-              </a:rPr>
-              <a:t>give that user access to wanted schema etc.</a:t>
-            </a:r>
-            <a:endParaRPr lang="fi-FI" dirty="0">
-              <a:effectLst/>
-              <a:latin typeface="Calibri" panose="020F0502020204030204" pitchFamily="34" charset="0"/>
-              <a:ea typeface="Calibri" panose="020F0502020204030204" pitchFamily="34" charset="0"/>
-              <a:cs typeface="Times New Roman" panose="02020603050405020304" pitchFamily="18" charset="0"/>
-            </a:endParaRPr>
-          </a:p>
-          <a:p>
-            <a:pPr marL="846900" lvl="1" indent="-342900">
-              <a:lnSpc>
-                <a:spcPct val="107000"/>
-              </a:lnSpc>
-              <a:spcAft>
-                <a:spcPts val="800"/>
-              </a:spcAft>
-              <a:buFont typeface="Calibri" panose="020F0502020204030204" pitchFamily="34" charset="0"/>
-              <a:buChar char="-"/>
-            </a:pPr>
-            <a:r>
-              <a:rPr lang="en-US" dirty="0">
-                <a:effectLst/>
-                <a:latin typeface="Calibri" panose="020F0502020204030204" pitchFamily="34" charset="0"/>
-                <a:ea typeface="Calibri" panose="020F0502020204030204" pitchFamily="34" charset="0"/>
-                <a:cs typeface="Times New Roman" panose="02020603050405020304" pitchFamily="18" charset="0"/>
-              </a:rPr>
-              <a:t>continue possibly with table creation, </a:t>
-            </a:r>
-            <a:r>
-              <a:rPr lang="en-US" dirty="0" err="1">
-                <a:effectLst/>
-                <a:latin typeface="Calibri" panose="020F0502020204030204" pitchFamily="34" charset="0"/>
-                <a:ea typeface="Calibri" panose="020F0502020204030204" pitchFamily="34" charset="0"/>
-                <a:cs typeface="Times New Roman" panose="02020603050405020304" pitchFamily="18" charset="0"/>
-              </a:rPr>
-              <a:t>etc</a:t>
-            </a:r>
-            <a:r>
-              <a:rPr lang="en-US" dirty="0">
-                <a:effectLst/>
-                <a:latin typeface="Calibri" panose="020F0502020204030204" pitchFamily="34" charset="0"/>
-                <a:ea typeface="Calibri" panose="020F0502020204030204" pitchFamily="34" charset="0"/>
-                <a:cs typeface="Times New Roman" panose="02020603050405020304" pitchFamily="18" charset="0"/>
-              </a:rPr>
-              <a:t>…</a:t>
-            </a:r>
-            <a:endParaRPr lang="fi-FI" dirty="0">
-              <a:effectLst/>
-              <a:latin typeface="Calibri" panose="020F0502020204030204" pitchFamily="34" charset="0"/>
-              <a:ea typeface="Calibri" panose="020F0502020204030204" pitchFamily="34" charset="0"/>
-              <a:cs typeface="Times New Roman" panose="02020603050405020304" pitchFamily="18" charset="0"/>
-            </a:endParaRPr>
+            <a:endParaRPr lang="fi-FI" dirty="0"/>
           </a:p>
         </p:txBody>
       </p:sp>
@@ -9369,7 +10710,7 @@
     </p:spTree>
     <p:extLst>
       <p:ext uri="{BB962C8B-B14F-4D97-AF65-F5344CB8AC3E}">
-        <p14:creationId xmlns:p14="http://schemas.microsoft.com/office/powerpoint/2010/main" val="1005799627"/>
+        <p14:creationId xmlns:p14="http://schemas.microsoft.com/office/powerpoint/2010/main" val="1689429107"/>
       </p:ext>
     </p:extLst>
   </p:cSld>
@@ -9419,31 +10760,7 @@
           <a:p>
             <a:r>
               <a:rPr lang="fi-FI" dirty="0" err="1"/>
-              <a:t>Docker</a:t>
-            </a:r>
-            <a:r>
-              <a:rPr lang="fi-FI" dirty="0"/>
-              <a:t> Image </a:t>
-            </a:r>
-            <a:r>
-              <a:rPr lang="fi-FI" dirty="0" err="1"/>
-              <a:t>registry</a:t>
-            </a:r>
-            <a:r>
-              <a:rPr lang="fi-FI" dirty="0"/>
-              <a:t>, e.g. </a:t>
-            </a:r>
-            <a:r>
-              <a:rPr lang="fi-FI" dirty="0" err="1"/>
-              <a:t>Docker</a:t>
-            </a:r>
-            <a:r>
-              <a:rPr lang="fi-FI" dirty="0"/>
-              <a:t> </a:t>
-            </a:r>
-            <a:r>
-              <a:rPr lang="fi-FI" dirty="0" err="1"/>
-              <a:t>Hub</a:t>
+              <a:t>Dockerfile</a:t>
             </a:r>
             <a:endParaRPr lang="fi-FI" dirty="0"/>
           </a:p>
@@ -9451,35 +10768,145 @@
       </p:sp>
       <p:sp>
         <p:nvSpPr>
-          <p:cNvPr id="9" name="Content Placeholder 8">
-            <a:extLst>
-              <a:ext uri="{FF2B5EF4-FFF2-40B4-BE49-F238E27FC236}">
-                <a16:creationId xmlns:a16="http://schemas.microsoft.com/office/drawing/2014/main" id="{ACDE61D8-A75A-F94B-B57A-46F276C03311}"/>
-              </a:ext>
-            </a:extLst>
-          </p:cNvPr>
-          <p:cNvSpPr>
-            <a:spLocks noGrp="1"/>
-          </p:cNvSpPr>
-          <p:nvPr>
-            <p:ph sz="half" idx="2"/>
+          <p:cNvPr id="5" name="Date Placeholder 4">
+            <a:extLst>
+              <a:ext uri="{FF2B5EF4-FFF2-40B4-BE49-F238E27FC236}">
+                <a16:creationId xmlns:a16="http://schemas.microsoft.com/office/drawing/2014/main" id="{976244E2-AA76-2742-B2EC-FEC79276155C}"/>
+              </a:ext>
+            </a:extLst>
+          </p:cNvPr>
+          <p:cNvSpPr>
+            <a:spLocks noGrp="1"/>
+          </p:cNvSpPr>
+          <p:nvPr>
+            <p:ph type="dt" sz="half" idx="10"/>
           </p:nvPr>
         </p:nvSpPr>
         <p:spPr/>
         <p:txBody>
-          <a:bodyPr>
-            <a:normAutofit/>
+          <a:bodyPr/>
+          <a:lstStyle/>
+          <a:p>
+            <a:fld id="{202E1EC2-47B8-044B-A09E-6A63B4D80C87}" type="datetime1">
+              <a:rPr lang="fi-FI" smtClean="0"/>
+              <a:t>25.1.2024</a:t>
+            </a:fld>
+            <a:endParaRPr lang="en-GB"/>
+          </a:p>
+        </p:txBody>
+      </p:sp>
+      <p:sp>
+        <p:nvSpPr>
+          <p:cNvPr id="6" name="Footer Placeholder 5">
+            <a:extLst>
+              <a:ext uri="{FF2B5EF4-FFF2-40B4-BE49-F238E27FC236}">
+                <a16:creationId xmlns:a16="http://schemas.microsoft.com/office/drawing/2014/main" id="{588CE607-4137-8840-8FEA-42EAC857E3A3}"/>
+              </a:ext>
+            </a:extLst>
+          </p:cNvPr>
+          <p:cNvSpPr>
+            <a:spLocks noGrp="1"/>
+          </p:cNvSpPr>
+          <p:nvPr>
+            <p:ph type="ftr" sz="quarter" idx="11"/>
+          </p:nvPr>
+        </p:nvSpPr>
+        <p:spPr/>
+        <p:txBody>
+          <a:bodyPr/>
+          <a:lstStyle/>
+          <a:p>
+            <a:endParaRPr lang="en-GB"/>
+          </a:p>
+        </p:txBody>
+      </p:sp>
+      <p:sp>
+        <p:nvSpPr>
+          <p:cNvPr id="7" name="Slide Number Placeholder 6">
+            <a:extLst>
+              <a:ext uri="{FF2B5EF4-FFF2-40B4-BE49-F238E27FC236}">
+                <a16:creationId xmlns:a16="http://schemas.microsoft.com/office/drawing/2014/main" id="{2E133A96-6C73-0844-B8CB-27C2B5F4CFB1}"/>
+              </a:ext>
+            </a:extLst>
+          </p:cNvPr>
+          <p:cNvSpPr>
+            <a:spLocks noGrp="1"/>
+          </p:cNvSpPr>
+          <p:nvPr>
+            <p:ph type="sldNum" sz="quarter" idx="12"/>
+          </p:nvPr>
+        </p:nvSpPr>
+        <p:spPr/>
+        <p:txBody>
+          <a:bodyPr/>
+          <a:lstStyle/>
+          <a:p>
+            <a:fld id="{76BAB7ED-EDE9-4D4B-9A2D-30E18C47C16E}" type="slidenum">
+              <a:rPr lang="en-GB" smtClean="0"/>
+              <a:t>8</a:t>
+            </a:fld>
+            <a:endParaRPr lang="en-GB"/>
+          </a:p>
+        </p:txBody>
+      </p:sp>
+      <p:pic>
+        <p:nvPicPr>
+          <p:cNvPr id="10" name="Picture 9" descr="A screenshot of a computer&#10;&#10;Description automatically generated">
+            <a:extLst>
+              <a:ext uri="{FF2B5EF4-FFF2-40B4-BE49-F238E27FC236}">
+                <a16:creationId xmlns:a16="http://schemas.microsoft.com/office/drawing/2014/main" id="{0B651A1E-9BED-B689-916E-442E238ECDEE}"/>
+              </a:ext>
+            </a:extLst>
+          </p:cNvPr>
+          <p:cNvPicPr>
+            <a:picLocks noChangeAspect="1"/>
+          </p:cNvPicPr>
+          <p:nvPr/>
+        </p:nvPicPr>
+        <p:blipFill>
+          <a:blip r:embed="rId2"/>
+          <a:stretch>
+            <a:fillRect/>
+          </a:stretch>
+        </p:blipFill>
+        <p:spPr>
+          <a:xfrm>
+            <a:off x="1723127" y="1014668"/>
+            <a:ext cx="10283938" cy="4065904"/>
+          </a:xfrm>
+          <a:prstGeom prst="rect">
+            <a:avLst/>
+          </a:prstGeom>
+        </p:spPr>
+      </p:pic>
+      <p:sp>
+        <p:nvSpPr>
+          <p:cNvPr id="11" name="TextBox 10">
+            <a:extLst>
+              <a:ext uri="{FF2B5EF4-FFF2-40B4-BE49-F238E27FC236}">
+                <a16:creationId xmlns:a16="http://schemas.microsoft.com/office/drawing/2014/main" id="{A556BAEC-3128-42E0-F30F-6A4F790BB1BB}"/>
+              </a:ext>
+            </a:extLst>
+          </p:cNvPr>
+          <p:cNvSpPr txBox="1"/>
+          <p:nvPr/>
+        </p:nvSpPr>
+        <p:spPr>
+          <a:xfrm>
+            <a:off x="423643" y="4837163"/>
+            <a:ext cx="2844344" cy="646331"/>
+          </a:xfrm>
+          <a:prstGeom prst="rect">
+            <a:avLst/>
+          </a:prstGeom>
+          <a:noFill/>
+        </p:spPr>
+        <p:txBody>
+          <a:bodyPr wrap="square">
+            <a:spAutoFit/>
           </a:bodyPr>
           <a:lstStyle/>
           <a:p>
-            <a:pPr>
-              <a:lnSpc>
-                <a:spcPct val="107000"/>
-              </a:lnSpc>
-              <a:spcAft>
-                <a:spcPts val="800"/>
-              </a:spcAft>
-            </a:pPr>
             <a:r>
               <a:rPr lang="en-US" sz="1800" dirty="0">
                 <a:effectLst/>
@@ -9487,123 +10914,16 @@
                 <a:ea typeface="Calibri" panose="020F0502020204030204" pitchFamily="34" charset="0"/>
                 <a:cs typeface="Times New Roman" panose="02020603050405020304" pitchFamily="18" charset="0"/>
               </a:rPr>
-              <a:t>We can push = publish our images for others to use. </a:t>
-            </a:r>
-          </a:p>
-          <a:p>
-            <a:pPr>
-              <a:lnSpc>
-                <a:spcPct val="107000"/>
-              </a:lnSpc>
-              <a:spcAft>
-                <a:spcPts val="800"/>
-              </a:spcAft>
-            </a:pPr>
-            <a:r>
-              <a:rPr lang="en-US" sz="1800" dirty="0">
-                <a:effectLst/>
-                <a:latin typeface="Calibri" panose="020F0502020204030204" pitchFamily="34" charset="0"/>
-                <a:ea typeface="Calibri" panose="020F0502020204030204" pitchFamily="34" charset="0"/>
-                <a:cs typeface="Times New Roman" panose="02020603050405020304" pitchFamily="18" charset="0"/>
-              </a:rPr>
-              <a:t>Or pull = download images to use ourselves.</a:t>
-            </a:r>
-            <a:endParaRPr lang="fi-FI" sz="1800" dirty="0">
-              <a:effectLst/>
-              <a:latin typeface="Calibri" panose="020F0502020204030204" pitchFamily="34" charset="0"/>
-              <a:ea typeface="Calibri" panose="020F0502020204030204" pitchFamily="34" charset="0"/>
-              <a:cs typeface="Times New Roman" panose="02020603050405020304" pitchFamily="18" charset="0"/>
-            </a:endParaRPr>
-          </a:p>
-        </p:txBody>
-      </p:sp>
-      <p:sp>
-        <p:nvSpPr>
-          <p:cNvPr id="5" name="Date Placeholder 4">
-            <a:extLst>
-              <a:ext uri="{FF2B5EF4-FFF2-40B4-BE49-F238E27FC236}">
-                <a16:creationId xmlns:a16="http://schemas.microsoft.com/office/drawing/2014/main" id="{976244E2-AA76-2742-B2EC-FEC79276155C}"/>
-              </a:ext>
-            </a:extLst>
-          </p:cNvPr>
-          <p:cNvSpPr>
-            <a:spLocks noGrp="1"/>
-          </p:cNvSpPr>
-          <p:nvPr>
-            <p:ph type="dt" sz="half" idx="10"/>
-          </p:nvPr>
-        </p:nvSpPr>
-        <p:spPr/>
-        <p:txBody>
-          <a:bodyPr/>
-          <a:lstStyle/>
-          <a:p>
-            <a:fld id="{202E1EC2-47B8-044B-A09E-6A63B4D80C87}" type="datetime1">
-              <a:rPr lang="fi-FI" smtClean="0"/>
-              <a:t>25.1.2024</a:t>
-            </a:fld>
-            <a:endParaRPr lang="en-GB"/>
-          </a:p>
-        </p:txBody>
-      </p:sp>
-      <p:sp>
-        <p:nvSpPr>
-          <p:cNvPr id="6" name="Footer Placeholder 5">
-            <a:extLst>
-              <a:ext uri="{FF2B5EF4-FFF2-40B4-BE49-F238E27FC236}">
-                <a16:creationId xmlns:a16="http://schemas.microsoft.com/office/drawing/2014/main" id="{588CE607-4137-8840-8FEA-42EAC857E3A3}"/>
-              </a:ext>
-            </a:extLst>
-          </p:cNvPr>
-          <p:cNvSpPr>
-            <a:spLocks noGrp="1"/>
-          </p:cNvSpPr>
-          <p:nvPr>
-            <p:ph type="ftr" sz="quarter" idx="11"/>
-          </p:nvPr>
-        </p:nvSpPr>
-        <p:spPr/>
-        <p:txBody>
-          <a:bodyPr/>
-          <a:lstStyle/>
-          <a:p>
-            <a:endParaRPr lang="en-GB"/>
-          </a:p>
-        </p:txBody>
-      </p:sp>
-      <p:sp>
-        <p:nvSpPr>
-          <p:cNvPr id="7" name="Slide Number Placeholder 6">
-            <a:extLst>
-              <a:ext uri="{FF2B5EF4-FFF2-40B4-BE49-F238E27FC236}">
-                <a16:creationId xmlns:a16="http://schemas.microsoft.com/office/drawing/2014/main" id="{2E133A96-6C73-0844-B8CB-27C2B5F4CFB1}"/>
-              </a:ext>
-            </a:extLst>
-          </p:cNvPr>
-          <p:cNvSpPr>
-            <a:spLocks noGrp="1"/>
-          </p:cNvSpPr>
-          <p:nvPr>
-            <p:ph type="sldNum" sz="quarter" idx="12"/>
-          </p:nvPr>
-        </p:nvSpPr>
-        <p:spPr/>
-        <p:txBody>
-          <a:bodyPr/>
-          <a:lstStyle/>
-          <a:p>
-            <a:fld id="{76BAB7ED-EDE9-4D4B-9A2D-30E18C47C16E}" type="slidenum">
-              <a:rPr lang="en-GB" smtClean="0"/>
-              <a:t>8</a:t>
-            </a:fld>
-            <a:endParaRPr lang="en-GB"/>
+              <a:t>Source: https://docs.docker.com</a:t>
+            </a:r>
+            <a:endParaRPr lang="fi-FI" dirty="0"/>
           </a:p>
         </p:txBody>
       </p:sp>
     </p:spTree>
     <p:extLst>
       <p:ext uri="{BB962C8B-B14F-4D97-AF65-F5344CB8AC3E}">
-        <p14:creationId xmlns:p14="http://schemas.microsoft.com/office/powerpoint/2010/main" val="1708176097"/>
+        <p14:creationId xmlns:p14="http://schemas.microsoft.com/office/powerpoint/2010/main" val="2851349343"/>
       </p:ext>
     </p:extLst>
   </p:cSld>
@@ -9652,16 +10972,12 @@
           <a:lstStyle/>
           <a:p>
             <a:r>
+              <a:rPr lang="fi-FI" dirty="0"/>
+              <a:t>.</a:t>
+            </a:r>
+            <a:r>
               <a:rPr lang="fi-FI" dirty="0" err="1"/>
-              <a:t>docker</a:t>
-            </a:r>
-            <a:r>
-              <a:rPr lang="fi-FI" dirty="0"/>
-              <a:t> </a:t>
-            </a:r>
-            <a:r>
-              <a:rPr lang="fi-FI" dirty="0" err="1"/>
-              <a:t>compose</a:t>
+              <a:t>dockerignore</a:t>
             </a:r>
             <a:endParaRPr lang="fi-FI" dirty="0"/>
           </a:p>
@@ -9699,139 +11015,13 @@
               </a:spcAft>
             </a:pPr>
             <a:r>
-              <a:rPr lang="en-US" dirty="0">
-                <a:effectLst/>
-                <a:latin typeface="Calibri" panose="020F0502020204030204" pitchFamily="34" charset="0"/>
-                <a:ea typeface="Calibri" panose="020F0502020204030204" pitchFamily="34" charset="0"/>
-                <a:cs typeface="Times New Roman" panose="02020603050405020304" pitchFamily="18" charset="0"/>
-              </a:rPr>
-              <a:t>Tool for creating and starting multiple containers that depend on / talk to each other. </a:t>
-            </a:r>
-          </a:p>
-          <a:p>
-            <a:pPr>
-              <a:lnSpc>
-                <a:spcPct val="107000"/>
-              </a:lnSpc>
-              <a:spcAft>
-                <a:spcPts val="800"/>
-              </a:spcAft>
-            </a:pPr>
-            <a:r>
-              <a:rPr lang="en-US" dirty="0">
-                <a:effectLst/>
-                <a:latin typeface="Calibri" panose="020F0502020204030204" pitchFamily="34" charset="0"/>
-                <a:ea typeface="Calibri" panose="020F0502020204030204" pitchFamily="34" charset="0"/>
-                <a:cs typeface="Times New Roman" panose="02020603050405020304" pitchFamily="18" charset="0"/>
-              </a:rPr>
-              <a:t>Thus, you’ll have to:</a:t>
-            </a:r>
-          </a:p>
-          <a:p>
-            <a:pPr lvl="1">
-              <a:lnSpc>
-                <a:spcPct val="107000"/>
-              </a:lnSpc>
-              <a:spcAft>
-                <a:spcPts val="800"/>
-              </a:spcAft>
-            </a:pPr>
-            <a:r>
               <a:rPr lang="en-US" sz="1800" dirty="0">
                 <a:effectLst/>
                 <a:latin typeface="Calibri" panose="020F0502020204030204" pitchFamily="34" charset="0"/>
                 <a:ea typeface="Calibri" panose="020F0502020204030204" pitchFamily="34" charset="0"/>
                 <a:cs typeface="Times New Roman" panose="02020603050405020304" pitchFamily="18" charset="0"/>
               </a:rPr>
-              <a:t>make some ports exposed </a:t>
-            </a:r>
-          </a:p>
-          <a:p>
-            <a:pPr lvl="1">
-              <a:lnSpc>
-                <a:spcPct val="107000"/>
-              </a:lnSpc>
-              <a:spcAft>
-                <a:spcPts val="800"/>
-              </a:spcAft>
-            </a:pPr>
-            <a:r>
-              <a:rPr lang="en-US" sz="1800" dirty="0">
-                <a:latin typeface="Calibri" panose="020F0502020204030204" pitchFamily="34" charset="0"/>
-                <a:ea typeface="Calibri" panose="020F0502020204030204" pitchFamily="34" charset="0"/>
-                <a:cs typeface="Times New Roman" panose="02020603050405020304" pitchFamily="18" charset="0"/>
-              </a:rPr>
-              <a:t>a</a:t>
-            </a:r>
-            <a:r>
-              <a:rPr lang="en-US" sz="1800" dirty="0">
-                <a:effectLst/>
-                <a:latin typeface="Calibri" panose="020F0502020204030204" pitchFamily="34" charset="0"/>
-                <a:ea typeface="Calibri" panose="020F0502020204030204" pitchFamily="34" charset="0"/>
-                <a:cs typeface="Times New Roman" panose="02020603050405020304" pitchFamily="18" charset="0"/>
-              </a:rPr>
-              <a:t>nd/or define (virtual) networks shared by multiple containers </a:t>
-            </a:r>
-          </a:p>
-          <a:p>
-            <a:pPr lvl="1">
-              <a:lnSpc>
-                <a:spcPct val="107000"/>
-              </a:lnSpc>
-              <a:spcAft>
-                <a:spcPts val="800"/>
-              </a:spcAft>
-            </a:pPr>
-            <a:r>
-              <a:rPr lang="en-US" sz="1800" dirty="0">
-                <a:effectLst/>
-                <a:latin typeface="Calibri" panose="020F0502020204030204" pitchFamily="34" charset="0"/>
-                <a:ea typeface="Calibri" panose="020F0502020204030204" pitchFamily="34" charset="0"/>
-                <a:cs typeface="Times New Roman" panose="02020603050405020304" pitchFamily="18" charset="0"/>
-              </a:rPr>
-              <a:t>or share volumes. </a:t>
-            </a:r>
-            <a:endParaRPr lang="en-US" sz="1800" dirty="0">
-              <a:latin typeface="Calibri" panose="020F0502020204030204" pitchFamily="34" charset="0"/>
-              <a:ea typeface="Calibri" panose="020F0502020204030204" pitchFamily="34" charset="0"/>
-              <a:cs typeface="Times New Roman" panose="02020603050405020304" pitchFamily="18" charset="0"/>
-            </a:endParaRPr>
-          </a:p>
-          <a:p>
-            <a:pPr>
-              <a:lnSpc>
-                <a:spcPct val="107000"/>
-              </a:lnSpc>
-              <a:spcAft>
-                <a:spcPts val="800"/>
-              </a:spcAft>
-            </a:pPr>
-            <a:r>
-              <a:rPr lang="en-US" dirty="0">
-                <a:effectLst/>
-                <a:latin typeface="Calibri" panose="020F0502020204030204" pitchFamily="34" charset="0"/>
-                <a:ea typeface="Calibri" panose="020F0502020204030204" pitchFamily="34" charset="0"/>
-                <a:cs typeface="Times New Roman" panose="02020603050405020304" pitchFamily="18" charset="0"/>
-              </a:rPr>
-              <a:t>You can define those in a docker-</a:t>
-            </a:r>
-            <a:r>
-              <a:rPr lang="en-US" dirty="0" err="1">
-                <a:effectLst/>
-                <a:latin typeface="Calibri" panose="020F0502020204030204" pitchFamily="34" charset="0"/>
-                <a:ea typeface="Calibri" panose="020F0502020204030204" pitchFamily="34" charset="0"/>
-                <a:cs typeface="Times New Roman" panose="02020603050405020304" pitchFamily="18" charset="0"/>
-              </a:rPr>
-              <a:t>compose.yml</a:t>
-            </a:r>
-            <a:r>
-              <a:rPr lang="en-US" dirty="0">
-                <a:effectLst/>
-                <a:latin typeface="Calibri" panose="020F0502020204030204" pitchFamily="34" charset="0"/>
-                <a:ea typeface="Calibri" panose="020F0502020204030204" pitchFamily="34" charset="0"/>
-                <a:cs typeface="Times New Roman" panose="02020603050405020304" pitchFamily="18" charset="0"/>
-              </a:rPr>
-              <a:t> file</a:t>
+              <a:t>Lists which files and folders won’t be packed into the Docker image.</a:t>
             </a:r>
             <a:endParaRPr lang="fi-FI" dirty="0">
               <a:effectLst/>
@@ -9931,7 +11121,7 @@
     </p:spTree>
     <p:extLst>
       <p:ext uri="{BB962C8B-B14F-4D97-AF65-F5344CB8AC3E}">
-        <p14:creationId xmlns:p14="http://schemas.microsoft.com/office/powerpoint/2010/main" val="516399923"/>
+        <p14:creationId xmlns:p14="http://schemas.microsoft.com/office/powerpoint/2010/main" val="3023738396"/>
       </p:ext>
     </p:extLst>
   </p:cSld>
@@ -10498,21 +11688,21 @@
 </file>
 
 <file path=customXml/item1.xml><?xml version="1.0" encoding="utf-8"?>
+<?mso-contentType ?>
+<FormTemplates xmlns="http://schemas.microsoft.com/sharepoint/v3/contenttype/forms">
+  <Display>DocumentLibraryForm</Display>
+  <Edit>DocumentLibraryForm</Edit>
+  <New>DocumentLibraryForm</New>
+</FormTemplates>
+</file>
+
+<file path=customXml/item2.xml><?xml version="1.0" encoding="utf-8"?>
 <p:properties xmlns:p="http://schemas.microsoft.com/office/2006/metadata/properties" xmlns:xsi="http://www.w3.org/2001/XMLSchema-instance" xmlns:pc="http://schemas.microsoft.com/office/infopath/2007/PartnerControls">
   <documentManagement>
     <PublishingExpirationDate xmlns="http://schemas.microsoft.com/sharepoint/v3" xsi:nil="true"/>
     <PublishingStartDate xmlns="http://schemas.microsoft.com/sharepoint/v3" xsi:nil="true"/>
   </documentManagement>
 </p:properties>
-</file>
-
-<file path=customXml/item2.xml><?xml version="1.0" encoding="utf-8"?>
-<?mso-contentType ?>
-<FormTemplates xmlns="http://schemas.microsoft.com/sharepoint/v3/contenttype/forms">
-  <Display>DocumentLibraryForm</Display>
-  <Edit>DocumentLibraryForm</Edit>
-  <New>DocumentLibraryForm</New>
-</FormTemplates>
 </file>
 
 <file path=customXml/item3.xml><?xml version="1.0" encoding="utf-8"?>
@@ -10648,6 +11838,14 @@
 </file>
 
 <file path=customXml/itemProps1.xml><?xml version="1.0" encoding="utf-8"?>
+<ds:datastoreItem xmlns:ds="http://schemas.openxmlformats.org/officeDocument/2006/customXml" ds:itemID="{D546C03B-CD3A-4EA0-AAA4-0E00E896454E}">
+  <ds:schemaRefs>
+    <ds:schemaRef ds:uri="http://schemas.microsoft.com/sharepoint/v3/contenttype/forms"/>
+  </ds:schemaRefs>
+</ds:datastoreItem>
+</file>
+
+<file path=customXml/itemProps2.xml><?xml version="1.0" encoding="utf-8"?>
 <ds:datastoreItem xmlns:ds="http://schemas.openxmlformats.org/officeDocument/2006/customXml" ds:itemID="{DED4E12E-7268-4B03-A47B-0755D62B5E31}">
   <ds:schemaRefs>
     <ds:schemaRef ds:uri="http://schemas.microsoft.com/sharepoint/v3"/>
@@ -10659,14 +11857,6 @@
     <ds:schemaRef ds:uri="http://schemas.openxmlformats.org/package/2006/metadata/core-properties"/>
     <ds:schemaRef ds:uri="http://schemas.microsoft.com/office/2006/metadata/properties"/>
     <ds:schemaRef ds:uri="http://www.w3.org/XML/1998/namespace"/>
-  </ds:schemaRefs>
-</ds:datastoreItem>
-</file>
-
-<file path=customXml/itemProps2.xml><?xml version="1.0" encoding="utf-8"?>
-<ds:datastoreItem xmlns:ds="http://schemas.openxmlformats.org/officeDocument/2006/customXml" ds:itemID="{D546C03B-CD3A-4EA0-AAA4-0E00E896454E}">
-  <ds:schemaRefs>
-    <ds:schemaRef ds:uri="http://schemas.microsoft.com/sharepoint/v3/contenttype/forms"/>
   </ds:schemaRefs>
 </ds:datastoreItem>
 </file>

--- a/01_docker/DockerConceptsAndVocabulary.pptx
+++ b/01_docker/DockerConceptsAndVocabulary.pptx
@@ -5,7 +5,7 @@
     <p:sldMasterId id="2147483648" r:id="rId4"/>
   </p:sldMasterIdLst>
   <p:notesMasterIdLst>
-    <p:notesMasterId r:id="rId22"/>
+    <p:notesMasterId r:id="rId23"/>
   </p:notesMasterIdLst>
   <p:sldIdLst>
     <p:sldId id="256" r:id="rId5"/>
@@ -13,18 +13,19 @@
     <p:sldId id="281" r:id="rId7"/>
     <p:sldId id="282" r:id="rId8"/>
     <p:sldId id="268" r:id="rId9"/>
-    <p:sldId id="269" r:id="rId10"/>
-    <p:sldId id="270" r:id="rId11"/>
-    <p:sldId id="280" r:id="rId12"/>
-    <p:sldId id="272" r:id="rId13"/>
-    <p:sldId id="271" r:id="rId14"/>
-    <p:sldId id="274" r:id="rId15"/>
-    <p:sldId id="273" r:id="rId16"/>
-    <p:sldId id="276" r:id="rId17"/>
-    <p:sldId id="278" r:id="rId18"/>
-    <p:sldId id="277" r:id="rId19"/>
-    <p:sldId id="279" r:id="rId20"/>
-    <p:sldId id="266" r:id="rId21"/>
+    <p:sldId id="283" r:id="rId10"/>
+    <p:sldId id="269" r:id="rId11"/>
+    <p:sldId id="270" r:id="rId12"/>
+    <p:sldId id="280" r:id="rId13"/>
+    <p:sldId id="272" r:id="rId14"/>
+    <p:sldId id="271" r:id="rId15"/>
+    <p:sldId id="274" r:id="rId16"/>
+    <p:sldId id="273" r:id="rId17"/>
+    <p:sldId id="276" r:id="rId18"/>
+    <p:sldId id="278" r:id="rId19"/>
+    <p:sldId id="277" r:id="rId20"/>
+    <p:sldId id="279" r:id="rId21"/>
+    <p:sldId id="266" r:id="rId22"/>
   </p:sldIdLst>
   <p:sldSz cx="12192000" cy="6858000"/>
   <p:notesSz cx="6858000" cy="9144000"/>
@@ -1207,7 +1208,7 @@
           <a:p>
             <a:fld id="{5645C365-1C26-6946-87AF-75D6A7DF4277}" type="datetimeFigureOut">
               <a:rPr lang="en-GB" smtClean="0"/>
-              <a:t>25/01/2024</a:t>
+              <a:t>18/02/2024</a:t>
             </a:fld>
             <a:endParaRPr lang="en-GB"/>
           </a:p>
@@ -1706,7 +1707,7 @@
           <a:p>
             <a:fld id="{35B864B8-8D08-7B43-B4FB-B2FB41A5D9E3}" type="datetime1">
               <a:rPr lang="fi-FI" smtClean="0"/>
-              <a:t>25.1.2024</a:t>
+              <a:t>18.2.2024</a:t>
             </a:fld>
             <a:endParaRPr lang="en-GB" dirty="0"/>
           </a:p>
@@ -2033,7 +2034,7 @@
           <a:p>
             <a:fld id="{D5AEA85A-FC56-D34C-9AA6-ECC3D2586F37}" type="datetime1">
               <a:rPr lang="fi-FI" smtClean="0"/>
-              <a:t>25.1.2024</a:t>
+              <a:t>18.2.2024</a:t>
             </a:fld>
             <a:endParaRPr lang="en-GB" dirty="0"/>
           </a:p>
@@ -2243,7 +2244,7 @@
           <a:p>
             <a:fld id="{E6BC6EEF-E660-7844-8930-418AFF95EA40}" type="datetime1">
               <a:rPr lang="fi-FI" smtClean="0"/>
-              <a:t>25.1.2024</a:t>
+              <a:t>18.2.2024</a:t>
             </a:fld>
             <a:endParaRPr lang="en-GB" dirty="0"/>
           </a:p>
@@ -2552,7 +2553,7 @@
           <a:p>
             <a:fld id="{4E10C7EC-C1C1-9849-A573-7692478FCD52}" type="datetime1">
               <a:rPr lang="fi-FI" smtClean="0"/>
-              <a:t>25.1.2024</a:t>
+              <a:t>18.2.2024</a:t>
             </a:fld>
             <a:endParaRPr lang="en-GB" dirty="0"/>
           </a:p>
@@ -2825,7 +2826,7 @@
           <a:p>
             <a:fld id="{844FF3FE-30BE-2040-9151-6FBC4992BF4F}" type="datetime1">
               <a:rPr lang="fi-FI" smtClean="0"/>
-              <a:t>25.1.2024</a:t>
+              <a:t>18.2.2024</a:t>
             </a:fld>
             <a:endParaRPr lang="en-GB" dirty="0"/>
           </a:p>
@@ -3065,7 +3066,7 @@
           <a:p>
             <a:fld id="{11EDCD7B-6966-E249-89F2-D46BDFBF56BE}" type="datetime1">
               <a:rPr lang="fi-FI" smtClean="0"/>
-              <a:t>25.1.2024</a:t>
+              <a:t>18.2.2024</a:t>
             </a:fld>
             <a:endParaRPr lang="en-GB" dirty="0"/>
           </a:p>
@@ -3358,7 +3359,7 @@
           <a:p>
             <a:fld id="{11EDCD7B-6966-E249-89F2-D46BDFBF56BE}" type="datetime1">
               <a:rPr lang="fi-FI" smtClean="0"/>
-              <a:t>25.1.2024</a:t>
+              <a:t>18.2.2024</a:t>
             </a:fld>
             <a:endParaRPr lang="en-GB" dirty="0"/>
           </a:p>
@@ -3797,7 +3798,7 @@
           <a:p>
             <a:fld id="{844FF3FE-30BE-2040-9151-6FBC4992BF4F}" type="datetime1">
               <a:rPr lang="fi-FI" smtClean="0"/>
-              <a:t>25.1.2024</a:t>
+              <a:t>18.2.2024</a:t>
             </a:fld>
             <a:endParaRPr lang="en-GB" dirty="0"/>
           </a:p>
@@ -4025,7 +4026,7 @@
           <a:p>
             <a:fld id="{11EDCD7B-6966-E249-89F2-D46BDFBF56BE}" type="datetime1">
               <a:rPr lang="fi-FI" smtClean="0"/>
-              <a:t>25.1.2024</a:t>
+              <a:t>18.2.2024</a:t>
             </a:fld>
             <a:endParaRPr lang="en-GB" dirty="0"/>
           </a:p>
@@ -4440,7 +4441,7 @@
           <a:p>
             <a:fld id="{B62E192A-D52B-F541-B2AA-4AEB9388F1F7}" type="datetime1">
               <a:rPr lang="fi-FI" smtClean="0"/>
-              <a:t>25.1.2024</a:t>
+              <a:t>18.2.2024</a:t>
             </a:fld>
             <a:endParaRPr lang="en-GB" dirty="0"/>
           </a:p>
@@ -4740,7 +4741,7 @@
           <a:p>
             <a:fld id="{EEA4FAA2-2B3E-264C-A42F-2D6D3EF33A3C}" type="datetime1">
               <a:rPr lang="fi-FI" smtClean="0"/>
-              <a:t>25.1.2024</a:t>
+              <a:t>18.2.2024</a:t>
             </a:fld>
             <a:endParaRPr lang="en-GB" dirty="0"/>
           </a:p>
@@ -5643,7 +5644,7 @@
           <a:p>
             <a:fld id="{B3114A65-8017-1743-A85A-B2A4BB835AE9}" type="datetime1">
               <a:rPr lang="fi-FI" smtClean="0"/>
-              <a:t>25.1.2024</a:t>
+              <a:t>18.2.2024</a:t>
             </a:fld>
             <a:endParaRPr lang="en-GB" dirty="0"/>
           </a:p>
@@ -5871,7 +5872,7 @@
           <a:p>
             <a:fld id="{11EDCD7B-6966-E249-89F2-D46BDFBF56BE}" type="datetime1">
               <a:rPr lang="fi-FI" smtClean="0"/>
-              <a:t>25.1.2024</a:t>
+              <a:t>18.2.2024</a:t>
             </a:fld>
             <a:endParaRPr lang="en-GB" dirty="0"/>
           </a:p>
@@ -6163,7 +6164,7 @@
           <a:p>
             <a:fld id="{45F98643-D206-614D-B596-3C8548138211}" type="datetime1">
               <a:rPr lang="fi-FI" smtClean="0"/>
-              <a:t>25.1.2024</a:t>
+              <a:t>18.2.2024</a:t>
             </a:fld>
             <a:endParaRPr lang="en-GB" dirty="0"/>
           </a:p>
@@ -6803,7 +6804,7 @@
           <a:p>
             <a:fld id="{30BF63A1-919F-FB49-ABA8-182126D24C50}" type="datetime1">
               <a:rPr lang="fi-FI" smtClean="0"/>
-              <a:t>25.1.2024</a:t>
+              <a:t>18.2.2024</a:t>
             </a:fld>
             <a:endParaRPr lang="en-GB" dirty="0"/>
           </a:p>
@@ -6887,8 +6888,13 @@
           <a:p>
             <a:r>
               <a:rPr lang="fi-FI" dirty="0"/>
-              <a:t>image</a:t>
-            </a:r>
+              <a:t>.</a:t>
+            </a:r>
+            <a:r>
+              <a:rPr lang="fi-FI" dirty="0" err="1"/>
+              <a:t>dockerignore</a:t>
+            </a:r>
+            <a:endParaRPr lang="fi-FI" dirty="0"/>
           </a:p>
         </p:txBody>
       </p:sp>
@@ -6930,56 +6936,7 @@
                 <a:ea typeface="Calibri" panose="020F0502020204030204" pitchFamily="34" charset="0"/>
                 <a:cs typeface="Times New Roman" panose="02020603050405020304" pitchFamily="18" charset="0"/>
               </a:rPr>
-              <a:t>Ready-made from Docker Hub, or one you have created. Template that can be used to create container.</a:t>
-            </a:r>
-            <a:endParaRPr lang="fi-FI" sz="1800" dirty="0">
-              <a:effectLst/>
-              <a:latin typeface="Calibri" panose="020F0502020204030204" pitchFamily="34" charset="0"/>
-              <a:ea typeface="Calibri" panose="020F0502020204030204" pitchFamily="34" charset="0"/>
-              <a:cs typeface="Times New Roman" panose="02020603050405020304" pitchFamily="18" charset="0"/>
-            </a:endParaRPr>
-          </a:p>
-          <a:p>
-            <a:pPr>
-              <a:lnSpc>
-                <a:spcPct val="107000"/>
-              </a:lnSpc>
-              <a:spcAft>
-                <a:spcPts val="800"/>
-              </a:spcAft>
-            </a:pPr>
-            <a:r>
-              <a:rPr lang="en-US" sz="1800" dirty="0">
-                <a:effectLst/>
-                <a:latin typeface="Calibri" panose="020F0502020204030204" pitchFamily="34" charset="0"/>
-                <a:ea typeface="Calibri" panose="020F0502020204030204" pitchFamily="34" charset="0"/>
-                <a:cs typeface="Times New Roman" panose="02020603050405020304" pitchFamily="18" charset="0"/>
-              </a:rPr>
-              <a:t>E.g. some MariaDB image you want to take into use. It’s a snapshot of a running/runnable MariaDB or other DB server that starts from a certain documented state. Typically there is a root user with known password (public information, everyone knows the password!), a certain database/schema created, like ‘test’. When taking that image into use, you must then immediately:</a:t>
-            </a:r>
-            <a:endParaRPr lang="fi-FI" sz="1800" dirty="0">
-              <a:effectLst/>
-              <a:latin typeface="Calibri" panose="020F0502020204030204" pitchFamily="34" charset="0"/>
-              <a:ea typeface="Calibri" panose="020F0502020204030204" pitchFamily="34" charset="0"/>
-              <a:cs typeface="Times New Roman" panose="02020603050405020304" pitchFamily="18" charset="0"/>
-            </a:endParaRPr>
-          </a:p>
-          <a:p>
-            <a:pPr marL="846900" lvl="1" indent="-342900">
-              <a:lnSpc>
-                <a:spcPct val="107000"/>
-              </a:lnSpc>
-              <a:buFont typeface="Calibri" panose="020F0502020204030204" pitchFamily="34" charset="0"/>
-              <a:buChar char="-"/>
-            </a:pPr>
-            <a:r>
-              <a:rPr lang="en-US" dirty="0">
-                <a:effectLst/>
-                <a:latin typeface="Calibri" panose="020F0502020204030204" pitchFamily="34" charset="0"/>
-                <a:ea typeface="Calibri" panose="020F0502020204030204" pitchFamily="34" charset="0"/>
-                <a:cs typeface="Times New Roman" panose="02020603050405020304" pitchFamily="18" charset="0"/>
-              </a:rPr>
-              <a:t>secure the root user by changing the password</a:t>
+              <a:t>Lists which files and folders won’t be copied/packed into the Docker image.</a:t>
             </a:r>
             <a:endParaRPr lang="fi-FI" dirty="0">
               <a:effectLst/>
@@ -6989,97 +6946,7 @@
             </a:endParaRPr>
           </a:p>
           <a:p>
-            <a:pPr marL="846900" lvl="1" indent="-342900">
-              <a:lnSpc>
-                <a:spcPct val="107000"/>
-              </a:lnSpc>
-              <a:buFont typeface="Calibri" panose="020F0502020204030204" pitchFamily="34" charset="0"/>
-              <a:buChar char="-"/>
-            </a:pPr>
-            <a:r>
-              <a:rPr lang="en-US" dirty="0">
-                <a:effectLst/>
-                <a:latin typeface="Calibri" panose="020F0502020204030204" pitchFamily="34" charset="0"/>
-                <a:ea typeface="Calibri" panose="020F0502020204030204" pitchFamily="34" charset="0"/>
-                <a:cs typeface="Times New Roman" panose="02020603050405020304" pitchFamily="18" charset="0"/>
-              </a:rPr>
-              <a:t>create a user with less privileges with safe password or other safe access. </a:t>
-            </a:r>
-            <a:endParaRPr lang="fi-FI" dirty="0">
-              <a:effectLst/>
-              <a:latin typeface="Calibri" panose="020F0502020204030204" pitchFamily="34" charset="0"/>
-              <a:ea typeface="Calibri" panose="020F0502020204030204" pitchFamily="34" charset="0"/>
-              <a:cs typeface="Times New Roman" panose="02020603050405020304" pitchFamily="18" charset="0"/>
-            </a:endParaRPr>
-          </a:p>
-          <a:p>
-            <a:pPr marL="846900" lvl="1" indent="-342900">
-              <a:lnSpc>
-                <a:spcPct val="107000"/>
-              </a:lnSpc>
-              <a:buFont typeface="Calibri" panose="020F0502020204030204" pitchFamily="34" charset="0"/>
-              <a:buChar char="-"/>
-            </a:pPr>
-            <a:r>
-              <a:rPr lang="en-US" dirty="0">
-                <a:effectLst/>
-                <a:latin typeface="Calibri" panose="020F0502020204030204" pitchFamily="34" charset="0"/>
-                <a:ea typeface="Calibri" panose="020F0502020204030204" pitchFamily="34" charset="0"/>
-                <a:cs typeface="Times New Roman" panose="02020603050405020304" pitchFamily="18" charset="0"/>
-              </a:rPr>
-              <a:t>give that user access to wanted schema etc.</a:t>
-            </a:r>
-            <a:endParaRPr lang="fi-FI" dirty="0">
-              <a:effectLst/>
-              <a:latin typeface="Calibri" panose="020F0502020204030204" pitchFamily="34" charset="0"/>
-              <a:ea typeface="Calibri" panose="020F0502020204030204" pitchFamily="34" charset="0"/>
-              <a:cs typeface="Times New Roman" panose="02020603050405020304" pitchFamily="18" charset="0"/>
-            </a:endParaRPr>
-          </a:p>
-          <a:p>
-            <a:pPr marL="846900" lvl="1" indent="-342900">
-              <a:lnSpc>
-                <a:spcPct val="107000"/>
-              </a:lnSpc>
-              <a:spcAft>
-                <a:spcPts val="800"/>
-              </a:spcAft>
-              <a:buFont typeface="Calibri" panose="020F0502020204030204" pitchFamily="34" charset="0"/>
-              <a:buChar char="-"/>
-            </a:pPr>
-            <a:r>
-              <a:rPr lang="en-US" dirty="0">
-                <a:effectLst/>
-                <a:latin typeface="Calibri" panose="020F0502020204030204" pitchFamily="34" charset="0"/>
-                <a:ea typeface="Calibri" panose="020F0502020204030204" pitchFamily="34" charset="0"/>
-                <a:cs typeface="Times New Roman" panose="02020603050405020304" pitchFamily="18" charset="0"/>
-              </a:rPr>
-              <a:t>continue possibly with table creation, </a:t>
-            </a:r>
-            <a:r>
-              <a:rPr lang="en-US" dirty="0" err="1">
-                <a:effectLst/>
-                <a:latin typeface="Calibri" panose="020F0502020204030204" pitchFamily="34" charset="0"/>
-                <a:ea typeface="Calibri" panose="020F0502020204030204" pitchFamily="34" charset="0"/>
-                <a:cs typeface="Times New Roman" panose="02020603050405020304" pitchFamily="18" charset="0"/>
-              </a:rPr>
-              <a:t>etc</a:t>
-            </a:r>
-            <a:r>
-              <a:rPr lang="en-US" dirty="0">
-                <a:effectLst/>
-                <a:latin typeface="Calibri" panose="020F0502020204030204" pitchFamily="34" charset="0"/>
-                <a:ea typeface="Calibri" panose="020F0502020204030204" pitchFamily="34" charset="0"/>
-                <a:cs typeface="Times New Roman" panose="02020603050405020304" pitchFamily="18" charset="0"/>
-              </a:rPr>
-              <a:t>…</a:t>
-            </a:r>
-            <a:endParaRPr lang="fi-FI" dirty="0">
-              <a:effectLst/>
-              <a:latin typeface="Calibri" panose="020F0502020204030204" pitchFamily="34" charset="0"/>
-              <a:ea typeface="Calibri" panose="020F0502020204030204" pitchFamily="34" charset="0"/>
-              <a:cs typeface="Times New Roman" panose="02020603050405020304" pitchFamily="18" charset="0"/>
-            </a:endParaRPr>
+            <a:endParaRPr lang="fi-FI" dirty="0"/>
           </a:p>
         </p:txBody>
       </p:sp>
@@ -7106,7 +6973,7 @@
           <a:p>
             <a:fld id="{202E1EC2-47B8-044B-A09E-6A63B4D80C87}" type="datetime1">
               <a:rPr lang="fi-FI" smtClean="0"/>
-              <a:t>25.1.2024</a:t>
+              <a:t>18.2.2024</a:t>
             </a:fld>
             <a:endParaRPr lang="en-GB"/>
           </a:p>
@@ -7169,7 +7036,7 @@
     </p:spTree>
     <p:extLst>
       <p:ext uri="{BB962C8B-B14F-4D97-AF65-F5344CB8AC3E}">
-        <p14:creationId xmlns:p14="http://schemas.microsoft.com/office/powerpoint/2010/main" val="1005799627"/>
+        <p14:creationId xmlns:p14="http://schemas.microsoft.com/office/powerpoint/2010/main" val="3023738396"/>
       </p:ext>
     </p:extLst>
   </p:cSld>
@@ -7218,34 +7085,9 @@
           <a:lstStyle/>
           <a:p>
             <a:r>
-              <a:rPr lang="fi-FI" dirty="0" err="1"/>
-              <a:t>Docker</a:t>
-            </a:r>
-            <a:r>
               <a:rPr lang="fi-FI" dirty="0"/>
-              <a:t> Image </a:t>
-            </a:r>
-            <a:r>
-              <a:rPr lang="fi-FI" dirty="0" err="1"/>
-              <a:t>registry</a:t>
-            </a:r>
-            <a:r>
-              <a:rPr lang="fi-FI" dirty="0"/>
-              <a:t>, e.g. </a:t>
-            </a:r>
-            <a:r>
-              <a:rPr lang="fi-FI" dirty="0" err="1"/>
-              <a:t>Docker</a:t>
-            </a:r>
-            <a:r>
-              <a:rPr lang="fi-FI" dirty="0"/>
-              <a:t> </a:t>
-            </a:r>
-            <a:r>
-              <a:rPr lang="fi-FI" dirty="0" err="1"/>
-              <a:t>Hub</a:t>
-            </a:r>
-            <a:endParaRPr lang="fi-FI" dirty="0"/>
+              <a:t>image</a:t>
+            </a:r>
           </a:p>
         </p:txBody>
       </p:sp>
@@ -7287,8 +7129,14 @@
                 <a:ea typeface="Calibri" panose="020F0502020204030204" pitchFamily="34" charset="0"/>
                 <a:cs typeface="Times New Roman" panose="02020603050405020304" pitchFamily="18" charset="0"/>
               </a:rPr>
-              <a:t>We can push = publish our images for others to use. </a:t>
-            </a:r>
+              <a:t>Ready-made from Docker Hub, OR one you have created. Template that can be used to create container.</a:t>
+            </a:r>
+            <a:endParaRPr lang="fi-FI" sz="1800" dirty="0">
+              <a:effectLst/>
+              <a:latin typeface="Calibri" panose="020F0502020204030204" pitchFamily="34" charset="0"/>
+              <a:ea typeface="Calibri" panose="020F0502020204030204" pitchFamily="34" charset="0"/>
+              <a:cs typeface="Times New Roman" panose="02020603050405020304" pitchFamily="18" charset="0"/>
+            </a:endParaRPr>
           </a:p>
           <a:p>
             <a:pPr>
@@ -7306,7 +7154,7 @@
                 <a:ea typeface="Calibri" panose="020F0502020204030204" pitchFamily="34" charset="0"/>
                 <a:cs typeface="Times New Roman" panose="02020603050405020304" pitchFamily="18" charset="0"/>
               </a:rPr>
-              <a:t>Or pull = download images to use ourselves.</a:t>
+              <a:t>E.g. some MariaDB image you want to take into use. It’s a snapshot of a running/runnable MariaDB or other DB server that starts from a certain documented state. Typically, there is a root user with known password (public information, everyone knows the password!), a certain database/schema created, like ‘test’. When taking that image into use, you must then immediately:</a:t>
             </a:r>
             <a:endParaRPr lang="fi-FI" sz="1800" dirty="0">
               <a:effectLst/>
@@ -7315,6 +7163,123 @@
               <a:cs typeface="Times New Roman" panose="02020603050405020304" pitchFamily="18" charset="0"/>
             </a:endParaRPr>
           </a:p>
+          <a:p>
+            <a:pPr marL="846900" lvl="1" indent="-342900">
+              <a:lnSpc>
+                <a:spcPct val="107000"/>
+              </a:lnSpc>
+              <a:buFont typeface="Calibri" panose="020F0502020204030204" pitchFamily="34" charset="0"/>
+              <a:buChar char="-"/>
+            </a:pPr>
+            <a:r>
+              <a:rPr lang="en-US" dirty="0">
+                <a:effectLst/>
+                <a:latin typeface="Calibri" panose="020F0502020204030204" pitchFamily="34" charset="0"/>
+                <a:ea typeface="Calibri" panose="020F0502020204030204" pitchFamily="34" charset="0"/>
+                <a:cs typeface="Times New Roman" panose="02020603050405020304" pitchFamily="18" charset="0"/>
+              </a:rPr>
+              <a:t>secure the root user by changing the password</a:t>
+            </a:r>
+            <a:endParaRPr lang="fi-FI" dirty="0">
+              <a:effectLst/>
+              <a:latin typeface="Calibri" panose="020F0502020204030204" pitchFamily="34" charset="0"/>
+              <a:ea typeface="Calibri" panose="020F0502020204030204" pitchFamily="34" charset="0"/>
+              <a:cs typeface="Times New Roman" panose="02020603050405020304" pitchFamily="18" charset="0"/>
+            </a:endParaRPr>
+          </a:p>
+          <a:p>
+            <a:pPr marL="846900" lvl="1" indent="-342900">
+              <a:lnSpc>
+                <a:spcPct val="107000"/>
+              </a:lnSpc>
+              <a:buFont typeface="Calibri" panose="020F0502020204030204" pitchFamily="34" charset="0"/>
+              <a:buChar char="-"/>
+            </a:pPr>
+            <a:r>
+              <a:rPr lang="en-US" dirty="0">
+                <a:effectLst/>
+                <a:latin typeface="Calibri" panose="020F0502020204030204" pitchFamily="34" charset="0"/>
+                <a:ea typeface="Calibri" panose="020F0502020204030204" pitchFamily="34" charset="0"/>
+                <a:cs typeface="Times New Roman" panose="02020603050405020304" pitchFamily="18" charset="0"/>
+              </a:rPr>
+              <a:t>create a user with less privileges with safe password or other safe access. </a:t>
+            </a:r>
+            <a:endParaRPr lang="fi-FI" dirty="0">
+              <a:effectLst/>
+              <a:latin typeface="Calibri" panose="020F0502020204030204" pitchFamily="34" charset="0"/>
+              <a:ea typeface="Calibri" panose="020F0502020204030204" pitchFamily="34" charset="0"/>
+              <a:cs typeface="Times New Roman" panose="02020603050405020304" pitchFamily="18" charset="0"/>
+            </a:endParaRPr>
+          </a:p>
+          <a:p>
+            <a:pPr marL="846900" lvl="1" indent="-342900">
+              <a:lnSpc>
+                <a:spcPct val="107000"/>
+              </a:lnSpc>
+              <a:buFont typeface="Calibri" panose="020F0502020204030204" pitchFamily="34" charset="0"/>
+              <a:buChar char="-"/>
+            </a:pPr>
+            <a:r>
+              <a:rPr lang="en-US" dirty="0">
+                <a:effectLst/>
+                <a:latin typeface="Calibri" panose="020F0502020204030204" pitchFamily="34" charset="0"/>
+                <a:ea typeface="Calibri" panose="020F0502020204030204" pitchFamily="34" charset="0"/>
+                <a:cs typeface="Times New Roman" panose="02020603050405020304" pitchFamily="18" charset="0"/>
+              </a:rPr>
+              <a:t>give that user access to wanted schema etc.</a:t>
+            </a:r>
+            <a:endParaRPr lang="fi-FI" dirty="0">
+              <a:effectLst/>
+              <a:latin typeface="Calibri" panose="020F0502020204030204" pitchFamily="34" charset="0"/>
+              <a:ea typeface="Calibri" panose="020F0502020204030204" pitchFamily="34" charset="0"/>
+              <a:cs typeface="Times New Roman" panose="02020603050405020304" pitchFamily="18" charset="0"/>
+            </a:endParaRPr>
+          </a:p>
+          <a:p>
+            <a:pPr marL="846900" lvl="1" indent="-342900">
+              <a:lnSpc>
+                <a:spcPct val="107000"/>
+              </a:lnSpc>
+              <a:spcAft>
+                <a:spcPts val="800"/>
+              </a:spcAft>
+              <a:buFont typeface="Calibri" panose="020F0502020204030204" pitchFamily="34" charset="0"/>
+              <a:buChar char="-"/>
+            </a:pPr>
+            <a:r>
+              <a:rPr lang="en-US" dirty="0">
+                <a:effectLst/>
+                <a:latin typeface="Calibri" panose="020F0502020204030204" pitchFamily="34" charset="0"/>
+                <a:ea typeface="Calibri" panose="020F0502020204030204" pitchFamily="34" charset="0"/>
+                <a:cs typeface="Times New Roman" panose="02020603050405020304" pitchFamily="18" charset="0"/>
+              </a:rPr>
+              <a:t>continue possibly with table creation, </a:t>
+            </a:r>
+            <a:r>
+              <a:rPr lang="en-US" dirty="0" err="1">
+                <a:effectLst/>
+                <a:latin typeface="Calibri" panose="020F0502020204030204" pitchFamily="34" charset="0"/>
+                <a:ea typeface="Calibri" panose="020F0502020204030204" pitchFamily="34" charset="0"/>
+                <a:cs typeface="Times New Roman" panose="02020603050405020304" pitchFamily="18" charset="0"/>
+              </a:rPr>
+              <a:t>etc</a:t>
+            </a:r>
+            <a:r>
+              <a:rPr lang="en-US" dirty="0">
+                <a:effectLst/>
+                <a:latin typeface="Calibri" panose="020F0502020204030204" pitchFamily="34" charset="0"/>
+                <a:ea typeface="Calibri" panose="020F0502020204030204" pitchFamily="34" charset="0"/>
+                <a:cs typeface="Times New Roman" panose="02020603050405020304" pitchFamily="18" charset="0"/>
+              </a:rPr>
+              <a:t>…</a:t>
+            </a:r>
+            <a:endParaRPr lang="fi-FI" dirty="0">
+              <a:effectLst/>
+              <a:latin typeface="Calibri" panose="020F0502020204030204" pitchFamily="34" charset="0"/>
+              <a:ea typeface="Calibri" panose="020F0502020204030204" pitchFamily="34" charset="0"/>
+              <a:cs typeface="Times New Roman" panose="02020603050405020304" pitchFamily="18" charset="0"/>
+            </a:endParaRPr>
+          </a:p>
         </p:txBody>
       </p:sp>
       <p:sp>
@@ -7340,7 +7305,7 @@
           <a:p>
             <a:fld id="{202E1EC2-47B8-044B-A09E-6A63B4D80C87}" type="datetime1">
               <a:rPr lang="fi-FI" smtClean="0"/>
-              <a:t>25.1.2024</a:t>
+              <a:t>18.2.2024</a:t>
             </a:fld>
             <a:endParaRPr lang="en-GB"/>
           </a:p>
@@ -7395,6 +7360,240 @@
             <a:fld id="{76BAB7ED-EDE9-4D4B-9A2D-30E18C47C16E}" type="slidenum">
               <a:rPr lang="en-GB" smtClean="0"/>
               <a:t>11</a:t>
+            </a:fld>
+            <a:endParaRPr lang="en-GB"/>
+          </a:p>
+        </p:txBody>
+      </p:sp>
+    </p:spTree>
+    <p:extLst>
+      <p:ext uri="{BB962C8B-B14F-4D97-AF65-F5344CB8AC3E}">
+        <p14:creationId xmlns:p14="http://schemas.microsoft.com/office/powerpoint/2010/main" val="1005799627"/>
+      </p:ext>
+    </p:extLst>
+  </p:cSld>
+  <p:clrMapOvr>
+    <a:masterClrMapping/>
+  </p:clrMapOvr>
+</p:sld>
+</file>
+
+<file path=ppt/slides/slide12.xml><?xml version="1.0" encoding="utf-8"?>
+<p:sld xmlns:a="http://schemas.openxmlformats.org/drawingml/2006/main" xmlns:r="http://schemas.openxmlformats.org/officeDocument/2006/relationships" xmlns:p="http://schemas.openxmlformats.org/presentationml/2006/main">
+  <p:cSld>
+    <p:spTree>
+      <p:nvGrpSpPr>
+        <p:cNvPr id="1" name=""/>
+        <p:cNvGrpSpPr/>
+        <p:nvPr/>
+      </p:nvGrpSpPr>
+      <p:grpSpPr>
+        <a:xfrm>
+          <a:off x="0" y="0"/>
+          <a:ext cx="0" cy="0"/>
+          <a:chOff x="0" y="0"/>
+          <a:chExt cx="0" cy="0"/>
+        </a:xfrm>
+      </p:grpSpPr>
+      <p:sp>
+        <p:nvSpPr>
+          <p:cNvPr id="8" name="Title 7">
+            <a:extLst>
+              <a:ext uri="{FF2B5EF4-FFF2-40B4-BE49-F238E27FC236}">
+                <a16:creationId xmlns:a16="http://schemas.microsoft.com/office/drawing/2014/main" id="{197044C3-CD23-D844-B780-26FABA91AD0F}"/>
+              </a:ext>
+            </a:extLst>
+          </p:cNvPr>
+          <p:cNvSpPr>
+            <a:spLocks noGrp="1"/>
+          </p:cNvSpPr>
+          <p:nvPr>
+            <p:ph type="title"/>
+          </p:nvPr>
+        </p:nvSpPr>
+        <p:spPr/>
+        <p:txBody>
+          <a:bodyPr/>
+          <a:lstStyle/>
+          <a:p>
+            <a:r>
+              <a:rPr lang="fi-FI" dirty="0" err="1"/>
+              <a:t>Docker</a:t>
+            </a:r>
+            <a:r>
+              <a:rPr lang="fi-FI" dirty="0"/>
+              <a:t> Image </a:t>
+            </a:r>
+            <a:r>
+              <a:rPr lang="fi-FI" dirty="0" err="1"/>
+              <a:t>registry</a:t>
+            </a:r>
+            <a:r>
+              <a:rPr lang="fi-FI" dirty="0"/>
+              <a:t>, e.g. </a:t>
+            </a:r>
+            <a:r>
+              <a:rPr lang="fi-FI" dirty="0" err="1"/>
+              <a:t>Docker</a:t>
+            </a:r>
+            <a:r>
+              <a:rPr lang="fi-FI" dirty="0"/>
+              <a:t> </a:t>
+            </a:r>
+            <a:r>
+              <a:rPr lang="fi-FI" dirty="0" err="1"/>
+              <a:t>Hub</a:t>
+            </a:r>
+            <a:endParaRPr lang="fi-FI" dirty="0"/>
+          </a:p>
+        </p:txBody>
+      </p:sp>
+      <p:sp>
+        <p:nvSpPr>
+          <p:cNvPr id="9" name="Content Placeholder 8">
+            <a:extLst>
+              <a:ext uri="{FF2B5EF4-FFF2-40B4-BE49-F238E27FC236}">
+                <a16:creationId xmlns:a16="http://schemas.microsoft.com/office/drawing/2014/main" id="{ACDE61D8-A75A-F94B-B57A-46F276C03311}"/>
+              </a:ext>
+            </a:extLst>
+          </p:cNvPr>
+          <p:cNvSpPr>
+            <a:spLocks noGrp="1"/>
+          </p:cNvSpPr>
+          <p:nvPr>
+            <p:ph sz="half" idx="2"/>
+          </p:nvPr>
+        </p:nvSpPr>
+        <p:spPr/>
+        <p:txBody>
+          <a:bodyPr>
+            <a:normAutofit/>
+          </a:bodyPr>
+          <a:lstStyle/>
+          <a:p>
+            <a:pPr>
+              <a:lnSpc>
+                <a:spcPct val="107000"/>
+              </a:lnSpc>
+              <a:spcAft>
+                <a:spcPts val="800"/>
+              </a:spcAft>
+            </a:pPr>
+            <a:r>
+              <a:rPr lang="en-US" sz="1800" dirty="0">
+                <a:effectLst/>
+                <a:latin typeface="Calibri" panose="020F0502020204030204" pitchFamily="34" charset="0"/>
+                <a:ea typeface="Calibri" panose="020F0502020204030204" pitchFamily="34" charset="0"/>
+                <a:cs typeface="Times New Roman" panose="02020603050405020304" pitchFamily="18" charset="0"/>
+              </a:rPr>
+              <a:t>We can push = publish our images for others to use. </a:t>
+            </a:r>
+          </a:p>
+          <a:p>
+            <a:pPr>
+              <a:lnSpc>
+                <a:spcPct val="107000"/>
+              </a:lnSpc>
+              <a:spcAft>
+                <a:spcPts val="800"/>
+              </a:spcAft>
+            </a:pPr>
+            <a:r>
+              <a:rPr lang="en-US" sz="1800" dirty="0">
+                <a:effectLst/>
+                <a:latin typeface="Calibri" panose="020F0502020204030204" pitchFamily="34" charset="0"/>
+                <a:ea typeface="Calibri" panose="020F0502020204030204" pitchFamily="34" charset="0"/>
+                <a:cs typeface="Times New Roman" panose="02020603050405020304" pitchFamily="18" charset="0"/>
+              </a:rPr>
+              <a:t>Or pull = download images to use ourselves.</a:t>
+            </a:r>
+            <a:endParaRPr lang="fi-FI" sz="1800" dirty="0">
+              <a:effectLst/>
+              <a:latin typeface="Calibri" panose="020F0502020204030204" pitchFamily="34" charset="0"/>
+              <a:ea typeface="Calibri" panose="020F0502020204030204" pitchFamily="34" charset="0"/>
+              <a:cs typeface="Times New Roman" panose="02020603050405020304" pitchFamily="18" charset="0"/>
+            </a:endParaRPr>
+          </a:p>
+        </p:txBody>
+      </p:sp>
+      <p:sp>
+        <p:nvSpPr>
+          <p:cNvPr id="5" name="Date Placeholder 4">
+            <a:extLst>
+              <a:ext uri="{FF2B5EF4-FFF2-40B4-BE49-F238E27FC236}">
+                <a16:creationId xmlns:a16="http://schemas.microsoft.com/office/drawing/2014/main" id="{976244E2-AA76-2742-B2EC-FEC79276155C}"/>
+              </a:ext>
+            </a:extLst>
+          </p:cNvPr>
+          <p:cNvSpPr>
+            <a:spLocks noGrp="1"/>
+          </p:cNvSpPr>
+          <p:nvPr>
+            <p:ph type="dt" sz="half" idx="10"/>
+          </p:nvPr>
+        </p:nvSpPr>
+        <p:spPr/>
+        <p:txBody>
+          <a:bodyPr/>
+          <a:lstStyle/>
+          <a:p>
+            <a:fld id="{202E1EC2-47B8-044B-A09E-6A63B4D80C87}" type="datetime1">
+              <a:rPr lang="fi-FI" smtClean="0"/>
+              <a:t>18.2.2024</a:t>
+            </a:fld>
+            <a:endParaRPr lang="en-GB"/>
+          </a:p>
+        </p:txBody>
+      </p:sp>
+      <p:sp>
+        <p:nvSpPr>
+          <p:cNvPr id="6" name="Footer Placeholder 5">
+            <a:extLst>
+              <a:ext uri="{FF2B5EF4-FFF2-40B4-BE49-F238E27FC236}">
+                <a16:creationId xmlns:a16="http://schemas.microsoft.com/office/drawing/2014/main" id="{588CE607-4137-8840-8FEA-42EAC857E3A3}"/>
+              </a:ext>
+            </a:extLst>
+          </p:cNvPr>
+          <p:cNvSpPr>
+            <a:spLocks noGrp="1"/>
+          </p:cNvSpPr>
+          <p:nvPr>
+            <p:ph type="ftr" sz="quarter" idx="11"/>
+          </p:nvPr>
+        </p:nvSpPr>
+        <p:spPr/>
+        <p:txBody>
+          <a:bodyPr/>
+          <a:lstStyle/>
+          <a:p>
+            <a:endParaRPr lang="en-GB"/>
+          </a:p>
+        </p:txBody>
+      </p:sp>
+      <p:sp>
+        <p:nvSpPr>
+          <p:cNvPr id="7" name="Slide Number Placeholder 6">
+            <a:extLst>
+              <a:ext uri="{FF2B5EF4-FFF2-40B4-BE49-F238E27FC236}">
+                <a16:creationId xmlns:a16="http://schemas.microsoft.com/office/drawing/2014/main" id="{2E133A96-6C73-0844-B8CB-27C2B5F4CFB1}"/>
+              </a:ext>
+            </a:extLst>
+          </p:cNvPr>
+          <p:cNvSpPr>
+            <a:spLocks noGrp="1"/>
+          </p:cNvSpPr>
+          <p:nvPr>
+            <p:ph type="sldNum" sz="quarter" idx="12"/>
+          </p:nvPr>
+        </p:nvSpPr>
+        <p:spPr/>
+        <p:txBody>
+          <a:bodyPr/>
+          <a:lstStyle/>
+          <a:p>
+            <a:fld id="{76BAB7ED-EDE9-4D4B-9A2D-30E18C47C16E}" type="slidenum">
+              <a:rPr lang="en-GB" smtClean="0"/>
+              <a:t>12</a:t>
             </a:fld>
             <a:endParaRPr lang="en-GB"/>
           </a:p>
@@ -7443,362 +7642,6 @@
 </p:sld>
 </file>
 
-<file path=ppt/slides/slide12.xml><?xml version="1.0" encoding="utf-8"?>
-<p:sld xmlns:a="http://schemas.openxmlformats.org/drawingml/2006/main" xmlns:r="http://schemas.openxmlformats.org/officeDocument/2006/relationships" xmlns:p="http://schemas.openxmlformats.org/presentationml/2006/main">
-  <p:cSld>
-    <p:spTree>
-      <p:nvGrpSpPr>
-        <p:cNvPr id="1" name=""/>
-        <p:cNvGrpSpPr/>
-        <p:nvPr/>
-      </p:nvGrpSpPr>
-      <p:grpSpPr>
-        <a:xfrm>
-          <a:off x="0" y="0"/>
-          <a:ext cx="0" cy="0"/>
-          <a:chOff x="0" y="0"/>
-          <a:chExt cx="0" cy="0"/>
-        </a:xfrm>
-      </p:grpSpPr>
-      <p:sp>
-        <p:nvSpPr>
-          <p:cNvPr id="8" name="Title 7">
-            <a:extLst>
-              <a:ext uri="{FF2B5EF4-FFF2-40B4-BE49-F238E27FC236}">
-                <a16:creationId xmlns:a16="http://schemas.microsoft.com/office/drawing/2014/main" id="{197044C3-CD23-D844-B780-26FABA91AD0F}"/>
-              </a:ext>
-            </a:extLst>
-          </p:cNvPr>
-          <p:cNvSpPr>
-            <a:spLocks noGrp="1"/>
-          </p:cNvSpPr>
-          <p:nvPr>
-            <p:ph type="title"/>
-          </p:nvPr>
-        </p:nvSpPr>
-        <p:spPr/>
-        <p:txBody>
-          <a:bodyPr/>
-          <a:lstStyle/>
-          <a:p>
-            <a:r>
-              <a:rPr lang="fi-FI" dirty="0" err="1"/>
-              <a:t>docker</a:t>
-            </a:r>
-            <a:r>
-              <a:rPr lang="fi-FI" dirty="0"/>
-              <a:t> </a:t>
-            </a:r>
-            <a:r>
-              <a:rPr lang="fi-FI" dirty="0" err="1"/>
-              <a:t>compose</a:t>
-            </a:r>
-            <a:endParaRPr lang="fi-FI" dirty="0"/>
-          </a:p>
-        </p:txBody>
-      </p:sp>
-      <p:sp>
-        <p:nvSpPr>
-          <p:cNvPr id="9" name="Content Placeholder 8">
-            <a:extLst>
-              <a:ext uri="{FF2B5EF4-FFF2-40B4-BE49-F238E27FC236}">
-                <a16:creationId xmlns:a16="http://schemas.microsoft.com/office/drawing/2014/main" id="{ACDE61D8-A75A-F94B-B57A-46F276C03311}"/>
-              </a:ext>
-            </a:extLst>
-          </p:cNvPr>
-          <p:cNvSpPr>
-            <a:spLocks noGrp="1"/>
-          </p:cNvSpPr>
-          <p:nvPr>
-            <p:ph sz="half" idx="2"/>
-          </p:nvPr>
-        </p:nvSpPr>
-        <p:spPr/>
-        <p:txBody>
-          <a:bodyPr>
-            <a:normAutofit/>
-          </a:bodyPr>
-          <a:lstStyle/>
-          <a:p>
-            <a:pPr>
-              <a:lnSpc>
-                <a:spcPct val="107000"/>
-              </a:lnSpc>
-              <a:spcAft>
-                <a:spcPts val="800"/>
-              </a:spcAft>
-            </a:pPr>
-            <a:r>
-              <a:rPr lang="en-US" dirty="0">
-                <a:effectLst/>
-                <a:latin typeface="Calibri" panose="020F0502020204030204" pitchFamily="34" charset="0"/>
-                <a:ea typeface="Calibri" panose="020F0502020204030204" pitchFamily="34" charset="0"/>
-                <a:cs typeface="Times New Roman" panose="02020603050405020304" pitchFamily="18" charset="0"/>
-              </a:rPr>
-              <a:t>Tool for creating and starting multiple containers that depend on / talk to each other. </a:t>
-            </a:r>
-          </a:p>
-          <a:p>
-            <a:pPr>
-              <a:lnSpc>
-                <a:spcPct val="107000"/>
-              </a:lnSpc>
-              <a:spcAft>
-                <a:spcPts val="800"/>
-              </a:spcAft>
-            </a:pPr>
-            <a:r>
-              <a:rPr lang="en-US" dirty="0">
-                <a:effectLst/>
-                <a:latin typeface="Calibri" panose="020F0502020204030204" pitchFamily="34" charset="0"/>
-                <a:ea typeface="Calibri" panose="020F0502020204030204" pitchFamily="34" charset="0"/>
-                <a:cs typeface="Times New Roman" panose="02020603050405020304" pitchFamily="18" charset="0"/>
-              </a:rPr>
-              <a:t>Thus, you’ll have to:</a:t>
-            </a:r>
-          </a:p>
-          <a:p>
-            <a:pPr lvl="1">
-              <a:lnSpc>
-                <a:spcPct val="107000"/>
-              </a:lnSpc>
-              <a:spcAft>
-                <a:spcPts val="800"/>
-              </a:spcAft>
-            </a:pPr>
-            <a:r>
-              <a:rPr lang="en-US" sz="1800" dirty="0">
-                <a:effectLst/>
-                <a:latin typeface="Calibri" panose="020F0502020204030204" pitchFamily="34" charset="0"/>
-                <a:ea typeface="Calibri" panose="020F0502020204030204" pitchFamily="34" charset="0"/>
-                <a:cs typeface="Times New Roman" panose="02020603050405020304" pitchFamily="18" charset="0"/>
-              </a:rPr>
-              <a:t>make some ports exposed </a:t>
-            </a:r>
-          </a:p>
-          <a:p>
-            <a:pPr lvl="1">
-              <a:lnSpc>
-                <a:spcPct val="107000"/>
-              </a:lnSpc>
-              <a:spcAft>
-                <a:spcPts val="800"/>
-              </a:spcAft>
-            </a:pPr>
-            <a:r>
-              <a:rPr lang="en-US" sz="1800" dirty="0">
-                <a:latin typeface="Calibri" panose="020F0502020204030204" pitchFamily="34" charset="0"/>
-                <a:ea typeface="Calibri" panose="020F0502020204030204" pitchFamily="34" charset="0"/>
-                <a:cs typeface="Times New Roman" panose="02020603050405020304" pitchFamily="18" charset="0"/>
-              </a:rPr>
-              <a:t>a</a:t>
-            </a:r>
-            <a:r>
-              <a:rPr lang="en-US" sz="1800" dirty="0">
-                <a:effectLst/>
-                <a:latin typeface="Calibri" panose="020F0502020204030204" pitchFamily="34" charset="0"/>
-                <a:ea typeface="Calibri" panose="020F0502020204030204" pitchFamily="34" charset="0"/>
-                <a:cs typeface="Times New Roman" panose="02020603050405020304" pitchFamily="18" charset="0"/>
-              </a:rPr>
-              <a:t>nd/or define (virtual) networks shared by multiple containers </a:t>
-            </a:r>
-          </a:p>
-          <a:p>
-            <a:pPr lvl="1">
-              <a:lnSpc>
-                <a:spcPct val="107000"/>
-              </a:lnSpc>
-              <a:spcAft>
-                <a:spcPts val="800"/>
-              </a:spcAft>
-            </a:pPr>
-            <a:r>
-              <a:rPr lang="en-US" sz="1800" dirty="0">
-                <a:effectLst/>
-                <a:latin typeface="Calibri" panose="020F0502020204030204" pitchFamily="34" charset="0"/>
-                <a:ea typeface="Calibri" panose="020F0502020204030204" pitchFamily="34" charset="0"/>
-                <a:cs typeface="Times New Roman" panose="02020603050405020304" pitchFamily="18" charset="0"/>
-              </a:rPr>
-              <a:t>or share volumes. </a:t>
-            </a:r>
-            <a:endParaRPr lang="en-US" sz="1800" dirty="0">
-              <a:latin typeface="Calibri" panose="020F0502020204030204" pitchFamily="34" charset="0"/>
-              <a:ea typeface="Calibri" panose="020F0502020204030204" pitchFamily="34" charset="0"/>
-              <a:cs typeface="Times New Roman" panose="02020603050405020304" pitchFamily="18" charset="0"/>
-            </a:endParaRPr>
-          </a:p>
-          <a:p>
-            <a:pPr>
-              <a:lnSpc>
-                <a:spcPct val="107000"/>
-              </a:lnSpc>
-              <a:spcAft>
-                <a:spcPts val="800"/>
-              </a:spcAft>
-            </a:pPr>
-            <a:r>
-              <a:rPr lang="en-US" dirty="0">
-                <a:effectLst/>
-                <a:latin typeface="Calibri" panose="020F0502020204030204" pitchFamily="34" charset="0"/>
-                <a:ea typeface="Calibri" panose="020F0502020204030204" pitchFamily="34" charset="0"/>
-                <a:cs typeface="Times New Roman" panose="02020603050405020304" pitchFamily="18" charset="0"/>
-              </a:rPr>
-              <a:t>You can define those in a docker-</a:t>
-            </a:r>
-            <a:r>
-              <a:rPr lang="en-US" dirty="0" err="1">
-                <a:effectLst/>
-                <a:latin typeface="Calibri" panose="020F0502020204030204" pitchFamily="34" charset="0"/>
-                <a:ea typeface="Calibri" panose="020F0502020204030204" pitchFamily="34" charset="0"/>
-                <a:cs typeface="Times New Roman" panose="02020603050405020304" pitchFamily="18" charset="0"/>
-              </a:rPr>
-              <a:t>compose.yml</a:t>
-            </a:r>
-            <a:r>
-              <a:rPr lang="en-US" dirty="0">
-                <a:effectLst/>
-                <a:latin typeface="Calibri" panose="020F0502020204030204" pitchFamily="34" charset="0"/>
-                <a:ea typeface="Calibri" panose="020F0502020204030204" pitchFamily="34" charset="0"/>
-                <a:cs typeface="Times New Roman" panose="02020603050405020304" pitchFamily="18" charset="0"/>
-              </a:rPr>
-              <a:t> file</a:t>
-            </a:r>
-          </a:p>
-          <a:p>
-            <a:pPr>
-              <a:lnSpc>
-                <a:spcPct val="107000"/>
-              </a:lnSpc>
-              <a:spcAft>
-                <a:spcPts val="800"/>
-              </a:spcAft>
-            </a:pPr>
-            <a:r>
-              <a:rPr lang="fi-FI" dirty="0">
-                <a:effectLst/>
-                <a:latin typeface="Calibri" panose="020F0502020204030204" pitchFamily="34" charset="0"/>
-                <a:ea typeface="Calibri" panose="020F0502020204030204" pitchFamily="34" charset="0"/>
-                <a:cs typeface="Times New Roman" panose="02020603050405020304" pitchFamily="18" charset="0"/>
-                <a:hlinkClick r:id="rId2"/>
-              </a:rPr>
-              <a:t>https://docs.docker.com/compose/compose-application-model/</a:t>
-            </a:r>
-            <a:r>
-              <a:rPr lang="en-US" dirty="0">
-                <a:latin typeface="Calibri" panose="020F0502020204030204" pitchFamily="34" charset="0"/>
-                <a:ea typeface="Calibri" panose="020F0502020204030204" pitchFamily="34" charset="0"/>
-                <a:cs typeface="Times New Roman" panose="02020603050405020304" pitchFamily="18" charset="0"/>
-              </a:rPr>
-              <a:t> </a:t>
-            </a:r>
-            <a:endParaRPr lang="fi-FI" dirty="0">
-              <a:effectLst/>
-              <a:latin typeface="Calibri" panose="020F0502020204030204" pitchFamily="34" charset="0"/>
-              <a:ea typeface="Calibri" panose="020F0502020204030204" pitchFamily="34" charset="0"/>
-              <a:cs typeface="Times New Roman" panose="02020603050405020304" pitchFamily="18" charset="0"/>
-            </a:endParaRPr>
-          </a:p>
-          <a:p>
-            <a:endParaRPr lang="fi-FI" dirty="0"/>
-          </a:p>
-        </p:txBody>
-      </p:sp>
-      <p:sp>
-        <p:nvSpPr>
-          <p:cNvPr id="5" name="Date Placeholder 4">
-            <a:extLst>
-              <a:ext uri="{FF2B5EF4-FFF2-40B4-BE49-F238E27FC236}">
-                <a16:creationId xmlns:a16="http://schemas.microsoft.com/office/drawing/2014/main" id="{976244E2-AA76-2742-B2EC-FEC79276155C}"/>
-              </a:ext>
-            </a:extLst>
-          </p:cNvPr>
-          <p:cNvSpPr>
-            <a:spLocks noGrp="1"/>
-          </p:cNvSpPr>
-          <p:nvPr>
-            <p:ph type="dt" sz="half" idx="10"/>
-          </p:nvPr>
-        </p:nvSpPr>
-        <p:spPr/>
-        <p:txBody>
-          <a:bodyPr/>
-          <a:lstStyle/>
-          <a:p>
-            <a:fld id="{202E1EC2-47B8-044B-A09E-6A63B4D80C87}" type="datetime1">
-              <a:rPr lang="fi-FI" smtClean="0"/>
-              <a:t>25.1.2024</a:t>
-            </a:fld>
-            <a:endParaRPr lang="en-GB"/>
-          </a:p>
-        </p:txBody>
-      </p:sp>
-      <p:sp>
-        <p:nvSpPr>
-          <p:cNvPr id="6" name="Footer Placeholder 5">
-            <a:extLst>
-              <a:ext uri="{FF2B5EF4-FFF2-40B4-BE49-F238E27FC236}">
-                <a16:creationId xmlns:a16="http://schemas.microsoft.com/office/drawing/2014/main" id="{588CE607-4137-8840-8FEA-42EAC857E3A3}"/>
-              </a:ext>
-            </a:extLst>
-          </p:cNvPr>
-          <p:cNvSpPr>
-            <a:spLocks noGrp="1"/>
-          </p:cNvSpPr>
-          <p:nvPr>
-            <p:ph type="ftr" sz="quarter" idx="11"/>
-          </p:nvPr>
-        </p:nvSpPr>
-        <p:spPr/>
-        <p:txBody>
-          <a:bodyPr/>
-          <a:lstStyle/>
-          <a:p>
-            <a:endParaRPr lang="en-GB"/>
-          </a:p>
-        </p:txBody>
-      </p:sp>
-      <p:sp>
-        <p:nvSpPr>
-          <p:cNvPr id="7" name="Slide Number Placeholder 6">
-            <a:extLst>
-              <a:ext uri="{FF2B5EF4-FFF2-40B4-BE49-F238E27FC236}">
-                <a16:creationId xmlns:a16="http://schemas.microsoft.com/office/drawing/2014/main" id="{2E133A96-6C73-0844-B8CB-27C2B5F4CFB1}"/>
-              </a:ext>
-            </a:extLst>
-          </p:cNvPr>
-          <p:cNvSpPr>
-            <a:spLocks noGrp="1"/>
-          </p:cNvSpPr>
-          <p:nvPr>
-            <p:ph type="sldNum" sz="quarter" idx="12"/>
-          </p:nvPr>
-        </p:nvSpPr>
-        <p:spPr/>
-        <p:txBody>
-          <a:bodyPr/>
-          <a:lstStyle/>
-          <a:p>
-            <a:fld id="{76BAB7ED-EDE9-4D4B-9A2D-30E18C47C16E}" type="slidenum">
-              <a:rPr lang="en-GB" smtClean="0"/>
-              <a:t>12</a:t>
-            </a:fld>
-            <a:endParaRPr lang="en-GB"/>
-          </a:p>
-        </p:txBody>
-      </p:sp>
-    </p:spTree>
-    <p:extLst>
-      <p:ext uri="{BB962C8B-B14F-4D97-AF65-F5344CB8AC3E}">
-        <p14:creationId xmlns:p14="http://schemas.microsoft.com/office/powerpoint/2010/main" val="516399923"/>
-      </p:ext>
-    </p:extLst>
-  </p:cSld>
-  <p:clrMapOvr>
-    <a:masterClrMapping/>
-  </p:clrMapOvr>
-</p:sld>
-</file>
-
 <file path=ppt/slides/slide13.xml><?xml version="1.0" encoding="utf-8"?>
 <p:sld xmlns:a="http://schemas.openxmlformats.org/drawingml/2006/main" xmlns:r="http://schemas.openxmlformats.org/officeDocument/2006/relationships" xmlns:p="http://schemas.openxmlformats.org/presentationml/2006/main">
   <p:cSld>
@@ -7839,7 +7682,15 @@
           <a:p>
             <a:r>
               <a:rPr lang="fi-FI" dirty="0" err="1"/>
-              <a:t>volume</a:t>
+              <a:t>docker</a:t>
+            </a:r>
+            <a:r>
+              <a:rPr lang="fi-FI" dirty="0"/>
+              <a:t> </a:t>
+            </a:r>
+            <a:r>
+              <a:rPr lang="fi-FI" dirty="0" err="1"/>
+              <a:t>compose</a:t>
             </a:r>
             <a:endParaRPr lang="fi-FI" dirty="0"/>
           </a:p>
@@ -7877,13 +7728,13 @@
               </a:spcAft>
             </a:pPr>
             <a:r>
-              <a:rPr lang="en-US" sz="1800" dirty="0">
+              <a:rPr lang="en-US" dirty="0">
                 <a:effectLst/>
                 <a:latin typeface="Calibri" panose="020F0502020204030204" pitchFamily="34" charset="0"/>
                 <a:ea typeface="Calibri" panose="020F0502020204030204" pitchFamily="34" charset="0"/>
                 <a:cs typeface="Times New Roman" panose="02020603050405020304" pitchFamily="18" charset="0"/>
               </a:rPr>
-              <a:t>Persisted folders and files on disk. </a:t>
+              <a:t>Tool for creating and starting multiple containers that depend on / talk to each other. </a:t>
             </a:r>
           </a:p>
           <a:p>
@@ -7896,14 +7747,103 @@
               </a:spcAft>
             </a:pPr>
             <a:r>
+              <a:rPr lang="en-US" dirty="0">
+                <a:effectLst/>
+                <a:latin typeface="Calibri" panose="020F0502020204030204" pitchFamily="34" charset="0"/>
+                <a:ea typeface="Calibri" panose="020F0502020204030204" pitchFamily="34" charset="0"/>
+                <a:cs typeface="Times New Roman" panose="02020603050405020304" pitchFamily="18" charset="0"/>
+              </a:rPr>
+              <a:t>Thus, you’ll have to:</a:t>
+            </a:r>
+          </a:p>
+          <a:p>
+            <a:pPr lvl="1">
+              <a:lnSpc>
+                <a:spcPct val="107000"/>
+              </a:lnSpc>
+              <a:spcAft>
+                <a:spcPts val="800"/>
+              </a:spcAft>
+            </a:pPr>
+            <a:r>
               <a:rPr lang="en-US" sz="1800" dirty="0">
                 <a:effectLst/>
                 <a:latin typeface="Calibri" panose="020F0502020204030204" pitchFamily="34" charset="0"/>
                 <a:ea typeface="Calibri" panose="020F0502020204030204" pitchFamily="34" charset="0"/>
                 <a:cs typeface="Times New Roman" panose="02020603050405020304" pitchFamily="18" charset="0"/>
               </a:rPr>
-              <a:t>Allows sharing between containers</a:t>
-            </a:r>
+              <a:t>define the services, plus</a:t>
+            </a:r>
+          </a:p>
+          <a:p>
+            <a:pPr lvl="2">
+              <a:lnSpc>
+                <a:spcPct val="107000"/>
+              </a:lnSpc>
+              <a:spcAft>
+                <a:spcPts val="800"/>
+              </a:spcAft>
+            </a:pPr>
+            <a:r>
+              <a:rPr lang="en-US" sz="1800" dirty="0">
+                <a:effectLst/>
+                <a:latin typeface="Calibri" panose="020F0502020204030204" pitchFamily="34" charset="0"/>
+                <a:ea typeface="Calibri" panose="020F0502020204030204" pitchFamily="34" charset="0"/>
+                <a:cs typeface="Times New Roman" panose="02020603050405020304" pitchFamily="18" charset="0"/>
+              </a:rPr>
+              <a:t>make some ports exposed </a:t>
+            </a:r>
+          </a:p>
+          <a:p>
+            <a:pPr lvl="2">
+              <a:lnSpc>
+                <a:spcPct val="107000"/>
+              </a:lnSpc>
+              <a:spcAft>
+                <a:spcPts val="800"/>
+              </a:spcAft>
+            </a:pPr>
+            <a:r>
+              <a:rPr lang="en-US" sz="1800" dirty="0">
+                <a:latin typeface="Calibri" panose="020F0502020204030204" pitchFamily="34" charset="0"/>
+                <a:ea typeface="Calibri" panose="020F0502020204030204" pitchFamily="34" charset="0"/>
+                <a:cs typeface="Times New Roman" panose="02020603050405020304" pitchFamily="18" charset="0"/>
+              </a:rPr>
+              <a:t>a</a:t>
+            </a:r>
+            <a:r>
+              <a:rPr lang="en-US" sz="1800" dirty="0">
+                <a:effectLst/>
+                <a:latin typeface="Calibri" panose="020F0502020204030204" pitchFamily="34" charset="0"/>
+                <a:ea typeface="Calibri" panose="020F0502020204030204" pitchFamily="34" charset="0"/>
+                <a:cs typeface="Times New Roman" panose="02020603050405020304" pitchFamily="18" charset="0"/>
+              </a:rPr>
+              <a:t>nd/or define (virtual) networks shared by multiple containers </a:t>
+            </a:r>
+          </a:p>
+          <a:p>
+            <a:pPr lvl="2">
+              <a:lnSpc>
+                <a:spcPct val="107000"/>
+              </a:lnSpc>
+              <a:spcAft>
+                <a:spcPts val="800"/>
+              </a:spcAft>
+            </a:pPr>
+            <a:r>
+              <a:rPr lang="en-US" sz="1800" dirty="0">
+                <a:effectLst/>
+                <a:latin typeface="Calibri" panose="020F0502020204030204" pitchFamily="34" charset="0"/>
+                <a:ea typeface="Calibri" panose="020F0502020204030204" pitchFamily="34" charset="0"/>
+                <a:cs typeface="Times New Roman" panose="02020603050405020304" pitchFamily="18" charset="0"/>
+              </a:rPr>
+              <a:t>or share volumes. </a:t>
+            </a:r>
+            <a:endParaRPr lang="en-US" sz="1800" dirty="0">
+              <a:latin typeface="Calibri" panose="020F0502020204030204" pitchFamily="34" charset="0"/>
+              <a:ea typeface="Calibri" panose="020F0502020204030204" pitchFamily="34" charset="0"/>
+              <a:cs typeface="Times New Roman" panose="02020603050405020304" pitchFamily="18" charset="0"/>
+            </a:endParaRPr>
           </a:p>
           <a:p>
             <a:pPr>
@@ -7915,15 +7855,61 @@
               </a:spcAft>
             </a:pPr>
             <a:r>
-              <a:rPr lang="en-US" sz="1800" dirty="0">
+              <a:rPr lang="en-US" dirty="0">
                 <a:effectLst/>
                 <a:latin typeface="Calibri" panose="020F0502020204030204" pitchFamily="34" charset="0"/>
                 <a:ea typeface="Calibri" panose="020F0502020204030204" pitchFamily="34" charset="0"/>
                 <a:cs typeface="Times New Roman" panose="02020603050405020304" pitchFamily="18" charset="0"/>
               </a:rPr>
-              <a:t>Also for keeping data between container deletion and re-creation! (Container is deleted totally, but volume resides by default in the host file system)</a:t>
-            </a:r>
-            <a:endParaRPr lang="fi-FI" sz="1800" dirty="0">
+              <a:t>You can define those in a docker-</a:t>
+            </a:r>
+            <a:r>
+              <a:rPr lang="en-US" dirty="0" err="1">
+                <a:effectLst/>
+                <a:latin typeface="Calibri" panose="020F0502020204030204" pitchFamily="34" charset="0"/>
+                <a:ea typeface="Calibri" panose="020F0502020204030204" pitchFamily="34" charset="0"/>
+                <a:cs typeface="Times New Roman" panose="02020603050405020304" pitchFamily="18" charset="0"/>
+              </a:rPr>
+              <a:t>compose.yml</a:t>
+            </a:r>
+            <a:r>
+              <a:rPr lang="en-US" dirty="0">
+                <a:effectLst/>
+                <a:latin typeface="Calibri" panose="020F0502020204030204" pitchFamily="34" charset="0"/>
+                <a:ea typeface="Calibri" panose="020F0502020204030204" pitchFamily="34" charset="0"/>
+                <a:cs typeface="Times New Roman" panose="02020603050405020304" pitchFamily="18" charset="0"/>
+              </a:rPr>
+              <a:t> file</a:t>
+            </a:r>
+          </a:p>
+          <a:p>
+            <a:pPr>
+              <a:lnSpc>
+                <a:spcPct val="107000"/>
+              </a:lnSpc>
+              <a:spcAft>
+                <a:spcPts val="800"/>
+              </a:spcAft>
+            </a:pPr>
+            <a:r>
+              <a:rPr lang="fi-FI" dirty="0">
+                <a:effectLst/>
+                <a:latin typeface="Calibri" panose="020F0502020204030204" pitchFamily="34" charset="0"/>
+                <a:ea typeface="Calibri" panose="020F0502020204030204" pitchFamily="34" charset="0"/>
+                <a:cs typeface="Times New Roman" panose="02020603050405020304" pitchFamily="18" charset="0"/>
+                <a:hlinkClick r:id="rId2"/>
+              </a:rPr>
+              <a:t>https://docs.docker.com/compose/compose-application-model/</a:t>
+            </a:r>
+            <a:r>
+              <a:rPr lang="en-US" dirty="0">
+                <a:latin typeface="Calibri" panose="020F0502020204030204" pitchFamily="34" charset="0"/>
+                <a:ea typeface="Calibri" panose="020F0502020204030204" pitchFamily="34" charset="0"/>
+                <a:cs typeface="Times New Roman" panose="02020603050405020304" pitchFamily="18" charset="0"/>
+              </a:rPr>
+              <a:t> </a:t>
+            </a:r>
+            <a:endParaRPr lang="fi-FI" dirty="0">
               <a:effectLst/>
               <a:latin typeface="Calibri" panose="020F0502020204030204" pitchFamily="34" charset="0"/>
               <a:ea typeface="Calibri" panose="020F0502020204030204" pitchFamily="34" charset="0"/>
@@ -7958,7 +7944,7 @@
           <a:p>
             <a:fld id="{202E1EC2-47B8-044B-A09E-6A63B4D80C87}" type="datetime1">
               <a:rPr lang="fi-FI" smtClean="0"/>
-              <a:t>25.1.2024</a:t>
+              <a:t>18.2.2024</a:t>
             </a:fld>
             <a:endParaRPr lang="en-GB"/>
           </a:p>
@@ -8021,7 +8007,7 @@
     </p:spTree>
     <p:extLst>
       <p:ext uri="{BB962C8B-B14F-4D97-AF65-F5344CB8AC3E}">
-        <p14:creationId xmlns:p14="http://schemas.microsoft.com/office/powerpoint/2010/main" val="1194808136"/>
+        <p14:creationId xmlns:p14="http://schemas.microsoft.com/office/powerpoint/2010/main" val="516399923"/>
       </p:ext>
     </p:extLst>
   </p:cSld>
@@ -8079,144 +8065,35 @@
       </p:sp>
       <p:sp>
         <p:nvSpPr>
-          <p:cNvPr id="5" name="Date Placeholder 4">
-            <a:extLst>
-              <a:ext uri="{FF2B5EF4-FFF2-40B4-BE49-F238E27FC236}">
-                <a16:creationId xmlns:a16="http://schemas.microsoft.com/office/drawing/2014/main" id="{976244E2-AA76-2742-B2EC-FEC79276155C}"/>
-              </a:ext>
-            </a:extLst>
-          </p:cNvPr>
-          <p:cNvSpPr>
-            <a:spLocks noGrp="1"/>
-          </p:cNvSpPr>
-          <p:nvPr>
-            <p:ph type="dt" sz="half" idx="10"/>
+          <p:cNvPr id="9" name="Content Placeholder 8">
+            <a:extLst>
+              <a:ext uri="{FF2B5EF4-FFF2-40B4-BE49-F238E27FC236}">
+                <a16:creationId xmlns:a16="http://schemas.microsoft.com/office/drawing/2014/main" id="{ACDE61D8-A75A-F94B-B57A-46F276C03311}"/>
+              </a:ext>
+            </a:extLst>
+          </p:cNvPr>
+          <p:cNvSpPr>
+            <a:spLocks noGrp="1"/>
+          </p:cNvSpPr>
+          <p:nvPr>
+            <p:ph sz="half" idx="2"/>
           </p:nvPr>
         </p:nvSpPr>
         <p:spPr/>
         <p:txBody>
-          <a:bodyPr/>
-          <a:lstStyle/>
-          <a:p>
-            <a:fld id="{202E1EC2-47B8-044B-A09E-6A63B4D80C87}" type="datetime1">
-              <a:rPr lang="fi-FI" smtClean="0"/>
-              <a:t>25.1.2024</a:t>
-            </a:fld>
-            <a:endParaRPr lang="en-GB"/>
-          </a:p>
-        </p:txBody>
-      </p:sp>
-      <p:sp>
-        <p:nvSpPr>
-          <p:cNvPr id="6" name="Footer Placeholder 5">
-            <a:extLst>
-              <a:ext uri="{FF2B5EF4-FFF2-40B4-BE49-F238E27FC236}">
-                <a16:creationId xmlns:a16="http://schemas.microsoft.com/office/drawing/2014/main" id="{588CE607-4137-8840-8FEA-42EAC857E3A3}"/>
-              </a:ext>
-            </a:extLst>
-          </p:cNvPr>
-          <p:cNvSpPr>
-            <a:spLocks noGrp="1"/>
-          </p:cNvSpPr>
-          <p:nvPr>
-            <p:ph type="ftr" sz="quarter" idx="11"/>
-          </p:nvPr>
-        </p:nvSpPr>
-        <p:spPr/>
-        <p:txBody>
-          <a:bodyPr/>
-          <a:lstStyle/>
-          <a:p>
-            <a:endParaRPr lang="en-GB"/>
-          </a:p>
-        </p:txBody>
-      </p:sp>
-      <p:sp>
-        <p:nvSpPr>
-          <p:cNvPr id="7" name="Slide Number Placeholder 6">
-            <a:extLst>
-              <a:ext uri="{FF2B5EF4-FFF2-40B4-BE49-F238E27FC236}">
-                <a16:creationId xmlns:a16="http://schemas.microsoft.com/office/drawing/2014/main" id="{2E133A96-6C73-0844-B8CB-27C2B5F4CFB1}"/>
-              </a:ext>
-            </a:extLst>
-          </p:cNvPr>
-          <p:cNvSpPr>
-            <a:spLocks noGrp="1"/>
-          </p:cNvSpPr>
-          <p:nvPr>
-            <p:ph type="sldNum" sz="quarter" idx="12"/>
-          </p:nvPr>
-        </p:nvSpPr>
-        <p:spPr/>
-        <p:txBody>
-          <a:bodyPr/>
-          <a:lstStyle/>
-          <a:p>
-            <a:fld id="{76BAB7ED-EDE9-4D4B-9A2D-30E18C47C16E}" type="slidenum">
-              <a:rPr lang="en-GB" smtClean="0"/>
-              <a:t>14</a:t>
-            </a:fld>
-            <a:endParaRPr lang="en-GB"/>
-          </a:p>
-        </p:txBody>
-      </p:sp>
-      <p:pic>
-        <p:nvPicPr>
-          <p:cNvPr id="10" name="Content Placeholder 9" descr="A diagram of a computer system&#10;&#10;Description automatically generated">
-            <a:extLst>
-              <a:ext uri="{FF2B5EF4-FFF2-40B4-BE49-F238E27FC236}">
-                <a16:creationId xmlns:a16="http://schemas.microsoft.com/office/drawing/2014/main" id="{34879080-61FE-6B3A-DE61-5C8F6D2A0273}"/>
-              </a:ext>
-            </a:extLst>
-          </p:cNvPr>
-          <p:cNvPicPr>
-            <a:picLocks noGrp="1" noChangeAspect="1"/>
-          </p:cNvPicPr>
-          <p:nvPr>
-            <p:ph sz="half" idx="2"/>
-          </p:nvPr>
-        </p:nvPicPr>
-        <p:blipFill>
-          <a:blip r:embed="rId2"/>
-          <a:stretch>
-            <a:fillRect/>
-          </a:stretch>
-        </p:blipFill>
-        <p:spPr>
-          <a:xfrm>
-            <a:off x="2933407" y="197987"/>
-            <a:ext cx="8912696" cy="5574660"/>
-          </a:xfrm>
-        </p:spPr>
-      </p:pic>
-      <p:sp>
-        <p:nvSpPr>
-          <p:cNvPr id="12" name="TextBox 11">
-            <a:extLst>
-              <a:ext uri="{FF2B5EF4-FFF2-40B4-BE49-F238E27FC236}">
-                <a16:creationId xmlns:a16="http://schemas.microsoft.com/office/drawing/2014/main" id="{F9375A48-11BB-EBB6-6A50-95AB866A6567}"/>
-              </a:ext>
-            </a:extLst>
-          </p:cNvPr>
-          <p:cNvSpPr txBox="1"/>
-          <p:nvPr/>
-        </p:nvSpPr>
-        <p:spPr>
-          <a:xfrm>
-            <a:off x="423643" y="4837163"/>
-            <a:ext cx="2844344" cy="646331"/>
-          </a:xfrm>
-          <a:prstGeom prst="rect">
-            <a:avLst/>
-          </a:prstGeom>
-          <a:noFill/>
-        </p:spPr>
-        <p:txBody>
-          <a:bodyPr wrap="square">
-            <a:spAutoFit/>
+          <a:bodyPr>
+            <a:normAutofit/>
           </a:bodyPr>
           <a:lstStyle/>
           <a:p>
+            <a:pPr>
+              <a:lnSpc>
+                <a:spcPct val="107000"/>
+              </a:lnSpc>
+              <a:spcAft>
+                <a:spcPts val="800"/>
+              </a:spcAft>
+            </a:pPr>
             <a:r>
               <a:rPr lang="en-US" sz="1800" dirty="0">
                 <a:effectLst/>
@@ -8224,16 +8101,164 @@
                 <a:ea typeface="Calibri" panose="020F0502020204030204" pitchFamily="34" charset="0"/>
                 <a:cs typeface="Times New Roman" panose="02020603050405020304" pitchFamily="18" charset="0"/>
               </a:rPr>
-              <a:t>Source: https://docs.docker.com</a:t>
-            </a:r>
+              <a:t>Persisted folders and files on disk. </a:t>
+            </a:r>
+          </a:p>
+          <a:p>
+            <a:pPr>
+              <a:lnSpc>
+                <a:spcPct val="107000"/>
+              </a:lnSpc>
+              <a:spcAft>
+                <a:spcPts val="800"/>
+              </a:spcAft>
+            </a:pPr>
+            <a:r>
+              <a:rPr lang="en-US" sz="1800" dirty="0">
+                <a:effectLst/>
+                <a:latin typeface="Calibri" panose="020F0502020204030204" pitchFamily="34" charset="0"/>
+                <a:ea typeface="Calibri" panose="020F0502020204030204" pitchFamily="34" charset="0"/>
+                <a:cs typeface="Times New Roman" panose="02020603050405020304" pitchFamily="18" charset="0"/>
+              </a:rPr>
+              <a:t>Allows sharing between containers</a:t>
+            </a:r>
+          </a:p>
+          <a:p>
+            <a:pPr>
+              <a:lnSpc>
+                <a:spcPct val="107000"/>
+              </a:lnSpc>
+              <a:spcAft>
+                <a:spcPts val="800"/>
+              </a:spcAft>
+            </a:pPr>
+            <a:r>
+              <a:rPr lang="en-US" sz="1800" dirty="0">
+                <a:effectLst/>
+                <a:latin typeface="Calibri" panose="020F0502020204030204" pitchFamily="34" charset="0"/>
+                <a:ea typeface="Calibri" panose="020F0502020204030204" pitchFamily="34" charset="0"/>
+                <a:cs typeface="Times New Roman" panose="02020603050405020304" pitchFamily="18" charset="0"/>
+              </a:rPr>
+              <a:t>Also for keeping data between container deletion and re-creation! </a:t>
+            </a:r>
+          </a:p>
+          <a:p>
+            <a:pPr lvl="1">
+              <a:lnSpc>
+                <a:spcPct val="107000"/>
+              </a:lnSpc>
+              <a:spcAft>
+                <a:spcPts val="800"/>
+              </a:spcAft>
+            </a:pPr>
+            <a:r>
+              <a:rPr lang="en-US" dirty="0">
+                <a:effectLst/>
+                <a:latin typeface="Calibri" panose="020F0502020204030204" pitchFamily="34" charset="0"/>
+                <a:ea typeface="Calibri" panose="020F0502020204030204" pitchFamily="34" charset="0"/>
+                <a:cs typeface="Times New Roman" panose="02020603050405020304" pitchFamily="18" charset="0"/>
+              </a:rPr>
+              <a:t>(Container is deleted totally, but volume resides by default in the host file system)</a:t>
+            </a:r>
+            <a:endParaRPr lang="fi-FI" dirty="0">
+              <a:effectLst/>
+              <a:latin typeface="Calibri" panose="020F0502020204030204" pitchFamily="34" charset="0"/>
+              <a:ea typeface="Calibri" panose="020F0502020204030204" pitchFamily="34" charset="0"/>
+              <a:cs typeface="Times New Roman" panose="02020603050405020304" pitchFamily="18" charset="0"/>
+            </a:endParaRPr>
+          </a:p>
+          <a:p>
             <a:endParaRPr lang="fi-FI" dirty="0"/>
+          </a:p>
+        </p:txBody>
+      </p:sp>
+      <p:sp>
+        <p:nvSpPr>
+          <p:cNvPr id="5" name="Date Placeholder 4">
+            <a:extLst>
+              <a:ext uri="{FF2B5EF4-FFF2-40B4-BE49-F238E27FC236}">
+                <a16:creationId xmlns:a16="http://schemas.microsoft.com/office/drawing/2014/main" id="{976244E2-AA76-2742-B2EC-FEC79276155C}"/>
+              </a:ext>
+            </a:extLst>
+          </p:cNvPr>
+          <p:cNvSpPr>
+            <a:spLocks noGrp="1"/>
+          </p:cNvSpPr>
+          <p:nvPr>
+            <p:ph type="dt" sz="half" idx="10"/>
+          </p:nvPr>
+        </p:nvSpPr>
+        <p:spPr/>
+        <p:txBody>
+          <a:bodyPr/>
+          <a:lstStyle/>
+          <a:p>
+            <a:fld id="{202E1EC2-47B8-044B-A09E-6A63B4D80C87}" type="datetime1">
+              <a:rPr lang="fi-FI" smtClean="0"/>
+              <a:t>18.2.2024</a:t>
+            </a:fld>
+            <a:endParaRPr lang="en-GB"/>
+          </a:p>
+        </p:txBody>
+      </p:sp>
+      <p:sp>
+        <p:nvSpPr>
+          <p:cNvPr id="6" name="Footer Placeholder 5">
+            <a:extLst>
+              <a:ext uri="{FF2B5EF4-FFF2-40B4-BE49-F238E27FC236}">
+                <a16:creationId xmlns:a16="http://schemas.microsoft.com/office/drawing/2014/main" id="{588CE607-4137-8840-8FEA-42EAC857E3A3}"/>
+              </a:ext>
+            </a:extLst>
+          </p:cNvPr>
+          <p:cNvSpPr>
+            <a:spLocks noGrp="1"/>
+          </p:cNvSpPr>
+          <p:nvPr>
+            <p:ph type="ftr" sz="quarter" idx="11"/>
+          </p:nvPr>
+        </p:nvSpPr>
+        <p:spPr/>
+        <p:txBody>
+          <a:bodyPr/>
+          <a:lstStyle/>
+          <a:p>
+            <a:endParaRPr lang="en-GB"/>
+          </a:p>
+        </p:txBody>
+      </p:sp>
+      <p:sp>
+        <p:nvSpPr>
+          <p:cNvPr id="7" name="Slide Number Placeholder 6">
+            <a:extLst>
+              <a:ext uri="{FF2B5EF4-FFF2-40B4-BE49-F238E27FC236}">
+                <a16:creationId xmlns:a16="http://schemas.microsoft.com/office/drawing/2014/main" id="{2E133A96-6C73-0844-B8CB-27C2B5F4CFB1}"/>
+              </a:ext>
+            </a:extLst>
+          </p:cNvPr>
+          <p:cNvSpPr>
+            <a:spLocks noGrp="1"/>
+          </p:cNvSpPr>
+          <p:nvPr>
+            <p:ph type="sldNum" sz="quarter" idx="12"/>
+          </p:nvPr>
+        </p:nvSpPr>
+        <p:spPr/>
+        <p:txBody>
+          <a:bodyPr/>
+          <a:lstStyle/>
+          <a:p>
+            <a:fld id="{76BAB7ED-EDE9-4D4B-9A2D-30E18C47C16E}" type="slidenum">
+              <a:rPr lang="en-GB" smtClean="0"/>
+              <a:t>14</a:t>
+            </a:fld>
+            <a:endParaRPr lang="en-GB"/>
           </a:p>
         </p:txBody>
       </p:sp>
     </p:spTree>
     <p:extLst>
       <p:ext uri="{BB962C8B-B14F-4D97-AF65-F5344CB8AC3E}">
-        <p14:creationId xmlns:p14="http://schemas.microsoft.com/office/powerpoint/2010/main" val="836683022"/>
+        <p14:creationId xmlns:p14="http://schemas.microsoft.com/office/powerpoint/2010/main" val="1194808136"/>
       </p:ext>
     </p:extLst>
   </p:cSld>
@@ -8283,7 +8308,7 @@
           <a:p>
             <a:r>
               <a:rPr lang="fi-FI" dirty="0" err="1"/>
-              <a:t>network</a:t>
+              <a:t>volume</a:t>
             </a:r>
             <a:endParaRPr lang="fi-FI" dirty="0"/>
           </a:p>
@@ -8291,35 +8316,144 @@
       </p:sp>
       <p:sp>
         <p:nvSpPr>
-          <p:cNvPr id="9" name="Content Placeholder 8">
-            <a:extLst>
-              <a:ext uri="{FF2B5EF4-FFF2-40B4-BE49-F238E27FC236}">
-                <a16:creationId xmlns:a16="http://schemas.microsoft.com/office/drawing/2014/main" id="{ACDE61D8-A75A-F94B-B57A-46F276C03311}"/>
-              </a:ext>
-            </a:extLst>
-          </p:cNvPr>
-          <p:cNvSpPr>
-            <a:spLocks noGrp="1"/>
-          </p:cNvSpPr>
+          <p:cNvPr id="5" name="Date Placeholder 4">
+            <a:extLst>
+              <a:ext uri="{FF2B5EF4-FFF2-40B4-BE49-F238E27FC236}">
+                <a16:creationId xmlns:a16="http://schemas.microsoft.com/office/drawing/2014/main" id="{976244E2-AA76-2742-B2EC-FEC79276155C}"/>
+              </a:ext>
+            </a:extLst>
+          </p:cNvPr>
+          <p:cNvSpPr>
+            <a:spLocks noGrp="1"/>
+          </p:cNvSpPr>
+          <p:nvPr>
+            <p:ph type="dt" sz="half" idx="10"/>
+          </p:nvPr>
+        </p:nvSpPr>
+        <p:spPr/>
+        <p:txBody>
+          <a:bodyPr/>
+          <a:lstStyle/>
+          <a:p>
+            <a:fld id="{202E1EC2-47B8-044B-A09E-6A63B4D80C87}" type="datetime1">
+              <a:rPr lang="fi-FI" smtClean="0"/>
+              <a:t>18.2.2024</a:t>
+            </a:fld>
+            <a:endParaRPr lang="en-GB"/>
+          </a:p>
+        </p:txBody>
+      </p:sp>
+      <p:sp>
+        <p:nvSpPr>
+          <p:cNvPr id="6" name="Footer Placeholder 5">
+            <a:extLst>
+              <a:ext uri="{FF2B5EF4-FFF2-40B4-BE49-F238E27FC236}">
+                <a16:creationId xmlns:a16="http://schemas.microsoft.com/office/drawing/2014/main" id="{588CE607-4137-8840-8FEA-42EAC857E3A3}"/>
+              </a:ext>
+            </a:extLst>
+          </p:cNvPr>
+          <p:cNvSpPr>
+            <a:spLocks noGrp="1"/>
+          </p:cNvSpPr>
+          <p:nvPr>
+            <p:ph type="ftr" sz="quarter" idx="11"/>
+          </p:nvPr>
+        </p:nvSpPr>
+        <p:spPr/>
+        <p:txBody>
+          <a:bodyPr/>
+          <a:lstStyle/>
+          <a:p>
+            <a:endParaRPr lang="en-GB"/>
+          </a:p>
+        </p:txBody>
+      </p:sp>
+      <p:sp>
+        <p:nvSpPr>
+          <p:cNvPr id="7" name="Slide Number Placeholder 6">
+            <a:extLst>
+              <a:ext uri="{FF2B5EF4-FFF2-40B4-BE49-F238E27FC236}">
+                <a16:creationId xmlns:a16="http://schemas.microsoft.com/office/drawing/2014/main" id="{2E133A96-6C73-0844-B8CB-27C2B5F4CFB1}"/>
+              </a:ext>
+            </a:extLst>
+          </p:cNvPr>
+          <p:cNvSpPr>
+            <a:spLocks noGrp="1"/>
+          </p:cNvSpPr>
+          <p:nvPr>
+            <p:ph type="sldNum" sz="quarter" idx="12"/>
+          </p:nvPr>
+        </p:nvSpPr>
+        <p:spPr/>
+        <p:txBody>
+          <a:bodyPr/>
+          <a:lstStyle/>
+          <a:p>
+            <a:fld id="{76BAB7ED-EDE9-4D4B-9A2D-30E18C47C16E}" type="slidenum">
+              <a:rPr lang="en-GB" smtClean="0"/>
+              <a:t>15</a:t>
+            </a:fld>
+            <a:endParaRPr lang="en-GB"/>
+          </a:p>
+        </p:txBody>
+      </p:sp>
+      <p:pic>
+        <p:nvPicPr>
+          <p:cNvPr id="10" name="Content Placeholder 9" descr="A diagram of a computer system&#10;&#10;Description automatically generated">
+            <a:extLst>
+              <a:ext uri="{FF2B5EF4-FFF2-40B4-BE49-F238E27FC236}">
+                <a16:creationId xmlns:a16="http://schemas.microsoft.com/office/drawing/2014/main" id="{34879080-61FE-6B3A-DE61-5C8F6D2A0273}"/>
+              </a:ext>
+            </a:extLst>
+          </p:cNvPr>
+          <p:cNvPicPr>
+            <a:picLocks noGrp="1" noChangeAspect="1"/>
+          </p:cNvPicPr>
           <p:nvPr>
             <p:ph sz="half" idx="2"/>
           </p:nvPr>
-        </p:nvSpPr>
-        <p:spPr/>
-        <p:txBody>
-          <a:bodyPr>
-            <a:normAutofit/>
+        </p:nvPicPr>
+        <p:blipFill>
+          <a:blip r:embed="rId2"/>
+          <a:stretch>
+            <a:fillRect/>
+          </a:stretch>
+        </p:blipFill>
+        <p:spPr>
+          <a:xfrm>
+            <a:off x="2933407" y="197987"/>
+            <a:ext cx="8912696" cy="5574660"/>
+          </a:xfrm>
+        </p:spPr>
+      </p:pic>
+      <p:sp>
+        <p:nvSpPr>
+          <p:cNvPr id="12" name="TextBox 11">
+            <a:extLst>
+              <a:ext uri="{FF2B5EF4-FFF2-40B4-BE49-F238E27FC236}">
+                <a16:creationId xmlns:a16="http://schemas.microsoft.com/office/drawing/2014/main" id="{F9375A48-11BB-EBB6-6A50-95AB866A6567}"/>
+              </a:ext>
+            </a:extLst>
+          </p:cNvPr>
+          <p:cNvSpPr txBox="1"/>
+          <p:nvPr/>
+        </p:nvSpPr>
+        <p:spPr>
+          <a:xfrm>
+            <a:off x="423643" y="4837163"/>
+            <a:ext cx="2844344" cy="646331"/>
+          </a:xfrm>
+          <a:prstGeom prst="rect">
+            <a:avLst/>
+          </a:prstGeom>
+          <a:noFill/>
+        </p:spPr>
+        <p:txBody>
+          <a:bodyPr wrap="square">
+            <a:spAutoFit/>
           </a:bodyPr>
           <a:lstStyle/>
           <a:p>
-            <a:pPr>
-              <a:lnSpc>
-                <a:spcPct val="107000"/>
-              </a:lnSpc>
-              <a:spcAft>
-                <a:spcPts val="800"/>
-              </a:spcAft>
-            </a:pPr>
             <a:r>
               <a:rPr lang="en-US" sz="1800" dirty="0">
                 <a:effectLst/>
@@ -8327,289 +8461,16 @@
                 <a:ea typeface="Calibri" panose="020F0502020204030204" pitchFamily="34" charset="0"/>
                 <a:cs typeface="Times New Roman" panose="02020603050405020304" pitchFamily="18" charset="0"/>
               </a:rPr>
-              <a:t>Allows (by default isolated) containers to communicate with each other, or the host computer</a:t>
-            </a:r>
-          </a:p>
-          <a:p>
-            <a:pPr>
-              <a:lnSpc>
-                <a:spcPct val="107000"/>
-              </a:lnSpc>
-              <a:spcAft>
-                <a:spcPts val="800"/>
-              </a:spcAft>
-            </a:pPr>
-            <a:r>
-              <a:rPr lang="en-US" sz="1800" dirty="0">
-                <a:effectLst/>
-                <a:latin typeface="Calibri" panose="020F0502020204030204" pitchFamily="34" charset="0"/>
-                <a:ea typeface="Calibri" panose="020F0502020204030204" pitchFamily="34" charset="0"/>
-                <a:cs typeface="Times New Roman" panose="02020603050405020304" pitchFamily="18" charset="0"/>
-                <a:hlinkClick r:id="rId2"/>
-              </a:rPr>
-              <a:t>https://www.docker.com/blog/docker-compose-networking/</a:t>
-            </a:r>
-            <a:r>
-              <a:rPr lang="en-US" dirty="0">
-                <a:latin typeface="Calibri" panose="020F0502020204030204" pitchFamily="34" charset="0"/>
-                <a:ea typeface="Calibri" panose="020F0502020204030204" pitchFamily="34" charset="0"/>
-                <a:cs typeface="Times New Roman" panose="02020603050405020304" pitchFamily="18" charset="0"/>
-              </a:rPr>
-              <a:t> </a:t>
-            </a:r>
-            <a:endParaRPr lang="en-US" sz="1800" dirty="0">
-              <a:effectLst/>
-              <a:latin typeface="Calibri" panose="020F0502020204030204" pitchFamily="34" charset="0"/>
-              <a:ea typeface="Calibri" panose="020F0502020204030204" pitchFamily="34" charset="0"/>
-              <a:cs typeface="Times New Roman" panose="02020603050405020304" pitchFamily="18" charset="0"/>
-            </a:endParaRPr>
-          </a:p>
-          <a:p>
-            <a:pPr>
-              <a:lnSpc>
-                <a:spcPct val="107000"/>
-              </a:lnSpc>
-              <a:spcAft>
-                <a:spcPts val="800"/>
-              </a:spcAft>
-            </a:pPr>
-            <a:r>
-              <a:rPr lang="en-US" dirty="0">
-                <a:latin typeface="Calibri" panose="020F0502020204030204" pitchFamily="34" charset="0"/>
-                <a:ea typeface="Calibri" panose="020F0502020204030204" pitchFamily="34" charset="0"/>
-                <a:cs typeface="Times New Roman" panose="02020603050405020304" pitchFamily="18" charset="0"/>
-              </a:rPr>
-              <a:t>There are multiple network configurations available, e.g. Bridge, Host, Overlay, none</a:t>
-            </a:r>
-            <a:endParaRPr lang="en-US" sz="1800" dirty="0">
-              <a:effectLst/>
-              <a:latin typeface="Calibri" panose="020F0502020204030204" pitchFamily="34" charset="0"/>
-              <a:ea typeface="Calibri" panose="020F0502020204030204" pitchFamily="34" charset="0"/>
-              <a:cs typeface="Times New Roman" panose="02020603050405020304" pitchFamily="18" charset="0"/>
-            </a:endParaRPr>
-          </a:p>
-          <a:p>
-            <a:pPr>
-              <a:lnSpc>
-                <a:spcPct val="107000"/>
-              </a:lnSpc>
-              <a:spcAft>
-                <a:spcPts val="800"/>
-              </a:spcAft>
-            </a:pPr>
-            <a:r>
-              <a:rPr lang="en-US" sz="1800" dirty="0">
-                <a:effectLst/>
-                <a:latin typeface="Calibri" panose="020F0502020204030204" pitchFamily="34" charset="0"/>
-                <a:ea typeface="Calibri" panose="020F0502020204030204" pitchFamily="34" charset="0"/>
-                <a:cs typeface="Times New Roman" panose="02020603050405020304" pitchFamily="18" charset="0"/>
-                <a:hlinkClick r:id="rId3"/>
-              </a:rPr>
-              <a:t>https://docs.docker.com/network/drivers/bridge/</a:t>
-            </a:r>
-            <a:r>
-              <a:rPr lang="en-US" dirty="0">
-                <a:latin typeface="Calibri" panose="020F0502020204030204" pitchFamily="34" charset="0"/>
-                <a:ea typeface="Calibri" panose="020F0502020204030204" pitchFamily="34" charset="0"/>
-                <a:cs typeface="Times New Roman" panose="02020603050405020304" pitchFamily="18" charset="0"/>
-              </a:rPr>
-              <a:t>   </a:t>
-            </a:r>
-            <a:r>
-              <a:rPr lang="en-US" b="1" dirty="0">
-                <a:latin typeface="Calibri" panose="020F0502020204030204" pitchFamily="34" charset="0"/>
-                <a:ea typeface="Calibri" panose="020F0502020204030204" pitchFamily="34" charset="0"/>
-                <a:cs typeface="Times New Roman" panose="02020603050405020304" pitchFamily="18" charset="0"/>
-              </a:rPr>
-              <a:t>Bridge</a:t>
-            </a:r>
-            <a:r>
-              <a:rPr lang="en-US" dirty="0">
-                <a:latin typeface="Calibri" panose="020F0502020204030204" pitchFamily="34" charset="0"/>
-                <a:ea typeface="Calibri" panose="020F0502020204030204" pitchFamily="34" charset="0"/>
-                <a:cs typeface="Times New Roman" panose="02020603050405020304" pitchFamily="18" charset="0"/>
-              </a:rPr>
-              <a:t> is the normal one, letting included containers communicate with each other.</a:t>
-            </a:r>
-          </a:p>
-          <a:p>
-            <a:pPr>
-              <a:lnSpc>
-                <a:spcPct val="107000"/>
-              </a:lnSpc>
-              <a:spcAft>
-                <a:spcPts val="800"/>
-              </a:spcAft>
-            </a:pPr>
-            <a:r>
-              <a:rPr lang="en-US" sz="1800" dirty="0">
-                <a:effectLst/>
-                <a:latin typeface="Calibri" panose="020F0502020204030204" pitchFamily="34" charset="0"/>
-                <a:ea typeface="Calibri" panose="020F0502020204030204" pitchFamily="34" charset="0"/>
-                <a:cs typeface="Times New Roman" panose="02020603050405020304" pitchFamily="18" charset="0"/>
-                <a:hlinkClick r:id="rId4"/>
-              </a:rPr>
-              <a:t>https://docs.docker.com/network/drivers/host/</a:t>
-            </a:r>
-            <a:r>
-              <a:rPr lang="en-US" sz="1800" dirty="0">
-                <a:effectLst/>
-                <a:latin typeface="Calibri" panose="020F0502020204030204" pitchFamily="34" charset="0"/>
-                <a:ea typeface="Calibri" panose="020F0502020204030204" pitchFamily="34" charset="0"/>
-                <a:cs typeface="Times New Roman" panose="02020603050405020304" pitchFamily="18" charset="0"/>
-              </a:rPr>
-              <a:t> </a:t>
-            </a:r>
-            <a:r>
-              <a:rPr lang="en-US" sz="1800" b="1" dirty="0">
-                <a:effectLst/>
-                <a:latin typeface="Calibri" panose="020F0502020204030204" pitchFamily="34" charset="0"/>
-                <a:ea typeface="Calibri" panose="020F0502020204030204" pitchFamily="34" charset="0"/>
-                <a:cs typeface="Times New Roman" panose="02020603050405020304" pitchFamily="18" charset="0"/>
-              </a:rPr>
-              <a:t>Host</a:t>
-            </a:r>
-            <a:r>
-              <a:rPr lang="en-US" sz="1800" dirty="0">
-                <a:effectLst/>
-                <a:latin typeface="Calibri" panose="020F0502020204030204" pitchFamily="34" charset="0"/>
-                <a:ea typeface="Calibri" panose="020F0502020204030204" pitchFamily="34" charset="0"/>
-                <a:cs typeface="Times New Roman" panose="02020603050405020304" pitchFamily="18" charset="0"/>
-              </a:rPr>
-              <a:t> refers to the host computer where Docker engine is run. Do you want to e.g. </a:t>
-            </a:r>
-            <a:r>
-              <a:rPr lang="en-US" dirty="0">
-                <a:latin typeface="Calibri" panose="020F0502020204030204" pitchFamily="34" charset="0"/>
-                <a:ea typeface="Calibri" panose="020F0502020204030204" pitchFamily="34" charset="0"/>
-                <a:cs typeface="Times New Roman" panose="02020603050405020304" pitchFamily="18" charset="0"/>
-              </a:rPr>
-              <a:t>let the containers interact with your host computer services? Sometimes absolutely not, some rare times yes.</a:t>
-            </a:r>
-            <a:endParaRPr lang="en-US" sz="1800" dirty="0">
-              <a:effectLst/>
-              <a:latin typeface="Calibri" panose="020F0502020204030204" pitchFamily="34" charset="0"/>
-              <a:ea typeface="Calibri" panose="020F0502020204030204" pitchFamily="34" charset="0"/>
-              <a:cs typeface="Times New Roman" panose="02020603050405020304" pitchFamily="18" charset="0"/>
-            </a:endParaRPr>
-          </a:p>
-          <a:p>
-            <a:pPr>
-              <a:lnSpc>
-                <a:spcPct val="107000"/>
-              </a:lnSpc>
-              <a:spcAft>
-                <a:spcPts val="800"/>
-              </a:spcAft>
-            </a:pPr>
-            <a:r>
-              <a:rPr lang="en-US" sz="1800" dirty="0">
-                <a:effectLst/>
-                <a:latin typeface="Calibri" panose="020F0502020204030204" pitchFamily="34" charset="0"/>
-                <a:ea typeface="Calibri" panose="020F0502020204030204" pitchFamily="34" charset="0"/>
-                <a:cs typeface="Times New Roman" panose="02020603050405020304" pitchFamily="18" charset="0"/>
-              </a:rPr>
-              <a:t>Also for keeping data between container deletion and re-creation!</a:t>
-            </a:r>
-            <a:endParaRPr lang="fi-FI" sz="1800" dirty="0">
-              <a:effectLst/>
-              <a:latin typeface="Calibri" panose="020F0502020204030204" pitchFamily="34" charset="0"/>
-              <a:ea typeface="Calibri" panose="020F0502020204030204" pitchFamily="34" charset="0"/>
-              <a:cs typeface="Times New Roman" panose="02020603050405020304" pitchFamily="18" charset="0"/>
-            </a:endParaRPr>
-          </a:p>
-          <a:p>
+              <a:t>Source: https://docs.docker.com</a:t>
+            </a:r>
             <a:endParaRPr lang="fi-FI" dirty="0"/>
-          </a:p>
-        </p:txBody>
-      </p:sp>
-      <p:sp>
-        <p:nvSpPr>
-          <p:cNvPr id="5" name="Date Placeholder 4">
-            <a:extLst>
-              <a:ext uri="{FF2B5EF4-FFF2-40B4-BE49-F238E27FC236}">
-                <a16:creationId xmlns:a16="http://schemas.microsoft.com/office/drawing/2014/main" id="{976244E2-AA76-2742-B2EC-FEC79276155C}"/>
-              </a:ext>
-            </a:extLst>
-          </p:cNvPr>
-          <p:cNvSpPr>
-            <a:spLocks noGrp="1"/>
-          </p:cNvSpPr>
-          <p:nvPr>
-            <p:ph type="dt" sz="half" idx="10"/>
-          </p:nvPr>
-        </p:nvSpPr>
-        <p:spPr/>
-        <p:txBody>
-          <a:bodyPr/>
-          <a:lstStyle/>
-          <a:p>
-            <a:fld id="{202E1EC2-47B8-044B-A09E-6A63B4D80C87}" type="datetime1">
-              <a:rPr lang="fi-FI" smtClean="0"/>
-              <a:t>25.1.2024</a:t>
-            </a:fld>
-            <a:endParaRPr lang="en-GB"/>
-          </a:p>
-        </p:txBody>
-      </p:sp>
-      <p:sp>
-        <p:nvSpPr>
-          <p:cNvPr id="6" name="Footer Placeholder 5">
-            <a:extLst>
-              <a:ext uri="{FF2B5EF4-FFF2-40B4-BE49-F238E27FC236}">
-                <a16:creationId xmlns:a16="http://schemas.microsoft.com/office/drawing/2014/main" id="{588CE607-4137-8840-8FEA-42EAC857E3A3}"/>
-              </a:ext>
-            </a:extLst>
-          </p:cNvPr>
-          <p:cNvSpPr>
-            <a:spLocks noGrp="1"/>
-          </p:cNvSpPr>
-          <p:nvPr>
-            <p:ph type="ftr" sz="quarter" idx="11"/>
-          </p:nvPr>
-        </p:nvSpPr>
-        <p:spPr/>
-        <p:txBody>
-          <a:bodyPr/>
-          <a:lstStyle/>
-          <a:p>
-            <a:endParaRPr lang="en-GB"/>
-          </a:p>
-        </p:txBody>
-      </p:sp>
-      <p:sp>
-        <p:nvSpPr>
-          <p:cNvPr id="7" name="Slide Number Placeholder 6">
-            <a:extLst>
-              <a:ext uri="{FF2B5EF4-FFF2-40B4-BE49-F238E27FC236}">
-                <a16:creationId xmlns:a16="http://schemas.microsoft.com/office/drawing/2014/main" id="{2E133A96-6C73-0844-B8CB-27C2B5F4CFB1}"/>
-              </a:ext>
-            </a:extLst>
-          </p:cNvPr>
-          <p:cNvSpPr>
-            <a:spLocks noGrp="1"/>
-          </p:cNvSpPr>
-          <p:nvPr>
-            <p:ph type="sldNum" sz="quarter" idx="12"/>
-          </p:nvPr>
-        </p:nvSpPr>
-        <p:spPr/>
-        <p:txBody>
-          <a:bodyPr/>
-          <a:lstStyle/>
-          <a:p>
-            <a:fld id="{76BAB7ED-EDE9-4D4B-9A2D-30E18C47C16E}" type="slidenum">
-              <a:rPr lang="en-GB" smtClean="0"/>
-              <a:t>15</a:t>
-            </a:fld>
-            <a:endParaRPr lang="en-GB"/>
           </a:p>
         </p:txBody>
       </p:sp>
     </p:spTree>
     <p:extLst>
       <p:ext uri="{BB962C8B-B14F-4D97-AF65-F5344CB8AC3E}">
-        <p14:creationId xmlns:p14="http://schemas.microsoft.com/office/powerpoint/2010/main" val="3362218849"/>
+        <p14:creationId xmlns:p14="http://schemas.microsoft.com/office/powerpoint/2010/main" val="836683022"/>
       </p:ext>
     </p:extLst>
   </p:cSld>
@@ -8667,115 +8528,40 @@
       </p:sp>
       <p:sp>
         <p:nvSpPr>
-          <p:cNvPr id="5" name="Date Placeholder 4">
-            <a:extLst>
-              <a:ext uri="{FF2B5EF4-FFF2-40B4-BE49-F238E27FC236}">
-                <a16:creationId xmlns:a16="http://schemas.microsoft.com/office/drawing/2014/main" id="{976244E2-AA76-2742-B2EC-FEC79276155C}"/>
-              </a:ext>
-            </a:extLst>
-          </p:cNvPr>
-          <p:cNvSpPr>
-            <a:spLocks noGrp="1"/>
-          </p:cNvSpPr>
-          <p:nvPr>
-            <p:ph type="dt" sz="half" idx="10"/>
-          </p:nvPr>
-        </p:nvSpPr>
-        <p:spPr/>
-        <p:txBody>
-          <a:bodyPr/>
-          <a:lstStyle/>
-          <a:p>
-            <a:fld id="{202E1EC2-47B8-044B-A09E-6A63B4D80C87}" type="datetime1">
-              <a:rPr lang="fi-FI" smtClean="0"/>
-              <a:t>25.1.2024</a:t>
-            </a:fld>
-            <a:endParaRPr lang="en-GB"/>
-          </a:p>
-        </p:txBody>
-      </p:sp>
-      <p:sp>
-        <p:nvSpPr>
-          <p:cNvPr id="6" name="Footer Placeholder 5">
-            <a:extLst>
-              <a:ext uri="{FF2B5EF4-FFF2-40B4-BE49-F238E27FC236}">
-                <a16:creationId xmlns:a16="http://schemas.microsoft.com/office/drawing/2014/main" id="{588CE607-4137-8840-8FEA-42EAC857E3A3}"/>
-              </a:ext>
-            </a:extLst>
-          </p:cNvPr>
-          <p:cNvSpPr>
-            <a:spLocks noGrp="1"/>
-          </p:cNvSpPr>
-          <p:nvPr>
-            <p:ph type="ftr" sz="quarter" idx="11"/>
-          </p:nvPr>
-        </p:nvSpPr>
-        <p:spPr/>
-        <p:txBody>
-          <a:bodyPr/>
-          <a:lstStyle/>
-          <a:p>
-            <a:endParaRPr lang="en-GB"/>
-          </a:p>
-        </p:txBody>
-      </p:sp>
-      <p:sp>
-        <p:nvSpPr>
-          <p:cNvPr id="7" name="Slide Number Placeholder 6">
-            <a:extLst>
-              <a:ext uri="{FF2B5EF4-FFF2-40B4-BE49-F238E27FC236}">
-                <a16:creationId xmlns:a16="http://schemas.microsoft.com/office/drawing/2014/main" id="{2E133A96-6C73-0844-B8CB-27C2B5F4CFB1}"/>
-              </a:ext>
-            </a:extLst>
-          </p:cNvPr>
-          <p:cNvSpPr>
-            <a:spLocks noGrp="1"/>
-          </p:cNvSpPr>
-          <p:nvPr>
-            <p:ph type="sldNum" sz="quarter" idx="12"/>
-          </p:nvPr>
-        </p:nvSpPr>
-        <p:spPr/>
-        <p:txBody>
-          <a:bodyPr/>
-          <a:lstStyle/>
-          <a:p>
-            <a:fld id="{76BAB7ED-EDE9-4D4B-9A2D-30E18C47C16E}" type="slidenum">
-              <a:rPr lang="en-GB" smtClean="0"/>
-              <a:t>16</a:t>
-            </a:fld>
-            <a:endParaRPr lang="en-GB"/>
-          </a:p>
-        </p:txBody>
-      </p:sp>
-      <p:sp>
-        <p:nvSpPr>
-          <p:cNvPr id="12" name="TextBox 11">
-            <a:extLst>
-              <a:ext uri="{FF2B5EF4-FFF2-40B4-BE49-F238E27FC236}">
-                <a16:creationId xmlns:a16="http://schemas.microsoft.com/office/drawing/2014/main" id="{F9375A48-11BB-EBB6-6A50-95AB866A6567}"/>
-              </a:ext>
-            </a:extLst>
-          </p:cNvPr>
-          <p:cNvSpPr txBox="1"/>
-          <p:nvPr/>
+          <p:cNvPr id="9" name="Content Placeholder 8">
+            <a:extLst>
+              <a:ext uri="{FF2B5EF4-FFF2-40B4-BE49-F238E27FC236}">
+                <a16:creationId xmlns:a16="http://schemas.microsoft.com/office/drawing/2014/main" id="{ACDE61D8-A75A-F94B-B57A-46F276C03311}"/>
+              </a:ext>
+            </a:extLst>
+          </p:cNvPr>
+          <p:cNvSpPr>
+            <a:spLocks noGrp="1"/>
+          </p:cNvSpPr>
+          <p:nvPr>
+            <p:ph sz="half" idx="2"/>
+          </p:nvPr>
         </p:nvSpPr>
         <p:spPr>
           <a:xfrm>
-            <a:off x="423643" y="4837163"/>
-            <a:ext cx="2844344" cy="646331"/>
+            <a:off x="550864" y="1091001"/>
+            <a:ext cx="11125198" cy="4822437"/>
           </a:xfrm>
-          <a:prstGeom prst="rect">
-            <a:avLst/>
-          </a:prstGeom>
-          <a:noFill/>
         </p:spPr>
         <p:txBody>
-          <a:bodyPr wrap="square">
-            <a:spAutoFit/>
+          <a:bodyPr>
+            <a:normAutofit fontScale="92500" lnSpcReduction="20000"/>
           </a:bodyPr>
           <a:lstStyle/>
           <a:p>
+            <a:pPr>
+              <a:lnSpc>
+                <a:spcPct val="107000"/>
+              </a:lnSpc>
+              <a:spcAft>
+                <a:spcPts val="800"/>
+              </a:spcAft>
+            </a:pPr>
             <a:r>
               <a:rPr lang="en-US" sz="1800" dirty="0">
                 <a:effectLst/>
@@ -8783,45 +8569,424 @@
                 <a:ea typeface="Calibri" panose="020F0502020204030204" pitchFamily="34" charset="0"/>
                 <a:cs typeface="Times New Roman" panose="02020603050405020304" pitchFamily="18" charset="0"/>
               </a:rPr>
-              <a:t>Source: https://docs.docker.com</a:t>
-            </a:r>
+              <a:t>Allows (by default isolated) containers to communicate with each other, or the host computer</a:t>
+            </a:r>
+          </a:p>
+          <a:p>
+            <a:pPr>
+              <a:lnSpc>
+                <a:spcPct val="107000"/>
+              </a:lnSpc>
+              <a:spcAft>
+                <a:spcPts val="800"/>
+              </a:spcAft>
+            </a:pPr>
+            <a:r>
+              <a:rPr lang="en-US" sz="1800" dirty="0">
+                <a:effectLst/>
+                <a:latin typeface="Calibri" panose="020F0502020204030204" pitchFamily="34" charset="0"/>
+                <a:ea typeface="Calibri" panose="020F0502020204030204" pitchFamily="34" charset="0"/>
+                <a:cs typeface="Times New Roman" panose="02020603050405020304" pitchFamily="18" charset="0"/>
+                <a:hlinkClick r:id="rId2"/>
+              </a:rPr>
+              <a:t>https://www.docker.com/blog/docker-compose-networking/</a:t>
+            </a:r>
+            <a:r>
+              <a:rPr lang="en-US" dirty="0">
+                <a:latin typeface="Calibri" panose="020F0502020204030204" pitchFamily="34" charset="0"/>
+                <a:ea typeface="Calibri" panose="020F0502020204030204" pitchFamily="34" charset="0"/>
+                <a:cs typeface="Times New Roman" panose="02020603050405020304" pitchFamily="18" charset="0"/>
+              </a:rPr>
+              <a:t> </a:t>
+            </a:r>
+            <a:endParaRPr lang="en-US" sz="1800" dirty="0">
+              <a:effectLst/>
+              <a:latin typeface="Calibri" panose="020F0502020204030204" pitchFamily="34" charset="0"/>
+              <a:ea typeface="Calibri" panose="020F0502020204030204" pitchFamily="34" charset="0"/>
+              <a:cs typeface="Times New Roman" panose="02020603050405020304" pitchFamily="18" charset="0"/>
+            </a:endParaRPr>
+          </a:p>
+          <a:p>
+            <a:pPr>
+              <a:lnSpc>
+                <a:spcPct val="107000"/>
+              </a:lnSpc>
+              <a:spcAft>
+                <a:spcPts val="800"/>
+              </a:spcAft>
+            </a:pPr>
+            <a:r>
+              <a:rPr lang="en-US" dirty="0">
+                <a:latin typeface="Calibri" panose="020F0502020204030204" pitchFamily="34" charset="0"/>
+                <a:ea typeface="Calibri" panose="020F0502020204030204" pitchFamily="34" charset="0"/>
+                <a:cs typeface="Times New Roman" panose="02020603050405020304" pitchFamily="18" charset="0"/>
+              </a:rPr>
+              <a:t>There are multiple network configurations available, e.g. Bridge, Host, none, (Overlay, etc.)</a:t>
+            </a:r>
+            <a:endParaRPr lang="en-US" sz="1800" dirty="0">
+              <a:effectLst/>
+              <a:latin typeface="Calibri" panose="020F0502020204030204" pitchFamily="34" charset="0"/>
+              <a:ea typeface="Calibri" panose="020F0502020204030204" pitchFamily="34" charset="0"/>
+              <a:cs typeface="Times New Roman" panose="02020603050405020304" pitchFamily="18" charset="0"/>
+            </a:endParaRPr>
+          </a:p>
+          <a:p>
+            <a:pPr>
+              <a:lnSpc>
+                <a:spcPct val="107000"/>
+              </a:lnSpc>
+              <a:spcAft>
+                <a:spcPts val="800"/>
+              </a:spcAft>
+            </a:pPr>
+            <a:r>
+              <a:rPr lang="en-US" sz="1800" dirty="0">
+                <a:effectLst/>
+                <a:latin typeface="Calibri" panose="020F0502020204030204" pitchFamily="34" charset="0"/>
+                <a:ea typeface="Calibri" panose="020F0502020204030204" pitchFamily="34" charset="0"/>
+                <a:cs typeface="Times New Roman" panose="02020603050405020304" pitchFamily="18" charset="0"/>
+                <a:hlinkClick r:id="rId3"/>
+              </a:rPr>
+              <a:t>https://docs.docker.com/network/drivers/bridge/</a:t>
+            </a:r>
+            <a:r>
+              <a:rPr lang="en-US" dirty="0">
+                <a:latin typeface="Calibri" panose="020F0502020204030204" pitchFamily="34" charset="0"/>
+                <a:ea typeface="Calibri" panose="020F0502020204030204" pitchFamily="34" charset="0"/>
+                <a:cs typeface="Times New Roman" panose="02020603050405020304" pitchFamily="18" charset="0"/>
+              </a:rPr>
+              <a:t>   </a:t>
+            </a:r>
+            <a:r>
+              <a:rPr lang="en-US" b="1" dirty="0">
+                <a:latin typeface="Calibri" panose="020F0502020204030204" pitchFamily="34" charset="0"/>
+                <a:ea typeface="Calibri" panose="020F0502020204030204" pitchFamily="34" charset="0"/>
+                <a:cs typeface="Times New Roman" panose="02020603050405020304" pitchFamily="18" charset="0"/>
+              </a:rPr>
+              <a:t>Bridge</a:t>
+            </a:r>
+            <a:r>
+              <a:rPr lang="en-US" dirty="0">
+                <a:latin typeface="Calibri" panose="020F0502020204030204" pitchFamily="34" charset="0"/>
+                <a:ea typeface="Calibri" panose="020F0502020204030204" pitchFamily="34" charset="0"/>
+                <a:cs typeface="Times New Roman" panose="02020603050405020304" pitchFamily="18" charset="0"/>
+              </a:rPr>
+              <a:t> network is the normal one, letting included containers communicate with each other.</a:t>
+            </a:r>
+          </a:p>
+          <a:p>
+            <a:pPr lvl="1">
+              <a:lnSpc>
+                <a:spcPct val="107000"/>
+              </a:lnSpc>
+              <a:spcAft>
+                <a:spcPts val="800"/>
+              </a:spcAft>
+            </a:pPr>
+            <a:r>
+              <a:rPr lang="en-US" b="1" dirty="0" err="1">
+                <a:highlight>
+                  <a:srgbClr val="00FF00"/>
+                </a:highlight>
+                <a:latin typeface="Calibri" panose="020F0502020204030204" pitchFamily="34" charset="0"/>
+                <a:ea typeface="Calibri" panose="020F0502020204030204" pitchFamily="34" charset="0"/>
+                <a:cs typeface="Times New Roman" panose="02020603050405020304" pitchFamily="18" charset="0"/>
+              </a:rPr>
+              <a:t>i</a:t>
+            </a:r>
+            <a:r>
+              <a:rPr lang="en-US" b="1" dirty="0">
+                <a:highlight>
+                  <a:srgbClr val="00FF00"/>
+                </a:highlight>
+                <a:latin typeface="Calibri" panose="020F0502020204030204" pitchFamily="34" charset="0"/>
+                <a:ea typeface="Calibri" panose="020F0502020204030204" pitchFamily="34" charset="0"/>
+                <a:cs typeface="Times New Roman" panose="02020603050405020304" pitchFamily="18" charset="0"/>
+              </a:rPr>
+              <a:t>) default</a:t>
+            </a:r>
+            <a:r>
+              <a:rPr lang="en-US" dirty="0">
+                <a:highlight>
+                  <a:srgbClr val="00FF00"/>
+                </a:highlight>
+                <a:latin typeface="Calibri" panose="020F0502020204030204" pitchFamily="34" charset="0"/>
+                <a:ea typeface="Calibri" panose="020F0502020204030204" pitchFamily="34" charset="0"/>
+                <a:cs typeface="Times New Roman" panose="02020603050405020304" pitchFamily="18" charset="0"/>
+              </a:rPr>
+              <a:t> bridge</a:t>
+            </a:r>
+            <a:r>
+              <a:rPr lang="en-US" dirty="0">
+                <a:latin typeface="Calibri" panose="020F0502020204030204" pitchFamily="34" charset="0"/>
+                <a:ea typeface="Calibri" panose="020F0502020204030204" pitchFamily="34" charset="0"/>
+                <a:cs typeface="Times New Roman" panose="02020603050405020304" pitchFamily="18" charset="0"/>
+              </a:rPr>
+              <a:t>, automatic when you don’t specify any network. If you expose ports, they are visible in the host computer.</a:t>
+            </a:r>
+          </a:p>
+          <a:p>
+            <a:pPr lvl="1">
+              <a:lnSpc>
+                <a:spcPct val="107000"/>
+              </a:lnSpc>
+              <a:spcAft>
+                <a:spcPts val="800"/>
+              </a:spcAft>
+            </a:pPr>
+            <a:r>
+              <a:rPr lang="en-US" b="1" dirty="0">
+                <a:highlight>
+                  <a:srgbClr val="00FF00"/>
+                </a:highlight>
+                <a:latin typeface="Calibri" panose="020F0502020204030204" pitchFamily="34" charset="0"/>
+                <a:ea typeface="Calibri" panose="020F0502020204030204" pitchFamily="34" charset="0"/>
+                <a:cs typeface="Times New Roman" panose="02020603050405020304" pitchFamily="18" charset="0"/>
+              </a:rPr>
+              <a:t>ii) User-defined Bridge</a:t>
+            </a:r>
+            <a:r>
+              <a:rPr lang="en-US" dirty="0">
+                <a:latin typeface="Calibri" panose="020F0502020204030204" pitchFamily="34" charset="0"/>
+                <a:ea typeface="Calibri" panose="020F0502020204030204" pitchFamily="34" charset="0"/>
+                <a:cs typeface="Times New Roman" panose="02020603050405020304" pitchFamily="18" charset="0"/>
+              </a:rPr>
+              <a:t>, now you can use DNS name resolution, containers keep their DNS name. Usually </a:t>
+            </a:r>
+            <a:r>
+              <a:rPr lang="en-US" u="sng" dirty="0">
+                <a:latin typeface="Calibri" panose="020F0502020204030204" pitchFamily="34" charset="0"/>
+                <a:ea typeface="Calibri" panose="020F0502020204030204" pitchFamily="34" charset="0"/>
+                <a:cs typeface="Times New Roman" panose="02020603050405020304" pitchFamily="18" charset="0"/>
+              </a:rPr>
+              <a:t>the recommended network</a:t>
+            </a:r>
+            <a:r>
+              <a:rPr lang="en-US" dirty="0">
+                <a:latin typeface="Calibri" panose="020F0502020204030204" pitchFamily="34" charset="0"/>
+                <a:ea typeface="Calibri" panose="020F0502020204030204" pitchFamily="34" charset="0"/>
+                <a:cs typeface="Times New Roman" panose="02020603050405020304" pitchFamily="18" charset="0"/>
+              </a:rPr>
+              <a:t> in docker, especially when e.g. having backend container communicating internally with database container!</a:t>
+            </a:r>
+          </a:p>
+          <a:p>
+            <a:pPr>
+              <a:lnSpc>
+                <a:spcPct val="107000"/>
+              </a:lnSpc>
+              <a:spcAft>
+                <a:spcPts val="800"/>
+              </a:spcAft>
+            </a:pPr>
+            <a:r>
+              <a:rPr lang="en-US" sz="1800" dirty="0">
+                <a:effectLst/>
+                <a:latin typeface="Calibri" panose="020F0502020204030204" pitchFamily="34" charset="0"/>
+                <a:ea typeface="Calibri" panose="020F0502020204030204" pitchFamily="34" charset="0"/>
+                <a:cs typeface="Times New Roman" panose="02020603050405020304" pitchFamily="18" charset="0"/>
+                <a:hlinkClick r:id="rId4"/>
+              </a:rPr>
+              <a:t>https://docs.docker.com/network/drivers/host/</a:t>
+            </a:r>
+            <a:r>
+              <a:rPr lang="en-US" sz="1800" dirty="0">
+                <a:effectLst/>
+                <a:latin typeface="Calibri" panose="020F0502020204030204" pitchFamily="34" charset="0"/>
+                <a:ea typeface="Calibri" panose="020F0502020204030204" pitchFamily="34" charset="0"/>
+                <a:cs typeface="Times New Roman" panose="02020603050405020304" pitchFamily="18" charset="0"/>
+              </a:rPr>
+              <a:t> </a:t>
+            </a:r>
+            <a:r>
+              <a:rPr lang="en-US" sz="1800" b="1" dirty="0">
+                <a:effectLst/>
+                <a:highlight>
+                  <a:srgbClr val="00FF00"/>
+                </a:highlight>
+                <a:latin typeface="Calibri" panose="020F0502020204030204" pitchFamily="34" charset="0"/>
+                <a:ea typeface="Calibri" panose="020F0502020204030204" pitchFamily="34" charset="0"/>
+                <a:cs typeface="Times New Roman" panose="02020603050405020304" pitchFamily="18" charset="0"/>
+              </a:rPr>
+              <a:t>iii) Host </a:t>
+            </a:r>
+            <a:r>
+              <a:rPr lang="en-US" sz="1800" dirty="0">
+                <a:effectLst/>
+                <a:highlight>
+                  <a:srgbClr val="00FF00"/>
+                </a:highlight>
+                <a:latin typeface="Calibri" panose="020F0502020204030204" pitchFamily="34" charset="0"/>
+                <a:ea typeface="Calibri" panose="020F0502020204030204" pitchFamily="34" charset="0"/>
+                <a:cs typeface="Times New Roman" panose="02020603050405020304" pitchFamily="18" charset="0"/>
+              </a:rPr>
+              <a:t>network</a:t>
+            </a:r>
+            <a:r>
+              <a:rPr lang="en-US" sz="1800" dirty="0">
+                <a:effectLst/>
+                <a:latin typeface="Calibri" panose="020F0502020204030204" pitchFamily="34" charset="0"/>
+                <a:ea typeface="Calibri" panose="020F0502020204030204" pitchFamily="34" charset="0"/>
+                <a:cs typeface="Times New Roman" panose="02020603050405020304" pitchFamily="18" charset="0"/>
+              </a:rPr>
+              <a:t> refers to the host computer where Docker engine is run. Do you want to e.g. </a:t>
+            </a:r>
+            <a:r>
+              <a:rPr lang="en-US" dirty="0">
+                <a:latin typeface="Calibri" panose="020F0502020204030204" pitchFamily="34" charset="0"/>
+                <a:ea typeface="Calibri" panose="020F0502020204030204" pitchFamily="34" charset="0"/>
+                <a:cs typeface="Times New Roman" panose="02020603050405020304" pitchFamily="18" charset="0"/>
+              </a:rPr>
+              <a:t>let the containers run like your host computer service? Sometimes, often not! No need to expose the ports, they are visible in the host like any service on host computer.</a:t>
+            </a:r>
+          </a:p>
+          <a:p>
+            <a:pPr>
+              <a:lnSpc>
+                <a:spcPct val="107000"/>
+              </a:lnSpc>
+              <a:spcAft>
+                <a:spcPts val="800"/>
+              </a:spcAft>
+            </a:pPr>
+            <a:r>
+              <a:rPr lang="en-US" sz="1800" b="1" dirty="0">
+                <a:effectLst/>
+                <a:highlight>
+                  <a:srgbClr val="00FF00"/>
+                </a:highlight>
+                <a:latin typeface="Calibri" panose="020F0502020204030204" pitchFamily="34" charset="0"/>
+                <a:ea typeface="Calibri" panose="020F0502020204030204" pitchFamily="34" charset="0"/>
+                <a:cs typeface="Times New Roman" panose="02020603050405020304" pitchFamily="18" charset="0"/>
+              </a:rPr>
+              <a:t>iv) None</a:t>
+            </a:r>
+            <a:r>
+              <a:rPr lang="en-US" sz="1800" dirty="0">
+                <a:effectLst/>
+                <a:latin typeface="Calibri" panose="020F0502020204030204" pitchFamily="34" charset="0"/>
+                <a:ea typeface="Calibri" panose="020F0502020204030204" pitchFamily="34" charset="0"/>
+                <a:cs typeface="Times New Roman" panose="02020603050405020304" pitchFamily="18" charset="0"/>
+              </a:rPr>
+              <a:t> = total isolation</a:t>
+            </a:r>
+          </a:p>
+          <a:p>
+            <a:pPr>
+              <a:lnSpc>
+                <a:spcPct val="107000"/>
+              </a:lnSpc>
+              <a:spcAft>
+                <a:spcPts val="800"/>
+              </a:spcAft>
+            </a:pPr>
+            <a:r>
+              <a:rPr lang="en-US" dirty="0">
+                <a:latin typeface="Calibri" panose="020F0502020204030204" pitchFamily="34" charset="0"/>
+                <a:ea typeface="Calibri" panose="020F0502020204030204" pitchFamily="34" charset="0"/>
+                <a:cs typeface="Times New Roman" panose="02020603050405020304" pitchFamily="18" charset="0"/>
+              </a:rPr>
+              <a:t>Etc. (There are others, but then we start to go to so complicated ‘server farms’ that better add Kubernetes too)</a:t>
+            </a:r>
+            <a:endParaRPr lang="en-US" sz="1800" dirty="0">
+              <a:effectLst/>
+              <a:latin typeface="Calibri" panose="020F0502020204030204" pitchFamily="34" charset="0"/>
+              <a:ea typeface="Calibri" panose="020F0502020204030204" pitchFamily="34" charset="0"/>
+              <a:cs typeface="Times New Roman" panose="02020603050405020304" pitchFamily="18" charset="0"/>
+            </a:endParaRPr>
+          </a:p>
+          <a:p>
             <a:endParaRPr lang="fi-FI" dirty="0"/>
           </a:p>
         </p:txBody>
       </p:sp>
-      <p:pic>
-        <p:nvPicPr>
-          <p:cNvPr id="9" name="Content Placeholder 8" descr="A diagram of a network&#10;&#10;Description automatically generated">
-            <a:extLst>
-              <a:ext uri="{FF2B5EF4-FFF2-40B4-BE49-F238E27FC236}">
-                <a16:creationId xmlns:a16="http://schemas.microsoft.com/office/drawing/2014/main" id="{4F3C2D7E-9E75-70A9-50A0-3967F4715B4D}"/>
-              </a:ext>
-            </a:extLst>
-          </p:cNvPr>
-          <p:cNvPicPr>
-            <a:picLocks noGrp="1" noChangeAspect="1"/>
-          </p:cNvPicPr>
-          <p:nvPr>
-            <p:ph sz="half" idx="2"/>
-          </p:nvPr>
-        </p:nvPicPr>
-        <p:blipFill>
-          <a:blip r:embed="rId2"/>
-          <a:stretch>
-            <a:fillRect/>
-          </a:stretch>
-        </p:blipFill>
-        <p:spPr>
-          <a:xfrm>
-            <a:off x="2764145" y="780836"/>
-            <a:ext cx="9347163" cy="4376791"/>
-          </a:xfrm>
-        </p:spPr>
-      </p:pic>
+      <p:sp>
+        <p:nvSpPr>
+          <p:cNvPr id="5" name="Date Placeholder 4">
+            <a:extLst>
+              <a:ext uri="{FF2B5EF4-FFF2-40B4-BE49-F238E27FC236}">
+                <a16:creationId xmlns:a16="http://schemas.microsoft.com/office/drawing/2014/main" id="{976244E2-AA76-2742-B2EC-FEC79276155C}"/>
+              </a:ext>
+            </a:extLst>
+          </p:cNvPr>
+          <p:cNvSpPr>
+            <a:spLocks noGrp="1"/>
+          </p:cNvSpPr>
+          <p:nvPr>
+            <p:ph type="dt" sz="half" idx="10"/>
+          </p:nvPr>
+        </p:nvSpPr>
+        <p:spPr/>
+        <p:txBody>
+          <a:bodyPr/>
+          <a:lstStyle/>
+          <a:p>
+            <a:fld id="{202E1EC2-47B8-044B-A09E-6A63B4D80C87}" type="datetime1">
+              <a:rPr lang="fi-FI" smtClean="0"/>
+              <a:t>18.2.2024</a:t>
+            </a:fld>
+            <a:endParaRPr lang="en-GB"/>
+          </a:p>
+        </p:txBody>
+      </p:sp>
+      <p:sp>
+        <p:nvSpPr>
+          <p:cNvPr id="6" name="Footer Placeholder 5">
+            <a:extLst>
+              <a:ext uri="{FF2B5EF4-FFF2-40B4-BE49-F238E27FC236}">
+                <a16:creationId xmlns:a16="http://schemas.microsoft.com/office/drawing/2014/main" id="{588CE607-4137-8840-8FEA-42EAC857E3A3}"/>
+              </a:ext>
+            </a:extLst>
+          </p:cNvPr>
+          <p:cNvSpPr>
+            <a:spLocks noGrp="1"/>
+          </p:cNvSpPr>
+          <p:nvPr>
+            <p:ph type="ftr" sz="quarter" idx="11"/>
+          </p:nvPr>
+        </p:nvSpPr>
+        <p:spPr/>
+        <p:txBody>
+          <a:bodyPr/>
+          <a:lstStyle/>
+          <a:p>
+            <a:endParaRPr lang="en-GB"/>
+          </a:p>
+        </p:txBody>
+      </p:sp>
+      <p:sp>
+        <p:nvSpPr>
+          <p:cNvPr id="7" name="Slide Number Placeholder 6">
+            <a:extLst>
+              <a:ext uri="{FF2B5EF4-FFF2-40B4-BE49-F238E27FC236}">
+                <a16:creationId xmlns:a16="http://schemas.microsoft.com/office/drawing/2014/main" id="{2E133A96-6C73-0844-B8CB-27C2B5F4CFB1}"/>
+              </a:ext>
+            </a:extLst>
+          </p:cNvPr>
+          <p:cNvSpPr>
+            <a:spLocks noGrp="1"/>
+          </p:cNvSpPr>
+          <p:nvPr>
+            <p:ph type="sldNum" sz="quarter" idx="12"/>
+          </p:nvPr>
+        </p:nvSpPr>
+        <p:spPr/>
+        <p:txBody>
+          <a:bodyPr/>
+          <a:lstStyle/>
+          <a:p>
+            <a:fld id="{76BAB7ED-EDE9-4D4B-9A2D-30E18C47C16E}" type="slidenum">
+              <a:rPr lang="en-GB" smtClean="0"/>
+              <a:t>16</a:t>
+            </a:fld>
+            <a:endParaRPr lang="en-GB"/>
+          </a:p>
+        </p:txBody>
+      </p:sp>
     </p:spTree>
     <p:extLst>
       <p:ext uri="{BB962C8B-B14F-4D97-AF65-F5344CB8AC3E}">
-        <p14:creationId xmlns:p14="http://schemas.microsoft.com/office/powerpoint/2010/main" val="1042671776"/>
+        <p14:creationId xmlns:p14="http://schemas.microsoft.com/office/powerpoint/2010/main" val="3362218849"/>
       </p:ext>
     </p:extLst>
   </p:cSld>
@@ -8853,6 +9018,253 @@
           <p:cNvPr id="8" name="Title 7">
             <a:extLst>
               <a:ext uri="{FF2B5EF4-FFF2-40B4-BE49-F238E27FC236}">
+                <a16:creationId xmlns:a16="http://schemas.microsoft.com/office/drawing/2014/main" id="{197044C3-CD23-D844-B780-26FABA91AD0F}"/>
+              </a:ext>
+            </a:extLst>
+          </p:cNvPr>
+          <p:cNvSpPr>
+            <a:spLocks noGrp="1"/>
+          </p:cNvSpPr>
+          <p:nvPr>
+            <p:ph type="title"/>
+          </p:nvPr>
+        </p:nvSpPr>
+        <p:spPr/>
+        <p:txBody>
+          <a:bodyPr/>
+          <a:lstStyle/>
+          <a:p>
+            <a:r>
+              <a:rPr lang="fi-FI" dirty="0" err="1"/>
+              <a:t>network</a:t>
+            </a:r>
+            <a:endParaRPr lang="fi-FI" dirty="0"/>
+          </a:p>
+        </p:txBody>
+      </p:sp>
+      <p:sp>
+        <p:nvSpPr>
+          <p:cNvPr id="5" name="Date Placeholder 4">
+            <a:extLst>
+              <a:ext uri="{FF2B5EF4-FFF2-40B4-BE49-F238E27FC236}">
+                <a16:creationId xmlns:a16="http://schemas.microsoft.com/office/drawing/2014/main" id="{976244E2-AA76-2742-B2EC-FEC79276155C}"/>
+              </a:ext>
+            </a:extLst>
+          </p:cNvPr>
+          <p:cNvSpPr>
+            <a:spLocks noGrp="1"/>
+          </p:cNvSpPr>
+          <p:nvPr>
+            <p:ph type="dt" sz="half" idx="10"/>
+          </p:nvPr>
+        </p:nvSpPr>
+        <p:spPr/>
+        <p:txBody>
+          <a:bodyPr/>
+          <a:lstStyle/>
+          <a:p>
+            <a:fld id="{202E1EC2-47B8-044B-A09E-6A63B4D80C87}" type="datetime1">
+              <a:rPr lang="fi-FI" smtClean="0"/>
+              <a:t>18.2.2024</a:t>
+            </a:fld>
+            <a:endParaRPr lang="en-GB"/>
+          </a:p>
+        </p:txBody>
+      </p:sp>
+      <p:sp>
+        <p:nvSpPr>
+          <p:cNvPr id="6" name="Footer Placeholder 5">
+            <a:extLst>
+              <a:ext uri="{FF2B5EF4-FFF2-40B4-BE49-F238E27FC236}">
+                <a16:creationId xmlns:a16="http://schemas.microsoft.com/office/drawing/2014/main" id="{588CE607-4137-8840-8FEA-42EAC857E3A3}"/>
+              </a:ext>
+            </a:extLst>
+          </p:cNvPr>
+          <p:cNvSpPr>
+            <a:spLocks noGrp="1"/>
+          </p:cNvSpPr>
+          <p:nvPr>
+            <p:ph type="ftr" sz="quarter" idx="11"/>
+          </p:nvPr>
+        </p:nvSpPr>
+        <p:spPr/>
+        <p:txBody>
+          <a:bodyPr/>
+          <a:lstStyle/>
+          <a:p>
+            <a:endParaRPr lang="en-GB"/>
+          </a:p>
+        </p:txBody>
+      </p:sp>
+      <p:sp>
+        <p:nvSpPr>
+          <p:cNvPr id="7" name="Slide Number Placeholder 6">
+            <a:extLst>
+              <a:ext uri="{FF2B5EF4-FFF2-40B4-BE49-F238E27FC236}">
+                <a16:creationId xmlns:a16="http://schemas.microsoft.com/office/drawing/2014/main" id="{2E133A96-6C73-0844-B8CB-27C2B5F4CFB1}"/>
+              </a:ext>
+            </a:extLst>
+          </p:cNvPr>
+          <p:cNvSpPr>
+            <a:spLocks noGrp="1"/>
+          </p:cNvSpPr>
+          <p:nvPr>
+            <p:ph type="sldNum" sz="quarter" idx="12"/>
+          </p:nvPr>
+        </p:nvSpPr>
+        <p:spPr/>
+        <p:txBody>
+          <a:bodyPr/>
+          <a:lstStyle/>
+          <a:p>
+            <a:fld id="{76BAB7ED-EDE9-4D4B-9A2D-30E18C47C16E}" type="slidenum">
+              <a:rPr lang="en-GB" smtClean="0"/>
+              <a:t>17</a:t>
+            </a:fld>
+            <a:endParaRPr lang="en-GB"/>
+          </a:p>
+        </p:txBody>
+      </p:sp>
+      <p:pic>
+        <p:nvPicPr>
+          <p:cNvPr id="9" name="Content Placeholder 8" descr="A diagram of a network&#10;&#10;Description automatically generated">
+            <a:extLst>
+              <a:ext uri="{FF2B5EF4-FFF2-40B4-BE49-F238E27FC236}">
+                <a16:creationId xmlns:a16="http://schemas.microsoft.com/office/drawing/2014/main" id="{4F3C2D7E-9E75-70A9-50A0-3967F4715B4D}"/>
+              </a:ext>
+            </a:extLst>
+          </p:cNvPr>
+          <p:cNvPicPr>
+            <a:picLocks noGrp="1" noChangeAspect="1"/>
+          </p:cNvPicPr>
+          <p:nvPr>
+            <p:ph sz="half" idx="2"/>
+          </p:nvPr>
+        </p:nvPicPr>
+        <p:blipFill>
+          <a:blip r:embed="rId2"/>
+          <a:stretch>
+            <a:fillRect/>
+          </a:stretch>
+        </p:blipFill>
+        <p:spPr>
+          <a:xfrm>
+            <a:off x="2764145" y="780836"/>
+            <a:ext cx="9347163" cy="4376791"/>
+          </a:xfrm>
+        </p:spPr>
+      </p:pic>
+      <p:sp>
+        <p:nvSpPr>
+          <p:cNvPr id="12" name="TextBox 11">
+            <a:extLst>
+              <a:ext uri="{FF2B5EF4-FFF2-40B4-BE49-F238E27FC236}">
+                <a16:creationId xmlns:a16="http://schemas.microsoft.com/office/drawing/2014/main" id="{F9375A48-11BB-EBB6-6A50-95AB866A6567}"/>
+              </a:ext>
+            </a:extLst>
+          </p:cNvPr>
+          <p:cNvSpPr txBox="1"/>
+          <p:nvPr/>
+        </p:nvSpPr>
+        <p:spPr>
+          <a:xfrm>
+            <a:off x="360851" y="4154306"/>
+            <a:ext cx="3131921" cy="1477328"/>
+          </a:xfrm>
+          <a:prstGeom prst="rect">
+            <a:avLst/>
+          </a:prstGeom>
+          <a:noFill/>
+        </p:spPr>
+        <p:txBody>
+          <a:bodyPr wrap="square">
+            <a:spAutoFit/>
+          </a:bodyPr>
+          <a:lstStyle/>
+          <a:p>
+            <a:r>
+              <a:rPr lang="en-US" sz="1800" dirty="0">
+                <a:effectLst/>
+                <a:latin typeface="Calibri" panose="020F0502020204030204" pitchFamily="34" charset="0"/>
+                <a:ea typeface="Calibri" panose="020F0502020204030204" pitchFamily="34" charset="0"/>
+                <a:cs typeface="Times New Roman" panose="02020603050405020304" pitchFamily="18" charset="0"/>
+              </a:rPr>
+              <a:t>Here two user-defined bridge</a:t>
+            </a:r>
+          </a:p>
+          <a:p>
+            <a:r>
+              <a:rPr lang="en-US" dirty="0">
+                <a:latin typeface="Calibri" panose="020F0502020204030204" pitchFamily="34" charset="0"/>
+                <a:ea typeface="Calibri" panose="020F0502020204030204" pitchFamily="34" charset="0"/>
+                <a:cs typeface="Times New Roman" panose="02020603050405020304" pitchFamily="18" charset="0"/>
+              </a:rPr>
+              <a:t>networks</a:t>
+            </a:r>
+            <a:endParaRPr lang="en-US" sz="1800" dirty="0">
+              <a:effectLst/>
+              <a:latin typeface="Calibri" panose="020F0502020204030204" pitchFamily="34" charset="0"/>
+              <a:ea typeface="Calibri" panose="020F0502020204030204" pitchFamily="34" charset="0"/>
+              <a:cs typeface="Times New Roman" panose="02020603050405020304" pitchFamily="18" charset="0"/>
+            </a:endParaRPr>
+          </a:p>
+          <a:p>
+            <a:endParaRPr lang="en-US" sz="1800" dirty="0">
+              <a:effectLst/>
+              <a:latin typeface="Calibri" panose="020F0502020204030204" pitchFamily="34" charset="0"/>
+              <a:ea typeface="Calibri" panose="020F0502020204030204" pitchFamily="34" charset="0"/>
+              <a:cs typeface="Times New Roman" panose="02020603050405020304" pitchFamily="18" charset="0"/>
+            </a:endParaRPr>
+          </a:p>
+          <a:p>
+            <a:r>
+              <a:rPr lang="en-US" sz="1800" dirty="0">
+                <a:effectLst/>
+                <a:latin typeface="Calibri" panose="020F0502020204030204" pitchFamily="34" charset="0"/>
+                <a:ea typeface="Calibri" panose="020F0502020204030204" pitchFamily="34" charset="0"/>
+                <a:cs typeface="Times New Roman" panose="02020603050405020304" pitchFamily="18" charset="0"/>
+              </a:rPr>
+              <a:t>Source: https://docs.docker.com</a:t>
+            </a:r>
+            <a:endParaRPr lang="fi-FI" dirty="0"/>
+          </a:p>
+        </p:txBody>
+      </p:sp>
+    </p:spTree>
+    <p:extLst>
+      <p:ext uri="{BB962C8B-B14F-4D97-AF65-F5344CB8AC3E}">
+        <p14:creationId xmlns:p14="http://schemas.microsoft.com/office/powerpoint/2010/main" val="1042671776"/>
+      </p:ext>
+    </p:extLst>
+  </p:cSld>
+  <p:clrMapOvr>
+    <a:masterClrMapping/>
+  </p:clrMapOvr>
+</p:sld>
+</file>
+
+<file path=ppt/slides/slide18.xml><?xml version="1.0" encoding="utf-8"?>
+<p:sld xmlns:a="http://schemas.openxmlformats.org/drawingml/2006/main" xmlns:r="http://schemas.openxmlformats.org/officeDocument/2006/relationships" xmlns:p="http://schemas.openxmlformats.org/presentationml/2006/main">
+  <p:cSld>
+    <p:spTree>
+      <p:nvGrpSpPr>
+        <p:cNvPr id="1" name=""/>
+        <p:cNvGrpSpPr/>
+        <p:nvPr/>
+      </p:nvGrpSpPr>
+      <p:grpSpPr>
+        <a:xfrm>
+          <a:off x="0" y="0"/>
+          <a:ext cx="0" cy="0"/>
+          <a:chOff x="0" y="0"/>
+          <a:chExt cx="0" cy="0"/>
+        </a:xfrm>
+      </p:grpSpPr>
+      <p:sp>
+        <p:nvSpPr>
+          <p:cNvPr id="8" name="Title 7">
+            <a:extLst>
+              <a:ext uri="{FF2B5EF4-FFF2-40B4-BE49-F238E27FC236}">
                 <a16:creationId xmlns:a16="http://schemas.microsoft.com/office/drawing/2014/main" id="{49202545-D26B-485C-9E25-62859E92ED89}"/>
               </a:ext>
             </a:extLst>
@@ -9014,7 +9426,7 @@
           <a:p>
             <a:fld id="{7A2E22EC-FB8F-BE4C-8513-60D11DB7758C}" type="datetime1">
               <a:rPr lang="fi-FI" smtClean="0"/>
-              <a:t>25.1.2024</a:t>
+              <a:t>18.2.2024</a:t>
             </a:fld>
             <a:endParaRPr lang="en-GB"/>
           </a:p>
@@ -9068,7 +9480,7 @@
           <a:p>
             <a:fld id="{76BAB7ED-EDE9-4D4B-9A2D-30E18C47C16E}" type="slidenum">
               <a:rPr lang="en-GB" smtClean="0"/>
-              <a:t>17</a:t>
+              <a:t>18</a:t>
             </a:fld>
             <a:endParaRPr lang="en-GB"/>
           </a:p>
@@ -9172,7 +9584,7 @@
                 <a:ea typeface="Calibri" panose="020F0502020204030204" pitchFamily="34" charset="0"/>
                 <a:cs typeface="Times New Roman" panose="02020603050405020304" pitchFamily="18" charset="0"/>
               </a:rPr>
-              <a:t>PaaS environment </a:t>
+              <a:t>(PaaS) environment </a:t>
             </a:r>
             <a:r>
               <a:rPr lang="en-US" sz="2800" dirty="0">
@@ -9363,7 +9775,7 @@
           <a:p>
             <a:fld id="{202E1EC2-47B8-044B-A09E-6A63B4D80C87}" type="datetime1">
               <a:rPr lang="fi-FI" smtClean="0"/>
-              <a:t>25.1.2024</a:t>
+              <a:t>18.2.2024</a:t>
             </a:fld>
             <a:endParaRPr lang="en-GB"/>
           </a:p>
@@ -9521,7 +9933,7 @@
           <a:p>
             <a:fld id="{202E1EC2-47B8-044B-A09E-6A63B4D80C87}" type="datetime1">
               <a:rPr lang="fi-FI" smtClean="0"/>
-              <a:t>25.1.2024</a:t>
+              <a:t>18.2.2024</a:t>
             </a:fld>
             <a:endParaRPr lang="en-GB"/>
           </a:p>
@@ -9749,7 +10161,7 @@
           <a:p>
             <a:fld id="{202E1EC2-47B8-044B-A09E-6A63B4D80C87}" type="datetime1">
               <a:rPr lang="fi-FI" smtClean="0"/>
-              <a:t>25.1.2024</a:t>
+              <a:t>18.2.2024</a:t>
             </a:fld>
             <a:endParaRPr lang="en-GB"/>
           </a:p>
@@ -9932,11 +10344,43 @@
           <a:p>
             <a:r>
               <a:rPr lang="fi-FI" dirty="0" err="1"/>
-              <a:t>Docker</a:t>
+              <a:t>Previous</a:t>
             </a:r>
             <a:r>
               <a:rPr lang="fi-FI" dirty="0"/>
-              <a:t> Engine</a:t>
+              <a:t> image </a:t>
+            </a:r>
+            <a:r>
+              <a:rPr lang="fi-FI" dirty="0" err="1"/>
+              <a:t>showed</a:t>
+            </a:r>
+            <a:r>
+              <a:rPr lang="fi-FI" dirty="0"/>
+              <a:t> </a:t>
+            </a:r>
+            <a:r>
+              <a:rPr lang="fi-FI" dirty="0" err="1"/>
+              <a:t>how</a:t>
+            </a:r>
+            <a:r>
+              <a:rPr lang="fi-FI" dirty="0"/>
+              <a:t> </a:t>
+            </a:r>
+            <a:r>
+              <a:rPr lang="fi-FI" dirty="0" err="1"/>
+              <a:t>you</a:t>
+            </a:r>
+            <a:r>
+              <a:rPr lang="fi-FI" dirty="0"/>
+              <a:t> </a:t>
+            </a:r>
+            <a:r>
+              <a:rPr lang="fi-FI" dirty="0" err="1"/>
+              <a:t>can</a:t>
+            </a:r>
+            <a:r>
+              <a:rPr lang="fi-FI" dirty="0"/>
+              <a:t> e.g.</a:t>
             </a:r>
           </a:p>
         </p:txBody>
@@ -9979,25 +10423,7 @@
                 <a:ea typeface="Calibri" panose="020F0502020204030204" pitchFamily="34" charset="0"/>
                 <a:cs typeface="Times New Roman" panose="02020603050405020304" pitchFamily="18" charset="0"/>
               </a:rPr>
-              <a:t>The engine (</a:t>
-            </a:r>
-            <a:r>
-              <a:rPr lang="en-US" sz="2800" i="1" dirty="0" err="1">
-                <a:effectLst/>
-                <a:latin typeface="Calibri" panose="020F0502020204030204" pitchFamily="34" charset="0"/>
-                <a:ea typeface="Calibri" panose="020F0502020204030204" pitchFamily="34" charset="0"/>
-                <a:cs typeface="Times New Roman" panose="02020603050405020304" pitchFamily="18" charset="0"/>
-              </a:rPr>
-              <a:t>dockerd</a:t>
-            </a:r>
-            <a:r>
-              <a:rPr lang="en-US" sz="2800" dirty="0">
-                <a:effectLst/>
-                <a:latin typeface="Calibri" panose="020F0502020204030204" pitchFamily="34" charset="0"/>
-                <a:ea typeface="Calibri" panose="020F0502020204030204" pitchFamily="34" charset="0"/>
-                <a:cs typeface="Times New Roman" panose="02020603050405020304" pitchFamily="18" charset="0"/>
-              </a:rPr>
-              <a:t> daemon/process and Docker Engine API ) </a:t>
+              <a:t>Run images as containers </a:t>
             </a:r>
           </a:p>
           <a:p>
@@ -10015,17 +10441,22 @@
                 <a:ea typeface="Calibri" panose="020F0502020204030204" pitchFamily="34" charset="0"/>
                 <a:cs typeface="Times New Roman" panose="02020603050405020304" pitchFamily="18" charset="0"/>
               </a:rPr>
-              <a:t>T</a:t>
-            </a:r>
-            <a:r>
-              <a:rPr lang="en-US" sz="2800" dirty="0">
-                <a:effectLst/>
+              <a:t>Build images based on your files, scripts and </a:t>
+            </a:r>
+            <a:r>
+              <a:rPr lang="en-US" sz="2800" dirty="0" err="1">
                 <a:latin typeface="Calibri" panose="020F0502020204030204" pitchFamily="34" charset="0"/>
                 <a:ea typeface="Calibri" panose="020F0502020204030204" pitchFamily="34" charset="0"/>
                 <a:cs typeface="Times New Roman" panose="02020603050405020304" pitchFamily="18" charset="0"/>
               </a:rPr>
-              <a:t>o manage and run the containers.</a:t>
-            </a:r>
+              <a:t>Dockerfiles</a:t>
+            </a:r>
+            <a:endParaRPr lang="en-US" sz="2800" dirty="0">
+              <a:effectLst/>
+              <a:latin typeface="Calibri" panose="020F0502020204030204" pitchFamily="34" charset="0"/>
+              <a:ea typeface="Calibri" panose="020F0502020204030204" pitchFamily="34" charset="0"/>
+              <a:cs typeface="Times New Roman" panose="02020603050405020304" pitchFamily="18" charset="0"/>
+            </a:endParaRPr>
           </a:p>
           <a:p>
             <a:pPr>
@@ -10042,7 +10473,7 @@
                 <a:ea typeface="Calibri" panose="020F0502020204030204" pitchFamily="34" charset="0"/>
                 <a:cs typeface="Times New Roman" panose="02020603050405020304" pitchFamily="18" charset="0"/>
               </a:rPr>
-              <a:t>Isolate and connect them based on definitions</a:t>
+              <a:t>Pull images (for running) from Docker registries</a:t>
             </a:r>
           </a:p>
         </p:txBody>
@@ -10070,7 +10501,7 @@
           <a:p>
             <a:fld id="{202E1EC2-47B8-044B-A09E-6A63B4D80C87}" type="datetime1">
               <a:rPr lang="fi-FI" smtClean="0"/>
-              <a:t>25.1.2024</a:t>
+              <a:t>18.2.2024</a:t>
             </a:fld>
             <a:endParaRPr lang="en-GB"/>
           </a:p>
@@ -10183,19 +10614,11 @@
           <a:p>
             <a:r>
               <a:rPr lang="fi-FI" dirty="0" err="1"/>
-              <a:t>docker</a:t>
+              <a:t>Docker</a:t>
             </a:r>
             <a:r>
               <a:rPr lang="fi-FI" dirty="0"/>
-              <a:t>  (CLI </a:t>
-            </a:r>
-            <a:r>
-              <a:rPr lang="fi-FI" dirty="0" err="1"/>
-              <a:t>command</a:t>
-            </a:r>
-            <a:r>
-              <a:rPr lang="fi-FI" dirty="0"/>
-              <a:t>)</a:t>
+              <a:t> Engine</a:t>
             </a:r>
           </a:p>
         </p:txBody>
@@ -10232,31 +10655,31 @@
               </a:spcAft>
             </a:pPr>
             <a:r>
-              <a:rPr lang="en-US" sz="1800" dirty="0">
+              <a:rPr lang="en-US" sz="2800" dirty="0">
                 <a:effectLst/>
                 <a:latin typeface="Calibri" panose="020F0502020204030204" pitchFamily="34" charset="0"/>
                 <a:ea typeface="Calibri" panose="020F0502020204030204" pitchFamily="34" charset="0"/>
                 <a:cs typeface="Times New Roman" panose="02020603050405020304" pitchFamily="18" charset="0"/>
               </a:rPr>
-              <a:t>The </a:t>
-            </a:r>
-            <a:r>
-              <a:rPr lang="en-US" sz="1800" i="1" dirty="0">
+              <a:t>The engine (</a:t>
+            </a:r>
+            <a:r>
+              <a:rPr lang="en-US" sz="2800" i="1" dirty="0" err="1">
                 <a:effectLst/>
                 <a:latin typeface="Calibri" panose="020F0502020204030204" pitchFamily="34" charset="0"/>
                 <a:ea typeface="Calibri" panose="020F0502020204030204" pitchFamily="34" charset="0"/>
                 <a:cs typeface="Times New Roman" panose="02020603050405020304" pitchFamily="18" charset="0"/>
               </a:rPr>
-              <a:t>docker</a:t>
-            </a:r>
-            <a:r>
-              <a:rPr lang="en-US" sz="1800" dirty="0">
+              <a:t>dockerd</a:t>
+            </a:r>
+            <a:r>
+              <a:rPr lang="en-US" sz="2800" dirty="0">
                 <a:effectLst/>
                 <a:latin typeface="Calibri" panose="020F0502020204030204" pitchFamily="34" charset="0"/>
                 <a:ea typeface="Calibri" panose="020F0502020204030204" pitchFamily="34" charset="0"/>
                 <a:cs typeface="Times New Roman" panose="02020603050405020304" pitchFamily="18" charset="0"/>
               </a:rPr>
-              <a:t> command line command. </a:t>
+              <a:t> daemon/process and Docker Engine API ) </a:t>
             </a:r>
           </a:p>
           <a:p>
@@ -10269,83 +10692,21 @@
               </a:spcAft>
             </a:pPr>
             <a:r>
-              <a:rPr lang="en-US" sz="1800" dirty="0">
+              <a:rPr lang="en-US" sz="2800" dirty="0">
+                <a:latin typeface="Calibri" panose="020F0502020204030204" pitchFamily="34" charset="0"/>
+                <a:ea typeface="Calibri" panose="020F0502020204030204" pitchFamily="34" charset="0"/>
+                <a:cs typeface="Times New Roman" panose="02020603050405020304" pitchFamily="18" charset="0"/>
+              </a:rPr>
+              <a:t>T</a:t>
+            </a:r>
+            <a:r>
+              <a:rPr lang="en-US" sz="2800" dirty="0">
                 <a:effectLst/>
                 <a:latin typeface="Calibri" panose="020F0502020204030204" pitchFamily="34" charset="0"/>
                 <a:ea typeface="Calibri" panose="020F0502020204030204" pitchFamily="34" charset="0"/>
                 <a:cs typeface="Times New Roman" panose="02020603050405020304" pitchFamily="18" charset="0"/>
               </a:rPr>
-              <a:t>Client for giving commands e.g. about </a:t>
-            </a:r>
-          </a:p>
-          <a:p>
-            <a:pPr lvl="1">
-              <a:lnSpc>
-                <a:spcPct val="107000"/>
-              </a:lnSpc>
-              <a:spcAft>
-                <a:spcPts val="800"/>
-              </a:spcAft>
-            </a:pPr>
-            <a:r>
-              <a:rPr lang="en-US" dirty="0">
-                <a:effectLst/>
-                <a:latin typeface="Calibri" panose="020F0502020204030204" pitchFamily="34" charset="0"/>
-                <a:ea typeface="Calibri" panose="020F0502020204030204" pitchFamily="34" charset="0"/>
-                <a:cs typeface="Times New Roman" panose="02020603050405020304" pitchFamily="18" charset="0"/>
-              </a:rPr>
-              <a:t>starting or stopping containers, removing containers </a:t>
-            </a:r>
-            <a:endParaRPr lang="en-US" dirty="0">
-              <a:latin typeface="Calibri" panose="020F0502020204030204" pitchFamily="34" charset="0"/>
-              <a:ea typeface="Calibri" panose="020F0502020204030204" pitchFamily="34" charset="0"/>
-              <a:cs typeface="Times New Roman" panose="02020603050405020304" pitchFamily="18" charset="0"/>
-            </a:endParaRPr>
-          </a:p>
-          <a:p>
-            <a:pPr lvl="1">
-              <a:lnSpc>
-                <a:spcPct val="107000"/>
-              </a:lnSpc>
-              <a:spcAft>
-                <a:spcPts val="800"/>
-              </a:spcAft>
-            </a:pPr>
-            <a:r>
-              <a:rPr lang="en-US" dirty="0">
-                <a:effectLst/>
-                <a:latin typeface="Calibri" panose="020F0502020204030204" pitchFamily="34" charset="0"/>
-                <a:ea typeface="Calibri" panose="020F0502020204030204" pitchFamily="34" charset="0"/>
-                <a:cs typeface="Times New Roman" panose="02020603050405020304" pitchFamily="18" charset="0"/>
-              </a:rPr>
-              <a:t>building, publishing images, removing images</a:t>
-            </a:r>
-          </a:p>
-          <a:p>
-            <a:pPr lvl="1">
-              <a:lnSpc>
-                <a:spcPct val="107000"/>
-              </a:lnSpc>
-              <a:spcAft>
-                <a:spcPts val="800"/>
-              </a:spcAft>
-            </a:pPr>
-            <a:r>
-              <a:rPr lang="en-US" dirty="0">
-                <a:latin typeface="Calibri" panose="020F0502020204030204" pitchFamily="34" charset="0"/>
-                <a:ea typeface="Calibri" panose="020F0502020204030204" pitchFamily="34" charset="0"/>
-                <a:cs typeface="Times New Roman" panose="02020603050405020304" pitchFamily="18" charset="0"/>
-              </a:rPr>
-              <a:t>f</a:t>
-            </a:r>
-            <a:r>
-              <a:rPr lang="en-US" dirty="0">
-                <a:effectLst/>
-                <a:latin typeface="Calibri" panose="020F0502020204030204" pitchFamily="34" charset="0"/>
-                <a:ea typeface="Calibri" panose="020F0502020204030204" pitchFamily="34" charset="0"/>
-                <a:cs typeface="Times New Roman" panose="02020603050405020304" pitchFamily="18" charset="0"/>
-              </a:rPr>
-              <a:t>inding status of containers and images</a:t>
+              <a:t>o manage and run the containers.</a:t>
             </a:r>
           </a:p>
           <a:p>
@@ -10358,19 +10719,13 @@
               </a:spcAft>
             </a:pPr>
             <a:r>
-              <a:rPr lang="en-US" dirty="0">
+              <a:rPr lang="en-US" sz="2800" dirty="0">
                 <a:latin typeface="Calibri" panose="020F0502020204030204" pitchFamily="34" charset="0"/>
                 <a:ea typeface="Calibri" panose="020F0502020204030204" pitchFamily="34" charset="0"/>
                 <a:cs typeface="Times New Roman" panose="02020603050405020304" pitchFamily="18" charset="0"/>
               </a:rPr>
-              <a:t>Or executing commands inside the container from outside:         docker exec …</a:t>
-            </a:r>
-            <a:endParaRPr lang="fi-FI" sz="1800" dirty="0">
-              <a:effectLst/>
-              <a:latin typeface="Calibri" panose="020F0502020204030204" pitchFamily="34" charset="0"/>
-              <a:ea typeface="Calibri" panose="020F0502020204030204" pitchFamily="34" charset="0"/>
-              <a:cs typeface="Times New Roman" panose="02020603050405020304" pitchFamily="18" charset="0"/>
-            </a:endParaRPr>
+              <a:t>Isolate and connect them based on definitions</a:t>
+            </a:r>
           </a:p>
         </p:txBody>
       </p:sp>
@@ -10397,7 +10752,7 @@
           <a:p>
             <a:fld id="{202E1EC2-47B8-044B-A09E-6A63B4D80C87}" type="datetime1">
               <a:rPr lang="fi-FI" smtClean="0"/>
-              <a:t>25.1.2024</a:t>
+              <a:t>18.2.2024</a:t>
             </a:fld>
             <a:endParaRPr lang="en-GB"/>
           </a:p>
@@ -10460,7 +10815,7 @@
     </p:spTree>
     <p:extLst>
       <p:ext uri="{BB962C8B-B14F-4D97-AF65-F5344CB8AC3E}">
-        <p14:creationId xmlns:p14="http://schemas.microsoft.com/office/powerpoint/2010/main" val="528999108"/>
+        <p14:creationId xmlns:p14="http://schemas.microsoft.com/office/powerpoint/2010/main" val="2736095374"/>
       </p:ext>
     </p:extLst>
   </p:cSld>
@@ -10510,9 +10865,20 @@
           <a:p>
             <a:r>
               <a:rPr lang="fi-FI" dirty="0" err="1"/>
-              <a:t>Dockerfile</a:t>
-            </a:r>
-            <a:endParaRPr lang="fi-FI" dirty="0"/>
+              <a:t>docker</a:t>
+            </a:r>
+            <a:r>
+              <a:rPr lang="fi-FI" dirty="0"/>
+              <a:t>  (CLI </a:t>
+            </a:r>
+            <a:r>
+              <a:rPr lang="fi-FI" dirty="0" err="1"/>
+              <a:t>command</a:t>
+            </a:r>
+            <a:r>
+              <a:rPr lang="fi-FI" dirty="0"/>
+              <a:t>)</a:t>
+            </a:r>
           </a:p>
         </p:txBody>
       </p:sp>
@@ -10554,7 +10920,25 @@
                 <a:ea typeface="Calibri" panose="020F0502020204030204" pitchFamily="34" charset="0"/>
                 <a:cs typeface="Times New Roman" panose="02020603050405020304" pitchFamily="18" charset="0"/>
               </a:rPr>
-              <a:t>Your ‘script’ for making your own Docker images. </a:t>
+              <a:t>The </a:t>
+            </a:r>
+            <a:r>
+              <a:rPr lang="en-US" sz="1800" i="1" dirty="0">
+                <a:effectLst/>
+                <a:latin typeface="Calibri" panose="020F0502020204030204" pitchFamily="34" charset="0"/>
+                <a:ea typeface="Calibri" panose="020F0502020204030204" pitchFamily="34" charset="0"/>
+                <a:cs typeface="Times New Roman" panose="02020603050405020304" pitchFamily="18" charset="0"/>
+              </a:rPr>
+              <a:t>docker</a:t>
+            </a:r>
+            <a:r>
+              <a:rPr lang="en-US" sz="1800" dirty="0">
+                <a:effectLst/>
+                <a:latin typeface="Calibri" panose="020F0502020204030204" pitchFamily="34" charset="0"/>
+                <a:ea typeface="Calibri" panose="020F0502020204030204" pitchFamily="34" charset="0"/>
+                <a:cs typeface="Times New Roman" panose="02020603050405020304" pitchFamily="18" charset="0"/>
+              </a:rPr>
+              <a:t> command line command. </a:t>
             </a:r>
           </a:p>
           <a:p>
@@ -10573,7 +10957,7 @@
                 <a:ea typeface="Calibri" panose="020F0502020204030204" pitchFamily="34" charset="0"/>
                 <a:cs typeface="Times New Roman" panose="02020603050405020304" pitchFamily="18" charset="0"/>
               </a:rPr>
-              <a:t>Image could be built based on source code and other assets on your disk </a:t>
+              <a:t>Client for giving commands e.g. about </a:t>
             </a:r>
           </a:p>
           <a:p>
@@ -10592,17 +10976,23 @@
                 <a:ea typeface="Calibri" panose="020F0502020204030204" pitchFamily="34" charset="0"/>
                 <a:cs typeface="Times New Roman" panose="02020603050405020304" pitchFamily="18" charset="0"/>
               </a:rPr>
-              <a:t>and, if needed, based on / expanding on ready-made images from </a:t>
-            </a:r>
-            <a:r>
-              <a:rPr lang="en-US" i="1" dirty="0">
-                <a:effectLst/>
-                <a:latin typeface="Calibri" panose="020F0502020204030204" pitchFamily="34" charset="0"/>
-                <a:ea typeface="Calibri" panose="020F0502020204030204" pitchFamily="34" charset="0"/>
-                <a:cs typeface="Times New Roman" panose="02020603050405020304" pitchFamily="18" charset="0"/>
-              </a:rPr>
-              <a:t>Docker Hub</a:t>
-            </a:r>
+              <a:t>starting or stopping containers, removing containers </a:t>
+            </a:r>
+            <a:endParaRPr lang="en-US" dirty="0">
+              <a:latin typeface="Calibri" panose="020F0502020204030204" pitchFamily="34" charset="0"/>
+              <a:ea typeface="Calibri" panose="020F0502020204030204" pitchFamily="34" charset="0"/>
+              <a:cs typeface="Times New Roman" panose="02020603050405020304" pitchFamily="18" charset="0"/>
+            </a:endParaRPr>
+          </a:p>
+          <a:p>
+            <a:pPr lvl="1">
+              <a:lnSpc>
+                <a:spcPct val="107000"/>
+              </a:lnSpc>
+              <a:spcAft>
+                <a:spcPts val="800"/>
+              </a:spcAft>
+            </a:pPr>
             <a:r>
               <a:rPr lang="en-US" dirty="0">
                 <a:effectLst/>
@@ -10610,18 +11000,60 @@
                 <a:ea typeface="Calibri" panose="020F0502020204030204" pitchFamily="34" charset="0"/>
                 <a:cs typeface="Times New Roman" panose="02020603050405020304" pitchFamily="18" charset="0"/>
               </a:rPr>
-              <a:t> or other docker image registry.</a:t>
-            </a:r>
-            <a:endParaRPr lang="fi-FI" dirty="0">
+              <a:t>building, publishing images, removing images</a:t>
+            </a:r>
+          </a:p>
+          <a:p>
+            <a:pPr lvl="1">
+              <a:lnSpc>
+                <a:spcPct val="107000"/>
+              </a:lnSpc>
+              <a:spcAft>
+                <a:spcPts val="800"/>
+              </a:spcAft>
+            </a:pPr>
+            <a:r>
+              <a:rPr lang="en-US" dirty="0">
+                <a:latin typeface="Calibri" panose="020F0502020204030204" pitchFamily="34" charset="0"/>
+                <a:ea typeface="Calibri" panose="020F0502020204030204" pitchFamily="34" charset="0"/>
+                <a:cs typeface="Times New Roman" panose="02020603050405020304" pitchFamily="18" charset="0"/>
+              </a:rPr>
+              <a:t>f</a:t>
+            </a:r>
+            <a:r>
+              <a:rPr lang="en-US" dirty="0">
+                <a:effectLst/>
+                <a:latin typeface="Calibri" panose="020F0502020204030204" pitchFamily="34" charset="0"/>
+                <a:ea typeface="Calibri" panose="020F0502020204030204" pitchFamily="34" charset="0"/>
+                <a:cs typeface="Times New Roman" panose="02020603050405020304" pitchFamily="18" charset="0"/>
+              </a:rPr>
+              <a:t>inding status of containers and images</a:t>
+            </a:r>
+          </a:p>
+          <a:p>
+            <a:pPr>
+              <a:lnSpc>
+                <a:spcPct val="107000"/>
+              </a:lnSpc>
+              <a:spcAft>
+                <a:spcPts val="800"/>
+              </a:spcAft>
+            </a:pPr>
+            <a:r>
+              <a:rPr lang="en-US" dirty="0">
+                <a:latin typeface="Calibri" panose="020F0502020204030204" pitchFamily="34" charset="0"/>
+                <a:ea typeface="Calibri" panose="020F0502020204030204" pitchFamily="34" charset="0"/>
+                <a:cs typeface="Times New Roman" panose="02020603050405020304" pitchFamily="18" charset="0"/>
+              </a:rPr>
+              <a:t>Or executing commands inside the container from outside:         docker exec …</a:t>
+            </a:r>
+            <a:endParaRPr lang="fi-FI" sz="1800" dirty="0">
               <a:effectLst/>
               <a:latin typeface="Calibri" panose="020F0502020204030204" pitchFamily="34" charset="0"/>
               <a:ea typeface="Calibri" panose="020F0502020204030204" pitchFamily="34" charset="0"/>
               <a:cs typeface="Times New Roman" panose="02020603050405020304" pitchFamily="18" charset="0"/>
             </a:endParaRPr>
           </a:p>
-          <a:p>
-            <a:endParaRPr lang="fi-FI" dirty="0"/>
-          </a:p>
         </p:txBody>
       </p:sp>
       <p:sp>
@@ -10647,7 +11079,7 @@
           <a:p>
             <a:fld id="{202E1EC2-47B8-044B-A09E-6A63B4D80C87}" type="datetime1">
               <a:rPr lang="fi-FI" smtClean="0"/>
-              <a:t>25.1.2024</a:t>
+              <a:t>18.2.2024</a:t>
             </a:fld>
             <a:endParaRPr lang="en-GB"/>
           </a:p>
@@ -10710,7 +11142,7 @@
     </p:spTree>
     <p:extLst>
       <p:ext uri="{BB962C8B-B14F-4D97-AF65-F5344CB8AC3E}">
-        <p14:creationId xmlns:p14="http://schemas.microsoft.com/office/powerpoint/2010/main" val="1689429107"/>
+        <p14:creationId xmlns:p14="http://schemas.microsoft.com/office/powerpoint/2010/main" val="528999108"/>
       </p:ext>
     </p:extLst>
   </p:cSld>
@@ -10768,145 +11200,35 @@
       </p:sp>
       <p:sp>
         <p:nvSpPr>
-          <p:cNvPr id="5" name="Date Placeholder 4">
-            <a:extLst>
-              <a:ext uri="{FF2B5EF4-FFF2-40B4-BE49-F238E27FC236}">
-                <a16:creationId xmlns:a16="http://schemas.microsoft.com/office/drawing/2014/main" id="{976244E2-AA76-2742-B2EC-FEC79276155C}"/>
-              </a:ext>
-            </a:extLst>
-          </p:cNvPr>
-          <p:cNvSpPr>
-            <a:spLocks noGrp="1"/>
-          </p:cNvSpPr>
-          <p:nvPr>
-            <p:ph type="dt" sz="half" idx="10"/>
+          <p:cNvPr id="9" name="Content Placeholder 8">
+            <a:extLst>
+              <a:ext uri="{FF2B5EF4-FFF2-40B4-BE49-F238E27FC236}">
+                <a16:creationId xmlns:a16="http://schemas.microsoft.com/office/drawing/2014/main" id="{ACDE61D8-A75A-F94B-B57A-46F276C03311}"/>
+              </a:ext>
+            </a:extLst>
+          </p:cNvPr>
+          <p:cNvSpPr>
+            <a:spLocks noGrp="1"/>
+          </p:cNvSpPr>
+          <p:nvPr>
+            <p:ph sz="half" idx="2"/>
           </p:nvPr>
         </p:nvSpPr>
         <p:spPr/>
         <p:txBody>
-          <a:bodyPr/>
-          <a:lstStyle/>
-          <a:p>
-            <a:fld id="{202E1EC2-47B8-044B-A09E-6A63B4D80C87}" type="datetime1">
-              <a:rPr lang="fi-FI" smtClean="0"/>
-              <a:t>25.1.2024</a:t>
-            </a:fld>
-            <a:endParaRPr lang="en-GB"/>
-          </a:p>
-        </p:txBody>
-      </p:sp>
-      <p:sp>
-        <p:nvSpPr>
-          <p:cNvPr id="6" name="Footer Placeholder 5">
-            <a:extLst>
-              <a:ext uri="{FF2B5EF4-FFF2-40B4-BE49-F238E27FC236}">
-                <a16:creationId xmlns:a16="http://schemas.microsoft.com/office/drawing/2014/main" id="{588CE607-4137-8840-8FEA-42EAC857E3A3}"/>
-              </a:ext>
-            </a:extLst>
-          </p:cNvPr>
-          <p:cNvSpPr>
-            <a:spLocks noGrp="1"/>
-          </p:cNvSpPr>
-          <p:nvPr>
-            <p:ph type="ftr" sz="quarter" idx="11"/>
-          </p:nvPr>
-        </p:nvSpPr>
-        <p:spPr/>
-        <p:txBody>
-          <a:bodyPr/>
-          <a:lstStyle/>
-          <a:p>
-            <a:endParaRPr lang="en-GB"/>
-          </a:p>
-        </p:txBody>
-      </p:sp>
-      <p:sp>
-        <p:nvSpPr>
-          <p:cNvPr id="7" name="Slide Number Placeholder 6">
-            <a:extLst>
-              <a:ext uri="{FF2B5EF4-FFF2-40B4-BE49-F238E27FC236}">
-                <a16:creationId xmlns:a16="http://schemas.microsoft.com/office/drawing/2014/main" id="{2E133A96-6C73-0844-B8CB-27C2B5F4CFB1}"/>
-              </a:ext>
-            </a:extLst>
-          </p:cNvPr>
-          <p:cNvSpPr>
-            <a:spLocks noGrp="1"/>
-          </p:cNvSpPr>
-          <p:nvPr>
-            <p:ph type="sldNum" sz="quarter" idx="12"/>
-          </p:nvPr>
-        </p:nvSpPr>
-        <p:spPr/>
-        <p:txBody>
-          <a:bodyPr/>
-          <a:lstStyle/>
-          <a:p>
-            <a:fld id="{76BAB7ED-EDE9-4D4B-9A2D-30E18C47C16E}" type="slidenum">
-              <a:rPr lang="en-GB" smtClean="0"/>
-              <a:t>8</a:t>
-            </a:fld>
-            <a:endParaRPr lang="en-GB"/>
-          </a:p>
-        </p:txBody>
-      </p:sp>
-      <p:pic>
-        <p:nvPicPr>
-          <p:cNvPr id="10" name="Picture 9" descr="A screenshot of a computer&#10;&#10;Description automatically generated">
-            <a:extLst>
-              <a:ext uri="{FF2B5EF4-FFF2-40B4-BE49-F238E27FC236}">
-                <a16:creationId xmlns:a16="http://schemas.microsoft.com/office/drawing/2014/main" id="{0B651A1E-9BED-B689-916E-442E238ECDEE}"/>
-              </a:ext>
-            </a:extLst>
-          </p:cNvPr>
-          <p:cNvPicPr>
-            <a:picLocks noChangeAspect="1"/>
-          </p:cNvPicPr>
-          <p:nvPr/>
-        </p:nvPicPr>
-        <p:blipFill>
-          <a:blip r:embed="rId2"/>
-          <a:stretch>
-            <a:fillRect/>
-          </a:stretch>
-        </p:blipFill>
-        <p:spPr>
-          <a:xfrm>
-            <a:off x="1723127" y="1014668"/>
-            <a:ext cx="10283938" cy="4065904"/>
-          </a:xfrm>
-          <a:prstGeom prst="rect">
-            <a:avLst/>
-          </a:prstGeom>
-        </p:spPr>
-      </p:pic>
-      <p:sp>
-        <p:nvSpPr>
-          <p:cNvPr id="11" name="TextBox 10">
-            <a:extLst>
-              <a:ext uri="{FF2B5EF4-FFF2-40B4-BE49-F238E27FC236}">
-                <a16:creationId xmlns:a16="http://schemas.microsoft.com/office/drawing/2014/main" id="{A556BAEC-3128-42E0-F30F-6A4F790BB1BB}"/>
-              </a:ext>
-            </a:extLst>
-          </p:cNvPr>
-          <p:cNvSpPr txBox="1"/>
-          <p:nvPr/>
-        </p:nvSpPr>
-        <p:spPr>
-          <a:xfrm>
-            <a:off x="423643" y="4837163"/>
-            <a:ext cx="2844344" cy="646331"/>
-          </a:xfrm>
-          <a:prstGeom prst="rect">
-            <a:avLst/>
-          </a:prstGeom>
-          <a:noFill/>
-        </p:spPr>
-        <p:txBody>
-          <a:bodyPr wrap="square">
-            <a:spAutoFit/>
+          <a:bodyPr>
+            <a:normAutofit/>
           </a:bodyPr>
           <a:lstStyle/>
           <a:p>
+            <a:pPr>
+              <a:lnSpc>
+                <a:spcPct val="107000"/>
+              </a:lnSpc>
+              <a:spcAft>
+                <a:spcPts val="800"/>
+              </a:spcAft>
+            </a:pPr>
             <a:r>
               <a:rPr lang="en-US" sz="1800" dirty="0">
                 <a:effectLst/>
@@ -10914,16 +11236,163 @@
                 <a:ea typeface="Calibri" panose="020F0502020204030204" pitchFamily="34" charset="0"/>
                 <a:cs typeface="Times New Roman" panose="02020603050405020304" pitchFamily="18" charset="0"/>
               </a:rPr>
-              <a:t>Source: https://docs.docker.com</a:t>
-            </a:r>
+              <a:t>Your ‘script’ for making your own Docker images. </a:t>
+            </a:r>
+          </a:p>
+          <a:p>
+            <a:pPr>
+              <a:lnSpc>
+                <a:spcPct val="107000"/>
+              </a:lnSpc>
+              <a:spcAft>
+                <a:spcPts val="800"/>
+              </a:spcAft>
+            </a:pPr>
+            <a:r>
+              <a:rPr lang="en-US" sz="1800" dirty="0">
+                <a:effectLst/>
+                <a:latin typeface="Calibri" panose="020F0502020204030204" pitchFamily="34" charset="0"/>
+                <a:ea typeface="Calibri" panose="020F0502020204030204" pitchFamily="34" charset="0"/>
+                <a:cs typeface="Times New Roman" panose="02020603050405020304" pitchFamily="18" charset="0"/>
+              </a:rPr>
+              <a:t>Image could be built based on source code and other assets on your disk </a:t>
+            </a:r>
+          </a:p>
+          <a:p>
+            <a:pPr lvl="1">
+              <a:lnSpc>
+                <a:spcPct val="107000"/>
+              </a:lnSpc>
+              <a:spcAft>
+                <a:spcPts val="800"/>
+              </a:spcAft>
+            </a:pPr>
+            <a:r>
+              <a:rPr lang="en-US" dirty="0">
+                <a:effectLst/>
+                <a:latin typeface="Calibri" panose="020F0502020204030204" pitchFamily="34" charset="0"/>
+                <a:ea typeface="Calibri" panose="020F0502020204030204" pitchFamily="34" charset="0"/>
+                <a:cs typeface="Times New Roman" panose="02020603050405020304" pitchFamily="18" charset="0"/>
+              </a:rPr>
+              <a:t>and, if needed, based on / expanding on ready-made images from </a:t>
+            </a:r>
+            <a:r>
+              <a:rPr lang="en-US" i="1" dirty="0">
+                <a:effectLst/>
+                <a:latin typeface="Calibri" panose="020F0502020204030204" pitchFamily="34" charset="0"/>
+                <a:ea typeface="Calibri" panose="020F0502020204030204" pitchFamily="34" charset="0"/>
+                <a:cs typeface="Times New Roman" panose="02020603050405020304" pitchFamily="18" charset="0"/>
+              </a:rPr>
+              <a:t>Docker Hub</a:t>
+            </a:r>
+            <a:r>
+              <a:rPr lang="en-US" dirty="0">
+                <a:effectLst/>
+                <a:latin typeface="Calibri" panose="020F0502020204030204" pitchFamily="34" charset="0"/>
+                <a:ea typeface="Calibri" panose="020F0502020204030204" pitchFamily="34" charset="0"/>
+                <a:cs typeface="Times New Roman" panose="02020603050405020304" pitchFamily="18" charset="0"/>
+              </a:rPr>
+              <a:t> or other docker image registry.</a:t>
+            </a:r>
+            <a:endParaRPr lang="fi-FI" dirty="0">
+              <a:effectLst/>
+              <a:latin typeface="Calibri" panose="020F0502020204030204" pitchFamily="34" charset="0"/>
+              <a:ea typeface="Calibri" panose="020F0502020204030204" pitchFamily="34" charset="0"/>
+              <a:cs typeface="Times New Roman" panose="02020603050405020304" pitchFamily="18" charset="0"/>
+            </a:endParaRPr>
+          </a:p>
+          <a:p>
             <a:endParaRPr lang="fi-FI" dirty="0"/>
+          </a:p>
+        </p:txBody>
+      </p:sp>
+      <p:sp>
+        <p:nvSpPr>
+          <p:cNvPr id="5" name="Date Placeholder 4">
+            <a:extLst>
+              <a:ext uri="{FF2B5EF4-FFF2-40B4-BE49-F238E27FC236}">
+                <a16:creationId xmlns:a16="http://schemas.microsoft.com/office/drawing/2014/main" id="{976244E2-AA76-2742-B2EC-FEC79276155C}"/>
+              </a:ext>
+            </a:extLst>
+          </p:cNvPr>
+          <p:cNvSpPr>
+            <a:spLocks noGrp="1"/>
+          </p:cNvSpPr>
+          <p:nvPr>
+            <p:ph type="dt" sz="half" idx="10"/>
+          </p:nvPr>
+        </p:nvSpPr>
+        <p:spPr/>
+        <p:txBody>
+          <a:bodyPr/>
+          <a:lstStyle/>
+          <a:p>
+            <a:fld id="{202E1EC2-47B8-044B-A09E-6A63B4D80C87}" type="datetime1">
+              <a:rPr lang="fi-FI" smtClean="0"/>
+              <a:t>18.2.2024</a:t>
+            </a:fld>
+            <a:endParaRPr lang="en-GB"/>
+          </a:p>
+        </p:txBody>
+      </p:sp>
+      <p:sp>
+        <p:nvSpPr>
+          <p:cNvPr id="6" name="Footer Placeholder 5">
+            <a:extLst>
+              <a:ext uri="{FF2B5EF4-FFF2-40B4-BE49-F238E27FC236}">
+                <a16:creationId xmlns:a16="http://schemas.microsoft.com/office/drawing/2014/main" id="{588CE607-4137-8840-8FEA-42EAC857E3A3}"/>
+              </a:ext>
+            </a:extLst>
+          </p:cNvPr>
+          <p:cNvSpPr>
+            <a:spLocks noGrp="1"/>
+          </p:cNvSpPr>
+          <p:nvPr>
+            <p:ph type="ftr" sz="quarter" idx="11"/>
+          </p:nvPr>
+        </p:nvSpPr>
+        <p:spPr/>
+        <p:txBody>
+          <a:bodyPr/>
+          <a:lstStyle/>
+          <a:p>
+            <a:endParaRPr lang="en-GB"/>
+          </a:p>
+        </p:txBody>
+      </p:sp>
+      <p:sp>
+        <p:nvSpPr>
+          <p:cNvPr id="7" name="Slide Number Placeholder 6">
+            <a:extLst>
+              <a:ext uri="{FF2B5EF4-FFF2-40B4-BE49-F238E27FC236}">
+                <a16:creationId xmlns:a16="http://schemas.microsoft.com/office/drawing/2014/main" id="{2E133A96-6C73-0844-B8CB-27C2B5F4CFB1}"/>
+              </a:ext>
+            </a:extLst>
+          </p:cNvPr>
+          <p:cNvSpPr>
+            <a:spLocks noGrp="1"/>
+          </p:cNvSpPr>
+          <p:nvPr>
+            <p:ph type="sldNum" sz="quarter" idx="12"/>
+          </p:nvPr>
+        </p:nvSpPr>
+        <p:spPr/>
+        <p:txBody>
+          <a:bodyPr/>
+          <a:lstStyle/>
+          <a:p>
+            <a:fld id="{76BAB7ED-EDE9-4D4B-9A2D-30E18C47C16E}" type="slidenum">
+              <a:rPr lang="en-GB" smtClean="0"/>
+              <a:t>8</a:t>
+            </a:fld>
+            <a:endParaRPr lang="en-GB"/>
           </a:p>
         </p:txBody>
       </p:sp>
     </p:spTree>
     <p:extLst>
       <p:ext uri="{BB962C8B-B14F-4D97-AF65-F5344CB8AC3E}">
-        <p14:creationId xmlns:p14="http://schemas.microsoft.com/office/powerpoint/2010/main" val="2851349343"/>
+        <p14:creationId xmlns:p14="http://schemas.microsoft.com/office/powerpoint/2010/main" val="1689429107"/>
       </p:ext>
     </p:extLst>
   </p:cSld>
@@ -10972,12 +11441,8 @@
           <a:lstStyle/>
           <a:p>
             <a:r>
-              <a:rPr lang="fi-FI" dirty="0"/>
-              <a:t>.</a:t>
-            </a:r>
-            <a:r>
               <a:rPr lang="fi-FI" dirty="0" err="1"/>
-              <a:t>dockerignore</a:t>
+              <a:t>Dockerfile</a:t>
             </a:r>
             <a:endParaRPr lang="fi-FI" dirty="0"/>
           </a:p>
@@ -10985,35 +11450,145 @@
       </p:sp>
       <p:sp>
         <p:nvSpPr>
-          <p:cNvPr id="9" name="Content Placeholder 8">
-            <a:extLst>
-              <a:ext uri="{FF2B5EF4-FFF2-40B4-BE49-F238E27FC236}">
-                <a16:creationId xmlns:a16="http://schemas.microsoft.com/office/drawing/2014/main" id="{ACDE61D8-A75A-F94B-B57A-46F276C03311}"/>
-              </a:ext>
-            </a:extLst>
-          </p:cNvPr>
-          <p:cNvSpPr>
-            <a:spLocks noGrp="1"/>
-          </p:cNvSpPr>
-          <p:nvPr>
-            <p:ph sz="half" idx="2"/>
+          <p:cNvPr id="5" name="Date Placeholder 4">
+            <a:extLst>
+              <a:ext uri="{FF2B5EF4-FFF2-40B4-BE49-F238E27FC236}">
+                <a16:creationId xmlns:a16="http://schemas.microsoft.com/office/drawing/2014/main" id="{976244E2-AA76-2742-B2EC-FEC79276155C}"/>
+              </a:ext>
+            </a:extLst>
+          </p:cNvPr>
+          <p:cNvSpPr>
+            <a:spLocks noGrp="1"/>
+          </p:cNvSpPr>
+          <p:nvPr>
+            <p:ph type="dt" sz="half" idx="10"/>
           </p:nvPr>
         </p:nvSpPr>
         <p:spPr/>
         <p:txBody>
-          <a:bodyPr>
-            <a:normAutofit/>
+          <a:bodyPr/>
+          <a:lstStyle/>
+          <a:p>
+            <a:fld id="{202E1EC2-47B8-044B-A09E-6A63B4D80C87}" type="datetime1">
+              <a:rPr lang="fi-FI" smtClean="0"/>
+              <a:t>18.2.2024</a:t>
+            </a:fld>
+            <a:endParaRPr lang="en-GB"/>
+          </a:p>
+        </p:txBody>
+      </p:sp>
+      <p:sp>
+        <p:nvSpPr>
+          <p:cNvPr id="6" name="Footer Placeholder 5">
+            <a:extLst>
+              <a:ext uri="{FF2B5EF4-FFF2-40B4-BE49-F238E27FC236}">
+                <a16:creationId xmlns:a16="http://schemas.microsoft.com/office/drawing/2014/main" id="{588CE607-4137-8840-8FEA-42EAC857E3A3}"/>
+              </a:ext>
+            </a:extLst>
+          </p:cNvPr>
+          <p:cNvSpPr>
+            <a:spLocks noGrp="1"/>
+          </p:cNvSpPr>
+          <p:nvPr>
+            <p:ph type="ftr" sz="quarter" idx="11"/>
+          </p:nvPr>
+        </p:nvSpPr>
+        <p:spPr/>
+        <p:txBody>
+          <a:bodyPr/>
+          <a:lstStyle/>
+          <a:p>
+            <a:endParaRPr lang="en-GB"/>
+          </a:p>
+        </p:txBody>
+      </p:sp>
+      <p:sp>
+        <p:nvSpPr>
+          <p:cNvPr id="7" name="Slide Number Placeholder 6">
+            <a:extLst>
+              <a:ext uri="{FF2B5EF4-FFF2-40B4-BE49-F238E27FC236}">
+                <a16:creationId xmlns:a16="http://schemas.microsoft.com/office/drawing/2014/main" id="{2E133A96-6C73-0844-B8CB-27C2B5F4CFB1}"/>
+              </a:ext>
+            </a:extLst>
+          </p:cNvPr>
+          <p:cNvSpPr>
+            <a:spLocks noGrp="1"/>
+          </p:cNvSpPr>
+          <p:nvPr>
+            <p:ph type="sldNum" sz="quarter" idx="12"/>
+          </p:nvPr>
+        </p:nvSpPr>
+        <p:spPr/>
+        <p:txBody>
+          <a:bodyPr/>
+          <a:lstStyle/>
+          <a:p>
+            <a:fld id="{76BAB7ED-EDE9-4D4B-9A2D-30E18C47C16E}" type="slidenum">
+              <a:rPr lang="en-GB" smtClean="0"/>
+              <a:t>9</a:t>
+            </a:fld>
+            <a:endParaRPr lang="en-GB"/>
+          </a:p>
+        </p:txBody>
+      </p:sp>
+      <p:pic>
+        <p:nvPicPr>
+          <p:cNvPr id="10" name="Picture 9" descr="A screenshot of a computer&#10;&#10;Description automatically generated">
+            <a:extLst>
+              <a:ext uri="{FF2B5EF4-FFF2-40B4-BE49-F238E27FC236}">
+                <a16:creationId xmlns:a16="http://schemas.microsoft.com/office/drawing/2014/main" id="{0B651A1E-9BED-B689-916E-442E238ECDEE}"/>
+              </a:ext>
+            </a:extLst>
+          </p:cNvPr>
+          <p:cNvPicPr>
+            <a:picLocks noChangeAspect="1"/>
+          </p:cNvPicPr>
+          <p:nvPr/>
+        </p:nvPicPr>
+        <p:blipFill>
+          <a:blip r:embed="rId2"/>
+          <a:stretch>
+            <a:fillRect/>
+          </a:stretch>
+        </p:blipFill>
+        <p:spPr>
+          <a:xfrm>
+            <a:off x="1723127" y="1014668"/>
+            <a:ext cx="10283938" cy="4065904"/>
+          </a:xfrm>
+          <a:prstGeom prst="rect">
+            <a:avLst/>
+          </a:prstGeom>
+        </p:spPr>
+      </p:pic>
+      <p:sp>
+        <p:nvSpPr>
+          <p:cNvPr id="11" name="TextBox 10">
+            <a:extLst>
+              <a:ext uri="{FF2B5EF4-FFF2-40B4-BE49-F238E27FC236}">
+                <a16:creationId xmlns:a16="http://schemas.microsoft.com/office/drawing/2014/main" id="{A556BAEC-3128-42E0-F30F-6A4F790BB1BB}"/>
+              </a:ext>
+            </a:extLst>
+          </p:cNvPr>
+          <p:cNvSpPr txBox="1"/>
+          <p:nvPr/>
+        </p:nvSpPr>
+        <p:spPr>
+          <a:xfrm>
+            <a:off x="423643" y="4837163"/>
+            <a:ext cx="2844344" cy="646331"/>
+          </a:xfrm>
+          <a:prstGeom prst="rect">
+            <a:avLst/>
+          </a:prstGeom>
+          <a:noFill/>
+        </p:spPr>
+        <p:txBody>
+          <a:bodyPr wrap="square">
+            <a:spAutoFit/>
           </a:bodyPr>
           <a:lstStyle/>
           <a:p>
-            <a:pPr>
-              <a:lnSpc>
-                <a:spcPct val="107000"/>
-              </a:lnSpc>
-              <a:spcAft>
-                <a:spcPts val="800"/>
-              </a:spcAft>
-            </a:pPr>
             <a:r>
               <a:rPr lang="en-US" sz="1800" dirty="0">
                 <a:effectLst/>
@@ -11021,107 +11596,16 @@
                 <a:ea typeface="Calibri" panose="020F0502020204030204" pitchFamily="34" charset="0"/>
                 <a:cs typeface="Times New Roman" panose="02020603050405020304" pitchFamily="18" charset="0"/>
               </a:rPr>
-              <a:t>Lists which files and folders won’t be packed into the Docker image.</a:t>
-            </a:r>
-            <a:endParaRPr lang="fi-FI" dirty="0">
-              <a:effectLst/>
-              <a:latin typeface="Calibri" panose="020F0502020204030204" pitchFamily="34" charset="0"/>
-              <a:ea typeface="Calibri" panose="020F0502020204030204" pitchFamily="34" charset="0"/>
-              <a:cs typeface="Times New Roman" panose="02020603050405020304" pitchFamily="18" charset="0"/>
-            </a:endParaRPr>
-          </a:p>
-          <a:p>
+              <a:t>Source: https://docs.docker.com</a:t>
+            </a:r>
             <a:endParaRPr lang="fi-FI" dirty="0"/>
-          </a:p>
-        </p:txBody>
-      </p:sp>
-      <p:sp>
-        <p:nvSpPr>
-          <p:cNvPr id="5" name="Date Placeholder 4">
-            <a:extLst>
-              <a:ext uri="{FF2B5EF4-FFF2-40B4-BE49-F238E27FC236}">
-                <a16:creationId xmlns:a16="http://schemas.microsoft.com/office/drawing/2014/main" id="{976244E2-AA76-2742-B2EC-FEC79276155C}"/>
-              </a:ext>
-            </a:extLst>
-          </p:cNvPr>
-          <p:cNvSpPr>
-            <a:spLocks noGrp="1"/>
-          </p:cNvSpPr>
-          <p:nvPr>
-            <p:ph type="dt" sz="half" idx="10"/>
-          </p:nvPr>
-        </p:nvSpPr>
-        <p:spPr/>
-        <p:txBody>
-          <a:bodyPr/>
-          <a:lstStyle/>
-          <a:p>
-            <a:fld id="{202E1EC2-47B8-044B-A09E-6A63B4D80C87}" type="datetime1">
-              <a:rPr lang="fi-FI" smtClean="0"/>
-              <a:t>25.1.2024</a:t>
-            </a:fld>
-            <a:endParaRPr lang="en-GB"/>
-          </a:p>
-        </p:txBody>
-      </p:sp>
-      <p:sp>
-        <p:nvSpPr>
-          <p:cNvPr id="6" name="Footer Placeholder 5">
-            <a:extLst>
-              <a:ext uri="{FF2B5EF4-FFF2-40B4-BE49-F238E27FC236}">
-                <a16:creationId xmlns:a16="http://schemas.microsoft.com/office/drawing/2014/main" id="{588CE607-4137-8840-8FEA-42EAC857E3A3}"/>
-              </a:ext>
-            </a:extLst>
-          </p:cNvPr>
-          <p:cNvSpPr>
-            <a:spLocks noGrp="1"/>
-          </p:cNvSpPr>
-          <p:nvPr>
-            <p:ph type="ftr" sz="quarter" idx="11"/>
-          </p:nvPr>
-        </p:nvSpPr>
-        <p:spPr/>
-        <p:txBody>
-          <a:bodyPr/>
-          <a:lstStyle/>
-          <a:p>
-            <a:endParaRPr lang="en-GB"/>
-          </a:p>
-        </p:txBody>
-      </p:sp>
-      <p:sp>
-        <p:nvSpPr>
-          <p:cNvPr id="7" name="Slide Number Placeholder 6">
-            <a:extLst>
-              <a:ext uri="{FF2B5EF4-FFF2-40B4-BE49-F238E27FC236}">
-                <a16:creationId xmlns:a16="http://schemas.microsoft.com/office/drawing/2014/main" id="{2E133A96-6C73-0844-B8CB-27C2B5F4CFB1}"/>
-              </a:ext>
-            </a:extLst>
-          </p:cNvPr>
-          <p:cNvSpPr>
-            <a:spLocks noGrp="1"/>
-          </p:cNvSpPr>
-          <p:nvPr>
-            <p:ph type="sldNum" sz="quarter" idx="12"/>
-          </p:nvPr>
-        </p:nvSpPr>
-        <p:spPr/>
-        <p:txBody>
-          <a:bodyPr/>
-          <a:lstStyle/>
-          <a:p>
-            <a:fld id="{76BAB7ED-EDE9-4D4B-9A2D-30E18C47C16E}" type="slidenum">
-              <a:rPr lang="en-GB" smtClean="0"/>
-              <a:t>9</a:t>
-            </a:fld>
-            <a:endParaRPr lang="en-GB"/>
           </a:p>
         </p:txBody>
       </p:sp>
     </p:spTree>
     <p:extLst>
       <p:ext uri="{BB962C8B-B14F-4D97-AF65-F5344CB8AC3E}">
-        <p14:creationId xmlns:p14="http://schemas.microsoft.com/office/powerpoint/2010/main" val="3023738396"/>
+        <p14:creationId xmlns:p14="http://schemas.microsoft.com/office/powerpoint/2010/main" val="2851349343"/>
       </p:ext>
     </p:extLst>
   </p:cSld>
@@ -11688,21 +12172,21 @@
 </file>
 
 <file path=customXml/item1.xml><?xml version="1.0" encoding="utf-8"?>
+<p:properties xmlns:p="http://schemas.microsoft.com/office/2006/metadata/properties" xmlns:xsi="http://www.w3.org/2001/XMLSchema-instance" xmlns:pc="http://schemas.microsoft.com/office/infopath/2007/PartnerControls">
+  <documentManagement>
+    <PublishingExpirationDate xmlns="http://schemas.microsoft.com/sharepoint/v3" xsi:nil="true"/>
+    <PublishingStartDate xmlns="http://schemas.microsoft.com/sharepoint/v3" xsi:nil="true"/>
+  </documentManagement>
+</p:properties>
+</file>
+
+<file path=customXml/item2.xml><?xml version="1.0" encoding="utf-8"?>
 <?mso-contentType ?>
 <FormTemplates xmlns="http://schemas.microsoft.com/sharepoint/v3/contenttype/forms">
   <Display>DocumentLibraryForm</Display>
   <Edit>DocumentLibraryForm</Edit>
   <New>DocumentLibraryForm</New>
 </FormTemplates>
-</file>
-
-<file path=customXml/item2.xml><?xml version="1.0" encoding="utf-8"?>
-<p:properties xmlns:p="http://schemas.microsoft.com/office/2006/metadata/properties" xmlns:xsi="http://www.w3.org/2001/XMLSchema-instance" xmlns:pc="http://schemas.microsoft.com/office/infopath/2007/PartnerControls">
-  <documentManagement>
-    <PublishingExpirationDate xmlns="http://schemas.microsoft.com/sharepoint/v3" xsi:nil="true"/>
-    <PublishingStartDate xmlns="http://schemas.microsoft.com/sharepoint/v3" xsi:nil="true"/>
-  </documentManagement>
-</p:properties>
 </file>
 
 <file path=customXml/item3.xml><?xml version="1.0" encoding="utf-8"?>
@@ -11838,14 +12322,6 @@
 </file>
 
 <file path=customXml/itemProps1.xml><?xml version="1.0" encoding="utf-8"?>
-<ds:datastoreItem xmlns:ds="http://schemas.openxmlformats.org/officeDocument/2006/customXml" ds:itemID="{D546C03B-CD3A-4EA0-AAA4-0E00E896454E}">
-  <ds:schemaRefs>
-    <ds:schemaRef ds:uri="http://schemas.microsoft.com/sharepoint/v3/contenttype/forms"/>
-  </ds:schemaRefs>
-</ds:datastoreItem>
-</file>
-
-<file path=customXml/itemProps2.xml><?xml version="1.0" encoding="utf-8"?>
 <ds:datastoreItem xmlns:ds="http://schemas.openxmlformats.org/officeDocument/2006/customXml" ds:itemID="{DED4E12E-7268-4B03-A47B-0755D62B5E31}">
   <ds:schemaRefs>
     <ds:schemaRef ds:uri="http://schemas.microsoft.com/sharepoint/v3"/>
@@ -11857,6 +12333,14 @@
     <ds:schemaRef ds:uri="http://schemas.openxmlformats.org/package/2006/metadata/core-properties"/>
     <ds:schemaRef ds:uri="http://schemas.microsoft.com/office/2006/metadata/properties"/>
     <ds:schemaRef ds:uri="http://www.w3.org/XML/1998/namespace"/>
+  </ds:schemaRefs>
+</ds:datastoreItem>
+</file>
+
+<file path=customXml/itemProps2.xml><?xml version="1.0" encoding="utf-8"?>
+<ds:datastoreItem xmlns:ds="http://schemas.openxmlformats.org/officeDocument/2006/customXml" ds:itemID="{D546C03B-CD3A-4EA0-AAA4-0E00E896454E}">
+  <ds:schemaRefs>
+    <ds:schemaRef ds:uri="http://schemas.microsoft.com/sharepoint/v3/contenttype/forms"/>
   </ds:schemaRefs>
 </ds:datastoreItem>
 </file>

--- a/01_docker/DockerConceptsAndVocabulary.pptx
+++ b/01_docker/DockerConceptsAndVocabulary.pptx
@@ -5,27 +5,28 @@
     <p:sldMasterId id="2147483648" r:id="rId4"/>
   </p:sldMasterIdLst>
   <p:notesMasterIdLst>
-    <p:notesMasterId r:id="rId23"/>
+    <p:notesMasterId r:id="rId24"/>
   </p:notesMasterIdLst>
   <p:sldIdLst>
     <p:sldId id="256" r:id="rId5"/>
     <p:sldId id="257" r:id="rId6"/>
-    <p:sldId id="281" r:id="rId7"/>
-    <p:sldId id="282" r:id="rId8"/>
-    <p:sldId id="268" r:id="rId9"/>
-    <p:sldId id="283" r:id="rId10"/>
-    <p:sldId id="269" r:id="rId11"/>
-    <p:sldId id="270" r:id="rId12"/>
-    <p:sldId id="280" r:id="rId13"/>
-    <p:sldId id="272" r:id="rId14"/>
-    <p:sldId id="271" r:id="rId15"/>
-    <p:sldId id="274" r:id="rId16"/>
-    <p:sldId id="273" r:id="rId17"/>
-    <p:sldId id="276" r:id="rId18"/>
-    <p:sldId id="278" r:id="rId19"/>
-    <p:sldId id="277" r:id="rId20"/>
-    <p:sldId id="279" r:id="rId21"/>
-    <p:sldId id="266" r:id="rId22"/>
+    <p:sldId id="284" r:id="rId7"/>
+    <p:sldId id="281" r:id="rId8"/>
+    <p:sldId id="282" r:id="rId9"/>
+    <p:sldId id="268" r:id="rId10"/>
+    <p:sldId id="283" r:id="rId11"/>
+    <p:sldId id="269" r:id="rId12"/>
+    <p:sldId id="270" r:id="rId13"/>
+    <p:sldId id="280" r:id="rId14"/>
+    <p:sldId id="272" r:id="rId15"/>
+    <p:sldId id="271" r:id="rId16"/>
+    <p:sldId id="274" r:id="rId17"/>
+    <p:sldId id="273" r:id="rId18"/>
+    <p:sldId id="276" r:id="rId19"/>
+    <p:sldId id="278" r:id="rId20"/>
+    <p:sldId id="277" r:id="rId21"/>
+    <p:sldId id="279" r:id="rId22"/>
+    <p:sldId id="266" r:id="rId23"/>
   </p:sldIdLst>
   <p:sldSz cx="12192000" cy="6858000"/>
   <p:notesSz cx="6858000" cy="9144000"/>
@@ -6887,65 +6888,9 @@
           <a:lstStyle/>
           <a:p>
             <a:r>
-              <a:rPr lang="fi-FI" dirty="0"/>
-              <a:t>.</a:t>
-            </a:r>
-            <a:r>
               <a:rPr lang="fi-FI" dirty="0" err="1"/>
-              <a:t>dockerignore</a:t>
-            </a:r>
-            <a:endParaRPr lang="fi-FI" dirty="0"/>
-          </a:p>
-        </p:txBody>
-      </p:sp>
-      <p:sp>
-        <p:nvSpPr>
-          <p:cNvPr id="9" name="Content Placeholder 8">
-            <a:extLst>
-              <a:ext uri="{FF2B5EF4-FFF2-40B4-BE49-F238E27FC236}">
-                <a16:creationId xmlns:a16="http://schemas.microsoft.com/office/drawing/2014/main" id="{ACDE61D8-A75A-F94B-B57A-46F276C03311}"/>
-              </a:ext>
-            </a:extLst>
-          </p:cNvPr>
-          <p:cNvSpPr>
-            <a:spLocks noGrp="1"/>
-          </p:cNvSpPr>
-          <p:nvPr>
-            <p:ph sz="half" idx="2"/>
-          </p:nvPr>
-        </p:nvSpPr>
-        <p:spPr/>
-        <p:txBody>
-          <a:bodyPr>
-            <a:normAutofit/>
-          </a:bodyPr>
-          <a:lstStyle/>
-          <a:p>
-            <a:pPr>
-              <a:lnSpc>
-                <a:spcPct val="107000"/>
-              </a:lnSpc>
-              <a:spcAft>
-                <a:spcPts val="800"/>
-              </a:spcAft>
-            </a:pPr>
-            <a:r>
-              <a:rPr lang="en-US" sz="1800" dirty="0">
-                <a:effectLst/>
-                <a:latin typeface="Calibri" panose="020F0502020204030204" pitchFamily="34" charset="0"/>
-                <a:ea typeface="Calibri" panose="020F0502020204030204" pitchFamily="34" charset="0"/>
-                <a:cs typeface="Times New Roman" panose="02020603050405020304" pitchFamily="18" charset="0"/>
-              </a:rPr>
-              <a:t>Lists which files and folders won’t be copied/packed into the Docker image.</a:t>
-            </a:r>
-            <a:endParaRPr lang="fi-FI" dirty="0">
-              <a:effectLst/>
-              <a:latin typeface="Calibri" panose="020F0502020204030204" pitchFamily="34" charset="0"/>
-              <a:ea typeface="Calibri" panose="020F0502020204030204" pitchFamily="34" charset="0"/>
-              <a:cs typeface="Times New Roman" panose="02020603050405020304" pitchFamily="18" charset="0"/>
-            </a:endParaRPr>
-          </a:p>
-          <a:p>
+              <a:t>Dockerfile</a:t>
+            </a:r>
             <a:endParaRPr lang="fi-FI" dirty="0"/>
           </a:p>
         </p:txBody>
@@ -7033,10 +6978,81 @@
           </a:p>
         </p:txBody>
       </p:sp>
+      <p:pic>
+        <p:nvPicPr>
+          <p:cNvPr id="10" name="Picture 9" descr="A screenshot of a computer&#10;&#10;Description automatically generated">
+            <a:extLst>
+              <a:ext uri="{FF2B5EF4-FFF2-40B4-BE49-F238E27FC236}">
+                <a16:creationId xmlns:a16="http://schemas.microsoft.com/office/drawing/2014/main" id="{0B651A1E-9BED-B689-916E-442E238ECDEE}"/>
+              </a:ext>
+            </a:extLst>
+          </p:cNvPr>
+          <p:cNvPicPr>
+            <a:picLocks noChangeAspect="1"/>
+          </p:cNvPicPr>
+          <p:nvPr/>
+        </p:nvPicPr>
+        <p:blipFill>
+          <a:blip r:embed="rId2"/>
+          <a:stretch>
+            <a:fillRect/>
+          </a:stretch>
+        </p:blipFill>
+        <p:spPr>
+          <a:xfrm>
+            <a:off x="1723127" y="1014668"/>
+            <a:ext cx="10283938" cy="4065904"/>
+          </a:xfrm>
+          <a:prstGeom prst="rect">
+            <a:avLst/>
+          </a:prstGeom>
+        </p:spPr>
+      </p:pic>
+      <p:sp>
+        <p:nvSpPr>
+          <p:cNvPr id="11" name="TextBox 10">
+            <a:extLst>
+              <a:ext uri="{FF2B5EF4-FFF2-40B4-BE49-F238E27FC236}">
+                <a16:creationId xmlns:a16="http://schemas.microsoft.com/office/drawing/2014/main" id="{A556BAEC-3128-42E0-F30F-6A4F790BB1BB}"/>
+              </a:ext>
+            </a:extLst>
+          </p:cNvPr>
+          <p:cNvSpPr txBox="1"/>
+          <p:nvPr/>
+        </p:nvSpPr>
+        <p:spPr>
+          <a:xfrm>
+            <a:off x="423643" y="4837163"/>
+            <a:ext cx="2844344" cy="646331"/>
+          </a:xfrm>
+          <a:prstGeom prst="rect">
+            <a:avLst/>
+          </a:prstGeom>
+          <a:noFill/>
+        </p:spPr>
+        <p:txBody>
+          <a:bodyPr wrap="square">
+            <a:spAutoFit/>
+          </a:bodyPr>
+          <a:lstStyle/>
+          <a:p>
+            <a:r>
+              <a:rPr lang="en-US" sz="1800" dirty="0">
+                <a:effectLst/>
+                <a:latin typeface="Calibri" panose="020F0502020204030204" pitchFamily="34" charset="0"/>
+                <a:ea typeface="Calibri" panose="020F0502020204030204" pitchFamily="34" charset="0"/>
+                <a:cs typeface="Times New Roman" panose="02020603050405020304" pitchFamily="18" charset="0"/>
+              </a:rPr>
+              <a:t>Source: https://docs.docker.com</a:t>
+            </a:r>
+            <a:endParaRPr lang="fi-FI" dirty="0"/>
+          </a:p>
+        </p:txBody>
+      </p:sp>
     </p:spTree>
     <p:extLst>
       <p:ext uri="{BB962C8B-B14F-4D97-AF65-F5344CB8AC3E}">
-        <p14:creationId xmlns:p14="http://schemas.microsoft.com/office/powerpoint/2010/main" val="3023738396"/>
+        <p14:creationId xmlns:p14="http://schemas.microsoft.com/office/powerpoint/2010/main" val="2851349343"/>
       </p:ext>
     </p:extLst>
   </p:cSld>
@@ -7086,8 +7102,13 @@
           <a:p>
             <a:r>
               <a:rPr lang="fi-FI" dirty="0"/>
-              <a:t>image</a:t>
-            </a:r>
+              <a:t>.</a:t>
+            </a:r>
+            <a:r>
+              <a:rPr lang="fi-FI" dirty="0" err="1"/>
+              <a:t>dockerignore</a:t>
+            </a:r>
+            <a:endParaRPr lang="fi-FI" dirty="0"/>
           </a:p>
         </p:txBody>
       </p:sp>
@@ -7129,56 +7150,7 @@
                 <a:ea typeface="Calibri" panose="020F0502020204030204" pitchFamily="34" charset="0"/>
                 <a:cs typeface="Times New Roman" panose="02020603050405020304" pitchFamily="18" charset="0"/>
               </a:rPr>
-              <a:t>Ready-made from Docker Hub, OR one you have created. Template that can be used to create container.</a:t>
-            </a:r>
-            <a:endParaRPr lang="fi-FI" sz="1800" dirty="0">
-              <a:effectLst/>
-              <a:latin typeface="Calibri" panose="020F0502020204030204" pitchFamily="34" charset="0"/>
-              <a:ea typeface="Calibri" panose="020F0502020204030204" pitchFamily="34" charset="0"/>
-              <a:cs typeface="Times New Roman" panose="02020603050405020304" pitchFamily="18" charset="0"/>
-            </a:endParaRPr>
-          </a:p>
-          <a:p>
-            <a:pPr>
-              <a:lnSpc>
-                <a:spcPct val="107000"/>
-              </a:lnSpc>
-              <a:spcAft>
-                <a:spcPts val="800"/>
-              </a:spcAft>
-            </a:pPr>
-            <a:r>
-              <a:rPr lang="en-US" sz="1800" dirty="0">
-                <a:effectLst/>
-                <a:latin typeface="Calibri" panose="020F0502020204030204" pitchFamily="34" charset="0"/>
-                <a:ea typeface="Calibri" panose="020F0502020204030204" pitchFamily="34" charset="0"/>
-                <a:cs typeface="Times New Roman" panose="02020603050405020304" pitchFamily="18" charset="0"/>
-              </a:rPr>
-              <a:t>E.g. some MariaDB image you want to take into use. It’s a snapshot of a running/runnable MariaDB or other DB server that starts from a certain documented state. Typically, there is a root user with known password (public information, everyone knows the password!), a certain database/schema created, like ‘test’. When taking that image into use, you must then immediately:</a:t>
-            </a:r>
-            <a:endParaRPr lang="fi-FI" sz="1800" dirty="0">
-              <a:effectLst/>
-              <a:latin typeface="Calibri" panose="020F0502020204030204" pitchFamily="34" charset="0"/>
-              <a:ea typeface="Calibri" panose="020F0502020204030204" pitchFamily="34" charset="0"/>
-              <a:cs typeface="Times New Roman" panose="02020603050405020304" pitchFamily="18" charset="0"/>
-            </a:endParaRPr>
-          </a:p>
-          <a:p>
-            <a:pPr marL="846900" lvl="1" indent="-342900">
-              <a:lnSpc>
-                <a:spcPct val="107000"/>
-              </a:lnSpc>
-              <a:buFont typeface="Calibri" panose="020F0502020204030204" pitchFamily="34" charset="0"/>
-              <a:buChar char="-"/>
-            </a:pPr>
-            <a:r>
-              <a:rPr lang="en-US" dirty="0">
-                <a:effectLst/>
-                <a:latin typeface="Calibri" panose="020F0502020204030204" pitchFamily="34" charset="0"/>
-                <a:ea typeface="Calibri" panose="020F0502020204030204" pitchFamily="34" charset="0"/>
-                <a:cs typeface="Times New Roman" panose="02020603050405020304" pitchFamily="18" charset="0"/>
-              </a:rPr>
-              <a:t>secure the root user by changing the password</a:t>
+              <a:t>Lists which files and folders won’t be copied/packed into the Docker image.</a:t>
             </a:r>
             <a:endParaRPr lang="fi-FI" dirty="0">
               <a:effectLst/>
@@ -7188,97 +7160,7 @@
             </a:endParaRPr>
           </a:p>
           <a:p>
-            <a:pPr marL="846900" lvl="1" indent="-342900">
-              <a:lnSpc>
-                <a:spcPct val="107000"/>
-              </a:lnSpc>
-              <a:buFont typeface="Calibri" panose="020F0502020204030204" pitchFamily="34" charset="0"/>
-              <a:buChar char="-"/>
-            </a:pPr>
-            <a:r>
-              <a:rPr lang="en-US" dirty="0">
-                <a:effectLst/>
-                <a:latin typeface="Calibri" panose="020F0502020204030204" pitchFamily="34" charset="0"/>
-                <a:ea typeface="Calibri" panose="020F0502020204030204" pitchFamily="34" charset="0"/>
-                <a:cs typeface="Times New Roman" panose="02020603050405020304" pitchFamily="18" charset="0"/>
-              </a:rPr>
-              <a:t>create a user with less privileges with safe password or other safe access. </a:t>
-            </a:r>
-            <a:endParaRPr lang="fi-FI" dirty="0">
-              <a:effectLst/>
-              <a:latin typeface="Calibri" panose="020F0502020204030204" pitchFamily="34" charset="0"/>
-              <a:ea typeface="Calibri" panose="020F0502020204030204" pitchFamily="34" charset="0"/>
-              <a:cs typeface="Times New Roman" panose="02020603050405020304" pitchFamily="18" charset="0"/>
-            </a:endParaRPr>
-          </a:p>
-          <a:p>
-            <a:pPr marL="846900" lvl="1" indent="-342900">
-              <a:lnSpc>
-                <a:spcPct val="107000"/>
-              </a:lnSpc>
-              <a:buFont typeface="Calibri" panose="020F0502020204030204" pitchFamily="34" charset="0"/>
-              <a:buChar char="-"/>
-            </a:pPr>
-            <a:r>
-              <a:rPr lang="en-US" dirty="0">
-                <a:effectLst/>
-                <a:latin typeface="Calibri" panose="020F0502020204030204" pitchFamily="34" charset="0"/>
-                <a:ea typeface="Calibri" panose="020F0502020204030204" pitchFamily="34" charset="0"/>
-                <a:cs typeface="Times New Roman" panose="02020603050405020304" pitchFamily="18" charset="0"/>
-              </a:rPr>
-              <a:t>give that user access to wanted schema etc.</a:t>
-            </a:r>
-            <a:endParaRPr lang="fi-FI" dirty="0">
-              <a:effectLst/>
-              <a:latin typeface="Calibri" panose="020F0502020204030204" pitchFamily="34" charset="0"/>
-              <a:ea typeface="Calibri" panose="020F0502020204030204" pitchFamily="34" charset="0"/>
-              <a:cs typeface="Times New Roman" panose="02020603050405020304" pitchFamily="18" charset="0"/>
-            </a:endParaRPr>
-          </a:p>
-          <a:p>
-            <a:pPr marL="846900" lvl="1" indent="-342900">
-              <a:lnSpc>
-                <a:spcPct val="107000"/>
-              </a:lnSpc>
-              <a:spcAft>
-                <a:spcPts val="800"/>
-              </a:spcAft>
-              <a:buFont typeface="Calibri" panose="020F0502020204030204" pitchFamily="34" charset="0"/>
-              <a:buChar char="-"/>
-            </a:pPr>
-            <a:r>
-              <a:rPr lang="en-US" dirty="0">
-                <a:effectLst/>
-                <a:latin typeface="Calibri" panose="020F0502020204030204" pitchFamily="34" charset="0"/>
-                <a:ea typeface="Calibri" panose="020F0502020204030204" pitchFamily="34" charset="0"/>
-                <a:cs typeface="Times New Roman" panose="02020603050405020304" pitchFamily="18" charset="0"/>
-              </a:rPr>
-              <a:t>continue possibly with table creation, </a:t>
-            </a:r>
-            <a:r>
-              <a:rPr lang="en-US" dirty="0" err="1">
-                <a:effectLst/>
-                <a:latin typeface="Calibri" panose="020F0502020204030204" pitchFamily="34" charset="0"/>
-                <a:ea typeface="Calibri" panose="020F0502020204030204" pitchFamily="34" charset="0"/>
-                <a:cs typeface="Times New Roman" panose="02020603050405020304" pitchFamily="18" charset="0"/>
-              </a:rPr>
-              <a:t>etc</a:t>
-            </a:r>
-            <a:r>
-              <a:rPr lang="en-US" dirty="0">
-                <a:effectLst/>
-                <a:latin typeface="Calibri" panose="020F0502020204030204" pitchFamily="34" charset="0"/>
-                <a:ea typeface="Calibri" panose="020F0502020204030204" pitchFamily="34" charset="0"/>
-                <a:cs typeface="Times New Roman" panose="02020603050405020304" pitchFamily="18" charset="0"/>
-              </a:rPr>
-              <a:t>…</a:t>
-            </a:r>
-            <a:endParaRPr lang="fi-FI" dirty="0">
-              <a:effectLst/>
-              <a:latin typeface="Calibri" panose="020F0502020204030204" pitchFamily="34" charset="0"/>
-              <a:ea typeface="Calibri" panose="020F0502020204030204" pitchFamily="34" charset="0"/>
-              <a:cs typeface="Times New Roman" panose="02020603050405020304" pitchFamily="18" charset="0"/>
-            </a:endParaRPr>
+            <a:endParaRPr lang="fi-FI" dirty="0"/>
           </a:p>
         </p:txBody>
       </p:sp>
@@ -7368,7 +7250,7 @@
     </p:spTree>
     <p:extLst>
       <p:ext uri="{BB962C8B-B14F-4D97-AF65-F5344CB8AC3E}">
-        <p14:creationId xmlns:p14="http://schemas.microsoft.com/office/powerpoint/2010/main" val="1005799627"/>
+        <p14:creationId xmlns:p14="http://schemas.microsoft.com/office/powerpoint/2010/main" val="3023738396"/>
       </p:ext>
     </p:extLst>
   </p:cSld>
@@ -7417,34 +7299,9 @@
           <a:lstStyle/>
           <a:p>
             <a:r>
-              <a:rPr lang="fi-FI" dirty="0" err="1"/>
-              <a:t>Docker</a:t>
-            </a:r>
-            <a:r>
               <a:rPr lang="fi-FI" dirty="0"/>
-              <a:t> Image </a:t>
-            </a:r>
-            <a:r>
-              <a:rPr lang="fi-FI" dirty="0" err="1"/>
-              <a:t>registry</a:t>
-            </a:r>
-            <a:r>
-              <a:rPr lang="fi-FI" dirty="0"/>
-              <a:t>, e.g. </a:t>
-            </a:r>
-            <a:r>
-              <a:rPr lang="fi-FI" dirty="0" err="1"/>
-              <a:t>Docker</a:t>
-            </a:r>
-            <a:r>
-              <a:rPr lang="fi-FI" dirty="0"/>
-              <a:t> </a:t>
-            </a:r>
-            <a:r>
-              <a:rPr lang="fi-FI" dirty="0" err="1"/>
-              <a:t>Hub</a:t>
-            </a:r>
-            <a:endParaRPr lang="fi-FI" dirty="0"/>
+              <a:t>image</a:t>
+            </a:r>
           </a:p>
         </p:txBody>
       </p:sp>
@@ -7486,8 +7343,14 @@
                 <a:ea typeface="Calibri" panose="020F0502020204030204" pitchFamily="34" charset="0"/>
                 <a:cs typeface="Times New Roman" panose="02020603050405020304" pitchFamily="18" charset="0"/>
               </a:rPr>
-              <a:t>We can push = publish our images for others to use. </a:t>
-            </a:r>
+              <a:t>Ready-made from Docker Hub, OR one you have created. Template that can be used to create container.</a:t>
+            </a:r>
+            <a:endParaRPr lang="fi-FI" sz="1800" dirty="0">
+              <a:effectLst/>
+              <a:latin typeface="Calibri" panose="020F0502020204030204" pitchFamily="34" charset="0"/>
+              <a:ea typeface="Calibri" panose="020F0502020204030204" pitchFamily="34" charset="0"/>
+              <a:cs typeface="Times New Roman" panose="02020603050405020304" pitchFamily="18" charset="0"/>
+            </a:endParaRPr>
           </a:p>
           <a:p>
             <a:pPr>
@@ -7505,7 +7368,7 @@
                 <a:ea typeface="Calibri" panose="020F0502020204030204" pitchFamily="34" charset="0"/>
                 <a:cs typeface="Times New Roman" panose="02020603050405020304" pitchFamily="18" charset="0"/>
               </a:rPr>
-              <a:t>Or pull = download images to use ourselves.</a:t>
+              <a:t>E.g. some MariaDB image you want to take into use. It’s a snapshot of a running/runnable MariaDB or other DB server that starts from a certain documented state. Typically, there is a root user with known password (public information, everyone knows the password!), a certain database/schema created, like ‘test’. When taking that image into use, you must then immediately:</a:t>
             </a:r>
             <a:endParaRPr lang="fi-FI" sz="1800" dirty="0">
               <a:effectLst/>
@@ -7514,6 +7377,123 @@
               <a:cs typeface="Times New Roman" panose="02020603050405020304" pitchFamily="18" charset="0"/>
             </a:endParaRPr>
           </a:p>
+          <a:p>
+            <a:pPr marL="846900" lvl="1" indent="-342900">
+              <a:lnSpc>
+                <a:spcPct val="107000"/>
+              </a:lnSpc>
+              <a:buFont typeface="Calibri" panose="020F0502020204030204" pitchFamily="34" charset="0"/>
+              <a:buChar char="-"/>
+            </a:pPr>
+            <a:r>
+              <a:rPr lang="en-US" dirty="0">
+                <a:effectLst/>
+                <a:latin typeface="Calibri" panose="020F0502020204030204" pitchFamily="34" charset="0"/>
+                <a:ea typeface="Calibri" panose="020F0502020204030204" pitchFamily="34" charset="0"/>
+                <a:cs typeface="Times New Roman" panose="02020603050405020304" pitchFamily="18" charset="0"/>
+              </a:rPr>
+              <a:t>secure the root user by changing the password</a:t>
+            </a:r>
+            <a:endParaRPr lang="fi-FI" dirty="0">
+              <a:effectLst/>
+              <a:latin typeface="Calibri" panose="020F0502020204030204" pitchFamily="34" charset="0"/>
+              <a:ea typeface="Calibri" panose="020F0502020204030204" pitchFamily="34" charset="0"/>
+              <a:cs typeface="Times New Roman" panose="02020603050405020304" pitchFamily="18" charset="0"/>
+            </a:endParaRPr>
+          </a:p>
+          <a:p>
+            <a:pPr marL="846900" lvl="1" indent="-342900">
+              <a:lnSpc>
+                <a:spcPct val="107000"/>
+              </a:lnSpc>
+              <a:buFont typeface="Calibri" panose="020F0502020204030204" pitchFamily="34" charset="0"/>
+              <a:buChar char="-"/>
+            </a:pPr>
+            <a:r>
+              <a:rPr lang="en-US" dirty="0">
+                <a:effectLst/>
+                <a:latin typeface="Calibri" panose="020F0502020204030204" pitchFamily="34" charset="0"/>
+                <a:ea typeface="Calibri" panose="020F0502020204030204" pitchFamily="34" charset="0"/>
+                <a:cs typeface="Times New Roman" panose="02020603050405020304" pitchFamily="18" charset="0"/>
+              </a:rPr>
+              <a:t>create a user with less privileges with safe password or other safe access. </a:t>
+            </a:r>
+            <a:endParaRPr lang="fi-FI" dirty="0">
+              <a:effectLst/>
+              <a:latin typeface="Calibri" panose="020F0502020204030204" pitchFamily="34" charset="0"/>
+              <a:ea typeface="Calibri" panose="020F0502020204030204" pitchFamily="34" charset="0"/>
+              <a:cs typeface="Times New Roman" panose="02020603050405020304" pitchFamily="18" charset="0"/>
+            </a:endParaRPr>
+          </a:p>
+          <a:p>
+            <a:pPr marL="846900" lvl="1" indent="-342900">
+              <a:lnSpc>
+                <a:spcPct val="107000"/>
+              </a:lnSpc>
+              <a:buFont typeface="Calibri" panose="020F0502020204030204" pitchFamily="34" charset="0"/>
+              <a:buChar char="-"/>
+            </a:pPr>
+            <a:r>
+              <a:rPr lang="en-US" dirty="0">
+                <a:effectLst/>
+                <a:latin typeface="Calibri" panose="020F0502020204030204" pitchFamily="34" charset="0"/>
+                <a:ea typeface="Calibri" panose="020F0502020204030204" pitchFamily="34" charset="0"/>
+                <a:cs typeface="Times New Roman" panose="02020603050405020304" pitchFamily="18" charset="0"/>
+              </a:rPr>
+              <a:t>give that user access to wanted schema etc.</a:t>
+            </a:r>
+            <a:endParaRPr lang="fi-FI" dirty="0">
+              <a:effectLst/>
+              <a:latin typeface="Calibri" panose="020F0502020204030204" pitchFamily="34" charset="0"/>
+              <a:ea typeface="Calibri" panose="020F0502020204030204" pitchFamily="34" charset="0"/>
+              <a:cs typeface="Times New Roman" panose="02020603050405020304" pitchFamily="18" charset="0"/>
+            </a:endParaRPr>
+          </a:p>
+          <a:p>
+            <a:pPr marL="846900" lvl="1" indent="-342900">
+              <a:lnSpc>
+                <a:spcPct val="107000"/>
+              </a:lnSpc>
+              <a:spcAft>
+                <a:spcPts val="800"/>
+              </a:spcAft>
+              <a:buFont typeface="Calibri" panose="020F0502020204030204" pitchFamily="34" charset="0"/>
+              <a:buChar char="-"/>
+            </a:pPr>
+            <a:r>
+              <a:rPr lang="en-US" dirty="0">
+                <a:effectLst/>
+                <a:latin typeface="Calibri" panose="020F0502020204030204" pitchFamily="34" charset="0"/>
+                <a:ea typeface="Calibri" panose="020F0502020204030204" pitchFamily="34" charset="0"/>
+                <a:cs typeface="Times New Roman" panose="02020603050405020304" pitchFamily="18" charset="0"/>
+              </a:rPr>
+              <a:t>continue possibly with table creation, </a:t>
+            </a:r>
+            <a:r>
+              <a:rPr lang="en-US" dirty="0" err="1">
+                <a:effectLst/>
+                <a:latin typeface="Calibri" panose="020F0502020204030204" pitchFamily="34" charset="0"/>
+                <a:ea typeface="Calibri" panose="020F0502020204030204" pitchFamily="34" charset="0"/>
+                <a:cs typeface="Times New Roman" panose="02020603050405020304" pitchFamily="18" charset="0"/>
+              </a:rPr>
+              <a:t>etc</a:t>
+            </a:r>
+            <a:r>
+              <a:rPr lang="en-US" dirty="0">
+                <a:effectLst/>
+                <a:latin typeface="Calibri" panose="020F0502020204030204" pitchFamily="34" charset="0"/>
+                <a:ea typeface="Calibri" panose="020F0502020204030204" pitchFamily="34" charset="0"/>
+                <a:cs typeface="Times New Roman" panose="02020603050405020304" pitchFamily="18" charset="0"/>
+              </a:rPr>
+              <a:t>…</a:t>
+            </a:r>
+            <a:endParaRPr lang="fi-FI" dirty="0">
+              <a:effectLst/>
+              <a:latin typeface="Calibri" panose="020F0502020204030204" pitchFamily="34" charset="0"/>
+              <a:ea typeface="Calibri" panose="020F0502020204030204" pitchFamily="34" charset="0"/>
+              <a:cs typeface="Times New Roman" panose="02020603050405020304" pitchFamily="18" charset="0"/>
+            </a:endParaRPr>
+          </a:p>
         </p:txBody>
       </p:sp>
       <p:sp>
@@ -7594,6 +7574,240 @@
             <a:fld id="{76BAB7ED-EDE9-4D4B-9A2D-30E18C47C16E}" type="slidenum">
               <a:rPr lang="en-GB" smtClean="0"/>
               <a:t>12</a:t>
+            </a:fld>
+            <a:endParaRPr lang="en-GB"/>
+          </a:p>
+        </p:txBody>
+      </p:sp>
+    </p:spTree>
+    <p:extLst>
+      <p:ext uri="{BB962C8B-B14F-4D97-AF65-F5344CB8AC3E}">
+        <p14:creationId xmlns:p14="http://schemas.microsoft.com/office/powerpoint/2010/main" val="1005799627"/>
+      </p:ext>
+    </p:extLst>
+  </p:cSld>
+  <p:clrMapOvr>
+    <a:masterClrMapping/>
+  </p:clrMapOvr>
+</p:sld>
+</file>
+
+<file path=ppt/slides/slide13.xml><?xml version="1.0" encoding="utf-8"?>
+<p:sld xmlns:a="http://schemas.openxmlformats.org/drawingml/2006/main" xmlns:r="http://schemas.openxmlformats.org/officeDocument/2006/relationships" xmlns:p="http://schemas.openxmlformats.org/presentationml/2006/main">
+  <p:cSld>
+    <p:spTree>
+      <p:nvGrpSpPr>
+        <p:cNvPr id="1" name=""/>
+        <p:cNvGrpSpPr/>
+        <p:nvPr/>
+      </p:nvGrpSpPr>
+      <p:grpSpPr>
+        <a:xfrm>
+          <a:off x="0" y="0"/>
+          <a:ext cx="0" cy="0"/>
+          <a:chOff x="0" y="0"/>
+          <a:chExt cx="0" cy="0"/>
+        </a:xfrm>
+      </p:grpSpPr>
+      <p:sp>
+        <p:nvSpPr>
+          <p:cNvPr id="8" name="Title 7">
+            <a:extLst>
+              <a:ext uri="{FF2B5EF4-FFF2-40B4-BE49-F238E27FC236}">
+                <a16:creationId xmlns:a16="http://schemas.microsoft.com/office/drawing/2014/main" id="{197044C3-CD23-D844-B780-26FABA91AD0F}"/>
+              </a:ext>
+            </a:extLst>
+          </p:cNvPr>
+          <p:cNvSpPr>
+            <a:spLocks noGrp="1"/>
+          </p:cNvSpPr>
+          <p:nvPr>
+            <p:ph type="title"/>
+          </p:nvPr>
+        </p:nvSpPr>
+        <p:spPr/>
+        <p:txBody>
+          <a:bodyPr/>
+          <a:lstStyle/>
+          <a:p>
+            <a:r>
+              <a:rPr lang="fi-FI" dirty="0" err="1"/>
+              <a:t>Docker</a:t>
+            </a:r>
+            <a:r>
+              <a:rPr lang="fi-FI" dirty="0"/>
+              <a:t> Image </a:t>
+            </a:r>
+            <a:r>
+              <a:rPr lang="fi-FI" dirty="0" err="1"/>
+              <a:t>registry</a:t>
+            </a:r>
+            <a:r>
+              <a:rPr lang="fi-FI" dirty="0"/>
+              <a:t>, e.g. </a:t>
+            </a:r>
+            <a:r>
+              <a:rPr lang="fi-FI" dirty="0" err="1"/>
+              <a:t>Docker</a:t>
+            </a:r>
+            <a:r>
+              <a:rPr lang="fi-FI" dirty="0"/>
+              <a:t> </a:t>
+            </a:r>
+            <a:r>
+              <a:rPr lang="fi-FI" dirty="0" err="1"/>
+              <a:t>Hub</a:t>
+            </a:r>
+            <a:endParaRPr lang="fi-FI" dirty="0"/>
+          </a:p>
+        </p:txBody>
+      </p:sp>
+      <p:sp>
+        <p:nvSpPr>
+          <p:cNvPr id="9" name="Content Placeholder 8">
+            <a:extLst>
+              <a:ext uri="{FF2B5EF4-FFF2-40B4-BE49-F238E27FC236}">
+                <a16:creationId xmlns:a16="http://schemas.microsoft.com/office/drawing/2014/main" id="{ACDE61D8-A75A-F94B-B57A-46F276C03311}"/>
+              </a:ext>
+            </a:extLst>
+          </p:cNvPr>
+          <p:cNvSpPr>
+            <a:spLocks noGrp="1"/>
+          </p:cNvSpPr>
+          <p:nvPr>
+            <p:ph sz="half" idx="2"/>
+          </p:nvPr>
+        </p:nvSpPr>
+        <p:spPr/>
+        <p:txBody>
+          <a:bodyPr>
+            <a:normAutofit/>
+          </a:bodyPr>
+          <a:lstStyle/>
+          <a:p>
+            <a:pPr>
+              <a:lnSpc>
+                <a:spcPct val="107000"/>
+              </a:lnSpc>
+              <a:spcAft>
+                <a:spcPts val="800"/>
+              </a:spcAft>
+            </a:pPr>
+            <a:r>
+              <a:rPr lang="en-US" sz="1800" dirty="0">
+                <a:effectLst/>
+                <a:latin typeface="Calibri" panose="020F0502020204030204" pitchFamily="34" charset="0"/>
+                <a:ea typeface="Calibri" panose="020F0502020204030204" pitchFamily="34" charset="0"/>
+                <a:cs typeface="Times New Roman" panose="02020603050405020304" pitchFamily="18" charset="0"/>
+              </a:rPr>
+              <a:t>We can push = publish our images for others to use. </a:t>
+            </a:r>
+          </a:p>
+          <a:p>
+            <a:pPr>
+              <a:lnSpc>
+                <a:spcPct val="107000"/>
+              </a:lnSpc>
+              <a:spcAft>
+                <a:spcPts val="800"/>
+              </a:spcAft>
+            </a:pPr>
+            <a:r>
+              <a:rPr lang="en-US" sz="1800" dirty="0">
+                <a:effectLst/>
+                <a:latin typeface="Calibri" panose="020F0502020204030204" pitchFamily="34" charset="0"/>
+                <a:ea typeface="Calibri" panose="020F0502020204030204" pitchFamily="34" charset="0"/>
+                <a:cs typeface="Times New Roman" panose="02020603050405020304" pitchFamily="18" charset="0"/>
+              </a:rPr>
+              <a:t>Or pull = download images to use ourselves.</a:t>
+            </a:r>
+            <a:endParaRPr lang="fi-FI" sz="1800" dirty="0">
+              <a:effectLst/>
+              <a:latin typeface="Calibri" panose="020F0502020204030204" pitchFamily="34" charset="0"/>
+              <a:ea typeface="Calibri" panose="020F0502020204030204" pitchFamily="34" charset="0"/>
+              <a:cs typeface="Times New Roman" panose="02020603050405020304" pitchFamily="18" charset="0"/>
+            </a:endParaRPr>
+          </a:p>
+        </p:txBody>
+      </p:sp>
+      <p:sp>
+        <p:nvSpPr>
+          <p:cNvPr id="5" name="Date Placeholder 4">
+            <a:extLst>
+              <a:ext uri="{FF2B5EF4-FFF2-40B4-BE49-F238E27FC236}">
+                <a16:creationId xmlns:a16="http://schemas.microsoft.com/office/drawing/2014/main" id="{976244E2-AA76-2742-B2EC-FEC79276155C}"/>
+              </a:ext>
+            </a:extLst>
+          </p:cNvPr>
+          <p:cNvSpPr>
+            <a:spLocks noGrp="1"/>
+          </p:cNvSpPr>
+          <p:nvPr>
+            <p:ph type="dt" sz="half" idx="10"/>
+          </p:nvPr>
+        </p:nvSpPr>
+        <p:spPr/>
+        <p:txBody>
+          <a:bodyPr/>
+          <a:lstStyle/>
+          <a:p>
+            <a:fld id="{202E1EC2-47B8-044B-A09E-6A63B4D80C87}" type="datetime1">
+              <a:rPr lang="fi-FI" smtClean="0"/>
+              <a:t>18.2.2024</a:t>
+            </a:fld>
+            <a:endParaRPr lang="en-GB"/>
+          </a:p>
+        </p:txBody>
+      </p:sp>
+      <p:sp>
+        <p:nvSpPr>
+          <p:cNvPr id="6" name="Footer Placeholder 5">
+            <a:extLst>
+              <a:ext uri="{FF2B5EF4-FFF2-40B4-BE49-F238E27FC236}">
+                <a16:creationId xmlns:a16="http://schemas.microsoft.com/office/drawing/2014/main" id="{588CE607-4137-8840-8FEA-42EAC857E3A3}"/>
+              </a:ext>
+            </a:extLst>
+          </p:cNvPr>
+          <p:cNvSpPr>
+            <a:spLocks noGrp="1"/>
+          </p:cNvSpPr>
+          <p:nvPr>
+            <p:ph type="ftr" sz="quarter" idx="11"/>
+          </p:nvPr>
+        </p:nvSpPr>
+        <p:spPr/>
+        <p:txBody>
+          <a:bodyPr/>
+          <a:lstStyle/>
+          <a:p>
+            <a:endParaRPr lang="en-GB"/>
+          </a:p>
+        </p:txBody>
+      </p:sp>
+      <p:sp>
+        <p:nvSpPr>
+          <p:cNvPr id="7" name="Slide Number Placeholder 6">
+            <a:extLst>
+              <a:ext uri="{FF2B5EF4-FFF2-40B4-BE49-F238E27FC236}">
+                <a16:creationId xmlns:a16="http://schemas.microsoft.com/office/drawing/2014/main" id="{2E133A96-6C73-0844-B8CB-27C2B5F4CFB1}"/>
+              </a:ext>
+            </a:extLst>
+          </p:cNvPr>
+          <p:cNvSpPr>
+            <a:spLocks noGrp="1"/>
+          </p:cNvSpPr>
+          <p:nvPr>
+            <p:ph type="sldNum" sz="quarter" idx="12"/>
+          </p:nvPr>
+        </p:nvSpPr>
+        <p:spPr/>
+        <p:txBody>
+          <a:bodyPr/>
+          <a:lstStyle/>
+          <a:p>
+            <a:fld id="{76BAB7ED-EDE9-4D4B-9A2D-30E18C47C16E}" type="slidenum">
+              <a:rPr lang="en-GB" smtClean="0"/>
+              <a:t>13</a:t>
             </a:fld>
             <a:endParaRPr lang="en-GB"/>
           </a:p>
@@ -7642,381 +7856,6 @@
 </p:sld>
 </file>
 
-<file path=ppt/slides/slide13.xml><?xml version="1.0" encoding="utf-8"?>
-<p:sld xmlns:a="http://schemas.openxmlformats.org/drawingml/2006/main" xmlns:r="http://schemas.openxmlformats.org/officeDocument/2006/relationships" xmlns:p="http://schemas.openxmlformats.org/presentationml/2006/main">
-  <p:cSld>
-    <p:spTree>
-      <p:nvGrpSpPr>
-        <p:cNvPr id="1" name=""/>
-        <p:cNvGrpSpPr/>
-        <p:nvPr/>
-      </p:nvGrpSpPr>
-      <p:grpSpPr>
-        <a:xfrm>
-          <a:off x="0" y="0"/>
-          <a:ext cx="0" cy="0"/>
-          <a:chOff x="0" y="0"/>
-          <a:chExt cx="0" cy="0"/>
-        </a:xfrm>
-      </p:grpSpPr>
-      <p:sp>
-        <p:nvSpPr>
-          <p:cNvPr id="8" name="Title 7">
-            <a:extLst>
-              <a:ext uri="{FF2B5EF4-FFF2-40B4-BE49-F238E27FC236}">
-                <a16:creationId xmlns:a16="http://schemas.microsoft.com/office/drawing/2014/main" id="{197044C3-CD23-D844-B780-26FABA91AD0F}"/>
-              </a:ext>
-            </a:extLst>
-          </p:cNvPr>
-          <p:cNvSpPr>
-            <a:spLocks noGrp="1"/>
-          </p:cNvSpPr>
-          <p:nvPr>
-            <p:ph type="title"/>
-          </p:nvPr>
-        </p:nvSpPr>
-        <p:spPr/>
-        <p:txBody>
-          <a:bodyPr/>
-          <a:lstStyle/>
-          <a:p>
-            <a:r>
-              <a:rPr lang="fi-FI" dirty="0" err="1"/>
-              <a:t>docker</a:t>
-            </a:r>
-            <a:r>
-              <a:rPr lang="fi-FI" dirty="0"/>
-              <a:t> </a:t>
-            </a:r>
-            <a:r>
-              <a:rPr lang="fi-FI" dirty="0" err="1"/>
-              <a:t>compose</a:t>
-            </a:r>
-            <a:endParaRPr lang="fi-FI" dirty="0"/>
-          </a:p>
-        </p:txBody>
-      </p:sp>
-      <p:sp>
-        <p:nvSpPr>
-          <p:cNvPr id="9" name="Content Placeholder 8">
-            <a:extLst>
-              <a:ext uri="{FF2B5EF4-FFF2-40B4-BE49-F238E27FC236}">
-                <a16:creationId xmlns:a16="http://schemas.microsoft.com/office/drawing/2014/main" id="{ACDE61D8-A75A-F94B-B57A-46F276C03311}"/>
-              </a:ext>
-            </a:extLst>
-          </p:cNvPr>
-          <p:cNvSpPr>
-            <a:spLocks noGrp="1"/>
-          </p:cNvSpPr>
-          <p:nvPr>
-            <p:ph sz="half" idx="2"/>
-          </p:nvPr>
-        </p:nvSpPr>
-        <p:spPr/>
-        <p:txBody>
-          <a:bodyPr>
-            <a:normAutofit/>
-          </a:bodyPr>
-          <a:lstStyle/>
-          <a:p>
-            <a:pPr>
-              <a:lnSpc>
-                <a:spcPct val="107000"/>
-              </a:lnSpc>
-              <a:spcAft>
-                <a:spcPts val="800"/>
-              </a:spcAft>
-            </a:pPr>
-            <a:r>
-              <a:rPr lang="en-US" dirty="0">
-                <a:effectLst/>
-                <a:latin typeface="Calibri" panose="020F0502020204030204" pitchFamily="34" charset="0"/>
-                <a:ea typeface="Calibri" panose="020F0502020204030204" pitchFamily="34" charset="0"/>
-                <a:cs typeface="Times New Roman" panose="02020603050405020304" pitchFamily="18" charset="0"/>
-              </a:rPr>
-              <a:t>Tool for creating and starting multiple containers that depend on / talk to each other. </a:t>
-            </a:r>
-          </a:p>
-          <a:p>
-            <a:pPr>
-              <a:lnSpc>
-                <a:spcPct val="107000"/>
-              </a:lnSpc>
-              <a:spcAft>
-                <a:spcPts val="800"/>
-              </a:spcAft>
-            </a:pPr>
-            <a:r>
-              <a:rPr lang="en-US" dirty="0">
-                <a:effectLst/>
-                <a:latin typeface="Calibri" panose="020F0502020204030204" pitchFamily="34" charset="0"/>
-                <a:ea typeface="Calibri" panose="020F0502020204030204" pitchFamily="34" charset="0"/>
-                <a:cs typeface="Times New Roman" panose="02020603050405020304" pitchFamily="18" charset="0"/>
-              </a:rPr>
-              <a:t>Thus, you’ll have to:</a:t>
-            </a:r>
-          </a:p>
-          <a:p>
-            <a:pPr lvl="1">
-              <a:lnSpc>
-                <a:spcPct val="107000"/>
-              </a:lnSpc>
-              <a:spcAft>
-                <a:spcPts val="800"/>
-              </a:spcAft>
-            </a:pPr>
-            <a:r>
-              <a:rPr lang="en-US" sz="1800" dirty="0">
-                <a:effectLst/>
-                <a:latin typeface="Calibri" panose="020F0502020204030204" pitchFamily="34" charset="0"/>
-                <a:ea typeface="Calibri" panose="020F0502020204030204" pitchFamily="34" charset="0"/>
-                <a:cs typeface="Times New Roman" panose="02020603050405020304" pitchFamily="18" charset="0"/>
-              </a:rPr>
-              <a:t>define the services, plus</a:t>
-            </a:r>
-          </a:p>
-          <a:p>
-            <a:pPr lvl="2">
-              <a:lnSpc>
-                <a:spcPct val="107000"/>
-              </a:lnSpc>
-              <a:spcAft>
-                <a:spcPts val="800"/>
-              </a:spcAft>
-            </a:pPr>
-            <a:r>
-              <a:rPr lang="en-US" sz="1800" dirty="0">
-                <a:effectLst/>
-                <a:latin typeface="Calibri" panose="020F0502020204030204" pitchFamily="34" charset="0"/>
-                <a:ea typeface="Calibri" panose="020F0502020204030204" pitchFamily="34" charset="0"/>
-                <a:cs typeface="Times New Roman" panose="02020603050405020304" pitchFamily="18" charset="0"/>
-              </a:rPr>
-              <a:t>make some ports exposed </a:t>
-            </a:r>
-          </a:p>
-          <a:p>
-            <a:pPr lvl="2">
-              <a:lnSpc>
-                <a:spcPct val="107000"/>
-              </a:lnSpc>
-              <a:spcAft>
-                <a:spcPts val="800"/>
-              </a:spcAft>
-            </a:pPr>
-            <a:r>
-              <a:rPr lang="en-US" sz="1800" dirty="0">
-                <a:latin typeface="Calibri" panose="020F0502020204030204" pitchFamily="34" charset="0"/>
-                <a:ea typeface="Calibri" panose="020F0502020204030204" pitchFamily="34" charset="0"/>
-                <a:cs typeface="Times New Roman" panose="02020603050405020304" pitchFamily="18" charset="0"/>
-              </a:rPr>
-              <a:t>a</a:t>
-            </a:r>
-            <a:r>
-              <a:rPr lang="en-US" sz="1800" dirty="0">
-                <a:effectLst/>
-                <a:latin typeface="Calibri" panose="020F0502020204030204" pitchFamily="34" charset="0"/>
-                <a:ea typeface="Calibri" panose="020F0502020204030204" pitchFamily="34" charset="0"/>
-                <a:cs typeface="Times New Roman" panose="02020603050405020304" pitchFamily="18" charset="0"/>
-              </a:rPr>
-              <a:t>nd/or define (virtual) networks shared by multiple containers </a:t>
-            </a:r>
-          </a:p>
-          <a:p>
-            <a:pPr lvl="2">
-              <a:lnSpc>
-                <a:spcPct val="107000"/>
-              </a:lnSpc>
-              <a:spcAft>
-                <a:spcPts val="800"/>
-              </a:spcAft>
-            </a:pPr>
-            <a:r>
-              <a:rPr lang="en-US" sz="1800" dirty="0">
-                <a:effectLst/>
-                <a:latin typeface="Calibri" panose="020F0502020204030204" pitchFamily="34" charset="0"/>
-                <a:ea typeface="Calibri" panose="020F0502020204030204" pitchFamily="34" charset="0"/>
-                <a:cs typeface="Times New Roman" panose="02020603050405020304" pitchFamily="18" charset="0"/>
-              </a:rPr>
-              <a:t>or share volumes. </a:t>
-            </a:r>
-            <a:endParaRPr lang="en-US" sz="1800" dirty="0">
-              <a:latin typeface="Calibri" panose="020F0502020204030204" pitchFamily="34" charset="0"/>
-              <a:ea typeface="Calibri" panose="020F0502020204030204" pitchFamily="34" charset="0"/>
-              <a:cs typeface="Times New Roman" panose="02020603050405020304" pitchFamily="18" charset="0"/>
-            </a:endParaRPr>
-          </a:p>
-          <a:p>
-            <a:pPr>
-              <a:lnSpc>
-                <a:spcPct val="107000"/>
-              </a:lnSpc>
-              <a:spcAft>
-                <a:spcPts val="800"/>
-              </a:spcAft>
-            </a:pPr>
-            <a:r>
-              <a:rPr lang="en-US" dirty="0">
-                <a:effectLst/>
-                <a:latin typeface="Calibri" panose="020F0502020204030204" pitchFamily="34" charset="0"/>
-                <a:ea typeface="Calibri" panose="020F0502020204030204" pitchFamily="34" charset="0"/>
-                <a:cs typeface="Times New Roman" panose="02020603050405020304" pitchFamily="18" charset="0"/>
-              </a:rPr>
-              <a:t>You can define those in a docker-</a:t>
-            </a:r>
-            <a:r>
-              <a:rPr lang="en-US" dirty="0" err="1">
-                <a:effectLst/>
-                <a:latin typeface="Calibri" panose="020F0502020204030204" pitchFamily="34" charset="0"/>
-                <a:ea typeface="Calibri" panose="020F0502020204030204" pitchFamily="34" charset="0"/>
-                <a:cs typeface="Times New Roman" panose="02020603050405020304" pitchFamily="18" charset="0"/>
-              </a:rPr>
-              <a:t>compose.yml</a:t>
-            </a:r>
-            <a:r>
-              <a:rPr lang="en-US" dirty="0">
-                <a:effectLst/>
-                <a:latin typeface="Calibri" panose="020F0502020204030204" pitchFamily="34" charset="0"/>
-                <a:ea typeface="Calibri" panose="020F0502020204030204" pitchFamily="34" charset="0"/>
-                <a:cs typeface="Times New Roman" panose="02020603050405020304" pitchFamily="18" charset="0"/>
-              </a:rPr>
-              <a:t> file</a:t>
-            </a:r>
-          </a:p>
-          <a:p>
-            <a:pPr>
-              <a:lnSpc>
-                <a:spcPct val="107000"/>
-              </a:lnSpc>
-              <a:spcAft>
-                <a:spcPts val="800"/>
-              </a:spcAft>
-            </a:pPr>
-            <a:r>
-              <a:rPr lang="fi-FI" dirty="0">
-                <a:effectLst/>
-                <a:latin typeface="Calibri" panose="020F0502020204030204" pitchFamily="34" charset="0"/>
-                <a:ea typeface="Calibri" panose="020F0502020204030204" pitchFamily="34" charset="0"/>
-                <a:cs typeface="Times New Roman" panose="02020603050405020304" pitchFamily="18" charset="0"/>
-                <a:hlinkClick r:id="rId2"/>
-              </a:rPr>
-              <a:t>https://docs.docker.com/compose/compose-application-model/</a:t>
-            </a:r>
-            <a:r>
-              <a:rPr lang="en-US" dirty="0">
-                <a:latin typeface="Calibri" panose="020F0502020204030204" pitchFamily="34" charset="0"/>
-                <a:ea typeface="Calibri" panose="020F0502020204030204" pitchFamily="34" charset="0"/>
-                <a:cs typeface="Times New Roman" panose="02020603050405020304" pitchFamily="18" charset="0"/>
-              </a:rPr>
-              <a:t> </a:t>
-            </a:r>
-            <a:endParaRPr lang="fi-FI" dirty="0">
-              <a:effectLst/>
-              <a:latin typeface="Calibri" panose="020F0502020204030204" pitchFamily="34" charset="0"/>
-              <a:ea typeface="Calibri" panose="020F0502020204030204" pitchFamily="34" charset="0"/>
-              <a:cs typeface="Times New Roman" panose="02020603050405020304" pitchFamily="18" charset="0"/>
-            </a:endParaRPr>
-          </a:p>
-          <a:p>
-            <a:endParaRPr lang="fi-FI" dirty="0"/>
-          </a:p>
-        </p:txBody>
-      </p:sp>
-      <p:sp>
-        <p:nvSpPr>
-          <p:cNvPr id="5" name="Date Placeholder 4">
-            <a:extLst>
-              <a:ext uri="{FF2B5EF4-FFF2-40B4-BE49-F238E27FC236}">
-                <a16:creationId xmlns:a16="http://schemas.microsoft.com/office/drawing/2014/main" id="{976244E2-AA76-2742-B2EC-FEC79276155C}"/>
-              </a:ext>
-            </a:extLst>
-          </p:cNvPr>
-          <p:cNvSpPr>
-            <a:spLocks noGrp="1"/>
-          </p:cNvSpPr>
-          <p:nvPr>
-            <p:ph type="dt" sz="half" idx="10"/>
-          </p:nvPr>
-        </p:nvSpPr>
-        <p:spPr/>
-        <p:txBody>
-          <a:bodyPr/>
-          <a:lstStyle/>
-          <a:p>
-            <a:fld id="{202E1EC2-47B8-044B-A09E-6A63B4D80C87}" type="datetime1">
-              <a:rPr lang="fi-FI" smtClean="0"/>
-              <a:t>18.2.2024</a:t>
-            </a:fld>
-            <a:endParaRPr lang="en-GB"/>
-          </a:p>
-        </p:txBody>
-      </p:sp>
-      <p:sp>
-        <p:nvSpPr>
-          <p:cNvPr id="6" name="Footer Placeholder 5">
-            <a:extLst>
-              <a:ext uri="{FF2B5EF4-FFF2-40B4-BE49-F238E27FC236}">
-                <a16:creationId xmlns:a16="http://schemas.microsoft.com/office/drawing/2014/main" id="{588CE607-4137-8840-8FEA-42EAC857E3A3}"/>
-              </a:ext>
-            </a:extLst>
-          </p:cNvPr>
-          <p:cNvSpPr>
-            <a:spLocks noGrp="1"/>
-          </p:cNvSpPr>
-          <p:nvPr>
-            <p:ph type="ftr" sz="quarter" idx="11"/>
-          </p:nvPr>
-        </p:nvSpPr>
-        <p:spPr/>
-        <p:txBody>
-          <a:bodyPr/>
-          <a:lstStyle/>
-          <a:p>
-            <a:endParaRPr lang="en-GB"/>
-          </a:p>
-        </p:txBody>
-      </p:sp>
-      <p:sp>
-        <p:nvSpPr>
-          <p:cNvPr id="7" name="Slide Number Placeholder 6">
-            <a:extLst>
-              <a:ext uri="{FF2B5EF4-FFF2-40B4-BE49-F238E27FC236}">
-                <a16:creationId xmlns:a16="http://schemas.microsoft.com/office/drawing/2014/main" id="{2E133A96-6C73-0844-B8CB-27C2B5F4CFB1}"/>
-              </a:ext>
-            </a:extLst>
-          </p:cNvPr>
-          <p:cNvSpPr>
-            <a:spLocks noGrp="1"/>
-          </p:cNvSpPr>
-          <p:nvPr>
-            <p:ph type="sldNum" sz="quarter" idx="12"/>
-          </p:nvPr>
-        </p:nvSpPr>
-        <p:spPr/>
-        <p:txBody>
-          <a:bodyPr/>
-          <a:lstStyle/>
-          <a:p>
-            <a:fld id="{76BAB7ED-EDE9-4D4B-9A2D-30E18C47C16E}" type="slidenum">
-              <a:rPr lang="en-GB" smtClean="0"/>
-              <a:t>13</a:t>
-            </a:fld>
-            <a:endParaRPr lang="en-GB"/>
-          </a:p>
-        </p:txBody>
-      </p:sp>
-    </p:spTree>
-    <p:extLst>
-      <p:ext uri="{BB962C8B-B14F-4D97-AF65-F5344CB8AC3E}">
-        <p14:creationId xmlns:p14="http://schemas.microsoft.com/office/powerpoint/2010/main" val="516399923"/>
-      </p:ext>
-    </p:extLst>
-  </p:cSld>
-  <p:clrMapOvr>
-    <a:masterClrMapping/>
-  </p:clrMapOvr>
-</p:sld>
-</file>
-
 <file path=ppt/slides/slide14.xml><?xml version="1.0" encoding="utf-8"?>
 <p:sld xmlns:a="http://schemas.openxmlformats.org/drawingml/2006/main" xmlns:r="http://schemas.openxmlformats.org/officeDocument/2006/relationships" xmlns:p="http://schemas.openxmlformats.org/presentationml/2006/main">
   <p:cSld>
@@ -8057,7 +7896,15 @@
           <a:p>
             <a:r>
               <a:rPr lang="fi-FI" dirty="0" err="1"/>
-              <a:t>volume</a:t>
+              <a:t>docker</a:t>
+            </a:r>
+            <a:r>
+              <a:rPr lang="fi-FI" dirty="0"/>
+              <a:t> </a:t>
+            </a:r>
+            <a:r>
+              <a:rPr lang="fi-FI" dirty="0" err="1"/>
+              <a:t>compose</a:t>
             </a:r>
             <a:endParaRPr lang="fi-FI" dirty="0"/>
           </a:p>
@@ -8095,13 +7942,13 @@
               </a:spcAft>
             </a:pPr>
             <a:r>
-              <a:rPr lang="en-US" sz="1800" dirty="0">
+              <a:rPr lang="en-US" dirty="0">
                 <a:effectLst/>
                 <a:latin typeface="Calibri" panose="020F0502020204030204" pitchFamily="34" charset="0"/>
                 <a:ea typeface="Calibri" panose="020F0502020204030204" pitchFamily="34" charset="0"/>
                 <a:cs typeface="Times New Roman" panose="02020603050405020304" pitchFamily="18" charset="0"/>
               </a:rPr>
-              <a:t>Persisted folders and files on disk. </a:t>
+              <a:t>Tool for creating and starting multiple containers that depend on / talk to each other. </a:t>
             </a:r>
           </a:p>
           <a:p>
@@ -8114,14 +7961,103 @@
               </a:spcAft>
             </a:pPr>
             <a:r>
+              <a:rPr lang="en-US" dirty="0">
+                <a:effectLst/>
+                <a:latin typeface="Calibri" panose="020F0502020204030204" pitchFamily="34" charset="0"/>
+                <a:ea typeface="Calibri" panose="020F0502020204030204" pitchFamily="34" charset="0"/>
+                <a:cs typeface="Times New Roman" panose="02020603050405020304" pitchFamily="18" charset="0"/>
+              </a:rPr>
+              <a:t>Thus, you’ll have to:</a:t>
+            </a:r>
+          </a:p>
+          <a:p>
+            <a:pPr lvl="1">
+              <a:lnSpc>
+                <a:spcPct val="107000"/>
+              </a:lnSpc>
+              <a:spcAft>
+                <a:spcPts val="800"/>
+              </a:spcAft>
+            </a:pPr>
+            <a:r>
               <a:rPr lang="en-US" sz="1800" dirty="0">
                 <a:effectLst/>
                 <a:latin typeface="Calibri" panose="020F0502020204030204" pitchFamily="34" charset="0"/>
                 <a:ea typeface="Calibri" panose="020F0502020204030204" pitchFamily="34" charset="0"/>
                 <a:cs typeface="Times New Roman" panose="02020603050405020304" pitchFamily="18" charset="0"/>
               </a:rPr>
-              <a:t>Allows sharing between containers</a:t>
-            </a:r>
+              <a:t>define the services, plus</a:t>
+            </a:r>
+          </a:p>
+          <a:p>
+            <a:pPr lvl="2">
+              <a:lnSpc>
+                <a:spcPct val="107000"/>
+              </a:lnSpc>
+              <a:spcAft>
+                <a:spcPts val="800"/>
+              </a:spcAft>
+            </a:pPr>
+            <a:r>
+              <a:rPr lang="en-US" sz="1800" dirty="0">
+                <a:effectLst/>
+                <a:latin typeface="Calibri" panose="020F0502020204030204" pitchFamily="34" charset="0"/>
+                <a:ea typeface="Calibri" panose="020F0502020204030204" pitchFamily="34" charset="0"/>
+                <a:cs typeface="Times New Roman" panose="02020603050405020304" pitchFamily="18" charset="0"/>
+              </a:rPr>
+              <a:t>make some ports exposed </a:t>
+            </a:r>
+          </a:p>
+          <a:p>
+            <a:pPr lvl="2">
+              <a:lnSpc>
+                <a:spcPct val="107000"/>
+              </a:lnSpc>
+              <a:spcAft>
+                <a:spcPts val="800"/>
+              </a:spcAft>
+            </a:pPr>
+            <a:r>
+              <a:rPr lang="en-US" sz="1800" dirty="0">
+                <a:latin typeface="Calibri" panose="020F0502020204030204" pitchFamily="34" charset="0"/>
+                <a:ea typeface="Calibri" panose="020F0502020204030204" pitchFamily="34" charset="0"/>
+                <a:cs typeface="Times New Roman" panose="02020603050405020304" pitchFamily="18" charset="0"/>
+              </a:rPr>
+              <a:t>a</a:t>
+            </a:r>
+            <a:r>
+              <a:rPr lang="en-US" sz="1800" dirty="0">
+                <a:effectLst/>
+                <a:latin typeface="Calibri" panose="020F0502020204030204" pitchFamily="34" charset="0"/>
+                <a:ea typeface="Calibri" panose="020F0502020204030204" pitchFamily="34" charset="0"/>
+                <a:cs typeface="Times New Roman" panose="02020603050405020304" pitchFamily="18" charset="0"/>
+              </a:rPr>
+              <a:t>nd/or define (virtual) networks shared by multiple containers </a:t>
+            </a:r>
+          </a:p>
+          <a:p>
+            <a:pPr lvl="2">
+              <a:lnSpc>
+                <a:spcPct val="107000"/>
+              </a:lnSpc>
+              <a:spcAft>
+                <a:spcPts val="800"/>
+              </a:spcAft>
+            </a:pPr>
+            <a:r>
+              <a:rPr lang="en-US" sz="1800" dirty="0">
+                <a:effectLst/>
+                <a:latin typeface="Calibri" panose="020F0502020204030204" pitchFamily="34" charset="0"/>
+                <a:ea typeface="Calibri" panose="020F0502020204030204" pitchFamily="34" charset="0"/>
+                <a:cs typeface="Times New Roman" panose="02020603050405020304" pitchFamily="18" charset="0"/>
+              </a:rPr>
+              <a:t>or share volumes. </a:t>
+            </a:r>
+            <a:endParaRPr lang="en-US" sz="1800" dirty="0">
+              <a:latin typeface="Calibri" panose="020F0502020204030204" pitchFamily="34" charset="0"/>
+              <a:ea typeface="Calibri" panose="020F0502020204030204" pitchFamily="34" charset="0"/>
+              <a:cs typeface="Times New Roman" panose="02020603050405020304" pitchFamily="18" charset="0"/>
+            </a:endParaRPr>
           </a:p>
           <a:p>
             <a:pPr>
@@ -8133,17 +8069,35 @@
               </a:spcAft>
             </a:pPr>
             <a:r>
-              <a:rPr lang="en-US" sz="1800" dirty="0">
+              <a:rPr lang="en-US" dirty="0">
                 <a:effectLst/>
                 <a:latin typeface="Calibri" panose="020F0502020204030204" pitchFamily="34" charset="0"/>
                 <a:ea typeface="Calibri" panose="020F0502020204030204" pitchFamily="34" charset="0"/>
                 <a:cs typeface="Times New Roman" panose="02020603050405020304" pitchFamily="18" charset="0"/>
               </a:rPr>
-              <a:t>Also for keeping data between container deletion and re-creation! </a:t>
-            </a:r>
-          </a:p>
-          <a:p>
-            <a:pPr lvl="1">
+              <a:t>You can define those in a docker-</a:t>
+            </a:r>
+            <a:r>
+              <a:rPr lang="en-US" dirty="0" err="1">
+                <a:effectLst/>
+                <a:latin typeface="Calibri" panose="020F0502020204030204" pitchFamily="34" charset="0"/>
+                <a:ea typeface="Calibri" panose="020F0502020204030204" pitchFamily="34" charset="0"/>
+                <a:cs typeface="Times New Roman" panose="02020603050405020304" pitchFamily="18" charset="0"/>
+              </a:rPr>
+              <a:t>compose.yml</a:t>
+            </a:r>
+            <a:r>
+              <a:rPr lang="en-US" dirty="0">
+                <a:effectLst/>
+                <a:latin typeface="Calibri" panose="020F0502020204030204" pitchFamily="34" charset="0"/>
+                <a:ea typeface="Calibri" panose="020F0502020204030204" pitchFamily="34" charset="0"/>
+                <a:cs typeface="Times New Roman" panose="02020603050405020304" pitchFamily="18" charset="0"/>
+              </a:rPr>
+              <a:t> file</a:t>
+            </a:r>
+          </a:p>
+          <a:p>
+            <a:pPr>
               <a:lnSpc>
                 <a:spcPct val="107000"/>
               </a:lnSpc>
@@ -8152,13 +8106,22 @@
               </a:spcAft>
             </a:pPr>
             <a:r>
+              <a:rPr lang="fi-FI" dirty="0">
+                <a:effectLst/>
+                <a:latin typeface="Calibri" panose="020F0502020204030204" pitchFamily="34" charset="0"/>
+                <a:ea typeface="Calibri" panose="020F0502020204030204" pitchFamily="34" charset="0"/>
+                <a:cs typeface="Times New Roman" panose="02020603050405020304" pitchFamily="18" charset="0"/>
+                <a:hlinkClick r:id="rId2"/>
+              </a:rPr>
+              <a:t>https://docs.docker.com/compose/compose-application-model/</a:t>
+            </a:r>
+            <a:r>
               <a:rPr lang="en-US" dirty="0">
-                <a:effectLst/>
-                <a:latin typeface="Calibri" panose="020F0502020204030204" pitchFamily="34" charset="0"/>
-                <a:ea typeface="Calibri" panose="020F0502020204030204" pitchFamily="34" charset="0"/>
-                <a:cs typeface="Times New Roman" panose="02020603050405020304" pitchFamily="18" charset="0"/>
-              </a:rPr>
-              <a:t>(Container is deleted totally, but volume resides by default in the host file system)</a:t>
+                <a:latin typeface="Calibri" panose="020F0502020204030204" pitchFamily="34" charset="0"/>
+                <a:ea typeface="Calibri" panose="020F0502020204030204" pitchFamily="34" charset="0"/>
+                <a:cs typeface="Times New Roman" panose="02020603050405020304" pitchFamily="18" charset="0"/>
+              </a:rPr>
+              <a:t> </a:t>
             </a:r>
             <a:endParaRPr lang="fi-FI" dirty="0">
               <a:effectLst/>
@@ -8258,7 +8221,7 @@
     </p:spTree>
     <p:extLst>
       <p:ext uri="{BB962C8B-B14F-4D97-AF65-F5344CB8AC3E}">
-        <p14:creationId xmlns:p14="http://schemas.microsoft.com/office/powerpoint/2010/main" val="1194808136"/>
+        <p14:creationId xmlns:p14="http://schemas.microsoft.com/office/powerpoint/2010/main" val="516399923"/>
       </p:ext>
     </p:extLst>
   </p:cSld>
@@ -8316,6 +8279,115 @@
       </p:sp>
       <p:sp>
         <p:nvSpPr>
+          <p:cNvPr id="9" name="Content Placeholder 8">
+            <a:extLst>
+              <a:ext uri="{FF2B5EF4-FFF2-40B4-BE49-F238E27FC236}">
+                <a16:creationId xmlns:a16="http://schemas.microsoft.com/office/drawing/2014/main" id="{ACDE61D8-A75A-F94B-B57A-46F276C03311}"/>
+              </a:ext>
+            </a:extLst>
+          </p:cNvPr>
+          <p:cNvSpPr>
+            <a:spLocks noGrp="1"/>
+          </p:cNvSpPr>
+          <p:nvPr>
+            <p:ph sz="half" idx="2"/>
+          </p:nvPr>
+        </p:nvSpPr>
+        <p:spPr/>
+        <p:txBody>
+          <a:bodyPr>
+            <a:normAutofit/>
+          </a:bodyPr>
+          <a:lstStyle/>
+          <a:p>
+            <a:pPr>
+              <a:lnSpc>
+                <a:spcPct val="107000"/>
+              </a:lnSpc>
+              <a:spcAft>
+                <a:spcPts val="800"/>
+              </a:spcAft>
+            </a:pPr>
+            <a:r>
+              <a:rPr lang="en-US" sz="1800" dirty="0">
+                <a:effectLst/>
+                <a:latin typeface="Calibri" panose="020F0502020204030204" pitchFamily="34" charset="0"/>
+                <a:ea typeface="Calibri" panose="020F0502020204030204" pitchFamily="34" charset="0"/>
+                <a:cs typeface="Times New Roman" panose="02020603050405020304" pitchFamily="18" charset="0"/>
+              </a:rPr>
+              <a:t>Persisted folders and files on disk. </a:t>
+            </a:r>
+          </a:p>
+          <a:p>
+            <a:pPr>
+              <a:lnSpc>
+                <a:spcPct val="107000"/>
+              </a:lnSpc>
+              <a:spcAft>
+                <a:spcPts val="800"/>
+              </a:spcAft>
+            </a:pPr>
+            <a:r>
+              <a:rPr lang="en-US" sz="1800" dirty="0">
+                <a:effectLst/>
+                <a:latin typeface="Calibri" panose="020F0502020204030204" pitchFamily="34" charset="0"/>
+                <a:ea typeface="Calibri" panose="020F0502020204030204" pitchFamily="34" charset="0"/>
+                <a:cs typeface="Times New Roman" panose="02020603050405020304" pitchFamily="18" charset="0"/>
+              </a:rPr>
+              <a:t>Allows sharing between containers</a:t>
+            </a:r>
+          </a:p>
+          <a:p>
+            <a:pPr>
+              <a:lnSpc>
+                <a:spcPct val="107000"/>
+              </a:lnSpc>
+              <a:spcAft>
+                <a:spcPts val="800"/>
+              </a:spcAft>
+            </a:pPr>
+            <a:r>
+              <a:rPr lang="en-US" sz="1800" dirty="0">
+                <a:effectLst/>
+                <a:latin typeface="Calibri" panose="020F0502020204030204" pitchFamily="34" charset="0"/>
+                <a:ea typeface="Calibri" panose="020F0502020204030204" pitchFamily="34" charset="0"/>
+                <a:cs typeface="Times New Roman" panose="02020603050405020304" pitchFamily="18" charset="0"/>
+              </a:rPr>
+              <a:t>Also for keeping data between container deletion and re-creation! </a:t>
+            </a:r>
+          </a:p>
+          <a:p>
+            <a:pPr lvl="1">
+              <a:lnSpc>
+                <a:spcPct val="107000"/>
+              </a:lnSpc>
+              <a:spcAft>
+                <a:spcPts val="800"/>
+              </a:spcAft>
+            </a:pPr>
+            <a:r>
+              <a:rPr lang="en-US" dirty="0">
+                <a:effectLst/>
+                <a:latin typeface="Calibri" panose="020F0502020204030204" pitchFamily="34" charset="0"/>
+                <a:ea typeface="Calibri" panose="020F0502020204030204" pitchFamily="34" charset="0"/>
+                <a:cs typeface="Times New Roman" panose="02020603050405020304" pitchFamily="18" charset="0"/>
+              </a:rPr>
+              <a:t>(Container is deleted totally, but volume resides by default in the host file system)</a:t>
+            </a:r>
+            <a:endParaRPr lang="fi-FI" dirty="0">
+              <a:effectLst/>
+              <a:latin typeface="Calibri" panose="020F0502020204030204" pitchFamily="34" charset="0"/>
+              <a:ea typeface="Calibri" panose="020F0502020204030204" pitchFamily="34" charset="0"/>
+              <a:cs typeface="Times New Roman" panose="02020603050405020304" pitchFamily="18" charset="0"/>
+            </a:endParaRPr>
+          </a:p>
+          <a:p>
+            <a:endParaRPr lang="fi-FI" dirty="0"/>
+          </a:p>
+        </p:txBody>
+      </p:sp>
+      <p:sp>
+        <p:nvSpPr>
           <p:cNvPr id="5" name="Date Placeholder 4">
             <a:extLst>
               <a:ext uri="{FF2B5EF4-FFF2-40B4-BE49-F238E27FC236}">
@@ -8397,80 +8469,10 @@
           </a:p>
         </p:txBody>
       </p:sp>
-      <p:pic>
-        <p:nvPicPr>
-          <p:cNvPr id="10" name="Content Placeholder 9" descr="A diagram of a computer system&#10;&#10;Description automatically generated">
-            <a:extLst>
-              <a:ext uri="{FF2B5EF4-FFF2-40B4-BE49-F238E27FC236}">
-                <a16:creationId xmlns:a16="http://schemas.microsoft.com/office/drawing/2014/main" id="{34879080-61FE-6B3A-DE61-5C8F6D2A0273}"/>
-              </a:ext>
-            </a:extLst>
-          </p:cNvPr>
-          <p:cNvPicPr>
-            <a:picLocks noGrp="1" noChangeAspect="1"/>
-          </p:cNvPicPr>
-          <p:nvPr>
-            <p:ph sz="half" idx="2"/>
-          </p:nvPr>
-        </p:nvPicPr>
-        <p:blipFill>
-          <a:blip r:embed="rId2"/>
-          <a:stretch>
-            <a:fillRect/>
-          </a:stretch>
-        </p:blipFill>
-        <p:spPr>
-          <a:xfrm>
-            <a:off x="2933407" y="197987"/>
-            <a:ext cx="8912696" cy="5574660"/>
-          </a:xfrm>
-        </p:spPr>
-      </p:pic>
-      <p:sp>
-        <p:nvSpPr>
-          <p:cNvPr id="12" name="TextBox 11">
-            <a:extLst>
-              <a:ext uri="{FF2B5EF4-FFF2-40B4-BE49-F238E27FC236}">
-                <a16:creationId xmlns:a16="http://schemas.microsoft.com/office/drawing/2014/main" id="{F9375A48-11BB-EBB6-6A50-95AB866A6567}"/>
-              </a:ext>
-            </a:extLst>
-          </p:cNvPr>
-          <p:cNvSpPr txBox="1"/>
-          <p:nvPr/>
-        </p:nvSpPr>
-        <p:spPr>
-          <a:xfrm>
-            <a:off x="423643" y="4837163"/>
-            <a:ext cx="2844344" cy="646331"/>
-          </a:xfrm>
-          <a:prstGeom prst="rect">
-            <a:avLst/>
-          </a:prstGeom>
-          <a:noFill/>
-        </p:spPr>
-        <p:txBody>
-          <a:bodyPr wrap="square">
-            <a:spAutoFit/>
-          </a:bodyPr>
-          <a:lstStyle/>
-          <a:p>
-            <a:r>
-              <a:rPr lang="en-US" sz="1800" dirty="0">
-                <a:effectLst/>
-                <a:latin typeface="Calibri" panose="020F0502020204030204" pitchFamily="34" charset="0"/>
-                <a:ea typeface="Calibri" panose="020F0502020204030204" pitchFamily="34" charset="0"/>
-                <a:cs typeface="Times New Roman" panose="02020603050405020304" pitchFamily="18" charset="0"/>
-              </a:rPr>
-              <a:t>Source: https://docs.docker.com</a:t>
-            </a:r>
-            <a:endParaRPr lang="fi-FI" dirty="0"/>
-          </a:p>
-        </p:txBody>
-      </p:sp>
     </p:spTree>
     <p:extLst>
       <p:ext uri="{BB962C8B-B14F-4D97-AF65-F5344CB8AC3E}">
-        <p14:creationId xmlns:p14="http://schemas.microsoft.com/office/powerpoint/2010/main" val="836683022"/>
+        <p14:creationId xmlns:p14="http://schemas.microsoft.com/office/powerpoint/2010/main" val="1194808136"/>
       </p:ext>
     </p:extLst>
   </p:cSld>
@@ -8520,382 +8522,8 @@
           <a:p>
             <a:r>
               <a:rPr lang="fi-FI" dirty="0" err="1"/>
-              <a:t>network</a:t>
-            </a:r>
-            <a:endParaRPr lang="fi-FI" dirty="0"/>
-          </a:p>
-        </p:txBody>
-      </p:sp>
-      <p:sp>
-        <p:nvSpPr>
-          <p:cNvPr id="9" name="Content Placeholder 8">
-            <a:extLst>
-              <a:ext uri="{FF2B5EF4-FFF2-40B4-BE49-F238E27FC236}">
-                <a16:creationId xmlns:a16="http://schemas.microsoft.com/office/drawing/2014/main" id="{ACDE61D8-A75A-F94B-B57A-46F276C03311}"/>
-              </a:ext>
-            </a:extLst>
-          </p:cNvPr>
-          <p:cNvSpPr>
-            <a:spLocks noGrp="1"/>
-          </p:cNvSpPr>
-          <p:nvPr>
-            <p:ph sz="half" idx="2"/>
-          </p:nvPr>
-        </p:nvSpPr>
-        <p:spPr>
-          <a:xfrm>
-            <a:off x="550864" y="1091001"/>
-            <a:ext cx="11125198" cy="4822437"/>
-          </a:xfrm>
-        </p:spPr>
-        <p:txBody>
-          <a:bodyPr>
-            <a:normAutofit fontScale="92500" lnSpcReduction="20000"/>
-          </a:bodyPr>
-          <a:lstStyle/>
-          <a:p>
-            <a:pPr>
-              <a:lnSpc>
-                <a:spcPct val="107000"/>
-              </a:lnSpc>
-              <a:spcAft>
-                <a:spcPts val="800"/>
-              </a:spcAft>
-            </a:pPr>
-            <a:r>
-              <a:rPr lang="en-US" sz="1800" dirty="0">
-                <a:effectLst/>
-                <a:latin typeface="Calibri" panose="020F0502020204030204" pitchFamily="34" charset="0"/>
-                <a:ea typeface="Calibri" panose="020F0502020204030204" pitchFamily="34" charset="0"/>
-                <a:cs typeface="Times New Roman" panose="02020603050405020304" pitchFamily="18" charset="0"/>
-              </a:rPr>
-              <a:t>Allows (by default isolated) containers to communicate with each other, or the host computer</a:t>
-            </a:r>
-          </a:p>
-          <a:p>
-            <a:pPr>
-              <a:lnSpc>
-                <a:spcPct val="107000"/>
-              </a:lnSpc>
-              <a:spcAft>
-                <a:spcPts val="800"/>
-              </a:spcAft>
-            </a:pPr>
-            <a:r>
-              <a:rPr lang="en-US" sz="1800" dirty="0">
-                <a:effectLst/>
-                <a:latin typeface="Calibri" panose="020F0502020204030204" pitchFamily="34" charset="0"/>
-                <a:ea typeface="Calibri" panose="020F0502020204030204" pitchFamily="34" charset="0"/>
-                <a:cs typeface="Times New Roman" panose="02020603050405020304" pitchFamily="18" charset="0"/>
-                <a:hlinkClick r:id="rId2"/>
-              </a:rPr>
-              <a:t>https://www.docker.com/blog/docker-compose-networking/</a:t>
-            </a:r>
-            <a:r>
-              <a:rPr lang="en-US" dirty="0">
-                <a:latin typeface="Calibri" panose="020F0502020204030204" pitchFamily="34" charset="0"/>
-                <a:ea typeface="Calibri" panose="020F0502020204030204" pitchFamily="34" charset="0"/>
-                <a:cs typeface="Times New Roman" panose="02020603050405020304" pitchFamily="18" charset="0"/>
-              </a:rPr>
-              <a:t> </a:t>
-            </a:r>
-            <a:endParaRPr lang="en-US" sz="1800" dirty="0">
-              <a:effectLst/>
-              <a:latin typeface="Calibri" panose="020F0502020204030204" pitchFamily="34" charset="0"/>
-              <a:ea typeface="Calibri" panose="020F0502020204030204" pitchFamily="34" charset="0"/>
-              <a:cs typeface="Times New Roman" panose="02020603050405020304" pitchFamily="18" charset="0"/>
-            </a:endParaRPr>
-          </a:p>
-          <a:p>
-            <a:pPr>
-              <a:lnSpc>
-                <a:spcPct val="107000"/>
-              </a:lnSpc>
-              <a:spcAft>
-                <a:spcPts val="800"/>
-              </a:spcAft>
-            </a:pPr>
-            <a:r>
-              <a:rPr lang="en-US" dirty="0">
-                <a:latin typeface="Calibri" panose="020F0502020204030204" pitchFamily="34" charset="0"/>
-                <a:ea typeface="Calibri" panose="020F0502020204030204" pitchFamily="34" charset="0"/>
-                <a:cs typeface="Times New Roman" panose="02020603050405020304" pitchFamily="18" charset="0"/>
-              </a:rPr>
-              <a:t>There are multiple network configurations available, e.g. Bridge, Host, none, (Overlay, etc.)</a:t>
-            </a:r>
-            <a:endParaRPr lang="en-US" sz="1800" dirty="0">
-              <a:effectLst/>
-              <a:latin typeface="Calibri" panose="020F0502020204030204" pitchFamily="34" charset="0"/>
-              <a:ea typeface="Calibri" panose="020F0502020204030204" pitchFamily="34" charset="0"/>
-              <a:cs typeface="Times New Roman" panose="02020603050405020304" pitchFamily="18" charset="0"/>
-            </a:endParaRPr>
-          </a:p>
-          <a:p>
-            <a:pPr>
-              <a:lnSpc>
-                <a:spcPct val="107000"/>
-              </a:lnSpc>
-              <a:spcAft>
-                <a:spcPts val="800"/>
-              </a:spcAft>
-            </a:pPr>
-            <a:r>
-              <a:rPr lang="en-US" sz="1800" dirty="0">
-                <a:effectLst/>
-                <a:latin typeface="Calibri" panose="020F0502020204030204" pitchFamily="34" charset="0"/>
-                <a:ea typeface="Calibri" panose="020F0502020204030204" pitchFamily="34" charset="0"/>
-                <a:cs typeface="Times New Roman" panose="02020603050405020304" pitchFamily="18" charset="0"/>
-                <a:hlinkClick r:id="rId3"/>
-              </a:rPr>
-              <a:t>https://docs.docker.com/network/drivers/bridge/</a:t>
-            </a:r>
-            <a:r>
-              <a:rPr lang="en-US" dirty="0">
-                <a:latin typeface="Calibri" panose="020F0502020204030204" pitchFamily="34" charset="0"/>
-                <a:ea typeface="Calibri" panose="020F0502020204030204" pitchFamily="34" charset="0"/>
-                <a:cs typeface="Times New Roman" panose="02020603050405020304" pitchFamily="18" charset="0"/>
-              </a:rPr>
-              <a:t>   </a:t>
-            </a:r>
-            <a:r>
-              <a:rPr lang="en-US" b="1" dirty="0">
-                <a:latin typeface="Calibri" panose="020F0502020204030204" pitchFamily="34" charset="0"/>
-                <a:ea typeface="Calibri" panose="020F0502020204030204" pitchFamily="34" charset="0"/>
-                <a:cs typeface="Times New Roman" panose="02020603050405020304" pitchFamily="18" charset="0"/>
-              </a:rPr>
-              <a:t>Bridge</a:t>
-            </a:r>
-            <a:r>
-              <a:rPr lang="en-US" dirty="0">
-                <a:latin typeface="Calibri" panose="020F0502020204030204" pitchFamily="34" charset="0"/>
-                <a:ea typeface="Calibri" panose="020F0502020204030204" pitchFamily="34" charset="0"/>
-                <a:cs typeface="Times New Roman" panose="02020603050405020304" pitchFamily="18" charset="0"/>
-              </a:rPr>
-              <a:t> network is the normal one, letting included containers communicate with each other.</a:t>
-            </a:r>
-          </a:p>
-          <a:p>
-            <a:pPr lvl="1">
-              <a:lnSpc>
-                <a:spcPct val="107000"/>
-              </a:lnSpc>
-              <a:spcAft>
-                <a:spcPts val="800"/>
-              </a:spcAft>
-            </a:pPr>
-            <a:r>
-              <a:rPr lang="en-US" b="1" dirty="0" err="1">
-                <a:highlight>
-                  <a:srgbClr val="00FF00"/>
-                </a:highlight>
-                <a:latin typeface="Calibri" panose="020F0502020204030204" pitchFamily="34" charset="0"/>
-                <a:ea typeface="Calibri" panose="020F0502020204030204" pitchFamily="34" charset="0"/>
-                <a:cs typeface="Times New Roman" panose="02020603050405020304" pitchFamily="18" charset="0"/>
-              </a:rPr>
-              <a:t>i</a:t>
-            </a:r>
-            <a:r>
-              <a:rPr lang="en-US" b="1" dirty="0">
-                <a:highlight>
-                  <a:srgbClr val="00FF00"/>
-                </a:highlight>
-                <a:latin typeface="Calibri" panose="020F0502020204030204" pitchFamily="34" charset="0"/>
-                <a:ea typeface="Calibri" panose="020F0502020204030204" pitchFamily="34" charset="0"/>
-                <a:cs typeface="Times New Roman" panose="02020603050405020304" pitchFamily="18" charset="0"/>
-              </a:rPr>
-              <a:t>) default</a:t>
-            </a:r>
-            <a:r>
-              <a:rPr lang="en-US" dirty="0">
-                <a:highlight>
-                  <a:srgbClr val="00FF00"/>
-                </a:highlight>
-                <a:latin typeface="Calibri" panose="020F0502020204030204" pitchFamily="34" charset="0"/>
-                <a:ea typeface="Calibri" panose="020F0502020204030204" pitchFamily="34" charset="0"/>
-                <a:cs typeface="Times New Roman" panose="02020603050405020304" pitchFamily="18" charset="0"/>
-              </a:rPr>
-              <a:t> bridge</a:t>
-            </a:r>
-            <a:r>
-              <a:rPr lang="en-US" dirty="0">
-                <a:latin typeface="Calibri" panose="020F0502020204030204" pitchFamily="34" charset="0"/>
-                <a:ea typeface="Calibri" panose="020F0502020204030204" pitchFamily="34" charset="0"/>
-                <a:cs typeface="Times New Roman" panose="02020603050405020304" pitchFamily="18" charset="0"/>
-              </a:rPr>
-              <a:t>, automatic when you don’t specify any network. If you expose ports, they are visible in the host computer.</a:t>
-            </a:r>
-          </a:p>
-          <a:p>
-            <a:pPr lvl="1">
-              <a:lnSpc>
-                <a:spcPct val="107000"/>
-              </a:lnSpc>
-              <a:spcAft>
-                <a:spcPts val="800"/>
-              </a:spcAft>
-            </a:pPr>
-            <a:r>
-              <a:rPr lang="en-US" b="1" dirty="0">
-                <a:highlight>
-                  <a:srgbClr val="00FF00"/>
-                </a:highlight>
-                <a:latin typeface="Calibri" panose="020F0502020204030204" pitchFamily="34" charset="0"/>
-                <a:ea typeface="Calibri" panose="020F0502020204030204" pitchFamily="34" charset="0"/>
-                <a:cs typeface="Times New Roman" panose="02020603050405020304" pitchFamily="18" charset="0"/>
-              </a:rPr>
-              <a:t>ii) User-defined Bridge</a:t>
-            </a:r>
-            <a:r>
-              <a:rPr lang="en-US" dirty="0">
-                <a:latin typeface="Calibri" panose="020F0502020204030204" pitchFamily="34" charset="0"/>
-                <a:ea typeface="Calibri" panose="020F0502020204030204" pitchFamily="34" charset="0"/>
-                <a:cs typeface="Times New Roman" panose="02020603050405020304" pitchFamily="18" charset="0"/>
-              </a:rPr>
-              <a:t>, now you can use DNS name resolution, containers keep their DNS name. Usually </a:t>
-            </a:r>
-            <a:r>
-              <a:rPr lang="en-US" u="sng" dirty="0">
-                <a:latin typeface="Calibri" panose="020F0502020204030204" pitchFamily="34" charset="0"/>
-                <a:ea typeface="Calibri" panose="020F0502020204030204" pitchFamily="34" charset="0"/>
-                <a:cs typeface="Times New Roman" panose="02020603050405020304" pitchFamily="18" charset="0"/>
-              </a:rPr>
-              <a:t>the recommended network</a:t>
-            </a:r>
-            <a:r>
-              <a:rPr lang="en-US" dirty="0">
-                <a:latin typeface="Calibri" panose="020F0502020204030204" pitchFamily="34" charset="0"/>
-                <a:ea typeface="Calibri" panose="020F0502020204030204" pitchFamily="34" charset="0"/>
-                <a:cs typeface="Times New Roman" panose="02020603050405020304" pitchFamily="18" charset="0"/>
-              </a:rPr>
-              <a:t> in docker, especially when e.g. having backend container communicating internally with database container!</a:t>
-            </a:r>
-          </a:p>
-          <a:p>
-            <a:pPr>
-              <a:lnSpc>
-                <a:spcPct val="107000"/>
-              </a:lnSpc>
-              <a:spcAft>
-                <a:spcPts val="800"/>
-              </a:spcAft>
-            </a:pPr>
-            <a:r>
-              <a:rPr lang="en-US" sz="1800" dirty="0">
-                <a:effectLst/>
-                <a:latin typeface="Calibri" panose="020F0502020204030204" pitchFamily="34" charset="0"/>
-                <a:ea typeface="Calibri" panose="020F0502020204030204" pitchFamily="34" charset="0"/>
-                <a:cs typeface="Times New Roman" panose="02020603050405020304" pitchFamily="18" charset="0"/>
-                <a:hlinkClick r:id="rId4"/>
-              </a:rPr>
-              <a:t>https://docs.docker.com/network/drivers/host/</a:t>
-            </a:r>
-            <a:r>
-              <a:rPr lang="en-US" sz="1800" dirty="0">
-                <a:effectLst/>
-                <a:latin typeface="Calibri" panose="020F0502020204030204" pitchFamily="34" charset="0"/>
-                <a:ea typeface="Calibri" panose="020F0502020204030204" pitchFamily="34" charset="0"/>
-                <a:cs typeface="Times New Roman" panose="02020603050405020304" pitchFamily="18" charset="0"/>
-              </a:rPr>
-              <a:t> </a:t>
-            </a:r>
-            <a:r>
-              <a:rPr lang="en-US" sz="1800" b="1" dirty="0">
-                <a:effectLst/>
-                <a:highlight>
-                  <a:srgbClr val="00FF00"/>
-                </a:highlight>
-                <a:latin typeface="Calibri" panose="020F0502020204030204" pitchFamily="34" charset="0"/>
-                <a:ea typeface="Calibri" panose="020F0502020204030204" pitchFamily="34" charset="0"/>
-                <a:cs typeface="Times New Roman" panose="02020603050405020304" pitchFamily="18" charset="0"/>
-              </a:rPr>
-              <a:t>iii) Host </a:t>
-            </a:r>
-            <a:r>
-              <a:rPr lang="en-US" sz="1800" dirty="0">
-                <a:effectLst/>
-                <a:highlight>
-                  <a:srgbClr val="00FF00"/>
-                </a:highlight>
-                <a:latin typeface="Calibri" panose="020F0502020204030204" pitchFamily="34" charset="0"/>
-                <a:ea typeface="Calibri" panose="020F0502020204030204" pitchFamily="34" charset="0"/>
-                <a:cs typeface="Times New Roman" panose="02020603050405020304" pitchFamily="18" charset="0"/>
-              </a:rPr>
-              <a:t>network</a:t>
-            </a:r>
-            <a:r>
-              <a:rPr lang="en-US" sz="1800" dirty="0">
-                <a:effectLst/>
-                <a:latin typeface="Calibri" panose="020F0502020204030204" pitchFamily="34" charset="0"/>
-                <a:ea typeface="Calibri" panose="020F0502020204030204" pitchFamily="34" charset="0"/>
-                <a:cs typeface="Times New Roman" panose="02020603050405020304" pitchFamily="18" charset="0"/>
-              </a:rPr>
-              <a:t> refers to the host computer where Docker engine is run. Do you want to e.g. </a:t>
-            </a:r>
-            <a:r>
-              <a:rPr lang="en-US" dirty="0">
-                <a:latin typeface="Calibri" panose="020F0502020204030204" pitchFamily="34" charset="0"/>
-                <a:ea typeface="Calibri" panose="020F0502020204030204" pitchFamily="34" charset="0"/>
-                <a:cs typeface="Times New Roman" panose="02020603050405020304" pitchFamily="18" charset="0"/>
-              </a:rPr>
-              <a:t>let the containers run like your host computer service? Sometimes, often not! No need to expose the ports, they are visible in the host like any service on host computer.</a:t>
-            </a:r>
-          </a:p>
-          <a:p>
-            <a:pPr>
-              <a:lnSpc>
-                <a:spcPct val="107000"/>
-              </a:lnSpc>
-              <a:spcAft>
-                <a:spcPts val="800"/>
-              </a:spcAft>
-            </a:pPr>
-            <a:r>
-              <a:rPr lang="en-US" sz="1800" b="1" dirty="0">
-                <a:effectLst/>
-                <a:highlight>
-                  <a:srgbClr val="00FF00"/>
-                </a:highlight>
-                <a:latin typeface="Calibri" panose="020F0502020204030204" pitchFamily="34" charset="0"/>
-                <a:ea typeface="Calibri" panose="020F0502020204030204" pitchFamily="34" charset="0"/>
-                <a:cs typeface="Times New Roman" panose="02020603050405020304" pitchFamily="18" charset="0"/>
-              </a:rPr>
-              <a:t>iv) None</a:t>
-            </a:r>
-            <a:r>
-              <a:rPr lang="en-US" sz="1800" dirty="0">
-                <a:effectLst/>
-                <a:latin typeface="Calibri" panose="020F0502020204030204" pitchFamily="34" charset="0"/>
-                <a:ea typeface="Calibri" panose="020F0502020204030204" pitchFamily="34" charset="0"/>
-                <a:cs typeface="Times New Roman" panose="02020603050405020304" pitchFamily="18" charset="0"/>
-              </a:rPr>
-              <a:t> = total isolation</a:t>
-            </a:r>
-          </a:p>
-          <a:p>
-            <a:pPr>
-              <a:lnSpc>
-                <a:spcPct val="107000"/>
-              </a:lnSpc>
-              <a:spcAft>
-                <a:spcPts val="800"/>
-              </a:spcAft>
-            </a:pPr>
-            <a:r>
-              <a:rPr lang="en-US" dirty="0">
-                <a:latin typeface="Calibri" panose="020F0502020204030204" pitchFamily="34" charset="0"/>
-                <a:ea typeface="Calibri" panose="020F0502020204030204" pitchFamily="34" charset="0"/>
-                <a:cs typeface="Times New Roman" panose="02020603050405020304" pitchFamily="18" charset="0"/>
-              </a:rPr>
-              <a:t>Etc. (There are others, but then we start to go to so complicated ‘server farms’ that better add Kubernetes too)</a:t>
-            </a:r>
-            <a:endParaRPr lang="en-US" sz="1800" dirty="0">
-              <a:effectLst/>
-              <a:latin typeface="Calibri" panose="020F0502020204030204" pitchFamily="34" charset="0"/>
-              <a:ea typeface="Calibri" panose="020F0502020204030204" pitchFamily="34" charset="0"/>
-              <a:cs typeface="Times New Roman" panose="02020603050405020304" pitchFamily="18" charset="0"/>
-            </a:endParaRPr>
-          </a:p>
-          <a:p>
+              <a:t>volume</a:t>
+            </a:r>
             <a:endParaRPr lang="fi-FI" dirty="0"/>
           </a:p>
         </p:txBody>
@@ -8983,10 +8611,80 @@
           </a:p>
         </p:txBody>
       </p:sp>
+      <p:pic>
+        <p:nvPicPr>
+          <p:cNvPr id="10" name="Content Placeholder 9" descr="A diagram of a computer system&#10;&#10;Description automatically generated">
+            <a:extLst>
+              <a:ext uri="{FF2B5EF4-FFF2-40B4-BE49-F238E27FC236}">
+                <a16:creationId xmlns:a16="http://schemas.microsoft.com/office/drawing/2014/main" id="{34879080-61FE-6B3A-DE61-5C8F6D2A0273}"/>
+              </a:ext>
+            </a:extLst>
+          </p:cNvPr>
+          <p:cNvPicPr>
+            <a:picLocks noGrp="1" noChangeAspect="1"/>
+          </p:cNvPicPr>
+          <p:nvPr>
+            <p:ph sz="half" idx="2"/>
+          </p:nvPr>
+        </p:nvPicPr>
+        <p:blipFill>
+          <a:blip r:embed="rId2"/>
+          <a:stretch>
+            <a:fillRect/>
+          </a:stretch>
+        </p:blipFill>
+        <p:spPr>
+          <a:xfrm>
+            <a:off x="2933407" y="197987"/>
+            <a:ext cx="8912696" cy="5574660"/>
+          </a:xfrm>
+        </p:spPr>
+      </p:pic>
+      <p:sp>
+        <p:nvSpPr>
+          <p:cNvPr id="12" name="TextBox 11">
+            <a:extLst>
+              <a:ext uri="{FF2B5EF4-FFF2-40B4-BE49-F238E27FC236}">
+                <a16:creationId xmlns:a16="http://schemas.microsoft.com/office/drawing/2014/main" id="{F9375A48-11BB-EBB6-6A50-95AB866A6567}"/>
+              </a:ext>
+            </a:extLst>
+          </p:cNvPr>
+          <p:cNvSpPr txBox="1"/>
+          <p:nvPr/>
+        </p:nvSpPr>
+        <p:spPr>
+          <a:xfrm>
+            <a:off x="423643" y="4837163"/>
+            <a:ext cx="2844344" cy="646331"/>
+          </a:xfrm>
+          <a:prstGeom prst="rect">
+            <a:avLst/>
+          </a:prstGeom>
+          <a:noFill/>
+        </p:spPr>
+        <p:txBody>
+          <a:bodyPr wrap="square">
+            <a:spAutoFit/>
+          </a:bodyPr>
+          <a:lstStyle/>
+          <a:p>
+            <a:r>
+              <a:rPr lang="en-US" sz="1800" dirty="0">
+                <a:effectLst/>
+                <a:latin typeface="Calibri" panose="020F0502020204030204" pitchFamily="34" charset="0"/>
+                <a:ea typeface="Calibri" panose="020F0502020204030204" pitchFamily="34" charset="0"/>
+                <a:cs typeface="Times New Roman" panose="02020603050405020304" pitchFamily="18" charset="0"/>
+              </a:rPr>
+              <a:t>Source: https://docs.docker.com</a:t>
+            </a:r>
+            <a:endParaRPr lang="fi-FI" dirty="0"/>
+          </a:p>
+        </p:txBody>
+      </p:sp>
     </p:spTree>
     <p:extLst>
       <p:ext uri="{BB962C8B-B14F-4D97-AF65-F5344CB8AC3E}">
-        <p14:creationId xmlns:p14="http://schemas.microsoft.com/office/powerpoint/2010/main" val="3362218849"/>
+        <p14:creationId xmlns:p14="http://schemas.microsoft.com/office/powerpoint/2010/main" val="836683022"/>
       </p:ext>
     </p:extLst>
   </p:cSld>
@@ -9044,144 +8742,40 @@
       </p:sp>
       <p:sp>
         <p:nvSpPr>
-          <p:cNvPr id="5" name="Date Placeholder 4">
-            <a:extLst>
-              <a:ext uri="{FF2B5EF4-FFF2-40B4-BE49-F238E27FC236}">
-                <a16:creationId xmlns:a16="http://schemas.microsoft.com/office/drawing/2014/main" id="{976244E2-AA76-2742-B2EC-FEC79276155C}"/>
-              </a:ext>
-            </a:extLst>
-          </p:cNvPr>
-          <p:cNvSpPr>
-            <a:spLocks noGrp="1"/>
-          </p:cNvSpPr>
-          <p:nvPr>
-            <p:ph type="dt" sz="half" idx="10"/>
-          </p:nvPr>
-        </p:nvSpPr>
-        <p:spPr/>
-        <p:txBody>
-          <a:bodyPr/>
-          <a:lstStyle/>
-          <a:p>
-            <a:fld id="{202E1EC2-47B8-044B-A09E-6A63B4D80C87}" type="datetime1">
-              <a:rPr lang="fi-FI" smtClean="0"/>
-              <a:t>18.2.2024</a:t>
-            </a:fld>
-            <a:endParaRPr lang="en-GB"/>
-          </a:p>
-        </p:txBody>
-      </p:sp>
-      <p:sp>
-        <p:nvSpPr>
-          <p:cNvPr id="6" name="Footer Placeholder 5">
-            <a:extLst>
-              <a:ext uri="{FF2B5EF4-FFF2-40B4-BE49-F238E27FC236}">
-                <a16:creationId xmlns:a16="http://schemas.microsoft.com/office/drawing/2014/main" id="{588CE607-4137-8840-8FEA-42EAC857E3A3}"/>
-              </a:ext>
-            </a:extLst>
-          </p:cNvPr>
-          <p:cNvSpPr>
-            <a:spLocks noGrp="1"/>
-          </p:cNvSpPr>
-          <p:nvPr>
-            <p:ph type="ftr" sz="quarter" idx="11"/>
-          </p:nvPr>
-        </p:nvSpPr>
-        <p:spPr/>
-        <p:txBody>
-          <a:bodyPr/>
-          <a:lstStyle/>
-          <a:p>
-            <a:endParaRPr lang="en-GB"/>
-          </a:p>
-        </p:txBody>
-      </p:sp>
-      <p:sp>
-        <p:nvSpPr>
-          <p:cNvPr id="7" name="Slide Number Placeholder 6">
-            <a:extLst>
-              <a:ext uri="{FF2B5EF4-FFF2-40B4-BE49-F238E27FC236}">
-                <a16:creationId xmlns:a16="http://schemas.microsoft.com/office/drawing/2014/main" id="{2E133A96-6C73-0844-B8CB-27C2B5F4CFB1}"/>
-              </a:ext>
-            </a:extLst>
-          </p:cNvPr>
-          <p:cNvSpPr>
-            <a:spLocks noGrp="1"/>
-          </p:cNvSpPr>
-          <p:nvPr>
-            <p:ph type="sldNum" sz="quarter" idx="12"/>
-          </p:nvPr>
-        </p:nvSpPr>
-        <p:spPr/>
-        <p:txBody>
-          <a:bodyPr/>
-          <a:lstStyle/>
-          <a:p>
-            <a:fld id="{76BAB7ED-EDE9-4D4B-9A2D-30E18C47C16E}" type="slidenum">
-              <a:rPr lang="en-GB" smtClean="0"/>
-              <a:t>17</a:t>
-            </a:fld>
-            <a:endParaRPr lang="en-GB"/>
-          </a:p>
-        </p:txBody>
-      </p:sp>
-      <p:pic>
-        <p:nvPicPr>
-          <p:cNvPr id="9" name="Content Placeholder 8" descr="A diagram of a network&#10;&#10;Description automatically generated">
-            <a:extLst>
-              <a:ext uri="{FF2B5EF4-FFF2-40B4-BE49-F238E27FC236}">
-                <a16:creationId xmlns:a16="http://schemas.microsoft.com/office/drawing/2014/main" id="{4F3C2D7E-9E75-70A9-50A0-3967F4715B4D}"/>
-              </a:ext>
-            </a:extLst>
-          </p:cNvPr>
-          <p:cNvPicPr>
-            <a:picLocks noGrp="1" noChangeAspect="1"/>
-          </p:cNvPicPr>
+          <p:cNvPr id="9" name="Content Placeholder 8">
+            <a:extLst>
+              <a:ext uri="{FF2B5EF4-FFF2-40B4-BE49-F238E27FC236}">
+                <a16:creationId xmlns:a16="http://schemas.microsoft.com/office/drawing/2014/main" id="{ACDE61D8-A75A-F94B-B57A-46F276C03311}"/>
+              </a:ext>
+            </a:extLst>
+          </p:cNvPr>
+          <p:cNvSpPr>
+            <a:spLocks noGrp="1"/>
+          </p:cNvSpPr>
           <p:nvPr>
             <p:ph sz="half" idx="2"/>
           </p:nvPr>
-        </p:nvPicPr>
-        <p:blipFill>
-          <a:blip r:embed="rId2"/>
-          <a:stretch>
-            <a:fillRect/>
-          </a:stretch>
-        </p:blipFill>
+        </p:nvSpPr>
         <p:spPr>
           <a:xfrm>
-            <a:off x="2764145" y="780836"/>
-            <a:ext cx="9347163" cy="4376791"/>
+            <a:off x="550864" y="1091001"/>
+            <a:ext cx="11125198" cy="4822437"/>
           </a:xfrm>
         </p:spPr>
-      </p:pic>
-      <p:sp>
-        <p:nvSpPr>
-          <p:cNvPr id="12" name="TextBox 11">
-            <a:extLst>
-              <a:ext uri="{FF2B5EF4-FFF2-40B4-BE49-F238E27FC236}">
-                <a16:creationId xmlns:a16="http://schemas.microsoft.com/office/drawing/2014/main" id="{F9375A48-11BB-EBB6-6A50-95AB866A6567}"/>
-              </a:ext>
-            </a:extLst>
-          </p:cNvPr>
-          <p:cNvSpPr txBox="1"/>
-          <p:nvPr/>
-        </p:nvSpPr>
-        <p:spPr>
-          <a:xfrm>
-            <a:off x="360851" y="4154306"/>
-            <a:ext cx="3131921" cy="1477328"/>
-          </a:xfrm>
-          <a:prstGeom prst="rect">
-            <a:avLst/>
-          </a:prstGeom>
-          <a:noFill/>
-        </p:spPr>
-        <p:txBody>
-          <a:bodyPr wrap="square">
-            <a:spAutoFit/>
+        <p:txBody>
+          <a:bodyPr>
+            <a:normAutofit fontScale="92500" lnSpcReduction="20000"/>
           </a:bodyPr>
           <a:lstStyle/>
           <a:p>
+            <a:pPr>
+              <a:lnSpc>
+                <a:spcPct val="107000"/>
+              </a:lnSpc>
+              <a:spcAft>
+                <a:spcPts val="800"/>
+              </a:spcAft>
+            </a:pPr>
             <a:r>
               <a:rPr lang="en-US" sz="1800" dirty="0">
                 <a:effectLst/>
@@ -9189,17 +8783,35 @@
                 <a:ea typeface="Calibri" panose="020F0502020204030204" pitchFamily="34" charset="0"/>
                 <a:cs typeface="Times New Roman" panose="02020603050405020304" pitchFamily="18" charset="0"/>
               </a:rPr>
-              <a:t>Here two user-defined bridge</a:t>
-            </a:r>
-          </a:p>
-          <a:p>
+              <a:t>Allows (by default isolated) containers to communicate with each other, or the host computer</a:t>
+            </a:r>
+          </a:p>
+          <a:p>
+            <a:pPr>
+              <a:lnSpc>
+                <a:spcPct val="107000"/>
+              </a:lnSpc>
+              <a:spcAft>
+                <a:spcPts val="800"/>
+              </a:spcAft>
+            </a:pPr>
+            <a:r>
+              <a:rPr lang="en-US" sz="1800" dirty="0">
+                <a:effectLst/>
+                <a:latin typeface="Calibri" panose="020F0502020204030204" pitchFamily="34" charset="0"/>
+                <a:ea typeface="Calibri" panose="020F0502020204030204" pitchFamily="34" charset="0"/>
+                <a:cs typeface="Times New Roman" panose="02020603050405020304" pitchFamily="18" charset="0"/>
+                <a:hlinkClick r:id="rId2"/>
+              </a:rPr>
+              <a:t>https://www.docker.com/blog/docker-compose-networking/</a:t>
+            </a:r>
             <a:r>
               <a:rPr lang="en-US" dirty="0">
                 <a:latin typeface="Calibri" panose="020F0502020204030204" pitchFamily="34" charset="0"/>
                 <a:ea typeface="Calibri" panose="020F0502020204030204" pitchFamily="34" charset="0"/>
                 <a:cs typeface="Times New Roman" panose="02020603050405020304" pitchFamily="18" charset="0"/>
               </a:rPr>
-              <a:t>networks</a:t>
+              <a:t> </a:t>
             </a:r>
             <a:endParaRPr lang="en-US" sz="1800" dirty="0">
               <a:effectLst/>
@@ -9209,6 +8821,22 @@
             </a:endParaRPr>
           </a:p>
           <a:p>
+            <a:pPr>
+              <a:lnSpc>
+                <a:spcPct val="107000"/>
+              </a:lnSpc>
+              <a:spcAft>
+                <a:spcPts val="800"/>
+              </a:spcAft>
+            </a:pPr>
+            <a:r>
+              <a:rPr lang="en-US" dirty="0">
+                <a:latin typeface="Calibri" panose="020F0502020204030204" pitchFamily="34" charset="0"/>
+                <a:ea typeface="Calibri" panose="020F0502020204030204" pitchFamily="34" charset="0"/>
+                <a:cs typeface="Times New Roman" panose="02020603050405020304" pitchFamily="18" charset="0"/>
+              </a:rPr>
+              <a:t>There are multiple network configurations available, e.g. Bridge, Host, none, (Overlay, etc.)</a:t>
+            </a:r>
             <a:endParaRPr lang="en-US" sz="1800" dirty="0">
               <a:effectLst/>
               <a:latin typeface="Calibri" panose="020F0502020204030204" pitchFamily="34" charset="0"/>
@@ -9217,23 +8845,362 @@
             </a:endParaRPr>
           </a:p>
           <a:p>
+            <a:pPr>
+              <a:lnSpc>
+                <a:spcPct val="107000"/>
+              </a:lnSpc>
+              <a:spcAft>
+                <a:spcPts val="800"/>
+              </a:spcAft>
+            </a:pPr>
             <a:r>
               <a:rPr lang="en-US" sz="1800" dirty="0">
                 <a:effectLst/>
                 <a:latin typeface="Calibri" panose="020F0502020204030204" pitchFamily="34" charset="0"/>
                 <a:ea typeface="Calibri" panose="020F0502020204030204" pitchFamily="34" charset="0"/>
                 <a:cs typeface="Times New Roman" panose="02020603050405020304" pitchFamily="18" charset="0"/>
-              </a:rPr>
-              <a:t>Source: https://docs.docker.com</a:t>
-            </a:r>
+                <a:hlinkClick r:id="rId3"/>
+              </a:rPr>
+              <a:t>https://docs.docker.com/network/drivers/bridge/</a:t>
+            </a:r>
+            <a:r>
+              <a:rPr lang="en-US" dirty="0">
+                <a:latin typeface="Calibri" panose="020F0502020204030204" pitchFamily="34" charset="0"/>
+                <a:ea typeface="Calibri" panose="020F0502020204030204" pitchFamily="34" charset="0"/>
+                <a:cs typeface="Times New Roman" panose="02020603050405020304" pitchFamily="18" charset="0"/>
+              </a:rPr>
+              <a:t>   </a:t>
+            </a:r>
+            <a:r>
+              <a:rPr lang="en-US" b="1" dirty="0">
+                <a:latin typeface="Calibri" panose="020F0502020204030204" pitchFamily="34" charset="0"/>
+                <a:ea typeface="Calibri" panose="020F0502020204030204" pitchFamily="34" charset="0"/>
+                <a:cs typeface="Times New Roman" panose="02020603050405020304" pitchFamily="18" charset="0"/>
+              </a:rPr>
+              <a:t>Bridge</a:t>
+            </a:r>
+            <a:r>
+              <a:rPr lang="en-US" dirty="0">
+                <a:latin typeface="Calibri" panose="020F0502020204030204" pitchFamily="34" charset="0"/>
+                <a:ea typeface="Calibri" panose="020F0502020204030204" pitchFamily="34" charset="0"/>
+                <a:cs typeface="Times New Roman" panose="02020603050405020304" pitchFamily="18" charset="0"/>
+              </a:rPr>
+              <a:t> network is the normal one, letting included containers communicate with each other.</a:t>
+            </a:r>
+          </a:p>
+          <a:p>
+            <a:pPr lvl="1">
+              <a:lnSpc>
+                <a:spcPct val="107000"/>
+              </a:lnSpc>
+              <a:spcAft>
+                <a:spcPts val="800"/>
+              </a:spcAft>
+            </a:pPr>
+            <a:r>
+              <a:rPr lang="en-US" b="1" dirty="0" err="1">
+                <a:highlight>
+                  <a:srgbClr val="00FF00"/>
+                </a:highlight>
+                <a:latin typeface="Calibri" panose="020F0502020204030204" pitchFamily="34" charset="0"/>
+                <a:ea typeface="Calibri" panose="020F0502020204030204" pitchFamily="34" charset="0"/>
+                <a:cs typeface="Times New Roman" panose="02020603050405020304" pitchFamily="18" charset="0"/>
+              </a:rPr>
+              <a:t>i</a:t>
+            </a:r>
+            <a:r>
+              <a:rPr lang="en-US" b="1" dirty="0">
+                <a:highlight>
+                  <a:srgbClr val="00FF00"/>
+                </a:highlight>
+                <a:latin typeface="Calibri" panose="020F0502020204030204" pitchFamily="34" charset="0"/>
+                <a:ea typeface="Calibri" panose="020F0502020204030204" pitchFamily="34" charset="0"/>
+                <a:cs typeface="Times New Roman" panose="02020603050405020304" pitchFamily="18" charset="0"/>
+              </a:rPr>
+              <a:t>) default</a:t>
+            </a:r>
+            <a:r>
+              <a:rPr lang="en-US" dirty="0">
+                <a:highlight>
+                  <a:srgbClr val="00FF00"/>
+                </a:highlight>
+                <a:latin typeface="Calibri" panose="020F0502020204030204" pitchFamily="34" charset="0"/>
+                <a:ea typeface="Calibri" panose="020F0502020204030204" pitchFamily="34" charset="0"/>
+                <a:cs typeface="Times New Roman" panose="02020603050405020304" pitchFamily="18" charset="0"/>
+              </a:rPr>
+              <a:t> bridge</a:t>
+            </a:r>
+            <a:r>
+              <a:rPr lang="en-US" dirty="0">
+                <a:latin typeface="Calibri" panose="020F0502020204030204" pitchFamily="34" charset="0"/>
+                <a:ea typeface="Calibri" panose="020F0502020204030204" pitchFamily="34" charset="0"/>
+                <a:cs typeface="Times New Roman" panose="02020603050405020304" pitchFamily="18" charset="0"/>
+              </a:rPr>
+              <a:t>, automatic when you don’t specify any network. If you expose ports, they are visible in the host computer.</a:t>
+            </a:r>
+          </a:p>
+          <a:p>
+            <a:pPr lvl="1">
+              <a:lnSpc>
+                <a:spcPct val="107000"/>
+              </a:lnSpc>
+              <a:spcAft>
+                <a:spcPts val="800"/>
+              </a:spcAft>
+            </a:pPr>
+            <a:r>
+              <a:rPr lang="en-US" b="1" dirty="0">
+                <a:highlight>
+                  <a:srgbClr val="00FF00"/>
+                </a:highlight>
+                <a:latin typeface="Calibri" panose="020F0502020204030204" pitchFamily="34" charset="0"/>
+                <a:ea typeface="Calibri" panose="020F0502020204030204" pitchFamily="34" charset="0"/>
+                <a:cs typeface="Times New Roman" panose="02020603050405020304" pitchFamily="18" charset="0"/>
+              </a:rPr>
+              <a:t>ii) User-defined Bridge</a:t>
+            </a:r>
+            <a:r>
+              <a:rPr lang="en-US" dirty="0">
+                <a:latin typeface="Calibri" panose="020F0502020204030204" pitchFamily="34" charset="0"/>
+                <a:ea typeface="Calibri" panose="020F0502020204030204" pitchFamily="34" charset="0"/>
+                <a:cs typeface="Times New Roman" panose="02020603050405020304" pitchFamily="18" charset="0"/>
+              </a:rPr>
+              <a:t>, now you can use DNS name resolution, containers keep their DNS name. Usually </a:t>
+            </a:r>
+            <a:r>
+              <a:rPr lang="en-US" u="sng" dirty="0">
+                <a:latin typeface="Calibri" panose="020F0502020204030204" pitchFamily="34" charset="0"/>
+                <a:ea typeface="Calibri" panose="020F0502020204030204" pitchFamily="34" charset="0"/>
+                <a:cs typeface="Times New Roman" panose="02020603050405020304" pitchFamily="18" charset="0"/>
+              </a:rPr>
+              <a:t>the recommended network</a:t>
+            </a:r>
+            <a:r>
+              <a:rPr lang="en-US" dirty="0">
+                <a:latin typeface="Calibri" panose="020F0502020204030204" pitchFamily="34" charset="0"/>
+                <a:ea typeface="Calibri" panose="020F0502020204030204" pitchFamily="34" charset="0"/>
+                <a:cs typeface="Times New Roman" panose="02020603050405020304" pitchFamily="18" charset="0"/>
+              </a:rPr>
+              <a:t> in docker, especially when e.g. having backend container communicating internally with database container!</a:t>
+            </a:r>
+          </a:p>
+          <a:p>
+            <a:pPr>
+              <a:lnSpc>
+                <a:spcPct val="107000"/>
+              </a:lnSpc>
+              <a:spcAft>
+                <a:spcPts val="800"/>
+              </a:spcAft>
+            </a:pPr>
+            <a:r>
+              <a:rPr lang="en-US" sz="1800" dirty="0">
+                <a:effectLst/>
+                <a:latin typeface="Calibri" panose="020F0502020204030204" pitchFamily="34" charset="0"/>
+                <a:ea typeface="Calibri" panose="020F0502020204030204" pitchFamily="34" charset="0"/>
+                <a:cs typeface="Times New Roman" panose="02020603050405020304" pitchFamily="18" charset="0"/>
+                <a:hlinkClick r:id="rId4"/>
+              </a:rPr>
+              <a:t>https://docs.docker.com/network/drivers/host/</a:t>
+            </a:r>
+            <a:r>
+              <a:rPr lang="en-US" sz="1800" dirty="0">
+                <a:effectLst/>
+                <a:latin typeface="Calibri" panose="020F0502020204030204" pitchFamily="34" charset="0"/>
+                <a:ea typeface="Calibri" panose="020F0502020204030204" pitchFamily="34" charset="0"/>
+                <a:cs typeface="Times New Roman" panose="02020603050405020304" pitchFamily="18" charset="0"/>
+              </a:rPr>
+              <a:t> </a:t>
+            </a:r>
+            <a:r>
+              <a:rPr lang="en-US" sz="1800" b="1" dirty="0">
+                <a:effectLst/>
+                <a:highlight>
+                  <a:srgbClr val="00FF00"/>
+                </a:highlight>
+                <a:latin typeface="Calibri" panose="020F0502020204030204" pitchFamily="34" charset="0"/>
+                <a:ea typeface="Calibri" panose="020F0502020204030204" pitchFamily="34" charset="0"/>
+                <a:cs typeface="Times New Roman" panose="02020603050405020304" pitchFamily="18" charset="0"/>
+              </a:rPr>
+              <a:t>iii) Host </a:t>
+            </a:r>
+            <a:r>
+              <a:rPr lang="en-US" sz="1800" dirty="0">
+                <a:effectLst/>
+                <a:highlight>
+                  <a:srgbClr val="00FF00"/>
+                </a:highlight>
+                <a:latin typeface="Calibri" panose="020F0502020204030204" pitchFamily="34" charset="0"/>
+                <a:ea typeface="Calibri" panose="020F0502020204030204" pitchFamily="34" charset="0"/>
+                <a:cs typeface="Times New Roman" panose="02020603050405020304" pitchFamily="18" charset="0"/>
+              </a:rPr>
+              <a:t>network</a:t>
+            </a:r>
+            <a:r>
+              <a:rPr lang="en-US" sz="1800" dirty="0">
+                <a:effectLst/>
+                <a:latin typeface="Calibri" panose="020F0502020204030204" pitchFamily="34" charset="0"/>
+                <a:ea typeface="Calibri" panose="020F0502020204030204" pitchFamily="34" charset="0"/>
+                <a:cs typeface="Times New Roman" panose="02020603050405020304" pitchFamily="18" charset="0"/>
+              </a:rPr>
+              <a:t> refers to the host computer where Docker engine is run. Do you want to e.g. </a:t>
+            </a:r>
+            <a:r>
+              <a:rPr lang="en-US" dirty="0">
+                <a:latin typeface="Calibri" panose="020F0502020204030204" pitchFamily="34" charset="0"/>
+                <a:ea typeface="Calibri" panose="020F0502020204030204" pitchFamily="34" charset="0"/>
+                <a:cs typeface="Times New Roman" panose="02020603050405020304" pitchFamily="18" charset="0"/>
+              </a:rPr>
+              <a:t>let the containers run like your host computer service? Sometimes, often not! No need to expose the ports, they are visible in the host like any service on host computer.</a:t>
+            </a:r>
+          </a:p>
+          <a:p>
+            <a:pPr>
+              <a:lnSpc>
+                <a:spcPct val="107000"/>
+              </a:lnSpc>
+              <a:spcAft>
+                <a:spcPts val="800"/>
+              </a:spcAft>
+            </a:pPr>
+            <a:r>
+              <a:rPr lang="en-US" sz="1800" b="1" dirty="0">
+                <a:effectLst/>
+                <a:highlight>
+                  <a:srgbClr val="00FF00"/>
+                </a:highlight>
+                <a:latin typeface="Calibri" panose="020F0502020204030204" pitchFamily="34" charset="0"/>
+                <a:ea typeface="Calibri" panose="020F0502020204030204" pitchFamily="34" charset="0"/>
+                <a:cs typeface="Times New Roman" panose="02020603050405020304" pitchFamily="18" charset="0"/>
+              </a:rPr>
+              <a:t>iv) None</a:t>
+            </a:r>
+            <a:r>
+              <a:rPr lang="en-US" sz="1800" dirty="0">
+                <a:effectLst/>
+                <a:latin typeface="Calibri" panose="020F0502020204030204" pitchFamily="34" charset="0"/>
+                <a:ea typeface="Calibri" panose="020F0502020204030204" pitchFamily="34" charset="0"/>
+                <a:cs typeface="Times New Roman" panose="02020603050405020304" pitchFamily="18" charset="0"/>
+              </a:rPr>
+              <a:t> = total isolation</a:t>
+            </a:r>
+          </a:p>
+          <a:p>
+            <a:pPr>
+              <a:lnSpc>
+                <a:spcPct val="107000"/>
+              </a:lnSpc>
+              <a:spcAft>
+                <a:spcPts val="800"/>
+              </a:spcAft>
+            </a:pPr>
+            <a:r>
+              <a:rPr lang="en-US" dirty="0">
+                <a:latin typeface="Calibri" panose="020F0502020204030204" pitchFamily="34" charset="0"/>
+                <a:ea typeface="Calibri" panose="020F0502020204030204" pitchFamily="34" charset="0"/>
+                <a:cs typeface="Times New Roman" panose="02020603050405020304" pitchFamily="18" charset="0"/>
+              </a:rPr>
+              <a:t>Etc. (There are others, but then we start to go to so complicated ‘server farms’ that better add Kubernetes too)</a:t>
+            </a:r>
+            <a:endParaRPr lang="en-US" sz="1800" dirty="0">
+              <a:effectLst/>
+              <a:latin typeface="Calibri" panose="020F0502020204030204" pitchFamily="34" charset="0"/>
+              <a:ea typeface="Calibri" panose="020F0502020204030204" pitchFamily="34" charset="0"/>
+              <a:cs typeface="Times New Roman" panose="02020603050405020304" pitchFamily="18" charset="0"/>
+            </a:endParaRPr>
+          </a:p>
+          <a:p>
             <a:endParaRPr lang="fi-FI" dirty="0"/>
+          </a:p>
+        </p:txBody>
+      </p:sp>
+      <p:sp>
+        <p:nvSpPr>
+          <p:cNvPr id="5" name="Date Placeholder 4">
+            <a:extLst>
+              <a:ext uri="{FF2B5EF4-FFF2-40B4-BE49-F238E27FC236}">
+                <a16:creationId xmlns:a16="http://schemas.microsoft.com/office/drawing/2014/main" id="{976244E2-AA76-2742-B2EC-FEC79276155C}"/>
+              </a:ext>
+            </a:extLst>
+          </p:cNvPr>
+          <p:cNvSpPr>
+            <a:spLocks noGrp="1"/>
+          </p:cNvSpPr>
+          <p:nvPr>
+            <p:ph type="dt" sz="half" idx="10"/>
+          </p:nvPr>
+        </p:nvSpPr>
+        <p:spPr/>
+        <p:txBody>
+          <a:bodyPr/>
+          <a:lstStyle/>
+          <a:p>
+            <a:fld id="{202E1EC2-47B8-044B-A09E-6A63B4D80C87}" type="datetime1">
+              <a:rPr lang="fi-FI" smtClean="0"/>
+              <a:t>18.2.2024</a:t>
+            </a:fld>
+            <a:endParaRPr lang="en-GB"/>
+          </a:p>
+        </p:txBody>
+      </p:sp>
+      <p:sp>
+        <p:nvSpPr>
+          <p:cNvPr id="6" name="Footer Placeholder 5">
+            <a:extLst>
+              <a:ext uri="{FF2B5EF4-FFF2-40B4-BE49-F238E27FC236}">
+                <a16:creationId xmlns:a16="http://schemas.microsoft.com/office/drawing/2014/main" id="{588CE607-4137-8840-8FEA-42EAC857E3A3}"/>
+              </a:ext>
+            </a:extLst>
+          </p:cNvPr>
+          <p:cNvSpPr>
+            <a:spLocks noGrp="1"/>
+          </p:cNvSpPr>
+          <p:nvPr>
+            <p:ph type="ftr" sz="quarter" idx="11"/>
+          </p:nvPr>
+        </p:nvSpPr>
+        <p:spPr/>
+        <p:txBody>
+          <a:bodyPr/>
+          <a:lstStyle/>
+          <a:p>
+            <a:endParaRPr lang="en-GB"/>
+          </a:p>
+        </p:txBody>
+      </p:sp>
+      <p:sp>
+        <p:nvSpPr>
+          <p:cNvPr id="7" name="Slide Number Placeholder 6">
+            <a:extLst>
+              <a:ext uri="{FF2B5EF4-FFF2-40B4-BE49-F238E27FC236}">
+                <a16:creationId xmlns:a16="http://schemas.microsoft.com/office/drawing/2014/main" id="{2E133A96-6C73-0844-B8CB-27C2B5F4CFB1}"/>
+              </a:ext>
+            </a:extLst>
+          </p:cNvPr>
+          <p:cNvSpPr>
+            <a:spLocks noGrp="1"/>
+          </p:cNvSpPr>
+          <p:nvPr>
+            <p:ph type="sldNum" sz="quarter" idx="12"/>
+          </p:nvPr>
+        </p:nvSpPr>
+        <p:spPr/>
+        <p:txBody>
+          <a:bodyPr/>
+          <a:lstStyle/>
+          <a:p>
+            <a:fld id="{76BAB7ED-EDE9-4D4B-9A2D-30E18C47C16E}" type="slidenum">
+              <a:rPr lang="en-GB" smtClean="0"/>
+              <a:t>17</a:t>
+            </a:fld>
+            <a:endParaRPr lang="en-GB"/>
           </a:p>
         </p:txBody>
       </p:sp>
     </p:spTree>
     <p:extLst>
       <p:ext uri="{BB962C8B-B14F-4D97-AF65-F5344CB8AC3E}">
-        <p14:creationId xmlns:p14="http://schemas.microsoft.com/office/powerpoint/2010/main" val="1042671776"/>
+        <p14:creationId xmlns:p14="http://schemas.microsoft.com/office/powerpoint/2010/main" val="3362218849"/>
       </p:ext>
     </p:extLst>
   </p:cSld>
@@ -9265,6 +9232,253 @@
           <p:cNvPr id="8" name="Title 7">
             <a:extLst>
               <a:ext uri="{FF2B5EF4-FFF2-40B4-BE49-F238E27FC236}">
+                <a16:creationId xmlns:a16="http://schemas.microsoft.com/office/drawing/2014/main" id="{197044C3-CD23-D844-B780-26FABA91AD0F}"/>
+              </a:ext>
+            </a:extLst>
+          </p:cNvPr>
+          <p:cNvSpPr>
+            <a:spLocks noGrp="1"/>
+          </p:cNvSpPr>
+          <p:nvPr>
+            <p:ph type="title"/>
+          </p:nvPr>
+        </p:nvSpPr>
+        <p:spPr/>
+        <p:txBody>
+          <a:bodyPr/>
+          <a:lstStyle/>
+          <a:p>
+            <a:r>
+              <a:rPr lang="fi-FI" dirty="0" err="1"/>
+              <a:t>network</a:t>
+            </a:r>
+            <a:endParaRPr lang="fi-FI" dirty="0"/>
+          </a:p>
+        </p:txBody>
+      </p:sp>
+      <p:sp>
+        <p:nvSpPr>
+          <p:cNvPr id="5" name="Date Placeholder 4">
+            <a:extLst>
+              <a:ext uri="{FF2B5EF4-FFF2-40B4-BE49-F238E27FC236}">
+                <a16:creationId xmlns:a16="http://schemas.microsoft.com/office/drawing/2014/main" id="{976244E2-AA76-2742-B2EC-FEC79276155C}"/>
+              </a:ext>
+            </a:extLst>
+          </p:cNvPr>
+          <p:cNvSpPr>
+            <a:spLocks noGrp="1"/>
+          </p:cNvSpPr>
+          <p:nvPr>
+            <p:ph type="dt" sz="half" idx="10"/>
+          </p:nvPr>
+        </p:nvSpPr>
+        <p:spPr/>
+        <p:txBody>
+          <a:bodyPr/>
+          <a:lstStyle/>
+          <a:p>
+            <a:fld id="{202E1EC2-47B8-044B-A09E-6A63B4D80C87}" type="datetime1">
+              <a:rPr lang="fi-FI" smtClean="0"/>
+              <a:t>18.2.2024</a:t>
+            </a:fld>
+            <a:endParaRPr lang="en-GB"/>
+          </a:p>
+        </p:txBody>
+      </p:sp>
+      <p:sp>
+        <p:nvSpPr>
+          <p:cNvPr id="6" name="Footer Placeholder 5">
+            <a:extLst>
+              <a:ext uri="{FF2B5EF4-FFF2-40B4-BE49-F238E27FC236}">
+                <a16:creationId xmlns:a16="http://schemas.microsoft.com/office/drawing/2014/main" id="{588CE607-4137-8840-8FEA-42EAC857E3A3}"/>
+              </a:ext>
+            </a:extLst>
+          </p:cNvPr>
+          <p:cNvSpPr>
+            <a:spLocks noGrp="1"/>
+          </p:cNvSpPr>
+          <p:nvPr>
+            <p:ph type="ftr" sz="quarter" idx="11"/>
+          </p:nvPr>
+        </p:nvSpPr>
+        <p:spPr/>
+        <p:txBody>
+          <a:bodyPr/>
+          <a:lstStyle/>
+          <a:p>
+            <a:endParaRPr lang="en-GB"/>
+          </a:p>
+        </p:txBody>
+      </p:sp>
+      <p:sp>
+        <p:nvSpPr>
+          <p:cNvPr id="7" name="Slide Number Placeholder 6">
+            <a:extLst>
+              <a:ext uri="{FF2B5EF4-FFF2-40B4-BE49-F238E27FC236}">
+                <a16:creationId xmlns:a16="http://schemas.microsoft.com/office/drawing/2014/main" id="{2E133A96-6C73-0844-B8CB-27C2B5F4CFB1}"/>
+              </a:ext>
+            </a:extLst>
+          </p:cNvPr>
+          <p:cNvSpPr>
+            <a:spLocks noGrp="1"/>
+          </p:cNvSpPr>
+          <p:nvPr>
+            <p:ph type="sldNum" sz="quarter" idx="12"/>
+          </p:nvPr>
+        </p:nvSpPr>
+        <p:spPr/>
+        <p:txBody>
+          <a:bodyPr/>
+          <a:lstStyle/>
+          <a:p>
+            <a:fld id="{76BAB7ED-EDE9-4D4B-9A2D-30E18C47C16E}" type="slidenum">
+              <a:rPr lang="en-GB" smtClean="0"/>
+              <a:t>18</a:t>
+            </a:fld>
+            <a:endParaRPr lang="en-GB"/>
+          </a:p>
+        </p:txBody>
+      </p:sp>
+      <p:pic>
+        <p:nvPicPr>
+          <p:cNvPr id="9" name="Content Placeholder 8" descr="A diagram of a network&#10;&#10;Description automatically generated">
+            <a:extLst>
+              <a:ext uri="{FF2B5EF4-FFF2-40B4-BE49-F238E27FC236}">
+                <a16:creationId xmlns:a16="http://schemas.microsoft.com/office/drawing/2014/main" id="{4F3C2D7E-9E75-70A9-50A0-3967F4715B4D}"/>
+              </a:ext>
+            </a:extLst>
+          </p:cNvPr>
+          <p:cNvPicPr>
+            <a:picLocks noGrp="1" noChangeAspect="1"/>
+          </p:cNvPicPr>
+          <p:nvPr>
+            <p:ph sz="half" idx="2"/>
+          </p:nvPr>
+        </p:nvPicPr>
+        <p:blipFill>
+          <a:blip r:embed="rId2"/>
+          <a:stretch>
+            <a:fillRect/>
+          </a:stretch>
+        </p:blipFill>
+        <p:spPr>
+          <a:xfrm>
+            <a:off x="2764145" y="780836"/>
+            <a:ext cx="9347163" cy="4376791"/>
+          </a:xfrm>
+        </p:spPr>
+      </p:pic>
+      <p:sp>
+        <p:nvSpPr>
+          <p:cNvPr id="12" name="TextBox 11">
+            <a:extLst>
+              <a:ext uri="{FF2B5EF4-FFF2-40B4-BE49-F238E27FC236}">
+                <a16:creationId xmlns:a16="http://schemas.microsoft.com/office/drawing/2014/main" id="{F9375A48-11BB-EBB6-6A50-95AB866A6567}"/>
+              </a:ext>
+            </a:extLst>
+          </p:cNvPr>
+          <p:cNvSpPr txBox="1"/>
+          <p:nvPr/>
+        </p:nvSpPr>
+        <p:spPr>
+          <a:xfrm>
+            <a:off x="360851" y="4154306"/>
+            <a:ext cx="3131921" cy="1477328"/>
+          </a:xfrm>
+          <a:prstGeom prst="rect">
+            <a:avLst/>
+          </a:prstGeom>
+          <a:noFill/>
+        </p:spPr>
+        <p:txBody>
+          <a:bodyPr wrap="square">
+            <a:spAutoFit/>
+          </a:bodyPr>
+          <a:lstStyle/>
+          <a:p>
+            <a:r>
+              <a:rPr lang="en-US" sz="1800" dirty="0">
+                <a:effectLst/>
+                <a:latin typeface="Calibri" panose="020F0502020204030204" pitchFamily="34" charset="0"/>
+                <a:ea typeface="Calibri" panose="020F0502020204030204" pitchFamily="34" charset="0"/>
+                <a:cs typeface="Times New Roman" panose="02020603050405020304" pitchFamily="18" charset="0"/>
+              </a:rPr>
+              <a:t>Here two user-defined bridge</a:t>
+            </a:r>
+          </a:p>
+          <a:p>
+            <a:r>
+              <a:rPr lang="en-US" dirty="0">
+                <a:latin typeface="Calibri" panose="020F0502020204030204" pitchFamily="34" charset="0"/>
+                <a:ea typeface="Calibri" panose="020F0502020204030204" pitchFamily="34" charset="0"/>
+                <a:cs typeface="Times New Roman" panose="02020603050405020304" pitchFamily="18" charset="0"/>
+              </a:rPr>
+              <a:t>networks</a:t>
+            </a:r>
+            <a:endParaRPr lang="en-US" sz="1800" dirty="0">
+              <a:effectLst/>
+              <a:latin typeface="Calibri" panose="020F0502020204030204" pitchFamily="34" charset="0"/>
+              <a:ea typeface="Calibri" panose="020F0502020204030204" pitchFamily="34" charset="0"/>
+              <a:cs typeface="Times New Roman" panose="02020603050405020304" pitchFamily="18" charset="0"/>
+            </a:endParaRPr>
+          </a:p>
+          <a:p>
+            <a:endParaRPr lang="en-US" sz="1800" dirty="0">
+              <a:effectLst/>
+              <a:latin typeface="Calibri" panose="020F0502020204030204" pitchFamily="34" charset="0"/>
+              <a:ea typeface="Calibri" panose="020F0502020204030204" pitchFamily="34" charset="0"/>
+              <a:cs typeface="Times New Roman" panose="02020603050405020304" pitchFamily="18" charset="0"/>
+            </a:endParaRPr>
+          </a:p>
+          <a:p>
+            <a:r>
+              <a:rPr lang="en-US" sz="1800" dirty="0">
+                <a:effectLst/>
+                <a:latin typeface="Calibri" panose="020F0502020204030204" pitchFamily="34" charset="0"/>
+                <a:ea typeface="Calibri" panose="020F0502020204030204" pitchFamily="34" charset="0"/>
+                <a:cs typeface="Times New Roman" panose="02020603050405020304" pitchFamily="18" charset="0"/>
+              </a:rPr>
+              <a:t>Source: https://docs.docker.com</a:t>
+            </a:r>
+            <a:endParaRPr lang="fi-FI" dirty="0"/>
+          </a:p>
+        </p:txBody>
+      </p:sp>
+    </p:spTree>
+    <p:extLst>
+      <p:ext uri="{BB962C8B-B14F-4D97-AF65-F5344CB8AC3E}">
+        <p14:creationId xmlns:p14="http://schemas.microsoft.com/office/powerpoint/2010/main" val="1042671776"/>
+      </p:ext>
+    </p:extLst>
+  </p:cSld>
+  <p:clrMapOvr>
+    <a:masterClrMapping/>
+  </p:clrMapOvr>
+</p:sld>
+</file>
+
+<file path=ppt/slides/slide19.xml><?xml version="1.0" encoding="utf-8"?>
+<p:sld xmlns:a="http://schemas.openxmlformats.org/drawingml/2006/main" xmlns:r="http://schemas.openxmlformats.org/officeDocument/2006/relationships" xmlns:p="http://schemas.openxmlformats.org/presentationml/2006/main">
+  <p:cSld>
+    <p:spTree>
+      <p:nvGrpSpPr>
+        <p:cNvPr id="1" name=""/>
+        <p:cNvGrpSpPr/>
+        <p:nvPr/>
+      </p:nvGrpSpPr>
+      <p:grpSpPr>
+        <a:xfrm>
+          <a:off x="0" y="0"/>
+          <a:ext cx="0" cy="0"/>
+          <a:chOff x="0" y="0"/>
+          <a:chExt cx="0" cy="0"/>
+        </a:xfrm>
+      </p:grpSpPr>
+      <p:sp>
+        <p:nvSpPr>
+          <p:cNvPr id="8" name="Title 7">
+            <a:extLst>
+              <a:ext uri="{FF2B5EF4-FFF2-40B4-BE49-F238E27FC236}">
                 <a16:creationId xmlns:a16="http://schemas.microsoft.com/office/drawing/2014/main" id="{49202545-D26B-485C-9E25-62859E92ED89}"/>
               </a:ext>
             </a:extLst>
@@ -9283,7 +9497,23 @@
           <a:p>
             <a:r>
               <a:rPr lang="fi-FI" dirty="0" err="1"/>
-              <a:t>Enjoy</a:t>
+              <a:t>Try</a:t>
+            </a:r>
+            <a:r>
+              <a:rPr lang="fi-FI" dirty="0"/>
+              <a:t> to </a:t>
+            </a:r>
+            <a:r>
+              <a:rPr lang="fi-FI" dirty="0" err="1"/>
+              <a:t>enjoy</a:t>
+            </a:r>
+            <a:r>
+              <a:rPr lang="fi-FI" dirty="0"/>
+              <a:t> </a:t>
+            </a:r>
+            <a:r>
+              <a:rPr lang="fi-FI" dirty="0" err="1"/>
+              <a:t>docker</a:t>
             </a:r>
             <a:r>
               <a:rPr lang="fi-FI" dirty="0"/>
@@ -9399,6 +9629,108 @@
               <a:rPr lang="fi-FI" dirty="0"/>
               <a:t>.</a:t>
             </a:r>
+            <a:br>
+              <a:rPr lang="fi-FI" dirty="0"/>
+            </a:br>
+            <a:br>
+              <a:rPr lang="fi-FI" dirty="0"/>
+            </a:br>
+            <a:r>
+              <a:rPr lang="fi-FI" dirty="0" err="1"/>
+              <a:t>But</a:t>
+            </a:r>
+            <a:r>
+              <a:rPr lang="fi-FI" dirty="0"/>
+              <a:t> it </a:t>
+            </a:r>
+            <a:r>
+              <a:rPr lang="fi-FI" dirty="0" err="1"/>
+              <a:t>certainly</a:t>
+            </a:r>
+            <a:r>
+              <a:rPr lang="fi-FI" dirty="0"/>
+              <a:t> is </a:t>
+            </a:r>
+            <a:r>
+              <a:rPr lang="fi-FI" dirty="0" err="1"/>
+              <a:t>slightly</a:t>
+            </a:r>
+            <a:r>
+              <a:rPr lang="fi-FI" dirty="0"/>
+              <a:t> </a:t>
+            </a:r>
+            <a:r>
+              <a:rPr lang="fi-FI" dirty="0" err="1"/>
+              <a:t>challenging</a:t>
+            </a:r>
+            <a:r>
+              <a:rPr lang="fi-FI" dirty="0"/>
+              <a:t> </a:t>
+            </a:r>
+            <a:r>
+              <a:rPr lang="fi-FI" dirty="0" err="1"/>
+              <a:t>topic</a:t>
+            </a:r>
+            <a:r>
+              <a:rPr lang="fi-FI" dirty="0"/>
+              <a:t> to </a:t>
+            </a:r>
+            <a:r>
+              <a:rPr lang="fi-FI" dirty="0" err="1"/>
+              <a:t>understand</a:t>
+            </a:r>
+            <a:r>
+              <a:rPr lang="fi-FI" dirty="0"/>
+              <a:t>. </a:t>
+            </a:r>
+            <a:r>
+              <a:rPr lang="fi-FI" dirty="0" err="1"/>
+              <a:t>Step</a:t>
+            </a:r>
+            <a:r>
+              <a:rPr lang="fi-FI" dirty="0"/>
+              <a:t> </a:t>
+            </a:r>
+            <a:r>
+              <a:rPr lang="fi-FI" dirty="0" err="1"/>
+              <a:t>by</a:t>
+            </a:r>
+            <a:r>
+              <a:rPr lang="fi-FI" dirty="0"/>
+              <a:t> </a:t>
+            </a:r>
+            <a:r>
+              <a:rPr lang="fi-FI" dirty="0" err="1"/>
+              <a:t>step</a:t>
+            </a:r>
+            <a:r>
+              <a:rPr lang="fi-FI" dirty="0"/>
+              <a:t>, </a:t>
+            </a:r>
+            <a:r>
+              <a:rPr lang="fi-FI" dirty="0" err="1"/>
+              <a:t>concept</a:t>
+            </a:r>
+            <a:r>
+              <a:rPr lang="fi-FI" dirty="0"/>
+              <a:t> </a:t>
+            </a:r>
+            <a:r>
+              <a:rPr lang="fi-FI" dirty="0" err="1"/>
+              <a:t>by</a:t>
+            </a:r>
+            <a:r>
+              <a:rPr lang="fi-FI" dirty="0"/>
+              <a:t> </a:t>
+            </a:r>
+            <a:r>
+              <a:rPr lang="fi-FI" dirty="0" err="1"/>
+              <a:t>concept</a:t>
+            </a:r>
+            <a:r>
+              <a:rPr lang="fi-FI" dirty="0"/>
+              <a:t> …</a:t>
+            </a:r>
             <a:endParaRPr lang="LID4096" dirty="0"/>
           </a:p>
         </p:txBody>
@@ -9480,7 +9812,7 @@
           <a:p>
             <a:fld id="{76BAB7ED-EDE9-4D4B-9A2D-30E18C47C16E}" type="slidenum">
               <a:rPr lang="en-GB" smtClean="0"/>
-              <a:t>18</a:t>
+              <a:t>19</a:t>
             </a:fld>
             <a:endParaRPr lang="en-GB"/>
           </a:p>
@@ -9887,16 +10219,20 @@
           <a:lstStyle/>
           <a:p>
             <a:r>
+              <a:rPr lang="fi-FI" dirty="0"/>
+              <a:t>Using </a:t>
+            </a:r>
+            <a:r>
               <a:rPr lang="fi-FI" dirty="0" err="1"/>
               <a:t>Docker</a:t>
             </a:r>
             <a:r>
               <a:rPr lang="fi-FI" dirty="0"/>
-              <a:t> - </a:t>
+              <a:t> </a:t>
             </a:r>
             <a:r>
               <a:rPr lang="fi-FI" dirty="0" err="1"/>
-              <a:t>basic</a:t>
+              <a:t>containers</a:t>
             </a:r>
             <a:r>
               <a:rPr lang="fi-FI" dirty="0"/>
@@ -9904,8 +10240,993 @@
             </a:r>
             <a:r>
               <a:rPr lang="fi-FI" dirty="0" err="1"/>
-              <a:t>concepts</a:t>
-            </a:r>
+              <a:t>vs</a:t>
+            </a:r>
+            <a:r>
+              <a:rPr lang="fi-FI" dirty="0"/>
+              <a:t> </a:t>
+            </a:r>
+            <a:r>
+              <a:rPr lang="fi-FI" dirty="0" err="1"/>
+              <a:t>using</a:t>
+            </a:r>
+            <a:r>
+              <a:rPr lang="fi-FI" dirty="0"/>
+              <a:t> Virtual Machines</a:t>
+            </a:r>
+          </a:p>
+        </p:txBody>
+      </p:sp>
+      <p:sp>
+        <p:nvSpPr>
+          <p:cNvPr id="9" name="Content Placeholder 8">
+            <a:extLst>
+              <a:ext uri="{FF2B5EF4-FFF2-40B4-BE49-F238E27FC236}">
+                <a16:creationId xmlns:a16="http://schemas.microsoft.com/office/drawing/2014/main" id="{ACDE61D8-A75A-F94B-B57A-46F276C03311}"/>
+              </a:ext>
+            </a:extLst>
+          </p:cNvPr>
+          <p:cNvSpPr>
+            <a:spLocks noGrp="1"/>
+          </p:cNvSpPr>
+          <p:nvPr>
+            <p:ph sz="half" idx="2"/>
+          </p:nvPr>
+        </p:nvSpPr>
+        <p:spPr>
+          <a:xfrm>
+            <a:off x="388521" y="1773238"/>
+            <a:ext cx="11408415" cy="4140200"/>
+          </a:xfrm>
+        </p:spPr>
+        <p:txBody>
+          <a:bodyPr>
+            <a:normAutofit/>
+          </a:bodyPr>
+          <a:lstStyle/>
+          <a:p>
+            <a:pPr>
+              <a:lnSpc>
+                <a:spcPct val="107000"/>
+              </a:lnSpc>
+            </a:pPr>
+            <a:r>
+              <a:rPr lang="fi-FI" sz="2800" dirty="0" err="1">
+                <a:effectLst/>
+                <a:latin typeface="Calibri" panose="020F0502020204030204" pitchFamily="34" charset="0"/>
+                <a:ea typeface="Calibri" panose="020F0502020204030204" pitchFamily="34" charset="0"/>
+                <a:cs typeface="Times New Roman" panose="02020603050405020304" pitchFamily="18" charset="0"/>
+              </a:rPr>
+              <a:t>Shortes</a:t>
+            </a:r>
+            <a:r>
+              <a:rPr lang="fi-FI" sz="2800" dirty="0" err="1">
+                <a:latin typeface="Calibri" panose="020F0502020204030204" pitchFamily="34" charset="0"/>
+                <a:ea typeface="Calibri" panose="020F0502020204030204" pitchFamily="34" charset="0"/>
+                <a:cs typeface="Times New Roman" panose="02020603050405020304" pitchFamily="18" charset="0"/>
+              </a:rPr>
+              <a:t>t</a:t>
+            </a:r>
+            <a:r>
+              <a:rPr lang="fi-FI" sz="2800" dirty="0">
+                <a:latin typeface="Calibri" panose="020F0502020204030204" pitchFamily="34" charset="0"/>
+                <a:ea typeface="Calibri" panose="020F0502020204030204" pitchFamily="34" charset="0"/>
+                <a:cs typeface="Times New Roman" panose="02020603050405020304" pitchFamily="18" charset="0"/>
+              </a:rPr>
+              <a:t> </a:t>
+            </a:r>
+            <a:r>
+              <a:rPr lang="fi-FI" sz="2800" dirty="0" err="1">
+                <a:latin typeface="Calibri" panose="020F0502020204030204" pitchFamily="34" charset="0"/>
+                <a:ea typeface="Calibri" panose="020F0502020204030204" pitchFamily="34" charset="0"/>
+                <a:cs typeface="Times New Roman" panose="02020603050405020304" pitchFamily="18" charset="0"/>
+              </a:rPr>
+              <a:t>way</a:t>
+            </a:r>
+            <a:r>
+              <a:rPr lang="fi-FI" sz="2800" dirty="0">
+                <a:latin typeface="Calibri" panose="020F0502020204030204" pitchFamily="34" charset="0"/>
+                <a:ea typeface="Calibri" panose="020F0502020204030204" pitchFamily="34" charset="0"/>
+                <a:cs typeface="Times New Roman" panose="02020603050405020304" pitchFamily="18" charset="0"/>
+              </a:rPr>
+              <a:t> is </a:t>
+            </a:r>
+            <a:r>
+              <a:rPr lang="fi-FI" sz="2800" dirty="0" err="1">
+                <a:latin typeface="Calibri" panose="020F0502020204030204" pitchFamily="34" charset="0"/>
+                <a:ea typeface="Calibri" panose="020F0502020204030204" pitchFamily="34" charset="0"/>
+                <a:cs typeface="Times New Roman" panose="02020603050405020304" pitchFamily="18" charset="0"/>
+              </a:rPr>
+              <a:t>maybe</a:t>
+            </a:r>
+            <a:r>
+              <a:rPr lang="fi-FI" sz="2800" dirty="0">
+                <a:latin typeface="Calibri" panose="020F0502020204030204" pitchFamily="34" charset="0"/>
+                <a:ea typeface="Calibri" panose="020F0502020204030204" pitchFamily="34" charset="0"/>
+                <a:cs typeface="Times New Roman" panose="02020603050405020304" pitchFamily="18" charset="0"/>
+              </a:rPr>
+              <a:t> to </a:t>
+            </a:r>
+            <a:r>
+              <a:rPr lang="fi-FI" sz="2800" dirty="0" err="1">
+                <a:latin typeface="Calibri" panose="020F0502020204030204" pitchFamily="34" charset="0"/>
+                <a:ea typeface="Calibri" panose="020F0502020204030204" pitchFamily="34" charset="0"/>
+                <a:cs typeface="Times New Roman" panose="02020603050405020304" pitchFamily="18" charset="0"/>
+              </a:rPr>
+              <a:t>say</a:t>
+            </a:r>
+            <a:r>
+              <a:rPr lang="fi-FI" sz="2800" dirty="0">
+                <a:latin typeface="Calibri" panose="020F0502020204030204" pitchFamily="34" charset="0"/>
+                <a:ea typeface="Calibri" panose="020F0502020204030204" pitchFamily="34" charset="0"/>
+                <a:cs typeface="Times New Roman" panose="02020603050405020304" pitchFamily="18" charset="0"/>
+              </a:rPr>
+              <a:t> </a:t>
+            </a:r>
+            <a:r>
+              <a:rPr lang="fi-FI" sz="2800" dirty="0" err="1">
+                <a:latin typeface="Calibri" panose="020F0502020204030204" pitchFamily="34" charset="0"/>
+                <a:ea typeface="Calibri" panose="020F0502020204030204" pitchFamily="34" charset="0"/>
+                <a:cs typeface="Times New Roman" panose="02020603050405020304" pitchFamily="18" charset="0"/>
+              </a:rPr>
+              <a:t>that</a:t>
+            </a:r>
+            <a:r>
+              <a:rPr lang="fi-FI" sz="2800" dirty="0">
+                <a:latin typeface="Calibri" panose="020F0502020204030204" pitchFamily="34" charset="0"/>
+                <a:ea typeface="Calibri" panose="020F0502020204030204" pitchFamily="34" charset="0"/>
+                <a:cs typeface="Times New Roman" panose="02020603050405020304" pitchFamily="18" charset="0"/>
+              </a:rPr>
+              <a:t> </a:t>
+            </a:r>
+            <a:r>
+              <a:rPr lang="fi-FI" sz="2800" dirty="0" err="1">
+                <a:latin typeface="Calibri" panose="020F0502020204030204" pitchFamily="34" charset="0"/>
+                <a:ea typeface="Calibri" panose="020F0502020204030204" pitchFamily="34" charset="0"/>
+                <a:cs typeface="Times New Roman" panose="02020603050405020304" pitchFamily="18" charset="0"/>
+              </a:rPr>
+              <a:t>docker</a:t>
+            </a:r>
+            <a:r>
+              <a:rPr lang="fi-FI" sz="2800" dirty="0">
+                <a:latin typeface="Calibri" panose="020F0502020204030204" pitchFamily="34" charset="0"/>
+                <a:ea typeface="Calibri" panose="020F0502020204030204" pitchFamily="34" charset="0"/>
+                <a:cs typeface="Times New Roman" panose="02020603050405020304" pitchFamily="18" charset="0"/>
+              </a:rPr>
+              <a:t> </a:t>
+            </a:r>
+            <a:r>
+              <a:rPr lang="fi-FI" sz="2800" dirty="0" err="1">
+                <a:latin typeface="Calibri" panose="020F0502020204030204" pitchFamily="34" charset="0"/>
+                <a:ea typeface="Calibri" panose="020F0502020204030204" pitchFamily="34" charset="0"/>
+                <a:cs typeface="Times New Roman" panose="02020603050405020304" pitchFamily="18" charset="0"/>
+              </a:rPr>
+              <a:t>containers</a:t>
+            </a:r>
+            <a:r>
+              <a:rPr lang="fi-FI" sz="2800" dirty="0">
+                <a:latin typeface="Calibri" panose="020F0502020204030204" pitchFamily="34" charset="0"/>
+                <a:ea typeface="Calibri" panose="020F0502020204030204" pitchFamily="34" charset="0"/>
+                <a:cs typeface="Times New Roman" panose="02020603050405020304" pitchFamily="18" charset="0"/>
+              </a:rPr>
+              <a:t> </a:t>
+            </a:r>
+            <a:r>
+              <a:rPr lang="fi-FI" sz="2800" dirty="0" err="1">
+                <a:latin typeface="Calibri" panose="020F0502020204030204" pitchFamily="34" charset="0"/>
+                <a:ea typeface="Calibri" panose="020F0502020204030204" pitchFamily="34" charset="0"/>
+                <a:cs typeface="Times New Roman" panose="02020603050405020304" pitchFamily="18" charset="0"/>
+              </a:rPr>
+              <a:t>run</a:t>
+            </a:r>
+            <a:r>
+              <a:rPr lang="fi-FI" sz="2800" dirty="0">
+                <a:latin typeface="Calibri" panose="020F0502020204030204" pitchFamily="34" charset="0"/>
+                <a:ea typeface="Calibri" panose="020F0502020204030204" pitchFamily="34" charset="0"/>
+                <a:cs typeface="Times New Roman" panose="02020603050405020304" pitchFamily="18" charset="0"/>
+              </a:rPr>
+              <a:t> a bit </a:t>
+            </a:r>
+            <a:r>
+              <a:rPr lang="fi-FI" sz="2800" dirty="0" err="1">
+                <a:latin typeface="Calibri" panose="020F0502020204030204" pitchFamily="34" charset="0"/>
+                <a:ea typeface="Calibri" panose="020F0502020204030204" pitchFamily="34" charset="0"/>
+                <a:cs typeface="Times New Roman" panose="02020603050405020304" pitchFamily="18" charset="0"/>
+              </a:rPr>
+              <a:t>like</a:t>
+            </a:r>
+            <a:r>
+              <a:rPr lang="fi-FI" sz="2800" dirty="0">
+                <a:latin typeface="Calibri" panose="020F0502020204030204" pitchFamily="34" charset="0"/>
+                <a:ea typeface="Calibri" panose="020F0502020204030204" pitchFamily="34" charset="0"/>
+                <a:cs typeface="Times New Roman" panose="02020603050405020304" pitchFamily="18" charset="0"/>
+              </a:rPr>
+              <a:t> just </a:t>
+            </a:r>
+            <a:r>
+              <a:rPr lang="fi-FI" sz="2800" dirty="0" err="1">
+                <a:latin typeface="Calibri" panose="020F0502020204030204" pitchFamily="34" charset="0"/>
+                <a:ea typeface="Calibri" panose="020F0502020204030204" pitchFamily="34" charset="0"/>
+                <a:cs typeface="Times New Roman" panose="02020603050405020304" pitchFamily="18" charset="0"/>
+              </a:rPr>
+              <a:t>apps</a:t>
+            </a:r>
+            <a:r>
+              <a:rPr lang="fi-FI" sz="2800" dirty="0">
+                <a:latin typeface="Calibri" panose="020F0502020204030204" pitchFamily="34" charset="0"/>
+                <a:ea typeface="Calibri" panose="020F0502020204030204" pitchFamily="34" charset="0"/>
+                <a:cs typeface="Times New Roman" panose="02020603050405020304" pitchFamily="18" charset="0"/>
+              </a:rPr>
+              <a:t> in a </a:t>
+            </a:r>
+            <a:r>
+              <a:rPr lang="fi-FI" sz="2800" dirty="0" err="1">
+                <a:latin typeface="Calibri" panose="020F0502020204030204" pitchFamily="34" charset="0"/>
+                <a:ea typeface="Calibri" panose="020F0502020204030204" pitchFamily="34" charset="0"/>
+                <a:cs typeface="Times New Roman" panose="02020603050405020304" pitchFamily="18" charset="0"/>
+              </a:rPr>
+              <a:t>computer</a:t>
+            </a:r>
+            <a:r>
+              <a:rPr lang="fi-FI" sz="2800" dirty="0">
+                <a:latin typeface="Calibri" panose="020F0502020204030204" pitchFamily="34" charset="0"/>
+                <a:ea typeface="Calibri" panose="020F0502020204030204" pitchFamily="34" charset="0"/>
+                <a:cs typeface="Times New Roman" panose="02020603050405020304" pitchFamily="18" charset="0"/>
+              </a:rPr>
+              <a:t> </a:t>
+            </a:r>
+            <a:r>
+              <a:rPr lang="fi-FI" sz="2800" dirty="0" err="1">
+                <a:latin typeface="Calibri" panose="020F0502020204030204" pitchFamily="34" charset="0"/>
+                <a:ea typeface="Calibri" panose="020F0502020204030204" pitchFamily="34" charset="0"/>
+                <a:cs typeface="Times New Roman" panose="02020603050405020304" pitchFamily="18" charset="0"/>
+              </a:rPr>
+              <a:t>where</a:t>
+            </a:r>
+            <a:r>
+              <a:rPr lang="fi-FI" sz="2800" dirty="0">
+                <a:latin typeface="Calibri" panose="020F0502020204030204" pitchFamily="34" charset="0"/>
+                <a:ea typeface="Calibri" panose="020F0502020204030204" pitchFamily="34" charset="0"/>
+                <a:cs typeface="Times New Roman" panose="02020603050405020304" pitchFamily="18" charset="0"/>
+              </a:rPr>
+              <a:t> </a:t>
+            </a:r>
+            <a:r>
+              <a:rPr lang="fi-FI" sz="2800" dirty="0" err="1">
+                <a:latin typeface="Calibri" panose="020F0502020204030204" pitchFamily="34" charset="0"/>
+                <a:ea typeface="Calibri" panose="020F0502020204030204" pitchFamily="34" charset="0"/>
+                <a:cs typeface="Times New Roman" panose="02020603050405020304" pitchFamily="18" charset="0"/>
+              </a:rPr>
+              <a:t>there</a:t>
+            </a:r>
+            <a:r>
+              <a:rPr lang="fi-FI" sz="2800" dirty="0">
+                <a:latin typeface="Calibri" panose="020F0502020204030204" pitchFamily="34" charset="0"/>
+                <a:ea typeface="Calibri" panose="020F0502020204030204" pitchFamily="34" charset="0"/>
+                <a:cs typeface="Times New Roman" panose="02020603050405020304" pitchFamily="18" charset="0"/>
+              </a:rPr>
+              <a:t> is </a:t>
+            </a:r>
+            <a:r>
+              <a:rPr lang="fi-FI" sz="2800" dirty="0" err="1">
+                <a:latin typeface="Calibri" panose="020F0502020204030204" pitchFamily="34" charset="0"/>
+                <a:ea typeface="Calibri" panose="020F0502020204030204" pitchFamily="34" charset="0"/>
+                <a:cs typeface="Times New Roman" panose="02020603050405020304" pitchFamily="18" charset="0"/>
+              </a:rPr>
+              <a:t>only</a:t>
+            </a:r>
+            <a:r>
+              <a:rPr lang="fi-FI" sz="2800" dirty="0">
+                <a:latin typeface="Calibri" panose="020F0502020204030204" pitchFamily="34" charset="0"/>
+                <a:ea typeface="Calibri" panose="020F0502020204030204" pitchFamily="34" charset="0"/>
+                <a:cs typeface="Times New Roman" panose="02020603050405020304" pitchFamily="18" charset="0"/>
+              </a:rPr>
+              <a:t> </a:t>
+            </a:r>
+            <a:r>
+              <a:rPr lang="fi-FI" sz="2800" dirty="0" err="1">
+                <a:latin typeface="Calibri" panose="020F0502020204030204" pitchFamily="34" charset="0"/>
+                <a:ea typeface="Calibri" panose="020F0502020204030204" pitchFamily="34" charset="0"/>
+                <a:cs typeface="Times New Roman" panose="02020603050405020304" pitchFamily="18" charset="0"/>
+              </a:rPr>
+              <a:t>one</a:t>
+            </a:r>
+            <a:r>
+              <a:rPr lang="fi-FI" sz="2800" dirty="0">
+                <a:latin typeface="Calibri" panose="020F0502020204030204" pitchFamily="34" charset="0"/>
+                <a:ea typeface="Calibri" panose="020F0502020204030204" pitchFamily="34" charset="0"/>
+                <a:cs typeface="Times New Roman" panose="02020603050405020304" pitchFamily="18" charset="0"/>
+              </a:rPr>
+              <a:t> </a:t>
+            </a:r>
+            <a:r>
+              <a:rPr lang="fi-FI" sz="2800" dirty="0" err="1">
+                <a:latin typeface="Calibri" panose="020F0502020204030204" pitchFamily="34" charset="0"/>
+                <a:ea typeface="Calibri" panose="020F0502020204030204" pitchFamily="34" charset="0"/>
+                <a:cs typeface="Times New Roman" panose="02020603050405020304" pitchFamily="18" charset="0"/>
+              </a:rPr>
+              <a:t>real</a:t>
+            </a:r>
+            <a:r>
+              <a:rPr lang="fi-FI" sz="2800" dirty="0">
+                <a:latin typeface="Calibri" panose="020F0502020204030204" pitchFamily="34" charset="0"/>
+                <a:ea typeface="Calibri" panose="020F0502020204030204" pitchFamily="34" charset="0"/>
+                <a:cs typeface="Times New Roman" panose="02020603050405020304" pitchFamily="18" charset="0"/>
+              </a:rPr>
+              <a:t> operating </a:t>
+            </a:r>
+            <a:r>
+              <a:rPr lang="fi-FI" sz="2800" dirty="0" err="1">
+                <a:latin typeface="Calibri" panose="020F0502020204030204" pitchFamily="34" charset="0"/>
+                <a:ea typeface="Calibri" panose="020F0502020204030204" pitchFamily="34" charset="0"/>
+                <a:cs typeface="Times New Roman" panose="02020603050405020304" pitchFamily="18" charset="0"/>
+              </a:rPr>
+              <a:t>system</a:t>
+            </a:r>
+            <a:r>
+              <a:rPr lang="fi-FI" sz="2800" dirty="0">
+                <a:latin typeface="Calibri" panose="020F0502020204030204" pitchFamily="34" charset="0"/>
+                <a:ea typeface="Calibri" panose="020F0502020204030204" pitchFamily="34" charset="0"/>
+                <a:cs typeface="Times New Roman" panose="02020603050405020304" pitchFamily="18" charset="0"/>
+              </a:rPr>
+              <a:t> </a:t>
+            </a:r>
+            <a:r>
+              <a:rPr lang="fi-FI" sz="2800" dirty="0" err="1">
+                <a:latin typeface="Calibri" panose="020F0502020204030204" pitchFamily="34" charset="0"/>
+                <a:ea typeface="Calibri" panose="020F0502020204030204" pitchFamily="34" charset="0"/>
+                <a:cs typeface="Times New Roman" panose="02020603050405020304" pitchFamily="18" charset="0"/>
+              </a:rPr>
+              <a:t>running</a:t>
+            </a:r>
+            <a:r>
+              <a:rPr lang="fi-FI" sz="2800" dirty="0">
+                <a:latin typeface="Calibri" panose="020F0502020204030204" pitchFamily="34" charset="0"/>
+                <a:ea typeface="Calibri" panose="020F0502020204030204" pitchFamily="34" charset="0"/>
+                <a:cs typeface="Times New Roman" panose="02020603050405020304" pitchFamily="18" charset="0"/>
+              </a:rPr>
+              <a:t>.</a:t>
+            </a:r>
+          </a:p>
+          <a:p>
+            <a:pPr>
+              <a:lnSpc>
+                <a:spcPct val="107000"/>
+              </a:lnSpc>
+            </a:pPr>
+            <a:r>
+              <a:rPr lang="fi-FI" sz="2800" dirty="0">
+                <a:latin typeface="Calibri" panose="020F0502020204030204" pitchFamily="34" charset="0"/>
+                <a:ea typeface="Calibri" panose="020F0502020204030204" pitchFamily="34" charset="0"/>
+                <a:cs typeface="Times New Roman" panose="02020603050405020304" pitchFamily="18" charset="0"/>
+              </a:rPr>
+              <a:t>In </a:t>
+            </a:r>
+            <a:r>
+              <a:rPr lang="fi-FI" sz="2800" dirty="0" err="1">
+                <a:latin typeface="Calibri" panose="020F0502020204030204" pitchFamily="34" charset="0"/>
+                <a:ea typeface="Calibri" panose="020F0502020204030204" pitchFamily="34" charset="0"/>
+                <a:cs typeface="Times New Roman" panose="02020603050405020304" pitchFamily="18" charset="0"/>
+              </a:rPr>
+              <a:t>that</a:t>
+            </a:r>
+            <a:r>
+              <a:rPr lang="fi-FI" sz="2800" dirty="0">
+                <a:latin typeface="Calibri" panose="020F0502020204030204" pitchFamily="34" charset="0"/>
+                <a:ea typeface="Calibri" panose="020F0502020204030204" pitchFamily="34" charset="0"/>
+                <a:cs typeface="Times New Roman" panose="02020603050405020304" pitchFamily="18" charset="0"/>
+              </a:rPr>
+              <a:t> operating </a:t>
+            </a:r>
+            <a:r>
+              <a:rPr lang="fi-FI" sz="2800" dirty="0" err="1">
+                <a:latin typeface="Calibri" panose="020F0502020204030204" pitchFamily="34" charset="0"/>
+                <a:ea typeface="Calibri" panose="020F0502020204030204" pitchFamily="34" charset="0"/>
+                <a:cs typeface="Times New Roman" panose="02020603050405020304" pitchFamily="18" charset="0"/>
+              </a:rPr>
+              <a:t>system</a:t>
+            </a:r>
+            <a:r>
+              <a:rPr lang="fi-FI" sz="2800" dirty="0">
+                <a:latin typeface="Calibri" panose="020F0502020204030204" pitchFamily="34" charset="0"/>
+                <a:ea typeface="Calibri" panose="020F0502020204030204" pitchFamily="34" charset="0"/>
+                <a:cs typeface="Times New Roman" panose="02020603050405020304" pitchFamily="18" charset="0"/>
+              </a:rPr>
+              <a:t>, </a:t>
+            </a:r>
+            <a:r>
+              <a:rPr lang="fi-FI" sz="2800" dirty="0" err="1">
+                <a:latin typeface="Calibri" panose="020F0502020204030204" pitchFamily="34" charset="0"/>
+                <a:ea typeface="Calibri" panose="020F0502020204030204" pitchFamily="34" charset="0"/>
+                <a:cs typeface="Times New Roman" panose="02020603050405020304" pitchFamily="18" charset="0"/>
+              </a:rPr>
+              <a:t>there</a:t>
+            </a:r>
+            <a:r>
+              <a:rPr lang="fi-FI" sz="2800" dirty="0">
+                <a:latin typeface="Calibri" panose="020F0502020204030204" pitchFamily="34" charset="0"/>
+                <a:ea typeface="Calibri" panose="020F0502020204030204" pitchFamily="34" charset="0"/>
+                <a:cs typeface="Times New Roman" panose="02020603050405020304" pitchFamily="18" charset="0"/>
+              </a:rPr>
+              <a:t> is an </a:t>
+            </a:r>
+            <a:r>
+              <a:rPr lang="fi-FI" sz="2800" dirty="0" err="1">
+                <a:latin typeface="Calibri" panose="020F0502020204030204" pitchFamily="34" charset="0"/>
+                <a:ea typeface="Calibri" panose="020F0502020204030204" pitchFamily="34" charset="0"/>
+                <a:cs typeface="Times New Roman" panose="02020603050405020304" pitchFamily="18" charset="0"/>
+              </a:rPr>
+              <a:t>docker</a:t>
+            </a:r>
+            <a:r>
+              <a:rPr lang="fi-FI" sz="2800" dirty="0">
+                <a:latin typeface="Calibri" panose="020F0502020204030204" pitchFamily="34" charset="0"/>
+                <a:ea typeface="Calibri" panose="020F0502020204030204" pitchFamily="34" charset="0"/>
+                <a:cs typeface="Times New Roman" panose="02020603050405020304" pitchFamily="18" charset="0"/>
+              </a:rPr>
+              <a:t> </a:t>
+            </a:r>
+            <a:r>
+              <a:rPr lang="fi-FI" sz="2800" dirty="0" err="1">
+                <a:latin typeface="Calibri" panose="020F0502020204030204" pitchFamily="34" charset="0"/>
+                <a:ea typeface="Calibri" panose="020F0502020204030204" pitchFamily="34" charset="0"/>
+                <a:cs typeface="Times New Roman" panose="02020603050405020304" pitchFamily="18" charset="0"/>
+              </a:rPr>
+              <a:t>engine</a:t>
+            </a:r>
+            <a:r>
+              <a:rPr lang="fi-FI" sz="2800" dirty="0">
+                <a:latin typeface="Calibri" panose="020F0502020204030204" pitchFamily="34" charset="0"/>
+                <a:ea typeface="Calibri" panose="020F0502020204030204" pitchFamily="34" charset="0"/>
+                <a:cs typeface="Times New Roman" panose="02020603050405020304" pitchFamily="18" charset="0"/>
+              </a:rPr>
+              <a:t> </a:t>
+            </a:r>
+            <a:r>
+              <a:rPr lang="fi-FI" sz="2800" dirty="0" err="1">
+                <a:latin typeface="Calibri" panose="020F0502020204030204" pitchFamily="34" charset="0"/>
+                <a:ea typeface="Calibri" panose="020F0502020204030204" pitchFamily="34" charset="0"/>
+                <a:cs typeface="Times New Roman" panose="02020603050405020304" pitchFamily="18" charset="0"/>
+              </a:rPr>
+              <a:t>server</a:t>
+            </a:r>
+            <a:r>
+              <a:rPr lang="fi-FI" sz="2800" dirty="0">
+                <a:latin typeface="Calibri" panose="020F0502020204030204" pitchFamily="34" charset="0"/>
+                <a:ea typeface="Calibri" panose="020F0502020204030204" pitchFamily="34" charset="0"/>
+                <a:cs typeface="Times New Roman" panose="02020603050405020304" pitchFamily="18" charset="0"/>
+              </a:rPr>
+              <a:t>, </a:t>
+            </a:r>
+            <a:r>
+              <a:rPr lang="fi-FI" sz="2800" dirty="0" err="1">
+                <a:latin typeface="Calibri" panose="020F0502020204030204" pitchFamily="34" charset="0"/>
+                <a:ea typeface="Calibri" panose="020F0502020204030204" pitchFamily="34" charset="0"/>
+                <a:cs typeface="Times New Roman" panose="02020603050405020304" pitchFamily="18" charset="0"/>
+              </a:rPr>
+              <a:t>that</a:t>
+            </a:r>
+            <a:r>
+              <a:rPr lang="fi-FI" sz="2800" dirty="0">
+                <a:latin typeface="Calibri" panose="020F0502020204030204" pitchFamily="34" charset="0"/>
+                <a:ea typeface="Calibri" panose="020F0502020204030204" pitchFamily="34" charset="0"/>
+                <a:cs typeface="Times New Roman" panose="02020603050405020304" pitchFamily="18" charset="0"/>
+              </a:rPr>
+              <a:t> </a:t>
+            </a:r>
+            <a:r>
+              <a:rPr lang="fi-FI" sz="2800" dirty="0" err="1">
+                <a:latin typeface="Calibri" panose="020F0502020204030204" pitchFamily="34" charset="0"/>
+                <a:ea typeface="Calibri" panose="020F0502020204030204" pitchFamily="34" charset="0"/>
+                <a:cs typeface="Times New Roman" panose="02020603050405020304" pitchFamily="18" charset="0"/>
+              </a:rPr>
+              <a:t>runs</a:t>
+            </a:r>
+            <a:r>
+              <a:rPr lang="fi-FI" sz="2800" dirty="0">
+                <a:latin typeface="Calibri" panose="020F0502020204030204" pitchFamily="34" charset="0"/>
+                <a:ea typeface="Calibri" panose="020F0502020204030204" pitchFamily="34" charset="0"/>
+                <a:cs typeface="Times New Roman" panose="02020603050405020304" pitchFamily="18" charset="0"/>
+              </a:rPr>
+              <a:t> </a:t>
+            </a:r>
+            <a:r>
+              <a:rPr lang="fi-FI" sz="2800" dirty="0" err="1">
+                <a:latin typeface="Calibri" panose="020F0502020204030204" pitchFamily="34" charset="0"/>
+                <a:ea typeface="Calibri" panose="020F0502020204030204" pitchFamily="34" charset="0"/>
+                <a:cs typeface="Times New Roman" panose="02020603050405020304" pitchFamily="18" charset="0"/>
+              </a:rPr>
+              <a:t>the</a:t>
+            </a:r>
+            <a:r>
+              <a:rPr lang="fi-FI" sz="2800" dirty="0">
+                <a:latin typeface="Calibri" panose="020F0502020204030204" pitchFamily="34" charset="0"/>
+                <a:ea typeface="Calibri" panose="020F0502020204030204" pitchFamily="34" charset="0"/>
+                <a:cs typeface="Times New Roman" panose="02020603050405020304" pitchFamily="18" charset="0"/>
+              </a:rPr>
+              <a:t> </a:t>
+            </a:r>
+            <a:r>
+              <a:rPr lang="fi-FI" sz="2800" dirty="0" err="1">
+                <a:latin typeface="Calibri" panose="020F0502020204030204" pitchFamily="34" charset="0"/>
+                <a:ea typeface="Calibri" panose="020F0502020204030204" pitchFamily="34" charset="0"/>
+                <a:cs typeface="Times New Roman" panose="02020603050405020304" pitchFamily="18" charset="0"/>
+              </a:rPr>
+              <a:t>docker</a:t>
+            </a:r>
+            <a:r>
+              <a:rPr lang="fi-FI" sz="2800" dirty="0">
+                <a:latin typeface="Calibri" panose="020F0502020204030204" pitchFamily="34" charset="0"/>
+                <a:ea typeface="Calibri" panose="020F0502020204030204" pitchFamily="34" charset="0"/>
+                <a:cs typeface="Times New Roman" panose="02020603050405020304" pitchFamily="18" charset="0"/>
+              </a:rPr>
+              <a:t> </a:t>
+            </a:r>
+            <a:r>
+              <a:rPr lang="fi-FI" sz="2800" dirty="0" err="1">
+                <a:latin typeface="Calibri" panose="020F0502020204030204" pitchFamily="34" charset="0"/>
+                <a:ea typeface="Calibri" panose="020F0502020204030204" pitchFamily="34" charset="0"/>
+                <a:cs typeface="Times New Roman" panose="02020603050405020304" pitchFamily="18" charset="0"/>
+              </a:rPr>
+              <a:t>containers</a:t>
+            </a:r>
+            <a:r>
+              <a:rPr lang="fi-FI" sz="2800" dirty="0">
+                <a:latin typeface="Calibri" panose="020F0502020204030204" pitchFamily="34" charset="0"/>
+                <a:ea typeface="Calibri" panose="020F0502020204030204" pitchFamily="34" charset="0"/>
+                <a:cs typeface="Times New Roman" panose="02020603050405020304" pitchFamily="18" charset="0"/>
+              </a:rPr>
+              <a:t> in </a:t>
+            </a:r>
+            <a:r>
+              <a:rPr lang="fi-FI" sz="2800" dirty="0" err="1">
+                <a:latin typeface="Calibri" panose="020F0502020204030204" pitchFamily="34" charset="0"/>
+                <a:ea typeface="Calibri" panose="020F0502020204030204" pitchFamily="34" charset="0"/>
+                <a:cs typeface="Times New Roman" panose="02020603050405020304" pitchFamily="18" charset="0"/>
+              </a:rPr>
+              <a:t>isolation</a:t>
+            </a:r>
+            <a:r>
+              <a:rPr lang="fi-FI" sz="2800" dirty="0">
+                <a:latin typeface="Calibri" panose="020F0502020204030204" pitchFamily="34" charset="0"/>
+                <a:ea typeface="Calibri" panose="020F0502020204030204" pitchFamily="34" charset="0"/>
+                <a:cs typeface="Times New Roman" panose="02020603050405020304" pitchFamily="18" charset="0"/>
+              </a:rPr>
+              <a:t>, </a:t>
+            </a:r>
+            <a:r>
+              <a:rPr lang="fi-FI" sz="2800" dirty="0" err="1">
+                <a:latin typeface="Calibri" panose="020F0502020204030204" pitchFamily="34" charset="0"/>
+                <a:ea typeface="Calibri" panose="020F0502020204030204" pitchFamily="34" charset="0"/>
+                <a:cs typeface="Times New Roman" panose="02020603050405020304" pitchFamily="18" charset="0"/>
+              </a:rPr>
+              <a:t>managing</a:t>
+            </a:r>
+            <a:r>
+              <a:rPr lang="fi-FI" sz="2800" dirty="0">
+                <a:latin typeface="Calibri" panose="020F0502020204030204" pitchFamily="34" charset="0"/>
+                <a:ea typeface="Calibri" panose="020F0502020204030204" pitchFamily="34" charset="0"/>
+                <a:cs typeface="Times New Roman" panose="02020603050405020304" pitchFamily="18" charset="0"/>
+              </a:rPr>
+              <a:t> </a:t>
+            </a:r>
+            <a:r>
+              <a:rPr lang="fi-FI" sz="2800" dirty="0" err="1">
+                <a:latin typeface="Calibri" panose="020F0502020204030204" pitchFamily="34" charset="0"/>
+                <a:ea typeface="Calibri" panose="020F0502020204030204" pitchFamily="34" charset="0"/>
+                <a:cs typeface="Times New Roman" panose="02020603050405020304" pitchFamily="18" charset="0"/>
+              </a:rPr>
+              <a:t>what</a:t>
+            </a:r>
+            <a:r>
+              <a:rPr lang="fi-FI" sz="2800" dirty="0">
+                <a:latin typeface="Calibri" panose="020F0502020204030204" pitchFamily="34" charset="0"/>
+                <a:ea typeface="Calibri" panose="020F0502020204030204" pitchFamily="34" charset="0"/>
+                <a:cs typeface="Times New Roman" panose="02020603050405020304" pitchFamily="18" charset="0"/>
+              </a:rPr>
+              <a:t> </a:t>
+            </a:r>
+            <a:r>
+              <a:rPr lang="fi-FI" sz="2800" dirty="0" err="1">
+                <a:latin typeface="Calibri" panose="020F0502020204030204" pitchFamily="34" charset="0"/>
+                <a:ea typeface="Calibri" panose="020F0502020204030204" pitchFamily="34" charset="0"/>
+                <a:cs typeface="Times New Roman" panose="02020603050405020304" pitchFamily="18" charset="0"/>
+              </a:rPr>
+              <a:t>services</a:t>
+            </a:r>
+            <a:r>
+              <a:rPr lang="fi-FI" sz="2800" dirty="0">
+                <a:latin typeface="Calibri" panose="020F0502020204030204" pitchFamily="34" charset="0"/>
+                <a:ea typeface="Calibri" panose="020F0502020204030204" pitchFamily="34" charset="0"/>
+                <a:cs typeface="Times New Roman" panose="02020603050405020304" pitchFamily="18" charset="0"/>
+              </a:rPr>
+              <a:t> to </a:t>
+            </a:r>
+            <a:r>
+              <a:rPr lang="fi-FI" sz="2800" dirty="0" err="1">
+                <a:latin typeface="Calibri" panose="020F0502020204030204" pitchFamily="34" charset="0"/>
+                <a:ea typeface="Calibri" panose="020F0502020204030204" pitchFamily="34" charset="0"/>
+                <a:cs typeface="Times New Roman" panose="02020603050405020304" pitchFamily="18" charset="0"/>
+              </a:rPr>
+              <a:t>give</a:t>
+            </a:r>
+            <a:r>
+              <a:rPr lang="fi-FI" sz="2800" dirty="0">
+                <a:latin typeface="Calibri" panose="020F0502020204030204" pitchFamily="34" charset="0"/>
+                <a:ea typeface="Calibri" panose="020F0502020204030204" pitchFamily="34" charset="0"/>
+                <a:cs typeface="Times New Roman" panose="02020603050405020304" pitchFamily="18" charset="0"/>
+              </a:rPr>
+              <a:t> </a:t>
+            </a:r>
+            <a:r>
+              <a:rPr lang="fi-FI" sz="2800" dirty="0" err="1">
+                <a:latin typeface="Calibri" panose="020F0502020204030204" pitchFamily="34" charset="0"/>
+                <a:ea typeface="Calibri" panose="020F0502020204030204" pitchFamily="34" charset="0"/>
+                <a:cs typeface="Times New Roman" panose="02020603050405020304" pitchFamily="18" charset="0"/>
+              </a:rPr>
+              <a:t>each</a:t>
+            </a:r>
+            <a:r>
+              <a:rPr lang="fi-FI" sz="2800" dirty="0">
+                <a:latin typeface="Calibri" panose="020F0502020204030204" pitchFamily="34" charset="0"/>
+                <a:ea typeface="Calibri" panose="020F0502020204030204" pitchFamily="34" charset="0"/>
+                <a:cs typeface="Times New Roman" panose="02020603050405020304" pitchFamily="18" charset="0"/>
+              </a:rPr>
+              <a:t> </a:t>
+            </a:r>
+            <a:r>
+              <a:rPr lang="fi-FI" sz="2800" dirty="0" err="1">
+                <a:latin typeface="Calibri" panose="020F0502020204030204" pitchFamily="34" charset="0"/>
+                <a:ea typeface="Calibri" panose="020F0502020204030204" pitchFamily="34" charset="0"/>
+                <a:cs typeface="Times New Roman" panose="02020603050405020304" pitchFamily="18" charset="0"/>
+              </a:rPr>
+              <a:t>container</a:t>
+            </a:r>
+            <a:r>
+              <a:rPr lang="fi-FI" sz="2800" dirty="0">
+                <a:latin typeface="Calibri" panose="020F0502020204030204" pitchFamily="34" charset="0"/>
+                <a:ea typeface="Calibri" panose="020F0502020204030204" pitchFamily="34" charset="0"/>
+                <a:cs typeface="Times New Roman" panose="02020603050405020304" pitchFamily="18" charset="0"/>
+              </a:rPr>
+              <a:t>. </a:t>
+            </a:r>
+          </a:p>
+          <a:p>
+            <a:pPr>
+              <a:lnSpc>
+                <a:spcPct val="107000"/>
+              </a:lnSpc>
+            </a:pPr>
+            <a:endParaRPr lang="fi-FI" sz="2800" dirty="0">
+              <a:effectLst/>
+              <a:latin typeface="Calibri" panose="020F0502020204030204" pitchFamily="34" charset="0"/>
+              <a:ea typeface="Calibri" panose="020F0502020204030204" pitchFamily="34" charset="0"/>
+              <a:cs typeface="Times New Roman" panose="02020603050405020304" pitchFamily="18" charset="0"/>
+            </a:endParaRPr>
+          </a:p>
+          <a:p>
+            <a:pPr>
+              <a:lnSpc>
+                <a:spcPct val="107000"/>
+              </a:lnSpc>
+            </a:pPr>
+            <a:endParaRPr lang="fi-FI" sz="2800" dirty="0">
+              <a:effectLst/>
+              <a:latin typeface="Calibri" panose="020F0502020204030204" pitchFamily="34" charset="0"/>
+              <a:ea typeface="Calibri" panose="020F0502020204030204" pitchFamily="34" charset="0"/>
+              <a:cs typeface="Times New Roman" panose="02020603050405020304" pitchFamily="18" charset="0"/>
+            </a:endParaRPr>
+          </a:p>
+          <a:p>
+            <a:pPr>
+              <a:lnSpc>
+                <a:spcPct val="107000"/>
+              </a:lnSpc>
+            </a:pPr>
+            <a:r>
+              <a:rPr lang="fi-FI" sz="2800" dirty="0">
+                <a:latin typeface="Calibri" panose="020F0502020204030204" pitchFamily="34" charset="0"/>
+                <a:ea typeface="Calibri" panose="020F0502020204030204" pitchFamily="34" charset="0"/>
+                <a:cs typeface="Times New Roman" panose="02020603050405020304" pitchFamily="18" charset="0"/>
+              </a:rPr>
+              <a:t>On </a:t>
+            </a:r>
+            <a:r>
+              <a:rPr lang="fi-FI" sz="2800" dirty="0" err="1">
+                <a:latin typeface="Calibri" panose="020F0502020204030204" pitchFamily="34" charset="0"/>
+                <a:ea typeface="Calibri" panose="020F0502020204030204" pitchFamily="34" charset="0"/>
+                <a:cs typeface="Times New Roman" panose="02020603050405020304" pitchFamily="18" charset="0"/>
+              </a:rPr>
+              <a:t>the</a:t>
+            </a:r>
+            <a:r>
+              <a:rPr lang="fi-FI" sz="2800" dirty="0">
+                <a:latin typeface="Calibri" panose="020F0502020204030204" pitchFamily="34" charset="0"/>
+                <a:ea typeface="Calibri" panose="020F0502020204030204" pitchFamily="34" charset="0"/>
+                <a:cs typeface="Times New Roman" panose="02020603050405020304" pitchFamily="18" charset="0"/>
+              </a:rPr>
+              <a:t> </a:t>
+            </a:r>
+            <a:r>
+              <a:rPr lang="fi-FI" sz="2800" dirty="0" err="1">
+                <a:latin typeface="Calibri" panose="020F0502020204030204" pitchFamily="34" charset="0"/>
+                <a:ea typeface="Calibri" panose="020F0502020204030204" pitchFamily="34" charset="0"/>
+                <a:cs typeface="Times New Roman" panose="02020603050405020304" pitchFamily="18" charset="0"/>
+              </a:rPr>
+              <a:t>otherhand</a:t>
+            </a:r>
+            <a:r>
+              <a:rPr lang="fi-FI" sz="2800" dirty="0">
+                <a:latin typeface="Calibri" panose="020F0502020204030204" pitchFamily="34" charset="0"/>
+                <a:ea typeface="Calibri" panose="020F0502020204030204" pitchFamily="34" charset="0"/>
+                <a:cs typeface="Times New Roman" panose="02020603050405020304" pitchFamily="18" charset="0"/>
+              </a:rPr>
+              <a:t>, inside </a:t>
+            </a:r>
+            <a:r>
+              <a:rPr lang="fi-FI" sz="2800" dirty="0" err="1">
+                <a:latin typeface="Calibri" panose="020F0502020204030204" pitchFamily="34" charset="0"/>
+                <a:ea typeface="Calibri" panose="020F0502020204030204" pitchFamily="34" charset="0"/>
+                <a:cs typeface="Times New Roman" panose="02020603050405020304" pitchFamily="18" charset="0"/>
+              </a:rPr>
+              <a:t>the</a:t>
+            </a:r>
+            <a:r>
+              <a:rPr lang="fi-FI" sz="2800" dirty="0">
+                <a:latin typeface="Calibri" panose="020F0502020204030204" pitchFamily="34" charset="0"/>
+                <a:ea typeface="Calibri" panose="020F0502020204030204" pitchFamily="34" charset="0"/>
+                <a:cs typeface="Times New Roman" panose="02020603050405020304" pitchFamily="18" charset="0"/>
+              </a:rPr>
+              <a:t> </a:t>
+            </a:r>
+            <a:r>
+              <a:rPr lang="fi-FI" sz="2800" dirty="0" err="1">
+                <a:latin typeface="Calibri" panose="020F0502020204030204" pitchFamily="34" charset="0"/>
+                <a:ea typeface="Calibri" panose="020F0502020204030204" pitchFamily="34" charset="0"/>
+                <a:cs typeface="Times New Roman" panose="02020603050405020304" pitchFamily="18" charset="0"/>
+              </a:rPr>
+              <a:t>container</a:t>
+            </a:r>
+            <a:r>
+              <a:rPr lang="fi-FI" sz="2800" dirty="0">
+                <a:latin typeface="Calibri" panose="020F0502020204030204" pitchFamily="34" charset="0"/>
+                <a:ea typeface="Calibri" panose="020F0502020204030204" pitchFamily="34" charset="0"/>
+                <a:cs typeface="Times New Roman" panose="02020603050405020304" pitchFamily="18" charset="0"/>
+              </a:rPr>
+              <a:t>, it </a:t>
+            </a:r>
+            <a:r>
+              <a:rPr lang="fi-FI" sz="2800" dirty="0" err="1">
+                <a:latin typeface="Calibri" panose="020F0502020204030204" pitchFamily="34" charset="0"/>
+                <a:ea typeface="Calibri" panose="020F0502020204030204" pitchFamily="34" charset="0"/>
+                <a:cs typeface="Times New Roman" panose="02020603050405020304" pitchFamily="18" charset="0"/>
+              </a:rPr>
+              <a:t>feels</a:t>
+            </a:r>
+            <a:r>
+              <a:rPr lang="fi-FI" sz="2800" dirty="0">
+                <a:latin typeface="Calibri" panose="020F0502020204030204" pitchFamily="34" charset="0"/>
+                <a:ea typeface="Calibri" panose="020F0502020204030204" pitchFamily="34" charset="0"/>
+                <a:cs typeface="Times New Roman" panose="02020603050405020304" pitchFamily="18" charset="0"/>
+              </a:rPr>
+              <a:t> </a:t>
+            </a:r>
+            <a:r>
+              <a:rPr lang="fi-FI" sz="2800" dirty="0" err="1">
+                <a:latin typeface="Calibri" panose="020F0502020204030204" pitchFamily="34" charset="0"/>
+                <a:ea typeface="Calibri" panose="020F0502020204030204" pitchFamily="34" charset="0"/>
+                <a:cs typeface="Times New Roman" panose="02020603050405020304" pitchFamily="18" charset="0"/>
+              </a:rPr>
+              <a:t>that</a:t>
+            </a:r>
+            <a:r>
+              <a:rPr lang="fi-FI" sz="2800" dirty="0">
+                <a:latin typeface="Calibri" panose="020F0502020204030204" pitchFamily="34" charset="0"/>
+                <a:ea typeface="Calibri" panose="020F0502020204030204" pitchFamily="34" charset="0"/>
+                <a:cs typeface="Times New Roman" panose="02020603050405020304" pitchFamily="18" charset="0"/>
+              </a:rPr>
+              <a:t> </a:t>
+            </a:r>
+            <a:r>
+              <a:rPr lang="fi-FI" sz="2800" dirty="0" err="1">
+                <a:latin typeface="Calibri" panose="020F0502020204030204" pitchFamily="34" charset="0"/>
+                <a:ea typeface="Calibri" panose="020F0502020204030204" pitchFamily="34" charset="0"/>
+                <a:cs typeface="Times New Roman" panose="02020603050405020304" pitchFamily="18" charset="0"/>
+              </a:rPr>
+              <a:t>they</a:t>
+            </a:r>
+            <a:r>
+              <a:rPr lang="fi-FI" sz="2800" dirty="0">
+                <a:latin typeface="Calibri" panose="020F0502020204030204" pitchFamily="34" charset="0"/>
+                <a:ea typeface="Calibri" panose="020F0502020204030204" pitchFamily="34" charset="0"/>
+                <a:cs typeface="Times New Roman" panose="02020603050405020304" pitchFamily="18" charset="0"/>
+              </a:rPr>
+              <a:t> </a:t>
+            </a:r>
+            <a:r>
+              <a:rPr lang="fi-FI" sz="2800" dirty="0" err="1">
+                <a:latin typeface="Calibri" panose="020F0502020204030204" pitchFamily="34" charset="0"/>
+                <a:ea typeface="Calibri" panose="020F0502020204030204" pitchFamily="34" charset="0"/>
+                <a:cs typeface="Times New Roman" panose="02020603050405020304" pitchFamily="18" charset="0"/>
+              </a:rPr>
+              <a:t>are</a:t>
+            </a:r>
+            <a:r>
+              <a:rPr lang="fi-FI" sz="2800" dirty="0">
+                <a:latin typeface="Calibri" panose="020F0502020204030204" pitchFamily="34" charset="0"/>
+                <a:ea typeface="Calibri" panose="020F0502020204030204" pitchFamily="34" charset="0"/>
+                <a:cs typeface="Times New Roman" panose="02020603050405020304" pitchFamily="18" charset="0"/>
+              </a:rPr>
+              <a:t> a </a:t>
+            </a:r>
+            <a:r>
+              <a:rPr lang="fi-FI" sz="2800" dirty="0" err="1">
+                <a:latin typeface="Calibri" panose="020F0502020204030204" pitchFamily="34" charset="0"/>
+                <a:ea typeface="Calibri" panose="020F0502020204030204" pitchFamily="34" charset="0"/>
+                <a:cs typeface="Times New Roman" panose="02020603050405020304" pitchFamily="18" charset="0"/>
+              </a:rPr>
+              <a:t>real</a:t>
+            </a:r>
+            <a:r>
+              <a:rPr lang="fi-FI" sz="2800" dirty="0">
+                <a:latin typeface="Calibri" panose="020F0502020204030204" pitchFamily="34" charset="0"/>
+                <a:ea typeface="Calibri" panose="020F0502020204030204" pitchFamily="34" charset="0"/>
+                <a:cs typeface="Times New Roman" panose="02020603050405020304" pitchFamily="18" charset="0"/>
+              </a:rPr>
+              <a:t> </a:t>
+            </a:r>
+            <a:r>
+              <a:rPr lang="fi-FI" sz="2800" dirty="0" err="1">
+                <a:latin typeface="Calibri" panose="020F0502020204030204" pitchFamily="34" charset="0"/>
+                <a:ea typeface="Calibri" panose="020F0502020204030204" pitchFamily="34" charset="0"/>
+                <a:cs typeface="Times New Roman" panose="02020603050405020304" pitchFamily="18" charset="0"/>
+              </a:rPr>
+              <a:t>machines</a:t>
+            </a:r>
+            <a:r>
+              <a:rPr lang="fi-FI" sz="2800" dirty="0">
+                <a:latin typeface="Calibri" panose="020F0502020204030204" pitchFamily="34" charset="0"/>
+                <a:ea typeface="Calibri" panose="020F0502020204030204" pitchFamily="34" charset="0"/>
+                <a:cs typeface="Times New Roman" panose="02020603050405020304" pitchFamily="18" charset="0"/>
+              </a:rPr>
+              <a:t> of </a:t>
+            </a:r>
+            <a:r>
+              <a:rPr lang="fi-FI" sz="2800" dirty="0" err="1">
+                <a:latin typeface="Calibri" panose="020F0502020204030204" pitchFamily="34" charset="0"/>
+                <a:ea typeface="Calibri" panose="020F0502020204030204" pitchFamily="34" charset="0"/>
+                <a:cs typeface="Times New Roman" panose="02020603050405020304" pitchFamily="18" charset="0"/>
+              </a:rPr>
+              <a:t>their</a:t>
+            </a:r>
+            <a:r>
+              <a:rPr lang="fi-FI" sz="2800" dirty="0">
+                <a:latin typeface="Calibri" panose="020F0502020204030204" pitchFamily="34" charset="0"/>
+                <a:ea typeface="Calibri" panose="020F0502020204030204" pitchFamily="34" charset="0"/>
+                <a:cs typeface="Times New Roman" panose="02020603050405020304" pitchFamily="18" charset="0"/>
+              </a:rPr>
+              <a:t> </a:t>
+            </a:r>
+            <a:r>
+              <a:rPr lang="fi-FI" sz="2800" dirty="0" err="1">
+                <a:latin typeface="Calibri" panose="020F0502020204030204" pitchFamily="34" charset="0"/>
+                <a:ea typeface="Calibri" panose="020F0502020204030204" pitchFamily="34" charset="0"/>
+                <a:cs typeface="Times New Roman" panose="02020603050405020304" pitchFamily="18" charset="0"/>
+              </a:rPr>
+              <a:t>own</a:t>
+            </a:r>
+            <a:r>
+              <a:rPr lang="fi-FI" sz="2800" dirty="0">
+                <a:latin typeface="Calibri" panose="020F0502020204030204" pitchFamily="34" charset="0"/>
+                <a:ea typeface="Calibri" panose="020F0502020204030204" pitchFamily="34" charset="0"/>
+                <a:cs typeface="Times New Roman" panose="02020603050405020304" pitchFamily="18" charset="0"/>
+              </a:rPr>
+              <a:t>, </a:t>
+            </a:r>
+            <a:r>
+              <a:rPr lang="fi-FI" sz="2800" dirty="0" err="1">
+                <a:latin typeface="Calibri" panose="020F0502020204030204" pitchFamily="34" charset="0"/>
+                <a:ea typeface="Calibri" panose="020F0502020204030204" pitchFamily="34" charset="0"/>
+                <a:cs typeface="Times New Roman" panose="02020603050405020304" pitchFamily="18" charset="0"/>
+              </a:rPr>
+              <a:t>they</a:t>
+            </a:r>
+            <a:r>
+              <a:rPr lang="fi-FI" sz="2800" dirty="0">
+                <a:latin typeface="Calibri" panose="020F0502020204030204" pitchFamily="34" charset="0"/>
+                <a:ea typeface="Calibri" panose="020F0502020204030204" pitchFamily="34" charset="0"/>
+                <a:cs typeface="Times New Roman" panose="02020603050405020304" pitchFamily="18" charset="0"/>
+              </a:rPr>
+              <a:t> </a:t>
+            </a:r>
+            <a:r>
+              <a:rPr lang="fi-FI" sz="2800" dirty="0" err="1">
+                <a:latin typeface="Calibri" panose="020F0502020204030204" pitchFamily="34" charset="0"/>
+                <a:ea typeface="Calibri" panose="020F0502020204030204" pitchFamily="34" charset="0"/>
+                <a:cs typeface="Times New Roman" panose="02020603050405020304" pitchFamily="18" charset="0"/>
+              </a:rPr>
+              <a:t>feel</a:t>
+            </a:r>
+            <a:r>
+              <a:rPr lang="fi-FI" sz="2800" dirty="0">
+                <a:latin typeface="Calibri" panose="020F0502020204030204" pitchFamily="34" charset="0"/>
+                <a:ea typeface="Calibri" panose="020F0502020204030204" pitchFamily="34" charset="0"/>
+                <a:cs typeface="Times New Roman" panose="02020603050405020304" pitchFamily="18" charset="0"/>
+              </a:rPr>
+              <a:t> </a:t>
+            </a:r>
+            <a:r>
+              <a:rPr lang="fi-FI" sz="2800" dirty="0" err="1">
+                <a:latin typeface="Calibri" panose="020F0502020204030204" pitchFamily="34" charset="0"/>
+                <a:ea typeface="Calibri" panose="020F0502020204030204" pitchFamily="34" charset="0"/>
+                <a:cs typeface="Times New Roman" panose="02020603050405020304" pitchFamily="18" charset="0"/>
+              </a:rPr>
+              <a:t>like</a:t>
+            </a:r>
+            <a:r>
+              <a:rPr lang="fi-FI" sz="2800" dirty="0">
+                <a:latin typeface="Calibri" panose="020F0502020204030204" pitchFamily="34" charset="0"/>
+                <a:ea typeface="Calibri" panose="020F0502020204030204" pitchFamily="34" charset="0"/>
+                <a:cs typeface="Times New Roman" panose="02020603050405020304" pitchFamily="18" charset="0"/>
+              </a:rPr>
+              <a:t> </a:t>
+            </a:r>
+            <a:r>
+              <a:rPr lang="fi-FI" sz="2800" dirty="0" err="1">
+                <a:latin typeface="Calibri" panose="020F0502020204030204" pitchFamily="34" charset="0"/>
+                <a:ea typeface="Calibri" panose="020F0502020204030204" pitchFamily="34" charset="0"/>
+                <a:cs typeface="Times New Roman" panose="02020603050405020304" pitchFamily="18" charset="0"/>
+              </a:rPr>
+              <a:t>running</a:t>
+            </a:r>
+            <a:r>
+              <a:rPr lang="fi-FI" sz="2800" dirty="0">
+                <a:latin typeface="Calibri" panose="020F0502020204030204" pitchFamily="34" charset="0"/>
+                <a:ea typeface="Calibri" panose="020F0502020204030204" pitchFamily="34" charset="0"/>
+                <a:cs typeface="Times New Roman" panose="02020603050405020304" pitchFamily="18" charset="0"/>
+              </a:rPr>
+              <a:t> e.g. </a:t>
+            </a:r>
+            <a:r>
+              <a:rPr lang="fi-FI" sz="2800" dirty="0" err="1">
+                <a:latin typeface="Calibri" panose="020F0502020204030204" pitchFamily="34" charset="0"/>
+                <a:ea typeface="Calibri" panose="020F0502020204030204" pitchFamily="34" charset="0"/>
+                <a:cs typeface="Times New Roman" panose="02020603050405020304" pitchFamily="18" charset="0"/>
+              </a:rPr>
+              <a:t>light-weight</a:t>
+            </a:r>
+            <a:r>
+              <a:rPr lang="fi-FI" sz="2800" dirty="0">
+                <a:latin typeface="Calibri" panose="020F0502020204030204" pitchFamily="34" charset="0"/>
+                <a:ea typeface="Calibri" panose="020F0502020204030204" pitchFamily="34" charset="0"/>
+                <a:cs typeface="Times New Roman" panose="02020603050405020304" pitchFamily="18" charset="0"/>
+              </a:rPr>
+              <a:t> Linux and file </a:t>
+            </a:r>
+            <a:r>
+              <a:rPr lang="fi-FI" sz="2800" dirty="0" err="1">
+                <a:latin typeface="Calibri" panose="020F0502020204030204" pitchFamily="34" charset="0"/>
+                <a:ea typeface="Calibri" panose="020F0502020204030204" pitchFamily="34" charset="0"/>
+                <a:cs typeface="Times New Roman" panose="02020603050405020304" pitchFamily="18" charset="0"/>
+              </a:rPr>
+              <a:t>system</a:t>
+            </a:r>
+            <a:r>
+              <a:rPr lang="fi-FI" sz="2800" dirty="0">
+                <a:latin typeface="Calibri" panose="020F0502020204030204" pitchFamily="34" charset="0"/>
+                <a:ea typeface="Calibri" panose="020F0502020204030204" pitchFamily="34" charset="0"/>
+                <a:cs typeface="Times New Roman" panose="02020603050405020304" pitchFamily="18" charset="0"/>
+              </a:rPr>
+              <a:t>.</a:t>
+            </a:r>
+            <a:endParaRPr lang="fi-FI" sz="2800" dirty="0">
+              <a:effectLst/>
+              <a:latin typeface="Calibri" panose="020F0502020204030204" pitchFamily="34" charset="0"/>
+              <a:ea typeface="Calibri" panose="020F0502020204030204" pitchFamily="34" charset="0"/>
+              <a:cs typeface="Times New Roman" panose="02020603050405020304" pitchFamily="18" charset="0"/>
+            </a:endParaRPr>
+          </a:p>
+          <a:p>
             <a:endParaRPr lang="fi-FI" dirty="0"/>
           </a:p>
         </p:txBody>
@@ -9993,80 +11314,10 @@
           </a:p>
         </p:txBody>
       </p:sp>
-      <p:pic>
-        <p:nvPicPr>
-          <p:cNvPr id="10" name="Content Placeholder 9" descr="A diagram of a software&#10;&#10;Description automatically generated with medium confidence">
-            <a:extLst>
-              <a:ext uri="{FF2B5EF4-FFF2-40B4-BE49-F238E27FC236}">
-                <a16:creationId xmlns:a16="http://schemas.microsoft.com/office/drawing/2014/main" id="{4F3B06C5-C150-8C8A-3F43-099D8211BFB3}"/>
-              </a:ext>
-            </a:extLst>
-          </p:cNvPr>
-          <p:cNvPicPr>
-            <a:picLocks noGrp="1" noChangeAspect="1"/>
-          </p:cNvPicPr>
-          <p:nvPr>
-            <p:ph sz="half" idx="2"/>
-          </p:nvPr>
-        </p:nvPicPr>
-        <p:blipFill>
-          <a:blip r:embed="rId2"/>
-          <a:stretch>
-            <a:fillRect/>
-          </a:stretch>
-        </p:blipFill>
-        <p:spPr>
-          <a:xfrm>
-            <a:off x="3096135" y="1331413"/>
-            <a:ext cx="6678649" cy="4582025"/>
-          </a:xfrm>
-        </p:spPr>
-      </p:pic>
-      <p:sp>
-        <p:nvSpPr>
-          <p:cNvPr id="11" name="TextBox 10">
-            <a:extLst>
-              <a:ext uri="{FF2B5EF4-FFF2-40B4-BE49-F238E27FC236}">
-                <a16:creationId xmlns:a16="http://schemas.microsoft.com/office/drawing/2014/main" id="{323030AA-CB9A-4738-83FE-7FB902D659CE}"/>
-              </a:ext>
-            </a:extLst>
-          </p:cNvPr>
-          <p:cNvSpPr txBox="1"/>
-          <p:nvPr/>
-        </p:nvSpPr>
-        <p:spPr>
-          <a:xfrm>
-            <a:off x="423643" y="4837163"/>
-            <a:ext cx="2844344" cy="646331"/>
-          </a:xfrm>
-          <a:prstGeom prst="rect">
-            <a:avLst/>
-          </a:prstGeom>
-          <a:noFill/>
-        </p:spPr>
-        <p:txBody>
-          <a:bodyPr wrap="square">
-            <a:spAutoFit/>
-          </a:bodyPr>
-          <a:lstStyle/>
-          <a:p>
-            <a:r>
-              <a:rPr lang="en-US" sz="1800" dirty="0">
-                <a:effectLst/>
-                <a:latin typeface="Calibri" panose="020F0502020204030204" pitchFamily="34" charset="0"/>
-                <a:ea typeface="Calibri" panose="020F0502020204030204" pitchFamily="34" charset="0"/>
-                <a:cs typeface="Times New Roman" panose="02020603050405020304" pitchFamily="18" charset="0"/>
-              </a:rPr>
-              <a:t>Source: https://docs.docker.com</a:t>
-            </a:r>
-            <a:endParaRPr lang="fi-FI" dirty="0"/>
-          </a:p>
-        </p:txBody>
-      </p:sp>
     </p:spTree>
     <p:extLst>
       <p:ext uri="{BB962C8B-B14F-4D97-AF65-F5344CB8AC3E}">
-        <p14:creationId xmlns:p14="http://schemas.microsoft.com/office/powerpoint/2010/main" val="1449844156"/>
+        <p14:creationId xmlns:p14="http://schemas.microsoft.com/office/powerpoint/2010/main" val="2759126839"/>
       </p:ext>
     </p:extLst>
   </p:cSld>
@@ -10120,11 +11371,11 @@
             </a:r>
             <a:r>
               <a:rPr lang="fi-FI" dirty="0"/>
-              <a:t> – </a:t>
+              <a:t> - </a:t>
             </a:r>
             <a:r>
               <a:rPr lang="fi-FI" dirty="0" err="1"/>
-              <a:t>bigger</a:t>
+              <a:t>basic</a:t>
             </a:r>
             <a:r>
               <a:rPr lang="fi-FI" dirty="0"/>
@@ -10132,7 +11383,7 @@
             </a:r>
             <a:r>
               <a:rPr lang="fi-FI" dirty="0" err="1"/>
-              <a:t>picture</a:t>
+              <a:t>concepts</a:t>
             </a:r>
             <a:endParaRPr lang="fi-FI" dirty="0"/>
           </a:p>
@@ -10216,6 +11467,234 @@
             <a:fld id="{76BAB7ED-EDE9-4D4B-9A2D-30E18C47C16E}" type="slidenum">
               <a:rPr lang="en-GB" smtClean="0"/>
               <a:t>4</a:t>
+            </a:fld>
+            <a:endParaRPr lang="en-GB"/>
+          </a:p>
+        </p:txBody>
+      </p:sp>
+      <p:pic>
+        <p:nvPicPr>
+          <p:cNvPr id="10" name="Content Placeholder 9" descr="A diagram of a software&#10;&#10;Description automatically generated with medium confidence">
+            <a:extLst>
+              <a:ext uri="{FF2B5EF4-FFF2-40B4-BE49-F238E27FC236}">
+                <a16:creationId xmlns:a16="http://schemas.microsoft.com/office/drawing/2014/main" id="{4F3B06C5-C150-8C8A-3F43-099D8211BFB3}"/>
+              </a:ext>
+            </a:extLst>
+          </p:cNvPr>
+          <p:cNvPicPr>
+            <a:picLocks noGrp="1" noChangeAspect="1"/>
+          </p:cNvPicPr>
+          <p:nvPr>
+            <p:ph sz="half" idx="2"/>
+          </p:nvPr>
+        </p:nvPicPr>
+        <p:blipFill>
+          <a:blip r:embed="rId2"/>
+          <a:stretch>
+            <a:fillRect/>
+          </a:stretch>
+        </p:blipFill>
+        <p:spPr>
+          <a:xfrm>
+            <a:off x="3096135" y="1331413"/>
+            <a:ext cx="6678649" cy="4582025"/>
+          </a:xfrm>
+        </p:spPr>
+      </p:pic>
+      <p:sp>
+        <p:nvSpPr>
+          <p:cNvPr id="11" name="TextBox 10">
+            <a:extLst>
+              <a:ext uri="{FF2B5EF4-FFF2-40B4-BE49-F238E27FC236}">
+                <a16:creationId xmlns:a16="http://schemas.microsoft.com/office/drawing/2014/main" id="{323030AA-CB9A-4738-83FE-7FB902D659CE}"/>
+              </a:ext>
+            </a:extLst>
+          </p:cNvPr>
+          <p:cNvSpPr txBox="1"/>
+          <p:nvPr/>
+        </p:nvSpPr>
+        <p:spPr>
+          <a:xfrm>
+            <a:off x="423643" y="4837163"/>
+            <a:ext cx="2844344" cy="646331"/>
+          </a:xfrm>
+          <a:prstGeom prst="rect">
+            <a:avLst/>
+          </a:prstGeom>
+          <a:noFill/>
+        </p:spPr>
+        <p:txBody>
+          <a:bodyPr wrap="square">
+            <a:spAutoFit/>
+          </a:bodyPr>
+          <a:lstStyle/>
+          <a:p>
+            <a:r>
+              <a:rPr lang="en-US" sz="1800" dirty="0">
+                <a:effectLst/>
+                <a:latin typeface="Calibri" panose="020F0502020204030204" pitchFamily="34" charset="0"/>
+                <a:ea typeface="Calibri" panose="020F0502020204030204" pitchFamily="34" charset="0"/>
+                <a:cs typeface="Times New Roman" panose="02020603050405020304" pitchFamily="18" charset="0"/>
+              </a:rPr>
+              <a:t>Source: https://docs.docker.com</a:t>
+            </a:r>
+            <a:endParaRPr lang="fi-FI" dirty="0"/>
+          </a:p>
+        </p:txBody>
+      </p:sp>
+    </p:spTree>
+    <p:extLst>
+      <p:ext uri="{BB962C8B-B14F-4D97-AF65-F5344CB8AC3E}">
+        <p14:creationId xmlns:p14="http://schemas.microsoft.com/office/powerpoint/2010/main" val="1449844156"/>
+      </p:ext>
+    </p:extLst>
+  </p:cSld>
+  <p:clrMapOvr>
+    <a:masterClrMapping/>
+  </p:clrMapOvr>
+</p:sld>
+</file>
+
+<file path=ppt/slides/slide5.xml><?xml version="1.0" encoding="utf-8"?>
+<p:sld xmlns:a="http://schemas.openxmlformats.org/drawingml/2006/main" xmlns:r="http://schemas.openxmlformats.org/officeDocument/2006/relationships" xmlns:p="http://schemas.openxmlformats.org/presentationml/2006/main">
+  <p:cSld>
+    <p:spTree>
+      <p:nvGrpSpPr>
+        <p:cNvPr id="1" name=""/>
+        <p:cNvGrpSpPr/>
+        <p:nvPr/>
+      </p:nvGrpSpPr>
+      <p:grpSpPr>
+        <a:xfrm>
+          <a:off x="0" y="0"/>
+          <a:ext cx="0" cy="0"/>
+          <a:chOff x="0" y="0"/>
+          <a:chExt cx="0" cy="0"/>
+        </a:xfrm>
+      </p:grpSpPr>
+      <p:sp>
+        <p:nvSpPr>
+          <p:cNvPr id="8" name="Title 7">
+            <a:extLst>
+              <a:ext uri="{FF2B5EF4-FFF2-40B4-BE49-F238E27FC236}">
+                <a16:creationId xmlns:a16="http://schemas.microsoft.com/office/drawing/2014/main" id="{197044C3-CD23-D844-B780-26FABA91AD0F}"/>
+              </a:ext>
+            </a:extLst>
+          </p:cNvPr>
+          <p:cNvSpPr>
+            <a:spLocks noGrp="1"/>
+          </p:cNvSpPr>
+          <p:nvPr>
+            <p:ph type="title"/>
+          </p:nvPr>
+        </p:nvSpPr>
+        <p:spPr/>
+        <p:txBody>
+          <a:bodyPr/>
+          <a:lstStyle/>
+          <a:p>
+            <a:r>
+              <a:rPr lang="fi-FI" dirty="0" err="1"/>
+              <a:t>Docker</a:t>
+            </a:r>
+            <a:r>
+              <a:rPr lang="fi-FI" dirty="0"/>
+              <a:t> – </a:t>
+            </a:r>
+            <a:r>
+              <a:rPr lang="fi-FI" dirty="0" err="1"/>
+              <a:t>bigger</a:t>
+            </a:r>
+            <a:r>
+              <a:rPr lang="fi-FI" dirty="0"/>
+              <a:t> </a:t>
+            </a:r>
+            <a:r>
+              <a:rPr lang="fi-FI" dirty="0" err="1"/>
+              <a:t>picture</a:t>
+            </a:r>
+            <a:endParaRPr lang="fi-FI" dirty="0"/>
+          </a:p>
+        </p:txBody>
+      </p:sp>
+      <p:sp>
+        <p:nvSpPr>
+          <p:cNvPr id="5" name="Date Placeholder 4">
+            <a:extLst>
+              <a:ext uri="{FF2B5EF4-FFF2-40B4-BE49-F238E27FC236}">
+                <a16:creationId xmlns:a16="http://schemas.microsoft.com/office/drawing/2014/main" id="{976244E2-AA76-2742-B2EC-FEC79276155C}"/>
+              </a:ext>
+            </a:extLst>
+          </p:cNvPr>
+          <p:cNvSpPr>
+            <a:spLocks noGrp="1"/>
+          </p:cNvSpPr>
+          <p:nvPr>
+            <p:ph type="dt" sz="half" idx="10"/>
+          </p:nvPr>
+        </p:nvSpPr>
+        <p:spPr/>
+        <p:txBody>
+          <a:bodyPr/>
+          <a:lstStyle/>
+          <a:p>
+            <a:fld id="{202E1EC2-47B8-044B-A09E-6A63B4D80C87}" type="datetime1">
+              <a:rPr lang="fi-FI" smtClean="0"/>
+              <a:t>18.2.2024</a:t>
+            </a:fld>
+            <a:endParaRPr lang="en-GB"/>
+          </a:p>
+        </p:txBody>
+      </p:sp>
+      <p:sp>
+        <p:nvSpPr>
+          <p:cNvPr id="6" name="Footer Placeholder 5">
+            <a:extLst>
+              <a:ext uri="{FF2B5EF4-FFF2-40B4-BE49-F238E27FC236}">
+                <a16:creationId xmlns:a16="http://schemas.microsoft.com/office/drawing/2014/main" id="{588CE607-4137-8840-8FEA-42EAC857E3A3}"/>
+              </a:ext>
+            </a:extLst>
+          </p:cNvPr>
+          <p:cNvSpPr>
+            <a:spLocks noGrp="1"/>
+          </p:cNvSpPr>
+          <p:nvPr>
+            <p:ph type="ftr" sz="quarter" idx="11"/>
+          </p:nvPr>
+        </p:nvSpPr>
+        <p:spPr/>
+        <p:txBody>
+          <a:bodyPr/>
+          <a:lstStyle/>
+          <a:p>
+            <a:endParaRPr lang="en-GB"/>
+          </a:p>
+        </p:txBody>
+      </p:sp>
+      <p:sp>
+        <p:nvSpPr>
+          <p:cNvPr id="7" name="Slide Number Placeholder 6">
+            <a:extLst>
+              <a:ext uri="{FF2B5EF4-FFF2-40B4-BE49-F238E27FC236}">
+                <a16:creationId xmlns:a16="http://schemas.microsoft.com/office/drawing/2014/main" id="{2E133A96-6C73-0844-B8CB-27C2B5F4CFB1}"/>
+              </a:ext>
+            </a:extLst>
+          </p:cNvPr>
+          <p:cNvSpPr>
+            <a:spLocks noGrp="1"/>
+          </p:cNvSpPr>
+          <p:nvPr>
+            <p:ph type="sldNum" sz="quarter" idx="12"/>
+          </p:nvPr>
+        </p:nvSpPr>
+        <p:spPr/>
+        <p:txBody>
+          <a:bodyPr/>
+          <a:lstStyle/>
+          <a:p>
+            <a:fld id="{76BAB7ED-EDE9-4D4B-9A2D-30E18C47C16E}" type="slidenum">
+              <a:rPr lang="en-GB" smtClean="0"/>
+              <a:t>5</a:t>
             </a:fld>
             <a:endParaRPr lang="en-GB"/>
           </a:p>
@@ -10304,276 +11783,6 @@
 </p:sld>
 </file>
 
-<file path=ppt/slides/slide5.xml><?xml version="1.0" encoding="utf-8"?>
-<p:sld xmlns:a="http://schemas.openxmlformats.org/drawingml/2006/main" xmlns:r="http://schemas.openxmlformats.org/officeDocument/2006/relationships" xmlns:p="http://schemas.openxmlformats.org/presentationml/2006/main">
-  <p:cSld>
-    <p:spTree>
-      <p:nvGrpSpPr>
-        <p:cNvPr id="1" name=""/>
-        <p:cNvGrpSpPr/>
-        <p:nvPr/>
-      </p:nvGrpSpPr>
-      <p:grpSpPr>
-        <a:xfrm>
-          <a:off x="0" y="0"/>
-          <a:ext cx="0" cy="0"/>
-          <a:chOff x="0" y="0"/>
-          <a:chExt cx="0" cy="0"/>
-        </a:xfrm>
-      </p:grpSpPr>
-      <p:sp>
-        <p:nvSpPr>
-          <p:cNvPr id="8" name="Title 7">
-            <a:extLst>
-              <a:ext uri="{FF2B5EF4-FFF2-40B4-BE49-F238E27FC236}">
-                <a16:creationId xmlns:a16="http://schemas.microsoft.com/office/drawing/2014/main" id="{197044C3-CD23-D844-B780-26FABA91AD0F}"/>
-              </a:ext>
-            </a:extLst>
-          </p:cNvPr>
-          <p:cNvSpPr>
-            <a:spLocks noGrp="1"/>
-          </p:cNvSpPr>
-          <p:nvPr>
-            <p:ph type="title"/>
-          </p:nvPr>
-        </p:nvSpPr>
-        <p:spPr/>
-        <p:txBody>
-          <a:bodyPr/>
-          <a:lstStyle/>
-          <a:p>
-            <a:r>
-              <a:rPr lang="fi-FI" dirty="0" err="1"/>
-              <a:t>Previous</a:t>
-            </a:r>
-            <a:r>
-              <a:rPr lang="fi-FI" dirty="0"/>
-              <a:t> image </a:t>
-            </a:r>
-            <a:r>
-              <a:rPr lang="fi-FI" dirty="0" err="1"/>
-              <a:t>showed</a:t>
-            </a:r>
-            <a:r>
-              <a:rPr lang="fi-FI" dirty="0"/>
-              <a:t> </a:t>
-            </a:r>
-            <a:r>
-              <a:rPr lang="fi-FI" dirty="0" err="1"/>
-              <a:t>how</a:t>
-            </a:r>
-            <a:r>
-              <a:rPr lang="fi-FI" dirty="0"/>
-              <a:t> </a:t>
-            </a:r>
-            <a:r>
-              <a:rPr lang="fi-FI" dirty="0" err="1"/>
-              <a:t>you</a:t>
-            </a:r>
-            <a:r>
-              <a:rPr lang="fi-FI" dirty="0"/>
-              <a:t> </a:t>
-            </a:r>
-            <a:r>
-              <a:rPr lang="fi-FI" dirty="0" err="1"/>
-              <a:t>can</a:t>
-            </a:r>
-            <a:r>
-              <a:rPr lang="fi-FI" dirty="0"/>
-              <a:t> e.g.</a:t>
-            </a:r>
-          </a:p>
-        </p:txBody>
-      </p:sp>
-      <p:sp>
-        <p:nvSpPr>
-          <p:cNvPr id="9" name="Content Placeholder 8">
-            <a:extLst>
-              <a:ext uri="{FF2B5EF4-FFF2-40B4-BE49-F238E27FC236}">
-                <a16:creationId xmlns:a16="http://schemas.microsoft.com/office/drawing/2014/main" id="{ACDE61D8-A75A-F94B-B57A-46F276C03311}"/>
-              </a:ext>
-            </a:extLst>
-          </p:cNvPr>
-          <p:cNvSpPr>
-            <a:spLocks noGrp="1"/>
-          </p:cNvSpPr>
-          <p:nvPr>
-            <p:ph sz="half" idx="2"/>
-          </p:nvPr>
-        </p:nvSpPr>
-        <p:spPr/>
-        <p:txBody>
-          <a:bodyPr>
-            <a:normAutofit/>
-          </a:bodyPr>
-          <a:lstStyle/>
-          <a:p>
-            <a:pPr>
-              <a:lnSpc>
-                <a:spcPct val="107000"/>
-              </a:lnSpc>
-              <a:spcAft>
-                <a:spcPts val="800"/>
-              </a:spcAft>
-            </a:pPr>
-            <a:r>
-              <a:rPr lang="en-US" sz="2800" dirty="0">
-                <a:effectLst/>
-                <a:latin typeface="Calibri" panose="020F0502020204030204" pitchFamily="34" charset="0"/>
-                <a:ea typeface="Calibri" panose="020F0502020204030204" pitchFamily="34" charset="0"/>
-                <a:cs typeface="Times New Roman" panose="02020603050405020304" pitchFamily="18" charset="0"/>
-              </a:rPr>
-              <a:t>Run images as containers </a:t>
-            </a:r>
-          </a:p>
-          <a:p>
-            <a:pPr>
-              <a:lnSpc>
-                <a:spcPct val="107000"/>
-              </a:lnSpc>
-              <a:spcAft>
-                <a:spcPts val="800"/>
-              </a:spcAft>
-            </a:pPr>
-            <a:r>
-              <a:rPr lang="en-US" sz="2800" dirty="0">
-                <a:latin typeface="Calibri" panose="020F0502020204030204" pitchFamily="34" charset="0"/>
-                <a:ea typeface="Calibri" panose="020F0502020204030204" pitchFamily="34" charset="0"/>
-                <a:cs typeface="Times New Roman" panose="02020603050405020304" pitchFamily="18" charset="0"/>
-              </a:rPr>
-              <a:t>Build images based on your files, scripts and </a:t>
-            </a:r>
-            <a:r>
-              <a:rPr lang="en-US" sz="2800" dirty="0" err="1">
-                <a:latin typeface="Calibri" panose="020F0502020204030204" pitchFamily="34" charset="0"/>
-                <a:ea typeface="Calibri" panose="020F0502020204030204" pitchFamily="34" charset="0"/>
-                <a:cs typeface="Times New Roman" panose="02020603050405020304" pitchFamily="18" charset="0"/>
-              </a:rPr>
-              <a:t>Dockerfiles</a:t>
-            </a:r>
-            <a:endParaRPr lang="en-US" sz="2800" dirty="0">
-              <a:effectLst/>
-              <a:latin typeface="Calibri" panose="020F0502020204030204" pitchFamily="34" charset="0"/>
-              <a:ea typeface="Calibri" panose="020F0502020204030204" pitchFamily="34" charset="0"/>
-              <a:cs typeface="Times New Roman" panose="02020603050405020304" pitchFamily="18" charset="0"/>
-            </a:endParaRPr>
-          </a:p>
-          <a:p>
-            <a:pPr>
-              <a:lnSpc>
-                <a:spcPct val="107000"/>
-              </a:lnSpc>
-              <a:spcAft>
-                <a:spcPts val="800"/>
-              </a:spcAft>
-            </a:pPr>
-            <a:r>
-              <a:rPr lang="en-US" sz="2800" dirty="0">
-                <a:latin typeface="Calibri" panose="020F0502020204030204" pitchFamily="34" charset="0"/>
-                <a:ea typeface="Calibri" panose="020F0502020204030204" pitchFamily="34" charset="0"/>
-                <a:cs typeface="Times New Roman" panose="02020603050405020304" pitchFamily="18" charset="0"/>
-              </a:rPr>
-              <a:t>Pull images (for running) from Docker registries</a:t>
-            </a:r>
-          </a:p>
-        </p:txBody>
-      </p:sp>
-      <p:sp>
-        <p:nvSpPr>
-          <p:cNvPr id="5" name="Date Placeholder 4">
-            <a:extLst>
-              <a:ext uri="{FF2B5EF4-FFF2-40B4-BE49-F238E27FC236}">
-                <a16:creationId xmlns:a16="http://schemas.microsoft.com/office/drawing/2014/main" id="{976244E2-AA76-2742-B2EC-FEC79276155C}"/>
-              </a:ext>
-            </a:extLst>
-          </p:cNvPr>
-          <p:cNvSpPr>
-            <a:spLocks noGrp="1"/>
-          </p:cNvSpPr>
-          <p:nvPr>
-            <p:ph type="dt" sz="half" idx="10"/>
-          </p:nvPr>
-        </p:nvSpPr>
-        <p:spPr/>
-        <p:txBody>
-          <a:bodyPr/>
-          <a:lstStyle/>
-          <a:p>
-            <a:fld id="{202E1EC2-47B8-044B-A09E-6A63B4D80C87}" type="datetime1">
-              <a:rPr lang="fi-FI" smtClean="0"/>
-              <a:t>18.2.2024</a:t>
-            </a:fld>
-            <a:endParaRPr lang="en-GB"/>
-          </a:p>
-        </p:txBody>
-      </p:sp>
-      <p:sp>
-        <p:nvSpPr>
-          <p:cNvPr id="6" name="Footer Placeholder 5">
-            <a:extLst>
-              <a:ext uri="{FF2B5EF4-FFF2-40B4-BE49-F238E27FC236}">
-                <a16:creationId xmlns:a16="http://schemas.microsoft.com/office/drawing/2014/main" id="{588CE607-4137-8840-8FEA-42EAC857E3A3}"/>
-              </a:ext>
-            </a:extLst>
-          </p:cNvPr>
-          <p:cNvSpPr>
-            <a:spLocks noGrp="1"/>
-          </p:cNvSpPr>
-          <p:nvPr>
-            <p:ph type="ftr" sz="quarter" idx="11"/>
-          </p:nvPr>
-        </p:nvSpPr>
-        <p:spPr/>
-        <p:txBody>
-          <a:bodyPr/>
-          <a:lstStyle/>
-          <a:p>
-            <a:endParaRPr lang="en-GB"/>
-          </a:p>
-        </p:txBody>
-      </p:sp>
-      <p:sp>
-        <p:nvSpPr>
-          <p:cNvPr id="7" name="Slide Number Placeholder 6">
-            <a:extLst>
-              <a:ext uri="{FF2B5EF4-FFF2-40B4-BE49-F238E27FC236}">
-                <a16:creationId xmlns:a16="http://schemas.microsoft.com/office/drawing/2014/main" id="{2E133A96-6C73-0844-B8CB-27C2B5F4CFB1}"/>
-              </a:ext>
-            </a:extLst>
-          </p:cNvPr>
-          <p:cNvSpPr>
-            <a:spLocks noGrp="1"/>
-          </p:cNvSpPr>
-          <p:nvPr>
-            <p:ph type="sldNum" sz="quarter" idx="12"/>
-          </p:nvPr>
-        </p:nvSpPr>
-        <p:spPr/>
-        <p:txBody>
-          <a:bodyPr/>
-          <a:lstStyle/>
-          <a:p>
-            <a:fld id="{76BAB7ED-EDE9-4D4B-9A2D-30E18C47C16E}" type="slidenum">
-              <a:rPr lang="en-GB" smtClean="0"/>
-              <a:t>5</a:t>
-            </a:fld>
-            <a:endParaRPr lang="en-GB"/>
-          </a:p>
-        </p:txBody>
-      </p:sp>
-    </p:spTree>
-    <p:extLst>
-      <p:ext uri="{BB962C8B-B14F-4D97-AF65-F5344CB8AC3E}">
-        <p14:creationId xmlns:p14="http://schemas.microsoft.com/office/powerpoint/2010/main" val="3626951746"/>
-      </p:ext>
-    </p:extLst>
-  </p:cSld>
-  <p:clrMapOvr>
-    <a:masterClrMapping/>
-  </p:clrMapOvr>
-</p:sld>
-</file>
-
 <file path=ppt/slides/slide6.xml><?xml version="1.0" encoding="utf-8"?>
 <p:sld xmlns:a="http://schemas.openxmlformats.org/drawingml/2006/main" xmlns:r="http://schemas.openxmlformats.org/officeDocument/2006/relationships" xmlns:p="http://schemas.openxmlformats.org/presentationml/2006/main">
   <p:cSld>
@@ -10614,11 +11823,43 @@
           <a:p>
             <a:r>
               <a:rPr lang="fi-FI" dirty="0" err="1"/>
-              <a:t>Docker</a:t>
+              <a:t>Previous</a:t>
             </a:r>
             <a:r>
               <a:rPr lang="fi-FI" dirty="0"/>
-              <a:t> Engine</a:t>
+              <a:t> image </a:t>
+            </a:r>
+            <a:r>
+              <a:rPr lang="fi-FI" dirty="0" err="1"/>
+              <a:t>showed</a:t>
+            </a:r>
+            <a:r>
+              <a:rPr lang="fi-FI" dirty="0"/>
+              <a:t> </a:t>
+            </a:r>
+            <a:r>
+              <a:rPr lang="fi-FI" dirty="0" err="1"/>
+              <a:t>how</a:t>
+            </a:r>
+            <a:r>
+              <a:rPr lang="fi-FI" dirty="0"/>
+              <a:t> </a:t>
+            </a:r>
+            <a:r>
+              <a:rPr lang="fi-FI" dirty="0" err="1"/>
+              <a:t>you</a:t>
+            </a:r>
+            <a:r>
+              <a:rPr lang="fi-FI" dirty="0"/>
+              <a:t> </a:t>
+            </a:r>
+            <a:r>
+              <a:rPr lang="fi-FI" dirty="0" err="1"/>
+              <a:t>can</a:t>
+            </a:r>
+            <a:r>
+              <a:rPr lang="fi-FI" dirty="0"/>
+              <a:t> e.g.</a:t>
             </a:r>
           </a:p>
         </p:txBody>
@@ -10661,25 +11902,7 @@
                 <a:ea typeface="Calibri" panose="020F0502020204030204" pitchFamily="34" charset="0"/>
                 <a:cs typeface="Times New Roman" panose="02020603050405020304" pitchFamily="18" charset="0"/>
               </a:rPr>
-              <a:t>The engine (</a:t>
-            </a:r>
-            <a:r>
-              <a:rPr lang="en-US" sz="2800" i="1" dirty="0" err="1">
-                <a:effectLst/>
-                <a:latin typeface="Calibri" panose="020F0502020204030204" pitchFamily="34" charset="0"/>
-                <a:ea typeface="Calibri" panose="020F0502020204030204" pitchFamily="34" charset="0"/>
-                <a:cs typeface="Times New Roman" panose="02020603050405020304" pitchFamily="18" charset="0"/>
-              </a:rPr>
-              <a:t>dockerd</a:t>
-            </a:r>
-            <a:r>
-              <a:rPr lang="en-US" sz="2800" dirty="0">
-                <a:effectLst/>
-                <a:latin typeface="Calibri" panose="020F0502020204030204" pitchFamily="34" charset="0"/>
-                <a:ea typeface="Calibri" panose="020F0502020204030204" pitchFamily="34" charset="0"/>
-                <a:cs typeface="Times New Roman" panose="02020603050405020304" pitchFamily="18" charset="0"/>
-              </a:rPr>
-              <a:t> daemon/process and Docker Engine API ) </a:t>
+              <a:t>Run images as containers </a:t>
             </a:r>
           </a:p>
           <a:p>
@@ -10697,17 +11920,22 @@
                 <a:ea typeface="Calibri" panose="020F0502020204030204" pitchFamily="34" charset="0"/>
                 <a:cs typeface="Times New Roman" panose="02020603050405020304" pitchFamily="18" charset="0"/>
               </a:rPr>
-              <a:t>T</a:t>
-            </a:r>
-            <a:r>
-              <a:rPr lang="en-US" sz="2800" dirty="0">
-                <a:effectLst/>
-                <a:latin typeface="Calibri" panose="020F0502020204030204" pitchFamily="34" charset="0"/>
-                <a:ea typeface="Calibri" panose="020F0502020204030204" pitchFamily="34" charset="0"/>
-                <a:cs typeface="Times New Roman" panose="02020603050405020304" pitchFamily="18" charset="0"/>
-              </a:rPr>
-              <a:t>o manage and run the containers.</a:t>
-            </a:r>
+              <a:t>Build images based on your files, scripts and </a:t>
+            </a:r>
+            <a:r>
+              <a:rPr lang="en-US" sz="2800" dirty="0" err="1">
+                <a:latin typeface="Calibri" panose="020F0502020204030204" pitchFamily="34" charset="0"/>
+                <a:ea typeface="Calibri" panose="020F0502020204030204" pitchFamily="34" charset="0"/>
+                <a:cs typeface="Times New Roman" panose="02020603050405020304" pitchFamily="18" charset="0"/>
+              </a:rPr>
+              <a:t>Dockerfiles</a:t>
+            </a:r>
+            <a:endParaRPr lang="en-US" sz="2800" dirty="0">
+              <a:effectLst/>
+              <a:latin typeface="Calibri" panose="020F0502020204030204" pitchFamily="34" charset="0"/>
+              <a:ea typeface="Calibri" panose="020F0502020204030204" pitchFamily="34" charset="0"/>
+              <a:cs typeface="Times New Roman" panose="02020603050405020304" pitchFamily="18" charset="0"/>
+            </a:endParaRPr>
           </a:p>
           <a:p>
             <a:pPr>
@@ -10724,7 +11952,7 @@
                 <a:ea typeface="Calibri" panose="020F0502020204030204" pitchFamily="34" charset="0"/>
                 <a:cs typeface="Times New Roman" panose="02020603050405020304" pitchFamily="18" charset="0"/>
               </a:rPr>
-              <a:t>Isolate and connect them based on definitions</a:t>
+              <a:t>Pull images (for running) from Docker registries</a:t>
             </a:r>
           </a:p>
         </p:txBody>
@@ -10815,7 +12043,7 @@
     </p:spTree>
     <p:extLst>
       <p:ext uri="{BB962C8B-B14F-4D97-AF65-F5344CB8AC3E}">
-        <p14:creationId xmlns:p14="http://schemas.microsoft.com/office/powerpoint/2010/main" val="2736095374"/>
+        <p14:creationId xmlns:p14="http://schemas.microsoft.com/office/powerpoint/2010/main" val="3626951746"/>
       </p:ext>
     </p:extLst>
   </p:cSld>
@@ -10865,19 +12093,11 @@
           <a:p>
             <a:r>
               <a:rPr lang="fi-FI" dirty="0" err="1"/>
-              <a:t>docker</a:t>
+              <a:t>Docker</a:t>
             </a:r>
             <a:r>
               <a:rPr lang="fi-FI" dirty="0"/>
-              <a:t>  (CLI </a:t>
-            </a:r>
-            <a:r>
-              <a:rPr lang="fi-FI" dirty="0" err="1"/>
-              <a:t>command</a:t>
-            </a:r>
-            <a:r>
-              <a:rPr lang="fi-FI" dirty="0"/>
-              <a:t>)</a:t>
+              <a:t> Engine</a:t>
             </a:r>
           </a:p>
         </p:txBody>
@@ -10914,31 +12134,31 @@
               </a:spcAft>
             </a:pPr>
             <a:r>
-              <a:rPr lang="en-US" sz="1800" dirty="0">
+              <a:rPr lang="en-US" sz="2800" dirty="0">
                 <a:effectLst/>
                 <a:latin typeface="Calibri" panose="020F0502020204030204" pitchFamily="34" charset="0"/>
                 <a:ea typeface="Calibri" panose="020F0502020204030204" pitchFamily="34" charset="0"/>
                 <a:cs typeface="Times New Roman" panose="02020603050405020304" pitchFamily="18" charset="0"/>
               </a:rPr>
-              <a:t>The </a:t>
-            </a:r>
-            <a:r>
-              <a:rPr lang="en-US" sz="1800" i="1" dirty="0">
+              <a:t>The engine (</a:t>
+            </a:r>
+            <a:r>
+              <a:rPr lang="en-US" sz="2800" i="1" dirty="0" err="1">
                 <a:effectLst/>
                 <a:latin typeface="Calibri" panose="020F0502020204030204" pitchFamily="34" charset="0"/>
                 <a:ea typeface="Calibri" panose="020F0502020204030204" pitchFamily="34" charset="0"/>
                 <a:cs typeface="Times New Roman" panose="02020603050405020304" pitchFamily="18" charset="0"/>
               </a:rPr>
-              <a:t>docker</a:t>
-            </a:r>
-            <a:r>
-              <a:rPr lang="en-US" sz="1800" dirty="0">
+              <a:t>dockerd</a:t>
+            </a:r>
+            <a:r>
+              <a:rPr lang="en-US" sz="2800" dirty="0">
                 <a:effectLst/>
                 <a:latin typeface="Calibri" panose="020F0502020204030204" pitchFamily="34" charset="0"/>
                 <a:ea typeface="Calibri" panose="020F0502020204030204" pitchFamily="34" charset="0"/>
                 <a:cs typeface="Times New Roman" panose="02020603050405020304" pitchFamily="18" charset="0"/>
               </a:rPr>
-              <a:t> command line command. </a:t>
+              <a:t> daemon/process and Docker Engine API ) </a:t>
             </a:r>
           </a:p>
           <a:p>
@@ -10951,83 +12171,21 @@
               </a:spcAft>
             </a:pPr>
             <a:r>
-              <a:rPr lang="en-US" sz="1800" dirty="0">
+              <a:rPr lang="en-US" sz="2800" dirty="0">
+                <a:latin typeface="Calibri" panose="020F0502020204030204" pitchFamily="34" charset="0"/>
+                <a:ea typeface="Calibri" panose="020F0502020204030204" pitchFamily="34" charset="0"/>
+                <a:cs typeface="Times New Roman" panose="02020603050405020304" pitchFamily="18" charset="0"/>
+              </a:rPr>
+              <a:t>T</a:t>
+            </a:r>
+            <a:r>
+              <a:rPr lang="en-US" sz="2800" dirty="0">
                 <a:effectLst/>
                 <a:latin typeface="Calibri" panose="020F0502020204030204" pitchFamily="34" charset="0"/>
                 <a:ea typeface="Calibri" panose="020F0502020204030204" pitchFamily="34" charset="0"/>
                 <a:cs typeface="Times New Roman" panose="02020603050405020304" pitchFamily="18" charset="0"/>
               </a:rPr>
-              <a:t>Client for giving commands e.g. about </a:t>
-            </a:r>
-          </a:p>
-          <a:p>
-            <a:pPr lvl="1">
-              <a:lnSpc>
-                <a:spcPct val="107000"/>
-              </a:lnSpc>
-              <a:spcAft>
-                <a:spcPts val="800"/>
-              </a:spcAft>
-            </a:pPr>
-            <a:r>
-              <a:rPr lang="en-US" dirty="0">
-                <a:effectLst/>
-                <a:latin typeface="Calibri" panose="020F0502020204030204" pitchFamily="34" charset="0"/>
-                <a:ea typeface="Calibri" panose="020F0502020204030204" pitchFamily="34" charset="0"/>
-                <a:cs typeface="Times New Roman" panose="02020603050405020304" pitchFamily="18" charset="0"/>
-              </a:rPr>
-              <a:t>starting or stopping containers, removing containers </a:t>
-            </a:r>
-            <a:endParaRPr lang="en-US" dirty="0">
-              <a:latin typeface="Calibri" panose="020F0502020204030204" pitchFamily="34" charset="0"/>
-              <a:ea typeface="Calibri" panose="020F0502020204030204" pitchFamily="34" charset="0"/>
-              <a:cs typeface="Times New Roman" panose="02020603050405020304" pitchFamily="18" charset="0"/>
-            </a:endParaRPr>
-          </a:p>
-          <a:p>
-            <a:pPr lvl="1">
-              <a:lnSpc>
-                <a:spcPct val="107000"/>
-              </a:lnSpc>
-              <a:spcAft>
-                <a:spcPts val="800"/>
-              </a:spcAft>
-            </a:pPr>
-            <a:r>
-              <a:rPr lang="en-US" dirty="0">
-                <a:effectLst/>
-                <a:latin typeface="Calibri" panose="020F0502020204030204" pitchFamily="34" charset="0"/>
-                <a:ea typeface="Calibri" panose="020F0502020204030204" pitchFamily="34" charset="0"/>
-                <a:cs typeface="Times New Roman" panose="02020603050405020304" pitchFamily="18" charset="0"/>
-              </a:rPr>
-              <a:t>building, publishing images, removing images</a:t>
-            </a:r>
-          </a:p>
-          <a:p>
-            <a:pPr lvl="1">
-              <a:lnSpc>
-                <a:spcPct val="107000"/>
-              </a:lnSpc>
-              <a:spcAft>
-                <a:spcPts val="800"/>
-              </a:spcAft>
-            </a:pPr>
-            <a:r>
-              <a:rPr lang="en-US" dirty="0">
-                <a:latin typeface="Calibri" panose="020F0502020204030204" pitchFamily="34" charset="0"/>
-                <a:ea typeface="Calibri" panose="020F0502020204030204" pitchFamily="34" charset="0"/>
-                <a:cs typeface="Times New Roman" panose="02020603050405020304" pitchFamily="18" charset="0"/>
-              </a:rPr>
-              <a:t>f</a:t>
-            </a:r>
-            <a:r>
-              <a:rPr lang="en-US" dirty="0">
-                <a:effectLst/>
-                <a:latin typeface="Calibri" panose="020F0502020204030204" pitchFamily="34" charset="0"/>
-                <a:ea typeface="Calibri" panose="020F0502020204030204" pitchFamily="34" charset="0"/>
-                <a:cs typeface="Times New Roman" panose="02020603050405020304" pitchFamily="18" charset="0"/>
-              </a:rPr>
-              <a:t>inding status of containers and images</a:t>
+              <a:t>o manage and run the containers.</a:t>
             </a:r>
           </a:p>
           <a:p>
@@ -11040,19 +12198,13 @@
               </a:spcAft>
             </a:pPr>
             <a:r>
-              <a:rPr lang="en-US" dirty="0">
-                <a:latin typeface="Calibri" panose="020F0502020204030204" pitchFamily="34" charset="0"/>
-                <a:ea typeface="Calibri" panose="020F0502020204030204" pitchFamily="34" charset="0"/>
-                <a:cs typeface="Times New Roman" panose="02020603050405020304" pitchFamily="18" charset="0"/>
-              </a:rPr>
-              <a:t>Or executing commands inside the container from outside:         docker exec …</a:t>
-            </a:r>
-            <a:endParaRPr lang="fi-FI" sz="1800" dirty="0">
-              <a:effectLst/>
-              <a:latin typeface="Calibri" panose="020F0502020204030204" pitchFamily="34" charset="0"/>
-              <a:ea typeface="Calibri" panose="020F0502020204030204" pitchFamily="34" charset="0"/>
-              <a:cs typeface="Times New Roman" panose="02020603050405020304" pitchFamily="18" charset="0"/>
-            </a:endParaRPr>
+              <a:rPr lang="en-US" sz="2800" dirty="0">
+                <a:latin typeface="Calibri" panose="020F0502020204030204" pitchFamily="34" charset="0"/>
+                <a:ea typeface="Calibri" panose="020F0502020204030204" pitchFamily="34" charset="0"/>
+                <a:cs typeface="Times New Roman" panose="02020603050405020304" pitchFamily="18" charset="0"/>
+              </a:rPr>
+              <a:t>Isolate and connect them based on definitions</a:t>
+            </a:r>
           </a:p>
         </p:txBody>
       </p:sp>
@@ -11142,7 +12294,7 @@
     </p:spTree>
     <p:extLst>
       <p:ext uri="{BB962C8B-B14F-4D97-AF65-F5344CB8AC3E}">
-        <p14:creationId xmlns:p14="http://schemas.microsoft.com/office/powerpoint/2010/main" val="528999108"/>
+        <p14:creationId xmlns:p14="http://schemas.microsoft.com/office/powerpoint/2010/main" val="2736095374"/>
       </p:ext>
     </p:extLst>
   </p:cSld>
@@ -11192,9 +12344,20 @@
           <a:p>
             <a:r>
               <a:rPr lang="fi-FI" dirty="0" err="1"/>
-              <a:t>Dockerfile</a:t>
-            </a:r>
-            <a:endParaRPr lang="fi-FI" dirty="0"/>
+              <a:t>docker</a:t>
+            </a:r>
+            <a:r>
+              <a:rPr lang="fi-FI" dirty="0"/>
+              <a:t>  (CLI </a:t>
+            </a:r>
+            <a:r>
+              <a:rPr lang="fi-FI" dirty="0" err="1"/>
+              <a:t>command</a:t>
+            </a:r>
+            <a:r>
+              <a:rPr lang="fi-FI" dirty="0"/>
+              <a:t>)</a:t>
+            </a:r>
           </a:p>
         </p:txBody>
       </p:sp>
@@ -11236,7 +12399,25 @@
                 <a:ea typeface="Calibri" panose="020F0502020204030204" pitchFamily="34" charset="0"/>
                 <a:cs typeface="Times New Roman" panose="02020603050405020304" pitchFamily="18" charset="0"/>
               </a:rPr>
-              <a:t>Your ‘script’ for making your own Docker images. </a:t>
+              <a:t>The </a:t>
+            </a:r>
+            <a:r>
+              <a:rPr lang="en-US" sz="1800" i="1" dirty="0">
+                <a:effectLst/>
+                <a:latin typeface="Calibri" panose="020F0502020204030204" pitchFamily="34" charset="0"/>
+                <a:ea typeface="Calibri" panose="020F0502020204030204" pitchFamily="34" charset="0"/>
+                <a:cs typeface="Times New Roman" panose="02020603050405020304" pitchFamily="18" charset="0"/>
+              </a:rPr>
+              <a:t>docker</a:t>
+            </a:r>
+            <a:r>
+              <a:rPr lang="en-US" sz="1800" dirty="0">
+                <a:effectLst/>
+                <a:latin typeface="Calibri" panose="020F0502020204030204" pitchFamily="34" charset="0"/>
+                <a:ea typeface="Calibri" panose="020F0502020204030204" pitchFamily="34" charset="0"/>
+                <a:cs typeface="Times New Roman" panose="02020603050405020304" pitchFamily="18" charset="0"/>
+              </a:rPr>
+              <a:t> command line command. </a:t>
             </a:r>
           </a:p>
           <a:p>
@@ -11255,7 +12436,7 @@
                 <a:ea typeface="Calibri" panose="020F0502020204030204" pitchFamily="34" charset="0"/>
                 <a:cs typeface="Times New Roman" panose="02020603050405020304" pitchFamily="18" charset="0"/>
               </a:rPr>
-              <a:t>Image could be built based on source code and other assets on your disk </a:t>
+              <a:t>Client for giving commands e.g. about </a:t>
             </a:r>
           </a:p>
           <a:p>
@@ -11274,17 +12455,23 @@
                 <a:ea typeface="Calibri" panose="020F0502020204030204" pitchFamily="34" charset="0"/>
                 <a:cs typeface="Times New Roman" panose="02020603050405020304" pitchFamily="18" charset="0"/>
               </a:rPr>
-              <a:t>and, if needed, based on / expanding on ready-made images from </a:t>
-            </a:r>
-            <a:r>
-              <a:rPr lang="en-US" i="1" dirty="0">
-                <a:effectLst/>
-                <a:latin typeface="Calibri" panose="020F0502020204030204" pitchFamily="34" charset="0"/>
-                <a:ea typeface="Calibri" panose="020F0502020204030204" pitchFamily="34" charset="0"/>
-                <a:cs typeface="Times New Roman" panose="02020603050405020304" pitchFamily="18" charset="0"/>
-              </a:rPr>
-              <a:t>Docker Hub</a:t>
-            </a:r>
+              <a:t>starting or stopping containers, removing containers </a:t>
+            </a:r>
+            <a:endParaRPr lang="en-US" dirty="0">
+              <a:latin typeface="Calibri" panose="020F0502020204030204" pitchFamily="34" charset="0"/>
+              <a:ea typeface="Calibri" panose="020F0502020204030204" pitchFamily="34" charset="0"/>
+              <a:cs typeface="Times New Roman" panose="02020603050405020304" pitchFamily="18" charset="0"/>
+            </a:endParaRPr>
+          </a:p>
+          <a:p>
+            <a:pPr lvl="1">
+              <a:lnSpc>
+                <a:spcPct val="107000"/>
+              </a:lnSpc>
+              <a:spcAft>
+                <a:spcPts val="800"/>
+              </a:spcAft>
+            </a:pPr>
             <a:r>
               <a:rPr lang="en-US" dirty="0">
                 <a:effectLst/>
@@ -11292,18 +12479,60 @@
                 <a:ea typeface="Calibri" panose="020F0502020204030204" pitchFamily="34" charset="0"/>
                 <a:cs typeface="Times New Roman" panose="02020603050405020304" pitchFamily="18" charset="0"/>
               </a:rPr>
-              <a:t> or other docker image registry.</a:t>
-            </a:r>
-            <a:endParaRPr lang="fi-FI" dirty="0">
+              <a:t>building, publishing images, removing images</a:t>
+            </a:r>
+          </a:p>
+          <a:p>
+            <a:pPr lvl="1">
+              <a:lnSpc>
+                <a:spcPct val="107000"/>
+              </a:lnSpc>
+              <a:spcAft>
+                <a:spcPts val="800"/>
+              </a:spcAft>
+            </a:pPr>
+            <a:r>
+              <a:rPr lang="en-US" dirty="0">
+                <a:latin typeface="Calibri" panose="020F0502020204030204" pitchFamily="34" charset="0"/>
+                <a:ea typeface="Calibri" panose="020F0502020204030204" pitchFamily="34" charset="0"/>
+                <a:cs typeface="Times New Roman" panose="02020603050405020304" pitchFamily="18" charset="0"/>
+              </a:rPr>
+              <a:t>f</a:t>
+            </a:r>
+            <a:r>
+              <a:rPr lang="en-US" dirty="0">
+                <a:effectLst/>
+                <a:latin typeface="Calibri" panose="020F0502020204030204" pitchFamily="34" charset="0"/>
+                <a:ea typeface="Calibri" panose="020F0502020204030204" pitchFamily="34" charset="0"/>
+                <a:cs typeface="Times New Roman" panose="02020603050405020304" pitchFamily="18" charset="0"/>
+              </a:rPr>
+              <a:t>inding status of containers and images</a:t>
+            </a:r>
+          </a:p>
+          <a:p>
+            <a:pPr>
+              <a:lnSpc>
+                <a:spcPct val="107000"/>
+              </a:lnSpc>
+              <a:spcAft>
+                <a:spcPts val="800"/>
+              </a:spcAft>
+            </a:pPr>
+            <a:r>
+              <a:rPr lang="en-US" dirty="0">
+                <a:latin typeface="Calibri" panose="020F0502020204030204" pitchFamily="34" charset="0"/>
+                <a:ea typeface="Calibri" panose="020F0502020204030204" pitchFamily="34" charset="0"/>
+                <a:cs typeface="Times New Roman" panose="02020603050405020304" pitchFamily="18" charset="0"/>
+              </a:rPr>
+              <a:t>Or executing commands inside the container from outside:         docker exec …</a:t>
+            </a:r>
+            <a:endParaRPr lang="fi-FI" sz="1800" dirty="0">
               <a:effectLst/>
               <a:latin typeface="Calibri" panose="020F0502020204030204" pitchFamily="34" charset="0"/>
               <a:ea typeface="Calibri" panose="020F0502020204030204" pitchFamily="34" charset="0"/>
               <a:cs typeface="Times New Roman" panose="02020603050405020304" pitchFamily="18" charset="0"/>
             </a:endParaRPr>
           </a:p>
-          <a:p>
-            <a:endParaRPr lang="fi-FI" dirty="0"/>
-          </a:p>
         </p:txBody>
       </p:sp>
       <p:sp>
@@ -11392,7 +12621,7 @@
     </p:spTree>
     <p:extLst>
       <p:ext uri="{BB962C8B-B14F-4D97-AF65-F5344CB8AC3E}">
-        <p14:creationId xmlns:p14="http://schemas.microsoft.com/office/powerpoint/2010/main" val="1689429107"/>
+        <p14:creationId xmlns:p14="http://schemas.microsoft.com/office/powerpoint/2010/main" val="528999108"/>
       </p:ext>
     </p:extLst>
   </p:cSld>
@@ -11450,6 +12679,114 @@
       </p:sp>
       <p:sp>
         <p:nvSpPr>
+          <p:cNvPr id="9" name="Content Placeholder 8">
+            <a:extLst>
+              <a:ext uri="{FF2B5EF4-FFF2-40B4-BE49-F238E27FC236}">
+                <a16:creationId xmlns:a16="http://schemas.microsoft.com/office/drawing/2014/main" id="{ACDE61D8-A75A-F94B-B57A-46F276C03311}"/>
+              </a:ext>
+            </a:extLst>
+          </p:cNvPr>
+          <p:cNvSpPr>
+            <a:spLocks noGrp="1"/>
+          </p:cNvSpPr>
+          <p:nvPr>
+            <p:ph sz="half" idx="2"/>
+          </p:nvPr>
+        </p:nvSpPr>
+        <p:spPr/>
+        <p:txBody>
+          <a:bodyPr>
+            <a:normAutofit/>
+          </a:bodyPr>
+          <a:lstStyle/>
+          <a:p>
+            <a:pPr>
+              <a:lnSpc>
+                <a:spcPct val="107000"/>
+              </a:lnSpc>
+              <a:spcAft>
+                <a:spcPts val="800"/>
+              </a:spcAft>
+            </a:pPr>
+            <a:r>
+              <a:rPr lang="en-US" sz="1800" dirty="0">
+                <a:effectLst/>
+                <a:latin typeface="Calibri" panose="020F0502020204030204" pitchFamily="34" charset="0"/>
+                <a:ea typeface="Calibri" panose="020F0502020204030204" pitchFamily="34" charset="0"/>
+                <a:cs typeface="Times New Roman" panose="02020603050405020304" pitchFamily="18" charset="0"/>
+              </a:rPr>
+              <a:t>Your ‘script’ for making your own Docker images. </a:t>
+            </a:r>
+          </a:p>
+          <a:p>
+            <a:pPr>
+              <a:lnSpc>
+                <a:spcPct val="107000"/>
+              </a:lnSpc>
+              <a:spcAft>
+                <a:spcPts val="800"/>
+              </a:spcAft>
+            </a:pPr>
+            <a:r>
+              <a:rPr lang="en-US" sz="1800" dirty="0">
+                <a:effectLst/>
+                <a:latin typeface="Calibri" panose="020F0502020204030204" pitchFamily="34" charset="0"/>
+                <a:ea typeface="Calibri" panose="020F0502020204030204" pitchFamily="34" charset="0"/>
+                <a:cs typeface="Times New Roman" panose="02020603050405020304" pitchFamily="18" charset="0"/>
+              </a:rPr>
+              <a:t>Image could be built based on source code and other assets on your disk </a:t>
+            </a:r>
+          </a:p>
+          <a:p>
+            <a:pPr lvl="1">
+              <a:lnSpc>
+                <a:spcPct val="107000"/>
+              </a:lnSpc>
+              <a:spcAft>
+                <a:spcPts val="800"/>
+              </a:spcAft>
+            </a:pPr>
+            <a:r>
+              <a:rPr lang="en-US" dirty="0">
+                <a:effectLst/>
+                <a:latin typeface="Calibri" panose="020F0502020204030204" pitchFamily="34" charset="0"/>
+                <a:ea typeface="Calibri" panose="020F0502020204030204" pitchFamily="34" charset="0"/>
+                <a:cs typeface="Times New Roman" panose="02020603050405020304" pitchFamily="18" charset="0"/>
+              </a:rPr>
+              <a:t>and, if needed, based on / expanding on ready-made images from </a:t>
+            </a:r>
+            <a:r>
+              <a:rPr lang="en-US" i="1" dirty="0">
+                <a:effectLst/>
+                <a:latin typeface="Calibri" panose="020F0502020204030204" pitchFamily="34" charset="0"/>
+                <a:ea typeface="Calibri" panose="020F0502020204030204" pitchFamily="34" charset="0"/>
+                <a:cs typeface="Times New Roman" panose="02020603050405020304" pitchFamily="18" charset="0"/>
+              </a:rPr>
+              <a:t>Docker Hub</a:t>
+            </a:r>
+            <a:r>
+              <a:rPr lang="en-US" dirty="0">
+                <a:effectLst/>
+                <a:latin typeface="Calibri" panose="020F0502020204030204" pitchFamily="34" charset="0"/>
+                <a:ea typeface="Calibri" panose="020F0502020204030204" pitchFamily="34" charset="0"/>
+                <a:cs typeface="Times New Roman" panose="02020603050405020304" pitchFamily="18" charset="0"/>
+              </a:rPr>
+              <a:t> or other docker image registry.</a:t>
+            </a:r>
+            <a:endParaRPr lang="fi-FI" dirty="0">
+              <a:effectLst/>
+              <a:latin typeface="Calibri" panose="020F0502020204030204" pitchFamily="34" charset="0"/>
+              <a:ea typeface="Calibri" panose="020F0502020204030204" pitchFamily="34" charset="0"/>
+              <a:cs typeface="Times New Roman" panose="02020603050405020304" pitchFamily="18" charset="0"/>
+            </a:endParaRPr>
+          </a:p>
+          <a:p>
+            <a:endParaRPr lang="fi-FI" dirty="0"/>
+          </a:p>
+        </p:txBody>
+      </p:sp>
+      <p:sp>
+        <p:nvSpPr>
           <p:cNvPr id="5" name="Date Placeholder 4">
             <a:extLst>
               <a:ext uri="{FF2B5EF4-FFF2-40B4-BE49-F238E27FC236}">
@@ -11531,81 +12868,10 @@
           </a:p>
         </p:txBody>
       </p:sp>
-      <p:pic>
-        <p:nvPicPr>
-          <p:cNvPr id="10" name="Picture 9" descr="A screenshot of a computer&#10;&#10;Description automatically generated">
-            <a:extLst>
-              <a:ext uri="{FF2B5EF4-FFF2-40B4-BE49-F238E27FC236}">
-                <a16:creationId xmlns:a16="http://schemas.microsoft.com/office/drawing/2014/main" id="{0B651A1E-9BED-B689-916E-442E238ECDEE}"/>
-              </a:ext>
-            </a:extLst>
-          </p:cNvPr>
-          <p:cNvPicPr>
-            <a:picLocks noChangeAspect="1"/>
-          </p:cNvPicPr>
-          <p:nvPr/>
-        </p:nvPicPr>
-        <p:blipFill>
-          <a:blip r:embed="rId2"/>
-          <a:stretch>
-            <a:fillRect/>
-          </a:stretch>
-        </p:blipFill>
-        <p:spPr>
-          <a:xfrm>
-            <a:off x="1723127" y="1014668"/>
-            <a:ext cx="10283938" cy="4065904"/>
-          </a:xfrm>
-          <a:prstGeom prst="rect">
-            <a:avLst/>
-          </a:prstGeom>
-        </p:spPr>
-      </p:pic>
-      <p:sp>
-        <p:nvSpPr>
-          <p:cNvPr id="11" name="TextBox 10">
-            <a:extLst>
-              <a:ext uri="{FF2B5EF4-FFF2-40B4-BE49-F238E27FC236}">
-                <a16:creationId xmlns:a16="http://schemas.microsoft.com/office/drawing/2014/main" id="{A556BAEC-3128-42E0-F30F-6A4F790BB1BB}"/>
-              </a:ext>
-            </a:extLst>
-          </p:cNvPr>
-          <p:cNvSpPr txBox="1"/>
-          <p:nvPr/>
-        </p:nvSpPr>
-        <p:spPr>
-          <a:xfrm>
-            <a:off x="423643" y="4837163"/>
-            <a:ext cx="2844344" cy="646331"/>
-          </a:xfrm>
-          <a:prstGeom prst="rect">
-            <a:avLst/>
-          </a:prstGeom>
-          <a:noFill/>
-        </p:spPr>
-        <p:txBody>
-          <a:bodyPr wrap="square">
-            <a:spAutoFit/>
-          </a:bodyPr>
-          <a:lstStyle/>
-          <a:p>
-            <a:r>
-              <a:rPr lang="en-US" sz="1800" dirty="0">
-                <a:effectLst/>
-                <a:latin typeface="Calibri" panose="020F0502020204030204" pitchFamily="34" charset="0"/>
-                <a:ea typeface="Calibri" panose="020F0502020204030204" pitchFamily="34" charset="0"/>
-                <a:cs typeface="Times New Roman" panose="02020603050405020304" pitchFamily="18" charset="0"/>
-              </a:rPr>
-              <a:t>Source: https://docs.docker.com</a:t>
-            </a:r>
-            <a:endParaRPr lang="fi-FI" dirty="0"/>
-          </a:p>
-        </p:txBody>
-      </p:sp>
     </p:spTree>
     <p:extLst>
       <p:ext uri="{BB962C8B-B14F-4D97-AF65-F5344CB8AC3E}">
-        <p14:creationId xmlns:p14="http://schemas.microsoft.com/office/powerpoint/2010/main" val="2851349343"/>
+        <p14:creationId xmlns:p14="http://schemas.microsoft.com/office/powerpoint/2010/main" val="1689429107"/>
       </p:ext>
     </p:extLst>
   </p:cSld>
@@ -12172,21 +13438,21 @@
 </file>
 
 <file path=customXml/item1.xml><?xml version="1.0" encoding="utf-8"?>
+<?mso-contentType ?>
+<FormTemplates xmlns="http://schemas.microsoft.com/sharepoint/v3/contenttype/forms">
+  <Display>DocumentLibraryForm</Display>
+  <Edit>DocumentLibraryForm</Edit>
+  <New>DocumentLibraryForm</New>
+</FormTemplates>
+</file>
+
+<file path=customXml/item2.xml><?xml version="1.0" encoding="utf-8"?>
 <p:properties xmlns:p="http://schemas.microsoft.com/office/2006/metadata/properties" xmlns:xsi="http://www.w3.org/2001/XMLSchema-instance" xmlns:pc="http://schemas.microsoft.com/office/infopath/2007/PartnerControls">
   <documentManagement>
     <PublishingExpirationDate xmlns="http://schemas.microsoft.com/sharepoint/v3" xsi:nil="true"/>
     <PublishingStartDate xmlns="http://schemas.microsoft.com/sharepoint/v3" xsi:nil="true"/>
   </documentManagement>
 </p:properties>
-</file>
-
-<file path=customXml/item2.xml><?xml version="1.0" encoding="utf-8"?>
-<?mso-contentType ?>
-<FormTemplates xmlns="http://schemas.microsoft.com/sharepoint/v3/contenttype/forms">
-  <Display>DocumentLibraryForm</Display>
-  <Edit>DocumentLibraryForm</Edit>
-  <New>DocumentLibraryForm</New>
-</FormTemplates>
 </file>
 
 <file path=customXml/item3.xml><?xml version="1.0" encoding="utf-8"?>
@@ -12322,6 +13588,14 @@
 </file>
 
 <file path=customXml/itemProps1.xml><?xml version="1.0" encoding="utf-8"?>
+<ds:datastoreItem xmlns:ds="http://schemas.openxmlformats.org/officeDocument/2006/customXml" ds:itemID="{D546C03B-CD3A-4EA0-AAA4-0E00E896454E}">
+  <ds:schemaRefs>
+    <ds:schemaRef ds:uri="http://schemas.microsoft.com/sharepoint/v3/contenttype/forms"/>
+  </ds:schemaRefs>
+</ds:datastoreItem>
+</file>
+
+<file path=customXml/itemProps2.xml><?xml version="1.0" encoding="utf-8"?>
 <ds:datastoreItem xmlns:ds="http://schemas.openxmlformats.org/officeDocument/2006/customXml" ds:itemID="{DED4E12E-7268-4B03-A47B-0755D62B5E31}">
   <ds:schemaRefs>
     <ds:schemaRef ds:uri="http://schemas.microsoft.com/sharepoint/v3"/>
@@ -12333,14 +13607,6 @@
     <ds:schemaRef ds:uri="http://schemas.openxmlformats.org/package/2006/metadata/core-properties"/>
     <ds:schemaRef ds:uri="http://schemas.microsoft.com/office/2006/metadata/properties"/>
     <ds:schemaRef ds:uri="http://www.w3.org/XML/1998/namespace"/>
-  </ds:schemaRefs>
-</ds:datastoreItem>
-</file>
-
-<file path=customXml/itemProps2.xml><?xml version="1.0" encoding="utf-8"?>
-<ds:datastoreItem xmlns:ds="http://schemas.openxmlformats.org/officeDocument/2006/customXml" ds:itemID="{D546C03B-CD3A-4EA0-AAA4-0E00E896454E}">
-  <ds:schemaRefs>
-    <ds:schemaRef ds:uri="http://schemas.microsoft.com/sharepoint/v3/contenttype/forms"/>
   </ds:schemaRefs>
 </ds:datastoreItem>
 </file>

--- a/01_docker/DockerConceptsAndVocabulary.pptx
+++ b/01_docker/DockerConceptsAndVocabulary.pptx
@@ -1209,7 +1209,7 @@
           <a:p>
             <a:fld id="{5645C365-1C26-6946-87AF-75D6A7DF4277}" type="datetimeFigureOut">
               <a:rPr lang="en-GB" smtClean="0"/>
-              <a:t>18/02/2024</a:t>
+              <a:t>29/08/2024</a:t>
             </a:fld>
             <a:endParaRPr lang="en-GB"/>
           </a:p>
@@ -1708,7 +1708,7 @@
           <a:p>
             <a:fld id="{35B864B8-8D08-7B43-B4FB-B2FB41A5D9E3}" type="datetime1">
               <a:rPr lang="fi-FI" smtClean="0"/>
-              <a:t>18.2.2024</a:t>
+              <a:t>29.8.2024</a:t>
             </a:fld>
             <a:endParaRPr lang="en-GB" dirty="0"/>
           </a:p>
@@ -2035,7 +2035,7 @@
           <a:p>
             <a:fld id="{D5AEA85A-FC56-D34C-9AA6-ECC3D2586F37}" type="datetime1">
               <a:rPr lang="fi-FI" smtClean="0"/>
-              <a:t>18.2.2024</a:t>
+              <a:t>29.8.2024</a:t>
             </a:fld>
             <a:endParaRPr lang="en-GB" dirty="0"/>
           </a:p>
@@ -2245,7 +2245,7 @@
           <a:p>
             <a:fld id="{E6BC6EEF-E660-7844-8930-418AFF95EA40}" type="datetime1">
               <a:rPr lang="fi-FI" smtClean="0"/>
-              <a:t>18.2.2024</a:t>
+              <a:t>29.8.2024</a:t>
             </a:fld>
             <a:endParaRPr lang="en-GB" dirty="0"/>
           </a:p>
@@ -2554,7 +2554,7 @@
           <a:p>
             <a:fld id="{4E10C7EC-C1C1-9849-A573-7692478FCD52}" type="datetime1">
               <a:rPr lang="fi-FI" smtClean="0"/>
-              <a:t>18.2.2024</a:t>
+              <a:t>29.8.2024</a:t>
             </a:fld>
             <a:endParaRPr lang="en-GB" dirty="0"/>
           </a:p>
@@ -2827,7 +2827,7 @@
           <a:p>
             <a:fld id="{844FF3FE-30BE-2040-9151-6FBC4992BF4F}" type="datetime1">
               <a:rPr lang="fi-FI" smtClean="0"/>
-              <a:t>18.2.2024</a:t>
+              <a:t>29.8.2024</a:t>
             </a:fld>
             <a:endParaRPr lang="en-GB" dirty="0"/>
           </a:p>
@@ -3067,7 +3067,7 @@
           <a:p>
             <a:fld id="{11EDCD7B-6966-E249-89F2-D46BDFBF56BE}" type="datetime1">
               <a:rPr lang="fi-FI" smtClean="0"/>
-              <a:t>18.2.2024</a:t>
+              <a:t>29.8.2024</a:t>
             </a:fld>
             <a:endParaRPr lang="en-GB" dirty="0"/>
           </a:p>
@@ -3360,7 +3360,7 @@
           <a:p>
             <a:fld id="{11EDCD7B-6966-E249-89F2-D46BDFBF56BE}" type="datetime1">
               <a:rPr lang="fi-FI" smtClean="0"/>
-              <a:t>18.2.2024</a:t>
+              <a:t>29.8.2024</a:t>
             </a:fld>
             <a:endParaRPr lang="en-GB" dirty="0"/>
           </a:p>
@@ -3799,7 +3799,7 @@
           <a:p>
             <a:fld id="{844FF3FE-30BE-2040-9151-6FBC4992BF4F}" type="datetime1">
               <a:rPr lang="fi-FI" smtClean="0"/>
-              <a:t>18.2.2024</a:t>
+              <a:t>29.8.2024</a:t>
             </a:fld>
             <a:endParaRPr lang="en-GB" dirty="0"/>
           </a:p>
@@ -4027,7 +4027,7 @@
           <a:p>
             <a:fld id="{11EDCD7B-6966-E249-89F2-D46BDFBF56BE}" type="datetime1">
               <a:rPr lang="fi-FI" smtClean="0"/>
-              <a:t>18.2.2024</a:t>
+              <a:t>29.8.2024</a:t>
             </a:fld>
             <a:endParaRPr lang="en-GB" dirty="0"/>
           </a:p>
@@ -4442,7 +4442,7 @@
           <a:p>
             <a:fld id="{B62E192A-D52B-F541-B2AA-4AEB9388F1F7}" type="datetime1">
               <a:rPr lang="fi-FI" smtClean="0"/>
-              <a:t>18.2.2024</a:t>
+              <a:t>29.8.2024</a:t>
             </a:fld>
             <a:endParaRPr lang="en-GB" dirty="0"/>
           </a:p>
@@ -4742,7 +4742,7 @@
           <a:p>
             <a:fld id="{EEA4FAA2-2B3E-264C-A42F-2D6D3EF33A3C}" type="datetime1">
               <a:rPr lang="fi-FI" smtClean="0"/>
-              <a:t>18.2.2024</a:t>
+              <a:t>29.8.2024</a:t>
             </a:fld>
             <a:endParaRPr lang="en-GB" dirty="0"/>
           </a:p>
@@ -5645,7 +5645,7 @@
           <a:p>
             <a:fld id="{B3114A65-8017-1743-A85A-B2A4BB835AE9}" type="datetime1">
               <a:rPr lang="fi-FI" smtClean="0"/>
-              <a:t>18.2.2024</a:t>
+              <a:t>29.8.2024</a:t>
             </a:fld>
             <a:endParaRPr lang="en-GB" dirty="0"/>
           </a:p>
@@ -5873,7 +5873,7 @@
           <a:p>
             <a:fld id="{11EDCD7B-6966-E249-89F2-D46BDFBF56BE}" type="datetime1">
               <a:rPr lang="fi-FI" smtClean="0"/>
-              <a:t>18.2.2024</a:t>
+              <a:t>29.8.2024</a:t>
             </a:fld>
             <a:endParaRPr lang="en-GB" dirty="0"/>
           </a:p>
@@ -6165,7 +6165,7 @@
           <a:p>
             <a:fld id="{45F98643-D206-614D-B596-3C8548138211}" type="datetime1">
               <a:rPr lang="fi-FI" smtClean="0"/>
-              <a:t>18.2.2024</a:t>
+              <a:t>29.8.2024</a:t>
             </a:fld>
             <a:endParaRPr lang="en-GB" dirty="0"/>
           </a:p>
@@ -6805,7 +6805,7 @@
           <a:p>
             <a:fld id="{30BF63A1-919F-FB49-ABA8-182126D24C50}" type="datetime1">
               <a:rPr lang="fi-FI" smtClean="0"/>
-              <a:t>18.2.2024</a:t>
+              <a:t>29.8.2024</a:t>
             </a:fld>
             <a:endParaRPr lang="en-GB" dirty="0"/>
           </a:p>
@@ -6918,7 +6918,7 @@
           <a:p>
             <a:fld id="{202E1EC2-47B8-044B-A09E-6A63B4D80C87}" type="datetime1">
               <a:rPr lang="fi-FI" smtClean="0"/>
-              <a:t>18.2.2024</a:t>
+              <a:t>29.8.2024</a:t>
             </a:fld>
             <a:endParaRPr lang="en-GB"/>
           </a:p>
@@ -7187,7 +7187,7 @@
           <a:p>
             <a:fld id="{202E1EC2-47B8-044B-A09E-6A63B4D80C87}" type="datetime1">
               <a:rPr lang="fi-FI" smtClean="0"/>
-              <a:t>18.2.2024</a:t>
+              <a:t>29.8.2024</a:t>
             </a:fld>
             <a:endParaRPr lang="en-GB"/>
           </a:p>
@@ -7324,7 +7324,7 @@
         <p:spPr/>
         <p:txBody>
           <a:bodyPr>
-            <a:normAutofit/>
+            <a:normAutofit lnSpcReduction="10000"/>
           </a:bodyPr>
           <a:lstStyle/>
           <a:p>
@@ -7343,7 +7343,25 @@
                 <a:ea typeface="Calibri" panose="020F0502020204030204" pitchFamily="34" charset="0"/>
                 <a:cs typeface="Times New Roman" panose="02020603050405020304" pitchFamily="18" charset="0"/>
               </a:rPr>
-              <a:t>Ready-made from Docker Hub, OR one you have created. Template that can be used to create container.</a:t>
+              <a:t>Ready-made from Docker Hub, </a:t>
+            </a:r>
+            <a:r>
+              <a:rPr lang="en-US" sz="1800" b="1" dirty="0">
+                <a:effectLst/>
+                <a:latin typeface="Calibri" panose="020F0502020204030204" pitchFamily="34" charset="0"/>
+                <a:ea typeface="Calibri" panose="020F0502020204030204" pitchFamily="34" charset="0"/>
+                <a:cs typeface="Times New Roman" panose="02020603050405020304" pitchFamily="18" charset="0"/>
+              </a:rPr>
+              <a:t>OR</a:t>
+            </a:r>
+            <a:r>
+              <a:rPr lang="en-US" sz="1800" dirty="0">
+                <a:effectLst/>
+                <a:latin typeface="Calibri" panose="020F0502020204030204" pitchFamily="34" charset="0"/>
+                <a:ea typeface="Calibri" panose="020F0502020204030204" pitchFamily="34" charset="0"/>
+                <a:cs typeface="Times New Roman" panose="02020603050405020304" pitchFamily="18" charset="0"/>
+              </a:rPr>
+              <a:t> one you have created. Template that can be used to create containers.</a:t>
             </a:r>
             <a:endParaRPr lang="fi-FI" sz="1800" dirty="0">
               <a:effectLst/>
@@ -7368,7 +7386,24 @@
                 <a:ea typeface="Calibri" panose="020F0502020204030204" pitchFamily="34" charset="0"/>
                 <a:cs typeface="Times New Roman" panose="02020603050405020304" pitchFamily="18" charset="0"/>
               </a:rPr>
-              <a:t>E.g. some MariaDB image you want to take into use. It’s a snapshot of a running/runnable MariaDB or other DB server that starts from a certain documented state. Typically, there is a root user with known password (public information, everyone knows the password!), a certain database/schema created, like ‘test’. When taking that image into use, you must then immediately:</a:t>
+              <a:t>E.g. some database image you want to take into use. It’s a snapshot of a running/runnable DB server that starts from a certain documented state, configured in a certain documented way. See the Docke</a:t>
+            </a:r>
+            <a:r>
+              <a:rPr lang="en-US" dirty="0">
+                <a:latin typeface="Calibri" panose="020F0502020204030204" pitchFamily="34" charset="0"/>
+                <a:ea typeface="Calibri" panose="020F0502020204030204" pitchFamily="34" charset="0"/>
+                <a:cs typeface="Times New Roman" panose="02020603050405020304" pitchFamily="18" charset="0"/>
+              </a:rPr>
+              <a:t>r hub for the documentation.</a:t>
+            </a:r>
+            <a:r>
+              <a:rPr lang="en-US" sz="1800" dirty="0">
+                <a:effectLst/>
+                <a:latin typeface="Calibri" panose="020F0502020204030204" pitchFamily="34" charset="0"/>
+                <a:ea typeface="Calibri" panose="020F0502020204030204" pitchFamily="34" charset="0"/>
+                <a:cs typeface="Times New Roman" panose="02020603050405020304" pitchFamily="18" charset="0"/>
+              </a:rPr>
+              <a:t> Typically, there is a root user with known or set password, a certain database/schema created, like ‘test’. When taking that image into use, you must then configure your own image/container:</a:t>
             </a:r>
             <a:endParaRPr lang="fi-FI" sz="1800" dirty="0">
               <a:effectLst/>
@@ -7487,7 +7522,57 @@
               </a:rPr>
               <a:t>…</a:t>
             </a:r>
-            <a:endParaRPr lang="fi-FI" dirty="0">
+          </a:p>
+          <a:p>
+            <a:pPr marL="846900" lvl="1" indent="-342900">
+              <a:lnSpc>
+                <a:spcPct val="107000"/>
+              </a:lnSpc>
+              <a:spcAft>
+                <a:spcPts val="800"/>
+              </a:spcAft>
+              <a:buFont typeface="Calibri" panose="020F0502020204030204" pitchFamily="34" charset="0"/>
+              <a:buChar char="-"/>
+            </a:pPr>
+            <a:r>
+              <a:rPr lang="en-US" dirty="0">
+                <a:latin typeface="Calibri" panose="020F0502020204030204" pitchFamily="34" charset="0"/>
+                <a:ea typeface="Calibri" panose="020F0502020204030204" pitchFamily="34" charset="0"/>
+                <a:cs typeface="Times New Roman" panose="02020603050405020304" pitchFamily="18" charset="0"/>
+              </a:rPr>
+              <a:t>expose a port?</a:t>
+            </a:r>
+          </a:p>
+          <a:p>
+            <a:pPr marL="846900" lvl="1" indent="-342900">
+              <a:lnSpc>
+                <a:spcPct val="107000"/>
+              </a:lnSpc>
+              <a:spcAft>
+                <a:spcPts val="800"/>
+              </a:spcAft>
+              <a:buFont typeface="Calibri" panose="020F0502020204030204" pitchFamily="34" charset="0"/>
+              <a:buChar char="-"/>
+            </a:pPr>
+            <a:r>
+              <a:rPr lang="en-US" dirty="0">
+                <a:effectLst/>
+                <a:latin typeface="Calibri" panose="020F0502020204030204" pitchFamily="34" charset="0"/>
+                <a:ea typeface="Calibri" panose="020F0502020204030204" pitchFamily="34" charset="0"/>
+                <a:cs typeface="Times New Roman" panose="02020603050405020304" pitchFamily="18" charset="0"/>
+              </a:rPr>
+              <a:t>persist the data (metadata and actual data rows) with a docker </a:t>
+            </a:r>
+            <a:r>
+              <a:rPr lang="en-US" b="1" dirty="0">
+                <a:effectLst/>
+                <a:latin typeface="Calibri" panose="020F0502020204030204" pitchFamily="34" charset="0"/>
+                <a:ea typeface="Calibri" panose="020F0502020204030204" pitchFamily="34" charset="0"/>
+                <a:cs typeface="Times New Roman" panose="02020603050405020304" pitchFamily="18" charset="0"/>
+              </a:rPr>
+              <a:t>volume</a:t>
+            </a:r>
+            <a:endParaRPr lang="fi-FI" b="1" dirty="0">
               <a:effectLst/>
               <a:latin typeface="Calibri" panose="020F0502020204030204" pitchFamily="34" charset="0"/>
               <a:ea typeface="Calibri" panose="020F0502020204030204" pitchFamily="34" charset="0"/>
@@ -7519,7 +7604,7 @@
           <a:p>
             <a:fld id="{202E1EC2-47B8-044B-A09E-6A63B4D80C87}" type="datetime1">
               <a:rPr lang="fi-FI" smtClean="0"/>
-              <a:t>18.2.2024</a:t>
+              <a:t>29.8.2024</a:t>
             </a:fld>
             <a:endParaRPr lang="en-GB"/>
           </a:p>
@@ -7753,7 +7838,7 @@
           <a:p>
             <a:fld id="{202E1EC2-47B8-044B-A09E-6A63B4D80C87}" type="datetime1">
               <a:rPr lang="fi-FI" smtClean="0"/>
-              <a:t>18.2.2024</a:t>
+              <a:t>29.8.2024</a:t>
             </a:fld>
             <a:endParaRPr lang="en-GB"/>
           </a:p>
@@ -7986,7 +8071,33 @@
                 <a:ea typeface="Calibri" panose="020F0502020204030204" pitchFamily="34" charset="0"/>
                 <a:cs typeface="Times New Roman" panose="02020603050405020304" pitchFamily="18" charset="0"/>
               </a:rPr>
-              <a:t>define the services, plus</a:t>
+              <a:t>define </a:t>
+            </a:r>
+            <a:r>
+              <a:rPr lang="en-US" sz="1800" dirty="0">
+                <a:latin typeface="Calibri" panose="020F0502020204030204" pitchFamily="34" charset="0"/>
+                <a:ea typeface="Calibri" panose="020F0502020204030204" pitchFamily="34" charset="0"/>
+                <a:cs typeface="Times New Roman" panose="02020603050405020304" pitchFamily="18" charset="0"/>
+              </a:rPr>
+              <a:t>one or more </a:t>
+            </a:r>
+            <a:r>
+              <a:rPr lang="en-US" sz="1800" b="1" dirty="0">
+                <a:effectLst/>
+                <a:latin typeface="Calibri" panose="020F0502020204030204" pitchFamily="34" charset="0"/>
+                <a:ea typeface="Calibri" panose="020F0502020204030204" pitchFamily="34" charset="0"/>
+                <a:cs typeface="Times New Roman" panose="02020603050405020304" pitchFamily="18" charset="0"/>
+              </a:rPr>
+              <a:t>services</a:t>
+            </a:r>
+            <a:r>
+              <a:rPr lang="en-US" sz="1800" dirty="0">
+                <a:effectLst/>
+                <a:latin typeface="Calibri" panose="020F0502020204030204" pitchFamily="34" charset="0"/>
+                <a:ea typeface="Calibri" panose="020F0502020204030204" pitchFamily="34" charset="0"/>
+                <a:cs typeface="Times New Roman" panose="02020603050405020304" pitchFamily="18" charset="0"/>
+              </a:rPr>
+              <a:t>, plus</a:t>
             </a:r>
           </a:p>
           <a:p>
@@ -8005,7 +8116,25 @@
                 <a:ea typeface="Calibri" panose="020F0502020204030204" pitchFamily="34" charset="0"/>
                 <a:cs typeface="Times New Roman" panose="02020603050405020304" pitchFamily="18" charset="0"/>
               </a:rPr>
-              <a:t>make some ports exposed </a:t>
+              <a:t>make some </a:t>
+            </a:r>
+            <a:r>
+              <a:rPr lang="en-US" sz="1800" b="1" dirty="0">
+                <a:effectLst/>
+                <a:latin typeface="Calibri" panose="020F0502020204030204" pitchFamily="34" charset="0"/>
+                <a:ea typeface="Calibri" panose="020F0502020204030204" pitchFamily="34" charset="0"/>
+                <a:cs typeface="Times New Roman" panose="02020603050405020304" pitchFamily="18" charset="0"/>
+              </a:rPr>
+              <a:t>ports</a:t>
+            </a:r>
+            <a:r>
+              <a:rPr lang="en-US" sz="1800" dirty="0">
+                <a:effectLst/>
+                <a:latin typeface="Calibri" panose="020F0502020204030204" pitchFamily="34" charset="0"/>
+                <a:ea typeface="Calibri" panose="020F0502020204030204" pitchFamily="34" charset="0"/>
+                <a:cs typeface="Times New Roman" panose="02020603050405020304" pitchFamily="18" charset="0"/>
+              </a:rPr>
+              <a:t> exposed </a:t>
             </a:r>
           </a:p>
           <a:p>
@@ -8032,7 +8161,25 @@
                 <a:ea typeface="Calibri" panose="020F0502020204030204" pitchFamily="34" charset="0"/>
                 <a:cs typeface="Times New Roman" panose="02020603050405020304" pitchFamily="18" charset="0"/>
               </a:rPr>
-              <a:t>nd/or define (virtual) networks shared by multiple containers </a:t>
+              <a:t>nd/or define (virtual) </a:t>
+            </a:r>
+            <a:r>
+              <a:rPr lang="en-US" sz="1800" b="1" dirty="0">
+                <a:effectLst/>
+                <a:latin typeface="Calibri" panose="020F0502020204030204" pitchFamily="34" charset="0"/>
+                <a:ea typeface="Calibri" panose="020F0502020204030204" pitchFamily="34" charset="0"/>
+                <a:cs typeface="Times New Roman" panose="02020603050405020304" pitchFamily="18" charset="0"/>
+              </a:rPr>
+              <a:t>networks</a:t>
+            </a:r>
+            <a:r>
+              <a:rPr lang="en-US" sz="1800" dirty="0">
+                <a:effectLst/>
+                <a:latin typeface="Calibri" panose="020F0502020204030204" pitchFamily="34" charset="0"/>
+                <a:ea typeface="Calibri" panose="020F0502020204030204" pitchFamily="34" charset="0"/>
+                <a:cs typeface="Times New Roman" panose="02020603050405020304" pitchFamily="18" charset="0"/>
+              </a:rPr>
+              <a:t> shared by multiple containers </a:t>
             </a:r>
           </a:p>
           <a:p>
@@ -8051,7 +8198,25 @@
                 <a:ea typeface="Calibri" panose="020F0502020204030204" pitchFamily="34" charset="0"/>
                 <a:cs typeface="Times New Roman" panose="02020603050405020304" pitchFamily="18" charset="0"/>
               </a:rPr>
-              <a:t>or share volumes. </a:t>
+              <a:t>and/or share </a:t>
+            </a:r>
+            <a:r>
+              <a:rPr lang="en-US" sz="1800" b="1" dirty="0">
+                <a:effectLst/>
+                <a:latin typeface="Calibri" panose="020F0502020204030204" pitchFamily="34" charset="0"/>
+                <a:ea typeface="Calibri" panose="020F0502020204030204" pitchFamily="34" charset="0"/>
+                <a:cs typeface="Times New Roman" panose="02020603050405020304" pitchFamily="18" charset="0"/>
+              </a:rPr>
+              <a:t>volumes</a:t>
+            </a:r>
+            <a:r>
+              <a:rPr lang="en-US" sz="1800" dirty="0">
+                <a:effectLst/>
+                <a:latin typeface="Calibri" panose="020F0502020204030204" pitchFamily="34" charset="0"/>
+                <a:ea typeface="Calibri" panose="020F0502020204030204" pitchFamily="34" charset="0"/>
+                <a:cs typeface="Times New Roman" panose="02020603050405020304" pitchFamily="18" charset="0"/>
+              </a:rPr>
+              <a:t>. </a:t>
             </a:r>
             <a:endParaRPr lang="en-US" sz="1800" dirty="0">
               <a:latin typeface="Calibri" panose="020F0502020204030204" pitchFamily="34" charset="0"/>
@@ -8075,10 +8240,19 @@
                 <a:ea typeface="Calibri" panose="020F0502020204030204" pitchFamily="34" charset="0"/>
                 <a:cs typeface="Times New Roman" panose="02020603050405020304" pitchFamily="18" charset="0"/>
               </a:rPr>
-              <a:t>You can define those in a docker-</a:t>
-            </a:r>
-            <a:r>
-              <a:rPr lang="en-US" dirty="0" err="1">
+              <a:t>You can define those in a </a:t>
+            </a:r>
+            <a:r>
+              <a:rPr lang="en-US" b="1" dirty="0">
+                <a:effectLst/>
+                <a:latin typeface="Calibri" panose="020F0502020204030204" pitchFamily="34" charset="0"/>
+                <a:ea typeface="Calibri" panose="020F0502020204030204" pitchFamily="34" charset="0"/>
+                <a:cs typeface="Times New Roman" panose="02020603050405020304" pitchFamily="18" charset="0"/>
+              </a:rPr>
+              <a:t>docker-</a:t>
+            </a:r>
+            <a:r>
+              <a:rPr lang="en-US" b="1" dirty="0" err="1">
                 <a:effectLst/>
                 <a:latin typeface="Calibri" panose="020F0502020204030204" pitchFamily="34" charset="0"/>
                 <a:ea typeface="Calibri" panose="020F0502020204030204" pitchFamily="34" charset="0"/>
@@ -8158,7 +8332,7 @@
           <a:p>
             <a:fld id="{202E1EC2-47B8-044B-A09E-6A63B4D80C87}" type="datetime1">
               <a:rPr lang="fi-FI" smtClean="0"/>
-              <a:t>18.2.2024</a:t>
+              <a:t>29.8.2024</a:t>
             </a:fld>
             <a:endParaRPr lang="en-GB"/>
           </a:p>
@@ -8334,7 +8508,7 @@
                 <a:ea typeface="Calibri" panose="020F0502020204030204" pitchFamily="34" charset="0"/>
                 <a:cs typeface="Times New Roman" panose="02020603050405020304" pitchFamily="18" charset="0"/>
               </a:rPr>
-              <a:t>Allows sharing between containers</a:t>
+              <a:t>Allows sharing between containers, if they are configured to see that volume</a:t>
             </a:r>
           </a:p>
           <a:p>
@@ -8409,7 +8583,7 @@
           <a:p>
             <a:fld id="{202E1EC2-47B8-044B-A09E-6A63B4D80C87}" type="datetime1">
               <a:rPr lang="fi-FI" smtClean="0"/>
-              <a:t>18.2.2024</a:t>
+              <a:t>29.8.2024</a:t>
             </a:fld>
             <a:endParaRPr lang="en-GB"/>
           </a:p>
@@ -8551,7 +8725,7 @@
           <a:p>
             <a:fld id="{202E1EC2-47B8-044B-A09E-6A63B4D80C87}" type="datetime1">
               <a:rPr lang="fi-FI" smtClean="0"/>
-              <a:t>18.2.2024</a:t>
+              <a:t>29.8.2024</a:t>
             </a:fld>
             <a:endParaRPr lang="en-GB"/>
           </a:p>
@@ -9137,7 +9311,7 @@
           <a:p>
             <a:fld id="{202E1EC2-47B8-044B-A09E-6A63B4D80C87}" type="datetime1">
               <a:rPr lang="fi-FI" smtClean="0"/>
-              <a:t>18.2.2024</a:t>
+              <a:t>29.8.2024</a:t>
             </a:fld>
             <a:endParaRPr lang="en-GB"/>
           </a:p>
@@ -9279,7 +9453,7 @@
           <a:p>
             <a:fld id="{202E1EC2-47B8-044B-A09E-6A63B4D80C87}" type="datetime1">
               <a:rPr lang="fi-FI" smtClean="0"/>
-              <a:t>18.2.2024</a:t>
+              <a:t>29.8.2024</a:t>
             </a:fld>
             <a:endParaRPr lang="en-GB"/>
           </a:p>
@@ -9758,7 +9932,7 @@
           <a:p>
             <a:fld id="{7A2E22EC-FB8F-BE4C-8513-60D11DB7758C}" type="datetime1">
               <a:rPr lang="fi-FI" smtClean="0"/>
-              <a:t>18.2.2024</a:t>
+              <a:t>29.8.2024</a:t>
             </a:fld>
             <a:endParaRPr lang="en-GB"/>
           </a:p>
@@ -9987,7 +10161,7 @@
                 <a:ea typeface="Calibri" panose="020F0502020204030204" pitchFamily="34" charset="0"/>
                 <a:cs typeface="Times New Roman" panose="02020603050405020304" pitchFamily="18" charset="0"/>
               </a:rPr>
-              <a:t>, e.g. for your browser to use</a:t>
+              <a:t>, e.g., for your laptop browser to use</a:t>
             </a:r>
             <a:endParaRPr lang="fi-FI" sz="2800" dirty="0">
               <a:effectLst/>
@@ -10052,7 +10226,25 @@
                 <a:ea typeface="Calibri" panose="020F0502020204030204" pitchFamily="34" charset="0"/>
                 <a:cs typeface="Times New Roman" panose="02020603050405020304" pitchFamily="18" charset="0"/>
               </a:rPr>
-              <a:t>You can make containers to share data also by shared </a:t>
+              <a:t>You can make containers to share data also by shared and </a:t>
+            </a:r>
+            <a:r>
+              <a:rPr lang="en-US" sz="2800" b="1" dirty="0">
+                <a:effectLst/>
+                <a:latin typeface="Calibri" panose="020F0502020204030204" pitchFamily="34" charset="0"/>
+                <a:ea typeface="Calibri" panose="020F0502020204030204" pitchFamily="34" charset="0"/>
+                <a:cs typeface="Times New Roman" panose="02020603050405020304" pitchFamily="18" charset="0"/>
+              </a:rPr>
+              <a:t>persisted</a:t>
+            </a:r>
+            <a:r>
+              <a:rPr lang="en-US" sz="2800" dirty="0">
+                <a:effectLst/>
+                <a:latin typeface="Calibri" panose="020F0502020204030204" pitchFamily="34" charset="0"/>
+                <a:ea typeface="Calibri" panose="020F0502020204030204" pitchFamily="34" charset="0"/>
+                <a:cs typeface="Times New Roman" panose="02020603050405020304" pitchFamily="18" charset="0"/>
+              </a:rPr>
+              <a:t> </a:t>
             </a:r>
             <a:r>
               <a:rPr lang="en-US" sz="2800" b="1" dirty="0">
@@ -10070,7 +10262,7 @@
                 <a:ea typeface="Calibri" panose="020F0502020204030204" pitchFamily="34" charset="0"/>
                 <a:cs typeface="Times New Roman" panose="02020603050405020304" pitchFamily="18" charset="0"/>
               </a:rPr>
-              <a:t> Basically a shared folder that two or more containers can access.</a:t>
+              <a:t> Basically, a shared folder that two or more containers can access.</a:t>
             </a:r>
             <a:endParaRPr lang="fi-FI" sz="2800" dirty="0">
               <a:effectLst/>
@@ -10107,7 +10299,7 @@
           <a:p>
             <a:fld id="{202E1EC2-47B8-044B-A09E-6A63B4D80C87}" type="datetime1">
               <a:rPr lang="fi-FI" smtClean="0"/>
-              <a:t>18.2.2024</a:t>
+              <a:t>29.8.2024</a:t>
             </a:fld>
             <a:endParaRPr lang="en-GB"/>
           </a:p>
@@ -10281,7 +10473,7 @@
         </p:spPr>
         <p:txBody>
           <a:bodyPr>
-            <a:normAutofit/>
+            <a:normAutofit fontScale="92500" lnSpcReduction="10000"/>
           </a:bodyPr>
           <a:lstStyle/>
           <a:p>
@@ -10291,7 +10483,7 @@
               </a:lnSpc>
             </a:pPr>
             <a:r>
-              <a:rPr lang="fi-FI" sz="2800" dirty="0" err="1">
+              <a:rPr lang="en-US" sz="2800" dirty="0">
                 <a:effectLst/>
                 <a:latin typeface="Calibri" panose="020F0502020204030204" pitchFamily="34" charset="0"/>
                 <a:ea typeface="Calibri" panose="020F0502020204030204" pitchFamily="34" charset="0"/>
@@ -10300,292 +10492,12 @@
               <a:t>Shortes</a:t>
             </a:r>
             <a:r>
-              <a:rPr lang="fi-FI" sz="2800" dirty="0" err="1">
+              <a:rPr lang="en-US" sz="2800" dirty="0">
                 <a:latin typeface="Calibri" panose="020F0502020204030204" pitchFamily="34" charset="0"/>
                 <a:ea typeface="Calibri" panose="020F0502020204030204" pitchFamily="34" charset="0"/>
                 <a:cs typeface="Times New Roman" panose="02020603050405020304" pitchFamily="18" charset="0"/>
               </a:rPr>
-              <a:t>t</a:t>
-            </a:r>
-            <a:r>
-              <a:rPr lang="fi-FI" sz="2800" dirty="0">
-                <a:latin typeface="Calibri" panose="020F0502020204030204" pitchFamily="34" charset="0"/>
-                <a:ea typeface="Calibri" panose="020F0502020204030204" pitchFamily="34" charset="0"/>
-                <a:cs typeface="Times New Roman" panose="02020603050405020304" pitchFamily="18" charset="0"/>
-              </a:rPr>
-              <a:t> </a:t>
-            </a:r>
-            <a:r>
-              <a:rPr lang="fi-FI" sz="2800" dirty="0" err="1">
-                <a:latin typeface="Calibri" panose="020F0502020204030204" pitchFamily="34" charset="0"/>
-                <a:ea typeface="Calibri" panose="020F0502020204030204" pitchFamily="34" charset="0"/>
-                <a:cs typeface="Times New Roman" panose="02020603050405020304" pitchFamily="18" charset="0"/>
-              </a:rPr>
-              <a:t>way</a:t>
-            </a:r>
-            <a:r>
-              <a:rPr lang="fi-FI" sz="2800" dirty="0">
-                <a:latin typeface="Calibri" panose="020F0502020204030204" pitchFamily="34" charset="0"/>
-                <a:ea typeface="Calibri" panose="020F0502020204030204" pitchFamily="34" charset="0"/>
-                <a:cs typeface="Times New Roman" panose="02020603050405020304" pitchFamily="18" charset="0"/>
-              </a:rPr>
-              <a:t> is </a:t>
-            </a:r>
-            <a:r>
-              <a:rPr lang="fi-FI" sz="2800" dirty="0" err="1">
-                <a:latin typeface="Calibri" panose="020F0502020204030204" pitchFamily="34" charset="0"/>
-                <a:ea typeface="Calibri" panose="020F0502020204030204" pitchFamily="34" charset="0"/>
-                <a:cs typeface="Times New Roman" panose="02020603050405020304" pitchFamily="18" charset="0"/>
-              </a:rPr>
-              <a:t>maybe</a:t>
-            </a:r>
-            <a:r>
-              <a:rPr lang="fi-FI" sz="2800" dirty="0">
-                <a:latin typeface="Calibri" panose="020F0502020204030204" pitchFamily="34" charset="0"/>
-                <a:ea typeface="Calibri" panose="020F0502020204030204" pitchFamily="34" charset="0"/>
-                <a:cs typeface="Times New Roman" panose="02020603050405020304" pitchFamily="18" charset="0"/>
-              </a:rPr>
-              <a:t> to </a:t>
-            </a:r>
-            <a:r>
-              <a:rPr lang="fi-FI" sz="2800" dirty="0" err="1">
-                <a:latin typeface="Calibri" panose="020F0502020204030204" pitchFamily="34" charset="0"/>
-                <a:ea typeface="Calibri" panose="020F0502020204030204" pitchFamily="34" charset="0"/>
-                <a:cs typeface="Times New Roman" panose="02020603050405020304" pitchFamily="18" charset="0"/>
-              </a:rPr>
-              <a:t>say</a:t>
-            </a:r>
-            <a:r>
-              <a:rPr lang="fi-FI" sz="2800" dirty="0">
-                <a:latin typeface="Calibri" panose="020F0502020204030204" pitchFamily="34" charset="0"/>
-                <a:ea typeface="Calibri" panose="020F0502020204030204" pitchFamily="34" charset="0"/>
-                <a:cs typeface="Times New Roman" panose="02020603050405020304" pitchFamily="18" charset="0"/>
-              </a:rPr>
-              <a:t> </a:t>
-            </a:r>
-            <a:r>
-              <a:rPr lang="fi-FI" sz="2800" dirty="0" err="1">
-                <a:latin typeface="Calibri" panose="020F0502020204030204" pitchFamily="34" charset="0"/>
-                <a:ea typeface="Calibri" panose="020F0502020204030204" pitchFamily="34" charset="0"/>
-                <a:cs typeface="Times New Roman" panose="02020603050405020304" pitchFamily="18" charset="0"/>
-              </a:rPr>
-              <a:t>that</a:t>
-            </a:r>
-            <a:r>
-              <a:rPr lang="fi-FI" sz="2800" dirty="0">
-                <a:latin typeface="Calibri" panose="020F0502020204030204" pitchFamily="34" charset="0"/>
-                <a:ea typeface="Calibri" panose="020F0502020204030204" pitchFamily="34" charset="0"/>
-                <a:cs typeface="Times New Roman" panose="02020603050405020304" pitchFamily="18" charset="0"/>
-              </a:rPr>
-              <a:t> </a:t>
-            </a:r>
-            <a:r>
-              <a:rPr lang="fi-FI" sz="2800" dirty="0" err="1">
-                <a:latin typeface="Calibri" panose="020F0502020204030204" pitchFamily="34" charset="0"/>
-                <a:ea typeface="Calibri" panose="020F0502020204030204" pitchFamily="34" charset="0"/>
-                <a:cs typeface="Times New Roman" panose="02020603050405020304" pitchFamily="18" charset="0"/>
-              </a:rPr>
-              <a:t>docker</a:t>
-            </a:r>
-            <a:r>
-              <a:rPr lang="fi-FI" sz="2800" dirty="0">
-                <a:latin typeface="Calibri" panose="020F0502020204030204" pitchFamily="34" charset="0"/>
-                <a:ea typeface="Calibri" panose="020F0502020204030204" pitchFamily="34" charset="0"/>
-                <a:cs typeface="Times New Roman" panose="02020603050405020304" pitchFamily="18" charset="0"/>
-              </a:rPr>
-              <a:t> </a:t>
-            </a:r>
-            <a:r>
-              <a:rPr lang="fi-FI" sz="2800" dirty="0" err="1">
-                <a:latin typeface="Calibri" panose="020F0502020204030204" pitchFamily="34" charset="0"/>
-                <a:ea typeface="Calibri" panose="020F0502020204030204" pitchFamily="34" charset="0"/>
-                <a:cs typeface="Times New Roman" panose="02020603050405020304" pitchFamily="18" charset="0"/>
-              </a:rPr>
-              <a:t>containers</a:t>
-            </a:r>
-            <a:r>
-              <a:rPr lang="fi-FI" sz="2800" dirty="0">
-                <a:latin typeface="Calibri" panose="020F0502020204030204" pitchFamily="34" charset="0"/>
-                <a:ea typeface="Calibri" panose="020F0502020204030204" pitchFamily="34" charset="0"/>
-                <a:cs typeface="Times New Roman" panose="02020603050405020304" pitchFamily="18" charset="0"/>
-              </a:rPr>
-              <a:t> </a:t>
-            </a:r>
-            <a:r>
-              <a:rPr lang="fi-FI" sz="2800" dirty="0" err="1">
-                <a:latin typeface="Calibri" panose="020F0502020204030204" pitchFamily="34" charset="0"/>
-                <a:ea typeface="Calibri" panose="020F0502020204030204" pitchFamily="34" charset="0"/>
-                <a:cs typeface="Times New Roman" panose="02020603050405020304" pitchFamily="18" charset="0"/>
-              </a:rPr>
-              <a:t>run</a:t>
-            </a:r>
-            <a:r>
-              <a:rPr lang="fi-FI" sz="2800" dirty="0">
-                <a:latin typeface="Calibri" panose="020F0502020204030204" pitchFamily="34" charset="0"/>
-                <a:ea typeface="Calibri" panose="020F0502020204030204" pitchFamily="34" charset="0"/>
-                <a:cs typeface="Times New Roman" panose="02020603050405020304" pitchFamily="18" charset="0"/>
-              </a:rPr>
-              <a:t> a bit </a:t>
-            </a:r>
-            <a:r>
-              <a:rPr lang="fi-FI" sz="2800" dirty="0" err="1">
-                <a:latin typeface="Calibri" panose="020F0502020204030204" pitchFamily="34" charset="0"/>
-                <a:ea typeface="Calibri" panose="020F0502020204030204" pitchFamily="34" charset="0"/>
-                <a:cs typeface="Times New Roman" panose="02020603050405020304" pitchFamily="18" charset="0"/>
-              </a:rPr>
-              <a:t>like</a:t>
-            </a:r>
-            <a:r>
-              <a:rPr lang="fi-FI" sz="2800" dirty="0">
-                <a:latin typeface="Calibri" panose="020F0502020204030204" pitchFamily="34" charset="0"/>
-                <a:ea typeface="Calibri" panose="020F0502020204030204" pitchFamily="34" charset="0"/>
-                <a:cs typeface="Times New Roman" panose="02020603050405020304" pitchFamily="18" charset="0"/>
-              </a:rPr>
-              <a:t> just </a:t>
-            </a:r>
-            <a:r>
-              <a:rPr lang="fi-FI" sz="2800" dirty="0" err="1">
-                <a:latin typeface="Calibri" panose="020F0502020204030204" pitchFamily="34" charset="0"/>
-                <a:ea typeface="Calibri" panose="020F0502020204030204" pitchFamily="34" charset="0"/>
-                <a:cs typeface="Times New Roman" panose="02020603050405020304" pitchFamily="18" charset="0"/>
-              </a:rPr>
-              <a:t>apps</a:t>
-            </a:r>
-            <a:r>
-              <a:rPr lang="fi-FI" sz="2800" dirty="0">
-                <a:latin typeface="Calibri" panose="020F0502020204030204" pitchFamily="34" charset="0"/>
-                <a:ea typeface="Calibri" panose="020F0502020204030204" pitchFamily="34" charset="0"/>
-                <a:cs typeface="Times New Roman" panose="02020603050405020304" pitchFamily="18" charset="0"/>
-              </a:rPr>
-              <a:t> in a </a:t>
-            </a:r>
-            <a:r>
-              <a:rPr lang="fi-FI" sz="2800" dirty="0" err="1">
-                <a:latin typeface="Calibri" panose="020F0502020204030204" pitchFamily="34" charset="0"/>
-                <a:ea typeface="Calibri" panose="020F0502020204030204" pitchFamily="34" charset="0"/>
-                <a:cs typeface="Times New Roman" panose="02020603050405020304" pitchFamily="18" charset="0"/>
-              </a:rPr>
-              <a:t>computer</a:t>
-            </a:r>
-            <a:r>
-              <a:rPr lang="fi-FI" sz="2800" dirty="0">
-                <a:latin typeface="Calibri" panose="020F0502020204030204" pitchFamily="34" charset="0"/>
-                <a:ea typeface="Calibri" panose="020F0502020204030204" pitchFamily="34" charset="0"/>
-                <a:cs typeface="Times New Roman" panose="02020603050405020304" pitchFamily="18" charset="0"/>
-              </a:rPr>
-              <a:t> </a:t>
-            </a:r>
-            <a:r>
-              <a:rPr lang="fi-FI" sz="2800" dirty="0" err="1">
-                <a:latin typeface="Calibri" panose="020F0502020204030204" pitchFamily="34" charset="0"/>
-                <a:ea typeface="Calibri" panose="020F0502020204030204" pitchFamily="34" charset="0"/>
-                <a:cs typeface="Times New Roman" panose="02020603050405020304" pitchFamily="18" charset="0"/>
-              </a:rPr>
-              <a:t>where</a:t>
-            </a:r>
-            <a:r>
-              <a:rPr lang="fi-FI" sz="2800" dirty="0">
-                <a:latin typeface="Calibri" panose="020F0502020204030204" pitchFamily="34" charset="0"/>
-                <a:ea typeface="Calibri" panose="020F0502020204030204" pitchFamily="34" charset="0"/>
-                <a:cs typeface="Times New Roman" panose="02020603050405020304" pitchFamily="18" charset="0"/>
-              </a:rPr>
-              <a:t> </a:t>
-            </a:r>
-            <a:r>
-              <a:rPr lang="fi-FI" sz="2800" dirty="0" err="1">
-                <a:latin typeface="Calibri" panose="020F0502020204030204" pitchFamily="34" charset="0"/>
-                <a:ea typeface="Calibri" panose="020F0502020204030204" pitchFamily="34" charset="0"/>
-                <a:cs typeface="Times New Roman" panose="02020603050405020304" pitchFamily="18" charset="0"/>
-              </a:rPr>
-              <a:t>there</a:t>
-            </a:r>
-            <a:r>
-              <a:rPr lang="fi-FI" sz="2800" dirty="0">
-                <a:latin typeface="Calibri" panose="020F0502020204030204" pitchFamily="34" charset="0"/>
-                <a:ea typeface="Calibri" panose="020F0502020204030204" pitchFamily="34" charset="0"/>
-                <a:cs typeface="Times New Roman" panose="02020603050405020304" pitchFamily="18" charset="0"/>
-              </a:rPr>
-              <a:t> is </a:t>
-            </a:r>
-            <a:r>
-              <a:rPr lang="fi-FI" sz="2800" dirty="0" err="1">
-                <a:latin typeface="Calibri" panose="020F0502020204030204" pitchFamily="34" charset="0"/>
-                <a:ea typeface="Calibri" panose="020F0502020204030204" pitchFamily="34" charset="0"/>
-                <a:cs typeface="Times New Roman" panose="02020603050405020304" pitchFamily="18" charset="0"/>
-              </a:rPr>
-              <a:t>only</a:t>
-            </a:r>
-            <a:r>
-              <a:rPr lang="fi-FI" sz="2800" dirty="0">
-                <a:latin typeface="Calibri" panose="020F0502020204030204" pitchFamily="34" charset="0"/>
-                <a:ea typeface="Calibri" panose="020F0502020204030204" pitchFamily="34" charset="0"/>
-                <a:cs typeface="Times New Roman" panose="02020603050405020304" pitchFamily="18" charset="0"/>
-              </a:rPr>
-              <a:t> </a:t>
-            </a:r>
-            <a:r>
-              <a:rPr lang="fi-FI" sz="2800" dirty="0" err="1">
-                <a:latin typeface="Calibri" panose="020F0502020204030204" pitchFamily="34" charset="0"/>
-                <a:ea typeface="Calibri" panose="020F0502020204030204" pitchFamily="34" charset="0"/>
-                <a:cs typeface="Times New Roman" panose="02020603050405020304" pitchFamily="18" charset="0"/>
-              </a:rPr>
-              <a:t>one</a:t>
-            </a:r>
-            <a:r>
-              <a:rPr lang="fi-FI" sz="2800" dirty="0">
-                <a:latin typeface="Calibri" panose="020F0502020204030204" pitchFamily="34" charset="0"/>
-                <a:ea typeface="Calibri" panose="020F0502020204030204" pitchFamily="34" charset="0"/>
-                <a:cs typeface="Times New Roman" panose="02020603050405020304" pitchFamily="18" charset="0"/>
-              </a:rPr>
-              <a:t> </a:t>
-            </a:r>
-            <a:r>
-              <a:rPr lang="fi-FI" sz="2800" dirty="0" err="1">
-                <a:latin typeface="Calibri" panose="020F0502020204030204" pitchFamily="34" charset="0"/>
-                <a:ea typeface="Calibri" panose="020F0502020204030204" pitchFamily="34" charset="0"/>
-                <a:cs typeface="Times New Roman" panose="02020603050405020304" pitchFamily="18" charset="0"/>
-              </a:rPr>
-              <a:t>real</a:t>
-            </a:r>
-            <a:r>
-              <a:rPr lang="fi-FI" sz="2800" dirty="0">
-                <a:latin typeface="Calibri" panose="020F0502020204030204" pitchFamily="34" charset="0"/>
-                <a:ea typeface="Calibri" panose="020F0502020204030204" pitchFamily="34" charset="0"/>
-                <a:cs typeface="Times New Roman" panose="02020603050405020304" pitchFamily="18" charset="0"/>
-              </a:rPr>
-              <a:t> operating </a:t>
-            </a:r>
-            <a:r>
-              <a:rPr lang="fi-FI" sz="2800" dirty="0" err="1">
-                <a:latin typeface="Calibri" panose="020F0502020204030204" pitchFamily="34" charset="0"/>
-                <a:ea typeface="Calibri" panose="020F0502020204030204" pitchFamily="34" charset="0"/>
-                <a:cs typeface="Times New Roman" panose="02020603050405020304" pitchFamily="18" charset="0"/>
-              </a:rPr>
-              <a:t>system</a:t>
-            </a:r>
-            <a:r>
-              <a:rPr lang="fi-FI" sz="2800" dirty="0">
-                <a:latin typeface="Calibri" panose="020F0502020204030204" pitchFamily="34" charset="0"/>
-                <a:ea typeface="Calibri" panose="020F0502020204030204" pitchFamily="34" charset="0"/>
-                <a:cs typeface="Times New Roman" panose="02020603050405020304" pitchFamily="18" charset="0"/>
-              </a:rPr>
-              <a:t> </a:t>
-            </a:r>
-            <a:r>
-              <a:rPr lang="fi-FI" sz="2800" dirty="0" err="1">
-                <a:latin typeface="Calibri" panose="020F0502020204030204" pitchFamily="34" charset="0"/>
-                <a:ea typeface="Calibri" panose="020F0502020204030204" pitchFamily="34" charset="0"/>
-                <a:cs typeface="Times New Roman" panose="02020603050405020304" pitchFamily="18" charset="0"/>
-              </a:rPr>
-              <a:t>running</a:t>
-            </a:r>
-            <a:r>
-              <a:rPr lang="fi-FI" sz="2800" dirty="0">
-                <a:latin typeface="Calibri" panose="020F0502020204030204" pitchFamily="34" charset="0"/>
-                <a:ea typeface="Calibri" panose="020F0502020204030204" pitchFamily="34" charset="0"/>
-                <a:cs typeface="Times New Roman" panose="02020603050405020304" pitchFamily="18" charset="0"/>
-              </a:rPr>
-              <a:t>.</a:t>
+              <a:t>t way is maybe to say that docker containers run a bit like just apps in a computer where there is only one real operating system running.</a:t>
             </a:r>
           </a:p>
           <a:p>
@@ -10595,300 +10507,12 @@
               </a:lnSpc>
             </a:pPr>
             <a:r>
-              <a:rPr lang="fi-FI" sz="2800" dirty="0">
+              <a:rPr lang="en-US" sz="2800" dirty="0">
                 <a:latin typeface="Calibri" panose="020F0502020204030204" pitchFamily="34" charset="0"/>
                 <a:ea typeface="Calibri" panose="020F0502020204030204" pitchFamily="34" charset="0"/>
                 <a:cs typeface="Times New Roman" panose="02020603050405020304" pitchFamily="18" charset="0"/>
               </a:rPr>
-              <a:t>In </a:t>
-            </a:r>
-            <a:r>
-              <a:rPr lang="fi-FI" sz="2800" dirty="0" err="1">
-                <a:latin typeface="Calibri" panose="020F0502020204030204" pitchFamily="34" charset="0"/>
-                <a:ea typeface="Calibri" panose="020F0502020204030204" pitchFamily="34" charset="0"/>
-                <a:cs typeface="Times New Roman" panose="02020603050405020304" pitchFamily="18" charset="0"/>
-              </a:rPr>
-              <a:t>that</a:t>
-            </a:r>
-            <a:r>
-              <a:rPr lang="fi-FI" sz="2800" dirty="0">
-                <a:latin typeface="Calibri" panose="020F0502020204030204" pitchFamily="34" charset="0"/>
-                <a:ea typeface="Calibri" panose="020F0502020204030204" pitchFamily="34" charset="0"/>
-                <a:cs typeface="Times New Roman" panose="02020603050405020304" pitchFamily="18" charset="0"/>
-              </a:rPr>
-              <a:t> operating </a:t>
-            </a:r>
-            <a:r>
-              <a:rPr lang="fi-FI" sz="2800" dirty="0" err="1">
-                <a:latin typeface="Calibri" panose="020F0502020204030204" pitchFamily="34" charset="0"/>
-                <a:ea typeface="Calibri" panose="020F0502020204030204" pitchFamily="34" charset="0"/>
-                <a:cs typeface="Times New Roman" panose="02020603050405020304" pitchFamily="18" charset="0"/>
-              </a:rPr>
-              <a:t>system</a:t>
-            </a:r>
-            <a:r>
-              <a:rPr lang="fi-FI" sz="2800" dirty="0">
-                <a:latin typeface="Calibri" panose="020F0502020204030204" pitchFamily="34" charset="0"/>
-                <a:ea typeface="Calibri" panose="020F0502020204030204" pitchFamily="34" charset="0"/>
-                <a:cs typeface="Times New Roman" panose="02020603050405020304" pitchFamily="18" charset="0"/>
-              </a:rPr>
-              <a:t>, </a:t>
-            </a:r>
-            <a:r>
-              <a:rPr lang="fi-FI" sz="2800" dirty="0" err="1">
-                <a:latin typeface="Calibri" panose="020F0502020204030204" pitchFamily="34" charset="0"/>
-                <a:ea typeface="Calibri" panose="020F0502020204030204" pitchFamily="34" charset="0"/>
-                <a:cs typeface="Times New Roman" panose="02020603050405020304" pitchFamily="18" charset="0"/>
-              </a:rPr>
-              <a:t>there</a:t>
-            </a:r>
-            <a:r>
-              <a:rPr lang="fi-FI" sz="2800" dirty="0">
-                <a:latin typeface="Calibri" panose="020F0502020204030204" pitchFamily="34" charset="0"/>
-                <a:ea typeface="Calibri" panose="020F0502020204030204" pitchFamily="34" charset="0"/>
-                <a:cs typeface="Times New Roman" panose="02020603050405020304" pitchFamily="18" charset="0"/>
-              </a:rPr>
-              <a:t> is an </a:t>
-            </a:r>
-            <a:r>
-              <a:rPr lang="fi-FI" sz="2800" dirty="0" err="1">
-                <a:latin typeface="Calibri" panose="020F0502020204030204" pitchFamily="34" charset="0"/>
-                <a:ea typeface="Calibri" panose="020F0502020204030204" pitchFamily="34" charset="0"/>
-                <a:cs typeface="Times New Roman" panose="02020603050405020304" pitchFamily="18" charset="0"/>
-              </a:rPr>
-              <a:t>docker</a:t>
-            </a:r>
-            <a:r>
-              <a:rPr lang="fi-FI" sz="2800" dirty="0">
-                <a:latin typeface="Calibri" panose="020F0502020204030204" pitchFamily="34" charset="0"/>
-                <a:ea typeface="Calibri" panose="020F0502020204030204" pitchFamily="34" charset="0"/>
-                <a:cs typeface="Times New Roman" panose="02020603050405020304" pitchFamily="18" charset="0"/>
-              </a:rPr>
-              <a:t> </a:t>
-            </a:r>
-            <a:r>
-              <a:rPr lang="fi-FI" sz="2800" dirty="0" err="1">
-                <a:latin typeface="Calibri" panose="020F0502020204030204" pitchFamily="34" charset="0"/>
-                <a:ea typeface="Calibri" panose="020F0502020204030204" pitchFamily="34" charset="0"/>
-                <a:cs typeface="Times New Roman" panose="02020603050405020304" pitchFamily="18" charset="0"/>
-              </a:rPr>
-              <a:t>engine</a:t>
-            </a:r>
-            <a:r>
-              <a:rPr lang="fi-FI" sz="2800" dirty="0">
-                <a:latin typeface="Calibri" panose="020F0502020204030204" pitchFamily="34" charset="0"/>
-                <a:ea typeface="Calibri" panose="020F0502020204030204" pitchFamily="34" charset="0"/>
-                <a:cs typeface="Times New Roman" panose="02020603050405020304" pitchFamily="18" charset="0"/>
-              </a:rPr>
-              <a:t> </a:t>
-            </a:r>
-            <a:r>
-              <a:rPr lang="fi-FI" sz="2800" dirty="0" err="1">
-                <a:latin typeface="Calibri" panose="020F0502020204030204" pitchFamily="34" charset="0"/>
-                <a:ea typeface="Calibri" panose="020F0502020204030204" pitchFamily="34" charset="0"/>
-                <a:cs typeface="Times New Roman" panose="02020603050405020304" pitchFamily="18" charset="0"/>
-              </a:rPr>
-              <a:t>server</a:t>
-            </a:r>
-            <a:r>
-              <a:rPr lang="fi-FI" sz="2800" dirty="0">
-                <a:latin typeface="Calibri" panose="020F0502020204030204" pitchFamily="34" charset="0"/>
-                <a:ea typeface="Calibri" panose="020F0502020204030204" pitchFamily="34" charset="0"/>
-                <a:cs typeface="Times New Roman" panose="02020603050405020304" pitchFamily="18" charset="0"/>
-              </a:rPr>
-              <a:t>, </a:t>
-            </a:r>
-            <a:r>
-              <a:rPr lang="fi-FI" sz="2800" dirty="0" err="1">
-                <a:latin typeface="Calibri" panose="020F0502020204030204" pitchFamily="34" charset="0"/>
-                <a:ea typeface="Calibri" panose="020F0502020204030204" pitchFamily="34" charset="0"/>
-                <a:cs typeface="Times New Roman" panose="02020603050405020304" pitchFamily="18" charset="0"/>
-              </a:rPr>
-              <a:t>that</a:t>
-            </a:r>
-            <a:r>
-              <a:rPr lang="fi-FI" sz="2800" dirty="0">
-                <a:latin typeface="Calibri" panose="020F0502020204030204" pitchFamily="34" charset="0"/>
-                <a:ea typeface="Calibri" panose="020F0502020204030204" pitchFamily="34" charset="0"/>
-                <a:cs typeface="Times New Roman" panose="02020603050405020304" pitchFamily="18" charset="0"/>
-              </a:rPr>
-              <a:t> </a:t>
-            </a:r>
-            <a:r>
-              <a:rPr lang="fi-FI" sz="2800" dirty="0" err="1">
-                <a:latin typeface="Calibri" panose="020F0502020204030204" pitchFamily="34" charset="0"/>
-                <a:ea typeface="Calibri" panose="020F0502020204030204" pitchFamily="34" charset="0"/>
-                <a:cs typeface="Times New Roman" panose="02020603050405020304" pitchFamily="18" charset="0"/>
-              </a:rPr>
-              <a:t>runs</a:t>
-            </a:r>
-            <a:r>
-              <a:rPr lang="fi-FI" sz="2800" dirty="0">
-                <a:latin typeface="Calibri" panose="020F0502020204030204" pitchFamily="34" charset="0"/>
-                <a:ea typeface="Calibri" panose="020F0502020204030204" pitchFamily="34" charset="0"/>
-                <a:cs typeface="Times New Roman" panose="02020603050405020304" pitchFamily="18" charset="0"/>
-              </a:rPr>
-              <a:t> </a:t>
-            </a:r>
-            <a:r>
-              <a:rPr lang="fi-FI" sz="2800" dirty="0" err="1">
-                <a:latin typeface="Calibri" panose="020F0502020204030204" pitchFamily="34" charset="0"/>
-                <a:ea typeface="Calibri" panose="020F0502020204030204" pitchFamily="34" charset="0"/>
-                <a:cs typeface="Times New Roman" panose="02020603050405020304" pitchFamily="18" charset="0"/>
-              </a:rPr>
-              <a:t>the</a:t>
-            </a:r>
-            <a:r>
-              <a:rPr lang="fi-FI" sz="2800" dirty="0">
-                <a:latin typeface="Calibri" panose="020F0502020204030204" pitchFamily="34" charset="0"/>
-                <a:ea typeface="Calibri" panose="020F0502020204030204" pitchFamily="34" charset="0"/>
-                <a:cs typeface="Times New Roman" panose="02020603050405020304" pitchFamily="18" charset="0"/>
-              </a:rPr>
-              <a:t> </a:t>
-            </a:r>
-            <a:r>
-              <a:rPr lang="fi-FI" sz="2800" dirty="0" err="1">
-                <a:latin typeface="Calibri" panose="020F0502020204030204" pitchFamily="34" charset="0"/>
-                <a:ea typeface="Calibri" panose="020F0502020204030204" pitchFamily="34" charset="0"/>
-                <a:cs typeface="Times New Roman" panose="02020603050405020304" pitchFamily="18" charset="0"/>
-              </a:rPr>
-              <a:t>docker</a:t>
-            </a:r>
-            <a:r>
-              <a:rPr lang="fi-FI" sz="2800" dirty="0">
-                <a:latin typeface="Calibri" panose="020F0502020204030204" pitchFamily="34" charset="0"/>
-                <a:ea typeface="Calibri" panose="020F0502020204030204" pitchFamily="34" charset="0"/>
-                <a:cs typeface="Times New Roman" panose="02020603050405020304" pitchFamily="18" charset="0"/>
-              </a:rPr>
-              <a:t> </a:t>
-            </a:r>
-            <a:r>
-              <a:rPr lang="fi-FI" sz="2800" dirty="0" err="1">
-                <a:latin typeface="Calibri" panose="020F0502020204030204" pitchFamily="34" charset="0"/>
-                <a:ea typeface="Calibri" panose="020F0502020204030204" pitchFamily="34" charset="0"/>
-                <a:cs typeface="Times New Roman" panose="02020603050405020304" pitchFamily="18" charset="0"/>
-              </a:rPr>
-              <a:t>containers</a:t>
-            </a:r>
-            <a:r>
-              <a:rPr lang="fi-FI" sz="2800" dirty="0">
-                <a:latin typeface="Calibri" panose="020F0502020204030204" pitchFamily="34" charset="0"/>
-                <a:ea typeface="Calibri" panose="020F0502020204030204" pitchFamily="34" charset="0"/>
-                <a:cs typeface="Times New Roman" panose="02020603050405020304" pitchFamily="18" charset="0"/>
-              </a:rPr>
-              <a:t> in </a:t>
-            </a:r>
-            <a:r>
-              <a:rPr lang="fi-FI" sz="2800" dirty="0" err="1">
-                <a:latin typeface="Calibri" panose="020F0502020204030204" pitchFamily="34" charset="0"/>
-                <a:ea typeface="Calibri" panose="020F0502020204030204" pitchFamily="34" charset="0"/>
-                <a:cs typeface="Times New Roman" panose="02020603050405020304" pitchFamily="18" charset="0"/>
-              </a:rPr>
-              <a:t>isolation</a:t>
-            </a:r>
-            <a:r>
-              <a:rPr lang="fi-FI" sz="2800" dirty="0">
-                <a:latin typeface="Calibri" panose="020F0502020204030204" pitchFamily="34" charset="0"/>
-                <a:ea typeface="Calibri" panose="020F0502020204030204" pitchFamily="34" charset="0"/>
-                <a:cs typeface="Times New Roman" panose="02020603050405020304" pitchFamily="18" charset="0"/>
-              </a:rPr>
-              <a:t>, </a:t>
-            </a:r>
-            <a:r>
-              <a:rPr lang="fi-FI" sz="2800" dirty="0" err="1">
-                <a:latin typeface="Calibri" panose="020F0502020204030204" pitchFamily="34" charset="0"/>
-                <a:ea typeface="Calibri" panose="020F0502020204030204" pitchFamily="34" charset="0"/>
-                <a:cs typeface="Times New Roman" panose="02020603050405020304" pitchFamily="18" charset="0"/>
-              </a:rPr>
-              <a:t>managing</a:t>
-            </a:r>
-            <a:r>
-              <a:rPr lang="fi-FI" sz="2800" dirty="0">
-                <a:latin typeface="Calibri" panose="020F0502020204030204" pitchFamily="34" charset="0"/>
-                <a:ea typeface="Calibri" panose="020F0502020204030204" pitchFamily="34" charset="0"/>
-                <a:cs typeface="Times New Roman" panose="02020603050405020304" pitchFamily="18" charset="0"/>
-              </a:rPr>
-              <a:t> </a:t>
-            </a:r>
-            <a:r>
-              <a:rPr lang="fi-FI" sz="2800" dirty="0" err="1">
-                <a:latin typeface="Calibri" panose="020F0502020204030204" pitchFamily="34" charset="0"/>
-                <a:ea typeface="Calibri" panose="020F0502020204030204" pitchFamily="34" charset="0"/>
-                <a:cs typeface="Times New Roman" panose="02020603050405020304" pitchFamily="18" charset="0"/>
-              </a:rPr>
-              <a:t>what</a:t>
-            </a:r>
-            <a:r>
-              <a:rPr lang="fi-FI" sz="2800" dirty="0">
-                <a:latin typeface="Calibri" panose="020F0502020204030204" pitchFamily="34" charset="0"/>
-                <a:ea typeface="Calibri" panose="020F0502020204030204" pitchFamily="34" charset="0"/>
-                <a:cs typeface="Times New Roman" panose="02020603050405020304" pitchFamily="18" charset="0"/>
-              </a:rPr>
-              <a:t> </a:t>
-            </a:r>
-            <a:r>
-              <a:rPr lang="fi-FI" sz="2800" dirty="0" err="1">
-                <a:latin typeface="Calibri" panose="020F0502020204030204" pitchFamily="34" charset="0"/>
-                <a:ea typeface="Calibri" panose="020F0502020204030204" pitchFamily="34" charset="0"/>
-                <a:cs typeface="Times New Roman" panose="02020603050405020304" pitchFamily="18" charset="0"/>
-              </a:rPr>
-              <a:t>services</a:t>
-            </a:r>
-            <a:r>
-              <a:rPr lang="fi-FI" sz="2800" dirty="0">
-                <a:latin typeface="Calibri" panose="020F0502020204030204" pitchFamily="34" charset="0"/>
-                <a:ea typeface="Calibri" panose="020F0502020204030204" pitchFamily="34" charset="0"/>
-                <a:cs typeface="Times New Roman" panose="02020603050405020304" pitchFamily="18" charset="0"/>
-              </a:rPr>
-              <a:t> to </a:t>
-            </a:r>
-            <a:r>
-              <a:rPr lang="fi-FI" sz="2800" dirty="0" err="1">
-                <a:latin typeface="Calibri" panose="020F0502020204030204" pitchFamily="34" charset="0"/>
-                <a:ea typeface="Calibri" panose="020F0502020204030204" pitchFamily="34" charset="0"/>
-                <a:cs typeface="Times New Roman" panose="02020603050405020304" pitchFamily="18" charset="0"/>
-              </a:rPr>
-              <a:t>give</a:t>
-            </a:r>
-            <a:r>
-              <a:rPr lang="fi-FI" sz="2800" dirty="0">
-                <a:latin typeface="Calibri" panose="020F0502020204030204" pitchFamily="34" charset="0"/>
-                <a:ea typeface="Calibri" panose="020F0502020204030204" pitchFamily="34" charset="0"/>
-                <a:cs typeface="Times New Roman" panose="02020603050405020304" pitchFamily="18" charset="0"/>
-              </a:rPr>
-              <a:t> </a:t>
-            </a:r>
-            <a:r>
-              <a:rPr lang="fi-FI" sz="2800" dirty="0" err="1">
-                <a:latin typeface="Calibri" panose="020F0502020204030204" pitchFamily="34" charset="0"/>
-                <a:ea typeface="Calibri" panose="020F0502020204030204" pitchFamily="34" charset="0"/>
-                <a:cs typeface="Times New Roman" panose="02020603050405020304" pitchFamily="18" charset="0"/>
-              </a:rPr>
-              <a:t>each</a:t>
-            </a:r>
-            <a:r>
-              <a:rPr lang="fi-FI" sz="2800" dirty="0">
-                <a:latin typeface="Calibri" panose="020F0502020204030204" pitchFamily="34" charset="0"/>
-                <a:ea typeface="Calibri" panose="020F0502020204030204" pitchFamily="34" charset="0"/>
-                <a:cs typeface="Times New Roman" panose="02020603050405020304" pitchFamily="18" charset="0"/>
-              </a:rPr>
-              <a:t> </a:t>
-            </a:r>
-            <a:r>
-              <a:rPr lang="fi-FI" sz="2800" dirty="0" err="1">
-                <a:latin typeface="Calibri" panose="020F0502020204030204" pitchFamily="34" charset="0"/>
-                <a:ea typeface="Calibri" panose="020F0502020204030204" pitchFamily="34" charset="0"/>
-                <a:cs typeface="Times New Roman" panose="02020603050405020304" pitchFamily="18" charset="0"/>
-              </a:rPr>
-              <a:t>container</a:t>
-            </a:r>
-            <a:r>
-              <a:rPr lang="fi-FI" sz="2800" dirty="0">
-                <a:latin typeface="Calibri" panose="020F0502020204030204" pitchFamily="34" charset="0"/>
-                <a:ea typeface="Calibri" panose="020F0502020204030204" pitchFamily="34" charset="0"/>
-                <a:cs typeface="Times New Roman" panose="02020603050405020304" pitchFamily="18" charset="0"/>
-              </a:rPr>
-              <a:t>. </a:t>
+              <a:t>In that operating system, there is a Docker Engine server (dockerd, Docker daemon), that runs the docker containers in isolation, managing what services to expose to each container and from containers to the host computer. </a:t>
             </a:r>
           </a:p>
           <a:p>
@@ -10897,7 +10521,7 @@
                 <a:spcPct val="107000"/>
               </a:lnSpc>
             </a:pPr>
-            <a:endParaRPr lang="fi-FI" sz="2800" dirty="0">
+            <a:endParaRPr lang="en-US" sz="2800" dirty="0">
               <a:effectLst/>
               <a:latin typeface="Calibri" panose="020F0502020204030204" pitchFamily="34" charset="0"/>
               <a:ea typeface="Calibri" panose="020F0502020204030204" pitchFamily="34" charset="0"/>
@@ -10910,7 +10534,7 @@
                 <a:spcPct val="107000"/>
               </a:lnSpc>
             </a:pPr>
-            <a:endParaRPr lang="fi-FI" sz="2800" dirty="0">
+            <a:endParaRPr lang="en-US" sz="2800" dirty="0">
               <a:effectLst/>
               <a:latin typeface="Calibri" panose="020F0502020204030204" pitchFamily="34" charset="0"/>
               <a:ea typeface="Calibri" panose="020F0502020204030204" pitchFamily="34" charset="0"/>
@@ -10924,302 +10548,14 @@
               </a:lnSpc>
             </a:pPr>
             <a:r>
-              <a:rPr lang="fi-FI" sz="2800" dirty="0">
+              <a:rPr lang="en-US" sz="2800" dirty="0">
                 <a:latin typeface="Calibri" panose="020F0502020204030204" pitchFamily="34" charset="0"/>
                 <a:ea typeface="Calibri" panose="020F0502020204030204" pitchFamily="34" charset="0"/>
                 <a:cs typeface="Times New Roman" panose="02020603050405020304" pitchFamily="18" charset="0"/>
               </a:rPr>
-              <a:t>On </a:t>
-            </a:r>
-            <a:r>
-              <a:rPr lang="fi-FI" sz="2800" dirty="0" err="1">
-                <a:latin typeface="Calibri" panose="020F0502020204030204" pitchFamily="34" charset="0"/>
-                <a:ea typeface="Calibri" panose="020F0502020204030204" pitchFamily="34" charset="0"/>
-                <a:cs typeface="Times New Roman" panose="02020603050405020304" pitchFamily="18" charset="0"/>
-              </a:rPr>
-              <a:t>the</a:t>
-            </a:r>
-            <a:r>
-              <a:rPr lang="fi-FI" sz="2800" dirty="0">
-                <a:latin typeface="Calibri" panose="020F0502020204030204" pitchFamily="34" charset="0"/>
-                <a:ea typeface="Calibri" panose="020F0502020204030204" pitchFamily="34" charset="0"/>
-                <a:cs typeface="Times New Roman" panose="02020603050405020304" pitchFamily="18" charset="0"/>
-              </a:rPr>
-              <a:t> </a:t>
-            </a:r>
-            <a:r>
-              <a:rPr lang="fi-FI" sz="2800" dirty="0" err="1">
-                <a:latin typeface="Calibri" panose="020F0502020204030204" pitchFamily="34" charset="0"/>
-                <a:ea typeface="Calibri" panose="020F0502020204030204" pitchFamily="34" charset="0"/>
-                <a:cs typeface="Times New Roman" panose="02020603050405020304" pitchFamily="18" charset="0"/>
-              </a:rPr>
-              <a:t>otherhand</a:t>
-            </a:r>
-            <a:r>
-              <a:rPr lang="fi-FI" sz="2800" dirty="0">
-                <a:latin typeface="Calibri" panose="020F0502020204030204" pitchFamily="34" charset="0"/>
-                <a:ea typeface="Calibri" panose="020F0502020204030204" pitchFamily="34" charset="0"/>
-                <a:cs typeface="Times New Roman" panose="02020603050405020304" pitchFamily="18" charset="0"/>
-              </a:rPr>
-              <a:t>, inside </a:t>
-            </a:r>
-            <a:r>
-              <a:rPr lang="fi-FI" sz="2800" dirty="0" err="1">
-                <a:latin typeface="Calibri" panose="020F0502020204030204" pitchFamily="34" charset="0"/>
-                <a:ea typeface="Calibri" panose="020F0502020204030204" pitchFamily="34" charset="0"/>
-                <a:cs typeface="Times New Roman" panose="02020603050405020304" pitchFamily="18" charset="0"/>
-              </a:rPr>
-              <a:t>the</a:t>
-            </a:r>
-            <a:r>
-              <a:rPr lang="fi-FI" sz="2800" dirty="0">
-                <a:latin typeface="Calibri" panose="020F0502020204030204" pitchFamily="34" charset="0"/>
-                <a:ea typeface="Calibri" panose="020F0502020204030204" pitchFamily="34" charset="0"/>
-                <a:cs typeface="Times New Roman" panose="02020603050405020304" pitchFamily="18" charset="0"/>
-              </a:rPr>
-              <a:t> </a:t>
-            </a:r>
-            <a:r>
-              <a:rPr lang="fi-FI" sz="2800" dirty="0" err="1">
-                <a:latin typeface="Calibri" panose="020F0502020204030204" pitchFamily="34" charset="0"/>
-                <a:ea typeface="Calibri" panose="020F0502020204030204" pitchFamily="34" charset="0"/>
-                <a:cs typeface="Times New Roman" panose="02020603050405020304" pitchFamily="18" charset="0"/>
-              </a:rPr>
-              <a:t>container</a:t>
-            </a:r>
-            <a:r>
-              <a:rPr lang="fi-FI" sz="2800" dirty="0">
-                <a:latin typeface="Calibri" panose="020F0502020204030204" pitchFamily="34" charset="0"/>
-                <a:ea typeface="Calibri" panose="020F0502020204030204" pitchFamily="34" charset="0"/>
-                <a:cs typeface="Times New Roman" panose="02020603050405020304" pitchFamily="18" charset="0"/>
-              </a:rPr>
-              <a:t>, it </a:t>
-            </a:r>
-            <a:r>
-              <a:rPr lang="fi-FI" sz="2800" dirty="0" err="1">
-                <a:latin typeface="Calibri" panose="020F0502020204030204" pitchFamily="34" charset="0"/>
-                <a:ea typeface="Calibri" panose="020F0502020204030204" pitchFamily="34" charset="0"/>
-                <a:cs typeface="Times New Roman" panose="02020603050405020304" pitchFamily="18" charset="0"/>
-              </a:rPr>
-              <a:t>feels</a:t>
-            </a:r>
-            <a:r>
-              <a:rPr lang="fi-FI" sz="2800" dirty="0">
-                <a:latin typeface="Calibri" panose="020F0502020204030204" pitchFamily="34" charset="0"/>
-                <a:ea typeface="Calibri" panose="020F0502020204030204" pitchFamily="34" charset="0"/>
-                <a:cs typeface="Times New Roman" panose="02020603050405020304" pitchFamily="18" charset="0"/>
-              </a:rPr>
-              <a:t> </a:t>
-            </a:r>
-            <a:r>
-              <a:rPr lang="fi-FI" sz="2800" dirty="0" err="1">
-                <a:latin typeface="Calibri" panose="020F0502020204030204" pitchFamily="34" charset="0"/>
-                <a:ea typeface="Calibri" panose="020F0502020204030204" pitchFamily="34" charset="0"/>
-                <a:cs typeface="Times New Roman" panose="02020603050405020304" pitchFamily="18" charset="0"/>
-              </a:rPr>
-              <a:t>that</a:t>
-            </a:r>
-            <a:r>
-              <a:rPr lang="fi-FI" sz="2800" dirty="0">
-                <a:latin typeface="Calibri" panose="020F0502020204030204" pitchFamily="34" charset="0"/>
-                <a:ea typeface="Calibri" panose="020F0502020204030204" pitchFamily="34" charset="0"/>
-                <a:cs typeface="Times New Roman" panose="02020603050405020304" pitchFamily="18" charset="0"/>
-              </a:rPr>
-              <a:t> </a:t>
-            </a:r>
-            <a:r>
-              <a:rPr lang="fi-FI" sz="2800" dirty="0" err="1">
-                <a:latin typeface="Calibri" panose="020F0502020204030204" pitchFamily="34" charset="0"/>
-                <a:ea typeface="Calibri" panose="020F0502020204030204" pitchFamily="34" charset="0"/>
-                <a:cs typeface="Times New Roman" panose="02020603050405020304" pitchFamily="18" charset="0"/>
-              </a:rPr>
-              <a:t>they</a:t>
-            </a:r>
-            <a:r>
-              <a:rPr lang="fi-FI" sz="2800" dirty="0">
-                <a:latin typeface="Calibri" panose="020F0502020204030204" pitchFamily="34" charset="0"/>
-                <a:ea typeface="Calibri" panose="020F0502020204030204" pitchFamily="34" charset="0"/>
-                <a:cs typeface="Times New Roman" panose="02020603050405020304" pitchFamily="18" charset="0"/>
-              </a:rPr>
-              <a:t> </a:t>
-            </a:r>
-            <a:r>
-              <a:rPr lang="fi-FI" sz="2800" dirty="0" err="1">
-                <a:latin typeface="Calibri" panose="020F0502020204030204" pitchFamily="34" charset="0"/>
-                <a:ea typeface="Calibri" panose="020F0502020204030204" pitchFamily="34" charset="0"/>
-                <a:cs typeface="Times New Roman" panose="02020603050405020304" pitchFamily="18" charset="0"/>
-              </a:rPr>
-              <a:t>are</a:t>
-            </a:r>
-            <a:r>
-              <a:rPr lang="fi-FI" sz="2800" dirty="0">
-                <a:latin typeface="Calibri" panose="020F0502020204030204" pitchFamily="34" charset="0"/>
-                <a:ea typeface="Calibri" panose="020F0502020204030204" pitchFamily="34" charset="0"/>
-                <a:cs typeface="Times New Roman" panose="02020603050405020304" pitchFamily="18" charset="0"/>
-              </a:rPr>
-              <a:t> a </a:t>
-            </a:r>
-            <a:r>
-              <a:rPr lang="fi-FI" sz="2800" dirty="0" err="1">
-                <a:latin typeface="Calibri" panose="020F0502020204030204" pitchFamily="34" charset="0"/>
-                <a:ea typeface="Calibri" panose="020F0502020204030204" pitchFamily="34" charset="0"/>
-                <a:cs typeface="Times New Roman" panose="02020603050405020304" pitchFamily="18" charset="0"/>
-              </a:rPr>
-              <a:t>real</a:t>
-            </a:r>
-            <a:r>
-              <a:rPr lang="fi-FI" sz="2800" dirty="0">
-                <a:latin typeface="Calibri" panose="020F0502020204030204" pitchFamily="34" charset="0"/>
-                <a:ea typeface="Calibri" panose="020F0502020204030204" pitchFamily="34" charset="0"/>
-                <a:cs typeface="Times New Roman" panose="02020603050405020304" pitchFamily="18" charset="0"/>
-              </a:rPr>
-              <a:t> </a:t>
-            </a:r>
-            <a:r>
-              <a:rPr lang="fi-FI" sz="2800" dirty="0" err="1">
-                <a:latin typeface="Calibri" panose="020F0502020204030204" pitchFamily="34" charset="0"/>
-                <a:ea typeface="Calibri" panose="020F0502020204030204" pitchFamily="34" charset="0"/>
-                <a:cs typeface="Times New Roman" panose="02020603050405020304" pitchFamily="18" charset="0"/>
-              </a:rPr>
-              <a:t>machines</a:t>
-            </a:r>
-            <a:r>
-              <a:rPr lang="fi-FI" sz="2800" dirty="0">
-                <a:latin typeface="Calibri" panose="020F0502020204030204" pitchFamily="34" charset="0"/>
-                <a:ea typeface="Calibri" panose="020F0502020204030204" pitchFamily="34" charset="0"/>
-                <a:cs typeface="Times New Roman" panose="02020603050405020304" pitchFamily="18" charset="0"/>
-              </a:rPr>
-              <a:t> of </a:t>
-            </a:r>
-            <a:r>
-              <a:rPr lang="fi-FI" sz="2800" dirty="0" err="1">
-                <a:latin typeface="Calibri" panose="020F0502020204030204" pitchFamily="34" charset="0"/>
-                <a:ea typeface="Calibri" panose="020F0502020204030204" pitchFamily="34" charset="0"/>
-                <a:cs typeface="Times New Roman" panose="02020603050405020304" pitchFamily="18" charset="0"/>
-              </a:rPr>
-              <a:t>their</a:t>
-            </a:r>
-            <a:r>
-              <a:rPr lang="fi-FI" sz="2800" dirty="0">
-                <a:latin typeface="Calibri" panose="020F0502020204030204" pitchFamily="34" charset="0"/>
-                <a:ea typeface="Calibri" panose="020F0502020204030204" pitchFamily="34" charset="0"/>
-                <a:cs typeface="Times New Roman" panose="02020603050405020304" pitchFamily="18" charset="0"/>
-              </a:rPr>
-              <a:t> </a:t>
-            </a:r>
-            <a:r>
-              <a:rPr lang="fi-FI" sz="2800" dirty="0" err="1">
-                <a:latin typeface="Calibri" panose="020F0502020204030204" pitchFamily="34" charset="0"/>
-                <a:ea typeface="Calibri" panose="020F0502020204030204" pitchFamily="34" charset="0"/>
-                <a:cs typeface="Times New Roman" panose="02020603050405020304" pitchFamily="18" charset="0"/>
-              </a:rPr>
-              <a:t>own</a:t>
-            </a:r>
-            <a:r>
-              <a:rPr lang="fi-FI" sz="2800" dirty="0">
-                <a:latin typeface="Calibri" panose="020F0502020204030204" pitchFamily="34" charset="0"/>
-                <a:ea typeface="Calibri" panose="020F0502020204030204" pitchFamily="34" charset="0"/>
-                <a:cs typeface="Times New Roman" panose="02020603050405020304" pitchFamily="18" charset="0"/>
-              </a:rPr>
-              <a:t>, </a:t>
-            </a:r>
-            <a:r>
-              <a:rPr lang="fi-FI" sz="2800" dirty="0" err="1">
-                <a:latin typeface="Calibri" panose="020F0502020204030204" pitchFamily="34" charset="0"/>
-                <a:ea typeface="Calibri" panose="020F0502020204030204" pitchFamily="34" charset="0"/>
-                <a:cs typeface="Times New Roman" panose="02020603050405020304" pitchFamily="18" charset="0"/>
-              </a:rPr>
-              <a:t>they</a:t>
-            </a:r>
-            <a:r>
-              <a:rPr lang="fi-FI" sz="2800" dirty="0">
-                <a:latin typeface="Calibri" panose="020F0502020204030204" pitchFamily="34" charset="0"/>
-                <a:ea typeface="Calibri" panose="020F0502020204030204" pitchFamily="34" charset="0"/>
-                <a:cs typeface="Times New Roman" panose="02020603050405020304" pitchFamily="18" charset="0"/>
-              </a:rPr>
-              <a:t> </a:t>
-            </a:r>
-            <a:r>
-              <a:rPr lang="fi-FI" sz="2800" dirty="0" err="1">
-                <a:latin typeface="Calibri" panose="020F0502020204030204" pitchFamily="34" charset="0"/>
-                <a:ea typeface="Calibri" panose="020F0502020204030204" pitchFamily="34" charset="0"/>
-                <a:cs typeface="Times New Roman" panose="02020603050405020304" pitchFamily="18" charset="0"/>
-              </a:rPr>
-              <a:t>feel</a:t>
-            </a:r>
-            <a:r>
-              <a:rPr lang="fi-FI" sz="2800" dirty="0">
-                <a:latin typeface="Calibri" panose="020F0502020204030204" pitchFamily="34" charset="0"/>
-                <a:ea typeface="Calibri" panose="020F0502020204030204" pitchFamily="34" charset="0"/>
-                <a:cs typeface="Times New Roman" panose="02020603050405020304" pitchFamily="18" charset="0"/>
-              </a:rPr>
-              <a:t> </a:t>
-            </a:r>
-            <a:r>
-              <a:rPr lang="fi-FI" sz="2800" dirty="0" err="1">
-                <a:latin typeface="Calibri" panose="020F0502020204030204" pitchFamily="34" charset="0"/>
-                <a:ea typeface="Calibri" panose="020F0502020204030204" pitchFamily="34" charset="0"/>
-                <a:cs typeface="Times New Roman" panose="02020603050405020304" pitchFamily="18" charset="0"/>
-              </a:rPr>
-              <a:t>like</a:t>
-            </a:r>
-            <a:r>
-              <a:rPr lang="fi-FI" sz="2800" dirty="0">
-                <a:latin typeface="Calibri" panose="020F0502020204030204" pitchFamily="34" charset="0"/>
-                <a:ea typeface="Calibri" panose="020F0502020204030204" pitchFamily="34" charset="0"/>
-                <a:cs typeface="Times New Roman" panose="02020603050405020304" pitchFamily="18" charset="0"/>
-              </a:rPr>
-              <a:t> </a:t>
-            </a:r>
-            <a:r>
-              <a:rPr lang="fi-FI" sz="2800" dirty="0" err="1">
-                <a:latin typeface="Calibri" panose="020F0502020204030204" pitchFamily="34" charset="0"/>
-                <a:ea typeface="Calibri" panose="020F0502020204030204" pitchFamily="34" charset="0"/>
-                <a:cs typeface="Times New Roman" panose="02020603050405020304" pitchFamily="18" charset="0"/>
-              </a:rPr>
-              <a:t>running</a:t>
-            </a:r>
-            <a:r>
-              <a:rPr lang="fi-FI" sz="2800" dirty="0">
-                <a:latin typeface="Calibri" panose="020F0502020204030204" pitchFamily="34" charset="0"/>
-                <a:ea typeface="Calibri" panose="020F0502020204030204" pitchFamily="34" charset="0"/>
-                <a:cs typeface="Times New Roman" panose="02020603050405020304" pitchFamily="18" charset="0"/>
-              </a:rPr>
-              <a:t> e.g. </a:t>
-            </a:r>
-            <a:r>
-              <a:rPr lang="fi-FI" sz="2800" dirty="0" err="1">
-                <a:latin typeface="Calibri" panose="020F0502020204030204" pitchFamily="34" charset="0"/>
-                <a:ea typeface="Calibri" panose="020F0502020204030204" pitchFamily="34" charset="0"/>
-                <a:cs typeface="Times New Roman" panose="02020603050405020304" pitchFamily="18" charset="0"/>
-              </a:rPr>
-              <a:t>light-weight</a:t>
-            </a:r>
-            <a:r>
-              <a:rPr lang="fi-FI" sz="2800" dirty="0">
-                <a:latin typeface="Calibri" panose="020F0502020204030204" pitchFamily="34" charset="0"/>
-                <a:ea typeface="Calibri" panose="020F0502020204030204" pitchFamily="34" charset="0"/>
-                <a:cs typeface="Times New Roman" panose="02020603050405020304" pitchFamily="18" charset="0"/>
-              </a:rPr>
-              <a:t> Linux and file </a:t>
-            </a:r>
-            <a:r>
-              <a:rPr lang="fi-FI" sz="2800" dirty="0" err="1">
-                <a:latin typeface="Calibri" panose="020F0502020204030204" pitchFamily="34" charset="0"/>
-                <a:ea typeface="Calibri" panose="020F0502020204030204" pitchFamily="34" charset="0"/>
-                <a:cs typeface="Times New Roman" panose="02020603050405020304" pitchFamily="18" charset="0"/>
-              </a:rPr>
-              <a:t>system</a:t>
-            </a:r>
-            <a:r>
-              <a:rPr lang="fi-FI" sz="2800" dirty="0">
-                <a:latin typeface="Calibri" panose="020F0502020204030204" pitchFamily="34" charset="0"/>
-                <a:ea typeface="Calibri" panose="020F0502020204030204" pitchFamily="34" charset="0"/>
-                <a:cs typeface="Times New Roman" panose="02020603050405020304" pitchFamily="18" charset="0"/>
-              </a:rPr>
-              <a:t>.</a:t>
-            </a:r>
-            <a:endParaRPr lang="fi-FI" sz="2800" dirty="0">
+              <a:t>On the other hand, inside the container, it feels that they are a real machines of their own, they feel like running e.g. light-weight Linux and its file system.</a:t>
+            </a:r>
+            <a:endParaRPr lang="en-US" sz="2800" dirty="0">
               <a:effectLst/>
               <a:latin typeface="Calibri" panose="020F0502020204030204" pitchFamily="34" charset="0"/>
               <a:ea typeface="Calibri" panose="020F0502020204030204" pitchFamily="34" charset="0"/>
@@ -11227,7 +10563,7 @@
             </a:endParaRPr>
           </a:p>
           <a:p>
-            <a:endParaRPr lang="fi-FI" dirty="0"/>
+            <a:endParaRPr lang="en-US" dirty="0"/>
           </a:p>
         </p:txBody>
       </p:sp>
@@ -11254,7 +10590,7 @@
           <a:p>
             <a:fld id="{202E1EC2-47B8-044B-A09E-6A63B4D80C87}" type="datetime1">
               <a:rPr lang="fi-FI" smtClean="0"/>
-              <a:t>18.2.2024</a:t>
+              <a:t>29.8.2024</a:t>
             </a:fld>
             <a:endParaRPr lang="en-GB"/>
           </a:p>
@@ -11412,7 +10748,7 @@
           <a:p>
             <a:fld id="{202E1EC2-47B8-044B-A09E-6A63B4D80C87}" type="datetime1">
               <a:rPr lang="fi-FI" smtClean="0"/>
-              <a:t>18.2.2024</a:t>
+              <a:t>29.8.2024</a:t>
             </a:fld>
             <a:endParaRPr lang="en-GB"/>
           </a:p>
@@ -11603,7 +10939,7 @@
             </a:r>
             <a:r>
               <a:rPr lang="fi-FI" dirty="0" err="1"/>
-              <a:t>bigger</a:t>
+              <a:t>Bigger</a:t>
             </a:r>
             <a:r>
               <a:rPr lang="fi-FI" dirty="0"/>
@@ -11640,7 +10976,7 @@
           <a:p>
             <a:fld id="{202E1EC2-47B8-044B-A09E-6A63B4D80C87}" type="datetime1">
               <a:rPr lang="fi-FI" smtClean="0"/>
-              <a:t>18.2.2024</a:t>
+              <a:t>29.8.2024</a:t>
             </a:fld>
             <a:endParaRPr lang="en-GB"/>
           </a:p>
@@ -11952,7 +11288,7 @@
                 <a:ea typeface="Calibri" panose="020F0502020204030204" pitchFamily="34" charset="0"/>
                 <a:cs typeface="Times New Roman" panose="02020603050405020304" pitchFamily="18" charset="0"/>
               </a:rPr>
-              <a:t>Pull images (for running) from Docker registries</a:t>
+              <a:t>Pull images from Docker registries (for running them as containers)</a:t>
             </a:r>
           </a:p>
         </p:txBody>
@@ -11980,7 +11316,7 @@
           <a:p>
             <a:fld id="{202E1EC2-47B8-044B-A09E-6A63B4D80C87}" type="datetime1">
               <a:rPr lang="fi-FI" smtClean="0"/>
-              <a:t>18.2.2024</a:t>
+              <a:t>29.8.2024</a:t>
             </a:fld>
             <a:endParaRPr lang="en-GB"/>
           </a:p>
@@ -12143,7 +11479,7 @@
               <a:t>The engine (</a:t>
             </a:r>
             <a:r>
-              <a:rPr lang="en-US" sz="2800" i="1" dirty="0" err="1">
+              <a:rPr lang="en-US" sz="2800" i="1" dirty="0">
                 <a:effectLst/>
                 <a:latin typeface="Calibri" panose="020F0502020204030204" pitchFamily="34" charset="0"/>
                 <a:ea typeface="Calibri" panose="020F0502020204030204" pitchFamily="34" charset="0"/>
@@ -12203,7 +11539,7 @@
                 <a:ea typeface="Calibri" panose="020F0502020204030204" pitchFamily="34" charset="0"/>
                 <a:cs typeface="Times New Roman" panose="02020603050405020304" pitchFamily="18" charset="0"/>
               </a:rPr>
-              <a:t>Isolate and connect them based on definitions</a:t>
+              <a:t>Isolate and connect them based on your definitions</a:t>
             </a:r>
           </a:p>
         </p:txBody>
@@ -12231,7 +11567,7 @@
           <a:p>
             <a:fld id="{202E1EC2-47B8-044B-A09E-6A63B4D80C87}" type="datetime1">
               <a:rPr lang="fi-FI" smtClean="0"/>
-              <a:t>18.2.2024</a:t>
+              <a:t>29.8.2024</a:t>
             </a:fld>
             <a:endParaRPr lang="en-GB"/>
           </a:p>
@@ -12436,7 +11772,7 @@
                 <a:ea typeface="Calibri" panose="020F0502020204030204" pitchFamily="34" charset="0"/>
                 <a:cs typeface="Times New Roman" panose="02020603050405020304" pitchFamily="18" charset="0"/>
               </a:rPr>
-              <a:t>Client for giving commands e.g. about </a:t>
+              <a:t>Client for giving commands e.g., about:</a:t>
             </a:r>
           </a:p>
           <a:p>
@@ -12506,11 +11842,11 @@
                 <a:ea typeface="Calibri" panose="020F0502020204030204" pitchFamily="34" charset="0"/>
                 <a:cs typeface="Times New Roman" panose="02020603050405020304" pitchFamily="18" charset="0"/>
               </a:rPr>
-              <a:t>inding status of containers and images</a:t>
-            </a:r>
-          </a:p>
-          <a:p>
-            <a:pPr>
+              <a:t>inding the status of containers and images</a:t>
+            </a:r>
+          </a:p>
+          <a:p>
+            <a:pPr lvl="1">
               <a:lnSpc>
                 <a:spcPct val="107000"/>
               </a:lnSpc>
@@ -12526,7 +11862,7 @@
               </a:rPr>
               <a:t>Or executing commands inside the container from outside:         docker exec …</a:t>
             </a:r>
-            <a:endParaRPr lang="fi-FI" sz="1800" dirty="0">
+            <a:endParaRPr lang="fi-FI" dirty="0">
               <a:effectLst/>
               <a:latin typeface="Calibri" panose="020F0502020204030204" pitchFamily="34" charset="0"/>
               <a:ea typeface="Calibri" panose="020F0502020204030204" pitchFamily="34" charset="0"/>
@@ -12558,7 +11894,7 @@
           <a:p>
             <a:fld id="{202E1EC2-47B8-044B-A09E-6A63B4D80C87}" type="datetime1">
               <a:rPr lang="fi-FI" smtClean="0"/>
-              <a:t>18.2.2024</a:t>
+              <a:t>29.8.2024</a:t>
             </a:fld>
             <a:endParaRPr lang="en-GB"/>
           </a:p>
@@ -12753,7 +12089,24 @@
                 <a:ea typeface="Calibri" panose="020F0502020204030204" pitchFamily="34" charset="0"/>
                 <a:cs typeface="Times New Roman" panose="02020603050405020304" pitchFamily="18" charset="0"/>
               </a:rPr>
-              <a:t>and, if needed, based on / expanding on ready-made images from </a:t>
+              <a:t>and</a:t>
+            </a:r>
+            <a:r>
+              <a:rPr lang="en-US" dirty="0">
+                <a:latin typeface="Calibri" panose="020F0502020204030204" pitchFamily="34" charset="0"/>
+                <a:ea typeface="Calibri" panose="020F0502020204030204" pitchFamily="34" charset="0"/>
+                <a:cs typeface="Times New Roman" panose="02020603050405020304" pitchFamily="18" charset="0"/>
+              </a:rPr>
+              <a:t> image is usually</a:t>
+            </a:r>
+            <a:r>
+              <a:rPr lang="en-US" dirty="0">
+                <a:effectLst/>
+                <a:latin typeface="Calibri" panose="020F0502020204030204" pitchFamily="34" charset="0"/>
+                <a:ea typeface="Calibri" panose="020F0502020204030204" pitchFamily="34" charset="0"/>
+                <a:cs typeface="Times New Roman" panose="02020603050405020304" pitchFamily="18" charset="0"/>
+              </a:rPr>
+              <a:t> based on / expanding on ready-made images from </a:t>
             </a:r>
             <a:r>
               <a:rPr lang="en-US" i="1" dirty="0">
@@ -12773,6 +12126,63 @@
               </a:rPr>
               <a:t> or other docker image registry.</a:t>
             </a:r>
+          </a:p>
+          <a:p>
+            <a:pPr lvl="2">
+              <a:lnSpc>
+                <a:spcPct val="107000"/>
+              </a:lnSpc>
+              <a:spcAft>
+                <a:spcPts val="800"/>
+              </a:spcAft>
+            </a:pPr>
+            <a:r>
+              <a:rPr lang="en-US" dirty="0">
+                <a:latin typeface="Calibri" panose="020F0502020204030204" pitchFamily="34" charset="0"/>
+                <a:ea typeface="Calibri" panose="020F0502020204030204" pitchFamily="34" charset="0"/>
+                <a:cs typeface="Times New Roman" panose="02020603050405020304" pitchFamily="18" charset="0"/>
+              </a:rPr>
+              <a:t>FROM: </a:t>
+            </a:r>
+            <a:r>
+              <a:rPr lang="en-US" dirty="0" err="1">
+                <a:latin typeface="Calibri" panose="020F0502020204030204" pitchFamily="34" charset="0"/>
+                <a:ea typeface="Calibri" panose="020F0502020204030204" pitchFamily="34" charset="0"/>
+                <a:cs typeface="Times New Roman" panose="02020603050405020304" pitchFamily="18" charset="0"/>
+              </a:rPr>
+              <a:t>ubuntu:latest</a:t>
+            </a:r>
+            <a:endParaRPr lang="en-US" dirty="0">
+              <a:latin typeface="Calibri" panose="020F0502020204030204" pitchFamily="34" charset="0"/>
+              <a:ea typeface="Calibri" panose="020F0502020204030204" pitchFamily="34" charset="0"/>
+              <a:cs typeface="Times New Roman" panose="02020603050405020304" pitchFamily="18" charset="0"/>
+            </a:endParaRPr>
+          </a:p>
+          <a:p>
+            <a:pPr lvl="2">
+              <a:lnSpc>
+                <a:spcPct val="107000"/>
+              </a:lnSpc>
+              <a:spcAft>
+                <a:spcPts val="800"/>
+              </a:spcAft>
+            </a:pPr>
+            <a:endParaRPr lang="en-US" dirty="0">
+              <a:effectLst/>
+              <a:latin typeface="Calibri" panose="020F0502020204030204" pitchFamily="34" charset="0"/>
+              <a:ea typeface="Calibri" panose="020F0502020204030204" pitchFamily="34" charset="0"/>
+              <a:cs typeface="Times New Roman" panose="02020603050405020304" pitchFamily="18" charset="0"/>
+            </a:endParaRPr>
+          </a:p>
+          <a:p>
+            <a:pPr lvl="2">
+              <a:lnSpc>
+                <a:spcPct val="107000"/>
+              </a:lnSpc>
+              <a:spcAft>
+                <a:spcPts val="800"/>
+              </a:spcAft>
+            </a:pPr>
             <a:endParaRPr lang="fi-FI" dirty="0">
               <a:effectLst/>
               <a:latin typeface="Calibri" panose="020F0502020204030204" pitchFamily="34" charset="0"/>
@@ -12808,7 +12218,7 @@
           <a:p>
             <a:fld id="{202E1EC2-47B8-044B-A09E-6A63B4D80C87}" type="datetime1">
               <a:rPr lang="fi-FI" smtClean="0"/>
-              <a:t>18.2.2024</a:t>
+              <a:t>29.8.2024</a:t>
             </a:fld>
             <a:endParaRPr lang="en-GB"/>
           </a:p>
@@ -13438,21 +12848,21 @@
 </file>
 
 <file path=customXml/item1.xml><?xml version="1.0" encoding="utf-8"?>
+<p:properties xmlns:p="http://schemas.microsoft.com/office/2006/metadata/properties" xmlns:xsi="http://www.w3.org/2001/XMLSchema-instance" xmlns:pc="http://schemas.microsoft.com/office/infopath/2007/PartnerControls">
+  <documentManagement>
+    <PublishingExpirationDate xmlns="http://schemas.microsoft.com/sharepoint/v3" xsi:nil="true"/>
+    <PublishingStartDate xmlns="http://schemas.microsoft.com/sharepoint/v3" xsi:nil="true"/>
+  </documentManagement>
+</p:properties>
+</file>
+
+<file path=customXml/item2.xml><?xml version="1.0" encoding="utf-8"?>
 <?mso-contentType ?>
 <FormTemplates xmlns="http://schemas.microsoft.com/sharepoint/v3/contenttype/forms">
   <Display>DocumentLibraryForm</Display>
   <Edit>DocumentLibraryForm</Edit>
   <New>DocumentLibraryForm</New>
 </FormTemplates>
-</file>
-
-<file path=customXml/item2.xml><?xml version="1.0" encoding="utf-8"?>
-<p:properties xmlns:p="http://schemas.microsoft.com/office/2006/metadata/properties" xmlns:xsi="http://www.w3.org/2001/XMLSchema-instance" xmlns:pc="http://schemas.microsoft.com/office/infopath/2007/PartnerControls">
-  <documentManagement>
-    <PublishingExpirationDate xmlns="http://schemas.microsoft.com/sharepoint/v3" xsi:nil="true"/>
-    <PublishingStartDate xmlns="http://schemas.microsoft.com/sharepoint/v3" xsi:nil="true"/>
-  </documentManagement>
-</p:properties>
 </file>
 
 <file path=customXml/item3.xml><?xml version="1.0" encoding="utf-8"?>
@@ -13588,14 +12998,6 @@
 </file>
 
 <file path=customXml/itemProps1.xml><?xml version="1.0" encoding="utf-8"?>
-<ds:datastoreItem xmlns:ds="http://schemas.openxmlformats.org/officeDocument/2006/customXml" ds:itemID="{D546C03B-CD3A-4EA0-AAA4-0E00E896454E}">
-  <ds:schemaRefs>
-    <ds:schemaRef ds:uri="http://schemas.microsoft.com/sharepoint/v3/contenttype/forms"/>
-  </ds:schemaRefs>
-</ds:datastoreItem>
-</file>
-
-<file path=customXml/itemProps2.xml><?xml version="1.0" encoding="utf-8"?>
 <ds:datastoreItem xmlns:ds="http://schemas.openxmlformats.org/officeDocument/2006/customXml" ds:itemID="{DED4E12E-7268-4B03-A47B-0755D62B5E31}">
   <ds:schemaRefs>
     <ds:schemaRef ds:uri="http://schemas.microsoft.com/sharepoint/v3"/>
@@ -13607,6 +13009,14 @@
     <ds:schemaRef ds:uri="http://schemas.openxmlformats.org/package/2006/metadata/core-properties"/>
     <ds:schemaRef ds:uri="http://schemas.microsoft.com/office/2006/metadata/properties"/>
     <ds:schemaRef ds:uri="http://www.w3.org/XML/1998/namespace"/>
+  </ds:schemaRefs>
+</ds:datastoreItem>
+</file>
+
+<file path=customXml/itemProps2.xml><?xml version="1.0" encoding="utf-8"?>
+<ds:datastoreItem xmlns:ds="http://schemas.openxmlformats.org/officeDocument/2006/customXml" ds:itemID="{D546C03B-CD3A-4EA0-AAA4-0E00E896454E}">
+  <ds:schemaRefs>
+    <ds:schemaRef ds:uri="http://schemas.microsoft.com/sharepoint/v3/contenttype/forms"/>
   </ds:schemaRefs>
 </ds:datastoreItem>
 </file>
